--- a/help/data-sheets/assets/OnlineSupportDatasheet.pptx
+++ b/help/data-sheets/assets/OnlineSupportDatasheet.pptx
@@ -128,51 +128,6 @@
 </p:presentation>
 </file>
 
-<file path=ppt/revisionInfo.xml><?xml version="1.0" encoding="utf-8"?>
-<p1510:revInfo xmlns:a="http://schemas.openxmlformats.org/drawingml/2006/main" xmlns:r="http://schemas.openxmlformats.org/officeDocument/2006/relationships" xmlns:p1510="http://schemas.microsoft.com/office/powerpoint/2015/10/main">
-  <p1510:revLst>
-    <p1510:client id="{5343DD59-8FB2-7AAD-1875-255EDB54B98D}" v="367" dt="2021-09-22T18:47:16.489"/>
-  </p1510:revLst>
-</p1510:revInfo>
-</file>
-
-<file path=ppt/changesInfos/changesInfo1.xml><?xml version="1.0" encoding="utf-8"?>
-<pc:chgInfo xmlns:a="http://schemas.openxmlformats.org/drawingml/2006/main" xmlns:r="http://schemas.openxmlformats.org/officeDocument/2006/relationships" xmlns:ac="http://schemas.microsoft.com/office/drawing/2013/main/command" xmlns:pc="http://schemas.microsoft.com/office/powerpoint/2013/main/command">
-  <pc:docChgLst>
-    <pc:chgData name="Akilah Johnson" userId="S::akjohnso@adobe.com::2fa3aa60-0c9c-4d06-bae2-795983241227" providerId="AD" clId="Web-{5343DD59-8FB2-7AAD-1875-255EDB54B98D}"/>
-    <pc:docChg chg="modSld">
-      <pc:chgData name="Akilah Johnson" userId="S::akjohnso@adobe.com::2fa3aa60-0c9c-4d06-bae2-795983241227" providerId="AD" clId="Web-{5343DD59-8FB2-7AAD-1875-255EDB54B98D}" dt="2021-09-22T18:47:16.489" v="185"/>
-      <pc:docMkLst>
-        <pc:docMk/>
-      </pc:docMkLst>
-      <pc:sldChg chg="modSp">
-        <pc:chgData name="Akilah Johnson" userId="S::akjohnso@adobe.com::2fa3aa60-0c9c-4d06-bae2-795983241227" providerId="AD" clId="Web-{5343DD59-8FB2-7AAD-1875-255EDB54B98D}" dt="2021-09-22T18:47:16.489" v="185"/>
-        <pc:sldMkLst>
-          <pc:docMk/>
-          <pc:sldMk cId="799510854" sldId="260"/>
-        </pc:sldMkLst>
-        <pc:spChg chg="mod">
-          <ac:chgData name="Akilah Johnson" userId="S::akjohnso@adobe.com::2fa3aa60-0c9c-4d06-bae2-795983241227" providerId="AD" clId="Web-{5343DD59-8FB2-7AAD-1875-255EDB54B98D}" dt="2021-09-22T18:45:44.427" v="153" actId="20577"/>
-          <ac:spMkLst>
-            <pc:docMk/>
-            <pc:sldMk cId="799510854" sldId="260"/>
-            <ac:spMk id="64" creationId="{41467BDC-3D83-D844-B922-CD07E94E5AAB}"/>
-          </ac:spMkLst>
-        </pc:spChg>
-        <pc:graphicFrameChg chg="mod modGraphic">
-          <ac:chgData name="Akilah Johnson" userId="S::akjohnso@adobe.com::2fa3aa60-0c9c-4d06-bae2-795983241227" providerId="AD" clId="Web-{5343DD59-8FB2-7AAD-1875-255EDB54B98D}" dt="2021-09-22T18:47:16.489" v="185"/>
-          <ac:graphicFrameMkLst>
-            <pc:docMk/>
-            <pc:sldMk cId="799510854" sldId="260"/>
-            <ac:graphicFrameMk id="25" creationId="{3A91F5B0-3974-A14D-A146-FB590F2AAD18}"/>
-          </ac:graphicFrameMkLst>
-        </pc:graphicFrameChg>
-      </pc:sldChg>
-    </pc:docChg>
-  </pc:docChgLst>
-</pc:chgInfo>
-</file>
-
 <file path=ppt/notesMasters/notesMaster1.xml><?xml version="1.0" encoding="utf-8"?>
 <p:notesMaster xmlns:a="http://schemas.openxmlformats.org/drawingml/2006/main" xmlns:r="http://schemas.openxmlformats.org/officeDocument/2006/relationships" xmlns:p="http://schemas.openxmlformats.org/presentationml/2006/main">
   <p:cSld>
@@ -255,7 +210,7 @@
           <a:p>
             <a:fld id="{A438815C-EDE5-F947-A55F-7634403F36C4}" type="datetimeFigureOut">
               <a:rPr lang="en-US" smtClean="0"/>
-              <a:t>9/22/2021</a:t>
+              <a:t>10/11/21</a:t>
             </a:fld>
             <a:endParaRPr lang="en-US"/>
           </a:p>
@@ -878,7 +833,7 @@
           <a:p>
             <a:fld id="{1D8BD707-D9CF-40AE-B4C6-C98DA3205C09}" type="datetimeFigureOut">
               <a:rPr lang="en-US"/>
-              <a:t>9/22/2021</a:t>
+              <a:t>10/11/21</a:t>
             </a:fld>
             <a:endParaRPr lang="en-US"/>
           </a:p>
@@ -1062,7 +1017,7 @@
           <a:p>
             <a:fld id="{1D8BD707-D9CF-40AE-B4C6-C98DA3205C09}" type="datetimeFigureOut">
               <a:rPr lang="en-US"/>
-              <a:t>9/22/2021</a:t>
+              <a:t>10/11/21</a:t>
             </a:fld>
             <a:endParaRPr lang="en-US"/>
           </a:p>
@@ -1364,7 +1319,7 @@
           <a:p>
             <a:fld id="{1D8BD707-D9CF-40AE-B4C6-C98DA3205C09}" type="datetimeFigureOut">
               <a:rPr lang="en-US"/>
-              <a:t>9/22/2021</a:t>
+              <a:t>10/11/21</a:t>
             </a:fld>
             <a:endParaRPr lang="en-US"/>
           </a:p>
@@ -1640,7 +1595,7 @@
               </a:spcBef>
             </a:pPr>
             <a:r>
-              <a:rPr sz="1400" b="1" u="heavy" spc="10" dirty="0">
+              <a:rPr lang="de-de" sz="1400" b="1" u="heavy" spc="10" dirty="0">
                 <a:solidFill>
                   <a:srgbClr val="020302"/>
                 </a:solidFill>
@@ -1652,10 +1607,10 @@
                 <a:latin typeface="Adobe Clean"/>
                 <a:cs typeface="Adobe Clean"/>
               </a:rPr>
-              <a:t>Service </a:t>
+              <a:t>服務</a:t>
             </a:r>
             <a:r>
-              <a:rPr sz="1400" b="1" u="heavy" spc="-10" dirty="0">
+              <a:rPr lang="de-de" sz="1400" b="1" u="heavy" spc="-10" dirty="0">
                 <a:solidFill>
                   <a:srgbClr val="020302"/>
                 </a:solidFill>
@@ -1667,10 +1622,10 @@
                 <a:latin typeface="Adobe Clean"/>
                 <a:cs typeface="Adobe Clean"/>
               </a:rPr>
-              <a:t>Level </a:t>
+              <a:t>層級</a:t>
             </a:r>
             <a:r>
-              <a:rPr sz="1400" b="1" u="heavy" spc="-45" dirty="0">
+              <a:rPr lang="de-de" sz="1400" b="1" u="heavy" spc="-45" dirty="0">
                 <a:solidFill>
                   <a:srgbClr val="020302"/>
                 </a:solidFill>
@@ -1682,10 +1637,10 @@
                 <a:latin typeface="Adobe Clean"/>
                 <a:cs typeface="Adobe Clean"/>
               </a:rPr>
-              <a:t>Targets: </a:t>
+              <a:t>目標：</a:t>
             </a:r>
             <a:r>
-              <a:rPr sz="1400" b="1" u="heavy" spc="-10" dirty="0">
+              <a:rPr lang="de-de" sz="1400" b="1" u="heavy" spc="-10" dirty="0">
                 <a:solidFill>
                   <a:srgbClr val="020302"/>
                 </a:solidFill>
@@ -1697,10 +1652,10 @@
                 <a:latin typeface="Adobe Clean"/>
                 <a:cs typeface="Adobe Clean"/>
               </a:rPr>
-              <a:t>Initial</a:t>
+              <a:t>最初</a:t>
             </a:r>
             <a:r>
-              <a:rPr sz="1400" b="1" u="heavy" spc="-140" dirty="0">
+              <a:rPr lang="de-de" sz="1400" b="1" u="heavy" spc="-15" dirty="0">
                 <a:solidFill>
                   <a:srgbClr val="020302"/>
                 </a:solidFill>
@@ -1712,22 +1667,7 @@
                 <a:latin typeface="Adobe Clean"/>
                 <a:cs typeface="Adobe Clean"/>
               </a:rPr>
-              <a:t> </a:t>
-            </a:r>
-            <a:r>
-              <a:rPr sz="1400" b="1" u="heavy" spc="-15" dirty="0">
-                <a:solidFill>
-                  <a:srgbClr val="020302"/>
-                </a:solidFill>
-                <a:uFill>
-                  <a:solidFill>
-                    <a:srgbClr val="020302"/>
-                  </a:solidFill>
-                </a:uFill>
-                <a:latin typeface="Adobe Clean"/>
-                <a:cs typeface="Adobe Clean"/>
-              </a:rPr>
-              <a:t>Response</a:t>
+              <a:t>回應</a:t>
             </a:r>
             <a:endParaRPr sz="1400" dirty="0">
               <a:latin typeface="Adobe Clean"/>
@@ -1795,41 +1735,34 @@
               </a:spcBef>
             </a:pPr>
             <a:r>
-              <a:rPr lang="en-US" sz="1200" b="1" dirty="0">
+              <a:rPr lang="de-de" sz="1200" b="1" dirty="0">
                 <a:solidFill>
                   <a:schemeClr val="bg1"/>
                 </a:solidFill>
               </a:rPr>
-              <a:t>Online</a:t>
+              <a:t>線上</a:t>
             </a:r>
             <a:r>
-              <a:rPr lang="en-US" sz="1200" dirty="0">
+              <a:rPr lang="de-de" sz="1200" dirty="0">
                 <a:solidFill>
                   <a:schemeClr val="bg1"/>
                 </a:solidFill>
                 <a:latin typeface="Adobe Clean Light" panose="020B0303020404020204" pitchFamily="34" charset="0"/>
               </a:rPr>
-              <a:t> | Business | Enterprise | Elite</a:t>
+              <a:t> | 商務 | 企業 | 菁英</a:t>
             </a:r>
-            <a:br>
-              <a:rPr lang="en-US" sz="900" dirty="0">
-                <a:solidFill>
-                  <a:schemeClr val="bg1"/>
-                </a:solidFill>
-                <a:latin typeface="Adobe Clean Light" panose="020B0303020404020204" pitchFamily="34" charset="0"/>
-              </a:rPr>
-            </a:br>
+            <a:br/>
             <a:r>
-              <a:rPr lang="en-US" sz="900" dirty="0">
+              <a:rPr lang="de-de" sz="900" dirty="0">
                 <a:solidFill>
                   <a:schemeClr val="bg1"/>
                 </a:solidFill>
                 <a:latin typeface="Adobe Clean SemiLight" panose="020B0403020404020204" pitchFamily="34" charset="0"/>
               </a:rPr>
-              <a:t>Adobe provides a comprehensive range of technical resources to help support your business included as part of your Experience Cloud license subscription. Online support includes access to personalized learning paths and monitored community forums via the Adobe Experience League. You can take advantage of our detailed and in-depth technical product documentation and current release notes published on </a:t>
+              <a:t>Adobe 提供全方位的技術資源來支援您的業務，這些資源包括在您的 Experience Cloud 授權訂閱中，並在 BUSINESS 支援套件中加以強化。線上支援包括透過 Adobe Experience League 存取個人化學習路徑和監控的社群論壇。您可以利用我們在 </a:t>
             </a:r>
             <a:r>
-              <a:rPr lang="en-US" sz="900" u="sng" dirty="0">
+              <a:rPr lang="de-de" sz="900" u="sng" dirty="0">
                 <a:solidFill>
                   <a:schemeClr val="bg1"/>
                 </a:solidFill>
@@ -1842,16 +1775,16 @@
                   </a:extLst>
                 </a:hlinkClick>
               </a:rPr>
-              <a:t>http://www.adobe.com</a:t>
+              <a:t>http://www.adobe.com/tw/</a:t>
             </a:r>
             <a:r>
-              <a:rPr lang="en-US" sz="900" dirty="0">
+              <a:rPr lang="de-de" sz="900" dirty="0">
                 <a:solidFill>
                   <a:schemeClr val="bg1"/>
                 </a:solidFill>
                 <a:latin typeface="Adobe Clean SemiLight" panose="020B0403020404020204" pitchFamily="34" charset="0"/>
               </a:rPr>
-              <a:t> Our Online package also includes access to our technical support teams for any critical P1 product issues via telephone to help protect your business at the most critical times as well as providing the ability to log lower priority requests for assistance via support web portal.</a:t>
+              <a:t> 上發佈的詳細且深入的技術產品文件和目前的版本注意事項。我們的線上套件還包括透過電話與我們的技術支援團隊聯絡，以解決任何關鍵的 P1 產品問題，協助在最關鍵的時刻保護您的業務，並提供透過支援入口網站記錄低優先順序的援助請求的能力。</a:t>
             </a:r>
             <a:endParaRPr lang="en-US" sz="900" dirty="0">
               <a:solidFill>
@@ -2002,34 +1935,14 @@
                         </a:spcBef>
                       </a:pPr>
                       <a:r>
-                        <a:rPr sz="900" spc="0" dirty="0">
+                        <a:rPr lang="de-de" sz="900" spc="0" dirty="0">
                           <a:solidFill>
                             <a:srgbClr val="404040"/>
                           </a:solidFill>
                           <a:latin typeface="Adobe Clean"/>
                           <a:cs typeface="Adobe Clean"/>
                         </a:rPr>
-                        <a:t>Online</a:t>
-                      </a:r>
-                      <a:r>
-                        <a:rPr lang="en-US" sz="900" spc="0" dirty="0">
-                          <a:solidFill>
-                            <a:srgbClr val="404040"/>
-                          </a:solidFill>
-                          <a:latin typeface="Adobe Clean"/>
-                          <a:cs typeface="Adobe Clean"/>
-                        </a:rPr>
-                        <a:t> </a:t>
-                      </a:r>
-                      <a:r>
-                        <a:rPr sz="900" spc="0" dirty="0">
-                          <a:solidFill>
-                            <a:srgbClr val="404040"/>
-                          </a:solidFill>
-                          <a:latin typeface="Adobe Clean"/>
-                          <a:cs typeface="Adobe Clean"/>
-                        </a:rPr>
-                        <a:t>Support</a:t>
+                        <a:t>線上支援</a:t>
                       </a:r>
                       <a:endParaRPr sz="900" spc="0" dirty="0">
                         <a:latin typeface="Adobe Clean"/>
@@ -2069,36 +1982,122 @@
                         </a:spcBef>
                       </a:pPr>
                       <a:r>
-                        <a:rPr sz="900" spc="0" dirty="0">
+                        <a:rPr lang="de-de" sz="900" spc="0" dirty="0">
                           <a:solidFill>
                             <a:srgbClr val="FFFFFF"/>
                           </a:solidFill>
                           <a:latin typeface="Adobe Clean"/>
                           <a:cs typeface="Adobe Clean"/>
                         </a:rPr>
-                        <a:t>Business</a:t>
+                        <a:t>商務支援</a:t>
                       </a:r>
+                      <a:endParaRPr sz="900" spc="0" dirty="0">
+                        <a:latin typeface="Adobe Clean"/>
+                        <a:cs typeface="Adobe Clean"/>
+                      </a:endParaRPr>
+                    </a:p>
+                  </a:txBody>
+                  <a:tcPr marL="0" marR="0" marT="7620" marB="0" anchor="ctr">
+                    <a:lnL w="3175">
+                      <a:solidFill>
+                        <a:srgbClr val="B7B8B8"/>
+                      </a:solidFill>
+                      <a:prstDash val="solid"/>
+                    </a:lnL>
+                    <a:lnR w="3175">
+                      <a:solidFill>
+                        <a:srgbClr val="B7B8B8"/>
+                      </a:solidFill>
+                      <a:prstDash val="solid"/>
+                    </a:lnR>
+                    <a:lnB w="76200">
+                      <a:solidFill>
+                        <a:srgbClr val="ACD2FF"/>
+                      </a:solidFill>
+                      <a:prstDash val="solid"/>
+                    </a:lnB>
+                    <a:solidFill>
+                      <a:srgbClr val="7D7D7D"/>
+                    </a:solidFill>
+                  </a:tcPr>
+                </a:tc>
+                <a:tc gridSpan="2">
+                  <a:txBody>
+                    <a:bodyPr/>
+                    <a:lstStyle/>
+                    <a:p>
+                      <a:pPr marL="2540" algn="ctr">
+                        <a:lnSpc>
+                          <a:spcPct val="100000"/>
+                        </a:lnSpc>
+                        <a:spcBef>
+                          <a:spcPts val="60"/>
+                        </a:spcBef>
+                      </a:pPr>
                       <a:r>
-                        <a:rPr lang="en-US" sz="900" spc="0" dirty="0">
+                        <a:rPr lang="de-de" sz="900" spc="0" dirty="0">
                           <a:solidFill>
                             <a:srgbClr val="FFFFFF"/>
                           </a:solidFill>
                           <a:latin typeface="Adobe Clean"/>
                           <a:cs typeface="Adobe Clean"/>
                         </a:rPr>
-                        <a:t> </a:t>
+                        <a:t>企業支援</a:t>
                       </a:r>
+                      <a:endParaRPr sz="900" spc="0" dirty="0">
+                        <a:latin typeface="Adobe Clean"/>
+                        <a:cs typeface="Adobe Clean"/>
+                      </a:endParaRPr>
+                    </a:p>
+                  </a:txBody>
+                  <a:tcPr marL="0" marR="0" marT="7620" marB="0" anchor="ctr">
+                    <a:lnL w="3175">
+                      <a:solidFill>
+                        <a:srgbClr val="B7B8B8"/>
+                      </a:solidFill>
+                      <a:prstDash val="solid"/>
+                    </a:lnL>
+                    <a:lnR w="3175">
+                      <a:solidFill>
+                        <a:srgbClr val="B7B8B8"/>
+                      </a:solidFill>
+                      <a:prstDash val="solid"/>
+                    </a:lnR>
+                    <a:lnB w="76200">
+                      <a:solidFill>
+                        <a:srgbClr val="2E8FFF"/>
+                      </a:solidFill>
+                      <a:prstDash val="solid"/>
+                    </a:lnB>
+                    <a:solidFill>
+                      <a:srgbClr val="404040"/>
+                    </a:solidFill>
+                  </a:tcPr>
+                </a:tc>
+                <a:tc hMerge="1">
+                  <a:txBody>
+                    <a:bodyPr/>
+                    <a:lstStyle/>
+                    <a:p>
+                      <a:pPr marL="635" algn="ctr">
+                        <a:lnSpc>
+                          <a:spcPct val="100000"/>
+                        </a:lnSpc>
+                        <a:spcBef>
+                          <a:spcPts val="60"/>
+                        </a:spcBef>
+                      </a:pPr>
                       <a:r>
-                        <a:rPr sz="900" spc="0" dirty="0">
+                        <a:rPr lang="de-de" sz="900" spc="-20" dirty="0">
                           <a:solidFill>
                             <a:srgbClr val="FFFFFF"/>
                           </a:solidFill>
                           <a:latin typeface="Adobe Clean"/>
                           <a:cs typeface="Adobe Clean"/>
                         </a:rPr>
-                        <a:t>Support</a:t>
+                        <a:t>企業支援</a:t>
                       </a:r>
-                      <a:endParaRPr sz="900" spc="0" dirty="0">
+                      <a:endParaRPr sz="900" dirty="0">
                         <a:latin typeface="Adobe Clean"/>
                         <a:cs typeface="Adobe Clean"/>
                       </a:endParaRPr>
@@ -2119,21 +2118,21 @@
                     </a:lnR>
                     <a:lnB w="76200">
                       <a:solidFill>
-                        <a:srgbClr val="ACD2FF"/>
+                        <a:srgbClr val="2E8FFF"/>
                       </a:solidFill>
                       <a:prstDash val="solid"/>
                     </a:lnB>
                     <a:solidFill>
-                      <a:srgbClr val="7D7D7D"/>
+                      <a:srgbClr val="404040"/>
                     </a:solidFill>
                   </a:tcPr>
                 </a:tc>
-                <a:tc gridSpan="2">
-                  <a:txBody>
-                    <a:bodyPr/>
-                    <a:lstStyle/>
-                    <a:p>
-                      <a:pPr marL="2540" algn="ctr">
+                <a:tc>
+                  <a:txBody>
+                    <a:bodyPr/>
+                    <a:lstStyle/>
+                    <a:p>
+                      <a:pPr marL="635" algn="ctr">
                         <a:lnSpc>
                           <a:spcPct val="100000"/>
                         </a:lnSpc>
@@ -2142,160 +2141,14 @@
                         </a:spcBef>
                       </a:pPr>
                       <a:r>
-                        <a:rPr lang="en-US" sz="900" spc="0" dirty="0">
+                        <a:rPr lang="de-de" sz="900" spc="0" dirty="0">
                           <a:solidFill>
                             <a:srgbClr val="FFFFFF"/>
                           </a:solidFill>
                           <a:latin typeface="Adobe Clean"/>
                           <a:cs typeface="Adobe Clean"/>
                         </a:rPr>
-                        <a:t>Enterprise Support</a:t>
-                      </a:r>
-                      <a:endParaRPr sz="900" spc="0" dirty="0">
-                        <a:latin typeface="Adobe Clean"/>
-                        <a:cs typeface="Adobe Clean"/>
-                      </a:endParaRPr>
-                    </a:p>
-                  </a:txBody>
-                  <a:tcPr marL="0" marR="0" marT="7620" marB="0" anchor="ctr">
-                    <a:lnL w="3175">
-                      <a:solidFill>
-                        <a:srgbClr val="B7B8B8"/>
-                      </a:solidFill>
-                      <a:prstDash val="solid"/>
-                    </a:lnL>
-                    <a:lnR w="3175">
-                      <a:solidFill>
-                        <a:srgbClr val="B7B8B8"/>
-                      </a:solidFill>
-                      <a:prstDash val="solid"/>
-                    </a:lnR>
-                    <a:lnB w="76200">
-                      <a:solidFill>
-                        <a:srgbClr val="2E8FFF"/>
-                      </a:solidFill>
-                      <a:prstDash val="solid"/>
-                    </a:lnB>
-                    <a:solidFill>
-                      <a:srgbClr val="404040"/>
-                    </a:solidFill>
-                  </a:tcPr>
-                </a:tc>
-                <a:tc hMerge="1">
-                  <a:txBody>
-                    <a:bodyPr/>
-                    <a:lstStyle/>
-                    <a:p>
-                      <a:pPr marL="635" algn="ctr">
-                        <a:lnSpc>
-                          <a:spcPct val="100000"/>
-                        </a:lnSpc>
-                        <a:spcBef>
-                          <a:spcPts val="60"/>
-                        </a:spcBef>
-                      </a:pPr>
-                      <a:r>
-                        <a:rPr sz="900" spc="-20" dirty="0">
-                          <a:solidFill>
-                            <a:srgbClr val="FFFFFF"/>
-                          </a:solidFill>
-                          <a:latin typeface="Adobe Clean"/>
-                          <a:cs typeface="Adobe Clean"/>
-                        </a:rPr>
-                        <a:t>Enterprise</a:t>
-                      </a:r>
-                      <a:r>
-                        <a:rPr lang="en-US" sz="900" spc="-20" dirty="0">
-                          <a:solidFill>
-                            <a:srgbClr val="FFFFFF"/>
-                          </a:solidFill>
-                          <a:latin typeface="Adobe Clean"/>
-                          <a:cs typeface="Adobe Clean"/>
-                        </a:rPr>
-                        <a:t> </a:t>
-                      </a:r>
-                      <a:r>
-                        <a:rPr sz="900" spc="-20" dirty="0">
-                          <a:solidFill>
-                            <a:srgbClr val="FFFFFF"/>
-                          </a:solidFill>
-                          <a:latin typeface="Adobe Clean"/>
-                          <a:cs typeface="Adobe Clean"/>
-                        </a:rPr>
-                        <a:t>Support</a:t>
-                      </a:r>
-                      <a:endParaRPr sz="900" dirty="0">
-                        <a:latin typeface="Adobe Clean"/>
-                        <a:cs typeface="Adobe Clean"/>
-                      </a:endParaRPr>
-                    </a:p>
-                  </a:txBody>
-                  <a:tcPr marL="0" marR="0" marT="7620" marB="0" anchor="ctr">
-                    <a:lnL w="3175">
-                      <a:solidFill>
-                        <a:srgbClr val="B7B8B8"/>
-                      </a:solidFill>
-                      <a:prstDash val="solid"/>
-                    </a:lnL>
-                    <a:lnR w="3175">
-                      <a:solidFill>
-                        <a:srgbClr val="B7B8B8"/>
-                      </a:solidFill>
-                      <a:prstDash val="solid"/>
-                    </a:lnR>
-                    <a:lnB w="76200">
-                      <a:solidFill>
-                        <a:srgbClr val="2E8FFF"/>
-                      </a:solidFill>
-                      <a:prstDash val="solid"/>
-                    </a:lnB>
-                    <a:solidFill>
-                      <a:srgbClr val="404040"/>
-                    </a:solidFill>
-                  </a:tcPr>
-                </a:tc>
-                <a:tc>
-                  <a:txBody>
-                    <a:bodyPr/>
-                    <a:lstStyle/>
-                    <a:p>
-                      <a:pPr marL="635" algn="ctr">
-                        <a:lnSpc>
-                          <a:spcPct val="100000"/>
-                        </a:lnSpc>
-                        <a:spcBef>
-                          <a:spcPts val="60"/>
-                        </a:spcBef>
-                      </a:pPr>
-                      <a:r>
-                        <a:rPr sz="900" spc="0" dirty="0">
-                          <a:solidFill>
-                            <a:srgbClr val="FFFFFF"/>
-                          </a:solidFill>
-                          <a:latin typeface="Adobe Clean"/>
-                          <a:cs typeface="Adobe Clean"/>
-                        </a:rPr>
-                        <a:t>Elite</a:t>
-                      </a:r>
-                      <a:r>
-                        <a:rPr lang="en-US" sz="900" spc="0" dirty="0">
-                          <a:solidFill>
-                            <a:srgbClr val="FFFFFF"/>
-                          </a:solidFill>
-                          <a:latin typeface="Adobe Clean"/>
-                          <a:cs typeface="Adobe Clean"/>
-                        </a:rPr>
-                        <a:t> </a:t>
-                      </a:r>
-                      <a:r>
-                        <a:rPr sz="900" spc="0" dirty="0">
-                          <a:solidFill>
-                            <a:srgbClr val="FFFFFF"/>
-                          </a:solidFill>
-                          <a:latin typeface="Adobe Clean"/>
-                          <a:cs typeface="Adobe Clean"/>
-                        </a:rPr>
-                        <a:t>Support</a:t>
+                        <a:t>菁英支援</a:t>
                       </a:r>
                       <a:endParaRPr sz="900" spc="0" dirty="0">
                         <a:latin typeface="Adobe Clean"/>
@@ -2407,24 +2260,14 @@
                         </a:spcBef>
                       </a:pPr>
                       <a:r>
-                        <a:rPr lang="en-US" sz="800" i="1" spc="0" dirty="0">
+                        <a:rPr lang="de-de" sz="800" i="1" spc="0" dirty="0">
                           <a:solidFill>
                             <a:srgbClr val="FFFFFF"/>
                           </a:solidFill>
                           <a:latin typeface="Adobe Clean"/>
                           <a:cs typeface="Adobe Clean"/>
                         </a:rPr>
-                        <a:t>Paid</a:t>
-                      </a:r>
-                      <a:r>
-                        <a:rPr sz="800" i="1" spc="0" dirty="0">
-                          <a:solidFill>
-                            <a:srgbClr val="FFFFFF"/>
-                          </a:solidFill>
-                          <a:latin typeface="Adobe Clean"/>
-                          <a:cs typeface="Adobe Clean"/>
-                        </a:rPr>
-                        <a:t> Support Levels($)</a:t>
+                        <a:t>支付的支援層級 ($)</a:t>
                       </a:r>
                       <a:endParaRPr sz="800" spc="0" dirty="0">
                         <a:latin typeface="Adobe Clean"/>
@@ -2516,14 +2359,14 @@
                         </a:spcBef>
                       </a:pPr>
                       <a:r>
-                        <a:rPr lang="en-US" sz="1000" b="1" i="0" spc="0" dirty="0">
+                        <a:rPr lang="de-de" sz="1000" b="1" i="0" spc="0" dirty="0">
                           <a:solidFill>
                             <a:schemeClr val="bg1"/>
                           </a:solidFill>
                           <a:latin typeface="Adobe Clean" panose="020B0503020404020204" pitchFamily="34" charset="0"/>
                           <a:cs typeface="AdobeClean-Light"/>
                         </a:rPr>
-                        <a:t>Assigned Experts</a:t>
+                        <a:t>指派的專家</a:t>
                       </a:r>
                       <a:endParaRPr sz="1000" b="1" i="0" spc="0" dirty="0">
                         <a:solidFill>
@@ -2578,14 +2421,14 @@
                         </a:spcBef>
                       </a:pPr>
                       <a:r>
-                        <a:rPr sz="900" spc="0" dirty="0">
+                        <a:rPr lang="de-de" sz="900" spc="0" dirty="0">
                           <a:solidFill>
                             <a:srgbClr val="020302"/>
                           </a:solidFill>
                           <a:latin typeface="AdobeClean-Light"/>
                           <a:cs typeface="AdobeClean-Light"/>
                         </a:rPr>
-                        <a:t>Account Support Lead</a:t>
+                        <a:t>帳戶支援負責人</a:t>
                       </a:r>
                       <a:endParaRPr sz="900" spc="0" dirty="0">
                         <a:latin typeface="AdobeClean-Light"/>
@@ -2664,7 +2507,7 @@
                         </a:spcBef>
                       </a:pPr>
                       <a:r>
-                        <a:rPr sz="900" spc="0" dirty="0">
+                        <a:rPr lang="de-de" sz="900" spc="0" dirty="0">
                           <a:solidFill>
                             <a:srgbClr val="020302"/>
                           </a:solidFill>
@@ -2833,14 +2676,14 @@
                         </a:spcBef>
                       </a:pPr>
                       <a:r>
-                        <a:rPr sz="900" spc="0" dirty="0">
+                        <a:rPr lang="de-de" sz="900" spc="0" dirty="0">
                           <a:solidFill>
                             <a:srgbClr val="020302"/>
                           </a:solidFill>
                           <a:latin typeface="AdobeClean-Light"/>
                           <a:cs typeface="AdobeClean-Light"/>
                         </a:rPr>
-                        <a:t>Named Support Engineer</a:t>
+                        <a:t>指定的支援工程師</a:t>
                       </a:r>
                       <a:endParaRPr sz="900" spc="0" dirty="0">
                         <a:latin typeface="AdobeClean-Light"/>
@@ -2943,7 +2786,7 @@
                         </a:spcBef>
                       </a:pPr>
                       <a:r>
-                        <a:rPr sz="900" spc="0" dirty="0">
+                        <a:rPr lang="de-de" sz="900" spc="0" dirty="0">
                           <a:solidFill>
                             <a:srgbClr val="020302"/>
                           </a:solidFill>
@@ -2974,7 +2817,7 @@
                         </a:spcBef>
                       </a:pPr>
                       <a:r>
-                        <a:rPr sz="900" spc="0" dirty="0">
+                        <a:rPr lang="de-de" sz="900" spc="0" dirty="0">
                           <a:solidFill>
                             <a:srgbClr val="020302"/>
                           </a:solidFill>
@@ -3068,14 +2911,14 @@
                         </a:spcBef>
                       </a:pPr>
                       <a:r>
-                        <a:rPr sz="900" spc="0" dirty="0">
+                        <a:rPr lang="de-de" sz="900" spc="0" dirty="0">
                           <a:solidFill>
                             <a:srgbClr val="020302"/>
                           </a:solidFill>
                           <a:latin typeface="AdobeClean-Light"/>
                           <a:cs typeface="AdobeClean-Light"/>
                         </a:rPr>
-                        <a:t>Technical Account Manager</a:t>
+                        <a:t>技術客戶經理</a:t>
                       </a:r>
                       <a:endParaRPr sz="900" spc="0" dirty="0">
                         <a:latin typeface="AdobeClean-Light"/>
@@ -3232,7 +3075,7 @@
                         </a:spcBef>
                       </a:pPr>
                       <a:r>
-                        <a:rPr sz="900" spc="0" dirty="0">
+                        <a:rPr lang="de-de" sz="900" spc="0" dirty="0">
                           <a:solidFill>
                             <a:srgbClr val="020302"/>
                           </a:solidFill>
@@ -3283,14 +3126,14 @@
                         </a:spcBef>
                       </a:pPr>
                       <a:r>
-                        <a:rPr lang="en-US" sz="1000" b="1" i="0" spc="0" dirty="0">
+                        <a:rPr lang="de-de" sz="1000" b="1" i="0" spc="0" dirty="0">
                           <a:solidFill>
                             <a:schemeClr val="bg1"/>
                           </a:solidFill>
                           <a:latin typeface="Adobe Clean" panose="020B0503020404020204" pitchFamily="34" charset="0"/>
                           <a:cs typeface="AdobeClean-Light"/>
                         </a:rPr>
-                        <a:t>Support Services</a:t>
+                        <a:t>支援服務</a:t>
                       </a:r>
                       <a:endParaRPr sz="1000" b="1" i="0" spc="0" dirty="0">
                         <a:solidFill>
@@ -3354,74 +3197,64 @@
                         </a:spcBef>
                       </a:pPr>
                       <a:r>
-                        <a:rPr lang="en-US" sz="900" spc="0" dirty="0">
+                        <a:rPr lang="de-de" sz="900" spc="0" dirty="0">
                           <a:solidFill>
                             <a:srgbClr val="020302"/>
                           </a:solidFill>
                           <a:latin typeface="AdobeClean-Light"/>
                           <a:cs typeface="AdobeClean-Light"/>
                         </a:rPr>
-                        <a:t>Online </a:t>
+                        <a:t>線上支援</a:t>
                       </a:r>
+                      <a:endParaRPr sz="900" spc="0" dirty="0">
+                        <a:latin typeface="AdobeClean-Light"/>
+                        <a:cs typeface="AdobeClean-Light"/>
+                      </a:endParaRPr>
+                    </a:p>
+                  </a:txBody>
+                  <a:tcPr marL="0" marR="0" marT="57150" marB="0">
+                    <a:lnL w="12700">
+                      <a:solidFill>
+                        <a:srgbClr val="F0F0F0"/>
+                      </a:solidFill>
+                      <a:prstDash val="solid"/>
+                    </a:lnL>
+                    <a:lnR w="12700">
+                      <a:solidFill>
+                        <a:srgbClr val="F0F0F0"/>
+                      </a:solidFill>
+                      <a:prstDash val="solid"/>
+                    </a:lnR>
+                    <a:lnT w="12700">
+                      <a:solidFill>
+                        <a:srgbClr val="F0F0F0"/>
+                      </a:solidFill>
+                      <a:prstDash val="solid"/>
+                    </a:lnT>
+                  </a:tcPr>
+                </a:tc>
+                <a:tc>
+                  <a:txBody>
+                    <a:bodyPr/>
+                    <a:lstStyle/>
+                    <a:p>
+                      <a:pPr algn="ctr">
+                        <a:lnSpc>
+                          <a:spcPct val="100000"/>
+                        </a:lnSpc>
+                        <a:spcBef>
+                          <a:spcPts val="535"/>
+                        </a:spcBef>
+                      </a:pPr>
                       <a:r>
-                        <a:rPr sz="900" spc="0" dirty="0">
+                        <a:rPr lang="de-de" sz="800" spc="0" dirty="0">
                           <a:solidFill>
                             <a:srgbClr val="020302"/>
                           </a:solidFill>
                           <a:latin typeface="AdobeClean-Light"/>
                           <a:cs typeface="AdobeClean-Light"/>
                         </a:rPr>
-                        <a:t> Support</a:t>
-                      </a:r>
-                      <a:endParaRPr sz="900" spc="0" dirty="0">
-                        <a:latin typeface="AdobeClean-Light"/>
-                        <a:cs typeface="AdobeClean-Light"/>
-                      </a:endParaRPr>
-                    </a:p>
-                  </a:txBody>
-                  <a:tcPr marL="0" marR="0" marT="57150" marB="0">
-                    <a:lnL w="12700">
-                      <a:solidFill>
-                        <a:srgbClr val="F0F0F0"/>
-                      </a:solidFill>
-                      <a:prstDash val="solid"/>
-                    </a:lnL>
-                    <a:lnR w="12700">
-                      <a:solidFill>
-                        <a:srgbClr val="F0F0F0"/>
-                      </a:solidFill>
-                      <a:prstDash val="solid"/>
-                    </a:lnR>
-                    <a:lnT w="12700">
-                      <a:solidFill>
-                        <a:srgbClr val="F0F0F0"/>
-                      </a:solidFill>
-                      <a:prstDash val="solid"/>
-                    </a:lnT>
-                  </a:tcPr>
-                </a:tc>
-                <a:tc>
-                  <a:txBody>
-                    <a:bodyPr/>
-                    <a:lstStyle/>
-                    <a:p>
-                      <a:pPr algn="ctr">
-                        <a:lnSpc>
-                          <a:spcPct val="100000"/>
-                        </a:lnSpc>
-                        <a:spcBef>
-                          <a:spcPts val="535"/>
-                        </a:spcBef>
-                      </a:pPr>
-                      <a:r>
-                        <a:rPr sz="800" spc="0" dirty="0">
-                          <a:solidFill>
-                            <a:srgbClr val="020302"/>
-                          </a:solidFill>
-                          <a:latin typeface="AdobeClean-Light"/>
-                          <a:cs typeface="AdobeClean-Light"/>
-                        </a:rPr>
-                        <a:t>Business hours</a:t>
+                        <a:t>營業時間</a:t>
                       </a:r>
                       <a:endParaRPr sz="800" spc="0" dirty="0">
                         <a:latin typeface="AdobeClean-Light"/>
@@ -3463,14 +3296,14 @@
                         </a:spcBef>
                       </a:pPr>
                       <a:r>
-                        <a:rPr sz="800" spc="0" dirty="0">
+                        <a:rPr lang="de-de" sz="800" spc="0" dirty="0">
                           <a:solidFill>
                             <a:srgbClr val="020302"/>
                           </a:solidFill>
                           <a:latin typeface="AdobeClean-Light"/>
                           <a:cs typeface="AdobeClean-Light"/>
                         </a:rPr>
-                        <a:t>Business hours</a:t>
+                        <a:t>營業時間</a:t>
                       </a:r>
                       <a:endParaRPr sz="800" spc="0" dirty="0">
                         <a:latin typeface="AdobeClean-Light"/>
@@ -3532,7 +3365,7 @@
                         </a:spcBef>
                       </a:pPr>
                       <a:r>
-                        <a:rPr sz="800" spc="0" dirty="0">
+                        <a:rPr lang="de-de" sz="800" spc="0" dirty="0">
                           <a:solidFill>
                             <a:srgbClr val="020302"/>
                           </a:solidFill>
@@ -3570,7 +3403,7 @@
                         </a:spcBef>
                       </a:pPr>
                       <a:r>
-                        <a:rPr sz="800" spc="0" dirty="0">
+                        <a:rPr lang="de-de" sz="800" spc="0" dirty="0">
                           <a:solidFill>
                             <a:srgbClr val="020302"/>
                           </a:solidFill>
@@ -3661,34 +3494,14 @@
                         </a:spcBef>
                       </a:pPr>
                       <a:r>
-                        <a:rPr sz="900" spc="0" dirty="0">
+                        <a:rPr lang="de-de" sz="900" spc="0" dirty="0">
                           <a:solidFill>
                             <a:srgbClr val="020302"/>
                           </a:solidFill>
                           <a:latin typeface="AdobeClean-Light"/>
                           <a:cs typeface="AdobeClean-Light"/>
                         </a:rPr>
-                        <a:t>24x7</a:t>
-                      </a:r>
-                      <a:r>
-                        <a:rPr lang="en-US" sz="900" spc="0" dirty="0">
-                          <a:solidFill>
-                            <a:srgbClr val="020302"/>
-                          </a:solidFill>
-                          <a:latin typeface="AdobeClean-Light"/>
-                          <a:cs typeface="AdobeClean-Light"/>
-                        </a:rPr>
-                        <a:t>x365</a:t>
-                      </a:r>
-                      <a:r>
-                        <a:rPr sz="900" spc="0" dirty="0">
-                          <a:solidFill>
-                            <a:srgbClr val="020302"/>
-                          </a:solidFill>
-                          <a:latin typeface="AdobeClean-Light"/>
-                          <a:cs typeface="AdobeClean-Light"/>
-                        </a:rPr>
-                        <a:t> P1 Issue Support</a:t>
+                        <a:t>全年無休 P1 問題支援</a:t>
                       </a:r>
                       <a:endParaRPr sz="900" spc="0" dirty="0">
                         <a:latin typeface="AdobeClean-Light"/>
@@ -3725,7 +3538,7 @@
                         </a:spcBef>
                       </a:pPr>
                       <a:r>
-                        <a:rPr sz="900" spc="0" dirty="0">
+                        <a:rPr lang="de-de" sz="900" spc="0" dirty="0">
                           <a:solidFill>
                             <a:srgbClr val="020302"/>
                           </a:solidFill>
@@ -3768,7 +3581,7 @@
                         </a:spcBef>
                       </a:pPr>
                       <a:r>
-                        <a:rPr sz="900" spc="0" dirty="0">
+                        <a:rPr lang="de-de" sz="900" spc="0" dirty="0">
                           <a:solidFill>
                             <a:srgbClr val="020302"/>
                           </a:solidFill>
@@ -3820,7 +3633,7 @@
                         </a:spcBef>
                       </a:pPr>
                       <a:r>
-                        <a:rPr sz="900" spc="0" dirty="0">
+                        <a:rPr lang="de-de" sz="900" spc="0" dirty="0">
                           <a:solidFill>
                             <a:srgbClr val="020302"/>
                           </a:solidFill>
@@ -3851,7 +3664,7 @@
                         </a:spcBef>
                       </a:pPr>
                       <a:r>
-                        <a:rPr sz="900" spc="0" dirty="0">
+                        <a:rPr lang="de-de" sz="900" spc="0" dirty="0">
                           <a:solidFill>
                             <a:srgbClr val="020302"/>
                           </a:solidFill>
@@ -3936,14 +3749,14 @@
                         </a:spcBef>
                       </a:pPr>
                       <a:r>
-                        <a:rPr lang="en-US" sz="900" spc="0" dirty="0">
+                        <a:rPr lang="de-de" sz="900" spc="0" dirty="0">
                           <a:solidFill>
                             <a:srgbClr val="020302"/>
                           </a:solidFill>
                           <a:latin typeface="AdobeClean-Light"/>
                           <a:cs typeface="AdobeClean-Light"/>
                         </a:rPr>
-                        <a:t>Named Support Contacts (per product)</a:t>
+                        <a:t>指定的支援聯絡人 (依據產品)</a:t>
                       </a:r>
                       <a:endParaRPr sz="900" spc="0" dirty="0">
                         <a:latin typeface="AdobeClean-Light"/>
@@ -3980,7 +3793,7 @@
                         </a:spcBef>
                       </a:pPr>
                       <a:r>
-                        <a:rPr sz="900" spc="0" dirty="0">
+                        <a:rPr lang="de-de" sz="900" spc="0" dirty="0">
                           <a:solidFill>
                             <a:srgbClr val="020302"/>
                           </a:solidFill>
@@ -4023,7 +3836,7 @@
                         </a:spcBef>
                       </a:pPr>
                       <a:r>
-                        <a:rPr sz="900" spc="0" dirty="0">
+                        <a:rPr lang="de-de" sz="900" spc="0" dirty="0">
                           <a:solidFill>
                             <a:srgbClr val="020302"/>
                           </a:solidFill>
@@ -4075,7 +3888,7 @@
                         </a:spcBef>
                       </a:pPr>
                       <a:r>
-                        <a:rPr sz="900" spc="0" dirty="0">
+                        <a:rPr lang="de-de" sz="900" spc="0" dirty="0">
                           <a:solidFill>
                             <a:srgbClr val="020302"/>
                           </a:solidFill>
@@ -4106,7 +3919,7 @@
                         </a:spcBef>
                       </a:pPr>
                       <a:r>
-                        <a:rPr sz="900" spc="0" dirty="0">
+                        <a:rPr lang="de-de" sz="900" spc="0" dirty="0">
                           <a:solidFill>
                             <a:srgbClr val="020302"/>
                           </a:solidFill>
@@ -4191,14 +4004,14 @@
                         </a:spcBef>
                       </a:pPr>
                       <a:r>
-                        <a:rPr lang="en-US" sz="900" spc="0" dirty="0">
+                        <a:rPr lang="de-de" sz="900" spc="0" dirty="0">
                           <a:solidFill>
                             <a:srgbClr val="020302"/>
                           </a:solidFill>
                           <a:latin typeface="AdobeClean-Light"/>
                           <a:cs typeface="AdobeClean-Light"/>
                         </a:rPr>
-                        <a:t>Live Telephone Support</a:t>
+                        <a:t>即時電話支援</a:t>
                       </a:r>
                       <a:endParaRPr sz="900" spc="0" dirty="0">
                         <a:latin typeface="AdobeClean-Light"/>
@@ -4265,7 +4078,7 @@
                         </a:spcBef>
                       </a:pPr>
                       <a:r>
-                        <a:rPr sz="900" spc="0" dirty="0">
+                        <a:rPr lang="de-de" sz="900" spc="0" dirty="0">
                           <a:solidFill>
                             <a:srgbClr val="020302"/>
                           </a:solidFill>
@@ -4317,7 +4130,7 @@
                         </a:spcBef>
                       </a:pPr>
                       <a:r>
-                        <a:rPr sz="900" spc="0" dirty="0">
+                        <a:rPr lang="de-de" sz="900" spc="0" dirty="0">
                           <a:solidFill>
                             <a:srgbClr val="020302"/>
                           </a:solidFill>
@@ -4348,7 +4161,7 @@
                         </a:spcBef>
                       </a:pPr>
                       <a:r>
-                        <a:rPr sz="900" spc="0" dirty="0">
+                        <a:rPr lang="de-de" sz="900" spc="0" dirty="0">
                           <a:solidFill>
                             <a:srgbClr val="020302"/>
                           </a:solidFill>
@@ -4433,14 +4246,14 @@
                         </a:spcBef>
                       </a:pPr>
                       <a:r>
-                        <a:rPr sz="900" spc="0" dirty="0">
+                        <a:rPr lang="de-de" sz="900" spc="0" dirty="0">
                           <a:solidFill>
                             <a:srgbClr val="020302"/>
                           </a:solidFill>
                           <a:latin typeface="AdobeClean-Light"/>
                           <a:cs typeface="AdobeClean-Light"/>
                         </a:rPr>
-                        <a:t>Escalation Management</a:t>
+                        <a:t>向上呈報管理</a:t>
                       </a:r>
                       <a:endParaRPr sz="900" spc="0" dirty="0">
                         <a:latin typeface="AdobeClean-Light"/>
@@ -4507,7 +4320,7 @@
                         </a:spcBef>
                       </a:pPr>
                       <a:r>
-                        <a:rPr sz="900" spc="0" dirty="0">
+                        <a:rPr lang="de-de" sz="900" spc="0" dirty="0">
                           <a:solidFill>
                             <a:srgbClr val="020302"/>
                           </a:solidFill>
@@ -4559,7 +4372,7 @@
                         </a:spcBef>
                       </a:pPr>
                       <a:r>
-                        <a:rPr sz="900" spc="0" dirty="0">
+                        <a:rPr lang="de-de" sz="900" spc="0" dirty="0">
                           <a:solidFill>
                             <a:srgbClr val="020302"/>
                           </a:solidFill>
@@ -4590,7 +4403,7 @@
                         </a:spcBef>
                       </a:pPr>
                       <a:r>
-                        <a:rPr sz="900" spc="0" dirty="0">
+                        <a:rPr lang="de-de" sz="900" spc="0" dirty="0">
                           <a:solidFill>
                             <a:srgbClr val="020302"/>
                           </a:solidFill>
@@ -4675,14 +4488,14 @@
                         </a:spcBef>
                       </a:pPr>
                       <a:r>
-                        <a:rPr sz="900" spc="0" dirty="0">
+                        <a:rPr lang="de-de" sz="900" spc="0" dirty="0">
                           <a:solidFill>
                             <a:srgbClr val="020302"/>
                           </a:solidFill>
                           <a:latin typeface="AdobeClean-Light"/>
                           <a:cs typeface="AdobeClean-Light"/>
                         </a:rPr>
-                        <a:t>Service Reviews  per Year</a:t>
+                        <a:t>每年的服務審查</a:t>
                       </a:r>
                       <a:endParaRPr sz="900" spc="0" dirty="0">
                         <a:latin typeface="AdobeClean-Light"/>
@@ -4785,7 +4598,7 @@
                         </a:spcBef>
                       </a:pPr>
                       <a:r>
-                        <a:rPr sz="900" spc="0" dirty="0">
+                        <a:rPr lang="de-de" sz="900" spc="0" dirty="0">
                           <a:solidFill>
                             <a:srgbClr val="020302"/>
                           </a:solidFill>
@@ -4816,7 +4629,7 @@
                         </a:spcBef>
                       </a:pPr>
                       <a:r>
-                        <a:rPr sz="900" spc="0" dirty="0">
+                        <a:rPr lang="de-de" sz="900" spc="0" dirty="0">
                           <a:solidFill>
                             <a:srgbClr val="020302"/>
                           </a:solidFill>
@@ -4871,11 +4684,11 @@
                         </a:spcBef>
                       </a:pPr>
                       <a:r>
-                        <a:rPr lang="en-US" sz="900" spc="0" dirty="0">
+                        <a:rPr lang="de-de" sz="900" spc="0" dirty="0">
                           <a:latin typeface="AdobeClean-Light"/>
                           <a:cs typeface="AdobeClean-Light"/>
                         </a:rPr>
-                        <a:t>Expert Sessions per Year</a:t>
+                        <a:t>每年的專家諮詢</a:t>
                       </a:r>
                       <a:endParaRPr sz="900" spc="0" dirty="0">
                         <a:latin typeface="AdobeClean-Light"/>
@@ -4979,7 +4792,7 @@
                         </a:spcBef>
                       </a:pPr>
                       <a:r>
-                        <a:rPr lang="en-US" sz="900" spc="0" dirty="0">
+                        <a:rPr lang="de-de" sz="900" spc="0" dirty="0">
                           <a:latin typeface="AdobeClean-Light"/>
                           <a:cs typeface="AdobeClean-Light"/>
                         </a:rPr>
@@ -5007,7 +4820,7 @@
                         </a:spcBef>
                       </a:pPr>
                       <a:r>
-                        <a:rPr lang="en-US" sz="900" spc="0" dirty="0">
+                        <a:rPr lang="de-de" sz="900" spc="0" dirty="0">
                           <a:latin typeface="AdobeClean-Light"/>
                           <a:cs typeface="AdobeClean-Light"/>
                         </a:rPr>
@@ -5059,11 +4872,11 @@
                         </a:spcBef>
                       </a:pPr>
                       <a:r>
-                        <a:rPr lang="en-US" sz="900" spc="0" dirty="0">
+                        <a:rPr lang="de-de" sz="900" spc="0" dirty="0">
                           <a:latin typeface="AdobeClean-Light"/>
                           <a:cs typeface="AdobeClean-Light"/>
                         </a:rPr>
-                        <a:t>Case Reviews</a:t>
+                        <a:t>案件審查</a:t>
                       </a:r>
                       <a:endParaRPr sz="900" spc="0" dirty="0">
                         <a:latin typeface="AdobeClean-Light"/>
@@ -5176,7 +4989,7 @@
                         <a:defRPr/>
                       </a:pPr>
                       <a:r>
-                        <a:rPr lang="en-US" sz="900" spc="0" dirty="0">
+                        <a:rPr lang="de-de" sz="900" spc="0" dirty="0">
                           <a:solidFill>
                             <a:srgbClr val="020302"/>
                           </a:solidFill>
@@ -5216,7 +5029,7 @@
                         <a:defRPr/>
                       </a:pPr>
                       <a:r>
-                        <a:rPr lang="en-US" sz="900" spc="0">
+                        <a:rPr lang="de-de" sz="900" spc="0">
                           <a:solidFill>
                             <a:srgbClr val="020302"/>
                           </a:solidFill>
@@ -5301,14 +5114,14 @@
                         </a:spcBef>
                       </a:pPr>
                       <a:r>
-                        <a:rPr sz="900" spc="0" dirty="0">
+                        <a:rPr lang="de-de" sz="900" spc="0" dirty="0">
                           <a:solidFill>
                             <a:srgbClr val="020302"/>
                           </a:solidFill>
                           <a:latin typeface="AdobeClean-Light"/>
                           <a:cs typeface="AdobeClean-Light"/>
                         </a:rPr>
-                        <a:t>Event Management</a:t>
+                        <a:t>事件管理</a:t>
                       </a:r>
                       <a:endParaRPr sz="900" spc="0" dirty="0">
                         <a:latin typeface="AdobeClean-Light"/>
@@ -5429,7 +5242,7 @@
                         </a:spcBef>
                       </a:pPr>
                       <a:r>
-                        <a:rPr sz="900" spc="0" dirty="0">
+                        <a:rPr lang="de-de" sz="900" spc="0" dirty="0">
                           <a:solidFill>
                             <a:srgbClr val="020302"/>
                           </a:solidFill>
@@ -5523,44 +5336,14 @@
                         </a:spcBef>
                       </a:pPr>
                       <a:r>
-                        <a:rPr sz="900" spc="0" dirty="0">
+                        <a:rPr lang="de-de" sz="900" spc="0" dirty="0">
                           <a:solidFill>
                             <a:srgbClr val="020302"/>
                           </a:solidFill>
                           <a:latin typeface="AdobeClean-Light"/>
                           <a:cs typeface="AdobeClean-Light"/>
                         </a:rPr>
-                        <a:t>Environment</a:t>
-                      </a:r>
-                      <a:r>
-                        <a:rPr lang="en-US" sz="900" spc="0" dirty="0">
-                          <a:solidFill>
-                            <a:srgbClr val="020302"/>
-                          </a:solidFill>
-                          <a:latin typeface="AdobeClean-Light"/>
-                          <a:cs typeface="AdobeClean-Light"/>
-                        </a:rPr>
-                        <a:t> </a:t>
-                      </a:r>
-                      <a:r>
-                        <a:rPr sz="900" spc="0" dirty="0">
-                          <a:solidFill>
-                            <a:srgbClr val="020302"/>
-                          </a:solidFill>
-                          <a:latin typeface="AdobeClean-Light"/>
-                          <a:cs typeface="AdobeClean-Light"/>
-                        </a:rPr>
-                        <a:t>Review, Maintenance &amp; Monitoring</a:t>
-                      </a:r>
-                      <a:r>
-                        <a:rPr lang="en-US" sz="900" spc="0" dirty="0">
-                          <a:solidFill>
-                            <a:srgbClr val="020302"/>
-                          </a:solidFill>
-                          <a:latin typeface="AdobeClean-Light"/>
-                          <a:cs typeface="AdobeClean-Light"/>
-                        </a:rPr>
-                        <a:t>,</a:t>
+                        <a:t>環境審查、維護與監控，</a:t>
                       </a:r>
                       <a:endParaRPr sz="900" spc="0" dirty="0">
                         <a:latin typeface="AdobeClean-Light"/>
@@ -5690,7 +5473,7 @@
                         </a:spcBef>
                       </a:pPr>
                       <a:r>
-                        <a:rPr sz="900" spc="0" dirty="0">
+                        <a:rPr lang="de-de" sz="900" spc="0" dirty="0">
                           <a:solidFill>
                             <a:srgbClr val="020302"/>
                           </a:solidFill>
@@ -5775,14 +5558,14 @@
                         </a:spcBef>
                       </a:pPr>
                       <a:r>
-                        <a:rPr sz="900" spc="0" dirty="0">
+                        <a:rPr lang="de-de" sz="900" spc="0" dirty="0">
                           <a:solidFill>
                             <a:srgbClr val="020302"/>
                           </a:solidFill>
                           <a:latin typeface="AdobeClean-Light"/>
                           <a:cs typeface="AdobeClean-Light"/>
                         </a:rPr>
-                        <a:t>Release, Migration, Upgrade &amp; Product Roadmap Review</a:t>
+                        <a:t>發行、遷移、升級及產品藍圖審查</a:t>
                       </a:r>
                       <a:endParaRPr sz="900" spc="0" dirty="0">
                         <a:latin typeface="AdobeClean-Light"/>
@@ -5903,7 +5686,7 @@
                         </a:spcBef>
                       </a:pPr>
                       <a:r>
-                        <a:rPr sz="900" spc="0" dirty="0">
+                        <a:rPr lang="de-de" sz="900" spc="0" dirty="0">
                           <a:solidFill>
                             <a:srgbClr val="020302"/>
                           </a:solidFill>
@@ -5997,11 +5780,11 @@
                         </a:spcBef>
                       </a:pPr>
                       <a:r>
-                        <a:rPr sz="900" spc="0" dirty="0">
+                        <a:rPr lang="de-de" sz="900" spc="0" dirty="0">
                           <a:latin typeface="AdobeClean-Light"/>
                           <a:cs typeface="AdobeClean-Light"/>
                         </a:rPr>
-                        <a:t>Cloud Support Activities – Experience Manager as Cloud</a:t>
+                        <a:t>雲端支援活動 – 雲端形式的 Experience Manager</a:t>
                       </a:r>
                     </a:p>
                   </a:txBody>
@@ -6129,7 +5912,7 @@
                         </a:spcBef>
                       </a:pPr>
                       <a:r>
-                        <a:rPr sz="900" spc="0" dirty="0">
+                        <a:rPr lang="de-de" sz="900" spc="0" dirty="0">
                           <a:solidFill>
                             <a:srgbClr val="020302"/>
                           </a:solidFill>
@@ -6167,7 +5950,7 @@
                         </a:spcBef>
                       </a:pPr>
                       <a:r>
-                        <a:rPr sz="900" spc="0" dirty="0">
+                        <a:rPr lang="de-de" sz="900" spc="0" dirty="0">
                           <a:solidFill>
                             <a:srgbClr val="020302"/>
                           </a:solidFill>
@@ -6218,14 +6001,14 @@
                         </a:spcBef>
                       </a:pPr>
                       <a:r>
-                        <a:rPr lang="en-US" sz="1000" b="1" i="0" spc="0" dirty="0">
+                        <a:rPr lang="de-de" sz="1000" b="1" i="0" spc="0" dirty="0">
                           <a:solidFill>
                             <a:schemeClr val="bg1"/>
                           </a:solidFill>
                           <a:latin typeface="Adobe Clean" panose="020B0503020404020204" pitchFamily="34" charset="0"/>
                           <a:cs typeface="AdobeClean-Light"/>
                         </a:rPr>
-                        <a:t>Field Services</a:t>
+                        <a:t>現場服務</a:t>
                       </a:r>
                       <a:endParaRPr sz="1000" b="1" i="0" spc="0" dirty="0">
                         <a:solidFill>
@@ -6286,34 +6069,14 @@
                         </a:spcBef>
                       </a:pPr>
                       <a:r>
-                        <a:rPr sz="900" spc="0" dirty="0">
+                        <a:rPr lang="de-de" sz="900" spc="0" dirty="0">
                           <a:solidFill>
                             <a:srgbClr val="020302"/>
                           </a:solidFill>
                           <a:latin typeface="AdobeClean-Light"/>
                           <a:cs typeface="AdobeClean-Light"/>
                         </a:rPr>
-                        <a:t>Launch Advisory Services – First Year of </a:t>
-                      </a:r>
-                      <a:r>
-                        <a:rPr lang="en-US" sz="900" spc="0" dirty="0">
-                          <a:solidFill>
-                            <a:srgbClr val="020302"/>
-                          </a:solidFill>
-                          <a:latin typeface="AdobeClean-Light"/>
-                          <a:cs typeface="AdobeClean-Light"/>
-                        </a:rPr>
-                        <a:t>a </a:t>
-                      </a:r>
-                      <a:r>
-                        <a:rPr sz="900" spc="0" dirty="0">
-                          <a:solidFill>
-                            <a:srgbClr val="020302"/>
-                          </a:solidFill>
-                          <a:latin typeface="AdobeClean-Light"/>
-                          <a:cs typeface="AdobeClean-Light"/>
-                        </a:rPr>
-                        <a:t>new solution</a:t>
+                        <a:t>上市諮詢服務 – 新解決方案的第一年</a:t>
                       </a:r>
                       <a:endParaRPr sz="900" spc="0" dirty="0">
                         <a:latin typeface="AdobeClean-Light"/>
@@ -6330,11 +6093,11 @@
                         </a:spcBef>
                       </a:pPr>
                       <a:r>
-                        <a:rPr sz="900" spc="0" dirty="0">
+                        <a:rPr lang="de-de" sz="900" spc="0" dirty="0">
                           <a:latin typeface="AdobeClean-Light"/>
                           <a:cs typeface="AdobeClean-Light"/>
                         </a:rPr>
-                        <a:t>Field Service Activities</a:t>
+                        <a:t>現場服務活動</a:t>
                       </a:r>
                     </a:p>
                   </a:txBody>
@@ -6468,7 +6231,7 @@
                         </a:spcBef>
                       </a:pPr>
                       <a:r>
-                        <a:rPr sz="900" spc="0" dirty="0">
+                        <a:rPr lang="de-de" sz="900" spc="0" dirty="0">
                           <a:solidFill>
                             <a:srgbClr val="020302"/>
                           </a:solidFill>
@@ -6506,7 +6269,7 @@
                         </a:spcBef>
                       </a:pPr>
                       <a:r>
-                        <a:rPr sz="900" spc="0" dirty="0">
+                        <a:rPr lang="de-de" sz="900" spc="0" dirty="0">
                           <a:solidFill>
                             <a:srgbClr val="020302"/>
                           </a:solidFill>
@@ -6688,7 +6451,7 @@
                         </a:spcBef>
                       </a:pPr>
                       <a:r>
-                        <a:rPr sz="900" spc="0" dirty="0">
+                        <a:rPr lang="de-de" sz="900" spc="0" dirty="0">
                           <a:solidFill>
                             <a:srgbClr val="020302"/>
                           </a:solidFill>
@@ -6726,7 +6489,7 @@
                         </a:spcBef>
                       </a:pPr>
                       <a:r>
-                        <a:rPr sz="900" spc="0" dirty="0">
+                        <a:rPr lang="de-de" sz="900" spc="0" dirty="0">
                           <a:solidFill>
                             <a:srgbClr val="020302"/>
                           </a:solidFill>
@@ -6779,7 +6542,7 @@
         <p:spPr>
           <a:xfrm>
             <a:off x="5307201" y="9862966"/>
-            <a:ext cx="2270125" cy="132729"/>
+            <a:ext cx="2693799" cy="132729"/>
           </a:xfrm>
           <a:prstGeom prst="rect">
             <a:avLst/>
@@ -6800,24 +6563,16 @@
               </a:spcBef>
             </a:pPr>
             <a:r>
-              <a:rPr spc="-5" dirty="0"/>
-              <a:t>©202</a:t>
+              <a:rPr lang="de-de" spc="-5" dirty="0"/>
+              <a:t>©2021 Adobe。All rights reserved.Adobe</a:t>
             </a:r>
             <a:r>
-              <a:rPr lang="en-US" spc="-5" dirty="0"/>
-              <a:t>1</a:t>
-            </a:r>
-            <a:r>
-              <a:rPr spc="-5" dirty="0"/>
-              <a:t> Adobe. All Rights Reserved. Adobe</a:t>
-            </a:r>
-            <a:r>
-              <a:rPr spc="60" dirty="0"/>
+              <a:rPr lang="de-de" spc="60" dirty="0"/>
               <a:t> </a:t>
             </a:r>
             <a:r>
-              <a:rPr spc="-5" dirty="0"/>
-              <a:t>Confidential.</a:t>
+              <a:rPr lang="de-de" spc="-5" dirty="0"/>
+              <a:t>機密資訊。</a:t>
             </a:r>
           </a:p>
         </p:txBody>
@@ -6831,14 +6586,14 @@
           <p:nvPr>
             <p:extLst>
               <p:ext uri="{D42A27DB-BD31-4B8C-83A1-F6EECF244321}">
-                <p14:modId xmlns:p14="http://schemas.microsoft.com/office/powerpoint/2010/main" val="4076912474"/>
+                <p14:modId xmlns:p14="http://schemas.microsoft.com/office/powerpoint/2010/main" val="2504301729"/>
               </p:ext>
             </p:extLst>
           </p:nvPr>
         </p:nvGraphicFramePr>
         <p:xfrm>
           <a:off x="33527" y="7483227"/>
-          <a:ext cx="7705343" cy="2346573"/>
+          <a:ext cx="7705343" cy="2088582"/>
         </p:xfrm>
         <a:graphic>
           <a:graphicData uri="http://schemas.openxmlformats.org/drawingml/2006/table">
@@ -6898,14 +6653,14 @@
                         </a:spcBef>
                       </a:pPr>
                       <a:r>
-                        <a:rPr sz="900" spc="0" dirty="0">
+                        <a:rPr lang="de-de" sz="900" spc="0" dirty="0">
                           <a:solidFill>
                             <a:srgbClr val="020302"/>
                           </a:solidFill>
                           <a:latin typeface="Adobe Clean"/>
                           <a:cs typeface="Adobe Clean"/>
                         </a:rPr>
-                        <a:t>Priority</a:t>
+                        <a:t>優先順序</a:t>
                       </a:r>
                       <a:endParaRPr sz="900" spc="0" dirty="0">
                         <a:latin typeface="Adobe Clean"/>
@@ -6957,34 +6712,14 @@
                         </a:spcBef>
                       </a:pPr>
                       <a:r>
-                        <a:rPr sz="900" spc="0" dirty="0">
+                        <a:rPr lang="de-de" sz="900" spc="0" dirty="0">
                           <a:solidFill>
                             <a:srgbClr val="020302"/>
                           </a:solidFill>
                           <a:latin typeface="Adobe Clean"/>
                           <a:cs typeface="Adobe Clean"/>
                         </a:rPr>
-                        <a:t>Online </a:t>
-                      </a:r>
-                      <a:r>
-                        <a:rPr lang="en-US" sz="900" spc="0" dirty="0">
-                          <a:solidFill>
-                            <a:srgbClr val="020302"/>
-                          </a:solidFill>
-                          <a:latin typeface="Adobe Clean"/>
-                          <a:cs typeface="Adobe Clean"/>
-                        </a:rPr>
-                        <a:t> </a:t>
-                      </a:r>
-                      <a:r>
-                        <a:rPr sz="900" spc="0" dirty="0">
-                          <a:solidFill>
-                            <a:srgbClr val="020302"/>
-                          </a:solidFill>
-                          <a:latin typeface="Adobe Clean"/>
-                          <a:cs typeface="Adobe Clean"/>
-                        </a:rPr>
-                        <a:t>Support</a:t>
+                        <a:t>線上支援</a:t>
                       </a:r>
                       <a:endParaRPr sz="900" spc="0" dirty="0">
                         <a:latin typeface="Adobe Clean"/>
@@ -7036,192 +6771,132 @@
                         </a:spcBef>
                       </a:pPr>
                       <a:r>
-                        <a:rPr sz="900" spc="0" dirty="0">
+                        <a:rPr lang="de-de" sz="900" spc="0" dirty="0">
                           <a:solidFill>
                             <a:srgbClr val="FFFFFF"/>
                           </a:solidFill>
                           <a:latin typeface="Adobe Clean"/>
                           <a:cs typeface="Adobe Clean"/>
                         </a:rPr>
-                        <a:t>Business</a:t>
+                        <a:t>商務支援</a:t>
                       </a:r>
+                      <a:endParaRPr sz="900" spc="0" dirty="0">
+                        <a:latin typeface="Adobe Clean"/>
+                        <a:cs typeface="Adobe Clean"/>
+                      </a:endParaRPr>
+                    </a:p>
+                  </a:txBody>
+                  <a:tcPr marL="0" marR="0" marT="0" marB="0" anchor="ctr">
+                    <a:lnL w="3175">
+                      <a:solidFill>
+                        <a:srgbClr val="B7B8B8"/>
+                      </a:solidFill>
+                      <a:prstDash val="solid"/>
+                    </a:lnL>
+                    <a:lnR w="3175">
+                      <a:solidFill>
+                        <a:srgbClr val="B7B8B8"/>
+                      </a:solidFill>
+                      <a:prstDash val="solid"/>
+                    </a:lnR>
+                    <a:lnT w="3175">
+                      <a:solidFill>
+                        <a:srgbClr val="B7B8B8"/>
+                      </a:solidFill>
+                      <a:prstDash val="solid"/>
+                    </a:lnT>
+                    <a:lnB w="76200">
+                      <a:solidFill>
+                        <a:srgbClr val="ACD2FF"/>
+                      </a:solidFill>
+                      <a:prstDash val="solid"/>
+                    </a:lnB>
+                    <a:solidFill>
+                      <a:srgbClr val="7D7D7D"/>
+                    </a:solidFill>
+                  </a:tcPr>
+                </a:tc>
+                <a:tc>
+                  <a:txBody>
+                    <a:bodyPr/>
+                    <a:lstStyle/>
+                    <a:p>
+                      <a:pPr marL="0" algn="ctr">
+                        <a:lnSpc>
+                          <a:spcPct val="100000"/>
+                        </a:lnSpc>
+                        <a:spcBef>
+                          <a:spcPts val="60"/>
+                        </a:spcBef>
+                      </a:pPr>
                       <a:r>
-                        <a:rPr lang="en-US" sz="900" spc="0" dirty="0">
+                        <a:rPr lang="de-de" sz="900" spc="0" dirty="0">
                           <a:solidFill>
                             <a:srgbClr val="FFFFFF"/>
                           </a:solidFill>
                           <a:latin typeface="Adobe Clean"/>
                           <a:cs typeface="Adobe Clean"/>
                         </a:rPr>
-                        <a:t> </a:t>
+                        <a:t>企業支援</a:t>
                       </a:r>
+                      <a:endParaRPr sz="900" spc="0" dirty="0">
+                        <a:latin typeface="Adobe Clean"/>
+                        <a:cs typeface="Adobe Clean"/>
+                      </a:endParaRPr>
+                    </a:p>
+                  </a:txBody>
+                  <a:tcPr marL="0" marR="0" marT="0" marB="0" anchor="ctr">
+                    <a:lnL w="3175">
+                      <a:solidFill>
+                        <a:srgbClr val="B7B8B8"/>
+                      </a:solidFill>
+                      <a:prstDash val="solid"/>
+                    </a:lnL>
+                    <a:lnR w="3175">
+                      <a:solidFill>
+                        <a:srgbClr val="B7B8B8"/>
+                      </a:solidFill>
+                      <a:prstDash val="solid"/>
+                    </a:lnR>
+                    <a:lnT w="3175">
+                      <a:solidFill>
+                        <a:srgbClr val="B7B8B8"/>
+                      </a:solidFill>
+                      <a:prstDash val="solid"/>
+                    </a:lnT>
+                    <a:lnB w="76200">
+                      <a:solidFill>
+                        <a:srgbClr val="2E8FFF"/>
+                      </a:solidFill>
+                      <a:prstDash val="solid"/>
+                    </a:lnB>
+                    <a:solidFill>
+                      <a:srgbClr val="404040"/>
+                    </a:solidFill>
+                  </a:tcPr>
+                </a:tc>
+                <a:tc>
+                  <a:txBody>
+                    <a:bodyPr/>
+                    <a:lstStyle/>
+                    <a:p>
+                      <a:pPr marL="0" algn="ctr">
+                        <a:lnSpc>
+                          <a:spcPct val="100000"/>
+                        </a:lnSpc>
+                        <a:spcBef>
+                          <a:spcPts val="60"/>
+                        </a:spcBef>
+                      </a:pPr>
                       <a:r>
-                        <a:rPr sz="900" spc="0" dirty="0">
+                        <a:rPr lang="de-de" sz="900" spc="0" dirty="0">
                           <a:solidFill>
                             <a:srgbClr val="FFFFFF"/>
                           </a:solidFill>
                           <a:latin typeface="Adobe Clean"/>
                           <a:cs typeface="Adobe Clean"/>
                         </a:rPr>
-                        <a:t>Support</a:t>
-                      </a:r>
-                      <a:endParaRPr sz="900" spc="0" dirty="0">
-                        <a:latin typeface="Adobe Clean"/>
-                        <a:cs typeface="Adobe Clean"/>
-                      </a:endParaRPr>
-                    </a:p>
-                  </a:txBody>
-                  <a:tcPr marL="0" marR="0" marT="0" marB="0" anchor="ctr">
-                    <a:lnL w="3175">
-                      <a:solidFill>
-                        <a:srgbClr val="B7B8B8"/>
-                      </a:solidFill>
-                      <a:prstDash val="solid"/>
-                    </a:lnL>
-                    <a:lnR w="3175">
-                      <a:solidFill>
-                        <a:srgbClr val="B7B8B8"/>
-                      </a:solidFill>
-                      <a:prstDash val="solid"/>
-                    </a:lnR>
-                    <a:lnT w="3175">
-                      <a:solidFill>
-                        <a:srgbClr val="B7B8B8"/>
-                      </a:solidFill>
-                      <a:prstDash val="solid"/>
-                    </a:lnT>
-                    <a:lnB w="76200">
-                      <a:solidFill>
-                        <a:srgbClr val="ACD2FF"/>
-                      </a:solidFill>
-                      <a:prstDash val="solid"/>
-                    </a:lnB>
-                    <a:solidFill>
-                      <a:srgbClr val="7D7D7D"/>
-                    </a:solidFill>
-                  </a:tcPr>
-                </a:tc>
-                <a:tc>
-                  <a:txBody>
-                    <a:bodyPr/>
-                    <a:lstStyle/>
-                    <a:p>
-                      <a:pPr marL="0" algn="ctr">
-                        <a:lnSpc>
-                          <a:spcPct val="100000"/>
-                        </a:lnSpc>
-                        <a:spcBef>
-                          <a:spcPts val="60"/>
-                        </a:spcBef>
-                      </a:pPr>
-                      <a:r>
-                        <a:rPr sz="900" spc="0" dirty="0">
-                          <a:solidFill>
-                            <a:srgbClr val="FFFFFF"/>
-                          </a:solidFill>
-                          <a:latin typeface="Adobe Clean"/>
-                          <a:cs typeface="Adobe Clean"/>
-                        </a:rPr>
-                        <a:t>Enterprise </a:t>
-                      </a:r>
-                      <a:r>
-                        <a:rPr lang="en-US" sz="900" spc="0" dirty="0">
-                          <a:solidFill>
-                            <a:srgbClr val="FFFFFF"/>
-                          </a:solidFill>
-                          <a:latin typeface="Adobe Clean"/>
-                          <a:cs typeface="Adobe Clean"/>
-                        </a:rPr>
-                        <a:t> </a:t>
-                      </a:r>
-                      <a:r>
-                        <a:rPr sz="900" spc="0" dirty="0">
-                          <a:solidFill>
-                            <a:srgbClr val="FFFFFF"/>
-                          </a:solidFill>
-                          <a:latin typeface="Adobe Clean"/>
-                          <a:cs typeface="Adobe Clean"/>
-                        </a:rPr>
-                        <a:t>Support</a:t>
-                      </a:r>
-                      <a:endParaRPr sz="900" spc="0" dirty="0">
-                        <a:latin typeface="Adobe Clean"/>
-                        <a:cs typeface="Adobe Clean"/>
-                      </a:endParaRPr>
-                    </a:p>
-                  </a:txBody>
-                  <a:tcPr marL="0" marR="0" marT="0" marB="0" anchor="ctr">
-                    <a:lnL w="3175">
-                      <a:solidFill>
-                        <a:srgbClr val="B7B8B8"/>
-                      </a:solidFill>
-                      <a:prstDash val="solid"/>
-                    </a:lnL>
-                    <a:lnR w="3175">
-                      <a:solidFill>
-                        <a:srgbClr val="B7B8B8"/>
-                      </a:solidFill>
-                      <a:prstDash val="solid"/>
-                    </a:lnR>
-                    <a:lnT w="3175">
-                      <a:solidFill>
-                        <a:srgbClr val="B7B8B8"/>
-                      </a:solidFill>
-                      <a:prstDash val="solid"/>
-                    </a:lnT>
-                    <a:lnB w="76200">
-                      <a:solidFill>
-                        <a:srgbClr val="2E8FFF"/>
-                      </a:solidFill>
-                      <a:prstDash val="solid"/>
-                    </a:lnB>
-                    <a:solidFill>
-                      <a:srgbClr val="404040"/>
-                    </a:solidFill>
-                  </a:tcPr>
-                </a:tc>
-                <a:tc>
-                  <a:txBody>
-                    <a:bodyPr/>
-                    <a:lstStyle/>
-                    <a:p>
-                      <a:pPr marL="0" algn="ctr">
-                        <a:lnSpc>
-                          <a:spcPct val="100000"/>
-                        </a:lnSpc>
-                        <a:spcBef>
-                          <a:spcPts val="60"/>
-                        </a:spcBef>
-                      </a:pPr>
-                      <a:r>
-                        <a:rPr sz="900" spc="0" dirty="0">
-                          <a:solidFill>
-                            <a:srgbClr val="FFFFFF"/>
-                          </a:solidFill>
-                          <a:latin typeface="Adobe Clean"/>
-                          <a:cs typeface="Adobe Clean"/>
-                        </a:rPr>
-                        <a:t>Elite</a:t>
-                      </a:r>
-                      <a:r>
-                        <a:rPr lang="en-US" sz="900" spc="0" dirty="0">
-                          <a:solidFill>
-                            <a:srgbClr val="FFFFFF"/>
-                          </a:solidFill>
-                          <a:latin typeface="Adobe Clean"/>
-                          <a:cs typeface="Adobe Clean"/>
-                        </a:rPr>
-                        <a:t> </a:t>
-                      </a:r>
-                      <a:r>
-                        <a:rPr sz="900" spc="0" dirty="0">
-                          <a:solidFill>
-                            <a:srgbClr val="FFFFFF"/>
-                          </a:solidFill>
-                          <a:latin typeface="Adobe Clean"/>
-                          <a:cs typeface="Adobe Clean"/>
-                        </a:rPr>
-                        <a:t>Support</a:t>
+                        <a:t>菁英支援</a:t>
                       </a:r>
                       <a:endParaRPr sz="900" spc="0" dirty="0">
                         <a:latin typeface="Adobe Clean"/>
@@ -7280,14 +6955,14 @@
                         </a:spcBef>
                       </a:pPr>
                       <a:r>
-                        <a:rPr sz="900" b="1" spc="0" dirty="0">
+                        <a:rPr lang="de-de" sz="900" b="1" spc="0" dirty="0">
                           <a:solidFill>
                             <a:srgbClr val="020302"/>
                           </a:solidFill>
                           <a:latin typeface="Adobe Clean"/>
                           <a:cs typeface="Adobe Clean"/>
                         </a:rPr>
-                        <a:t>PRIORITY 1</a:t>
+                        <a:t>優先順序 1</a:t>
                       </a:r>
                       <a:endParaRPr sz="900" spc="0" dirty="0">
                         <a:latin typeface="Adobe Clean"/>
@@ -7304,14 +6979,14 @@
                         </a:spcBef>
                       </a:pPr>
                       <a:r>
-                        <a:rPr lang="en-US" sz="900" b="0" i="0" spc="0" dirty="0">
+                        <a:rPr lang="de-de" sz="900" b="0" i="0" spc="0" dirty="0">
                           <a:solidFill>
                             <a:srgbClr val="000000"/>
                           </a:solidFill>
                           <a:effectLst/>
                           <a:latin typeface="Adobe Clean Light" panose="020B0303020404020204" pitchFamily="34" charset="0"/>
                         </a:rPr>
-                        <a:t>Customer's production business functions are down or have significant data loss or service degradation and immediate attention is required to restore functionality and usability. </a:t>
+                        <a:t>客戶的生產業務功能已停止或發生重大資料遺失或服務降級狀況，需要立即關注以恢復功能與可用性。</a:t>
                       </a:r>
                       <a:endParaRPr sz="900" spc="0" dirty="0">
                         <a:latin typeface="AdobeClean-Light"/>
@@ -7360,362 +7035,182 @@
                         </a:spcBef>
                       </a:pPr>
                       <a:r>
-                        <a:rPr sz="900" spc="0" dirty="0">
+                        <a:rPr lang="de-de" sz="900" spc="0" dirty="0">
                           <a:solidFill>
                             <a:srgbClr val="020302"/>
                           </a:solidFill>
                           <a:latin typeface="AdobeClean-Light"/>
                           <a:cs typeface="AdobeClean-Light"/>
                         </a:rPr>
-                        <a:t>24x7</a:t>
+                        <a:t>全年無休 /                1 小時</a:t>
                       </a:r>
+                      <a:endParaRPr sz="900" spc="0" dirty="0">
+                        <a:latin typeface="AdobeClean-Light"/>
+                        <a:cs typeface="AdobeClean-Light"/>
+                      </a:endParaRPr>
+                    </a:p>
+                  </a:txBody>
+                  <a:tcPr marL="0" marR="0" marT="0" marB="0" anchor="ctr">
+                    <a:lnL w="3175">
+                      <a:solidFill>
+                        <a:srgbClr val="B7B8B8"/>
+                      </a:solidFill>
+                      <a:prstDash val="solid"/>
+                    </a:lnL>
+                    <a:lnR w="3175">
+                      <a:solidFill>
+                        <a:srgbClr val="B7B8B8"/>
+                      </a:solidFill>
+                      <a:prstDash val="solid"/>
+                    </a:lnR>
+                    <a:lnT w="76200">
+                      <a:solidFill>
+                        <a:srgbClr val="858585"/>
+                      </a:solidFill>
+                      <a:prstDash val="solid"/>
+                    </a:lnT>
+                    <a:lnB w="3175">
+                      <a:solidFill>
+                        <a:srgbClr val="B7B8B8"/>
+                      </a:solidFill>
+                      <a:prstDash val="solid"/>
+                    </a:lnB>
+                  </a:tcPr>
+                </a:tc>
+                <a:tc>
+                  <a:txBody>
+                    <a:bodyPr/>
+                    <a:lstStyle/>
+                    <a:p>
+                      <a:pPr marL="0" marR="325755" indent="-3810" algn="ctr">
+                        <a:lnSpc>
+                          <a:spcPct val="100000"/>
+                        </a:lnSpc>
+                        <a:spcBef>
+                          <a:spcPts val="670"/>
+                        </a:spcBef>
+                      </a:pPr>
                       <a:r>
-                        <a:rPr lang="en-US" sz="900" spc="0" dirty="0">
+                        <a:rPr lang="de-de" sz="900" spc="0" dirty="0">
                           <a:solidFill>
                             <a:srgbClr val="020302"/>
                           </a:solidFill>
                           <a:latin typeface="AdobeClean-Light"/>
                           <a:cs typeface="AdobeClean-Light"/>
                         </a:rPr>
-                        <a:t> </a:t>
+                        <a:t>全年無休 /              1 小時</a:t>
                       </a:r>
+                      <a:endParaRPr sz="900" spc="0" dirty="0">
+                        <a:latin typeface="AdobeClean-Light"/>
+                        <a:cs typeface="AdobeClean-Light"/>
+                      </a:endParaRPr>
+                    </a:p>
+                  </a:txBody>
+                  <a:tcPr marL="0" marR="0" marT="0" marB="0" anchor="ctr">
+                    <a:lnL w="3175">
+                      <a:solidFill>
+                        <a:srgbClr val="B7B8B8"/>
+                      </a:solidFill>
+                      <a:prstDash val="solid"/>
+                    </a:lnL>
+                    <a:lnR w="3175">
+                      <a:solidFill>
+                        <a:srgbClr val="B7B8B8"/>
+                      </a:solidFill>
+                      <a:prstDash val="solid"/>
+                    </a:lnR>
+                    <a:lnT w="76200">
+                      <a:solidFill>
+                        <a:srgbClr val="ACD2FF"/>
+                      </a:solidFill>
+                      <a:prstDash val="solid"/>
+                    </a:lnT>
+                    <a:lnB w="3175">
+                      <a:solidFill>
+                        <a:srgbClr val="B7B8B8"/>
+                      </a:solidFill>
+                      <a:prstDash val="solid"/>
+                    </a:lnB>
+                  </a:tcPr>
+                </a:tc>
+                <a:tc>
+                  <a:txBody>
+                    <a:bodyPr/>
+                    <a:lstStyle/>
+                    <a:p>
+                      <a:pPr marL="0" marR="258445" indent="115570" algn="ctr">
+                        <a:lnSpc>
+                          <a:spcPct val="100000"/>
+                        </a:lnSpc>
+                        <a:spcBef>
+                          <a:spcPts val="670"/>
+                        </a:spcBef>
+                      </a:pPr>
                       <a:r>
-                        <a:rPr sz="900" spc="0" dirty="0">
+                        <a:rPr lang="de-de" sz="900" spc="0" dirty="0">
                           <a:solidFill>
                             <a:srgbClr val="020302"/>
                           </a:solidFill>
                           <a:latin typeface="AdobeClean-Light"/>
                           <a:cs typeface="AdobeClean-Light"/>
                         </a:rPr>
-                        <a:t>/</a:t>
+                        <a:t>全年無休 /           30 分鐘</a:t>
                       </a:r>
+                      <a:endParaRPr sz="900" spc="0" dirty="0">
+                        <a:latin typeface="AdobeClean-Light"/>
+                        <a:cs typeface="AdobeClean-Light"/>
+                      </a:endParaRPr>
+                    </a:p>
+                  </a:txBody>
+                  <a:tcPr marL="0" marR="0" marT="0" marB="0" anchor="ctr">
+                    <a:lnL w="3175">
+                      <a:solidFill>
+                        <a:srgbClr val="B7B8B8"/>
+                      </a:solidFill>
+                      <a:prstDash val="solid"/>
+                    </a:lnL>
+                    <a:lnR w="3175">
+                      <a:solidFill>
+                        <a:srgbClr val="B7B8B8"/>
+                      </a:solidFill>
+                      <a:prstDash val="solid"/>
+                    </a:lnR>
+                    <a:lnT w="76200">
+                      <a:solidFill>
+                        <a:srgbClr val="2E8FFF"/>
+                      </a:solidFill>
+                      <a:prstDash val="solid"/>
+                    </a:lnT>
+                    <a:lnB w="3175">
+                      <a:solidFill>
+                        <a:srgbClr val="B7B8B8"/>
+                      </a:solidFill>
+                      <a:prstDash val="solid"/>
+                    </a:lnB>
+                  </a:tcPr>
+                </a:tc>
+                <a:tc>
+                  <a:txBody>
+                    <a:bodyPr/>
+                    <a:lstStyle/>
+                    <a:p>
+                      <a:pPr marL="0" marR="271780" indent="103505" algn="ctr">
+                        <a:lnSpc>
+                          <a:spcPct val="100000"/>
+                        </a:lnSpc>
+                        <a:spcBef>
+                          <a:spcPts val="670"/>
+                        </a:spcBef>
+                      </a:pPr>
                       <a:r>
-                        <a:rPr lang="en-US" sz="900" spc="0" dirty="0">
+                        <a:rPr lang="de-de" sz="900" spc="0" dirty="0">
                           <a:solidFill>
                             <a:srgbClr val="020302"/>
                           </a:solidFill>
                           <a:latin typeface="AdobeClean-Light"/>
                           <a:cs typeface="AdobeClean-Light"/>
                         </a:rPr>
-                        <a:t>                </a:t>
-                      </a:r>
-                      <a:r>
-                        <a:rPr sz="900" spc="0" dirty="0">
-                          <a:solidFill>
-                            <a:srgbClr val="020302"/>
-                          </a:solidFill>
-                          <a:latin typeface="AdobeClean-Light"/>
-                          <a:cs typeface="AdobeClean-Light"/>
-                        </a:rPr>
-                        <a:t>1</a:t>
-                      </a:r>
-                      <a:r>
-                        <a:rPr lang="en-US" sz="900" spc="0" dirty="0">
-                          <a:solidFill>
-                            <a:srgbClr val="020302"/>
-                          </a:solidFill>
-                          <a:latin typeface="AdobeClean-Light"/>
-                          <a:cs typeface="AdobeClean-Light"/>
-                        </a:rPr>
-                        <a:t> </a:t>
-                      </a:r>
-                      <a:r>
-                        <a:rPr sz="900" spc="0" dirty="0">
-                          <a:solidFill>
-                            <a:srgbClr val="020302"/>
-                          </a:solidFill>
-                          <a:latin typeface="AdobeClean-Light"/>
-                          <a:cs typeface="AdobeClean-Light"/>
-                        </a:rPr>
-                        <a:t>hour</a:t>
-                      </a:r>
-                      <a:endParaRPr sz="900" spc="0" dirty="0">
-                        <a:latin typeface="AdobeClean-Light"/>
-                        <a:cs typeface="AdobeClean-Light"/>
-                      </a:endParaRPr>
-                    </a:p>
-                  </a:txBody>
-                  <a:tcPr marL="0" marR="0" marT="0" marB="0" anchor="ctr">
-                    <a:lnL w="3175">
-                      <a:solidFill>
-                        <a:srgbClr val="B7B8B8"/>
-                      </a:solidFill>
-                      <a:prstDash val="solid"/>
-                    </a:lnL>
-                    <a:lnR w="3175">
-                      <a:solidFill>
-                        <a:srgbClr val="B7B8B8"/>
-                      </a:solidFill>
-                      <a:prstDash val="solid"/>
-                    </a:lnR>
-                    <a:lnT w="76200">
-                      <a:solidFill>
-                        <a:srgbClr val="858585"/>
-                      </a:solidFill>
-                      <a:prstDash val="solid"/>
-                    </a:lnT>
-                    <a:lnB w="3175">
-                      <a:solidFill>
-                        <a:srgbClr val="B7B8B8"/>
-                      </a:solidFill>
-                      <a:prstDash val="solid"/>
-                    </a:lnB>
-                  </a:tcPr>
-                </a:tc>
-                <a:tc>
-                  <a:txBody>
-                    <a:bodyPr/>
-                    <a:lstStyle/>
-                    <a:p>
-                      <a:pPr marL="0" marR="325755" indent="-3810" algn="ctr">
-                        <a:lnSpc>
-                          <a:spcPct val="100000"/>
-                        </a:lnSpc>
-                        <a:spcBef>
-                          <a:spcPts val="670"/>
-                        </a:spcBef>
-                      </a:pPr>
-                      <a:r>
-                        <a:rPr sz="900" spc="0" dirty="0">
-                          <a:solidFill>
-                            <a:srgbClr val="020302"/>
-                          </a:solidFill>
-                          <a:latin typeface="AdobeClean-Light"/>
-                          <a:cs typeface="AdobeClean-Light"/>
-                        </a:rPr>
-                        <a:t>24x7</a:t>
-                      </a:r>
-                      <a:r>
-                        <a:rPr lang="en-US" sz="900" spc="0" dirty="0">
-                          <a:solidFill>
-                            <a:srgbClr val="020302"/>
-                          </a:solidFill>
-                          <a:latin typeface="AdobeClean-Light"/>
-                          <a:cs typeface="AdobeClean-Light"/>
-                        </a:rPr>
-                        <a:t> </a:t>
-                      </a:r>
-                      <a:r>
-                        <a:rPr sz="900" spc="0" dirty="0">
-                          <a:solidFill>
-                            <a:srgbClr val="020302"/>
-                          </a:solidFill>
-                          <a:latin typeface="AdobeClean-Light"/>
-                          <a:cs typeface="AdobeClean-Light"/>
-                        </a:rPr>
-                        <a:t>/  </a:t>
-                      </a:r>
-                      <a:r>
-                        <a:rPr lang="en-US" sz="900" spc="0" dirty="0">
-                          <a:solidFill>
-                            <a:srgbClr val="020302"/>
-                          </a:solidFill>
-                          <a:latin typeface="AdobeClean-Light"/>
-                          <a:cs typeface="AdobeClean-Light"/>
-                        </a:rPr>
-                        <a:t>            </a:t>
-                      </a:r>
-                      <a:r>
-                        <a:rPr sz="900" spc="0" dirty="0">
-                          <a:solidFill>
-                            <a:srgbClr val="020302"/>
-                          </a:solidFill>
-                          <a:latin typeface="AdobeClean-Light"/>
-                          <a:cs typeface="AdobeClean-Light"/>
-                        </a:rPr>
-                        <a:t>1 hour</a:t>
-                      </a:r>
-                      <a:endParaRPr sz="900" spc="0" dirty="0">
-                        <a:latin typeface="AdobeClean-Light"/>
-                        <a:cs typeface="AdobeClean-Light"/>
-                      </a:endParaRPr>
-                    </a:p>
-                  </a:txBody>
-                  <a:tcPr marL="0" marR="0" marT="0" marB="0" anchor="ctr">
-                    <a:lnL w="3175">
-                      <a:solidFill>
-                        <a:srgbClr val="B7B8B8"/>
-                      </a:solidFill>
-                      <a:prstDash val="solid"/>
-                    </a:lnL>
-                    <a:lnR w="3175">
-                      <a:solidFill>
-                        <a:srgbClr val="B7B8B8"/>
-                      </a:solidFill>
-                      <a:prstDash val="solid"/>
-                    </a:lnR>
-                    <a:lnT w="76200">
-                      <a:solidFill>
-                        <a:srgbClr val="ACD2FF"/>
-                      </a:solidFill>
-                      <a:prstDash val="solid"/>
-                    </a:lnT>
-                    <a:lnB w="3175">
-                      <a:solidFill>
-                        <a:srgbClr val="B7B8B8"/>
-                      </a:solidFill>
-                      <a:prstDash val="solid"/>
-                    </a:lnB>
-                  </a:tcPr>
-                </a:tc>
-                <a:tc>
-                  <a:txBody>
-                    <a:bodyPr/>
-                    <a:lstStyle/>
-                    <a:p>
-                      <a:pPr marL="0" marR="258445" indent="115570" algn="ctr">
-                        <a:lnSpc>
-                          <a:spcPct val="100000"/>
-                        </a:lnSpc>
-                        <a:spcBef>
-                          <a:spcPts val="670"/>
-                        </a:spcBef>
-                      </a:pPr>
-                      <a:r>
-                        <a:rPr sz="900" spc="0" dirty="0">
-                          <a:solidFill>
-                            <a:srgbClr val="020302"/>
-                          </a:solidFill>
-                          <a:latin typeface="AdobeClean-Light"/>
-                          <a:cs typeface="AdobeClean-Light"/>
-                        </a:rPr>
-                        <a:t>24x7 /  </a:t>
-                      </a:r>
-                      <a:r>
-                        <a:rPr lang="en-US" sz="900" spc="0" dirty="0">
-                          <a:solidFill>
-                            <a:srgbClr val="020302"/>
-                          </a:solidFill>
-                          <a:latin typeface="AdobeClean-Light"/>
-                          <a:cs typeface="AdobeClean-Light"/>
-                        </a:rPr>
-                        <a:t>         </a:t>
-                      </a:r>
-                      <a:r>
-                        <a:rPr sz="900" spc="0" dirty="0">
-                          <a:solidFill>
-                            <a:srgbClr val="020302"/>
-                          </a:solidFill>
-                          <a:latin typeface="AdobeClean-Light"/>
-                          <a:cs typeface="AdobeClean-Light"/>
-                        </a:rPr>
-                        <a:t>30</a:t>
-                      </a:r>
-                      <a:r>
-                        <a:rPr lang="en-US" sz="900" spc="0" dirty="0">
-                          <a:solidFill>
-                            <a:srgbClr val="020302"/>
-                          </a:solidFill>
-                          <a:latin typeface="AdobeClean-Light"/>
-                          <a:cs typeface="AdobeClean-Light"/>
-                        </a:rPr>
-                        <a:t> </a:t>
-                      </a:r>
-                      <a:r>
-                        <a:rPr sz="900" spc="0" dirty="0">
-                          <a:solidFill>
-                            <a:srgbClr val="020302"/>
-                          </a:solidFill>
-                          <a:latin typeface="AdobeClean-Light"/>
-                          <a:cs typeface="AdobeClean-Light"/>
-                        </a:rPr>
-                        <a:t>minutes</a:t>
-                      </a:r>
-                      <a:endParaRPr sz="900" spc="0" dirty="0">
-                        <a:latin typeface="AdobeClean-Light"/>
-                        <a:cs typeface="AdobeClean-Light"/>
-                      </a:endParaRPr>
-                    </a:p>
-                  </a:txBody>
-                  <a:tcPr marL="0" marR="0" marT="0" marB="0" anchor="ctr">
-                    <a:lnL w="3175">
-                      <a:solidFill>
-                        <a:srgbClr val="B7B8B8"/>
-                      </a:solidFill>
-                      <a:prstDash val="solid"/>
-                    </a:lnL>
-                    <a:lnR w="3175">
-                      <a:solidFill>
-                        <a:srgbClr val="B7B8B8"/>
-                      </a:solidFill>
-                      <a:prstDash val="solid"/>
-                    </a:lnR>
-                    <a:lnT w="76200">
-                      <a:solidFill>
-                        <a:srgbClr val="2E8FFF"/>
-                      </a:solidFill>
-                      <a:prstDash val="solid"/>
-                    </a:lnT>
-                    <a:lnB w="3175">
-                      <a:solidFill>
-                        <a:srgbClr val="B7B8B8"/>
-                      </a:solidFill>
-                      <a:prstDash val="solid"/>
-                    </a:lnB>
-                  </a:tcPr>
-                </a:tc>
-                <a:tc>
-                  <a:txBody>
-                    <a:bodyPr/>
-                    <a:lstStyle/>
-                    <a:p>
-                      <a:pPr marL="0" marR="271780" indent="103505" algn="ctr">
-                        <a:lnSpc>
-                          <a:spcPct val="100000"/>
-                        </a:lnSpc>
-                        <a:spcBef>
-                          <a:spcPts val="670"/>
-                        </a:spcBef>
-                      </a:pPr>
-                      <a:r>
-                        <a:rPr sz="900" spc="0" dirty="0">
-                          <a:solidFill>
-                            <a:srgbClr val="020302"/>
-                          </a:solidFill>
-                          <a:latin typeface="AdobeClean-Light"/>
-                          <a:cs typeface="AdobeClean-Light"/>
-                        </a:rPr>
-                        <a:t>24x7 / </a:t>
-                      </a:r>
-                      <a:r>
-                        <a:rPr lang="en-US" sz="900" spc="0" dirty="0">
-                          <a:solidFill>
-                            <a:srgbClr val="020302"/>
-                          </a:solidFill>
-                          <a:latin typeface="AdobeClean-Light"/>
-                          <a:cs typeface="AdobeClean-Light"/>
-                        </a:rPr>
-                        <a:t>       </a:t>
-                      </a:r>
-                      <a:r>
-                        <a:rPr sz="900" spc="0" dirty="0">
-                          <a:solidFill>
-                            <a:srgbClr val="020302"/>
-                          </a:solidFill>
-                          <a:latin typeface="AdobeClean-Light"/>
-                          <a:cs typeface="AdobeClean-Light"/>
-                        </a:rPr>
-                        <a:t> 15</a:t>
-                      </a:r>
-                      <a:r>
-                        <a:rPr lang="en-US" sz="900" spc="0" dirty="0">
-                          <a:solidFill>
-                            <a:srgbClr val="020302"/>
-                          </a:solidFill>
-                          <a:latin typeface="AdobeClean-Light"/>
-                          <a:cs typeface="AdobeClean-Light"/>
-                        </a:rPr>
-                        <a:t> </a:t>
-                      </a:r>
-                      <a:r>
-                        <a:rPr sz="900" spc="0" dirty="0">
-                          <a:solidFill>
-                            <a:srgbClr val="020302"/>
-                          </a:solidFill>
-                          <a:latin typeface="AdobeClean-Light"/>
-                          <a:cs typeface="AdobeClean-Light"/>
-                        </a:rPr>
-                        <a:t>minutes</a:t>
+                        <a:t>全年無休 /         15 分鐘</a:t>
                       </a:r>
                       <a:endParaRPr sz="900" spc="0" dirty="0">
                         <a:latin typeface="AdobeClean-Light"/>
@@ -7771,14 +7266,14 @@
                         </a:spcBef>
                       </a:pPr>
                       <a:r>
-                        <a:rPr sz="900" b="1" spc="0" dirty="0">
+                        <a:rPr lang="de-de" sz="900" b="1" spc="0" dirty="0">
                           <a:solidFill>
                             <a:srgbClr val="020302"/>
                           </a:solidFill>
                           <a:latin typeface="Adobe Clean"/>
                           <a:cs typeface="Adobe Clean"/>
                         </a:rPr>
-                        <a:t>PRIORITY 2</a:t>
+                        <a:t>優先順序 2</a:t>
                       </a:r>
                       <a:endParaRPr sz="900" spc="0" dirty="0">
                         <a:latin typeface="Adobe Clean"/>
@@ -7804,14 +7299,14 @@
                         <a:defRPr/>
                       </a:pPr>
                       <a:r>
-                        <a:rPr lang="en-US" sz="900" b="0" i="0" spc="0" dirty="0">
+                        <a:rPr lang="de-de" sz="900" b="0" i="0" spc="0" dirty="0">
                           <a:solidFill>
                             <a:srgbClr val="000000"/>
                           </a:solidFill>
                           <a:effectLst/>
                           <a:latin typeface="Adobe Clean Light" panose="020B0303020404020204" pitchFamily="34" charset="0"/>
                         </a:rPr>
-                        <a:t>Customer's business functions have major service degradation or potential data loss, or a major feature is impacted </a:t>
+                        <a:t>客戶的業務功能發生嚴重的服務降級狀況，或是可能發生資料遺失，或是主要功能受到了影響</a:t>
                       </a:r>
                       <a:endParaRPr sz="900" b="0" i="0" spc="0" dirty="0">
                         <a:latin typeface="Adobe Clean Light" panose="020B0303020404020204" pitchFamily="34" charset="0"/>
@@ -7860,382 +7355,182 @@
                         </a:spcBef>
                       </a:pPr>
                       <a:r>
-                        <a:rPr sz="900" spc="0" dirty="0">
+                        <a:rPr lang="de-de" sz="900" spc="0" dirty="0">
                           <a:solidFill>
                             <a:srgbClr val="020302"/>
                           </a:solidFill>
                           <a:latin typeface="AdobeClean-Light"/>
                           <a:cs typeface="AdobeClean-Light"/>
                         </a:rPr>
-                        <a:t>Business</a:t>
+                        <a:t>營業時間 /           4 小時</a:t>
                       </a:r>
+                      <a:endParaRPr sz="900" spc="0" dirty="0">
+                        <a:latin typeface="AdobeClean-Light"/>
+                        <a:cs typeface="AdobeClean-Light"/>
+                      </a:endParaRPr>
+                    </a:p>
+                  </a:txBody>
+                  <a:tcPr marL="0" marR="0" marT="0" marB="0" anchor="ctr">
+                    <a:lnL w="3175">
+                      <a:solidFill>
+                        <a:srgbClr val="B7B8B8"/>
+                      </a:solidFill>
+                      <a:prstDash val="solid"/>
+                    </a:lnL>
+                    <a:lnR w="3175">
+                      <a:solidFill>
+                        <a:srgbClr val="B7B8B8"/>
+                      </a:solidFill>
+                      <a:prstDash val="solid"/>
+                    </a:lnR>
+                    <a:lnT w="3175">
+                      <a:solidFill>
+                        <a:srgbClr val="B7B8B8"/>
+                      </a:solidFill>
+                      <a:prstDash val="solid"/>
+                    </a:lnT>
+                    <a:lnB w="3175">
+                      <a:solidFill>
+                        <a:srgbClr val="B7B8B8"/>
+                      </a:solidFill>
+                      <a:prstDash val="solid"/>
+                    </a:lnB>
+                  </a:tcPr>
+                </a:tc>
+                <a:tc>
+                  <a:txBody>
+                    <a:bodyPr/>
+                    <a:lstStyle/>
+                    <a:p>
+                      <a:pPr marL="0" marR="184785" indent="-194310" algn="ctr">
+                        <a:lnSpc>
+                          <a:spcPct val="100000"/>
+                        </a:lnSpc>
+                        <a:spcBef>
+                          <a:spcPts val="670"/>
+                        </a:spcBef>
+                      </a:pPr>
                       <a:r>
-                        <a:rPr lang="en-US" sz="900" spc="0" dirty="0">
+                        <a:rPr lang="de-de" sz="900" spc="0" dirty="0">
                           <a:solidFill>
                             <a:srgbClr val="020302"/>
                           </a:solidFill>
                           <a:latin typeface="AdobeClean-Light"/>
                           <a:cs typeface="AdobeClean-Light"/>
                         </a:rPr>
-                        <a:t> </a:t>
+                        <a:t>營業時間 /          2 小時</a:t>
                       </a:r>
+                      <a:endParaRPr sz="900" spc="0" dirty="0">
+                        <a:latin typeface="AdobeClean-Light"/>
+                        <a:cs typeface="AdobeClean-Light"/>
+                      </a:endParaRPr>
+                    </a:p>
+                  </a:txBody>
+                  <a:tcPr marL="0" marR="0" marT="0" marB="0" anchor="ctr">
+                    <a:lnL w="3175">
+                      <a:solidFill>
+                        <a:srgbClr val="B7B8B8"/>
+                      </a:solidFill>
+                      <a:prstDash val="solid"/>
+                    </a:lnL>
+                    <a:lnR w="3175">
+                      <a:solidFill>
+                        <a:srgbClr val="B7B8B8"/>
+                      </a:solidFill>
+                      <a:prstDash val="solid"/>
+                    </a:lnR>
+                    <a:lnT w="3175">
+                      <a:solidFill>
+                        <a:srgbClr val="B7B8B8"/>
+                      </a:solidFill>
+                      <a:prstDash val="solid"/>
+                    </a:lnT>
+                    <a:lnB w="3175">
+                      <a:solidFill>
+                        <a:srgbClr val="B7B8B8"/>
+                      </a:solidFill>
+                      <a:prstDash val="solid"/>
+                    </a:lnB>
+                  </a:tcPr>
+                </a:tc>
+                <a:tc>
+                  <a:txBody>
+                    <a:bodyPr/>
+                    <a:lstStyle/>
+                    <a:p>
+                      <a:pPr marL="0" marR="325755" indent="-5715" algn="ctr">
+                        <a:lnSpc>
+                          <a:spcPct val="100000"/>
+                        </a:lnSpc>
+                        <a:spcBef>
+                          <a:spcPts val="670"/>
+                        </a:spcBef>
+                      </a:pPr>
                       <a:r>
-                        <a:rPr sz="900" spc="0" dirty="0">
+                        <a:rPr lang="de-de" sz="900" spc="0" dirty="0">
                           <a:solidFill>
                             <a:srgbClr val="020302"/>
                           </a:solidFill>
                           <a:latin typeface="AdobeClean-Light"/>
                           <a:cs typeface="AdobeClean-Light"/>
                         </a:rPr>
-                        <a:t>hours</a:t>
+                        <a:t>24x5 /                1 小時</a:t>
                       </a:r>
+                      <a:endParaRPr sz="900" spc="0" dirty="0">
+                        <a:latin typeface="AdobeClean-Light"/>
+                        <a:cs typeface="AdobeClean-Light"/>
+                      </a:endParaRPr>
+                    </a:p>
+                  </a:txBody>
+                  <a:tcPr marL="0" marR="0" marT="0" marB="0" anchor="ctr">
+                    <a:lnL w="3175">
+                      <a:solidFill>
+                        <a:srgbClr val="B7B8B8"/>
+                      </a:solidFill>
+                      <a:prstDash val="solid"/>
+                    </a:lnL>
+                    <a:lnR w="3175">
+                      <a:solidFill>
+                        <a:srgbClr val="B7B8B8"/>
+                      </a:solidFill>
+                      <a:prstDash val="solid"/>
+                    </a:lnR>
+                    <a:lnT w="3175">
+                      <a:solidFill>
+                        <a:srgbClr val="B7B8B8"/>
+                      </a:solidFill>
+                      <a:prstDash val="solid"/>
+                    </a:lnT>
+                    <a:lnB w="3175">
+                      <a:solidFill>
+                        <a:srgbClr val="B7B8B8"/>
+                      </a:solidFill>
+                      <a:prstDash val="solid"/>
+                    </a:lnB>
+                  </a:tcPr>
+                </a:tc>
+                <a:tc>
+                  <a:txBody>
+                    <a:bodyPr/>
+                    <a:lstStyle/>
+                    <a:p>
+                      <a:pPr marL="0" marR="259079" indent="111760" algn="ctr">
+                        <a:lnSpc>
+                          <a:spcPct val="100000"/>
+                        </a:lnSpc>
+                        <a:spcBef>
+                          <a:spcPts val="670"/>
+                        </a:spcBef>
+                      </a:pPr>
                       <a:r>
-                        <a:rPr lang="en-US" sz="900" spc="0" dirty="0">
+                        <a:rPr lang="de-de" sz="900" spc="0" dirty="0">
                           <a:solidFill>
                             <a:srgbClr val="020302"/>
                           </a:solidFill>
                           <a:latin typeface="AdobeClean-Light"/>
                           <a:cs typeface="AdobeClean-Light"/>
                         </a:rPr>
-                        <a:t> </a:t>
-                      </a:r>
-                      <a:r>
-                        <a:rPr sz="900" spc="0" dirty="0">
-                          <a:solidFill>
-                            <a:srgbClr val="020302"/>
-                          </a:solidFill>
-                          <a:latin typeface="AdobeClean-Light"/>
-                          <a:cs typeface="AdobeClean-Light"/>
-                        </a:rPr>
-                        <a:t>/  </a:t>
-                      </a:r>
-                      <a:r>
-                        <a:rPr lang="en-US" sz="900" spc="0" dirty="0">
-                          <a:solidFill>
-                            <a:srgbClr val="020302"/>
-                          </a:solidFill>
-                          <a:latin typeface="AdobeClean-Light"/>
-                          <a:cs typeface="AdobeClean-Light"/>
-                        </a:rPr>
-                        <a:t>         </a:t>
-                      </a:r>
-                      <a:r>
-                        <a:rPr sz="900" spc="0" dirty="0">
-                          <a:solidFill>
-                            <a:srgbClr val="020302"/>
-                          </a:solidFill>
-                          <a:latin typeface="AdobeClean-Light"/>
-                          <a:cs typeface="AdobeClean-Light"/>
-                        </a:rPr>
-                        <a:t>4 hours</a:t>
-                      </a:r>
-                      <a:endParaRPr sz="900" spc="0" dirty="0">
-                        <a:latin typeface="AdobeClean-Light"/>
-                        <a:cs typeface="AdobeClean-Light"/>
-                      </a:endParaRPr>
-                    </a:p>
-                  </a:txBody>
-                  <a:tcPr marL="0" marR="0" marT="0" marB="0" anchor="ctr">
-                    <a:lnL w="3175">
-                      <a:solidFill>
-                        <a:srgbClr val="B7B8B8"/>
-                      </a:solidFill>
-                      <a:prstDash val="solid"/>
-                    </a:lnL>
-                    <a:lnR w="3175">
-                      <a:solidFill>
-                        <a:srgbClr val="B7B8B8"/>
-                      </a:solidFill>
-                      <a:prstDash val="solid"/>
-                    </a:lnR>
-                    <a:lnT w="3175">
-                      <a:solidFill>
-                        <a:srgbClr val="B7B8B8"/>
-                      </a:solidFill>
-                      <a:prstDash val="solid"/>
-                    </a:lnT>
-                    <a:lnB w="3175">
-                      <a:solidFill>
-                        <a:srgbClr val="B7B8B8"/>
-                      </a:solidFill>
-                      <a:prstDash val="solid"/>
-                    </a:lnB>
-                  </a:tcPr>
-                </a:tc>
-                <a:tc>
-                  <a:txBody>
-                    <a:bodyPr/>
-                    <a:lstStyle/>
-                    <a:p>
-                      <a:pPr marL="0" marR="184785" indent="-194310" algn="ctr">
-                        <a:lnSpc>
-                          <a:spcPct val="100000"/>
-                        </a:lnSpc>
-                        <a:spcBef>
-                          <a:spcPts val="670"/>
-                        </a:spcBef>
-                      </a:pPr>
-                      <a:r>
-                        <a:rPr sz="900" spc="0" dirty="0">
-                          <a:solidFill>
-                            <a:srgbClr val="020302"/>
-                          </a:solidFill>
-                          <a:latin typeface="AdobeClean-Light"/>
-                          <a:cs typeface="AdobeClean-Light"/>
-                        </a:rPr>
-                        <a:t>Business</a:t>
-                      </a:r>
-                      <a:r>
-                        <a:rPr lang="en-US" sz="900" spc="0" dirty="0">
-                          <a:solidFill>
-                            <a:srgbClr val="020302"/>
-                          </a:solidFill>
-                          <a:latin typeface="AdobeClean-Light"/>
-                          <a:cs typeface="AdobeClean-Light"/>
-                        </a:rPr>
-                        <a:t> </a:t>
-                      </a:r>
-                      <a:r>
-                        <a:rPr sz="900" spc="0" dirty="0">
-                          <a:solidFill>
-                            <a:srgbClr val="020302"/>
-                          </a:solidFill>
-                          <a:latin typeface="AdobeClean-Light"/>
-                          <a:cs typeface="AdobeClean-Light"/>
-                        </a:rPr>
-                        <a:t>hours</a:t>
-                      </a:r>
-                      <a:r>
-                        <a:rPr lang="en-US" sz="900" spc="0" dirty="0">
-                          <a:solidFill>
-                            <a:srgbClr val="020302"/>
-                          </a:solidFill>
-                          <a:latin typeface="AdobeClean-Light"/>
-                          <a:cs typeface="AdobeClean-Light"/>
-                        </a:rPr>
-                        <a:t> </a:t>
-                      </a:r>
-                      <a:r>
-                        <a:rPr sz="900" spc="0" dirty="0">
-                          <a:solidFill>
-                            <a:srgbClr val="020302"/>
-                          </a:solidFill>
-                          <a:latin typeface="AdobeClean-Light"/>
-                          <a:cs typeface="AdobeClean-Light"/>
-                        </a:rPr>
-                        <a:t>/  </a:t>
-                      </a:r>
-                      <a:r>
-                        <a:rPr lang="en-US" sz="900" spc="0" dirty="0">
-                          <a:solidFill>
-                            <a:srgbClr val="020302"/>
-                          </a:solidFill>
-                          <a:latin typeface="AdobeClean-Light"/>
-                          <a:cs typeface="AdobeClean-Light"/>
-                        </a:rPr>
-                        <a:t>        </a:t>
-                      </a:r>
-                      <a:r>
-                        <a:rPr sz="900" spc="0" dirty="0">
-                          <a:solidFill>
-                            <a:srgbClr val="020302"/>
-                          </a:solidFill>
-                          <a:latin typeface="AdobeClean-Light"/>
-                          <a:cs typeface="AdobeClean-Light"/>
-                        </a:rPr>
-                        <a:t>2 hours</a:t>
-                      </a:r>
-                      <a:endParaRPr sz="900" spc="0" dirty="0">
-                        <a:latin typeface="AdobeClean-Light"/>
-                        <a:cs typeface="AdobeClean-Light"/>
-                      </a:endParaRPr>
-                    </a:p>
-                  </a:txBody>
-                  <a:tcPr marL="0" marR="0" marT="0" marB="0" anchor="ctr">
-                    <a:lnL w="3175">
-                      <a:solidFill>
-                        <a:srgbClr val="B7B8B8"/>
-                      </a:solidFill>
-                      <a:prstDash val="solid"/>
-                    </a:lnL>
-                    <a:lnR w="3175">
-                      <a:solidFill>
-                        <a:srgbClr val="B7B8B8"/>
-                      </a:solidFill>
-                      <a:prstDash val="solid"/>
-                    </a:lnR>
-                    <a:lnT w="3175">
-                      <a:solidFill>
-                        <a:srgbClr val="B7B8B8"/>
-                      </a:solidFill>
-                      <a:prstDash val="solid"/>
-                    </a:lnT>
-                    <a:lnB w="3175">
-                      <a:solidFill>
-                        <a:srgbClr val="B7B8B8"/>
-                      </a:solidFill>
-                      <a:prstDash val="solid"/>
-                    </a:lnB>
-                  </a:tcPr>
-                </a:tc>
-                <a:tc>
-                  <a:txBody>
-                    <a:bodyPr/>
-                    <a:lstStyle/>
-                    <a:p>
-                      <a:pPr marL="0" marR="325755" indent="-5715" algn="ctr">
-                        <a:lnSpc>
-                          <a:spcPct val="100000"/>
-                        </a:lnSpc>
-                        <a:spcBef>
-                          <a:spcPts val="670"/>
-                        </a:spcBef>
-                      </a:pPr>
-                      <a:r>
-                        <a:rPr sz="900" spc="0" dirty="0">
-                          <a:solidFill>
-                            <a:srgbClr val="020302"/>
-                          </a:solidFill>
-                          <a:latin typeface="AdobeClean-Light"/>
-                          <a:cs typeface="AdobeClean-Light"/>
-                        </a:rPr>
-                        <a:t>24x5</a:t>
-                      </a:r>
-                      <a:r>
-                        <a:rPr lang="en-US" sz="900" spc="0" dirty="0">
-                          <a:solidFill>
-                            <a:srgbClr val="020302"/>
-                          </a:solidFill>
-                          <a:latin typeface="AdobeClean-Light"/>
-                          <a:cs typeface="AdobeClean-Light"/>
-                        </a:rPr>
-                        <a:t> </a:t>
-                      </a:r>
-                      <a:r>
-                        <a:rPr sz="900" spc="0" dirty="0">
-                          <a:solidFill>
-                            <a:srgbClr val="020302"/>
-                          </a:solidFill>
-                          <a:latin typeface="AdobeClean-Light"/>
-                          <a:cs typeface="AdobeClean-Light"/>
-                        </a:rPr>
-                        <a:t>/  </a:t>
-                      </a:r>
-                      <a:r>
-                        <a:rPr lang="en-US" sz="900" spc="0" dirty="0">
-                          <a:solidFill>
-                            <a:srgbClr val="020302"/>
-                          </a:solidFill>
-                          <a:latin typeface="AdobeClean-Light"/>
-                          <a:cs typeface="AdobeClean-Light"/>
-                        </a:rPr>
-                        <a:t>              </a:t>
-                      </a:r>
-                      <a:r>
-                        <a:rPr sz="900" spc="0" dirty="0">
-                          <a:solidFill>
-                            <a:srgbClr val="020302"/>
-                          </a:solidFill>
-                          <a:latin typeface="AdobeClean-Light"/>
-                          <a:cs typeface="AdobeClean-Light"/>
-                        </a:rPr>
-                        <a:t>1 hour</a:t>
-                      </a:r>
-                      <a:endParaRPr sz="900" spc="0" dirty="0">
-                        <a:latin typeface="AdobeClean-Light"/>
-                        <a:cs typeface="AdobeClean-Light"/>
-                      </a:endParaRPr>
-                    </a:p>
-                  </a:txBody>
-                  <a:tcPr marL="0" marR="0" marT="0" marB="0" anchor="ctr">
-                    <a:lnL w="3175">
-                      <a:solidFill>
-                        <a:srgbClr val="B7B8B8"/>
-                      </a:solidFill>
-                      <a:prstDash val="solid"/>
-                    </a:lnL>
-                    <a:lnR w="3175">
-                      <a:solidFill>
-                        <a:srgbClr val="B7B8B8"/>
-                      </a:solidFill>
-                      <a:prstDash val="solid"/>
-                    </a:lnR>
-                    <a:lnT w="3175">
-                      <a:solidFill>
-                        <a:srgbClr val="B7B8B8"/>
-                      </a:solidFill>
-                      <a:prstDash val="solid"/>
-                    </a:lnT>
-                    <a:lnB w="3175">
-                      <a:solidFill>
-                        <a:srgbClr val="B7B8B8"/>
-                      </a:solidFill>
-                      <a:prstDash val="solid"/>
-                    </a:lnB>
-                  </a:tcPr>
-                </a:tc>
-                <a:tc>
-                  <a:txBody>
-                    <a:bodyPr/>
-                    <a:lstStyle/>
-                    <a:p>
-                      <a:pPr marL="0" marR="259079" indent="111760" algn="ctr">
-                        <a:lnSpc>
-                          <a:spcPct val="100000"/>
-                        </a:lnSpc>
-                        <a:spcBef>
-                          <a:spcPts val="670"/>
-                        </a:spcBef>
-                      </a:pPr>
-                      <a:r>
-                        <a:rPr sz="900" spc="0" dirty="0">
-                          <a:solidFill>
-                            <a:srgbClr val="020302"/>
-                          </a:solidFill>
-                          <a:latin typeface="AdobeClean-Light"/>
-                          <a:cs typeface="AdobeClean-Light"/>
-                        </a:rPr>
-                        <a:t>24x5 /  </a:t>
-                      </a:r>
-                      <a:r>
-                        <a:rPr lang="en-US" sz="900" spc="0" dirty="0">
-                          <a:solidFill>
-                            <a:srgbClr val="020302"/>
-                          </a:solidFill>
-                          <a:latin typeface="AdobeClean-Light"/>
-                          <a:cs typeface="AdobeClean-Light"/>
-                        </a:rPr>
-                        <a:t>       </a:t>
-                      </a:r>
-                      <a:r>
-                        <a:rPr sz="900" spc="0" dirty="0">
-                          <a:solidFill>
-                            <a:srgbClr val="020302"/>
-                          </a:solidFill>
-                          <a:latin typeface="AdobeClean-Light"/>
-                          <a:cs typeface="AdobeClean-Light"/>
-                        </a:rPr>
-                        <a:t>30</a:t>
-                      </a:r>
-                      <a:r>
-                        <a:rPr lang="en-US" sz="900" spc="0" dirty="0">
-                          <a:solidFill>
-                            <a:srgbClr val="020302"/>
-                          </a:solidFill>
-                          <a:latin typeface="AdobeClean-Light"/>
-                          <a:cs typeface="AdobeClean-Light"/>
-                        </a:rPr>
-                        <a:t> </a:t>
-                      </a:r>
-                      <a:r>
-                        <a:rPr sz="900" spc="0" dirty="0">
-                          <a:solidFill>
-                            <a:srgbClr val="020302"/>
-                          </a:solidFill>
-                          <a:latin typeface="AdobeClean-Light"/>
-                          <a:cs typeface="AdobeClean-Light"/>
-                        </a:rPr>
-                        <a:t>minutes</a:t>
+                        <a:t>24x5 /         30 分鐘</a:t>
                       </a:r>
                       <a:endParaRPr sz="900" spc="0" dirty="0">
                         <a:latin typeface="AdobeClean-Light"/>
@@ -8291,24 +7586,14 @@
                         </a:spcBef>
                       </a:pPr>
                       <a:r>
-                        <a:rPr sz="900" b="1" spc="0" dirty="0">
+                        <a:rPr lang="de-de" sz="900" b="1" spc="0" dirty="0">
                           <a:solidFill>
                             <a:srgbClr val="020302"/>
                           </a:solidFill>
                           <a:latin typeface="Adobe Clean"/>
                           <a:cs typeface="Adobe Clean"/>
                         </a:rPr>
-                        <a:t>PRIORITY</a:t>
-                      </a:r>
-                      <a:r>
-                        <a:rPr lang="en-US" sz="900" b="1" spc="0" dirty="0">
-                          <a:solidFill>
-                            <a:srgbClr val="020302"/>
-                          </a:solidFill>
-                          <a:latin typeface="Adobe Clean"/>
-                          <a:cs typeface="Adobe Clean"/>
-                        </a:rPr>
-                        <a:t> 3</a:t>
+                        <a:t>優先順序 3</a:t>
                       </a:r>
                       <a:endParaRPr lang="en-US" sz="900" spc="0" dirty="0">
                         <a:latin typeface="Adobe Clean"/>
@@ -8334,7 +7619,7 @@
                         <a:defRPr/>
                       </a:pPr>
                       <a:r>
-                        <a:rPr kumimoji="0" lang="en-US" sz="900" b="0" i="0" u="none" strike="noStrike" kern="1200" cap="none" spc="0" normalizeH="0" baseline="0" noProof="0" dirty="0">
+                        <a:rPr kumimoji="0" lang="de-de" sz="900" b="0" i="0" u="none" strike="noStrike" kern="1200" cap="none" spc="0" normalizeH="0" baseline="0" noProof="0" dirty="0">
                           <a:ln>
                             <a:noFill/>
                           </a:ln>
@@ -8348,7 +7633,7 @@
                           <a:ea typeface="+mn-ea"/>
                           <a:cs typeface="+mn-cs"/>
                         </a:rPr>
-                        <a:t>Customer's business functions have minor service degradation but there exists a solution/workaround allowing business functions to continue normally </a:t>
+                        <a:t>客戶的業務功能發生了輕微服務降級狀況，但有解決/變通方法讓業務功能得以繼續正常運作</a:t>
                       </a:r>
                       <a:endParaRPr lang="en-US" sz="900" b="0" i="0" spc="0" dirty="0">
                         <a:latin typeface="Adobe Clean Light" panose="020B0303020404020204" pitchFamily="34" charset="0"/>
@@ -8397,382 +7682,222 @@
                         </a:spcBef>
                       </a:pPr>
                       <a:r>
-                        <a:rPr sz="900" spc="0" dirty="0">
+                        <a:rPr lang="de-de" sz="900" spc="0" dirty="0">
                           <a:solidFill>
                             <a:srgbClr val="020302"/>
                           </a:solidFill>
                           <a:latin typeface="AdobeClean-Light"/>
                           <a:cs typeface="AdobeClean-Light"/>
                         </a:rPr>
-                        <a:t>Business</a:t>
+                        <a:t>營業時間 /            6 小時</a:t>
                       </a:r>
+                      <a:endParaRPr sz="900" spc="0" dirty="0">
+                        <a:latin typeface="AdobeClean-Light"/>
+                        <a:cs typeface="AdobeClean-Light"/>
+                      </a:endParaRPr>
+                    </a:p>
+                  </a:txBody>
+                  <a:tcPr marL="0" marR="0" marT="0" marB="0" anchor="ctr">
+                    <a:lnL w="3175">
+                      <a:solidFill>
+                        <a:srgbClr val="B7B8B8"/>
+                      </a:solidFill>
+                      <a:prstDash val="solid"/>
+                    </a:lnL>
+                    <a:lnR w="3175">
+                      <a:solidFill>
+                        <a:srgbClr val="B7B8B8"/>
+                      </a:solidFill>
+                      <a:prstDash val="solid"/>
+                    </a:lnR>
+                    <a:lnT w="3175">
+                      <a:solidFill>
+                        <a:srgbClr val="B7B8B8"/>
+                      </a:solidFill>
+                      <a:prstDash val="solid"/>
+                    </a:lnT>
+                    <a:lnB w="3175">
+                      <a:solidFill>
+                        <a:srgbClr val="B7B8B8"/>
+                      </a:solidFill>
+                      <a:prstDash val="solid"/>
+                    </a:lnB>
+                  </a:tcPr>
+                </a:tc>
+                <a:tc>
+                  <a:txBody>
+                    <a:bodyPr/>
+                    <a:lstStyle/>
+                    <a:p>
+                      <a:pPr marL="0" marR="185420" indent="-193675" algn="ctr">
+                        <a:lnSpc>
+                          <a:spcPct val="100000"/>
+                        </a:lnSpc>
+                        <a:spcBef>
+                          <a:spcPts val="645"/>
+                        </a:spcBef>
+                      </a:pPr>
                       <a:r>
-                        <a:rPr lang="en-US" sz="900" spc="0" dirty="0">
+                        <a:rPr lang="de-de" sz="900" spc="0" dirty="0">
                           <a:solidFill>
                             <a:srgbClr val="020302"/>
                           </a:solidFill>
                           <a:latin typeface="AdobeClean-Light"/>
                           <a:cs typeface="AdobeClean-Light"/>
                         </a:rPr>
-                        <a:t> </a:t>
+                        <a:t>營業時間 /  </a:t>
                       </a:r>
+                    </a:p>
+                    <a:p>
+                      <a:pPr marL="0" marR="185420" indent="-193675" algn="ctr">
+                        <a:lnSpc>
+                          <a:spcPct val="100000"/>
+                        </a:lnSpc>
+                        <a:spcBef>
+                          <a:spcPts val="645"/>
+                        </a:spcBef>
+                      </a:pPr>
                       <a:r>
-                        <a:rPr sz="900" spc="0" dirty="0">
+                        <a:rPr lang="de-de" sz="900" spc="0" dirty="0">
                           <a:solidFill>
                             <a:srgbClr val="020302"/>
                           </a:solidFill>
                           <a:latin typeface="AdobeClean-Light"/>
                           <a:cs typeface="AdobeClean-Light"/>
                         </a:rPr>
-                        <a:t>hours</a:t>
+                        <a:t>4 小時</a:t>
                       </a:r>
+                      <a:endParaRPr sz="900" spc="0" dirty="0">
+                        <a:latin typeface="AdobeClean-Light"/>
+                        <a:cs typeface="AdobeClean-Light"/>
+                      </a:endParaRPr>
+                    </a:p>
+                  </a:txBody>
+                  <a:tcPr marL="0" marR="0" marT="0" marB="0" anchor="ctr">
+                    <a:lnL w="3175">
+                      <a:solidFill>
+                        <a:srgbClr val="B7B8B8"/>
+                      </a:solidFill>
+                      <a:prstDash val="solid"/>
+                    </a:lnL>
+                    <a:lnR w="3175">
+                      <a:solidFill>
+                        <a:srgbClr val="B7B8B8"/>
+                      </a:solidFill>
+                      <a:prstDash val="solid"/>
+                    </a:lnR>
+                    <a:lnT w="3175">
+                      <a:solidFill>
+                        <a:srgbClr val="B7B8B8"/>
+                      </a:solidFill>
+                      <a:prstDash val="solid"/>
+                    </a:lnT>
+                    <a:lnB w="3175">
+                      <a:solidFill>
+                        <a:srgbClr val="B7B8B8"/>
+                      </a:solidFill>
+                      <a:prstDash val="solid"/>
+                    </a:lnB>
+                  </a:tcPr>
+                </a:tc>
+                <a:tc>
+                  <a:txBody>
+                    <a:bodyPr/>
+                    <a:lstStyle/>
+                    <a:p>
+                      <a:pPr marL="0" marR="184785" indent="-194310" algn="ctr">
+                        <a:lnSpc>
+                          <a:spcPct val="100000"/>
+                        </a:lnSpc>
+                        <a:spcBef>
+                          <a:spcPts val="645"/>
+                        </a:spcBef>
+                      </a:pPr>
                       <a:r>
-                        <a:rPr lang="en-US" sz="900" spc="0" dirty="0">
+                        <a:rPr lang="de-de" sz="900" spc="0" dirty="0">
                           <a:solidFill>
                             <a:srgbClr val="020302"/>
                           </a:solidFill>
                           <a:latin typeface="AdobeClean-Light"/>
                           <a:cs typeface="AdobeClean-Light"/>
                         </a:rPr>
-                        <a:t> </a:t>
+                        <a:t>營業時間 / </a:t>
                       </a:r>
+                    </a:p>
+                    <a:p>
+                      <a:pPr marL="0" marR="184785" indent="-194310" algn="ctr">
+                        <a:lnSpc>
+                          <a:spcPct val="100000"/>
+                        </a:lnSpc>
+                        <a:spcBef>
+                          <a:spcPts val="645"/>
+                        </a:spcBef>
+                      </a:pPr>
                       <a:r>
-                        <a:rPr sz="900" spc="0" dirty="0">
+                        <a:rPr lang="de-de" sz="900" spc="0" dirty="0">
                           <a:solidFill>
                             <a:srgbClr val="020302"/>
                           </a:solidFill>
                           <a:latin typeface="AdobeClean-Light"/>
                           <a:cs typeface="AdobeClean-Light"/>
                         </a:rPr>
-                        <a:t>/  </a:t>
+                        <a:t>2 小時</a:t>
                       </a:r>
+                      <a:endParaRPr sz="900" spc="0" dirty="0">
+                        <a:latin typeface="AdobeClean-Light"/>
+                        <a:cs typeface="AdobeClean-Light"/>
+                      </a:endParaRPr>
+                    </a:p>
+                  </a:txBody>
+                  <a:tcPr marL="0" marR="0" marT="0" marB="0" anchor="ctr">
+                    <a:lnL w="3175">
+                      <a:solidFill>
+                        <a:srgbClr val="B7B8B8"/>
+                      </a:solidFill>
+                      <a:prstDash val="solid"/>
+                    </a:lnL>
+                    <a:lnR w="3175">
+                      <a:solidFill>
+                        <a:srgbClr val="B7B8B8"/>
+                      </a:solidFill>
+                      <a:prstDash val="solid"/>
+                    </a:lnR>
+                    <a:lnT w="3175">
+                      <a:solidFill>
+                        <a:srgbClr val="B7B8B8"/>
+                      </a:solidFill>
+                      <a:prstDash val="solid"/>
+                    </a:lnT>
+                    <a:lnB w="3175">
+                      <a:solidFill>
+                        <a:srgbClr val="B7B8B8"/>
+                      </a:solidFill>
+                      <a:prstDash val="solid"/>
+                    </a:lnB>
+                  </a:tcPr>
+                </a:tc>
+                <a:tc>
+                  <a:txBody>
+                    <a:bodyPr/>
+                    <a:lstStyle/>
+                    <a:p>
+                      <a:pPr marL="0" marR="326390" indent="-5715" algn="ctr">
+                        <a:lnSpc>
+                          <a:spcPct val="100000"/>
+                        </a:lnSpc>
+                        <a:spcBef>
+                          <a:spcPts val="645"/>
+                        </a:spcBef>
+                      </a:pPr>
                       <a:r>
-                        <a:rPr lang="en-US" sz="900" spc="0" dirty="0">
+                        <a:rPr lang="de-de" sz="900" spc="0" dirty="0">
                           <a:solidFill>
                             <a:srgbClr val="020302"/>
                           </a:solidFill>
                           <a:latin typeface="AdobeClean-Light"/>
                           <a:cs typeface="AdobeClean-Light"/>
                         </a:rPr>
-                        <a:t>          </a:t>
-                      </a:r>
-                      <a:r>
-                        <a:rPr sz="900" spc="0" dirty="0">
-                          <a:solidFill>
-                            <a:srgbClr val="020302"/>
-                          </a:solidFill>
-                          <a:latin typeface="AdobeClean-Light"/>
-                          <a:cs typeface="AdobeClean-Light"/>
-                        </a:rPr>
-                        <a:t>6 hours</a:t>
-                      </a:r>
-                      <a:endParaRPr sz="900" spc="0" dirty="0">
-                        <a:latin typeface="AdobeClean-Light"/>
-                        <a:cs typeface="AdobeClean-Light"/>
-                      </a:endParaRPr>
-                    </a:p>
-                  </a:txBody>
-                  <a:tcPr marL="0" marR="0" marT="0" marB="0" anchor="ctr">
-                    <a:lnL w="3175">
-                      <a:solidFill>
-                        <a:srgbClr val="B7B8B8"/>
-                      </a:solidFill>
-                      <a:prstDash val="solid"/>
-                    </a:lnL>
-                    <a:lnR w="3175">
-                      <a:solidFill>
-                        <a:srgbClr val="B7B8B8"/>
-                      </a:solidFill>
-                      <a:prstDash val="solid"/>
-                    </a:lnR>
-                    <a:lnT w="3175">
-                      <a:solidFill>
-                        <a:srgbClr val="B7B8B8"/>
-                      </a:solidFill>
-                      <a:prstDash val="solid"/>
-                    </a:lnT>
-                    <a:lnB w="3175">
-                      <a:solidFill>
-                        <a:srgbClr val="B7B8B8"/>
-                      </a:solidFill>
-                      <a:prstDash val="solid"/>
-                    </a:lnB>
-                  </a:tcPr>
-                </a:tc>
-                <a:tc>
-                  <a:txBody>
-                    <a:bodyPr/>
-                    <a:lstStyle/>
-                    <a:p>
-                      <a:pPr marL="0" marR="185420" indent="-193675" algn="ctr">
-                        <a:lnSpc>
-                          <a:spcPct val="100000"/>
-                        </a:lnSpc>
-                        <a:spcBef>
-                          <a:spcPts val="645"/>
-                        </a:spcBef>
-                      </a:pPr>
-                      <a:r>
-                        <a:rPr sz="900" spc="0" dirty="0">
-                          <a:solidFill>
-                            <a:srgbClr val="020302"/>
-                          </a:solidFill>
-                          <a:latin typeface="AdobeClean-Light"/>
-                          <a:cs typeface="AdobeClean-Light"/>
-                        </a:rPr>
-                        <a:t>Business</a:t>
-                      </a:r>
-                      <a:r>
-                        <a:rPr lang="en-US" sz="900" spc="0" dirty="0">
-                          <a:solidFill>
-                            <a:srgbClr val="020302"/>
-                          </a:solidFill>
-                          <a:latin typeface="AdobeClean-Light"/>
-                          <a:cs typeface="AdobeClean-Light"/>
-                        </a:rPr>
-                        <a:t> </a:t>
-                      </a:r>
-                      <a:r>
-                        <a:rPr sz="900" spc="0" dirty="0">
-                          <a:solidFill>
-                            <a:srgbClr val="020302"/>
-                          </a:solidFill>
-                          <a:latin typeface="AdobeClean-Light"/>
-                          <a:cs typeface="AdobeClean-Light"/>
-                        </a:rPr>
-                        <a:t>hours</a:t>
-                      </a:r>
-                      <a:r>
-                        <a:rPr lang="en-US" sz="900" spc="0" dirty="0">
-                          <a:solidFill>
-                            <a:srgbClr val="020302"/>
-                          </a:solidFill>
-                          <a:latin typeface="AdobeClean-Light"/>
-                          <a:cs typeface="AdobeClean-Light"/>
-                        </a:rPr>
-                        <a:t> </a:t>
-                      </a:r>
-                      <a:r>
-                        <a:rPr sz="900" spc="0" dirty="0">
-                          <a:solidFill>
-                            <a:srgbClr val="020302"/>
-                          </a:solidFill>
-                          <a:latin typeface="AdobeClean-Light"/>
-                          <a:cs typeface="AdobeClean-Light"/>
-                        </a:rPr>
-                        <a:t>/  4 hours</a:t>
-                      </a:r>
-                      <a:endParaRPr sz="900" spc="0" dirty="0">
-                        <a:latin typeface="AdobeClean-Light"/>
-                        <a:cs typeface="AdobeClean-Light"/>
-                      </a:endParaRPr>
-                    </a:p>
-                  </a:txBody>
-                  <a:tcPr marL="0" marR="0" marT="0" marB="0" anchor="ctr">
-                    <a:lnL w="3175">
-                      <a:solidFill>
-                        <a:srgbClr val="B7B8B8"/>
-                      </a:solidFill>
-                      <a:prstDash val="solid"/>
-                    </a:lnL>
-                    <a:lnR w="3175">
-                      <a:solidFill>
-                        <a:srgbClr val="B7B8B8"/>
-                      </a:solidFill>
-                      <a:prstDash val="solid"/>
-                    </a:lnR>
-                    <a:lnT w="3175">
-                      <a:solidFill>
-                        <a:srgbClr val="B7B8B8"/>
-                      </a:solidFill>
-                      <a:prstDash val="solid"/>
-                    </a:lnT>
-                    <a:lnB w="3175">
-                      <a:solidFill>
-                        <a:srgbClr val="B7B8B8"/>
-                      </a:solidFill>
-                      <a:prstDash val="solid"/>
-                    </a:lnB>
-                  </a:tcPr>
-                </a:tc>
-                <a:tc>
-                  <a:txBody>
-                    <a:bodyPr/>
-                    <a:lstStyle/>
-                    <a:p>
-                      <a:pPr marL="0" marR="184785" indent="-194310" algn="ctr">
-                        <a:lnSpc>
-                          <a:spcPct val="100000"/>
-                        </a:lnSpc>
-                        <a:spcBef>
-                          <a:spcPts val="645"/>
-                        </a:spcBef>
-                      </a:pPr>
-                      <a:r>
-                        <a:rPr sz="900" spc="0" dirty="0">
-                          <a:solidFill>
-                            <a:srgbClr val="020302"/>
-                          </a:solidFill>
-                          <a:latin typeface="AdobeClean-Light"/>
-                          <a:cs typeface="AdobeClean-Light"/>
-                        </a:rPr>
-                        <a:t>Business</a:t>
-                      </a:r>
-                      <a:r>
-                        <a:rPr lang="en-US" sz="900" spc="0" dirty="0">
-                          <a:solidFill>
-                            <a:srgbClr val="020302"/>
-                          </a:solidFill>
-                          <a:latin typeface="AdobeClean-Light"/>
-                          <a:cs typeface="AdobeClean-Light"/>
-                        </a:rPr>
-                        <a:t> </a:t>
-                      </a:r>
-                      <a:r>
-                        <a:rPr sz="900" spc="0" dirty="0">
-                          <a:solidFill>
-                            <a:srgbClr val="020302"/>
-                          </a:solidFill>
-                          <a:latin typeface="AdobeClean-Light"/>
-                          <a:cs typeface="AdobeClean-Light"/>
-                        </a:rPr>
-                        <a:t>hours</a:t>
-                      </a:r>
-                      <a:r>
-                        <a:rPr lang="en-US" sz="900" spc="0" dirty="0">
-                          <a:solidFill>
-                            <a:srgbClr val="020302"/>
-                          </a:solidFill>
-                          <a:latin typeface="AdobeClean-Light"/>
-                          <a:cs typeface="AdobeClean-Light"/>
-                        </a:rPr>
-                        <a:t> </a:t>
-                      </a:r>
-                      <a:r>
-                        <a:rPr sz="900" spc="0" dirty="0">
-                          <a:solidFill>
-                            <a:srgbClr val="020302"/>
-                          </a:solidFill>
-                          <a:latin typeface="AdobeClean-Light"/>
-                          <a:cs typeface="AdobeClean-Light"/>
-                        </a:rPr>
-                        <a:t>/  </a:t>
-                      </a:r>
-                      <a:r>
-                        <a:rPr lang="en-US" sz="900" spc="0" dirty="0">
-                          <a:solidFill>
-                            <a:srgbClr val="020302"/>
-                          </a:solidFill>
-                          <a:latin typeface="AdobeClean-Light"/>
-                          <a:cs typeface="AdobeClean-Light"/>
-                        </a:rPr>
-                        <a:t>   </a:t>
-                      </a:r>
-                      <a:r>
-                        <a:rPr sz="900" spc="0" dirty="0">
-                          <a:solidFill>
-                            <a:srgbClr val="020302"/>
-                          </a:solidFill>
-                          <a:latin typeface="AdobeClean-Light"/>
-                          <a:cs typeface="AdobeClean-Light"/>
-                        </a:rPr>
-                        <a:t>2 hours</a:t>
-                      </a:r>
-                      <a:endParaRPr sz="900" spc="0" dirty="0">
-                        <a:latin typeface="AdobeClean-Light"/>
-                        <a:cs typeface="AdobeClean-Light"/>
-                      </a:endParaRPr>
-                    </a:p>
-                  </a:txBody>
-                  <a:tcPr marL="0" marR="0" marT="0" marB="0" anchor="ctr">
-                    <a:lnL w="3175">
-                      <a:solidFill>
-                        <a:srgbClr val="B7B8B8"/>
-                      </a:solidFill>
-                      <a:prstDash val="solid"/>
-                    </a:lnL>
-                    <a:lnR w="3175">
-                      <a:solidFill>
-                        <a:srgbClr val="B7B8B8"/>
-                      </a:solidFill>
-                      <a:prstDash val="solid"/>
-                    </a:lnR>
-                    <a:lnT w="3175">
-                      <a:solidFill>
-                        <a:srgbClr val="B7B8B8"/>
-                      </a:solidFill>
-                      <a:prstDash val="solid"/>
-                    </a:lnT>
-                    <a:lnB w="3175">
-                      <a:solidFill>
-                        <a:srgbClr val="B7B8B8"/>
-                      </a:solidFill>
-                      <a:prstDash val="solid"/>
-                    </a:lnB>
-                  </a:tcPr>
-                </a:tc>
-                <a:tc>
-                  <a:txBody>
-                    <a:bodyPr/>
-                    <a:lstStyle/>
-                    <a:p>
-                      <a:pPr marL="0" marR="326390" indent="-5715" algn="ctr">
-                        <a:lnSpc>
-                          <a:spcPct val="100000"/>
-                        </a:lnSpc>
-                        <a:spcBef>
-                          <a:spcPts val="645"/>
-                        </a:spcBef>
-                      </a:pPr>
-                      <a:r>
-                        <a:rPr sz="900" spc="0" dirty="0">
-                          <a:solidFill>
-                            <a:srgbClr val="020302"/>
-                          </a:solidFill>
-                          <a:latin typeface="AdobeClean-Light"/>
-                          <a:cs typeface="AdobeClean-Light"/>
-                        </a:rPr>
-                        <a:t>24x5</a:t>
-                      </a:r>
-                      <a:r>
-                        <a:rPr lang="en-US" sz="900" spc="0" dirty="0">
-                          <a:solidFill>
-                            <a:srgbClr val="020302"/>
-                          </a:solidFill>
-                          <a:latin typeface="AdobeClean-Light"/>
-                          <a:cs typeface="AdobeClean-Light"/>
-                        </a:rPr>
-                        <a:t> </a:t>
-                      </a:r>
-                      <a:r>
-                        <a:rPr sz="900" spc="0" dirty="0">
-                          <a:solidFill>
-                            <a:srgbClr val="020302"/>
-                          </a:solidFill>
-                          <a:latin typeface="AdobeClean-Light"/>
-                          <a:cs typeface="AdobeClean-Light"/>
-                        </a:rPr>
-                        <a:t>/  </a:t>
-                      </a:r>
-                      <a:r>
-                        <a:rPr lang="en-US" sz="900" spc="0" dirty="0">
-                          <a:solidFill>
-                            <a:srgbClr val="020302"/>
-                          </a:solidFill>
-                          <a:latin typeface="AdobeClean-Light"/>
-                          <a:cs typeface="AdobeClean-Light"/>
-                        </a:rPr>
-                        <a:t>           </a:t>
-                      </a:r>
-                      <a:r>
-                        <a:rPr sz="900" spc="0" dirty="0">
-                          <a:solidFill>
-                            <a:srgbClr val="020302"/>
-                          </a:solidFill>
-                          <a:latin typeface="AdobeClean-Light"/>
-                          <a:cs typeface="AdobeClean-Light"/>
-                        </a:rPr>
-                        <a:t>1 hour</a:t>
+                        <a:t>24x5 /             1 小時</a:t>
                       </a:r>
                       <a:endParaRPr sz="900" spc="0" dirty="0">
                         <a:latin typeface="AdobeClean-Light"/>
@@ -8828,14 +7953,14 @@
                         </a:spcBef>
                       </a:pPr>
                       <a:r>
-                        <a:rPr sz="900" b="1" spc="0" dirty="0">
+                        <a:rPr lang="de-de" sz="900" b="1" spc="0" dirty="0">
                           <a:solidFill>
                             <a:srgbClr val="020302"/>
                           </a:solidFill>
                           <a:latin typeface="Adobe Clean"/>
                           <a:cs typeface="Adobe Clean"/>
                         </a:rPr>
-                        <a:t>PRIORITY 4</a:t>
+                        <a:t>優先順序 4</a:t>
                       </a:r>
                       <a:endParaRPr sz="900" spc="0" dirty="0">
                         <a:latin typeface="Adobe Clean"/>
@@ -8861,14 +7986,14 @@
                         <a:defRPr/>
                       </a:pPr>
                       <a:r>
-                        <a:rPr lang="en-US" sz="900" b="0" i="0" spc="0" dirty="0">
+                        <a:rPr lang="de-de" sz="900" b="0" i="0" spc="0" dirty="0">
                           <a:solidFill>
                             <a:srgbClr val="000000"/>
                           </a:solidFill>
                           <a:effectLst/>
                           <a:latin typeface="Adobe Clean Light" panose="020B0303020404020204" pitchFamily="34" charset="0"/>
                         </a:rPr>
-                        <a:t>General question regarding current product functionality or an enhancement request </a:t>
+                        <a:t>有關目前產品功能或增強要求的一般性問題</a:t>
                       </a:r>
                       <a:endParaRPr sz="900" b="0" i="0" spc="0" dirty="0">
                         <a:latin typeface="Adobe Clean Light" panose="020B0303020404020204" pitchFamily="34" charset="0"/>
@@ -8917,422 +8042,182 @@
                         </a:spcBef>
                       </a:pPr>
                       <a:r>
-                        <a:rPr sz="900" spc="0" dirty="0">
+                        <a:rPr lang="de-de" sz="900" spc="0" dirty="0">
                           <a:solidFill>
                             <a:srgbClr val="020302"/>
                           </a:solidFill>
                           <a:latin typeface="AdobeClean-Light"/>
                           <a:cs typeface="AdobeClean-Light"/>
                         </a:rPr>
-                        <a:t>Business</a:t>
+                        <a:t>營業日 / 3 天</a:t>
                       </a:r>
+                      <a:endParaRPr sz="900" spc="0" dirty="0">
+                        <a:latin typeface="AdobeClean-Light"/>
+                        <a:cs typeface="AdobeClean-Light"/>
+                      </a:endParaRPr>
+                    </a:p>
+                  </a:txBody>
+                  <a:tcPr marL="0" marR="0" marT="0" marB="0" anchor="ctr">
+                    <a:lnL w="3175">
+                      <a:solidFill>
+                        <a:srgbClr val="B7B8B8"/>
+                      </a:solidFill>
+                      <a:prstDash val="solid"/>
+                    </a:lnL>
+                    <a:lnR w="3175">
+                      <a:solidFill>
+                        <a:srgbClr val="B7B8B8"/>
+                      </a:solidFill>
+                      <a:prstDash val="solid"/>
+                    </a:lnR>
+                    <a:lnT w="3175">
+                      <a:solidFill>
+                        <a:srgbClr val="B7B8B8"/>
+                      </a:solidFill>
+                      <a:prstDash val="solid"/>
+                    </a:lnT>
+                    <a:lnB w="3175">
+                      <a:solidFill>
+                        <a:srgbClr val="B7B8B8"/>
+                      </a:solidFill>
+                      <a:prstDash val="solid"/>
+                    </a:lnB>
+                  </a:tcPr>
+                </a:tc>
+                <a:tc>
+                  <a:txBody>
+                    <a:bodyPr/>
+                    <a:lstStyle/>
+                    <a:p>
+                      <a:pPr marL="0" marR="223520" indent="-202565" algn="ctr">
+                        <a:lnSpc>
+                          <a:spcPct val="100000"/>
+                        </a:lnSpc>
+                        <a:spcBef>
+                          <a:spcPts val="155"/>
+                        </a:spcBef>
+                      </a:pPr>
                       <a:r>
-                        <a:rPr lang="en-US" sz="900" spc="0" dirty="0">
+                        <a:rPr lang="de-de" sz="900" spc="0" dirty="0">
                           <a:solidFill>
                             <a:srgbClr val="020302"/>
                           </a:solidFill>
                           <a:latin typeface="AdobeClean-Light"/>
                           <a:cs typeface="AdobeClean-Light"/>
                         </a:rPr>
-                        <a:t> </a:t>
+                        <a:t>營業日 / 1 天</a:t>
                       </a:r>
+                      <a:endParaRPr sz="900" spc="0" dirty="0">
+                        <a:latin typeface="AdobeClean-Light"/>
+                        <a:cs typeface="AdobeClean-Light"/>
+                      </a:endParaRPr>
+                    </a:p>
+                  </a:txBody>
+                  <a:tcPr marL="0" marR="0" marT="0" marB="0" anchor="ctr">
+                    <a:lnL w="3175">
+                      <a:solidFill>
+                        <a:srgbClr val="B7B8B8"/>
+                      </a:solidFill>
+                      <a:prstDash val="solid"/>
+                    </a:lnL>
+                    <a:lnR w="3175">
+                      <a:solidFill>
+                        <a:srgbClr val="B7B8B8"/>
+                      </a:solidFill>
+                      <a:prstDash val="solid"/>
+                    </a:lnR>
+                    <a:lnT w="3175">
+                      <a:solidFill>
+                        <a:srgbClr val="B7B8B8"/>
+                      </a:solidFill>
+                      <a:prstDash val="solid"/>
+                    </a:lnT>
+                    <a:lnB w="3175">
+                      <a:solidFill>
+                        <a:srgbClr val="B7B8B8"/>
+                      </a:solidFill>
+                      <a:prstDash val="solid"/>
+                    </a:lnB>
+                  </a:tcPr>
+                </a:tc>
+                <a:tc>
+                  <a:txBody>
+                    <a:bodyPr/>
+                    <a:lstStyle/>
+                    <a:p>
+                      <a:pPr marL="0" marR="223520" indent="-202565" algn="ctr">
+                        <a:lnSpc>
+                          <a:spcPct val="100000"/>
+                        </a:lnSpc>
+                        <a:spcBef>
+                          <a:spcPts val="155"/>
+                        </a:spcBef>
+                      </a:pPr>
                       <a:r>
-                        <a:rPr sz="900" spc="0" dirty="0">
+                        <a:rPr lang="de-de" sz="900" spc="0" dirty="0">
                           <a:solidFill>
                             <a:srgbClr val="020302"/>
                           </a:solidFill>
                           <a:latin typeface="AdobeClean-Light"/>
                           <a:cs typeface="AdobeClean-Light"/>
                         </a:rPr>
-                        <a:t>days</a:t>
+                        <a:t>營業日 / 1 天</a:t>
                       </a:r>
+                      <a:endParaRPr sz="900" spc="0" dirty="0">
+                        <a:latin typeface="AdobeClean-Light"/>
+                        <a:cs typeface="AdobeClean-Light"/>
+                      </a:endParaRPr>
+                    </a:p>
+                  </a:txBody>
+                  <a:tcPr marL="0" marR="0" marT="0" marB="0" anchor="ctr">
+                    <a:lnL w="3175">
+                      <a:solidFill>
+                        <a:srgbClr val="B7B8B8"/>
+                      </a:solidFill>
+                      <a:prstDash val="solid"/>
+                    </a:lnL>
+                    <a:lnR w="3175">
+                      <a:solidFill>
+                        <a:srgbClr val="B7B8B8"/>
+                      </a:solidFill>
+                      <a:prstDash val="solid"/>
+                    </a:lnR>
+                    <a:lnT w="3175">
+                      <a:solidFill>
+                        <a:srgbClr val="B7B8B8"/>
+                      </a:solidFill>
+                      <a:prstDash val="solid"/>
+                    </a:lnT>
+                    <a:lnB w="3175">
+                      <a:solidFill>
+                        <a:srgbClr val="B7B8B8"/>
+                      </a:solidFill>
+                      <a:prstDash val="solid"/>
+                    </a:lnB>
+                  </a:tcPr>
+                </a:tc>
+                <a:tc>
+                  <a:txBody>
+                    <a:bodyPr/>
+                    <a:lstStyle/>
+                    <a:p>
+                      <a:pPr marL="0" marR="223520" indent="-202565" algn="ctr">
+                        <a:lnSpc>
+                          <a:spcPct val="100000"/>
+                        </a:lnSpc>
+                        <a:spcBef>
+                          <a:spcPts val="155"/>
+                        </a:spcBef>
+                      </a:pPr>
                       <a:r>
-                        <a:rPr lang="en-US" sz="900" spc="0" dirty="0">
+                        <a:rPr lang="de-de" sz="900" spc="0" dirty="0">
                           <a:solidFill>
                             <a:srgbClr val="020302"/>
                           </a:solidFill>
                           <a:latin typeface="AdobeClean-Light"/>
                           <a:cs typeface="AdobeClean-Light"/>
                         </a:rPr>
-                        <a:t> </a:t>
-                      </a:r>
-                      <a:r>
-                        <a:rPr sz="900" spc="0" dirty="0">
-                          <a:solidFill>
-                            <a:srgbClr val="020302"/>
-                          </a:solidFill>
-                          <a:latin typeface="AdobeClean-Light"/>
-                          <a:cs typeface="AdobeClean-Light"/>
-                        </a:rPr>
-                        <a:t>/  </a:t>
-                      </a:r>
-                      <a:r>
-                        <a:rPr lang="en-US" sz="900" spc="0" dirty="0">
-                          <a:solidFill>
-                            <a:srgbClr val="020302"/>
-                          </a:solidFill>
-                          <a:latin typeface="AdobeClean-Light"/>
-                          <a:cs typeface="AdobeClean-Light"/>
-                        </a:rPr>
-                        <a:t> </a:t>
-                      </a:r>
-                      <a:r>
-                        <a:rPr sz="900" spc="0" dirty="0">
-                          <a:solidFill>
-                            <a:srgbClr val="020302"/>
-                          </a:solidFill>
-                          <a:latin typeface="AdobeClean-Light"/>
-                          <a:cs typeface="AdobeClean-Light"/>
-                        </a:rPr>
-                        <a:t>3 days</a:t>
-                      </a:r>
-                      <a:endParaRPr sz="900" spc="0" dirty="0">
-                        <a:latin typeface="AdobeClean-Light"/>
-                        <a:cs typeface="AdobeClean-Light"/>
-                      </a:endParaRPr>
-                    </a:p>
-                  </a:txBody>
-                  <a:tcPr marL="0" marR="0" marT="0" marB="0" anchor="ctr">
-                    <a:lnL w="3175">
-                      <a:solidFill>
-                        <a:srgbClr val="B7B8B8"/>
-                      </a:solidFill>
-                      <a:prstDash val="solid"/>
-                    </a:lnL>
-                    <a:lnR w="3175">
-                      <a:solidFill>
-                        <a:srgbClr val="B7B8B8"/>
-                      </a:solidFill>
-                      <a:prstDash val="solid"/>
-                    </a:lnR>
-                    <a:lnT w="3175">
-                      <a:solidFill>
-                        <a:srgbClr val="B7B8B8"/>
-                      </a:solidFill>
-                      <a:prstDash val="solid"/>
-                    </a:lnT>
-                    <a:lnB w="3175">
-                      <a:solidFill>
-                        <a:srgbClr val="B7B8B8"/>
-                      </a:solidFill>
-                      <a:prstDash val="solid"/>
-                    </a:lnB>
-                  </a:tcPr>
-                </a:tc>
-                <a:tc>
-                  <a:txBody>
-                    <a:bodyPr/>
-                    <a:lstStyle/>
-                    <a:p>
-                      <a:pPr marL="0" marR="223520" indent="-202565" algn="ctr">
-                        <a:lnSpc>
-                          <a:spcPct val="100000"/>
-                        </a:lnSpc>
-                        <a:spcBef>
-                          <a:spcPts val="155"/>
-                        </a:spcBef>
-                      </a:pPr>
-                      <a:r>
-                        <a:rPr sz="900" spc="0" dirty="0">
-                          <a:solidFill>
-                            <a:srgbClr val="020302"/>
-                          </a:solidFill>
-                          <a:latin typeface="AdobeClean-Light"/>
-                          <a:cs typeface="AdobeClean-Light"/>
-                        </a:rPr>
-                        <a:t>Business</a:t>
-                      </a:r>
-                      <a:r>
-                        <a:rPr lang="en-US" sz="900" spc="0" dirty="0">
-                          <a:solidFill>
-                            <a:srgbClr val="020302"/>
-                          </a:solidFill>
-                          <a:latin typeface="AdobeClean-Light"/>
-                          <a:cs typeface="AdobeClean-Light"/>
-                        </a:rPr>
-                        <a:t> </a:t>
-                      </a:r>
-                      <a:r>
-                        <a:rPr sz="900" spc="0" dirty="0">
-                          <a:solidFill>
-                            <a:srgbClr val="020302"/>
-                          </a:solidFill>
-                          <a:latin typeface="AdobeClean-Light"/>
-                          <a:cs typeface="AdobeClean-Light"/>
-                        </a:rPr>
-                        <a:t>day</a:t>
-                      </a:r>
-                      <a:r>
-                        <a:rPr lang="en-US" sz="900" spc="0" dirty="0">
-                          <a:solidFill>
-                            <a:srgbClr val="020302"/>
-                          </a:solidFill>
-                          <a:latin typeface="AdobeClean-Light"/>
-                          <a:cs typeface="AdobeClean-Light"/>
-                        </a:rPr>
-                        <a:t> </a:t>
-                      </a:r>
-                      <a:r>
-                        <a:rPr sz="900" spc="0" dirty="0">
-                          <a:solidFill>
-                            <a:srgbClr val="020302"/>
-                          </a:solidFill>
-                          <a:latin typeface="AdobeClean-Light"/>
-                          <a:cs typeface="AdobeClean-Light"/>
-                        </a:rPr>
-                        <a:t>/  </a:t>
-                      </a:r>
-                      <a:r>
-                        <a:rPr lang="en-US" sz="900" spc="0" dirty="0">
-                          <a:solidFill>
-                            <a:srgbClr val="020302"/>
-                          </a:solidFill>
-                          <a:latin typeface="AdobeClean-Light"/>
-                          <a:cs typeface="AdobeClean-Light"/>
-                        </a:rPr>
-                        <a:t>   </a:t>
-                      </a:r>
-                      <a:r>
-                        <a:rPr sz="900" spc="0" dirty="0">
-                          <a:solidFill>
-                            <a:srgbClr val="020302"/>
-                          </a:solidFill>
-                          <a:latin typeface="AdobeClean-Light"/>
-                          <a:cs typeface="AdobeClean-Light"/>
-                        </a:rPr>
-                        <a:t>1 day</a:t>
-                      </a:r>
-                      <a:endParaRPr sz="900" spc="0" dirty="0">
-                        <a:latin typeface="AdobeClean-Light"/>
-                        <a:cs typeface="AdobeClean-Light"/>
-                      </a:endParaRPr>
-                    </a:p>
-                  </a:txBody>
-                  <a:tcPr marL="0" marR="0" marT="0" marB="0" anchor="ctr">
-                    <a:lnL w="3175">
-                      <a:solidFill>
-                        <a:srgbClr val="B7B8B8"/>
-                      </a:solidFill>
-                      <a:prstDash val="solid"/>
-                    </a:lnL>
-                    <a:lnR w="3175">
-                      <a:solidFill>
-                        <a:srgbClr val="B7B8B8"/>
-                      </a:solidFill>
-                      <a:prstDash val="solid"/>
-                    </a:lnR>
-                    <a:lnT w="3175">
-                      <a:solidFill>
-                        <a:srgbClr val="B7B8B8"/>
-                      </a:solidFill>
-                      <a:prstDash val="solid"/>
-                    </a:lnT>
-                    <a:lnB w="3175">
-                      <a:solidFill>
-                        <a:srgbClr val="B7B8B8"/>
-                      </a:solidFill>
-                      <a:prstDash val="solid"/>
-                    </a:lnB>
-                  </a:tcPr>
-                </a:tc>
-                <a:tc>
-                  <a:txBody>
-                    <a:bodyPr/>
-                    <a:lstStyle/>
-                    <a:p>
-                      <a:pPr marL="0" marR="223520" indent="-202565" algn="ctr">
-                        <a:lnSpc>
-                          <a:spcPct val="100000"/>
-                        </a:lnSpc>
-                        <a:spcBef>
-                          <a:spcPts val="155"/>
-                        </a:spcBef>
-                      </a:pPr>
-                      <a:r>
-                        <a:rPr sz="900" spc="0" dirty="0">
-                          <a:solidFill>
-                            <a:srgbClr val="020302"/>
-                          </a:solidFill>
-                          <a:latin typeface="AdobeClean-Light"/>
-                          <a:cs typeface="AdobeClean-Light"/>
-                        </a:rPr>
-                        <a:t>Business</a:t>
-                      </a:r>
-                      <a:r>
-                        <a:rPr lang="en-US" sz="900" spc="0" dirty="0">
-                          <a:solidFill>
-                            <a:srgbClr val="020302"/>
-                          </a:solidFill>
-                          <a:latin typeface="AdobeClean-Light"/>
-                          <a:cs typeface="AdobeClean-Light"/>
-                        </a:rPr>
-                        <a:t> </a:t>
-                      </a:r>
-                      <a:r>
-                        <a:rPr sz="900" spc="0" dirty="0">
-                          <a:solidFill>
-                            <a:srgbClr val="020302"/>
-                          </a:solidFill>
-                          <a:latin typeface="AdobeClean-Light"/>
-                          <a:cs typeface="AdobeClean-Light"/>
-                        </a:rPr>
-                        <a:t>day</a:t>
-                      </a:r>
-                      <a:r>
-                        <a:rPr lang="en-US" sz="900" spc="0" dirty="0">
-                          <a:solidFill>
-                            <a:srgbClr val="020302"/>
-                          </a:solidFill>
-                          <a:latin typeface="AdobeClean-Light"/>
-                          <a:cs typeface="AdobeClean-Light"/>
-                        </a:rPr>
-                        <a:t> </a:t>
-                      </a:r>
-                      <a:r>
-                        <a:rPr sz="900" spc="0" dirty="0">
-                          <a:solidFill>
-                            <a:srgbClr val="020302"/>
-                          </a:solidFill>
-                          <a:latin typeface="AdobeClean-Light"/>
-                          <a:cs typeface="AdobeClean-Light"/>
-                        </a:rPr>
-                        <a:t>/  </a:t>
-                      </a:r>
-                      <a:r>
-                        <a:rPr lang="en-US" sz="900" spc="0" dirty="0">
-                          <a:solidFill>
-                            <a:srgbClr val="020302"/>
-                          </a:solidFill>
-                          <a:latin typeface="AdobeClean-Light"/>
-                          <a:cs typeface="AdobeClean-Light"/>
-                        </a:rPr>
-                        <a:t>    </a:t>
-                      </a:r>
-                      <a:r>
-                        <a:rPr sz="900" spc="0" dirty="0">
-                          <a:solidFill>
-                            <a:srgbClr val="020302"/>
-                          </a:solidFill>
-                          <a:latin typeface="AdobeClean-Light"/>
-                          <a:cs typeface="AdobeClean-Light"/>
-                        </a:rPr>
-                        <a:t>1 day</a:t>
-                      </a:r>
-                      <a:endParaRPr sz="900" spc="0" dirty="0">
-                        <a:latin typeface="AdobeClean-Light"/>
-                        <a:cs typeface="AdobeClean-Light"/>
-                      </a:endParaRPr>
-                    </a:p>
-                  </a:txBody>
-                  <a:tcPr marL="0" marR="0" marT="0" marB="0" anchor="ctr">
-                    <a:lnL w="3175">
-                      <a:solidFill>
-                        <a:srgbClr val="B7B8B8"/>
-                      </a:solidFill>
-                      <a:prstDash val="solid"/>
-                    </a:lnL>
-                    <a:lnR w="3175">
-                      <a:solidFill>
-                        <a:srgbClr val="B7B8B8"/>
-                      </a:solidFill>
-                      <a:prstDash val="solid"/>
-                    </a:lnR>
-                    <a:lnT w="3175">
-                      <a:solidFill>
-                        <a:srgbClr val="B7B8B8"/>
-                      </a:solidFill>
-                      <a:prstDash val="solid"/>
-                    </a:lnT>
-                    <a:lnB w="3175">
-                      <a:solidFill>
-                        <a:srgbClr val="B7B8B8"/>
-                      </a:solidFill>
-                      <a:prstDash val="solid"/>
-                    </a:lnB>
-                  </a:tcPr>
-                </a:tc>
-                <a:tc>
-                  <a:txBody>
-                    <a:bodyPr/>
-                    <a:lstStyle/>
-                    <a:p>
-                      <a:pPr marL="0" marR="223520" indent="-202565" algn="ctr">
-                        <a:lnSpc>
-                          <a:spcPct val="100000"/>
-                        </a:lnSpc>
-                        <a:spcBef>
-                          <a:spcPts val="155"/>
-                        </a:spcBef>
-                      </a:pPr>
-                      <a:r>
-                        <a:rPr sz="900" spc="0" dirty="0">
-                          <a:solidFill>
-                            <a:srgbClr val="020302"/>
-                          </a:solidFill>
-                          <a:latin typeface="AdobeClean-Light"/>
-                          <a:cs typeface="AdobeClean-Light"/>
-                        </a:rPr>
-                        <a:t>Business</a:t>
-                      </a:r>
-                      <a:r>
-                        <a:rPr lang="en-US" sz="900" spc="0" dirty="0">
-                          <a:solidFill>
-                            <a:srgbClr val="020302"/>
-                          </a:solidFill>
-                          <a:latin typeface="AdobeClean-Light"/>
-                          <a:cs typeface="AdobeClean-Light"/>
-                        </a:rPr>
-                        <a:t> </a:t>
-                      </a:r>
-                      <a:r>
-                        <a:rPr sz="900" spc="0" dirty="0">
-                          <a:solidFill>
-                            <a:srgbClr val="020302"/>
-                          </a:solidFill>
-                          <a:latin typeface="AdobeClean-Light"/>
-                          <a:cs typeface="AdobeClean-Light"/>
-                        </a:rPr>
-                        <a:t>day</a:t>
-                      </a:r>
-                      <a:r>
-                        <a:rPr lang="en-US" sz="900" spc="0" dirty="0">
-                          <a:solidFill>
-                            <a:srgbClr val="020302"/>
-                          </a:solidFill>
-                          <a:latin typeface="AdobeClean-Light"/>
-                          <a:cs typeface="AdobeClean-Light"/>
-                        </a:rPr>
-                        <a:t> </a:t>
-                      </a:r>
-                      <a:r>
-                        <a:rPr sz="900" spc="0" dirty="0">
-                          <a:solidFill>
-                            <a:srgbClr val="020302"/>
-                          </a:solidFill>
-                          <a:latin typeface="AdobeClean-Light"/>
-                          <a:cs typeface="AdobeClean-Light"/>
-                        </a:rPr>
-                        <a:t>/  </a:t>
-                      </a:r>
-                      <a:r>
-                        <a:rPr lang="en-US" sz="900" spc="0" dirty="0">
-                          <a:solidFill>
-                            <a:srgbClr val="020302"/>
-                          </a:solidFill>
-                          <a:latin typeface="AdobeClean-Light"/>
-                          <a:cs typeface="AdobeClean-Light"/>
-                        </a:rPr>
-                        <a:t>   </a:t>
-                      </a:r>
-                      <a:r>
-                        <a:rPr sz="900" spc="0" dirty="0">
-                          <a:solidFill>
-                            <a:srgbClr val="020302"/>
-                          </a:solidFill>
-                          <a:latin typeface="AdobeClean-Light"/>
-                          <a:cs typeface="AdobeClean-Light"/>
-                        </a:rPr>
-                        <a:t>1 day</a:t>
+                        <a:t>營業日 / 1 天</a:t>
                       </a:r>
                       <a:endParaRPr sz="900" spc="0" dirty="0">
                         <a:latin typeface="AdobeClean-Light"/>
@@ -9417,16 +8302,10 @@
               </a:spcBef>
             </a:pPr>
             <a:r>
-              <a:rPr sz="2300" dirty="0">
+              <a:rPr lang="de-de" sz="2300" dirty="0">
                 <a:latin typeface="Adobe Clean" panose="020B0503020404020204" pitchFamily="34" charset="0"/>
               </a:rPr>
-              <a:t>ADOBE </a:t>
-            </a:r>
-            <a:r>
-              <a:rPr lang="en-US" sz="2300" dirty="0">
-                <a:latin typeface="Adobe Clean" panose="020B0503020404020204" pitchFamily="34" charset="0"/>
-              </a:rPr>
-              <a:t>SUPPORT OFFERINGS</a:t>
+              <a:t>Adobe 支援方案</a:t>
             </a:r>
             <a:endParaRPr sz="2300" dirty="0">
               <a:latin typeface="Adobe Clean" panose="020B0503020404020204" pitchFamily="34" charset="0"/>
@@ -9463,7 +8342,7 @@
           <a:lstStyle/>
           <a:p>
             <a:r>
-              <a:rPr lang="en-US" sz="700" i="1" dirty="0">
+              <a:rPr lang="de-de" sz="700" i="1" dirty="0">
                 <a:solidFill>
                   <a:schemeClr val="bg1"/>
                 </a:solidFill>
@@ -9721,27 +8600,27 @@
               </a:spcBef>
             </a:pPr>
             <a:r>
-              <a:rPr lang="en-US" sz="1000" spc="-20" dirty="0">
+              <a:rPr lang="de-de" sz="1000" spc="-20" dirty="0">
                 <a:solidFill>
                   <a:srgbClr val="020302"/>
                 </a:solidFill>
                 <a:latin typeface="AdobeClean-Light"/>
                 <a:cs typeface="AdobeClean-Light"/>
               </a:rPr>
-              <a:t>Adobe Customer Support offers a</a:t>
+              <a:t>Adobe 客戶支援提供對線上資源的存取權</a:t>
             </a:r>
             <a:r>
-              <a:rPr sz="1000" spc="-20" dirty="0">
+              <a:rPr lang="de-de" sz="1000" spc="-10" dirty="0">
                 <a:solidFill>
                   <a:srgbClr val="020302"/>
                 </a:solidFill>
                 <a:latin typeface="AdobeClean-Light"/>
                 <a:cs typeface="AdobeClean-Light"/>
               </a:rPr>
-              <a:t>ccess</a:t>
+              <a:t>以取得文件</a:t>
             </a:r>
             <a:r>
-              <a:rPr sz="1000" spc="-90" dirty="0">
+              <a:rPr lang="de-de" sz="1000" spc="10" dirty="0">
                 <a:solidFill>
                   <a:srgbClr val="020302"/>
                 </a:solidFill>
@@ -9751,17 +8630,17 @@
               <a:t> </a:t>
             </a:r>
             <a:r>
-              <a:rPr sz="1000" spc="-10" dirty="0">
+              <a:rPr lang="de-de" sz="1000" spc="-20" dirty="0">
                 <a:solidFill>
                   <a:srgbClr val="020302"/>
                 </a:solidFill>
                 <a:latin typeface="AdobeClean-Light"/>
                 <a:cs typeface="AdobeClean-Light"/>
               </a:rPr>
-              <a:t>to</a:t>
+              <a:t>、</a:t>
             </a:r>
             <a:r>
-              <a:rPr sz="1000" spc="10" dirty="0">
+              <a:rPr lang="de-de" sz="1000" spc="-125" dirty="0">
                 <a:solidFill>
                   <a:srgbClr val="020302"/>
                 </a:solidFill>
@@ -9771,17 +8650,17 @@
               <a:t> </a:t>
             </a:r>
             <a:r>
-              <a:rPr sz="1000" spc="-20" dirty="0">
+              <a:rPr lang="de-de" sz="1000" spc="-15" dirty="0">
                 <a:solidFill>
                   <a:srgbClr val="020302"/>
                 </a:solidFill>
                 <a:latin typeface="AdobeClean-Light"/>
                 <a:cs typeface="AdobeClean-Light"/>
               </a:rPr>
-              <a:t>online</a:t>
+              <a:t>與其他專家和客戶互動的機會以獲得最佳實務，並提供網路研討會系列 (諮詢時間) 的存取權以獲得疑難排解的秘訣和技巧。</a:t>
             </a:r>
             <a:r>
-              <a:rPr sz="1000" spc="-125" dirty="0">
+              <a:rPr lang="de-de" sz="1000" spc="-35" dirty="0">
                 <a:solidFill>
                   <a:srgbClr val="020302"/>
                 </a:solidFill>
@@ -9791,17 +8670,17 @@
               <a:t> </a:t>
             </a:r>
             <a:r>
-              <a:rPr sz="1000" spc="-20" dirty="0">
+              <a:rPr lang="de-de" sz="1000" spc="-20" dirty="0">
                 <a:solidFill>
                   <a:srgbClr val="020302"/>
                 </a:solidFill>
                 <a:latin typeface="AdobeClean-Light"/>
                 <a:cs typeface="AdobeClean-Light"/>
               </a:rPr>
-              <a:t>resources</a:t>
+              <a:t>我們也提供幾個管道來讓您提交問題和案件。</a:t>
             </a:r>
             <a:r>
-              <a:rPr sz="1000" spc="-120" dirty="0">
+              <a:rPr lang="de-de" sz="1000" spc="-25" dirty="0">
                 <a:solidFill>
                   <a:srgbClr val="020302"/>
                 </a:solidFill>
@@ -9809,343 +8688,6 @@
                 <a:cs typeface="AdobeClean-Light"/>
               </a:rPr>
               <a:t> </a:t>
-            </a:r>
-            <a:r>
-              <a:rPr sz="1000" spc="-15" dirty="0">
-                <a:solidFill>
-                  <a:srgbClr val="020302"/>
-                </a:solidFill>
-                <a:latin typeface="AdobeClean-Light"/>
-                <a:cs typeface="AdobeClean-Light"/>
-              </a:rPr>
-              <a:t>for</a:t>
-            </a:r>
-            <a:r>
-              <a:rPr sz="1000" spc="-30" dirty="0">
-                <a:solidFill>
-                  <a:srgbClr val="020302"/>
-                </a:solidFill>
-                <a:latin typeface="AdobeClean-Light"/>
-                <a:cs typeface="AdobeClean-Light"/>
-              </a:rPr>
-              <a:t> </a:t>
-            </a:r>
-            <a:r>
-              <a:rPr sz="1000" spc="-15" dirty="0">
-                <a:solidFill>
-                  <a:srgbClr val="020302"/>
-                </a:solidFill>
-                <a:latin typeface="AdobeClean-Light"/>
-                <a:cs typeface="AdobeClean-Light"/>
-              </a:rPr>
-              <a:t>documentation,</a:t>
-            </a:r>
-            <a:r>
-              <a:rPr lang="en-US" sz="1000" spc="-15" dirty="0">
-                <a:solidFill>
-                  <a:srgbClr val="020302"/>
-                </a:solidFill>
-                <a:latin typeface="AdobeClean-Light"/>
-                <a:cs typeface="AdobeClean-Light"/>
-              </a:rPr>
-              <a:t> </a:t>
-            </a:r>
-            <a:r>
-              <a:rPr sz="1000" spc="-15" dirty="0">
-                <a:solidFill>
-                  <a:srgbClr val="020302"/>
-                </a:solidFill>
-                <a:latin typeface="AdobeClean-Light"/>
-                <a:cs typeface="AdobeClean-Light"/>
-              </a:rPr>
-              <a:t>engagement</a:t>
-            </a:r>
-            <a:r>
-              <a:rPr lang="en-US" sz="1000" spc="-15" dirty="0">
-                <a:solidFill>
-                  <a:srgbClr val="020302"/>
-                </a:solidFill>
-                <a:latin typeface="AdobeClean-Light"/>
-                <a:cs typeface="AdobeClean-Light"/>
-              </a:rPr>
-              <a:t> </a:t>
-            </a:r>
-            <a:r>
-              <a:rPr sz="1000" spc="-15" dirty="0">
-                <a:solidFill>
-                  <a:srgbClr val="020302"/>
-                </a:solidFill>
-                <a:latin typeface="AdobeClean-Light"/>
-                <a:cs typeface="AdobeClean-Light"/>
-              </a:rPr>
-              <a:t>with</a:t>
-            </a:r>
-            <a:r>
-              <a:rPr sz="1000" spc="-35" dirty="0">
-                <a:solidFill>
-                  <a:srgbClr val="020302"/>
-                </a:solidFill>
-                <a:latin typeface="AdobeClean-Light"/>
-                <a:cs typeface="AdobeClean-Light"/>
-              </a:rPr>
-              <a:t> </a:t>
-            </a:r>
-            <a:r>
-              <a:rPr sz="1000" spc="-20" dirty="0">
-                <a:solidFill>
-                  <a:srgbClr val="020302"/>
-                </a:solidFill>
-                <a:latin typeface="AdobeClean-Light"/>
-                <a:cs typeface="AdobeClean-Light"/>
-              </a:rPr>
-              <a:t>other experts </a:t>
-            </a:r>
-            <a:r>
-              <a:rPr sz="1000" spc="-15" dirty="0">
-                <a:solidFill>
-                  <a:srgbClr val="020302"/>
-                </a:solidFill>
-                <a:latin typeface="AdobeClean-Light"/>
-                <a:cs typeface="AdobeClean-Light"/>
-              </a:rPr>
-              <a:t>and </a:t>
-            </a:r>
-            <a:r>
-              <a:rPr sz="1000" spc="-20" dirty="0">
-                <a:solidFill>
-                  <a:srgbClr val="020302"/>
-                </a:solidFill>
-                <a:latin typeface="AdobeClean-Light"/>
-                <a:cs typeface="AdobeClean-Light"/>
-              </a:rPr>
-              <a:t>customers </a:t>
-            </a:r>
-            <a:r>
-              <a:rPr sz="1000" spc="-15" dirty="0">
-                <a:solidFill>
-                  <a:srgbClr val="020302"/>
-                </a:solidFill>
-                <a:latin typeface="AdobeClean-Light"/>
-                <a:cs typeface="AdobeClean-Light"/>
-              </a:rPr>
-              <a:t>for best </a:t>
-            </a:r>
-            <a:r>
-              <a:rPr sz="1000" spc="-20" dirty="0">
-                <a:solidFill>
-                  <a:srgbClr val="020302"/>
-                </a:solidFill>
-                <a:latin typeface="AdobeClean-Light"/>
-                <a:cs typeface="AdobeClean-Light"/>
-              </a:rPr>
-              <a:t>practices, </a:t>
-            </a:r>
-            <a:r>
-              <a:rPr sz="1000" spc="-15" dirty="0">
-                <a:solidFill>
-                  <a:srgbClr val="020302"/>
-                </a:solidFill>
-                <a:latin typeface="AdobeClean-Light"/>
-                <a:cs typeface="AdobeClean-Light"/>
-              </a:rPr>
-              <a:t>and </a:t>
-            </a:r>
-            <a:r>
-              <a:rPr sz="1000" spc="-20" dirty="0">
-                <a:solidFill>
-                  <a:srgbClr val="020302"/>
-                </a:solidFill>
-                <a:latin typeface="AdobeClean-Light"/>
-                <a:cs typeface="AdobeClean-Light"/>
-              </a:rPr>
-              <a:t>webinar series (Office  </a:t>
-            </a:r>
-            <a:r>
-              <a:rPr sz="1000" spc="-15" dirty="0">
-                <a:solidFill>
-                  <a:srgbClr val="020302"/>
-                </a:solidFill>
-                <a:latin typeface="AdobeClean-Light"/>
-                <a:cs typeface="AdobeClean-Light"/>
-              </a:rPr>
-              <a:t>Hours) for </a:t>
-            </a:r>
-            <a:r>
-              <a:rPr sz="1000" spc="-20" dirty="0">
-                <a:solidFill>
-                  <a:srgbClr val="020302"/>
-                </a:solidFill>
-                <a:latin typeface="AdobeClean-Light"/>
-                <a:cs typeface="AdobeClean-Light"/>
-              </a:rPr>
-              <a:t>troubleshooting </a:t>
-            </a:r>
-            <a:r>
-              <a:rPr sz="1000" spc="-15" dirty="0">
-                <a:solidFill>
-                  <a:srgbClr val="020302"/>
-                </a:solidFill>
-                <a:latin typeface="AdobeClean-Light"/>
-                <a:cs typeface="AdobeClean-Light"/>
-              </a:rPr>
-              <a:t>tips and </a:t>
-            </a:r>
-            <a:r>
-              <a:rPr sz="1000" spc="-20" dirty="0">
-                <a:solidFill>
-                  <a:srgbClr val="020302"/>
-                </a:solidFill>
-                <a:latin typeface="AdobeClean-Light"/>
-                <a:cs typeface="AdobeClean-Light"/>
-              </a:rPr>
-              <a:t>tricks. Several channels </a:t>
-            </a:r>
-            <a:r>
-              <a:rPr sz="1000" spc="-15" dirty="0">
-                <a:solidFill>
-                  <a:srgbClr val="020302"/>
-                </a:solidFill>
-                <a:latin typeface="AdobeClean-Light"/>
-                <a:cs typeface="AdobeClean-Light"/>
-              </a:rPr>
-              <a:t>are</a:t>
-            </a:r>
-            <a:r>
-              <a:rPr sz="1000" spc="-140" dirty="0">
-                <a:solidFill>
-                  <a:srgbClr val="020302"/>
-                </a:solidFill>
-                <a:latin typeface="AdobeClean-Light"/>
-                <a:cs typeface="AdobeClean-Light"/>
-              </a:rPr>
-              <a:t> </a:t>
-            </a:r>
-            <a:r>
-              <a:rPr sz="1000" spc="-20" dirty="0">
-                <a:solidFill>
-                  <a:srgbClr val="020302"/>
-                </a:solidFill>
-                <a:latin typeface="AdobeClean-Light"/>
-                <a:cs typeface="AdobeClean-Light"/>
-              </a:rPr>
-              <a:t>also</a:t>
-            </a:r>
-            <a:r>
-              <a:rPr lang="en-US" sz="1000" dirty="0">
-                <a:latin typeface="AdobeClean-Light"/>
-                <a:cs typeface="AdobeClean-Light"/>
-              </a:rPr>
-              <a:t> </a:t>
-            </a:r>
-            <a:r>
-              <a:rPr sz="1000" spc="-25" dirty="0">
-                <a:solidFill>
-                  <a:srgbClr val="020302"/>
-                </a:solidFill>
-                <a:latin typeface="AdobeClean-Light"/>
-                <a:cs typeface="AdobeClean-Light"/>
-              </a:rPr>
-              <a:t>available</a:t>
-            </a:r>
-            <a:r>
-              <a:rPr sz="1000" spc="-65" dirty="0">
-                <a:solidFill>
-                  <a:srgbClr val="020302"/>
-                </a:solidFill>
-                <a:latin typeface="AdobeClean-Light"/>
-                <a:cs typeface="AdobeClean-Light"/>
-              </a:rPr>
-              <a:t> </a:t>
-            </a:r>
-            <a:r>
-              <a:rPr sz="1000" spc="-15" dirty="0">
-                <a:solidFill>
-                  <a:srgbClr val="020302"/>
-                </a:solidFill>
-                <a:latin typeface="AdobeClean-Light"/>
-                <a:cs typeface="AdobeClean-Light"/>
-              </a:rPr>
-              <a:t>for</a:t>
-            </a:r>
-            <a:r>
-              <a:rPr sz="1000" spc="-25" dirty="0">
-                <a:solidFill>
-                  <a:srgbClr val="020302"/>
-                </a:solidFill>
-                <a:latin typeface="AdobeClean-Light"/>
-                <a:cs typeface="AdobeClean-Light"/>
-              </a:rPr>
-              <a:t> </a:t>
-            </a:r>
-            <a:r>
-              <a:rPr sz="1000" spc="-20" dirty="0">
-                <a:solidFill>
-                  <a:srgbClr val="020302"/>
-                </a:solidFill>
-                <a:latin typeface="AdobeClean-Light"/>
-                <a:cs typeface="AdobeClean-Light"/>
-              </a:rPr>
-              <a:t>questions</a:t>
-            </a:r>
-            <a:r>
-              <a:rPr sz="1000" spc="-114" dirty="0">
-                <a:solidFill>
-                  <a:srgbClr val="020302"/>
-                </a:solidFill>
-                <a:latin typeface="AdobeClean-Light"/>
-                <a:cs typeface="AdobeClean-Light"/>
-              </a:rPr>
-              <a:t> </a:t>
-            </a:r>
-            <a:r>
-              <a:rPr sz="1000" spc="-15" dirty="0">
-                <a:solidFill>
-                  <a:srgbClr val="020302"/>
-                </a:solidFill>
-                <a:latin typeface="AdobeClean-Light"/>
-                <a:cs typeface="AdobeClean-Light"/>
-              </a:rPr>
-              <a:t>and</a:t>
-            </a:r>
-            <a:r>
-              <a:rPr sz="1000" spc="-45" dirty="0">
-                <a:solidFill>
-                  <a:srgbClr val="020302"/>
-                </a:solidFill>
-                <a:latin typeface="AdobeClean-Light"/>
-                <a:cs typeface="AdobeClean-Light"/>
-              </a:rPr>
-              <a:t> </a:t>
-            </a:r>
-            <a:r>
-              <a:rPr sz="1000" spc="-20" dirty="0">
-                <a:solidFill>
-                  <a:srgbClr val="020302"/>
-                </a:solidFill>
-                <a:latin typeface="AdobeClean-Light"/>
-                <a:cs typeface="AdobeClean-Light"/>
-              </a:rPr>
-              <a:t>case</a:t>
-            </a:r>
-            <a:r>
-              <a:rPr sz="1000" spc="-35" dirty="0">
-                <a:solidFill>
-                  <a:srgbClr val="020302"/>
-                </a:solidFill>
-                <a:latin typeface="AdobeClean-Light"/>
-                <a:cs typeface="AdobeClean-Light"/>
-              </a:rPr>
-              <a:t> </a:t>
-            </a:r>
-            <a:r>
-              <a:rPr sz="1000" spc="-20" dirty="0">
-                <a:solidFill>
-                  <a:srgbClr val="020302"/>
-                </a:solidFill>
-                <a:latin typeface="AdobeClean-Light"/>
-                <a:cs typeface="AdobeClean-Light"/>
-              </a:rPr>
-              <a:t>submissions</a:t>
             </a:r>
             <a:endParaRPr sz="1000" dirty="0">
               <a:latin typeface="AdobeClean-Light"/>
@@ -10187,67 +8729,17 @@
               </a:tabLst>
             </a:pPr>
             <a:r>
-              <a:rPr sz="900" spc="-20" dirty="0">
+              <a:rPr lang="de-de" sz="900" spc="-20" dirty="0">
                 <a:solidFill>
                   <a:srgbClr val="020302"/>
                 </a:solidFill>
                 <a:latin typeface="AdobeClean-Light"/>
                 <a:cs typeface="AdobeClean-Light"/>
               </a:rPr>
-              <a:t>Start </a:t>
+              <a:t>開始聊天式諮詢，以獲得案件提交的解答與協助</a:t>
             </a:r>
             <a:r>
-              <a:rPr sz="900" dirty="0">
-                <a:solidFill>
-                  <a:srgbClr val="020302"/>
-                </a:solidFill>
-                <a:latin typeface="AdobeClean-Light"/>
-                <a:cs typeface="AdobeClean-Light"/>
-              </a:rPr>
-              <a:t>a </a:t>
-            </a:r>
-            <a:r>
-              <a:rPr sz="900" spc="-15" dirty="0">
-                <a:solidFill>
-                  <a:srgbClr val="020302"/>
-                </a:solidFill>
-                <a:latin typeface="AdobeClean-Light"/>
-                <a:cs typeface="AdobeClean-Light"/>
-              </a:rPr>
-              <a:t>chat </a:t>
-            </a:r>
-            <a:r>
-              <a:rPr sz="900" spc="-10" dirty="0">
-                <a:solidFill>
-                  <a:srgbClr val="020302"/>
-                </a:solidFill>
-                <a:latin typeface="AdobeClean-Light"/>
-                <a:cs typeface="AdobeClean-Light"/>
-              </a:rPr>
-              <a:t>session </a:t>
-            </a:r>
-            <a:r>
-              <a:rPr sz="900" spc="-5" dirty="0">
-                <a:solidFill>
-                  <a:srgbClr val="020302"/>
-                </a:solidFill>
-                <a:latin typeface="AdobeClean-Light"/>
-                <a:cs typeface="AdobeClean-Light"/>
-              </a:rPr>
-              <a:t>to </a:t>
-            </a:r>
-            <a:r>
-              <a:rPr sz="900" spc="-10" dirty="0">
-                <a:solidFill>
-                  <a:srgbClr val="020302"/>
-                </a:solidFill>
-                <a:latin typeface="AdobeClean-Light"/>
-                <a:cs typeface="AdobeClean-Light"/>
-              </a:rPr>
-              <a:t>get </a:t>
-            </a:r>
-            <a:r>
-              <a:rPr sz="900" spc="30" dirty="0">
+              <a:rPr lang="de-de" sz="900" spc="-45" dirty="0">
                 <a:solidFill>
                   <a:srgbClr val="020302"/>
                 </a:solidFill>
@@ -10255,86 +8747,6 @@
                 <a:cs typeface="AdobeClean-Light"/>
               </a:rPr>
               <a:t> </a:t>
-            </a:r>
-            <a:r>
-              <a:rPr sz="900" spc="-20" dirty="0">
-                <a:solidFill>
-                  <a:srgbClr val="020302"/>
-                </a:solidFill>
-                <a:latin typeface="AdobeClean-Light"/>
-                <a:cs typeface="AdobeClean-Light"/>
-              </a:rPr>
-              <a:t>answers</a:t>
-            </a:r>
-            <a:r>
-              <a:rPr lang="en-US" sz="900" spc="-45" dirty="0">
-                <a:solidFill>
-                  <a:srgbClr val="020302"/>
-                </a:solidFill>
-                <a:latin typeface="AdobeClean-Light"/>
-                <a:cs typeface="AdobeClean-Light"/>
-              </a:rPr>
-              <a:t> </a:t>
-            </a:r>
-            <a:r>
-              <a:rPr lang="en-US" sz="900" dirty="0">
-                <a:solidFill>
-                  <a:srgbClr val="020302"/>
-                </a:solidFill>
-                <a:latin typeface="AdobeClean-Light"/>
-                <a:cs typeface="AdobeClean-Light"/>
-              </a:rPr>
-              <a:t>&amp; </a:t>
-            </a:r>
-            <a:r>
-              <a:rPr sz="900" spc="-15" dirty="0">
-                <a:solidFill>
-                  <a:srgbClr val="020302"/>
-                </a:solidFill>
-                <a:latin typeface="AdobeClean-Light"/>
-                <a:cs typeface="AdobeClean-Light"/>
-              </a:rPr>
-              <a:t>help </a:t>
-            </a:r>
-            <a:r>
-              <a:rPr sz="900" spc="-10" dirty="0">
-                <a:solidFill>
-                  <a:srgbClr val="020302"/>
-                </a:solidFill>
-                <a:latin typeface="AdobeClean-Light"/>
-                <a:cs typeface="AdobeClean-Light"/>
-              </a:rPr>
-              <a:t>with</a:t>
-            </a:r>
-            <a:r>
-              <a:rPr sz="900" spc="85" dirty="0">
-                <a:solidFill>
-                  <a:srgbClr val="020302"/>
-                </a:solidFill>
-                <a:latin typeface="AdobeClean-Light"/>
-                <a:cs typeface="AdobeClean-Light"/>
-              </a:rPr>
-              <a:t> </a:t>
-            </a:r>
-            <a:r>
-              <a:rPr sz="900" spc="-10" dirty="0">
-                <a:solidFill>
-                  <a:srgbClr val="020302"/>
-                </a:solidFill>
-                <a:latin typeface="AdobeClean-Light"/>
-                <a:cs typeface="AdobeClean-Light"/>
-              </a:rPr>
-              <a:t>case </a:t>
-            </a:r>
-            <a:r>
-              <a:rPr sz="900" spc="-20" dirty="0">
-                <a:solidFill>
-                  <a:srgbClr val="020302"/>
-                </a:solidFill>
-                <a:latin typeface="AdobeClean-Light"/>
-                <a:cs typeface="AdobeClean-Light"/>
-              </a:rPr>
-              <a:t>submission</a:t>
             </a:r>
             <a:endParaRPr lang="en-US" sz="900" spc="-20" dirty="0">
               <a:solidFill>
@@ -10357,24 +8769,14 @@
               </a:tabLst>
             </a:pPr>
             <a:r>
-              <a:rPr sz="900" i="1" spc="-10" dirty="0">
+              <a:rPr lang="de-de" sz="900" i="1" spc="-10" dirty="0">
                 <a:solidFill>
                   <a:srgbClr val="7A7A7A"/>
                 </a:solidFill>
                 <a:latin typeface="AdobeClean-LightIt"/>
                 <a:cs typeface="AdobeClean-LightIt"/>
               </a:rPr>
-              <a:t>*Not all </a:t>
-            </a:r>
-            <a:r>
-              <a:rPr sz="900" i="1" spc="-20" dirty="0">
-                <a:solidFill>
-                  <a:srgbClr val="7A7A7A"/>
-                </a:solidFill>
-                <a:latin typeface="AdobeClean-LightIt"/>
-                <a:cs typeface="AdobeClean-LightIt"/>
-              </a:rPr>
-              <a:t>products have live chat support.  </a:t>
+              <a:t>*並非所有產品都有提供即時聊天支援。</a:t>
             </a:r>
             <a:endParaRPr sz="900" dirty="0">
               <a:latin typeface="AdobeClean-Light"/>
@@ -10448,14 +8850,14 @@
               </a:spcBef>
             </a:pPr>
             <a:r>
-              <a:rPr lang="en-US" sz="1400" b="1" spc="-10" dirty="0">
+              <a:rPr lang="de-de" sz="1400" b="1" spc="-10" dirty="0">
                 <a:solidFill>
                   <a:srgbClr val="020302"/>
                 </a:solidFill>
                 <a:latin typeface="Adobe Clean"/>
                 <a:cs typeface="Adobe Clean"/>
               </a:rPr>
-              <a:t>Online Support</a:t>
+              <a:t>線上支援</a:t>
             </a:r>
             <a:endParaRPr lang="en-US" sz="1400" dirty="0">
               <a:latin typeface="Adobe Clean"/>
@@ -10507,12 +8909,12 @@
               <a:defRPr/>
             </a:pPr>
             <a:r>
-              <a:rPr lang="en-US" sz="1200" dirty="0">
+              <a:rPr lang="de-de" sz="1200" dirty="0">
                 <a:solidFill>
                   <a:srgbClr val="000000"/>
                 </a:solidFill>
               </a:rPr>
-              <a:t>Community Forums</a:t>
+              <a:t>社群論壇</a:t>
             </a:r>
           </a:p>
         </p:txBody>
@@ -10555,12 +8957,12 @@
               </a:spcAft>
             </a:pPr>
             <a:r>
-              <a:rPr lang="en-US" sz="1200" b="1" dirty="0">
+              <a:rPr lang="de-de" sz="1200" b="1" dirty="0">
                 <a:latin typeface="+mj-lt"/>
                 <a:ea typeface="Open Sans" pitchFamily="34" charset="0"/>
                 <a:cs typeface="Open Sans" pitchFamily="34" charset="0"/>
               </a:rPr>
-              <a:t>Online Forums</a:t>
+              <a:t>線上論壇</a:t>
             </a:r>
           </a:p>
         </p:txBody>
@@ -10593,13 +8995,13 @@
           <a:lstStyle/>
           <a:p>
             <a:r>
-              <a:rPr lang="en-US" sz="1000" dirty="0">
+              <a:rPr lang="de-de" sz="1000" dirty="0">
                 <a:solidFill>
                   <a:srgbClr val="000000"/>
                 </a:solidFill>
                 <a:latin typeface="Adobe Clean Light" panose="020B0303020404020204" pitchFamily="34" charset="0"/>
               </a:rPr>
-              <a:t>Continuous online access to a growing database of technical solutions, product documentation, FAQs and more. Connect with practitioners and other customers on Adobe Community to share best practices and lessons learned.</a:t>
+              <a:t>可持續在線上存取不斷增加的技術解決方案、產品文件、常見問答等內容的資料庫。與 Adobe 社群上的從業人員和其他客戶交流，彼此分享學到的最佳實務和經驗教訓。</a:t>
             </a:r>
           </a:p>
         </p:txBody>
@@ -10647,7 +9049,7 @@
               <a:defRPr/>
             </a:pPr>
             <a:r>
-              <a:rPr lang="en-US" sz="1200" dirty="0">
+              <a:rPr lang="de-de" sz="1200" dirty="0">
                 <a:solidFill>
                   <a:srgbClr val="000000"/>
                 </a:solidFill>
@@ -10695,12 +9097,12 @@
               </a:spcAft>
             </a:pPr>
             <a:r>
-              <a:rPr lang="en-US" sz="1200" b="1" dirty="0">
+              <a:rPr lang="de-de" sz="1200" b="1" dirty="0">
                 <a:latin typeface="+mj-lt"/>
                 <a:ea typeface="Open Sans" pitchFamily="34" charset="0"/>
                 <a:cs typeface="Open Sans" pitchFamily="34" charset="0"/>
               </a:rPr>
-              <a:t>Self-guided Journeys</a:t>
+              <a:t>自我引導式旅程</a:t>
             </a:r>
           </a:p>
         </p:txBody>
@@ -10733,13 +9135,13 @@
           <a:lstStyle/>
           <a:p>
             <a:r>
-              <a:rPr lang="en-US" sz="1000" dirty="0">
+              <a:rPr lang="de-de" sz="1000" dirty="0">
                 <a:solidFill>
                   <a:srgbClr val="000000"/>
                 </a:solidFill>
                 <a:latin typeface="Adobe Clean Light" panose="020B0303020404020204" pitchFamily="34" charset="0"/>
               </a:rPr>
-              <a:t>Experience Makers are made with Experience League. Customers can kickstart their Customer Experience Management abilities with personalized learning to develop skills, engage with a global community of peers, and earn career advancing recognition. </a:t>
+              <a:t>Experience League 賦予體驗製作者強大的功能。客戶可以透過個人化學習來開始培養自己的客戶體驗管理能力，以發展各項技能、與全球的同行社群互動，並獲得職業提升的認可。</a:t>
             </a:r>
           </a:p>
         </p:txBody>
@@ -10787,12 +9189,12 @@
               <a:defRPr/>
             </a:pPr>
             <a:r>
-              <a:rPr lang="en-US" sz="1200" dirty="0">
+              <a:rPr lang="de-de" sz="1200" dirty="0">
                 <a:solidFill>
                   <a:srgbClr val="000000"/>
                 </a:solidFill>
               </a:rPr>
-              <a:t>Office Hours</a:t>
+              <a:t>諮詢時間</a:t>
             </a:r>
           </a:p>
         </p:txBody>
@@ -10835,12 +9237,12 @@
               </a:spcAft>
             </a:pPr>
             <a:r>
-              <a:rPr lang="en-US" sz="1200" b="1" dirty="0">
+              <a:rPr lang="de-de" sz="1200" b="1" dirty="0">
                 <a:latin typeface="+mj-lt"/>
                 <a:ea typeface="Open Sans" pitchFamily="34" charset="0"/>
                 <a:cs typeface="Open Sans" pitchFamily="34" charset="0"/>
               </a:rPr>
-              <a:t>Webinars</a:t>
+              <a:t>網路研討會</a:t>
             </a:r>
           </a:p>
         </p:txBody>
@@ -10873,13 +9275,13 @@
           <a:lstStyle/>
           <a:p>
             <a:r>
-              <a:rPr lang="en-US" sz="1000" dirty="0">
+              <a:rPr lang="de-de" sz="1000" dirty="0">
                 <a:solidFill>
                   <a:srgbClr val="000000"/>
                 </a:solidFill>
                 <a:latin typeface="Adobe Clean Light" panose="020B0303020404020204" pitchFamily="34" charset="0"/>
               </a:rPr>
-              <a:t>Office  Hours  led  by  the  Adobe  Customer Support  team  includes  sessions  designed to  inform  as  well  as  help  participants troubleshoot  problems  and  provide  tips and  tricks  for  success  with  Adobe  solutions.</a:t>
+              <a:t>「諮詢時間」是由 Adobe 客戶支援團隊主導的一項計劃，其中的研討會的設計目的是為了提供資訊以及協助參與者排除問題，並提供成功使用 Adobe 解決方案的秘訣與技巧。</a:t>
             </a:r>
           </a:p>
         </p:txBody>
@@ -10927,12 +9329,12 @@
               <a:defRPr/>
             </a:pPr>
             <a:r>
-              <a:rPr lang="en-US" sz="1200" dirty="0">
+              <a:rPr lang="de-de" sz="1200" dirty="0">
                 <a:solidFill>
                   <a:srgbClr val="000000"/>
                 </a:solidFill>
               </a:rPr>
-              <a:t>Self-help Portals</a:t>
+              <a:t>自助式入口網站</a:t>
             </a:r>
           </a:p>
         </p:txBody>
@@ -10975,12 +9377,12 @@
               </a:spcAft>
             </a:pPr>
             <a:r>
-              <a:rPr lang="en-US" sz="1200" b="1" dirty="0">
+              <a:rPr lang="de-de" sz="1200" b="1" dirty="0">
                 <a:latin typeface="+mj-lt"/>
                 <a:ea typeface="Open Sans" pitchFamily="34" charset="0"/>
                 <a:cs typeface="Open Sans" pitchFamily="34" charset="0"/>
               </a:rPr>
-              <a:t>24/7 Support Portal</a:t>
+              <a:t>24/7 支援入口網站</a:t>
             </a:r>
           </a:p>
         </p:txBody>
@@ -11013,13 +9415,13 @@
           <a:lstStyle/>
           <a:p>
             <a:r>
-              <a:rPr lang="en-US" sz="1000" dirty="0">
+              <a:rPr lang="de-de" sz="1000" dirty="0">
                 <a:solidFill>
                   <a:srgbClr val="000000"/>
                 </a:solidFill>
                 <a:latin typeface="Adobe Clean Light" panose="020B0303020404020204" pitchFamily="34" charset="0"/>
               </a:rPr>
-              <a:t>On-demand access to the online Self-help Support Portal to submit support requests, review case status, and browse other resources, like our knowledgebase, news and alerts, featured tips, and more.</a:t>
+              <a:t>隨需存取線上自助式支援入口網站，以提交支援請求、檢閱案件狀態，並瀏覽其他資源，像是我們的知識庫、新聞與提醒、特定的提示等。</a:t>
             </a:r>
           </a:p>
         </p:txBody>
@@ -11067,12 +9469,12 @@
               <a:defRPr/>
             </a:pPr>
             <a:r>
-              <a:rPr lang="en-US" sz="1200" dirty="0">
+              <a:rPr lang="de-de" sz="1200" dirty="0">
                 <a:solidFill>
                   <a:srgbClr val="000000"/>
                 </a:solidFill>
               </a:rPr>
-              <a:t>Live Chat  Support*</a:t>
+              <a:t>即時聊天支援*</a:t>
             </a:r>
           </a:p>
         </p:txBody>
@@ -11115,12 +9517,12 @@
               </a:spcAft>
             </a:pPr>
             <a:r>
-              <a:rPr lang="en-US" sz="1200" b="1" dirty="0">
+              <a:rPr lang="de-de" sz="1200" b="1" dirty="0">
                 <a:latin typeface="+mj-lt"/>
                 <a:ea typeface="Open Sans" pitchFamily="34" charset="0"/>
                 <a:cs typeface="Open Sans" pitchFamily="34" charset="0"/>
               </a:rPr>
-              <a:t>Chat Support</a:t>
+              <a:t>聊天支援</a:t>
             </a:r>
           </a:p>
         </p:txBody>
@@ -11168,12 +9570,12 @@
               <a:defRPr/>
             </a:pPr>
             <a:r>
-              <a:rPr lang="en-US" sz="1200" dirty="0">
+              <a:rPr lang="de-de" sz="1200" dirty="0">
                 <a:solidFill>
                   <a:srgbClr val="000000"/>
                 </a:solidFill>
               </a:rPr>
-              <a:t>24 X 7 X 365 P1 </a:t>
+              <a:t>全年無休 P1 </a:t>
             </a:r>
           </a:p>
         </p:txBody>
@@ -11216,12 +9618,12 @@
               </a:spcAft>
             </a:pPr>
             <a:r>
-              <a:rPr lang="en-US" sz="1200" b="1" dirty="0">
+              <a:rPr lang="de-de" sz="1200" b="1" dirty="0">
                 <a:latin typeface="+mj-lt"/>
                 <a:ea typeface="Open Sans" pitchFamily="34" charset="0"/>
                 <a:cs typeface="Open Sans" pitchFamily="34" charset="0"/>
               </a:rPr>
-              <a:t>Phone  Support</a:t>
+              <a:t>電話支援</a:t>
             </a:r>
           </a:p>
         </p:txBody>
@@ -11254,19 +9656,19 @@
           <a:lstStyle/>
           <a:p>
             <a:r>
-              <a:rPr lang="en-US" sz="1000" dirty="0">
+              <a:rPr lang="de-de" sz="1000" dirty="0">
                 <a:solidFill>
                   <a:srgbClr val="020302"/>
                 </a:solidFill>
                 <a:latin typeface="AdobeClean-Light"/>
               </a:rPr>
-              <a:t>Authorized users or Named Support Contacts </a:t>
+              <a:t>*授權的使用者或指定的支援聯絡人</a:t>
             </a:r>
             <a:r>
-              <a:rPr lang="en-US" sz="1000" dirty="0">
+              <a:rPr lang="de-de" sz="1000" dirty="0">
                 <a:latin typeface="Adobe Clean Light" panose="020B0303020404020204" pitchFamily="34" charset="0"/>
               </a:rPr>
-              <a:t>can submit issues through all available  channels (including phone for P1) and interact with our technical support team on behalf of your company. </a:t>
+              <a:t>可透過所有可用管道 (包括 P1 適用的電話) 來提交問題，並代表貴公司與我們的技術支援團隊互動。</a:t>
             </a:r>
             <a:endParaRPr lang="en-US" sz="1000" dirty="0">
               <a:solidFill>
@@ -11296,7 +9698,7 @@
         <p:spPr>
           <a:xfrm>
             <a:off x="5253416" y="9862966"/>
-            <a:ext cx="2270125" cy="132729"/>
+            <a:ext cx="2823784" cy="132729"/>
           </a:xfrm>
           <a:prstGeom prst="rect">
             <a:avLst/>
@@ -11317,31 +9719,23 @@
               </a:spcBef>
             </a:pPr>
             <a:r>
-              <a:rPr spc="-5" dirty="0"/>
-              <a:t>©202</a:t>
+              <a:rPr lang="de-de" spc="-5" dirty="0"/>
+              <a:t>©2021 Adobe。All rights reserved.Adobe</a:t>
             </a:r>
             <a:r>
-              <a:rPr lang="en-US" spc="-5" dirty="0"/>
-              <a:t>1</a:t>
-            </a:r>
-            <a:r>
-              <a:rPr spc="-5" dirty="0"/>
-              <a:t> Adobe. All Rights Reserved. Adobe</a:t>
-            </a:r>
-            <a:r>
-              <a:rPr spc="60" dirty="0"/>
+              <a:rPr lang="de-de" spc="60" dirty="0"/>
               <a:t> </a:t>
             </a:r>
             <a:r>
-              <a:rPr spc="-5" dirty="0"/>
-              <a:t>Confidential.</a:t>
+              <a:rPr lang="de-de" spc="-5" dirty="0"/>
+              <a:t>機密資訊。</a:t>
             </a:r>
           </a:p>
         </p:txBody>
       </p:sp>
       <p:pic>
         <p:nvPicPr>
-          <p:cNvPr id="40" name="Graphic 39" descr="Customer review outline">
+          <p:cNvPr id="40" name="Graphic 39" descr="客戶審查大綱">
             <a:extLst>
               <a:ext uri="{FF2B5EF4-FFF2-40B4-BE49-F238E27FC236}">
                 <a16:creationId xmlns:a16="http://schemas.microsoft.com/office/drawing/2014/main" id="{4E262C55-4C32-2544-98DA-C02B8E971D1B}"/>
@@ -11380,7 +9774,7 @@
       </p:pic>
       <p:pic>
         <p:nvPicPr>
-          <p:cNvPr id="43" name="Graphic 42" descr="Remote learning language outline">
+          <p:cNvPr id="43" name="Graphic 42" descr="遠端學習語言大綱">
             <a:extLst>
               <a:ext uri="{FF2B5EF4-FFF2-40B4-BE49-F238E27FC236}">
                 <a16:creationId xmlns:a16="http://schemas.microsoft.com/office/drawing/2014/main" id="{E6296687-6BD9-6048-A379-6D8F8F04D10C}"/>
@@ -11419,7 +9813,7 @@
       </p:pic>
       <p:pic>
         <p:nvPicPr>
-          <p:cNvPr id="44" name="Graphic 43" descr="Signpost outline">
+          <p:cNvPr id="44" name="Graphic 43" descr="路標大綱">
             <a:extLst>
               <a:ext uri="{FF2B5EF4-FFF2-40B4-BE49-F238E27FC236}">
                 <a16:creationId xmlns:a16="http://schemas.microsoft.com/office/drawing/2014/main" id="{A7AEBE03-711D-0D45-9260-22F215047C1D}"/>
@@ -11458,7 +9852,7 @@
       </p:pic>
       <p:pic>
         <p:nvPicPr>
-          <p:cNvPr id="45" name="Graphic 44" descr="Internet outline">
+          <p:cNvPr id="45" name="Graphic 44" descr="網際網路大綱">
             <a:extLst>
               <a:ext uri="{FF2B5EF4-FFF2-40B4-BE49-F238E27FC236}">
                 <a16:creationId xmlns:a16="http://schemas.microsoft.com/office/drawing/2014/main" id="{53393DA1-2F49-204A-98D0-CC1953C765FE}"/>
@@ -11497,7 +9891,7 @@
       </p:pic>
       <p:pic>
         <p:nvPicPr>
-          <p:cNvPr id="47" name="Graphic 46" descr="Chat bubble outline">
+          <p:cNvPr id="47" name="Graphic 46" descr="聊天泡泡大綱">
             <a:extLst>
               <a:ext uri="{FF2B5EF4-FFF2-40B4-BE49-F238E27FC236}">
                 <a16:creationId xmlns:a16="http://schemas.microsoft.com/office/drawing/2014/main" id="{FE42C6EE-710B-DF4A-BC9E-4EF15D56E0B2}"/>
@@ -11536,7 +9930,7 @@
       </p:pic>
       <p:pic>
         <p:nvPicPr>
-          <p:cNvPr id="51" name="Graphic 50" descr="Speaker phone outline">
+          <p:cNvPr id="51" name="Graphic 50" descr="揚聲器大綱">
             <a:extLst>
               <a:ext uri="{FF2B5EF4-FFF2-40B4-BE49-F238E27FC236}">
                 <a16:creationId xmlns:a16="http://schemas.microsoft.com/office/drawing/2014/main" id="{38A761D0-3F50-2A48-8BEE-9A284E6142EE}"/>
@@ -11625,17 +10019,17 @@
               </a:lnSpc>
             </a:pPr>
             <a:r>
-              <a:rPr sz="500" spc="-5" dirty="0">
+              <a:rPr lang="de-de" sz="500" spc="-5" dirty="0">
                 <a:solidFill>
                   <a:srgbClr val="6C6C6C"/>
                 </a:solidFill>
                 <a:latin typeface="Adobe Clean"/>
                 <a:cs typeface="Adobe Clean"/>
               </a:rPr>
-              <a:t>©2020 Adobe. All Rights Reserved. </a:t>
+              <a:t>© 2020 Adobe. All rights reserved.</a:t>
             </a:r>
             <a:r>
-              <a:rPr sz="500" dirty="0">
+              <a:rPr lang="de-de" sz="500" dirty="0">
                 <a:solidFill>
                   <a:srgbClr val="6C6C6C"/>
                 </a:solidFill>
@@ -11645,7 +10039,7 @@
               <a:t>Adobe</a:t>
             </a:r>
             <a:r>
-              <a:rPr sz="500" spc="5" dirty="0">
+              <a:rPr lang="de-de" sz="500" spc="5" dirty="0">
                 <a:solidFill>
                   <a:srgbClr val="6C6C6C"/>
                 </a:solidFill>
@@ -11655,14 +10049,14 @@
               <a:t> </a:t>
             </a:r>
             <a:r>
-              <a:rPr sz="500" spc="-5" dirty="0">
+              <a:rPr lang="de-de" sz="500" spc="-5" dirty="0">
                 <a:solidFill>
                   <a:srgbClr val="6C6C6C"/>
                 </a:solidFill>
                 <a:latin typeface="Adobe Clean"/>
                 <a:cs typeface="Adobe Clean"/>
               </a:rPr>
-              <a:t>Confidential.</a:t>
+              <a:t> 機密資訊。</a:t>
             </a:r>
             <a:endParaRPr sz="500">
               <a:latin typeface="Adobe Clean"/>
@@ -11693,17 +10087,17 @@
               </a:spcBef>
             </a:pPr>
             <a:r>
-              <a:rPr sz="800" spc="-5" dirty="0">
+              <a:rPr lang="de-de" sz="800" spc="-5" dirty="0">
                 <a:solidFill>
                   <a:srgbClr val="6D6D6D"/>
                 </a:solidFill>
                 <a:latin typeface="Adobe Clean"/>
                 <a:cs typeface="Adobe Clean"/>
               </a:rPr>
-              <a:t>©2020 Adobe. All Rights Reserved. Adobe</a:t>
+              <a:t>© 2020 Adobe. All rights reserved.Adobe</a:t>
             </a:r>
             <a:r>
-              <a:rPr sz="800" spc="75" dirty="0">
+              <a:rPr lang="de-de" sz="800" spc="75" dirty="0">
                 <a:solidFill>
                   <a:srgbClr val="6D6D6D"/>
                 </a:solidFill>
@@ -11713,14 +10107,14 @@
               <a:t> </a:t>
             </a:r>
             <a:r>
-              <a:rPr sz="800" spc="-5" dirty="0">
+              <a:rPr lang="de-de" sz="800" spc="-5" dirty="0">
                 <a:solidFill>
                   <a:srgbClr val="6D6D6D"/>
                 </a:solidFill>
                 <a:latin typeface="Adobe Clean"/>
                 <a:cs typeface="Adobe Clean"/>
               </a:rPr>
-              <a:t>Confidential.</a:t>
+              <a:t>機密資訊。</a:t>
             </a:r>
             <a:endParaRPr sz="800">
               <a:latin typeface="Adobe Clean"/>
@@ -11809,14 +10203,14 @@
               </a:spcBef>
             </a:pPr>
             <a:r>
-              <a:rPr lang="en-US" sz="1400" b="1" spc="-15" dirty="0">
+              <a:rPr lang="de-de" sz="1400" b="1" spc="-15" dirty="0">
                 <a:solidFill>
                   <a:srgbClr val="020302"/>
                 </a:solidFill>
                 <a:latin typeface="Adobe Clean"/>
                 <a:cs typeface="Adobe Clean"/>
               </a:rPr>
-              <a:t>Resources</a:t>
+              <a:t>資源</a:t>
             </a:r>
             <a:endParaRPr sz="1400" dirty="0">
               <a:latin typeface="Adobe Clean"/>
@@ -11855,7 +10249,7 @@
               </a:spcBef>
             </a:pPr>
             <a:r>
-              <a:rPr sz="800" spc="-15" dirty="0">
+              <a:rPr lang="de-de" sz="800" spc="-15" dirty="0">
                 <a:solidFill>
                   <a:srgbClr val="777879"/>
                 </a:solidFill>
@@ -11876,7 +10270,7 @@
               </a:lnSpc>
             </a:pPr>
             <a:r>
-              <a:rPr sz="800" spc="-15" dirty="0">
+              <a:rPr lang="de-de" sz="800" spc="-15" dirty="0">
                 <a:solidFill>
                   <a:srgbClr val="777879"/>
                 </a:solidFill>
@@ -11886,7 +10280,7 @@
               <a:t>345 Park</a:t>
             </a:r>
             <a:r>
-              <a:rPr sz="800" spc="-100" dirty="0">
+              <a:rPr lang="de-de" sz="800" spc="-100" dirty="0">
                 <a:solidFill>
                   <a:srgbClr val="777879"/>
                 </a:solidFill>
@@ -11896,7 +10290,7 @@
               <a:t> </a:t>
             </a:r>
             <a:r>
-              <a:rPr sz="800" spc="-15" dirty="0">
+              <a:rPr lang="de-de" sz="800" spc="-15" dirty="0">
                 <a:solidFill>
                   <a:srgbClr val="777879"/>
                 </a:solidFill>
@@ -11917,7 +10311,7 @@
               </a:lnSpc>
             </a:pPr>
             <a:r>
-              <a:rPr sz="800" spc="-10" dirty="0">
+              <a:rPr lang="de-de" sz="800" spc="-10" dirty="0">
                 <a:solidFill>
                   <a:srgbClr val="777879"/>
                 </a:solidFill>
@@ -11927,7 +10321,7 @@
               <a:t>San </a:t>
             </a:r>
             <a:r>
-              <a:rPr sz="800" spc="-15" dirty="0">
+              <a:rPr lang="de-de" sz="800" spc="-15" dirty="0">
                 <a:solidFill>
                   <a:srgbClr val="777879"/>
                 </a:solidFill>
@@ -11937,7 +10331,7 @@
               <a:t>Jose,</a:t>
             </a:r>
             <a:r>
-              <a:rPr sz="800" spc="-140" dirty="0">
+              <a:rPr lang="de-de" sz="800" spc="-140" dirty="0">
                 <a:solidFill>
                   <a:srgbClr val="777879"/>
                 </a:solidFill>
@@ -11947,7 +10341,7 @@
               <a:t> </a:t>
             </a:r>
             <a:r>
-              <a:rPr sz="800" spc="-20" dirty="0">
+              <a:rPr lang="de-de" sz="800" spc="-20" dirty="0">
                 <a:solidFill>
                   <a:srgbClr val="777879"/>
                 </a:solidFill>
@@ -11971,7 +10365,7 @@
               </a:spcBef>
             </a:pPr>
             <a:r>
-              <a:rPr sz="800" spc="-10" dirty="0">
+              <a:rPr lang="de-de" sz="800" spc="-10" dirty="0">
                 <a:solidFill>
                   <a:srgbClr val="777879"/>
                 </a:solidFill>
@@ -11995,7 +10389,7 @@
               </a:spcBef>
             </a:pPr>
             <a:r>
-              <a:rPr sz="800" u="sng" spc="-25" dirty="0">
+              <a:rPr lang="de-de" sz="800" u="sng" spc="-25" dirty="0">
                 <a:solidFill>
                   <a:srgbClr val="5F5F5F"/>
                 </a:solidFill>
@@ -12008,7 +10402,7 @@
                 <a:cs typeface="Adobe Clean"/>
                 <a:hlinkClick r:id="rId3"/>
               </a:rPr>
-              <a:t>www.adobe.com</a:t>
+              <a:t>www.adobe.com/tw/</a:t>
             </a:r>
             <a:endParaRPr sz="800">
               <a:latin typeface="Adobe Clean"/>
@@ -12188,17 +10582,27 @@
               </a:spcBef>
             </a:pPr>
             <a:r>
-              <a:rPr sz="1100" i="1" spc="-10" dirty="0">
+              <a:rPr lang="de-de" sz="1100" i="1" spc="-10" dirty="0">
                 <a:solidFill>
                   <a:srgbClr val="777879"/>
                 </a:solidFill>
                 <a:latin typeface="AdobeClean-LightIt"/>
                 <a:cs typeface="AdobeClean-LightIt"/>
               </a:rPr>
-              <a:t>To</a:t>
+              <a:t>如需</a:t>
             </a:r>
             <a:r>
-              <a:rPr sz="1100" i="1" spc="-50" dirty="0">
+              <a:rPr lang="de-de" sz="1100" i="1" spc="-15" dirty="0">
+                <a:solidFill>
+                  <a:srgbClr val="777879"/>
+                </a:solidFill>
+                <a:latin typeface="AdobeClean-LightIt"/>
+                <a:cs typeface="AdobeClean-LightIt"/>
+              </a:rPr>
+              <a:t>了解</a:t>
+            </a:r>
+            <a:r>
+              <a:rPr lang="de-de" sz="1100" i="1" spc="-40" dirty="0">
                 <a:solidFill>
                   <a:srgbClr val="777879"/>
                 </a:solidFill>
@@ -12208,17 +10612,7 @@
               <a:t> </a:t>
             </a:r>
             <a:r>
-              <a:rPr sz="1100" i="1" spc="-15" dirty="0">
-                <a:solidFill>
-                  <a:srgbClr val="777879"/>
-                </a:solidFill>
-                <a:latin typeface="AdobeClean-LightIt"/>
-                <a:cs typeface="AdobeClean-LightIt"/>
-              </a:rPr>
-              <a:t>learn</a:t>
-            </a:r>
-            <a:r>
-              <a:rPr sz="1100" i="1" spc="-40" dirty="0">
+              <a:rPr lang="de-de" sz="1100" i="1" spc="-45" dirty="0">
                 <a:solidFill>
                   <a:srgbClr val="777879"/>
                 </a:solidFill>
@@ -12228,17 +10622,17 @@
               <a:t> </a:t>
             </a:r>
             <a:r>
-              <a:rPr sz="1100" i="1" spc="-15" dirty="0">
+              <a:rPr lang="de-de" sz="1100" i="1" spc="-15">
                 <a:solidFill>
                   <a:srgbClr val="777879"/>
                 </a:solidFill>
                 <a:latin typeface="AdobeClean-LightIt"/>
                 <a:cs typeface="AdobeClean-LightIt"/>
               </a:rPr>
-              <a:t>more</a:t>
+              <a:t>Adobe</a:t>
             </a:r>
             <a:r>
-              <a:rPr sz="1100" i="1" spc="-45" dirty="0">
+              <a:rPr lang="de-de" sz="1100" i="1" spc="-60">
                 <a:solidFill>
                   <a:srgbClr val="777879"/>
                 </a:solidFill>
@@ -12248,344 +10642,124 @@
               <a:t> </a:t>
             </a:r>
             <a:r>
-              <a:rPr sz="1100" i="1" spc="-15" dirty="0">
+              <a:rPr lang="de-de" sz="1100" i="1" spc="-15">
                 <a:solidFill>
                   <a:srgbClr val="777879"/>
                 </a:solidFill>
                 <a:latin typeface="AdobeClean-LightIt"/>
                 <a:cs typeface="AdobeClean-LightIt"/>
               </a:rPr>
-              <a:t>about</a:t>
+              <a:t>支援方案</a:t>
             </a:r>
             <a:r>
-              <a:rPr sz="1100" i="1" spc="-45" dirty="0">
+              <a:rPr lang="de-de" sz="1100" i="1" spc="-75">
                 <a:solidFill>
                   <a:srgbClr val="777879"/>
                 </a:solidFill>
                 <a:latin typeface="AdobeClean-LightIt"/>
                 <a:cs typeface="AdobeClean-LightIt"/>
               </a:rPr>
-              <a:t> </a:t>
+              <a:t>的詳細資訊</a:t>
             </a:r>
             <a:r>
-              <a:rPr sz="1100" i="1" spc="-15" dirty="0">
+              <a:rPr lang="de-de" sz="1100" i="1" spc="-15">
                 <a:solidFill>
                   <a:srgbClr val="777879"/>
                 </a:solidFill>
                 <a:latin typeface="AdobeClean-LightIt"/>
                 <a:cs typeface="AdobeClean-LightIt"/>
               </a:rPr>
-              <a:t>Adobe</a:t>
+              <a:t>以及適合您的層級，請聯絡您指定的</a:t>
             </a:r>
             <a:r>
-              <a:rPr sz="1100" i="1" spc="-60" dirty="0">
+              <a:rPr lang="de-de" sz="1100" i="1" spc="-25">
                 <a:solidFill>
                   <a:srgbClr val="777879"/>
                 </a:solidFill>
                 <a:latin typeface="AdobeClean-LightIt"/>
                 <a:cs typeface="AdobeClean-LightIt"/>
               </a:rPr>
-              <a:t> </a:t>
+              <a:t>帳戶</a:t>
             </a:r>
             <a:r>
-              <a:rPr sz="1100" i="1" spc="-15" dirty="0">
+              <a:rPr lang="de-de" sz="1100" i="1" spc="-20">
                 <a:solidFill>
                   <a:srgbClr val="777879"/>
                 </a:solidFill>
                 <a:latin typeface="AdobeClean-LightIt"/>
                 <a:cs typeface="AdobeClean-LightIt"/>
               </a:rPr>
-              <a:t>Support</a:t>
+              <a:t>經理 </a:t>
             </a:r>
             <a:r>
-              <a:rPr lang="en-US" sz="1100" i="1" spc="-15" dirty="0">
+              <a:rPr lang="de-de" sz="1100" i="1" spc="-15" dirty="0">
                 <a:solidFill>
                   <a:srgbClr val="777879"/>
                 </a:solidFill>
                 <a:latin typeface="AdobeClean-LightIt"/>
                 <a:cs typeface="AdobeClean-LightIt"/>
               </a:rPr>
-              <a:t> Offerings</a:t>
+              <a:t>(NAM</a:t>
             </a:r>
             <a:r>
-              <a:rPr sz="1100" i="1" spc="-75" dirty="0">
+              <a:rPr lang="de-de" sz="1100" i="1" spc="-15">
                 <a:solidFill>
                   <a:srgbClr val="777879"/>
                 </a:solidFill>
                 <a:latin typeface="AdobeClean-LightIt"/>
                 <a:cs typeface="AdobeClean-LightIt"/>
               </a:rPr>
-              <a:t> </a:t>
+              <a:t>) </a:t>
             </a:r>
             <a:r>
-              <a:rPr sz="1100" i="1" spc="-15" dirty="0">
+              <a:rPr lang="de-de" sz="1100" i="1" spc="-10">
                 <a:solidFill>
                   <a:srgbClr val="777879"/>
                 </a:solidFill>
                 <a:latin typeface="AdobeClean-LightIt"/>
                 <a:cs typeface="AdobeClean-LightIt"/>
               </a:rPr>
-              <a:t>and</a:t>
+              <a:t>或</a:t>
             </a:r>
             <a:r>
-              <a:rPr sz="1100" i="1" spc="-50" dirty="0">
+              <a:rPr lang="de-de" sz="1100" i="1" spc="-15">
                 <a:solidFill>
                   <a:srgbClr val="777879"/>
                 </a:solidFill>
                 <a:latin typeface="AdobeClean-LightIt"/>
                 <a:cs typeface="AdobeClean-LightIt"/>
               </a:rPr>
-              <a:t> </a:t>
+              <a:t>客戶</a:t>
             </a:r>
             <a:r>
-              <a:rPr sz="1100" i="1" spc="-15" dirty="0">
+              <a:rPr lang="de-de" sz="1100" i="1" spc="-20">
                 <a:solidFill>
                   <a:srgbClr val="777879"/>
                 </a:solidFill>
                 <a:latin typeface="AdobeClean-LightIt"/>
                 <a:cs typeface="AdobeClean-LightIt"/>
               </a:rPr>
-              <a:t>the</a:t>
+              <a:t>成功</a:t>
             </a:r>
             <a:r>
-              <a:rPr sz="1100" i="1" spc="-55" dirty="0">
+              <a:rPr lang="de-de" sz="1100" i="1" spc="-15">
                 <a:solidFill>
                   <a:srgbClr val="777879"/>
                 </a:solidFill>
                 <a:latin typeface="AdobeClean-LightIt"/>
                 <a:cs typeface="AdobeClean-LightIt"/>
               </a:rPr>
-              <a:t> </a:t>
+              <a:t>經理 </a:t>
             </a:r>
             <a:r>
-              <a:rPr sz="1100" i="1" spc="-15" dirty="0">
+              <a:rPr lang="de-de" sz="1100" i="1" spc="-15" dirty="0">
                 <a:solidFill>
                   <a:srgbClr val="777879"/>
                 </a:solidFill>
                 <a:latin typeface="AdobeClean-LightIt"/>
                 <a:cs typeface="AdobeClean-LightIt"/>
               </a:rPr>
-              <a:t>right</a:t>
-            </a:r>
-            <a:r>
-              <a:rPr sz="1100" i="1" spc="-95" dirty="0">
-                <a:solidFill>
-                  <a:srgbClr val="777879"/>
-                </a:solidFill>
-                <a:latin typeface="AdobeClean-LightIt"/>
-                <a:cs typeface="AdobeClean-LightIt"/>
-              </a:rPr>
-              <a:t> </a:t>
-            </a:r>
-            <a:r>
-              <a:rPr sz="1100" i="1" spc="-15" dirty="0">
-                <a:solidFill>
-                  <a:srgbClr val="777879"/>
-                </a:solidFill>
-                <a:latin typeface="AdobeClean-LightIt"/>
-                <a:cs typeface="AdobeClean-LightIt"/>
-              </a:rPr>
-              <a:t>level</a:t>
-            </a:r>
-            <a:r>
-              <a:rPr sz="1100" i="1" spc="-55" dirty="0">
-                <a:solidFill>
-                  <a:srgbClr val="777879"/>
-                </a:solidFill>
-                <a:latin typeface="AdobeClean-LightIt"/>
-                <a:cs typeface="AdobeClean-LightIt"/>
-              </a:rPr>
-              <a:t> </a:t>
-            </a:r>
-            <a:r>
-              <a:rPr sz="1100" i="1" spc="-15" dirty="0">
-                <a:solidFill>
-                  <a:srgbClr val="777879"/>
-                </a:solidFill>
-                <a:latin typeface="AdobeClean-LightIt"/>
-                <a:cs typeface="AdobeClean-LightIt"/>
-              </a:rPr>
-              <a:t>for</a:t>
-            </a:r>
-            <a:r>
-              <a:rPr sz="1100" i="1" spc="-85" dirty="0">
-                <a:solidFill>
-                  <a:srgbClr val="777879"/>
-                </a:solidFill>
-                <a:latin typeface="AdobeClean-LightIt"/>
-                <a:cs typeface="AdobeClean-LightIt"/>
-              </a:rPr>
-              <a:t> </a:t>
-            </a:r>
-            <a:r>
-              <a:rPr sz="1100" i="1" spc="-15" dirty="0">
-                <a:solidFill>
-                  <a:srgbClr val="777879"/>
-                </a:solidFill>
-                <a:latin typeface="AdobeClean-LightIt"/>
-                <a:cs typeface="AdobeClean-LightIt"/>
-              </a:rPr>
-              <a:t>you,</a:t>
-            </a:r>
-            <a:r>
-              <a:rPr sz="1100" i="1" spc="-65" dirty="0">
-                <a:solidFill>
-                  <a:srgbClr val="777879"/>
-                </a:solidFill>
-                <a:latin typeface="AdobeClean-LightIt"/>
-                <a:cs typeface="AdobeClean-LightIt"/>
-              </a:rPr>
-              <a:t> </a:t>
-            </a:r>
-            <a:r>
-              <a:rPr sz="1100" i="1" spc="-15" dirty="0">
-                <a:solidFill>
-                  <a:srgbClr val="777879"/>
-                </a:solidFill>
-                <a:latin typeface="AdobeClean-LightIt"/>
-                <a:cs typeface="AdobeClean-LightIt"/>
-              </a:rPr>
-              <a:t>contact</a:t>
-            </a:r>
-            <a:r>
-              <a:rPr sz="1100" i="1" spc="-85" dirty="0">
-                <a:solidFill>
-                  <a:srgbClr val="777879"/>
-                </a:solidFill>
-                <a:latin typeface="AdobeClean-LightIt"/>
-                <a:cs typeface="AdobeClean-LightIt"/>
-              </a:rPr>
-              <a:t> </a:t>
-            </a:r>
-            <a:r>
-              <a:rPr sz="1100" i="1" spc="-15" dirty="0">
-                <a:solidFill>
-                  <a:srgbClr val="777879"/>
-                </a:solidFill>
-                <a:latin typeface="AdobeClean-LightIt"/>
-                <a:cs typeface="AdobeClean-LightIt"/>
-              </a:rPr>
-              <a:t>your</a:t>
-            </a:r>
-            <a:r>
-              <a:rPr sz="1100" i="1" spc="-70" dirty="0">
-                <a:solidFill>
-                  <a:srgbClr val="777879"/>
-                </a:solidFill>
-                <a:latin typeface="AdobeClean-LightIt"/>
-                <a:cs typeface="AdobeClean-LightIt"/>
-              </a:rPr>
-              <a:t> </a:t>
-            </a:r>
-            <a:r>
-              <a:rPr sz="1100" i="1" spc="-15" dirty="0">
-                <a:solidFill>
-                  <a:srgbClr val="777879"/>
-                </a:solidFill>
-                <a:latin typeface="AdobeClean-LightIt"/>
-                <a:cs typeface="AdobeClean-LightIt"/>
-              </a:rPr>
-              <a:t>Named</a:t>
-            </a:r>
-            <a:r>
-              <a:rPr sz="1100" i="1" spc="-55" dirty="0">
-                <a:solidFill>
-                  <a:srgbClr val="777879"/>
-                </a:solidFill>
-                <a:latin typeface="AdobeClean-LightIt"/>
-                <a:cs typeface="AdobeClean-LightIt"/>
-              </a:rPr>
-              <a:t> </a:t>
-            </a:r>
-            <a:r>
-              <a:rPr sz="1100" i="1" spc="-25" dirty="0">
-                <a:solidFill>
-                  <a:srgbClr val="777879"/>
-                </a:solidFill>
-                <a:latin typeface="AdobeClean-LightIt"/>
-                <a:cs typeface="AdobeClean-LightIt"/>
-              </a:rPr>
-              <a:t>Account</a:t>
-            </a:r>
-            <a:r>
-              <a:rPr sz="1100" i="1" spc="-120" dirty="0">
-                <a:solidFill>
-                  <a:srgbClr val="777879"/>
-                </a:solidFill>
-                <a:latin typeface="AdobeClean-LightIt"/>
-                <a:cs typeface="AdobeClean-LightIt"/>
-              </a:rPr>
-              <a:t> </a:t>
-            </a:r>
-            <a:r>
-              <a:rPr sz="1100" i="1" spc="-20" dirty="0">
-                <a:solidFill>
-                  <a:srgbClr val="777879"/>
-                </a:solidFill>
-                <a:latin typeface="AdobeClean-LightIt"/>
-                <a:cs typeface="AdobeClean-LightIt"/>
-              </a:rPr>
-              <a:t>Manager  </a:t>
-            </a:r>
-            <a:r>
-              <a:rPr sz="1100" i="1" spc="-15" dirty="0">
-                <a:solidFill>
-                  <a:srgbClr val="777879"/>
-                </a:solidFill>
-                <a:latin typeface="AdobeClean-LightIt"/>
-                <a:cs typeface="AdobeClean-LightIt"/>
-              </a:rPr>
-              <a:t>(NAM) </a:t>
-            </a:r>
-            <a:r>
-              <a:rPr sz="1100" i="1" spc="-10" dirty="0">
-                <a:solidFill>
-                  <a:srgbClr val="777879"/>
-                </a:solidFill>
-                <a:latin typeface="AdobeClean-LightIt"/>
-                <a:cs typeface="AdobeClean-LightIt"/>
-              </a:rPr>
-              <a:t>or </a:t>
-            </a:r>
-            <a:r>
-              <a:rPr sz="1100" i="1" spc="-15" dirty="0">
-                <a:solidFill>
-                  <a:srgbClr val="777879"/>
-                </a:solidFill>
-                <a:latin typeface="AdobeClean-LightIt"/>
-                <a:cs typeface="AdobeClean-LightIt"/>
-              </a:rPr>
-              <a:t>Customer </a:t>
-            </a:r>
-            <a:r>
-              <a:rPr sz="1100" i="1" spc="-20" dirty="0">
-                <a:solidFill>
-                  <a:srgbClr val="777879"/>
-                </a:solidFill>
-                <a:latin typeface="AdobeClean-LightIt"/>
-                <a:cs typeface="AdobeClean-LightIt"/>
-              </a:rPr>
-              <a:t>Success</a:t>
-            </a:r>
-            <a:r>
-              <a:rPr sz="1100" i="1" spc="-180" dirty="0">
-                <a:solidFill>
-                  <a:srgbClr val="777879"/>
-                </a:solidFill>
-                <a:latin typeface="AdobeClean-LightIt"/>
-                <a:cs typeface="AdobeClean-LightIt"/>
-              </a:rPr>
-              <a:t> </a:t>
-            </a:r>
-            <a:r>
-              <a:rPr sz="1100" i="1" spc="-15" dirty="0">
-                <a:solidFill>
-                  <a:srgbClr val="777879"/>
-                </a:solidFill>
-                <a:latin typeface="AdobeClean-LightIt"/>
-                <a:cs typeface="AdobeClean-LightIt"/>
-              </a:rPr>
-              <a:t>Manager(CSM)</a:t>
+              <a:t>(CSM)</a:t>
             </a:r>
             <a:endParaRPr sz="1100" dirty="0">
               <a:latin typeface="AdobeClean-LightIt"/>
@@ -12602,37 +10776,17 @@
               </a:spcBef>
             </a:pPr>
             <a:r>
-              <a:rPr sz="800" spc="-5" dirty="0">
+              <a:rPr lang="de-de" sz="800" spc="-5" dirty="0">
                 <a:solidFill>
                   <a:srgbClr val="6D6D6D"/>
                 </a:solidFill>
                 <a:latin typeface="Adobe Clean"/>
                 <a:cs typeface="Adobe Clean"/>
               </a:rPr>
-              <a:t>©202</a:t>
+              <a:t>©2021 Adobe。All rights reserved.Adobe</a:t>
             </a:r>
             <a:r>
-              <a:rPr lang="en-US" sz="800" spc="-5" dirty="0">
-                <a:solidFill>
-                  <a:srgbClr val="6D6D6D"/>
-                </a:solidFill>
-                <a:latin typeface="Adobe Clean"/>
-                <a:cs typeface="Adobe Clean"/>
-              </a:rPr>
-              <a:t>1</a:t>
-            </a:r>
-            <a:r>
-              <a:rPr sz="800" spc="-5" dirty="0">
-                <a:solidFill>
-                  <a:srgbClr val="6D6D6D"/>
-                </a:solidFill>
-                <a:latin typeface="Adobe Clean"/>
-                <a:cs typeface="Adobe Clean"/>
-              </a:rPr>
-              <a:t> Adobe. All Rights Reserved. Adobe</a:t>
-            </a:r>
-            <a:r>
-              <a:rPr sz="800" spc="75" dirty="0">
+              <a:rPr lang="de-de" sz="800" spc="75" dirty="0">
                 <a:solidFill>
                   <a:srgbClr val="6D6D6D"/>
                 </a:solidFill>
@@ -12642,14 +10796,14 @@
               <a:t> </a:t>
             </a:r>
             <a:r>
-              <a:rPr sz="800" spc="-5" dirty="0">
+              <a:rPr lang="de-de" sz="800" spc="-5" dirty="0">
                 <a:solidFill>
                   <a:srgbClr val="6D6D6D"/>
                 </a:solidFill>
                 <a:latin typeface="Adobe Clean"/>
                 <a:cs typeface="Adobe Clean"/>
               </a:rPr>
-              <a:t>Confidential.</a:t>
+              <a:t>機密資訊。</a:t>
             </a:r>
             <a:endParaRPr sz="800" dirty="0">
               <a:latin typeface="Adobe Clean"/>
@@ -12680,42 +10834,128 @@
           </a:prstGeom>
         </p:spPr>
         <p:txBody>
-          <a:bodyPr vert="horz" wrap="square" lIns="0" tIns="116205" rIns="0" bIns="0" rtlCol="0" anchor="t">
+          <a:bodyPr vert="horz" wrap="square" lIns="0" tIns="116205" rIns="0" bIns="0" rtlCol="0">
             <a:spAutoFit/>
           </a:bodyPr>
           <a:lstStyle/>
           <a:p>
-            <a:pPr>
+            <a:pPr lvl="0">
               <a:spcBef>
                 <a:spcPts val="915"/>
               </a:spcBef>
             </a:pPr>
             <a:r>
-              <a:rPr lang="en-US" sz="1400" b="1" spc="-15" dirty="0">
+              <a:rPr lang="en-US" altLang="zh-TW" sz="1400" b="1" spc="-15" dirty="0">
                 <a:solidFill>
                   <a:srgbClr val="020302"/>
                 </a:solidFill>
                 <a:latin typeface="Adobe Clean"/>
                 <a:cs typeface="Adobe Clean"/>
               </a:rPr>
-              <a:t>Regional scope of Adobe Support, Local Hours Of Operation And Language Support</a:t>
+              <a:t>Adobe </a:t>
             </a:r>
+            <a:r>
+              <a:rPr lang="zh-TW" altLang="en-US" sz="1400" b="1" spc="-15" dirty="0">
+                <a:solidFill>
+                  <a:srgbClr val="020302"/>
+                </a:solidFill>
+                <a:latin typeface="Adobe Clean"/>
+                <a:cs typeface="Adobe Clean"/>
+              </a:rPr>
+              <a:t>支援的區域範圍、當地營業時間和語言支援</a:t>
+            </a:r>
+            <a:endParaRPr lang="pl-PL" altLang="zh-TW" sz="1400" b="1" spc="-15" dirty="0">
+              <a:solidFill>
+                <a:srgbClr val="020302"/>
+              </a:solidFill>
+              <a:latin typeface="Adobe Clean"/>
+              <a:cs typeface="Adobe Clean"/>
+            </a:endParaRPr>
           </a:p>
           <a:p>
-            <a:pPr>
+            <a:pPr lvl="0">
               <a:spcBef>
                 <a:spcPts val="915"/>
               </a:spcBef>
             </a:pPr>
             <a:r>
-              <a:rPr lang="en-US" sz="1000" spc="-15" dirty="0">
+              <a:rPr lang="en-US" altLang="zh-TW" sz="1000" spc="-15" dirty="0">
                 <a:solidFill>
                   <a:srgbClr val="1F1F1F"/>
                 </a:solidFill>
                 <a:latin typeface="AdobeClean-Light"/>
               </a:rPr>
-              <a:t>The Regional scope of Adobe Support is established by aligning the customer's billing address (via the Sales Order or other Adobe Support purchasing document) to one of the following regions:</a:t>
+              <a:t>Adobe </a:t>
             </a:r>
+            <a:r>
+              <a:rPr lang="zh-TW" altLang="en-US" sz="1000" spc="-15" dirty="0">
+                <a:solidFill>
+                  <a:srgbClr val="1F1F1F"/>
+                </a:solidFill>
+                <a:latin typeface="AdobeClean-Light"/>
+              </a:rPr>
+              <a:t>支援的區域範圍是透過將客戶的帳單地址 </a:t>
+            </a:r>
+            <a:r>
+              <a:rPr lang="en-US" altLang="zh-TW" sz="1000" spc="-15" dirty="0">
+                <a:solidFill>
+                  <a:srgbClr val="1F1F1F"/>
+                </a:solidFill>
+                <a:latin typeface="AdobeClean-Light"/>
+              </a:rPr>
+              <a:t>(</a:t>
+            </a:r>
+            <a:r>
+              <a:rPr lang="zh-TW" altLang="en-US" sz="1000" spc="-15" dirty="0">
+                <a:solidFill>
+                  <a:srgbClr val="1F1F1F"/>
+                </a:solidFill>
+                <a:latin typeface="AdobeClean-Light"/>
+              </a:rPr>
+              <a:t>通過銷售訂單或其他 </a:t>
+            </a:r>
+            <a:r>
+              <a:rPr lang="en-US" altLang="zh-TW" sz="1000" spc="-15" dirty="0">
+                <a:solidFill>
+                  <a:srgbClr val="1F1F1F"/>
+                </a:solidFill>
+                <a:latin typeface="AdobeClean-Light"/>
+              </a:rPr>
+              <a:t>Adobe </a:t>
+            </a:r>
+            <a:r>
+              <a:rPr lang="zh-TW" altLang="en-US" sz="1000" spc="-15" dirty="0">
+                <a:solidFill>
+                  <a:srgbClr val="1F1F1F"/>
+                </a:solidFill>
+                <a:latin typeface="AdobeClean-Light"/>
+              </a:rPr>
+              <a:t>支援採購文件</a:t>
+            </a:r>
+            <a:r>
+              <a:rPr lang="en-US" altLang="zh-TW" sz="1000" spc="-15" dirty="0">
+                <a:solidFill>
+                  <a:srgbClr val="1F1F1F"/>
+                </a:solidFill>
+                <a:latin typeface="AdobeClean-Light"/>
+              </a:rPr>
+              <a:t>) </a:t>
+            </a:r>
+            <a:r>
+              <a:rPr lang="zh-TW" altLang="en-US" sz="1000" spc="-15" dirty="0">
+                <a:solidFill>
+                  <a:srgbClr val="1F1F1F"/>
+                </a:solidFill>
+                <a:latin typeface="AdobeClean-Light"/>
+              </a:rPr>
+              <a:t>歸納於以下區域之一來建立的：</a:t>
+            </a:r>
+            <a:endParaRPr lang="de-de" sz="1000" spc="-15" dirty="0">
+              <a:solidFill>
+                <a:srgbClr val="1F1F1F"/>
+              </a:solidFill>
+              <a:latin typeface="AdobeClean-Light"/>
+            </a:endParaRPr>
           </a:p>
         </p:txBody>
       </p:sp>
@@ -12734,14 +10974,14 @@
           <p:nvPr>
             <p:extLst>
               <p:ext uri="{D42A27DB-BD31-4B8C-83A1-F6EECF244321}">
-                <p14:modId xmlns:p14="http://schemas.microsoft.com/office/powerpoint/2010/main" val="2846210228"/>
+                <p14:modId xmlns:p14="http://schemas.microsoft.com/office/powerpoint/2010/main" val="3647865422"/>
               </p:ext>
             </p:extLst>
           </p:nvPr>
         </p:nvGraphicFramePr>
         <p:xfrm>
           <a:off x="171128" y="5907213"/>
-          <a:ext cx="7391400" cy="1671320"/>
+          <a:ext cx="7391400" cy="1447800"/>
         </p:xfrm>
         <a:graphic>
           <a:graphicData uri="http://schemas.openxmlformats.org/drawingml/2006/table">
@@ -12787,13 +11027,13 @@
                     <a:p>
                       <a:pPr algn="ctr"/>
                       <a:r>
-                        <a:rPr lang="en-US" sz="1100" dirty="0">
+                        <a:rPr lang="de-de" sz="1100" dirty="0">
                           <a:solidFill>
                             <a:schemeClr val="tx1"/>
                           </a:solidFill>
                           <a:latin typeface="Adobe Clean" panose="020B0503020404020204" pitchFamily="34" charset="0"/>
                         </a:rPr>
-                        <a:t>Americas</a:t>
+                        <a:t>美洲</a:t>
                       </a:r>
                     </a:p>
                   </a:txBody>
@@ -12852,13 +11092,13 @@
                     <a:p>
                       <a:pPr algn="ctr"/>
                       <a:r>
-                        <a:rPr lang="en-US" sz="1100" dirty="0">
+                        <a:rPr lang="de-de" sz="1100" dirty="0">
                           <a:solidFill>
                             <a:schemeClr val="tx1"/>
                           </a:solidFill>
                           <a:latin typeface="Adobe Clean" panose="020B0503020404020204" pitchFamily="34" charset="0"/>
                         </a:rPr>
-                        <a:t>Europe, Middle East &amp; Africa</a:t>
+                        <a:t>歐洲、中東與非洲</a:t>
                       </a:r>
                     </a:p>
                   </a:txBody>
@@ -12917,13 +11157,13 @@
                     <a:p>
                       <a:pPr algn="ctr"/>
                       <a:r>
-                        <a:rPr lang="en-US" sz="1100" dirty="0">
+                        <a:rPr lang="de-de" sz="1100" dirty="0">
                           <a:solidFill>
                             <a:schemeClr val="tx1"/>
                           </a:solidFill>
                           <a:latin typeface="Adobe Clean" panose="020B0503020404020204" pitchFamily="34" charset="0"/>
                         </a:rPr>
-                        <a:t>Asia Pacific</a:t>
+                        <a:t>亞太地區</a:t>
                       </a:r>
                     </a:p>
                   </a:txBody>
@@ -12982,22 +11222,22 @@
                     <a:p>
                       <a:pPr algn="ctr"/>
                       <a:r>
-                        <a:rPr lang="en-US" sz="1100" dirty="0">
+                        <a:rPr lang="de-de" sz="1100" dirty="0">
                           <a:solidFill>
                             <a:schemeClr val="tx1"/>
                           </a:solidFill>
-                          <a:latin typeface="Adobe Clean"/>
+                          <a:latin typeface="Adobe Clean" panose="020B0503020404020204" pitchFamily="34" charset="0"/>
                         </a:rPr>
-                        <a:t>Japan </a:t>
+                        <a:t>日本 </a:t>
                       </a:r>
                       <a:r>
-                        <a:rPr lang="en-US" sz="1100" baseline="30000" dirty="0">
+                        <a:rPr lang="de-de" sz="1100" baseline="30000">
                           <a:solidFill>
                             <a:schemeClr val="tx1"/>
                           </a:solidFill>
-                          <a:latin typeface="Adobe Clean"/>
+                          <a:latin typeface="Adobe Clean" panose="020B0503020404020204" pitchFamily="34" charset="0"/>
                         </a:rPr>
-                        <a:t>1 </a:t>
+                        <a:t>1</a:t>
                       </a:r>
                       <a:endParaRPr lang="en-US" sz="1100" dirty="0">
                         <a:solidFill>
@@ -13069,13 +11309,13 @@
                     <a:p>
                       <a:pPr algn="ctr"/>
                       <a:r>
-                        <a:rPr lang="en-US" sz="1100" dirty="0">
+                        <a:rPr lang="de-de" sz="1100" dirty="0">
                           <a:solidFill>
                             <a:schemeClr val="tx1"/>
                           </a:solidFill>
                           <a:latin typeface="Adobe Clean" panose="020B0503020404020204" pitchFamily="34" charset="0"/>
                         </a:rPr>
-                        <a:t>6 am – 5:30 pm</a:t>
+                        <a:t>上午 6 點 – 下午 5:30</a:t>
                       </a:r>
                     </a:p>
                   </a:txBody>
@@ -13134,13 +11374,13 @@
                     <a:p>
                       <a:pPr algn="ctr"/>
                       <a:r>
-                        <a:rPr lang="en-US" sz="1100" dirty="0">
+                        <a:rPr lang="de-de" sz="1100" dirty="0">
                           <a:solidFill>
                             <a:schemeClr val="tx1"/>
                           </a:solidFill>
                           <a:latin typeface="Adobe Clean" panose="020B0503020404020204" pitchFamily="34" charset="0"/>
                         </a:rPr>
-                        <a:t>9 am – 5 pm</a:t>
+                        <a:t>上午 9 點 – 下午 5 點</a:t>
                       </a:r>
                     </a:p>
                   </a:txBody>
@@ -13199,13 +11439,13 @@
                     <a:p>
                       <a:pPr algn="ctr"/>
                       <a:r>
-                        <a:rPr lang="en-US" sz="1100" dirty="0">
+                        <a:rPr lang="de-de" sz="1100" dirty="0">
                           <a:solidFill>
                             <a:schemeClr val="tx1"/>
                           </a:solidFill>
                           <a:latin typeface="Adobe Clean" panose="020B0503020404020204" pitchFamily="34" charset="0"/>
                         </a:rPr>
-                        <a:t>9 am – 5 pm</a:t>
+                        <a:t>上午 9 點 – 下午 5 點</a:t>
                       </a:r>
                     </a:p>
                   </a:txBody>
@@ -13264,13 +11504,13 @@
                     <a:p>
                       <a:pPr algn="ctr"/>
                       <a:r>
-                        <a:rPr lang="en-US" sz="1100" dirty="0">
+                        <a:rPr lang="de-de" sz="1100" dirty="0">
                           <a:solidFill>
                             <a:schemeClr val="tx1"/>
                           </a:solidFill>
                           <a:latin typeface="Adobe Clean" panose="020B0503020404020204" pitchFamily="34" charset="0"/>
                         </a:rPr>
-                        <a:t>9 am – 5:30 pm</a:t>
+                        <a:t>上午 9 點 – 下午 5:30</a:t>
                       </a:r>
                     </a:p>
                   </a:txBody>
@@ -13333,38 +11573,6 @@
                   <a:txBody>
                     <a:bodyPr/>
                     <a:lstStyle/>
-                    <a:p>
-                      <a:pPr marL="0" marR="0" lvl="0" indent="0" algn="ctr" eaLnBrk="1" fontAlgn="auto" latinLnBrk="0" hangingPunct="1">
-                        <a:lnSpc>
-                          <a:spcPct val="100000"/>
-                        </a:lnSpc>
-                        <a:spcBef>
-                          <a:spcPts val="0"/>
-                        </a:spcBef>
-                        <a:spcAft>
-                          <a:spcPts val="0"/>
-                        </a:spcAft>
-                        <a:buClrTx/>
-                        <a:buSzTx/>
-                        <a:buFontTx/>
-                        <a:buNone/>
-                      </a:pPr>
-                      <a:r>
-                        <a:rPr lang="en-US" sz="1100" dirty="0">
-                          <a:solidFill>
-                            <a:schemeClr val="tx1"/>
-                          </a:solidFill>
-                          <a:latin typeface="Adobe Clean"/>
-                        </a:rPr>
-                        <a:t>Language support is only available in English and Japanese.</a:t>
-                      </a:r>
-                      <a:endParaRPr lang="en-US" sz="1100" dirty="0">
-                        <a:solidFill>
-                          <a:schemeClr val="tx1"/>
-                        </a:solidFill>
-                        <a:latin typeface="Adobe Clean" panose="020B0503020404020204" pitchFamily="34" charset="0"/>
-                      </a:endParaRPr>
-                    </a:p>
                     <a:p>
                       <a:pPr marL="0" marR="0" lvl="0" indent="0" algn="ctr" defTabSz="914400" eaLnBrk="1" fontAlgn="auto" latinLnBrk="0" hangingPunct="1">
                         <a:lnSpc>
@@ -13384,13 +11592,41 @@
                         <a:defRPr/>
                       </a:pPr>
                       <a:r>
-                        <a:rPr lang="en-US" sz="1100" i="1" dirty="0">
+                        <a:rPr lang="de-de" sz="1100" dirty="0">
                           <a:solidFill>
                             <a:schemeClr val="tx1"/>
                           </a:solidFill>
-                          <a:latin typeface="Adobe Clean"/>
+                          <a:latin typeface="Adobe Clean" panose="020B0503020404020204" pitchFamily="34" charset="0"/>
                         </a:rPr>
-                        <a:t>*Adobe Commerce excludes Japanese language support.</a:t>
+                        <a:t>僅提供英文和日文的語言支援</a:t>
+                      </a:r>
+                    </a:p>
+                    <a:p>
+                      <a:pPr marL="0" marR="0" lvl="0" indent="0" algn="ctr" defTabSz="914400" eaLnBrk="1" fontAlgn="auto" latinLnBrk="0" hangingPunct="1">
+                        <a:lnSpc>
+                          <a:spcPct val="100000"/>
+                        </a:lnSpc>
+                        <a:spcBef>
+                          <a:spcPts val="0"/>
+                        </a:spcBef>
+                        <a:spcAft>
+                          <a:spcPts val="0"/>
+                        </a:spcAft>
+                        <a:buClrTx/>
+                        <a:buSzTx/>
+                        <a:buFontTx/>
+                        <a:buNone/>
+                        <a:tabLst/>
+                        <a:defRPr/>
+                      </a:pPr>
+                      <a:r>
+                        <a:rPr lang="de-de" sz="1100" i="1" dirty="0">
+                          <a:solidFill>
+                            <a:schemeClr val="tx1"/>
+                          </a:solidFill>
+                          <a:latin typeface="Adobe Clean" panose="020B0503020404020204" pitchFamily="34" charset="0"/>
+                        </a:rPr>
+                        <a:t>*Adobe Commerce 不包含日文語言支援</a:t>
                       </a:r>
                     </a:p>
                     <a:p>
@@ -13413,41 +11649,41 @@
                     <a:p>
                       <a:pPr algn="ctr"/>
                       <a:r>
-                        <a:rPr lang="en-US" sz="1100" i="0" dirty="0">
+                        <a:rPr lang="de-de" sz="1100" i="0" dirty="0">
                           <a:solidFill>
                             <a:schemeClr val="tx1"/>
                           </a:solidFill>
-                          <a:latin typeface="Adobe Clean"/>
+                          <a:latin typeface="Adobe Clean" panose="020B0503020404020204" pitchFamily="34" charset="0"/>
                         </a:rPr>
-                        <a:t> </a:t>
+                        <a:t> </a:t>
                       </a:r>
                       <a:r>
-                        <a:rPr lang="en-US" sz="1100" i="0" baseline="30000" dirty="0">
+                        <a:rPr lang="de-de" sz="1100" i="0" baseline="30000" dirty="0">
                           <a:solidFill>
                             <a:schemeClr val="tx1"/>
                           </a:solidFill>
-                          <a:latin typeface="Adobe Clean"/>
+                          <a:latin typeface="Adobe Clean" panose="020B0503020404020204" pitchFamily="34" charset="0"/>
                         </a:rPr>
                         <a:t>1 </a:t>
                       </a:r>
                       <a:r>
-                        <a:rPr lang="en-US" sz="1100" i="0" dirty="0">
+                        <a:rPr lang="de-de" sz="1100" i="0" dirty="0">
                           <a:solidFill>
                             <a:schemeClr val="tx1"/>
                           </a:solidFill>
-                          <a:latin typeface="Adobe Clean"/>
+                          <a:latin typeface="Adobe Clean" panose="020B0503020404020204" pitchFamily="34" charset="0"/>
                         </a:rPr>
-                        <a:t>P2, P3, P4 cases are limited to business hours only in Japan.</a:t>
+                        <a:t>P2、P3、P4 </a:t>
                       </a:r>
-                      <a:endParaRPr lang="en-US" sz="1100" b="1" i="0" dirty="0">
-                        <a:solidFill>
-                          <a:schemeClr val="tx1"/>
-                        </a:solidFill>
-                        <a:latin typeface="Adobe Clean"/>
-                      </a:endParaRPr>
-                    </a:p>
-                    <a:p>
-                      <a:pPr algn="ctr"/>
+                      <a:r>
+                        <a:rPr lang="zh-TW" altLang="en-US" sz="1100" i="0">
+                          <a:solidFill>
+                            <a:schemeClr val="tx1"/>
+                          </a:solidFill>
+                          <a:latin typeface="Adobe Clean" panose="020B0503020404020204" pitchFamily="34" charset="0"/>
+                        </a:rPr>
+                        <a:t> 案件僅限於在日本的營業時間提交。</a:t>
+                      </a:r>
                       <a:endParaRPr lang="en-US" sz="1100" dirty="0">
                         <a:solidFill>
                           <a:schemeClr val="tx1"/>
@@ -13817,124 +12053,34 @@
               </a:spcBef>
             </a:pPr>
             <a:r>
-              <a:rPr sz="1200" b="1" spc="-15" dirty="0">
+              <a:rPr lang="de-de" sz="1200" b="1" spc="-15" dirty="0">
                 <a:solidFill>
                   <a:srgbClr val="FFFFFF"/>
                 </a:solidFill>
                 <a:latin typeface="Adobe Clean"/>
                 <a:cs typeface="Adobe Clean"/>
               </a:rPr>
-              <a:t>U</a:t>
+              <a:t>無與倫比的</a:t>
             </a:r>
             <a:r>
-              <a:rPr sz="1200" b="1" spc="-20" dirty="0">
+              <a:rPr lang="de-de" sz="1200" b="1" spc="-20" dirty="0">
                 <a:solidFill>
                   <a:srgbClr val="FFFFFF"/>
                 </a:solidFill>
                 <a:latin typeface="Adobe Clean"/>
                 <a:cs typeface="Adobe Clean"/>
               </a:rPr>
-              <a:t>n</a:t>
+              <a:t>專業知識</a:t>
             </a:r>
             <a:r>
-              <a:rPr sz="1200" b="1" spc="-25" dirty="0">
+              <a:rPr lang="de-de" sz="1200" b="1" dirty="0">
                 <a:solidFill>
                   <a:srgbClr val="FFFFFF"/>
                 </a:solidFill>
                 <a:latin typeface="Adobe Clean"/>
                 <a:cs typeface="Adobe Clean"/>
               </a:rPr>
-              <a:t>p</a:t>
-            </a:r>
-            <a:r>
-              <a:rPr sz="1200" b="1" spc="-15" dirty="0">
-                <a:solidFill>
-                  <a:srgbClr val="FFFFFF"/>
-                </a:solidFill>
-                <a:latin typeface="Adobe Clean"/>
-                <a:cs typeface="Adobe Clean"/>
-              </a:rPr>
-              <a:t>a</a:t>
-            </a:r>
-            <a:r>
-              <a:rPr sz="1200" b="1" spc="-25" dirty="0">
-                <a:solidFill>
-                  <a:srgbClr val="FFFFFF"/>
-                </a:solidFill>
-                <a:latin typeface="Adobe Clean"/>
-                <a:cs typeface="Adobe Clean"/>
-              </a:rPr>
-              <a:t>r</a:t>
-            </a:r>
-            <a:r>
-              <a:rPr sz="1200" b="1" spc="-15" dirty="0">
-                <a:solidFill>
-                  <a:srgbClr val="FFFFFF"/>
-                </a:solidFill>
-                <a:latin typeface="Adobe Clean"/>
-                <a:cs typeface="Adobe Clean"/>
-              </a:rPr>
-              <a:t>a</a:t>
-            </a:r>
-            <a:r>
-              <a:rPr sz="1200" b="1" spc="-30" dirty="0">
-                <a:solidFill>
-                  <a:srgbClr val="FFFFFF"/>
-                </a:solidFill>
-                <a:latin typeface="Adobe Clean"/>
-                <a:cs typeface="Adobe Clean"/>
-              </a:rPr>
-              <a:t>ll</a:t>
-            </a:r>
-            <a:r>
-              <a:rPr sz="1200" b="1" spc="-25" dirty="0">
-                <a:solidFill>
-                  <a:srgbClr val="FFFFFF"/>
-                </a:solidFill>
-                <a:latin typeface="Adobe Clean"/>
-                <a:cs typeface="Adobe Clean"/>
-              </a:rPr>
-              <a:t>e</a:t>
-            </a:r>
-            <a:r>
-              <a:rPr sz="1200" b="1" spc="-30" dirty="0">
-                <a:solidFill>
-                  <a:srgbClr val="FFFFFF"/>
-                </a:solidFill>
-                <a:latin typeface="Adobe Clean"/>
-                <a:cs typeface="Adobe Clean"/>
-              </a:rPr>
-              <a:t>l</a:t>
-            </a:r>
-            <a:r>
-              <a:rPr sz="1200" b="1" spc="-25" dirty="0">
-                <a:solidFill>
-                  <a:srgbClr val="FFFFFF"/>
-                </a:solidFill>
-                <a:latin typeface="Adobe Clean"/>
-                <a:cs typeface="Adobe Clean"/>
-              </a:rPr>
-              <a:t>e</a:t>
-            </a:r>
-            <a:r>
-              <a:rPr sz="1200" b="1" dirty="0">
-                <a:solidFill>
-                  <a:srgbClr val="FFFFFF"/>
-                </a:solidFill>
-                <a:latin typeface="Adobe Clean"/>
-                <a:cs typeface="Adobe Clean"/>
-              </a:rPr>
-              <a:t>d  </a:t>
-            </a:r>
-            <a:r>
-              <a:rPr sz="1200" b="1" spc="-25" dirty="0">
-                <a:solidFill>
-                  <a:srgbClr val="FFFFFF"/>
-                </a:solidFill>
-                <a:latin typeface="Adobe Clean"/>
-                <a:cs typeface="Adobe Clean"/>
-              </a:rPr>
-              <a:t>Expertise</a:t>
+              <a:t> </a:t>
             </a:r>
             <a:endParaRPr sz="1200" dirty="0">
               <a:latin typeface="Adobe Clean"/>
@@ -13979,14 +12125,14 @@
               </a:spcBef>
             </a:pPr>
             <a:r>
-              <a:rPr lang="en-US" sz="1200" b="1" spc="-15" dirty="0">
+              <a:rPr lang="de-de" sz="1200" b="1" spc="-15" dirty="0">
                 <a:solidFill>
                   <a:srgbClr val="FFFFFF"/>
                 </a:solidFill>
                 <a:latin typeface="Adobe Clean"/>
                 <a:cs typeface="Adobe Clean"/>
               </a:rPr>
-              <a:t>Accelerated Support</a:t>
+              <a:t>加速支援</a:t>
             </a:r>
             <a:endParaRPr sz="1200" dirty="0">
               <a:latin typeface="Adobe Clean"/>
@@ -14031,104 +12177,44 @@
               </a:spcBef>
             </a:pPr>
             <a:r>
-              <a:rPr sz="1200" b="1" spc="-50" dirty="0">
+              <a:rPr lang="de-de" sz="1200" b="1" spc="-50" dirty="0">
                 <a:solidFill>
                   <a:srgbClr val="FFFFFF"/>
                 </a:solidFill>
                 <a:latin typeface="Adobe Clean"/>
                 <a:cs typeface="Adobe Clean"/>
               </a:rPr>
-              <a:t>S</a:t>
+              <a:t>策</a:t>
             </a:r>
             <a:r>
-              <a:rPr sz="1200" b="1" spc="-20" dirty="0">
+              <a:rPr lang="de-de" sz="1200" b="1" spc="-20" dirty="0">
                 <a:solidFill>
                   <a:srgbClr val="FFFFFF"/>
                 </a:solidFill>
                 <a:latin typeface="Adobe Clean"/>
                 <a:cs typeface="Adobe Clean"/>
               </a:rPr>
-              <a:t>t</a:t>
+              <a:t>略</a:t>
             </a:r>
             <a:r>
-              <a:rPr sz="1200" b="1" spc="-75" dirty="0">
+              <a:rPr lang="de-de" sz="1200" b="1" spc="-75" dirty="0">
                 <a:solidFill>
                   <a:srgbClr val="FFFFFF"/>
                 </a:solidFill>
                 <a:latin typeface="Adobe Clean"/>
                 <a:cs typeface="Adobe Clean"/>
               </a:rPr>
-              <a:t>r</a:t>
+              <a:t>性</a:t>
             </a:r>
             <a:r>
-              <a:rPr sz="1200" b="1" spc="-90" dirty="0">
+              <a:rPr lang="de-de" sz="1200" b="1" spc="-45" dirty="0">
                 <a:solidFill>
                   <a:srgbClr val="FFFFFF"/>
                 </a:solidFill>
                 <a:latin typeface="Adobe Clean"/>
                 <a:cs typeface="Adobe Clean"/>
               </a:rPr>
-              <a:t>a</a:t>
-            </a:r>
-            <a:r>
-              <a:rPr sz="1200" b="1" spc="-55" dirty="0">
-                <a:solidFill>
-                  <a:srgbClr val="FFFFFF"/>
-                </a:solidFill>
-                <a:latin typeface="Adobe Clean"/>
-                <a:cs typeface="Adobe Clean"/>
-              </a:rPr>
-              <a:t>t</a:t>
-            </a:r>
-            <a:r>
-              <a:rPr sz="1200" b="1" spc="-100" dirty="0">
-                <a:solidFill>
-                  <a:srgbClr val="FFFFFF"/>
-                </a:solidFill>
-                <a:latin typeface="Adobe Clean"/>
-                <a:cs typeface="Adobe Clean"/>
-              </a:rPr>
-              <a:t>e</a:t>
-            </a:r>
-            <a:r>
-              <a:rPr sz="1200" b="1" spc="-80" dirty="0">
-                <a:solidFill>
-                  <a:srgbClr val="FFFFFF"/>
-                </a:solidFill>
-                <a:latin typeface="Adobe Clean"/>
-                <a:cs typeface="Adobe Clean"/>
-              </a:rPr>
-              <a:t>g</a:t>
-            </a:r>
-            <a:r>
-              <a:rPr sz="1200" b="1" spc="-35" dirty="0">
-                <a:solidFill>
-                  <a:srgbClr val="FFFFFF"/>
-                </a:solidFill>
-                <a:latin typeface="Adobe Clean"/>
-                <a:cs typeface="Adobe Clean"/>
-              </a:rPr>
-              <a:t>i</a:t>
-            </a:r>
-            <a:r>
-              <a:rPr sz="1200" b="1" dirty="0">
-                <a:solidFill>
-                  <a:srgbClr val="FFFFFF"/>
-                </a:solidFill>
-                <a:latin typeface="Adobe Clean"/>
-                <a:cs typeface="Adobe Clean"/>
-              </a:rPr>
-              <a:t>c  </a:t>
-            </a:r>
-            <a:r>
-              <a:rPr sz="1200" b="1" spc="-45" dirty="0">
-                <a:solidFill>
-                  <a:srgbClr val="FFFFFF"/>
-                </a:solidFill>
-                <a:latin typeface="Adobe Clean"/>
-                <a:cs typeface="Adobe Clean"/>
-              </a:rPr>
-              <a:t>Advice</a:t>
+              <a:t>建議</a:t>
             </a:r>
             <a:endParaRPr sz="1200" dirty="0">
               <a:latin typeface="Adobe Clean"/>
@@ -14159,7 +12245,7 @@
         </p:nvGraphicFramePr>
         <p:xfrm>
           <a:off x="194236" y="1059345"/>
-          <a:ext cx="7368291" cy="3235960"/>
+          <a:ext cx="7368291" cy="2473960"/>
         </p:xfrm>
         <a:graphic>
           <a:graphicData uri="http://schemas.openxmlformats.org/drawingml/2006/table">
@@ -14190,7 +12276,7 @@
                     <a:lstStyle/>
                     <a:p>
                       <a:r>
-                        <a:rPr lang="en-US" sz="1100" b="0" dirty="0">
+                        <a:rPr lang="de-de" sz="1100" b="0" dirty="0">
                           <a:solidFill>
                             <a:schemeClr val="tx1"/>
                           </a:solidFill>
@@ -14282,7 +12368,7 @@
                         <a:defRPr/>
                       </a:pPr>
                       <a:r>
-                        <a:rPr lang="en-US" sz="1000" b="0" kern="1200" dirty="0">
+                        <a:rPr lang="de-de" sz="1000" b="0" kern="1200" dirty="0">
                           <a:solidFill>
                             <a:srgbClr val="000000"/>
                           </a:solidFill>
@@ -14290,7 +12376,7 @@
                           <a:ea typeface="+mn-ea"/>
                           <a:cs typeface="+mn-cs"/>
                         </a:rPr>
-                        <a:t>Experience League is how Adobe helps businesses achieve the value they expect from their Adobe investment. It’s the unified place where customers can learn, connect, and grow along a personalized path to success that includes self-help tutorials, product documentation, instructor-led training, community and technical support. </a:t>
+                        <a:t>Experience League 是 Adobe 幫助企業經由其所做的 Adobe 投資來實現預期價值的方式。這是一個統一的位置，客戶可以在這裡學習、交流並沿著個人化的成功路徑而成長，這裡有提供自助式教學課程、產品文件、由講師授課的培訓課程、社群及技術支援。</a:t>
                       </a:r>
                     </a:p>
                   </a:txBody>
@@ -14372,7 +12458,7 @@
                         <a:defRPr/>
                       </a:pPr>
                       <a:r>
-                        <a:rPr lang="en-US" sz="1100" dirty="0">
+                        <a:rPr lang="de-de" sz="1100" dirty="0">
                           <a:solidFill>
                             <a:schemeClr val="dk1"/>
                           </a:solidFill>
@@ -14382,19 +12468,7 @@
                           <a:cs typeface="+mn-cs"/>
                           <a:hlinkClick r:id="rId8"/>
                         </a:rPr>
-                        <a:t>Training</a:t>
-                      </a:r>
-                      <a:r>
-                        <a:rPr lang="en-US" sz="1100" dirty="0">
-                          <a:solidFill>
-                            <a:schemeClr val="dk1"/>
-                          </a:solidFill>
-                          <a:effectLst/>
-                          <a:latin typeface="Adobe Clean" panose="020B0503020404020204" pitchFamily="34" charset="0"/>
-                          <a:ea typeface="+mn-ea"/>
-                          <a:cs typeface="+mn-cs"/>
-                        </a:rPr>
-                        <a:t> </a:t>
+                        <a:t>培訓</a:t>
                       </a:r>
                       <a:endParaRPr lang="en-US" sz="1100" dirty="0">
                         <a:solidFill>
@@ -14478,7 +12552,7 @@
                         <a:defRPr/>
                       </a:pPr>
                       <a:r>
-                        <a:rPr lang="en-US" sz="1000" kern="1200" dirty="0">
+                        <a:rPr lang="de-de" sz="1000" kern="1200" dirty="0">
                           <a:solidFill>
                             <a:srgbClr val="000000"/>
                           </a:solidFill>
@@ -14486,7 +12560,7 @@
                           <a:ea typeface="+mn-ea"/>
                           <a:cs typeface="+mn-cs"/>
                         </a:rPr>
-                        <a:t>Adobe Digital Learning Services courses are accessible from Experience League. Learning courses integrate both on-demand and instructor-led lessons.  Here you can accrue skills that have recognized market value and position them to drive success in your organizations.</a:t>
+                        <a:t>您可以從 Experience League 存取 Adobe 數位學習服務課程。學習課程整合了隨需和教師指導的課程。在這裡，您可以習取市場公認價值的技能，並將其定位以促進貴組織獲致成功。</a:t>
                       </a:r>
                     </a:p>
                   </a:txBody>
@@ -14568,7 +12642,7 @@
                         <a:defRPr/>
                       </a:pPr>
                       <a:r>
-                        <a:rPr lang="en-US" sz="1100" dirty="0">
+                        <a:rPr lang="de-de" sz="1100" dirty="0">
                           <a:solidFill>
                             <a:schemeClr val="tx1"/>
                           </a:solidFill>
@@ -14578,7 +12652,7 @@
                           <a:cs typeface="+mn-cs"/>
                           <a:hlinkClick r:id="rId9"/>
                         </a:rPr>
-                        <a:t>Production Issues &amp; System Outages</a:t>
+                        <a:t>生產問題與系統中斷</a:t>
                       </a:r>
                       <a:endParaRPr lang="en-US" sz="1100" dirty="0">
                         <a:solidFill>
@@ -14662,7 +12736,7 @@
                         <a:defRPr/>
                       </a:pPr>
                       <a:r>
-                        <a:rPr lang="en-US" sz="1000" kern="1200" dirty="0">
+                        <a:rPr lang="de-de" sz="1000" kern="1200" dirty="0">
                           <a:solidFill>
                             <a:srgbClr val="000000"/>
                           </a:solidFill>
@@ -14670,7 +12744,7 @@
                           <a:ea typeface="+mn-ea"/>
                           <a:cs typeface="+mn-cs"/>
                         </a:rPr>
-                        <a:t>Status.adobe.com conveys the health information of all Adobe products and services that are deployed in multi-tenant environments. Customers can choose their subscription preferences to get email notifications whenever Adobe creates, updates or resolves a product event. This can include scheduled maintenance or service issues of varying levels of severity. </a:t>
+                        <a:t>Status.adobe.com 會傳達所有在多租用戶環境中部署的 Adobe 產品與服務的健康資訊。客戶可以選擇其訂閱偏好設定，以便在 Adobe 建立、更新或解決產品事件時收到電子郵件通知。這可以包括預定的維護或是不同嚴重性等級的服務問題。</a:t>
                       </a:r>
                     </a:p>
                   </a:txBody>
@@ -14752,7 +12826,7 @@
                         <a:defRPr/>
                       </a:pPr>
                       <a:r>
-                        <a:rPr lang="en-US" sz="1100" dirty="0">
+                        <a:rPr lang="de-de" sz="1100" dirty="0">
                           <a:solidFill>
                             <a:schemeClr val="tx1"/>
                           </a:solidFill>
@@ -14762,7 +12836,7 @@
                           <a:cs typeface="+mn-cs"/>
                           <a:hlinkClick r:id="rId10"/>
                         </a:rPr>
-                        <a:t>Terms and Conditions</a:t>
+                        <a:t>條款與條件</a:t>
                       </a:r>
                       <a:endParaRPr lang="en-US" sz="1100" dirty="0">
                         <a:solidFill>
@@ -14829,7 +12903,7 @@
                     <a:lstStyle/>
                     <a:p>
                       <a:r>
-                        <a:rPr lang="en-US" sz="1000" kern="1200" dirty="0">
+                        <a:rPr lang="de-de" sz="1000" kern="1200" dirty="0">
                           <a:solidFill>
                             <a:srgbClr val="000000"/>
                           </a:solidFill>
@@ -14837,7 +12911,7 @@
                           <a:ea typeface="+mn-ea"/>
                           <a:cs typeface="+mn-cs"/>
                         </a:rPr>
-                        <a:t>Terms and conditions detailing Support Services offerings</a:t>
+                        <a:t>詳述支援服務方案的條款與條件</a:t>
                       </a:r>
                     </a:p>
                   </a:txBody>
@@ -14901,7 +12975,7 @@
       </p:graphicFrame>
       <p:pic>
         <p:nvPicPr>
-          <p:cNvPr id="8" name="Graphic 7" descr="Target outline">
+          <p:cNvPr id="8" name="Graphic 7" descr="目標大綱">
             <a:extLst>
               <a:ext uri="{FF2B5EF4-FFF2-40B4-BE49-F238E27FC236}">
                 <a16:creationId xmlns:a16="http://schemas.microsoft.com/office/drawing/2014/main" id="{1EAA263E-04A7-0D46-952E-EA3033B45116}"/>
@@ -14940,7 +13014,7 @@
       </p:pic>
       <p:pic>
         <p:nvPicPr>
-          <p:cNvPr id="10" name="Graphic 9" descr="Rocket outline">
+          <p:cNvPr id="10" name="Graphic 9" descr="火箭大綱">
             <a:extLst>
               <a:ext uri="{FF2B5EF4-FFF2-40B4-BE49-F238E27FC236}">
                 <a16:creationId xmlns:a16="http://schemas.microsoft.com/office/drawing/2014/main" id="{A068EBC3-B418-4E4A-A520-101CA4B39F23}"/>
@@ -14979,7 +13053,7 @@
       </p:pic>
       <p:pic>
         <p:nvPicPr>
-          <p:cNvPr id="12" name="Graphic 11" descr="Medal outline">
+          <p:cNvPr id="12" name="Graphic 11" descr="獎章概述">
             <a:extLst>
               <a:ext uri="{FF2B5EF4-FFF2-40B4-BE49-F238E27FC236}">
                 <a16:creationId xmlns:a16="http://schemas.microsoft.com/office/drawing/2014/main" id="{C7BEFC2D-0CA6-0448-B9FA-6E1581CA6D36}"/>
@@ -15608,9 +13682,12 @@
 </file>
 
 <file path=customXml/item1.xml><?xml version="1.0" encoding="utf-8"?>
-<p:properties xmlns:p="http://schemas.microsoft.com/office/2006/metadata/properties" xmlns:xsi="http://www.w3.org/2001/XMLSchema-instance" xmlns:pc="http://schemas.microsoft.com/office/infopath/2007/PartnerControls">
-  <documentManagement/>
-</p:properties>
+<?mso-contentType ?>
+<FormTemplates xmlns="http://schemas.microsoft.com/sharepoint/v3/contenttype/forms">
+  <Display>DocumentLibraryForm</Display>
+  <Edit>DocumentLibraryForm</Edit>
+  <New>DocumentLibraryForm</New>
+</FormTemplates>
 </file>
 
 <file path=customXml/item2.xml><?xml version="1.0" encoding="utf-8"?>
@@ -15819,19 +13896,15 @@
 </file>
 
 <file path=customXml/item3.xml><?xml version="1.0" encoding="utf-8"?>
-<?mso-contentType ?>
-<FormTemplates xmlns="http://schemas.microsoft.com/sharepoint/v3/contenttype/forms">
-  <Display>DocumentLibraryForm</Display>
-  <Edit>DocumentLibraryForm</Edit>
-  <New>DocumentLibraryForm</New>
-</FormTemplates>
+<p:properties xmlns:p="http://schemas.microsoft.com/office/2006/metadata/properties" xmlns:xsi="http://www.w3.org/2001/XMLSchema-instance" xmlns:pc="http://schemas.microsoft.com/office/infopath/2007/PartnerControls">
+  <documentManagement/>
+</p:properties>
 </file>
 
 <file path=customXml/itemProps1.xml><?xml version="1.0" encoding="utf-8"?>
-<ds:datastoreItem xmlns:ds="http://schemas.openxmlformats.org/officeDocument/2006/customXml" ds:itemID="{8D12BD98-169B-4BEE-86DF-4C9641DF23C4}">
+<ds:datastoreItem xmlns:ds="http://schemas.openxmlformats.org/officeDocument/2006/customXml" ds:itemID="{AC92E7FA-19A2-4675-9C77-2C92D8A268D1}">
   <ds:schemaRefs>
-    <ds:schemaRef ds:uri="http://schemas.microsoft.com/office/2006/metadata/properties"/>
-    <ds:schemaRef ds:uri="http://schemas.microsoft.com/office/infopath/2007/PartnerControls"/>
+    <ds:schemaRef ds:uri="http://schemas.microsoft.com/sharepoint/v3/contenttype/forms"/>
   </ds:schemaRefs>
 </ds:datastoreItem>
 </file>
@@ -15856,9 +13929,10 @@
 </file>
 
 <file path=customXml/itemProps3.xml><?xml version="1.0" encoding="utf-8"?>
-<ds:datastoreItem xmlns:ds="http://schemas.openxmlformats.org/officeDocument/2006/customXml" ds:itemID="{AC92E7FA-19A2-4675-9C77-2C92D8A268D1}">
+<ds:datastoreItem xmlns:ds="http://schemas.openxmlformats.org/officeDocument/2006/customXml" ds:itemID="{8D12BD98-169B-4BEE-86DF-4C9641DF23C4}">
   <ds:schemaRefs>
-    <ds:schemaRef ds:uri="http://schemas.microsoft.com/sharepoint/v3/contenttype/forms"/>
+    <ds:schemaRef ds:uri="http://schemas.microsoft.com/office/2006/metadata/properties"/>
+    <ds:schemaRef ds:uri="http://schemas.microsoft.com/office/infopath/2007/PartnerControls"/>
   </ds:schemaRefs>
 </ds:datastoreItem>
 </file>
--- a/help/data-sheets/assets/OnlineSupportDatasheet.pptx
+++ b/help/data-sheets/assets/OnlineSupportDatasheet.pptx
@@ -128,6 +128,231 @@
 </p:presentation>
 </file>
 
+<file path=ppt/revisionInfo.xml><?xml version="1.0" encoding="utf-8"?>
+<p1510:revInfo xmlns:a="http://schemas.openxmlformats.org/drawingml/2006/main" xmlns:r="http://schemas.openxmlformats.org/officeDocument/2006/relationships" xmlns:p1510="http://schemas.microsoft.com/office/powerpoint/2015/10/main">
+  <p1510:revLst>
+    <p1510:client id="{096F7488-A26A-D845-83B0-BE2FC48D1AFD}" v="1" dt="2021-10-13T19:37:08.512"/>
+  </p1510:revLst>
+</p1510:revInfo>
+</file>
+
+<file path=ppt/changesInfos/changesInfo1.xml><?xml version="1.0" encoding="utf-8"?>
+<pc:chgInfo xmlns:a="http://schemas.openxmlformats.org/drawingml/2006/main" xmlns:r="http://schemas.openxmlformats.org/officeDocument/2006/relationships" xmlns:ac="http://schemas.microsoft.com/office/drawing/2013/main/command" xmlns:pc="http://schemas.microsoft.com/office/powerpoint/2013/main/command">
+  <pc:docChgLst>
+    <pc:chgData name="Akilah Johnson" userId="S::akjohnso@adobe.com::2fa3aa60-0c9c-4d06-bae2-795983241227" providerId="AD" clId="Web-{5343DD59-8FB2-7AAD-1875-255EDB54B98D}"/>
+    <pc:docChg chg="modSld">
+      <pc:chgData name="Akilah Johnson" userId="S::akjohnso@adobe.com::2fa3aa60-0c9c-4d06-bae2-795983241227" providerId="AD" clId="Web-{5343DD59-8FB2-7AAD-1875-255EDB54B98D}" dt="2021-09-22T18:47:16.489" v="185"/>
+      <pc:docMkLst>
+        <pc:docMk/>
+      </pc:docMkLst>
+      <pc:sldChg chg="modSp">
+        <pc:chgData name="Akilah Johnson" userId="S::akjohnso@adobe.com::2fa3aa60-0c9c-4d06-bae2-795983241227" providerId="AD" clId="Web-{5343DD59-8FB2-7AAD-1875-255EDB54B98D}" dt="2021-09-22T18:47:16.489" v="185"/>
+        <pc:sldMkLst>
+          <pc:docMk/>
+          <pc:sldMk cId="799510854" sldId="260"/>
+        </pc:sldMkLst>
+        <pc:spChg chg="mod">
+          <ac:chgData name="Akilah Johnson" userId="S::akjohnso@adobe.com::2fa3aa60-0c9c-4d06-bae2-795983241227" providerId="AD" clId="Web-{5343DD59-8FB2-7AAD-1875-255EDB54B98D}" dt="2021-09-22T18:45:44.427" v="153" actId="20577"/>
+          <ac:spMkLst>
+            <pc:docMk/>
+            <pc:sldMk cId="799510854" sldId="260"/>
+            <ac:spMk id="64" creationId="{41467BDC-3D83-D844-B922-CD07E94E5AAB}"/>
+          </ac:spMkLst>
+        </pc:spChg>
+        <pc:graphicFrameChg chg="mod modGraphic">
+          <ac:chgData name="Akilah Johnson" userId="S::akjohnso@adobe.com::2fa3aa60-0c9c-4d06-bae2-795983241227" providerId="AD" clId="Web-{5343DD59-8FB2-7AAD-1875-255EDB54B98D}" dt="2021-09-22T18:47:16.489" v="185"/>
+          <ac:graphicFrameMkLst>
+            <pc:docMk/>
+            <pc:sldMk cId="799510854" sldId="260"/>
+            <ac:graphicFrameMk id="25" creationId="{3A91F5B0-3974-A14D-A146-FB590F2AAD18}"/>
+          </ac:graphicFrameMkLst>
+        </pc:graphicFrameChg>
+      </pc:sldChg>
+    </pc:docChg>
+  </pc:docChgLst>
+  <pc:docChgLst>
+    <pc:chgData name="Akilah Johnson" userId="S::akjohnso@adobe.com::2fa3aa60-0c9c-4d06-bae2-795983241227" providerId="AD" clId="Web-{57A486D7-8267-4044-450E-B1D42691F1A4}"/>
+    <pc:docChg chg="modSld">
+      <pc:chgData name="Akilah Johnson" userId="S::akjohnso@adobe.com::2fa3aa60-0c9c-4d06-bae2-795983241227" providerId="AD" clId="Web-{57A486D7-8267-4044-450E-B1D42691F1A4}" dt="2021-10-12T15:47:55.091" v="2" actId="20577"/>
+      <pc:docMkLst>
+        <pc:docMk/>
+      </pc:docMkLst>
+      <pc:sldChg chg="modSp">
+        <pc:chgData name="Akilah Johnson" userId="S::akjohnso@adobe.com::2fa3aa60-0c9c-4d06-bae2-795983241227" providerId="AD" clId="Web-{57A486D7-8267-4044-450E-B1D42691F1A4}" dt="2021-10-12T15:47:55.091" v="2" actId="20577"/>
+        <pc:sldMkLst>
+          <pc:docMk/>
+          <pc:sldMk cId="0" sldId="256"/>
+        </pc:sldMkLst>
+        <pc:spChg chg="mod">
+          <ac:chgData name="Akilah Johnson" userId="S::akjohnso@adobe.com::2fa3aa60-0c9c-4d06-bae2-795983241227" providerId="AD" clId="Web-{57A486D7-8267-4044-450E-B1D42691F1A4}" dt="2021-10-12T15:47:55.091" v="2" actId="20577"/>
+          <ac:spMkLst>
+            <pc:docMk/>
+            <pc:sldMk cId="0" sldId="256"/>
+            <ac:spMk id="5" creationId="{00000000-0000-0000-0000-000000000000}"/>
+          </ac:spMkLst>
+        </pc:spChg>
+      </pc:sldChg>
+    </pc:docChg>
+  </pc:docChgLst>
+  <pc:docChgLst>
+    <pc:chgData name="Lauren Schutte" userId="6e08b2d3-447a-4d66-86be-444d50df187f" providerId="ADAL" clId="{096F7488-A26A-D845-83B0-BE2FC48D1AFD}"/>
+    <pc:docChg chg="modSld">
+      <pc:chgData name="Lauren Schutte" userId="6e08b2d3-447a-4d66-86be-444d50df187f" providerId="ADAL" clId="{096F7488-A26A-D845-83B0-BE2FC48D1AFD}" dt="2021-10-13T19:38:26.139" v="4" actId="20577"/>
+      <pc:docMkLst>
+        <pc:docMk/>
+      </pc:docMkLst>
+      <pc:sldChg chg="modSp mod">
+        <pc:chgData name="Lauren Schutte" userId="6e08b2d3-447a-4d66-86be-444d50df187f" providerId="ADAL" clId="{096F7488-A26A-D845-83B0-BE2FC48D1AFD}" dt="2021-10-13T19:37:16.686" v="2" actId="242"/>
+        <pc:sldMkLst>
+          <pc:docMk/>
+          <pc:sldMk cId="0" sldId="256"/>
+        </pc:sldMkLst>
+        <pc:graphicFrameChg chg="mod modGraphic">
+          <ac:chgData name="Lauren Schutte" userId="6e08b2d3-447a-4d66-86be-444d50df187f" providerId="ADAL" clId="{096F7488-A26A-D845-83B0-BE2FC48D1AFD}" dt="2021-10-13T19:37:16.686" v="2" actId="242"/>
+          <ac:graphicFrameMkLst>
+            <pc:docMk/>
+            <pc:sldMk cId="0" sldId="256"/>
+            <ac:graphicFrameMk id="9" creationId="{00000000-0000-0000-0000-000000000000}"/>
+          </ac:graphicFrameMkLst>
+        </pc:graphicFrameChg>
+      </pc:sldChg>
+      <pc:sldChg chg="modSp mod">
+        <pc:chgData name="Lauren Schutte" userId="6e08b2d3-447a-4d66-86be-444d50df187f" providerId="ADAL" clId="{096F7488-A26A-D845-83B0-BE2FC48D1AFD}" dt="2021-10-13T19:38:11.810" v="3" actId="20577"/>
+        <pc:sldMkLst>
+          <pc:docMk/>
+          <pc:sldMk cId="0" sldId="257"/>
+        </pc:sldMkLst>
+        <pc:spChg chg="mod">
+          <ac:chgData name="Lauren Schutte" userId="6e08b2d3-447a-4d66-86be-444d50df187f" providerId="ADAL" clId="{096F7488-A26A-D845-83B0-BE2FC48D1AFD}" dt="2021-10-13T19:38:11.810" v="3" actId="20577"/>
+          <ac:spMkLst>
+            <pc:docMk/>
+            <pc:sldMk cId="0" sldId="257"/>
+            <ac:spMk id="39" creationId="{00000000-0000-0000-0000-000000000000}"/>
+          </ac:spMkLst>
+        </pc:spChg>
+      </pc:sldChg>
+      <pc:sldChg chg="modSp mod">
+        <pc:chgData name="Lauren Schutte" userId="6e08b2d3-447a-4d66-86be-444d50df187f" providerId="ADAL" clId="{096F7488-A26A-D845-83B0-BE2FC48D1AFD}" dt="2021-10-13T19:38:26.139" v="4" actId="20577"/>
+        <pc:sldMkLst>
+          <pc:docMk/>
+          <pc:sldMk cId="799510854" sldId="260"/>
+        </pc:sldMkLst>
+        <pc:graphicFrameChg chg="modGraphic">
+          <ac:chgData name="Lauren Schutte" userId="6e08b2d3-447a-4d66-86be-444d50df187f" providerId="ADAL" clId="{096F7488-A26A-D845-83B0-BE2FC48D1AFD}" dt="2021-10-13T19:38:26.139" v="4" actId="20577"/>
+          <ac:graphicFrameMkLst>
+            <pc:docMk/>
+            <pc:sldMk cId="799510854" sldId="260"/>
+            <ac:graphicFrameMk id="111" creationId="{D8653CEC-4213-DE40-9BAF-D1E3318FF89C}"/>
+          </ac:graphicFrameMkLst>
+        </pc:graphicFrameChg>
+      </pc:sldChg>
+    </pc:docChg>
+  </pc:docChgLst>
+  <pc:docChgLst>
+    <pc:chgData name="Akilah Johnson" userId="S::akjohnso@adobe.com::2fa3aa60-0c9c-4d06-bae2-795983241227" providerId="AD" clId="Web-{CF46E89E-48FC-BA32-13C5-654DDA452FDC}"/>
+    <pc:docChg chg="modSld">
+      <pc:chgData name="Akilah Johnson" userId="S::akjohnso@adobe.com::2fa3aa60-0c9c-4d06-bae2-795983241227" providerId="AD" clId="Web-{CF46E89E-48FC-BA32-13C5-654DDA452FDC}" dt="2021-10-12T17:00:50.675" v="21" actId="20577"/>
+      <pc:docMkLst>
+        <pc:docMk/>
+      </pc:docMkLst>
+      <pc:sldChg chg="modSp">
+        <pc:chgData name="Akilah Johnson" userId="S::akjohnso@adobe.com::2fa3aa60-0c9c-4d06-bae2-795983241227" providerId="AD" clId="Web-{CF46E89E-48FC-BA32-13C5-654DDA452FDC}" dt="2021-10-12T16:58:10.550" v="6" actId="20577"/>
+        <pc:sldMkLst>
+          <pc:docMk/>
+          <pc:sldMk cId="0" sldId="256"/>
+        </pc:sldMkLst>
+        <pc:spChg chg="mod">
+          <ac:chgData name="Akilah Johnson" userId="S::akjohnso@adobe.com::2fa3aa60-0c9c-4d06-bae2-795983241227" providerId="AD" clId="Web-{CF46E89E-48FC-BA32-13C5-654DDA452FDC}" dt="2021-10-12T16:58:10.550" v="6" actId="20577"/>
+          <ac:spMkLst>
+            <pc:docMk/>
+            <pc:sldMk cId="0" sldId="256"/>
+            <ac:spMk id="2" creationId="{00000000-0000-0000-0000-000000000000}"/>
+          </ac:spMkLst>
+        </pc:spChg>
+        <pc:graphicFrameChg chg="mod modGraphic">
+          <ac:chgData name="Akilah Johnson" userId="S::akjohnso@adobe.com::2fa3aa60-0c9c-4d06-bae2-795983241227" providerId="AD" clId="Web-{CF46E89E-48FC-BA32-13C5-654DDA452FDC}" dt="2021-10-12T16:57:07.113" v="1"/>
+          <ac:graphicFrameMkLst>
+            <pc:docMk/>
+            <pc:sldMk cId="0" sldId="256"/>
+            <ac:graphicFrameMk id="8" creationId="{00000000-0000-0000-0000-000000000000}"/>
+          </ac:graphicFrameMkLst>
+        </pc:graphicFrameChg>
+      </pc:sldChg>
+      <pc:sldChg chg="modSp">
+        <pc:chgData name="Akilah Johnson" userId="S::akjohnso@adobe.com::2fa3aa60-0c9c-4d06-bae2-795983241227" providerId="AD" clId="Web-{CF46E89E-48FC-BA32-13C5-654DDA452FDC}" dt="2021-10-12T16:59:59.628" v="14" actId="20577"/>
+        <pc:sldMkLst>
+          <pc:docMk/>
+          <pc:sldMk cId="0" sldId="257"/>
+        </pc:sldMkLst>
+        <pc:spChg chg="mod">
+          <ac:chgData name="Akilah Johnson" userId="S::akjohnso@adobe.com::2fa3aa60-0c9c-4d06-bae2-795983241227" providerId="AD" clId="Web-{CF46E89E-48FC-BA32-13C5-654DDA452FDC}" dt="2021-10-12T16:59:21.300" v="12" actId="20577"/>
+          <ac:spMkLst>
+            <pc:docMk/>
+            <pc:sldMk cId="0" sldId="257"/>
+            <ac:spMk id="39" creationId="{00000000-0000-0000-0000-000000000000}"/>
+          </ac:spMkLst>
+        </pc:spChg>
+        <pc:spChg chg="mod">
+          <ac:chgData name="Akilah Johnson" userId="S::akjohnso@adobe.com::2fa3aa60-0c9c-4d06-bae2-795983241227" providerId="AD" clId="Web-{CF46E89E-48FC-BA32-13C5-654DDA452FDC}" dt="2021-10-12T16:59:59.628" v="14" actId="20577"/>
+          <ac:spMkLst>
+            <pc:docMk/>
+            <pc:sldMk cId="0" sldId="257"/>
+            <ac:spMk id="46" creationId="{00000000-0000-0000-0000-000000000000}"/>
+          </ac:spMkLst>
+        </pc:spChg>
+      </pc:sldChg>
+      <pc:sldChg chg="modSp">
+        <pc:chgData name="Akilah Johnson" userId="S::akjohnso@adobe.com::2fa3aa60-0c9c-4d06-bae2-795983241227" providerId="AD" clId="Web-{CF46E89E-48FC-BA32-13C5-654DDA452FDC}" dt="2021-10-12T17:00:50.675" v="21" actId="20577"/>
+        <pc:sldMkLst>
+          <pc:docMk/>
+          <pc:sldMk cId="799510854" sldId="260"/>
+        </pc:sldMkLst>
+        <pc:spChg chg="mod">
+          <ac:chgData name="Akilah Johnson" userId="S::akjohnso@adobe.com::2fa3aa60-0c9c-4d06-bae2-795983241227" providerId="AD" clId="Web-{CF46E89E-48FC-BA32-13C5-654DDA452FDC}" dt="2021-10-12T17:00:50.675" v="21" actId="20577"/>
+          <ac:spMkLst>
+            <pc:docMk/>
+            <pc:sldMk cId="799510854" sldId="260"/>
+            <ac:spMk id="24" creationId="{00000000-0000-0000-0000-000000000000}"/>
+          </ac:spMkLst>
+        </pc:spChg>
+        <pc:spChg chg="mod">
+          <ac:chgData name="Akilah Johnson" userId="S::akjohnso@adobe.com::2fa3aa60-0c9c-4d06-bae2-795983241227" providerId="AD" clId="Web-{CF46E89E-48FC-BA32-13C5-654DDA452FDC}" dt="2021-10-12T17:00:45.784" v="19" actId="20577"/>
+          <ac:spMkLst>
+            <pc:docMk/>
+            <pc:sldMk cId="799510854" sldId="260"/>
+            <ac:spMk id="56" creationId="{00000000-0000-0000-0000-000000000000}"/>
+          </ac:spMkLst>
+        </pc:spChg>
+      </pc:sldChg>
+    </pc:docChg>
+  </pc:docChgLst>
+  <pc:docChgLst>
+    <pc:chgData name="Akilah Johnson" userId="S::akjohnso@adobe.com::2fa3aa60-0c9c-4d06-bae2-795983241227" providerId="AD" clId="Web-{19E88417-C612-7196-8214-73025F75FA84}"/>
+    <pc:docChg chg="modSld">
+      <pc:chgData name="Akilah Johnson" userId="S::akjohnso@adobe.com::2fa3aa60-0c9c-4d06-bae2-795983241227" providerId="AD" clId="Web-{19E88417-C612-7196-8214-73025F75FA84}" dt="2021-10-12T19:15:42.562" v="5" actId="20577"/>
+      <pc:docMkLst>
+        <pc:docMk/>
+      </pc:docMkLst>
+      <pc:sldChg chg="modSp">
+        <pc:chgData name="Akilah Johnson" userId="S::akjohnso@adobe.com::2fa3aa60-0c9c-4d06-bae2-795983241227" providerId="AD" clId="Web-{19E88417-C612-7196-8214-73025F75FA84}" dt="2021-10-12T19:15:42.562" v="5" actId="20577"/>
+        <pc:sldMkLst>
+          <pc:docMk/>
+          <pc:sldMk cId="0" sldId="256"/>
+        </pc:sldMkLst>
+        <pc:spChg chg="mod">
+          <ac:chgData name="Akilah Johnson" userId="S::akjohnso@adobe.com::2fa3aa60-0c9c-4d06-bae2-795983241227" providerId="AD" clId="Web-{19E88417-C612-7196-8214-73025F75FA84}" dt="2021-10-12T19:15:42.562" v="5" actId="20577"/>
+          <ac:spMkLst>
+            <pc:docMk/>
+            <pc:sldMk cId="0" sldId="256"/>
+            <ac:spMk id="13" creationId="{7979C0CC-523E-844A-96DC-75FC662E01AB}"/>
+          </ac:spMkLst>
+        </pc:spChg>
+      </pc:sldChg>
+    </pc:docChg>
+  </pc:docChgLst>
+</pc:chgInfo>
+</file>
+
 <file path=ppt/notesMasters/notesMaster1.xml><?xml version="1.0" encoding="utf-8"?>
 <p:notesMaster xmlns:a="http://schemas.openxmlformats.org/drawingml/2006/main" xmlns:r="http://schemas.openxmlformats.org/officeDocument/2006/relationships" xmlns:p="http://schemas.openxmlformats.org/presentationml/2006/main">
   <p:cSld>
@@ -210,7 +435,7 @@
           <a:p>
             <a:fld id="{A438815C-EDE5-F947-A55F-7634403F36C4}" type="datetimeFigureOut">
               <a:rPr lang="en-US" smtClean="0"/>
-              <a:t>10/11/21</a:t>
+              <a:t>10/13/21</a:t>
             </a:fld>
             <a:endParaRPr lang="en-US"/>
           </a:p>
@@ -833,7 +1058,7 @@
           <a:p>
             <a:fld id="{1D8BD707-D9CF-40AE-B4C6-C98DA3205C09}" type="datetimeFigureOut">
               <a:rPr lang="en-US"/>
-              <a:t>10/11/21</a:t>
+              <a:t>10/13/21</a:t>
             </a:fld>
             <a:endParaRPr lang="en-US"/>
           </a:p>
@@ -1017,7 +1242,7 @@
           <a:p>
             <a:fld id="{1D8BD707-D9CF-40AE-B4C6-C98DA3205C09}" type="datetimeFigureOut">
               <a:rPr lang="en-US"/>
-              <a:t>10/11/21</a:t>
+              <a:t>10/13/21</a:t>
             </a:fld>
             <a:endParaRPr lang="en-US"/>
           </a:p>
@@ -1319,7 +1544,7 @@
           <a:p>
             <a:fld id="{1D8BD707-D9CF-40AE-B4C6-C98DA3205C09}" type="datetimeFigureOut">
               <a:rPr lang="en-US"/>
-              <a:t>10/11/21</a:t>
+              <a:t>10/13/21</a:t>
             </a:fld>
             <a:endParaRPr lang="en-US"/>
           </a:p>
@@ -1574,28 +1799,25 @@
         <p:spPr>
           <a:xfrm>
             <a:off x="95250" y="7228840"/>
-            <a:ext cx="2800350" cy="238760"/>
+            <a:ext cx="2884717" cy="227626"/>
           </a:xfrm>
           <a:prstGeom prst="rect">
             <a:avLst/>
           </a:prstGeom>
         </p:spPr>
         <p:txBody>
-          <a:bodyPr vert="horz" wrap="square" lIns="0" tIns="12065" rIns="0" bIns="0" rtlCol="0">
+          <a:bodyPr vert="horz" wrap="square" lIns="0" tIns="12065" rIns="0" bIns="0" rtlCol="0" anchor="t">
             <a:spAutoFit/>
           </a:bodyPr>
           <a:lstStyle/>
           <a:p>
             <a:pPr marL="12700">
-              <a:lnSpc>
-                <a:spcPct val="100000"/>
-              </a:lnSpc>
               <a:spcBef>
                 <a:spcPts val="95"/>
               </a:spcBef>
             </a:pPr>
             <a:r>
-              <a:rPr lang="de-de" sz="1400" b="1" u="heavy" spc="10" dirty="0">
+              <a:rPr sz="1400" b="1" u="heavy" spc="10" dirty="0">
                 <a:solidFill>
                   <a:srgbClr val="020302"/>
                 </a:solidFill>
@@ -1607,10 +1829,10 @@
                 <a:latin typeface="Adobe Clean"/>
                 <a:cs typeface="Adobe Clean"/>
               </a:rPr>
-              <a:t>服務</a:t>
-            </a:r>
-            <a:r>
-              <a:rPr lang="de-de" sz="1400" b="1" u="heavy" spc="-10" dirty="0">
+              <a:t>Service </a:t>
+            </a:r>
+            <a:r>
+              <a:rPr sz="1400" b="1" u="heavy" spc="-10" dirty="0">
                 <a:solidFill>
                   <a:srgbClr val="020302"/>
                 </a:solidFill>
@@ -1622,10 +1844,10 @@
                 <a:latin typeface="Adobe Clean"/>
                 <a:cs typeface="Adobe Clean"/>
               </a:rPr>
-              <a:t>層級</a:t>
-            </a:r>
-            <a:r>
-              <a:rPr lang="de-de" sz="1400" b="1" u="heavy" spc="-45" dirty="0">
+              <a:t>Level </a:t>
+            </a:r>
+            <a:r>
+              <a:rPr sz="1400" b="1" u="heavy" spc="-45" dirty="0">
                 <a:solidFill>
                   <a:srgbClr val="020302"/>
                 </a:solidFill>
@@ -1637,10 +1859,10 @@
                 <a:latin typeface="Adobe Clean"/>
                 <a:cs typeface="Adobe Clean"/>
               </a:rPr>
-              <a:t>目標：</a:t>
-            </a:r>
-            <a:r>
-              <a:rPr lang="de-de" sz="1400" b="1" u="heavy" spc="-10" dirty="0">
+              <a:t>Targets: </a:t>
+            </a:r>
+            <a:r>
+              <a:rPr sz="1400" b="1" u="heavy" spc="-10" dirty="0">
                 <a:solidFill>
                   <a:srgbClr val="020302"/>
                 </a:solidFill>
@@ -1652,10 +1874,10 @@
                 <a:latin typeface="Adobe Clean"/>
                 <a:cs typeface="Adobe Clean"/>
               </a:rPr>
-              <a:t>最初</a:t>
-            </a:r>
-            <a:r>
-              <a:rPr lang="de-de" sz="1400" b="1" u="heavy" spc="-15" dirty="0">
+              <a:t>Initial</a:t>
+            </a:r>
+            <a:r>
+              <a:rPr lang="en-US" sz="1400" b="1" u="heavy" spc="-10" dirty="0">
                 <a:solidFill>
                   <a:srgbClr val="020302"/>
                 </a:solidFill>
@@ -1667,7 +1889,22 @@
                 <a:latin typeface="Adobe Clean"/>
                 <a:cs typeface="Adobe Clean"/>
               </a:rPr>
-              <a:t>回應</a:t>
+              <a:t> </a:t>
+            </a:r>
+            <a:r>
+              <a:rPr sz="1400" b="1" u="heavy" spc="-15" dirty="0">
+                <a:solidFill>
+                  <a:srgbClr val="020302"/>
+                </a:solidFill>
+                <a:uFill>
+                  <a:solidFill>
+                    <a:srgbClr val="020302"/>
+                  </a:solidFill>
+                </a:uFill>
+                <a:latin typeface="Adobe Clean"/>
+                <a:cs typeface="Adobe Clean"/>
+              </a:rPr>
+              <a:t>Response</a:t>
             </a:r>
             <a:endParaRPr sz="1400" dirty="0">
               <a:latin typeface="Adobe Clean"/>
@@ -1721,7 +1958,7 @@
           </a:prstGeom>
         </p:spPr>
         <p:txBody>
-          <a:bodyPr vert="horz" wrap="square" lIns="0" tIns="24130" rIns="0" bIns="0" rtlCol="0">
+          <a:bodyPr vert="horz" wrap="square" lIns="0" tIns="24130" rIns="0" bIns="0" rtlCol="0" anchor="t">
             <a:spAutoFit/>
           </a:bodyPr>
           <a:lstStyle/>
@@ -1735,38 +1972,42 @@
               </a:spcBef>
             </a:pPr>
             <a:r>
-              <a:rPr lang="de-de" sz="1200" b="1" dirty="0">
+              <a:rPr lang="en-US" sz="1200" b="1" dirty="0">
                 <a:solidFill>
                   <a:schemeClr val="bg1"/>
                 </a:solidFill>
               </a:rPr>
-              <a:t>線上</a:t>
-            </a:r>
-            <a:r>
-              <a:rPr lang="de-de" sz="1200" dirty="0">
+              <a:t>Online</a:t>
+            </a:r>
+            <a:r>
+              <a:rPr lang="en-US" sz="1200" dirty="0">
                 <a:solidFill>
                   <a:schemeClr val="bg1"/>
                 </a:solidFill>
+                <a:latin typeface="Adobe Clean Light"/>
+              </a:rPr>
+              <a:t> | Business | Enterprise | Elite</a:t>
+            </a:r>
+            <a:br>
+              <a:rPr lang="en-US" sz="900" dirty="0">
                 <a:latin typeface="Adobe Clean Light" panose="020B0303020404020204" pitchFamily="34" charset="0"/>
               </a:rPr>
-              <a:t> | 商務 | 企業 | 菁英</a:t>
-            </a:r>
-            <a:br/>
-            <a:r>
-              <a:rPr lang="de-de" sz="900" dirty="0">
+            </a:br>
+            <a:r>
+              <a:rPr lang="en-US" sz="900" dirty="0">
                 <a:solidFill>
                   <a:schemeClr val="bg1"/>
                 </a:solidFill>
-                <a:latin typeface="Adobe Clean SemiLight" panose="020B0403020404020204" pitchFamily="34" charset="0"/>
-              </a:rPr>
-              <a:t>Adobe 提供全方位的技術資源來支援您的業務，這些資源包括在您的 Experience Cloud 授權訂閱中，並在 BUSINESS 支援套件中加以強化。線上支援包括透過 Adobe Experience League 存取個人化學習路徑和監控的社群論壇。您可以利用我們在 </a:t>
-            </a:r>
-            <a:r>
-              <a:rPr lang="de-de" sz="900" u="sng" dirty="0">
+                <a:latin typeface="Adobe Clean SemiLight"/>
+              </a:rPr>
+              <a:t>Adobe provides a comprehensive range of technical resources to help support your business included as part of your Experience Cloud license subscription. Online support includes access to personalized learning paths and monitored community forums via the Adobe Experience League. You can take advantage of our detailed and in-depth technical product documentation and current release notes published on </a:t>
+            </a:r>
+            <a:r>
+              <a:rPr lang="en-US" sz="900" u="sng" dirty="0">
                 <a:solidFill>
                   <a:schemeClr val="bg1"/>
                 </a:solidFill>
-                <a:latin typeface="Adobe Clean SemiLight" panose="020B0403020404020204" pitchFamily="34" charset="0"/>
+                <a:latin typeface="Adobe Clean SemiLight"/>
                 <a:hlinkClick r:id="rId4">
                   <a:extLst>
                     <a:ext uri="{A12FA001-AC4F-418D-AE19-62706E023703}">
@@ -1775,22 +2016,22 @@
                   </a:extLst>
                 </a:hlinkClick>
               </a:rPr>
-              <a:t>http://www.adobe.com/tw/</a:t>
-            </a:r>
-            <a:r>
-              <a:rPr lang="de-de" sz="900" dirty="0">
+              <a:t>http://www.adobe.com. </a:t>
+            </a:r>
+            <a:r>
+              <a:rPr lang="en-US" sz="900" dirty="0">
                 <a:solidFill>
                   <a:schemeClr val="bg1"/>
                 </a:solidFill>
-                <a:latin typeface="Adobe Clean SemiLight" panose="020B0403020404020204" pitchFamily="34" charset="0"/>
-              </a:rPr>
-              <a:t> 上發佈的詳細且深入的技術產品文件和目前的版本注意事項。我們的線上套件還包括透過電話與我們的技術支援團隊聯絡，以解決任何關鍵的 P1 產品問題，協助在最關鍵的時刻保護您的業務，並提供透過支援入口網站記錄低優先順序的援助請求的能力。</a:t>
+                <a:latin typeface="Adobe Clean SemiLight"/>
+              </a:rPr>
+              <a:t>Our Online package also includes access to our technical support teams for any critical P1 product issues via telephone to help protect your business at the most critical times as well as providing the ability to log lower priority requests for assistance via support web portal.</a:t>
             </a:r>
             <a:endParaRPr lang="en-US" sz="900" dirty="0">
               <a:solidFill>
                 <a:schemeClr val="bg1"/>
               </a:solidFill>
-              <a:latin typeface="Adobe Clean Light" panose="020B0303020404020204" pitchFamily="34" charset="0"/>
+              <a:latin typeface="Adobe Clean SemiLight"/>
               <a:cs typeface="AdobeClean-Light"/>
             </a:endParaRPr>
           </a:p>
@@ -1834,7 +2075,7 @@
           <p:nvPr>
             <p:extLst>
               <p:ext uri="{D42A27DB-BD31-4B8C-83A1-F6EECF244321}">
-                <p14:modId xmlns:p14="http://schemas.microsoft.com/office/powerpoint/2010/main" val="1019627915"/>
+                <p14:modId xmlns:p14="http://schemas.microsoft.com/office/powerpoint/2010/main" val="1047125657"/>
               </p:ext>
             </p:extLst>
           </p:nvPr>
@@ -1935,14 +2176,34 @@
                         </a:spcBef>
                       </a:pPr>
                       <a:r>
-                        <a:rPr lang="de-de" sz="900" spc="0" dirty="0">
+                        <a:rPr sz="900" spc="0" dirty="0">
                           <a:solidFill>
                             <a:srgbClr val="404040"/>
                           </a:solidFill>
                           <a:latin typeface="Adobe Clean"/>
                           <a:cs typeface="Adobe Clean"/>
                         </a:rPr>
-                        <a:t>線上支援</a:t>
+                        <a:t>Online</a:t>
+                      </a:r>
+                      <a:r>
+                        <a:rPr lang="en-US" sz="900" spc="0" dirty="0">
+                          <a:solidFill>
+                            <a:srgbClr val="404040"/>
+                          </a:solidFill>
+                          <a:latin typeface="Adobe Clean"/>
+                          <a:cs typeface="Adobe Clean"/>
+                        </a:rPr>
+                        <a:t> </a:t>
+                      </a:r>
+                      <a:r>
+                        <a:rPr sz="900" spc="0" dirty="0">
+                          <a:solidFill>
+                            <a:srgbClr val="404040"/>
+                          </a:solidFill>
+                          <a:latin typeface="Adobe Clean"/>
+                          <a:cs typeface="Adobe Clean"/>
+                        </a:rPr>
+                        <a:t>Support</a:t>
                       </a:r>
                       <a:endParaRPr sz="900" spc="0" dirty="0">
                         <a:latin typeface="Adobe Clean"/>
@@ -1982,14 +2243,34 @@
                         </a:spcBef>
                       </a:pPr>
                       <a:r>
-                        <a:rPr lang="de-de" sz="900" spc="0" dirty="0">
+                        <a:rPr sz="900" spc="0" dirty="0">
                           <a:solidFill>
                             <a:srgbClr val="FFFFFF"/>
                           </a:solidFill>
                           <a:latin typeface="Adobe Clean"/>
                           <a:cs typeface="Adobe Clean"/>
                         </a:rPr>
-                        <a:t>商務支援</a:t>
+                        <a:t>Business</a:t>
+                      </a:r>
+                      <a:r>
+                        <a:rPr lang="en-US" sz="900" spc="0" dirty="0">
+                          <a:solidFill>
+                            <a:srgbClr val="FFFFFF"/>
+                          </a:solidFill>
+                          <a:latin typeface="Adobe Clean"/>
+                          <a:cs typeface="Adobe Clean"/>
+                        </a:rPr>
+                        <a:t> </a:t>
+                      </a:r>
+                      <a:r>
+                        <a:rPr sz="900" spc="0" dirty="0">
+                          <a:solidFill>
+                            <a:srgbClr val="FFFFFF"/>
+                          </a:solidFill>
+                          <a:latin typeface="Adobe Clean"/>
+                          <a:cs typeface="Adobe Clean"/>
+                        </a:rPr>
+                        <a:t>Support</a:t>
                       </a:r>
                       <a:endParaRPr sz="900" spc="0" dirty="0">
                         <a:latin typeface="Adobe Clean"/>
@@ -2035,14 +2316,14 @@
                         </a:spcBef>
                       </a:pPr>
                       <a:r>
-                        <a:rPr lang="de-de" sz="900" spc="0" dirty="0">
+                        <a:rPr lang="en-US" sz="900" spc="0" dirty="0">
                           <a:solidFill>
                             <a:srgbClr val="FFFFFF"/>
                           </a:solidFill>
                           <a:latin typeface="Adobe Clean"/>
                           <a:cs typeface="Adobe Clean"/>
                         </a:rPr>
-                        <a:t>企業支援</a:t>
+                        <a:t>Enterprise Support</a:t>
                       </a:r>
                       <a:endParaRPr sz="900" spc="0" dirty="0">
                         <a:latin typeface="Adobe Clean"/>
@@ -2088,14 +2369,34 @@
                         </a:spcBef>
                       </a:pPr>
                       <a:r>
-                        <a:rPr lang="de-de" sz="900" spc="-20" dirty="0">
+                        <a:rPr sz="900" spc="-20" dirty="0">
                           <a:solidFill>
                             <a:srgbClr val="FFFFFF"/>
                           </a:solidFill>
                           <a:latin typeface="Adobe Clean"/>
                           <a:cs typeface="Adobe Clean"/>
                         </a:rPr>
-                        <a:t>企業支援</a:t>
+                        <a:t>Enterprise</a:t>
+                      </a:r>
+                      <a:r>
+                        <a:rPr lang="en-US" sz="900" spc="-20" dirty="0">
+                          <a:solidFill>
+                            <a:srgbClr val="FFFFFF"/>
+                          </a:solidFill>
+                          <a:latin typeface="Adobe Clean"/>
+                          <a:cs typeface="Adobe Clean"/>
+                        </a:rPr>
+                        <a:t> </a:t>
+                      </a:r>
+                      <a:r>
+                        <a:rPr sz="900" spc="-20" dirty="0">
+                          <a:solidFill>
+                            <a:srgbClr val="FFFFFF"/>
+                          </a:solidFill>
+                          <a:latin typeface="Adobe Clean"/>
+                          <a:cs typeface="Adobe Clean"/>
+                        </a:rPr>
+                        <a:t>Support</a:t>
                       </a:r>
                       <a:endParaRPr sz="900" dirty="0">
                         <a:latin typeface="Adobe Clean"/>
@@ -2141,14 +2442,34 @@
                         </a:spcBef>
                       </a:pPr>
                       <a:r>
-                        <a:rPr lang="de-de" sz="900" spc="0" dirty="0">
+                        <a:rPr sz="900" spc="0" dirty="0">
                           <a:solidFill>
                             <a:srgbClr val="FFFFFF"/>
                           </a:solidFill>
                           <a:latin typeface="Adobe Clean"/>
                           <a:cs typeface="Adobe Clean"/>
                         </a:rPr>
-                        <a:t>菁英支援</a:t>
+                        <a:t>Elite</a:t>
+                      </a:r>
+                      <a:r>
+                        <a:rPr lang="en-US" sz="900" spc="0" dirty="0">
+                          <a:solidFill>
+                            <a:srgbClr val="FFFFFF"/>
+                          </a:solidFill>
+                          <a:latin typeface="Adobe Clean"/>
+                          <a:cs typeface="Adobe Clean"/>
+                        </a:rPr>
+                        <a:t> </a:t>
+                      </a:r>
+                      <a:r>
+                        <a:rPr sz="900" spc="0" dirty="0">
+                          <a:solidFill>
+                            <a:srgbClr val="FFFFFF"/>
+                          </a:solidFill>
+                          <a:latin typeface="Adobe Clean"/>
+                          <a:cs typeface="Adobe Clean"/>
+                        </a:rPr>
+                        <a:t>Support</a:t>
                       </a:r>
                       <a:endParaRPr sz="900" spc="0" dirty="0">
                         <a:latin typeface="Adobe Clean"/>
@@ -2260,14 +2581,24 @@
                         </a:spcBef>
                       </a:pPr>
                       <a:r>
-                        <a:rPr lang="de-de" sz="800" i="1" spc="0" dirty="0">
+                        <a:rPr lang="en-US" sz="800" i="1" spc="0" dirty="0">
                           <a:solidFill>
                             <a:srgbClr val="FFFFFF"/>
                           </a:solidFill>
                           <a:latin typeface="Adobe Clean"/>
                           <a:cs typeface="Adobe Clean"/>
                         </a:rPr>
-                        <a:t>支付的支援層級 ($)</a:t>
+                        <a:t>Paid</a:t>
+                      </a:r>
+                      <a:r>
+                        <a:rPr sz="800" i="1" spc="0" dirty="0">
+                          <a:solidFill>
+                            <a:srgbClr val="FFFFFF"/>
+                          </a:solidFill>
+                          <a:latin typeface="Adobe Clean"/>
+                          <a:cs typeface="Adobe Clean"/>
+                        </a:rPr>
+                        <a:t> Support Levels($)</a:t>
                       </a:r>
                       <a:endParaRPr sz="800" spc="0" dirty="0">
                         <a:latin typeface="Adobe Clean"/>
@@ -2359,14 +2690,14 @@
                         </a:spcBef>
                       </a:pPr>
                       <a:r>
-                        <a:rPr lang="de-de" sz="1000" b="1" i="0" spc="0" dirty="0">
+                        <a:rPr lang="en-US" sz="1000" b="1" i="0" spc="0" dirty="0">
                           <a:solidFill>
                             <a:schemeClr val="bg1"/>
                           </a:solidFill>
                           <a:latin typeface="Adobe Clean" panose="020B0503020404020204" pitchFamily="34" charset="0"/>
                           <a:cs typeface="AdobeClean-Light"/>
                         </a:rPr>
-                        <a:t>指派的專家</a:t>
+                        <a:t>Assigned Experts</a:t>
                       </a:r>
                       <a:endParaRPr sz="1000" b="1" i="0" spc="0" dirty="0">
                         <a:solidFill>
@@ -2421,14 +2752,14 @@
                         </a:spcBef>
                       </a:pPr>
                       <a:r>
-                        <a:rPr lang="de-de" sz="900" spc="0" dirty="0">
+                        <a:rPr sz="900" spc="0" dirty="0">
                           <a:solidFill>
                             <a:srgbClr val="020302"/>
                           </a:solidFill>
                           <a:latin typeface="AdobeClean-Light"/>
                           <a:cs typeface="AdobeClean-Light"/>
                         </a:rPr>
-                        <a:t>帳戶支援負責人</a:t>
+                        <a:t>Account Support Lead</a:t>
                       </a:r>
                       <a:endParaRPr sz="900" spc="0" dirty="0">
                         <a:latin typeface="AdobeClean-Light"/>
@@ -2507,7 +2838,7 @@
                         </a:spcBef>
                       </a:pPr>
                       <a:r>
-                        <a:rPr lang="de-de" sz="900" spc="0" dirty="0">
+                        <a:rPr sz="900" spc="0" dirty="0">
                           <a:solidFill>
                             <a:srgbClr val="020302"/>
                           </a:solidFill>
@@ -2676,14 +3007,14 @@
                         </a:spcBef>
                       </a:pPr>
                       <a:r>
-                        <a:rPr lang="de-de" sz="900" spc="0" dirty="0">
+                        <a:rPr sz="900" spc="0" dirty="0">
                           <a:solidFill>
                             <a:srgbClr val="020302"/>
                           </a:solidFill>
                           <a:latin typeface="AdobeClean-Light"/>
                           <a:cs typeface="AdobeClean-Light"/>
                         </a:rPr>
-                        <a:t>指定的支援工程師</a:t>
+                        <a:t>Named Support Engineer</a:t>
                       </a:r>
                       <a:endParaRPr sz="900" spc="0" dirty="0">
                         <a:latin typeface="AdobeClean-Light"/>
@@ -2786,7 +3117,7 @@
                         </a:spcBef>
                       </a:pPr>
                       <a:r>
-                        <a:rPr lang="de-de" sz="900" spc="0" dirty="0">
+                        <a:rPr sz="900" spc="0" dirty="0">
                           <a:solidFill>
                             <a:srgbClr val="020302"/>
                           </a:solidFill>
@@ -2817,7 +3148,7 @@
                         </a:spcBef>
                       </a:pPr>
                       <a:r>
-                        <a:rPr lang="de-de" sz="900" spc="0" dirty="0">
+                        <a:rPr sz="900" spc="0" dirty="0">
                           <a:solidFill>
                             <a:srgbClr val="020302"/>
                           </a:solidFill>
@@ -2911,14 +3242,14 @@
                         </a:spcBef>
                       </a:pPr>
                       <a:r>
-                        <a:rPr lang="de-de" sz="900" spc="0" dirty="0">
+                        <a:rPr sz="900" spc="0" dirty="0">
                           <a:solidFill>
                             <a:srgbClr val="020302"/>
                           </a:solidFill>
                           <a:latin typeface="AdobeClean-Light"/>
                           <a:cs typeface="AdobeClean-Light"/>
                         </a:rPr>
-                        <a:t>技術客戶經理</a:t>
+                        <a:t>Technical Account Manager</a:t>
                       </a:r>
                       <a:endParaRPr sz="900" spc="0" dirty="0">
                         <a:latin typeface="AdobeClean-Light"/>
@@ -3075,7 +3406,7 @@
                         </a:spcBef>
                       </a:pPr>
                       <a:r>
-                        <a:rPr lang="de-de" sz="900" spc="0" dirty="0">
+                        <a:rPr sz="900" spc="0" dirty="0">
                           <a:solidFill>
                             <a:srgbClr val="020302"/>
                           </a:solidFill>
@@ -3126,14 +3457,14 @@
                         </a:spcBef>
                       </a:pPr>
                       <a:r>
-                        <a:rPr lang="de-de" sz="1000" b="1" i="0" spc="0" dirty="0">
+                        <a:rPr lang="en-US" sz="1000" b="1" i="0" spc="0" dirty="0">
                           <a:solidFill>
                             <a:schemeClr val="bg1"/>
                           </a:solidFill>
                           <a:latin typeface="Adobe Clean" panose="020B0503020404020204" pitchFamily="34" charset="0"/>
                           <a:cs typeface="AdobeClean-Light"/>
                         </a:rPr>
-                        <a:t>支援服務</a:t>
+                        <a:t>Support Services</a:t>
                       </a:r>
                       <a:endParaRPr sz="1000" b="1" i="0" spc="0" dirty="0">
                         <a:solidFill>
@@ -3197,14 +3528,24 @@
                         </a:spcBef>
                       </a:pPr>
                       <a:r>
-                        <a:rPr lang="de-de" sz="900" spc="0" dirty="0">
+                        <a:rPr lang="en-US" sz="900" spc="0" dirty="0">
                           <a:solidFill>
                             <a:srgbClr val="020302"/>
                           </a:solidFill>
                           <a:latin typeface="AdobeClean-Light"/>
                           <a:cs typeface="AdobeClean-Light"/>
                         </a:rPr>
-                        <a:t>線上支援</a:t>
+                        <a:t>Online </a:t>
+                      </a:r>
+                      <a:r>
+                        <a:rPr sz="900" spc="0" dirty="0">
+                          <a:solidFill>
+                            <a:srgbClr val="020302"/>
+                          </a:solidFill>
+                          <a:latin typeface="AdobeClean-Light"/>
+                          <a:cs typeface="AdobeClean-Light"/>
+                        </a:rPr>
+                        <a:t> Support</a:t>
                       </a:r>
                       <a:endParaRPr sz="900" spc="0" dirty="0">
                         <a:latin typeface="AdobeClean-Light"/>
@@ -3247,14 +3588,14 @@
                         </a:spcBef>
                       </a:pPr>
                       <a:r>
-                        <a:rPr lang="de-de" sz="800" spc="0" dirty="0">
+                        <a:rPr sz="800" spc="0" dirty="0">
                           <a:solidFill>
                             <a:srgbClr val="020302"/>
                           </a:solidFill>
                           <a:latin typeface="AdobeClean-Light"/>
                           <a:cs typeface="AdobeClean-Light"/>
                         </a:rPr>
-                        <a:t>營業時間</a:t>
+                        <a:t>Business hours</a:t>
                       </a:r>
                       <a:endParaRPr sz="800" spc="0" dirty="0">
                         <a:latin typeface="AdobeClean-Light"/>
@@ -3296,14 +3637,14 @@
                         </a:spcBef>
                       </a:pPr>
                       <a:r>
-                        <a:rPr lang="de-de" sz="800" spc="0" dirty="0">
+                        <a:rPr sz="800" spc="0" dirty="0">
                           <a:solidFill>
                             <a:srgbClr val="020302"/>
                           </a:solidFill>
                           <a:latin typeface="AdobeClean-Light"/>
                           <a:cs typeface="AdobeClean-Light"/>
                         </a:rPr>
-                        <a:t>營業時間</a:t>
+                        <a:t>Business hours</a:t>
                       </a:r>
                       <a:endParaRPr sz="800" spc="0" dirty="0">
                         <a:latin typeface="AdobeClean-Light"/>
@@ -3365,7 +3706,7 @@
                         </a:spcBef>
                       </a:pPr>
                       <a:r>
-                        <a:rPr lang="de-de" sz="800" spc="0" dirty="0">
+                        <a:rPr sz="800" spc="0" dirty="0">
                           <a:solidFill>
                             <a:srgbClr val="020302"/>
                           </a:solidFill>
@@ -3403,7 +3744,7 @@
                         </a:spcBef>
                       </a:pPr>
                       <a:r>
-                        <a:rPr lang="de-de" sz="800" spc="0" dirty="0">
+                        <a:rPr sz="800" spc="0" dirty="0">
                           <a:solidFill>
                             <a:srgbClr val="020302"/>
                           </a:solidFill>
@@ -3494,14 +3835,34 @@
                         </a:spcBef>
                       </a:pPr>
                       <a:r>
-                        <a:rPr lang="de-de" sz="900" spc="0" dirty="0">
+                        <a:rPr sz="900" spc="0" dirty="0">
                           <a:solidFill>
                             <a:srgbClr val="020302"/>
                           </a:solidFill>
                           <a:latin typeface="AdobeClean-Light"/>
                           <a:cs typeface="AdobeClean-Light"/>
                         </a:rPr>
-                        <a:t>全年無休 P1 問題支援</a:t>
+                        <a:t>24x7</a:t>
+                      </a:r>
+                      <a:r>
+                        <a:rPr lang="en-US" sz="900" spc="0" dirty="0">
+                          <a:solidFill>
+                            <a:srgbClr val="020302"/>
+                          </a:solidFill>
+                          <a:latin typeface="AdobeClean-Light"/>
+                          <a:cs typeface="AdobeClean-Light"/>
+                        </a:rPr>
+                        <a:t>x365</a:t>
+                      </a:r>
+                      <a:r>
+                        <a:rPr sz="900" spc="0" dirty="0">
+                          <a:solidFill>
+                            <a:srgbClr val="020302"/>
+                          </a:solidFill>
+                          <a:latin typeface="AdobeClean-Light"/>
+                          <a:cs typeface="AdobeClean-Light"/>
+                        </a:rPr>
+                        <a:t> P1 Issue Support</a:t>
                       </a:r>
                       <a:endParaRPr sz="900" spc="0" dirty="0">
                         <a:latin typeface="AdobeClean-Light"/>
@@ -3538,7 +3899,7 @@
                         </a:spcBef>
                       </a:pPr>
                       <a:r>
-                        <a:rPr lang="de-de" sz="900" spc="0" dirty="0">
+                        <a:rPr sz="900" spc="0" dirty="0">
                           <a:solidFill>
                             <a:srgbClr val="020302"/>
                           </a:solidFill>
@@ -3581,7 +3942,7 @@
                         </a:spcBef>
                       </a:pPr>
                       <a:r>
-                        <a:rPr lang="de-de" sz="900" spc="0" dirty="0">
+                        <a:rPr sz="900" spc="0" dirty="0">
                           <a:solidFill>
                             <a:srgbClr val="020302"/>
                           </a:solidFill>
@@ -3633,7 +3994,7 @@
                         </a:spcBef>
                       </a:pPr>
                       <a:r>
-                        <a:rPr lang="de-de" sz="900" spc="0" dirty="0">
+                        <a:rPr sz="900" spc="0" dirty="0">
                           <a:solidFill>
                             <a:srgbClr val="020302"/>
                           </a:solidFill>
@@ -3664,7 +4025,7 @@
                         </a:spcBef>
                       </a:pPr>
                       <a:r>
-                        <a:rPr lang="de-de" sz="900" spc="0" dirty="0">
+                        <a:rPr sz="900" spc="0" dirty="0">
                           <a:solidFill>
                             <a:srgbClr val="020302"/>
                           </a:solidFill>
@@ -3749,14 +4110,14 @@
                         </a:spcBef>
                       </a:pPr>
                       <a:r>
-                        <a:rPr lang="de-de" sz="900" spc="0" dirty="0">
+                        <a:rPr lang="en-US" sz="900" spc="0" dirty="0">
                           <a:solidFill>
                             <a:srgbClr val="020302"/>
                           </a:solidFill>
                           <a:latin typeface="AdobeClean-Light"/>
                           <a:cs typeface="AdobeClean-Light"/>
                         </a:rPr>
-                        <a:t>指定的支援聯絡人 (依據產品)</a:t>
+                        <a:t>Named Support Contacts (per product)</a:t>
                       </a:r>
                       <a:endParaRPr sz="900" spc="0" dirty="0">
                         <a:latin typeface="AdobeClean-Light"/>
@@ -3793,7 +4154,7 @@
                         </a:spcBef>
                       </a:pPr>
                       <a:r>
-                        <a:rPr lang="de-de" sz="900" spc="0" dirty="0">
+                        <a:rPr sz="900" spc="0" dirty="0">
                           <a:solidFill>
                             <a:srgbClr val="020302"/>
                           </a:solidFill>
@@ -3836,7 +4197,7 @@
                         </a:spcBef>
                       </a:pPr>
                       <a:r>
-                        <a:rPr lang="de-de" sz="900" spc="0" dirty="0">
+                        <a:rPr sz="900" spc="0" dirty="0">
                           <a:solidFill>
                             <a:srgbClr val="020302"/>
                           </a:solidFill>
@@ -3888,7 +4249,7 @@
                         </a:spcBef>
                       </a:pPr>
                       <a:r>
-                        <a:rPr lang="de-de" sz="900" spc="0" dirty="0">
+                        <a:rPr sz="900" spc="0" dirty="0">
                           <a:solidFill>
                             <a:srgbClr val="020302"/>
                           </a:solidFill>
@@ -3919,7 +4280,7 @@
                         </a:spcBef>
                       </a:pPr>
                       <a:r>
-                        <a:rPr lang="de-de" sz="900" spc="0" dirty="0">
+                        <a:rPr sz="900" spc="0" dirty="0">
                           <a:solidFill>
                             <a:srgbClr val="020302"/>
                           </a:solidFill>
@@ -4004,14 +4365,14 @@
                         </a:spcBef>
                       </a:pPr>
                       <a:r>
-                        <a:rPr lang="de-de" sz="900" spc="0" dirty="0">
+                        <a:rPr lang="en-US" sz="900" spc="0" dirty="0">
                           <a:solidFill>
                             <a:srgbClr val="020302"/>
                           </a:solidFill>
                           <a:latin typeface="AdobeClean-Light"/>
                           <a:cs typeface="AdobeClean-Light"/>
                         </a:rPr>
-                        <a:t>即時電話支援</a:t>
+                        <a:t>Live Telephone Support</a:t>
                       </a:r>
                       <a:endParaRPr sz="900" spc="0" dirty="0">
                         <a:latin typeface="AdobeClean-Light"/>
@@ -4078,7 +4439,7 @@
                         </a:spcBef>
                       </a:pPr>
                       <a:r>
-                        <a:rPr lang="de-de" sz="900" spc="0" dirty="0">
+                        <a:rPr sz="900" spc="0" dirty="0">
                           <a:solidFill>
                             <a:srgbClr val="020302"/>
                           </a:solidFill>
@@ -4130,7 +4491,7 @@
                         </a:spcBef>
                       </a:pPr>
                       <a:r>
-                        <a:rPr lang="de-de" sz="900" spc="0" dirty="0">
+                        <a:rPr sz="900" spc="0" dirty="0">
                           <a:solidFill>
                             <a:srgbClr val="020302"/>
                           </a:solidFill>
@@ -4161,7 +4522,7 @@
                         </a:spcBef>
                       </a:pPr>
                       <a:r>
-                        <a:rPr lang="de-de" sz="900" spc="0" dirty="0">
+                        <a:rPr sz="900" spc="0" dirty="0">
                           <a:solidFill>
                             <a:srgbClr val="020302"/>
                           </a:solidFill>
@@ -4246,14 +4607,14 @@
                         </a:spcBef>
                       </a:pPr>
                       <a:r>
-                        <a:rPr lang="de-de" sz="900" spc="0" dirty="0">
+                        <a:rPr sz="900" spc="0" dirty="0">
                           <a:solidFill>
                             <a:srgbClr val="020302"/>
                           </a:solidFill>
                           <a:latin typeface="AdobeClean-Light"/>
                           <a:cs typeface="AdobeClean-Light"/>
                         </a:rPr>
-                        <a:t>向上呈報管理</a:t>
+                        <a:t>Escalation Management</a:t>
                       </a:r>
                       <a:endParaRPr sz="900" spc="0" dirty="0">
                         <a:latin typeface="AdobeClean-Light"/>
@@ -4320,7 +4681,7 @@
                         </a:spcBef>
                       </a:pPr>
                       <a:r>
-                        <a:rPr lang="de-de" sz="900" spc="0" dirty="0">
+                        <a:rPr sz="900" spc="0" dirty="0">
                           <a:solidFill>
                             <a:srgbClr val="020302"/>
                           </a:solidFill>
@@ -4372,7 +4733,7 @@
                         </a:spcBef>
                       </a:pPr>
                       <a:r>
-                        <a:rPr lang="de-de" sz="900" spc="0" dirty="0">
+                        <a:rPr sz="900" spc="0" dirty="0">
                           <a:solidFill>
                             <a:srgbClr val="020302"/>
                           </a:solidFill>
@@ -4403,7 +4764,7 @@
                         </a:spcBef>
                       </a:pPr>
                       <a:r>
-                        <a:rPr lang="de-de" sz="900" spc="0" dirty="0">
+                        <a:rPr sz="900" spc="0" dirty="0">
                           <a:solidFill>
                             <a:srgbClr val="020302"/>
                           </a:solidFill>
@@ -4488,14 +4849,14 @@
                         </a:spcBef>
                       </a:pPr>
                       <a:r>
-                        <a:rPr lang="de-de" sz="900" spc="0" dirty="0">
+                        <a:rPr sz="900" spc="0" dirty="0">
                           <a:solidFill>
                             <a:srgbClr val="020302"/>
                           </a:solidFill>
                           <a:latin typeface="AdobeClean-Light"/>
                           <a:cs typeface="AdobeClean-Light"/>
                         </a:rPr>
-                        <a:t>每年的服務審查</a:t>
+                        <a:t>Service Reviews  per Year</a:t>
                       </a:r>
                       <a:endParaRPr sz="900" spc="0" dirty="0">
                         <a:latin typeface="AdobeClean-Light"/>
@@ -4598,7 +4959,7 @@
                         </a:spcBef>
                       </a:pPr>
                       <a:r>
-                        <a:rPr lang="de-de" sz="900" spc="0" dirty="0">
+                        <a:rPr sz="900" spc="0" dirty="0">
                           <a:solidFill>
                             <a:srgbClr val="020302"/>
                           </a:solidFill>
@@ -4629,7 +4990,7 @@
                         </a:spcBef>
                       </a:pPr>
                       <a:r>
-                        <a:rPr lang="de-de" sz="900" spc="0" dirty="0">
+                        <a:rPr sz="900" spc="0" dirty="0">
                           <a:solidFill>
                             <a:srgbClr val="020302"/>
                           </a:solidFill>
@@ -4684,11 +5045,11 @@
                         </a:spcBef>
                       </a:pPr>
                       <a:r>
-                        <a:rPr lang="de-de" sz="900" spc="0" dirty="0">
+                        <a:rPr lang="en-US" sz="900" spc="0" dirty="0">
                           <a:latin typeface="AdobeClean-Light"/>
                           <a:cs typeface="AdobeClean-Light"/>
                         </a:rPr>
-                        <a:t>每年的專家諮詢</a:t>
+                        <a:t>Expert Sessions per Year</a:t>
                       </a:r>
                       <a:endParaRPr sz="900" spc="0" dirty="0">
                         <a:latin typeface="AdobeClean-Light"/>
@@ -4792,7 +5153,7 @@
                         </a:spcBef>
                       </a:pPr>
                       <a:r>
-                        <a:rPr lang="de-de" sz="900" spc="0" dirty="0">
+                        <a:rPr lang="en-US" sz="900" spc="0" dirty="0">
                           <a:latin typeface="AdobeClean-Light"/>
                           <a:cs typeface="AdobeClean-Light"/>
                         </a:rPr>
@@ -4820,7 +5181,7 @@
                         </a:spcBef>
                       </a:pPr>
                       <a:r>
-                        <a:rPr lang="de-de" sz="900" spc="0" dirty="0">
+                        <a:rPr lang="en-US" sz="900" spc="0" dirty="0">
                           <a:latin typeface="AdobeClean-Light"/>
                           <a:cs typeface="AdobeClean-Light"/>
                         </a:rPr>
@@ -4872,11 +5233,11 @@
                         </a:spcBef>
                       </a:pPr>
                       <a:r>
-                        <a:rPr lang="de-de" sz="900" spc="0" dirty="0">
+                        <a:rPr lang="en-US" sz="900" spc="0" dirty="0">
                           <a:latin typeface="AdobeClean-Light"/>
                           <a:cs typeface="AdobeClean-Light"/>
                         </a:rPr>
-                        <a:t>案件審查</a:t>
+                        <a:t>Case Reviews</a:t>
                       </a:r>
                       <a:endParaRPr sz="900" spc="0" dirty="0">
                         <a:latin typeface="AdobeClean-Light"/>
@@ -4989,7 +5350,7 @@
                         <a:defRPr/>
                       </a:pPr>
                       <a:r>
-                        <a:rPr lang="de-de" sz="900" spc="0" dirty="0">
+                        <a:rPr lang="en-US" sz="900" spc="0" dirty="0">
                           <a:solidFill>
                             <a:srgbClr val="020302"/>
                           </a:solidFill>
@@ -5029,7 +5390,7 @@
                         <a:defRPr/>
                       </a:pPr>
                       <a:r>
-                        <a:rPr lang="de-de" sz="900" spc="0">
+                        <a:rPr lang="en-US" sz="900" spc="0" dirty="0">
                           <a:solidFill>
                             <a:srgbClr val="020302"/>
                           </a:solidFill>
@@ -5114,14 +5475,14 @@
                         </a:spcBef>
                       </a:pPr>
                       <a:r>
-                        <a:rPr lang="de-de" sz="900" spc="0" dirty="0">
+                        <a:rPr sz="900" spc="0" dirty="0">
                           <a:solidFill>
                             <a:srgbClr val="020302"/>
                           </a:solidFill>
                           <a:latin typeface="AdobeClean-Light"/>
                           <a:cs typeface="AdobeClean-Light"/>
                         </a:rPr>
-                        <a:t>事件管理</a:t>
+                        <a:t>Event Management</a:t>
                       </a:r>
                       <a:endParaRPr sz="900" spc="0" dirty="0">
                         <a:latin typeface="AdobeClean-Light"/>
@@ -5242,7 +5603,7 @@
                         </a:spcBef>
                       </a:pPr>
                       <a:r>
-                        <a:rPr lang="de-de" sz="900" spc="0" dirty="0">
+                        <a:rPr sz="900" spc="0" dirty="0">
                           <a:solidFill>
                             <a:srgbClr val="020302"/>
                           </a:solidFill>
@@ -5336,19 +5697,35 @@
                         </a:spcBef>
                       </a:pPr>
                       <a:r>
-                        <a:rPr lang="de-de" sz="900" spc="0" dirty="0">
+                        <a:rPr sz="900" spc="0" dirty="0">
                           <a:solidFill>
                             <a:srgbClr val="020302"/>
                           </a:solidFill>
                           <a:latin typeface="AdobeClean-Light"/>
                           <a:cs typeface="AdobeClean-Light"/>
                         </a:rPr>
-                        <a:t>環境審查、維護與監控，</a:t>
+                        <a:t>Environment</a:t>
                       </a:r>
-                      <a:endParaRPr sz="900" spc="0" dirty="0">
-                        <a:latin typeface="AdobeClean-Light"/>
-                        <a:cs typeface="AdobeClean-Light"/>
-                      </a:endParaRPr>
+                      <a:r>
+                        <a:rPr lang="en-US" sz="900" spc="0" dirty="0">
+                          <a:solidFill>
+                            <a:srgbClr val="020302"/>
+                          </a:solidFill>
+                          <a:latin typeface="AdobeClean-Light"/>
+                          <a:cs typeface="AdobeClean-Light"/>
+                        </a:rPr>
+                        <a:t> </a:t>
+                      </a:r>
+                      <a:r>
+                        <a:rPr sz="900" spc="0" dirty="0">
+                          <a:solidFill>
+                            <a:srgbClr val="020302"/>
+                          </a:solidFill>
+                          <a:latin typeface="AdobeClean-Light"/>
+                          <a:cs typeface="AdobeClean-Light"/>
+                        </a:rPr>
+                        <a:t>Review, Maintenance &amp; Monitoring</a:t>
+                      </a:r>
                     </a:p>
                   </a:txBody>
                   <a:tcPr marL="0" marR="0" marT="59055" marB="0">
@@ -5473,7 +5850,7 @@
                         </a:spcBef>
                       </a:pPr>
                       <a:r>
-                        <a:rPr lang="de-de" sz="900" spc="0" dirty="0">
+                        <a:rPr sz="900" spc="0" dirty="0">
                           <a:solidFill>
                             <a:srgbClr val="020302"/>
                           </a:solidFill>
@@ -5558,14 +5935,14 @@
                         </a:spcBef>
                       </a:pPr>
                       <a:r>
-                        <a:rPr lang="de-de" sz="900" spc="0" dirty="0">
+                        <a:rPr sz="900" spc="0" dirty="0">
                           <a:solidFill>
                             <a:srgbClr val="020302"/>
                           </a:solidFill>
                           <a:latin typeface="AdobeClean-Light"/>
                           <a:cs typeface="AdobeClean-Light"/>
                         </a:rPr>
-                        <a:t>發行、遷移、升級及產品藍圖審查</a:t>
+                        <a:t>Release, Migration, Upgrade &amp; Product Roadmap Review</a:t>
                       </a:r>
                       <a:endParaRPr sz="900" spc="0" dirty="0">
                         <a:latin typeface="AdobeClean-Light"/>
@@ -5686,7 +6063,7 @@
                         </a:spcBef>
                       </a:pPr>
                       <a:r>
-                        <a:rPr lang="de-de" sz="900" spc="0" dirty="0">
+                        <a:rPr sz="900" spc="0" dirty="0">
                           <a:solidFill>
                             <a:srgbClr val="020302"/>
                           </a:solidFill>
@@ -5780,11 +6157,11 @@
                         </a:spcBef>
                       </a:pPr>
                       <a:r>
-                        <a:rPr lang="de-de" sz="900" spc="0" dirty="0">
+                        <a:rPr sz="900" spc="0" dirty="0">
                           <a:latin typeface="AdobeClean-Light"/>
                           <a:cs typeface="AdobeClean-Light"/>
                         </a:rPr>
-                        <a:t>雲端支援活動 – 雲端形式的 Experience Manager</a:t>
+                        <a:t>Cloud Support Activities – Experience Manager as Cloud</a:t>
                       </a:r>
                     </a:p>
                   </a:txBody>
@@ -5912,7 +6289,7 @@
                         </a:spcBef>
                       </a:pPr>
                       <a:r>
-                        <a:rPr lang="de-de" sz="900" spc="0" dirty="0">
+                        <a:rPr sz="900" spc="0" dirty="0">
                           <a:solidFill>
                             <a:srgbClr val="020302"/>
                           </a:solidFill>
@@ -5950,7 +6327,7 @@
                         </a:spcBef>
                       </a:pPr>
                       <a:r>
-                        <a:rPr lang="de-de" sz="900" spc="0" dirty="0">
+                        <a:rPr sz="900" spc="0" dirty="0">
                           <a:solidFill>
                             <a:srgbClr val="020302"/>
                           </a:solidFill>
@@ -6001,14 +6378,14 @@
                         </a:spcBef>
                       </a:pPr>
                       <a:r>
-                        <a:rPr lang="de-de" sz="1000" b="1" i="0" spc="0" dirty="0">
+                        <a:rPr lang="en-US" sz="1000" b="1" i="0" spc="0" dirty="0">
                           <a:solidFill>
                             <a:schemeClr val="bg1"/>
                           </a:solidFill>
                           <a:latin typeface="Adobe Clean" panose="020B0503020404020204" pitchFamily="34" charset="0"/>
                           <a:cs typeface="AdobeClean-Light"/>
                         </a:rPr>
-                        <a:t>現場服務</a:t>
+                        <a:t>Field Services</a:t>
                       </a:r>
                       <a:endParaRPr sz="1000" b="1" i="0" spc="0" dirty="0">
                         <a:solidFill>
@@ -6069,14 +6446,34 @@
                         </a:spcBef>
                       </a:pPr>
                       <a:r>
-                        <a:rPr lang="de-de" sz="900" spc="0" dirty="0">
+                        <a:rPr sz="900" spc="0" dirty="0">
                           <a:solidFill>
                             <a:srgbClr val="020302"/>
                           </a:solidFill>
                           <a:latin typeface="AdobeClean-Light"/>
                           <a:cs typeface="AdobeClean-Light"/>
                         </a:rPr>
-                        <a:t>上市諮詢服務 – 新解決方案的第一年</a:t>
+                        <a:t>Launch Advisory Services – First Year of </a:t>
+                      </a:r>
+                      <a:r>
+                        <a:rPr lang="en-US" sz="900" spc="0" dirty="0">
+                          <a:solidFill>
+                            <a:srgbClr val="020302"/>
+                          </a:solidFill>
+                          <a:latin typeface="AdobeClean-Light"/>
+                          <a:cs typeface="AdobeClean-Light"/>
+                        </a:rPr>
+                        <a:t>a </a:t>
+                      </a:r>
+                      <a:r>
+                        <a:rPr sz="900" spc="0" dirty="0">
+                          <a:solidFill>
+                            <a:srgbClr val="020302"/>
+                          </a:solidFill>
+                          <a:latin typeface="AdobeClean-Light"/>
+                          <a:cs typeface="AdobeClean-Light"/>
+                        </a:rPr>
+                        <a:t>new solution</a:t>
                       </a:r>
                       <a:endParaRPr sz="900" spc="0" dirty="0">
                         <a:latin typeface="AdobeClean-Light"/>
@@ -6093,11 +6490,11 @@
                         </a:spcBef>
                       </a:pPr>
                       <a:r>
-                        <a:rPr lang="de-de" sz="900" spc="0" dirty="0">
+                        <a:rPr sz="900" spc="0" dirty="0">
                           <a:latin typeface="AdobeClean-Light"/>
                           <a:cs typeface="AdobeClean-Light"/>
                         </a:rPr>
-                        <a:t>現場服務活動</a:t>
+                        <a:t>Field Service Activities</a:t>
                       </a:r>
                     </a:p>
                   </a:txBody>
@@ -6231,7 +6628,7 @@
                         </a:spcBef>
                       </a:pPr>
                       <a:r>
-                        <a:rPr lang="de-de" sz="900" spc="0" dirty="0">
+                        <a:rPr sz="900" spc="0" dirty="0">
                           <a:solidFill>
                             <a:srgbClr val="020302"/>
                           </a:solidFill>
@@ -6269,7 +6666,7 @@
                         </a:spcBef>
                       </a:pPr>
                       <a:r>
-                        <a:rPr lang="de-de" sz="900" spc="0" dirty="0">
+                        <a:rPr sz="900" spc="0" dirty="0">
                           <a:solidFill>
                             <a:srgbClr val="020302"/>
                           </a:solidFill>
@@ -6451,7 +6848,7 @@
                         </a:spcBef>
                       </a:pPr>
                       <a:r>
-                        <a:rPr lang="de-de" sz="900" spc="0" dirty="0">
+                        <a:rPr sz="900" spc="0" dirty="0">
                           <a:solidFill>
                             <a:srgbClr val="020302"/>
                           </a:solidFill>
@@ -6489,7 +6886,7 @@
                         </a:spcBef>
                       </a:pPr>
                       <a:r>
-                        <a:rPr lang="de-de" sz="900" spc="0" dirty="0">
+                        <a:rPr sz="900" spc="0" dirty="0">
                           <a:solidFill>
                             <a:srgbClr val="020302"/>
                           </a:solidFill>
@@ -6542,7 +6939,7 @@
         <p:spPr>
           <a:xfrm>
             <a:off x="5307201" y="9862966"/>
-            <a:ext cx="2693799" cy="132729"/>
+            <a:ext cx="2270125" cy="132729"/>
           </a:xfrm>
           <a:prstGeom prst="rect">
             <a:avLst/>
@@ -6563,16 +6960,24 @@
               </a:spcBef>
             </a:pPr>
             <a:r>
-              <a:rPr lang="de-de" spc="-5" dirty="0"/>
-              <a:t>©2021 Adobe。All rights reserved.Adobe</a:t>
-            </a:r>
-            <a:r>
-              <a:rPr lang="de-de" spc="60" dirty="0"/>
+              <a:rPr spc="-5" dirty="0"/>
+              <a:t>©202</a:t>
+            </a:r>
+            <a:r>
+              <a:rPr lang="en-US" spc="-5" dirty="0"/>
+              <a:t>1</a:t>
+            </a:r>
+            <a:r>
+              <a:rPr spc="-5" dirty="0"/>
+              <a:t> Adobe. All Rights Reserved. Adobe</a:t>
+            </a:r>
+            <a:r>
+              <a:rPr spc="60" dirty="0"/>
               <a:t> </a:t>
             </a:r>
             <a:r>
-              <a:rPr lang="de-de" spc="-5" dirty="0"/>
-              <a:t>機密資訊。</a:t>
+              <a:rPr spc="-5" dirty="0"/>
+              <a:t>Confidential.</a:t>
             </a:r>
           </a:p>
         </p:txBody>
@@ -6586,14 +6991,14 @@
           <p:nvPr>
             <p:extLst>
               <p:ext uri="{D42A27DB-BD31-4B8C-83A1-F6EECF244321}">
-                <p14:modId xmlns:p14="http://schemas.microsoft.com/office/powerpoint/2010/main" val="2504301729"/>
+                <p14:modId xmlns:p14="http://schemas.microsoft.com/office/powerpoint/2010/main" val="4081524108"/>
               </p:ext>
             </p:extLst>
           </p:nvPr>
         </p:nvGraphicFramePr>
         <p:xfrm>
           <a:off x="33527" y="7483227"/>
-          <a:ext cx="7705343" cy="2088582"/>
+          <a:ext cx="7705343" cy="2172787"/>
         </p:xfrm>
         <a:graphic>
           <a:graphicData uri="http://schemas.openxmlformats.org/drawingml/2006/table">
@@ -6653,14 +7058,14 @@
                         </a:spcBef>
                       </a:pPr>
                       <a:r>
-                        <a:rPr lang="de-de" sz="900" spc="0" dirty="0">
+                        <a:rPr sz="900" spc="0" dirty="0">
                           <a:solidFill>
                             <a:srgbClr val="020302"/>
                           </a:solidFill>
                           <a:latin typeface="Adobe Clean"/>
                           <a:cs typeface="Adobe Clean"/>
                         </a:rPr>
-                        <a:t>優先順序</a:t>
+                        <a:t>Priority</a:t>
                       </a:r>
                       <a:endParaRPr sz="900" spc="0" dirty="0">
                         <a:latin typeface="Adobe Clean"/>
@@ -6712,14 +7117,34 @@
                         </a:spcBef>
                       </a:pPr>
                       <a:r>
-                        <a:rPr lang="de-de" sz="900" spc="0" dirty="0">
+                        <a:rPr sz="900" spc="0" dirty="0">
                           <a:solidFill>
                             <a:srgbClr val="020302"/>
                           </a:solidFill>
                           <a:latin typeface="Adobe Clean"/>
                           <a:cs typeface="Adobe Clean"/>
                         </a:rPr>
-                        <a:t>線上支援</a:t>
+                        <a:t>Online </a:t>
+                      </a:r>
+                      <a:r>
+                        <a:rPr lang="en-US" sz="900" spc="0" dirty="0">
+                          <a:solidFill>
+                            <a:srgbClr val="020302"/>
+                          </a:solidFill>
+                          <a:latin typeface="Adobe Clean"/>
+                          <a:cs typeface="Adobe Clean"/>
+                        </a:rPr>
+                        <a:t> </a:t>
+                      </a:r>
+                      <a:r>
+                        <a:rPr sz="900" spc="0" dirty="0">
+                          <a:solidFill>
+                            <a:srgbClr val="020302"/>
+                          </a:solidFill>
+                          <a:latin typeface="Adobe Clean"/>
+                          <a:cs typeface="Adobe Clean"/>
+                        </a:rPr>
+                        <a:t>Support</a:t>
                       </a:r>
                       <a:endParaRPr sz="900" spc="0" dirty="0">
                         <a:latin typeface="Adobe Clean"/>
@@ -6746,11 +7171,14 @@
                       </a:solidFill>
                       <a:prstDash val="solid"/>
                     </a:lnT>
-                    <a:lnB w="76200">
+                    <a:lnB w="76200" cap="flat" cmpd="sng" algn="ctr">
                       <a:solidFill>
                         <a:srgbClr val="858585"/>
                       </a:solidFill>
                       <a:prstDash val="solid"/>
+                      <a:round/>
+                      <a:headEnd type="none" w="med" len="med"/>
+                      <a:tailEnd type="none" w="med" len="med"/>
                     </a:lnB>
                     <a:solidFill>
                       <a:srgbClr val="D9D9D9"/>
@@ -6771,14 +7199,34 @@
                         </a:spcBef>
                       </a:pPr>
                       <a:r>
-                        <a:rPr lang="de-de" sz="900" spc="0" dirty="0">
+                        <a:rPr sz="900" spc="0" dirty="0">
                           <a:solidFill>
                             <a:srgbClr val="FFFFFF"/>
                           </a:solidFill>
                           <a:latin typeface="Adobe Clean"/>
                           <a:cs typeface="Adobe Clean"/>
                         </a:rPr>
-                        <a:t>商務支援</a:t>
+                        <a:t>Business</a:t>
+                      </a:r>
+                      <a:r>
+                        <a:rPr lang="en-US" sz="900" spc="0" dirty="0">
+                          <a:solidFill>
+                            <a:srgbClr val="FFFFFF"/>
+                          </a:solidFill>
+                          <a:latin typeface="Adobe Clean"/>
+                          <a:cs typeface="Adobe Clean"/>
+                        </a:rPr>
+                        <a:t> </a:t>
+                      </a:r>
+                      <a:r>
+                        <a:rPr sz="900" spc="0" dirty="0">
+                          <a:solidFill>
+                            <a:srgbClr val="FFFFFF"/>
+                          </a:solidFill>
+                          <a:latin typeface="Adobe Clean"/>
+                          <a:cs typeface="Adobe Clean"/>
+                        </a:rPr>
+                        <a:t>Support</a:t>
                       </a:r>
                       <a:endParaRPr sz="900" spc="0" dirty="0">
                         <a:latin typeface="Adobe Clean"/>
@@ -6805,11 +7253,14 @@
                       </a:solidFill>
                       <a:prstDash val="solid"/>
                     </a:lnT>
-                    <a:lnB w="76200">
+                    <a:lnB w="76200" cap="flat" cmpd="sng" algn="ctr">
                       <a:solidFill>
                         <a:srgbClr val="ACD2FF"/>
                       </a:solidFill>
                       <a:prstDash val="solid"/>
+                      <a:round/>
+                      <a:headEnd type="none" w="med" len="med"/>
+                      <a:tailEnd type="none" w="med" len="med"/>
                     </a:lnB>
                     <a:solidFill>
                       <a:srgbClr val="7D7D7D"/>
@@ -6830,14 +7281,34 @@
                         </a:spcBef>
                       </a:pPr>
                       <a:r>
-                        <a:rPr lang="de-de" sz="900" spc="0" dirty="0">
+                        <a:rPr sz="900" spc="0" dirty="0">
                           <a:solidFill>
                             <a:srgbClr val="FFFFFF"/>
                           </a:solidFill>
                           <a:latin typeface="Adobe Clean"/>
                           <a:cs typeface="Adobe Clean"/>
                         </a:rPr>
-                        <a:t>企業支援</a:t>
+                        <a:t>Enterprise </a:t>
+                      </a:r>
+                      <a:r>
+                        <a:rPr lang="en-US" sz="900" spc="0" dirty="0">
+                          <a:solidFill>
+                            <a:srgbClr val="FFFFFF"/>
+                          </a:solidFill>
+                          <a:latin typeface="Adobe Clean"/>
+                          <a:cs typeface="Adobe Clean"/>
+                        </a:rPr>
+                        <a:t> </a:t>
+                      </a:r>
+                      <a:r>
+                        <a:rPr sz="900" spc="0" dirty="0">
+                          <a:solidFill>
+                            <a:srgbClr val="FFFFFF"/>
+                          </a:solidFill>
+                          <a:latin typeface="Adobe Clean"/>
+                          <a:cs typeface="Adobe Clean"/>
+                        </a:rPr>
+                        <a:t>Support</a:t>
                       </a:r>
                       <a:endParaRPr sz="900" spc="0" dirty="0">
                         <a:latin typeface="Adobe Clean"/>
@@ -6864,11 +7335,14 @@
                       </a:solidFill>
                       <a:prstDash val="solid"/>
                     </a:lnT>
-                    <a:lnB w="76200">
+                    <a:lnB w="76200" cap="flat" cmpd="sng" algn="ctr">
                       <a:solidFill>
                         <a:srgbClr val="2E8FFF"/>
                       </a:solidFill>
                       <a:prstDash val="solid"/>
+                      <a:round/>
+                      <a:headEnd type="none" w="med" len="med"/>
+                      <a:tailEnd type="none" w="med" len="med"/>
                     </a:lnB>
                     <a:solidFill>
                       <a:srgbClr val="404040"/>
@@ -6889,14 +7363,34 @@
                         </a:spcBef>
                       </a:pPr>
                       <a:r>
-                        <a:rPr lang="de-de" sz="900" spc="0" dirty="0">
+                        <a:rPr sz="900" spc="0" dirty="0">
                           <a:solidFill>
                             <a:srgbClr val="FFFFFF"/>
                           </a:solidFill>
                           <a:latin typeface="Adobe Clean"/>
                           <a:cs typeface="Adobe Clean"/>
                         </a:rPr>
-                        <a:t>菁英支援</a:t>
+                        <a:t>Elite</a:t>
+                      </a:r>
+                      <a:r>
+                        <a:rPr lang="en-US" sz="900" spc="0" dirty="0">
+                          <a:solidFill>
+                            <a:srgbClr val="FFFFFF"/>
+                          </a:solidFill>
+                          <a:latin typeface="Adobe Clean"/>
+                          <a:cs typeface="Adobe Clean"/>
+                        </a:rPr>
+                        <a:t> </a:t>
+                      </a:r>
+                      <a:r>
+                        <a:rPr sz="900" spc="0" dirty="0">
+                          <a:solidFill>
+                            <a:srgbClr val="FFFFFF"/>
+                          </a:solidFill>
+                          <a:latin typeface="Adobe Clean"/>
+                          <a:cs typeface="Adobe Clean"/>
+                        </a:rPr>
+                        <a:t>Support</a:t>
                       </a:r>
                       <a:endParaRPr sz="900" spc="0" dirty="0">
                         <a:latin typeface="Adobe Clean"/>
@@ -6923,11 +7417,14 @@
                       </a:solidFill>
                       <a:prstDash val="solid"/>
                     </a:lnT>
-                    <a:lnB w="76200">
+                    <a:lnB w="76200" cap="flat" cmpd="sng" algn="ctr">
                       <a:solidFill>
                         <a:srgbClr val="0068E1"/>
                       </a:solidFill>
                       <a:prstDash val="solid"/>
+                      <a:round/>
+                      <a:headEnd type="none" w="med" len="med"/>
+                      <a:tailEnd type="none" w="med" len="med"/>
                     </a:lnB>
                     <a:solidFill>
                       <a:srgbClr val="000000"/>
@@ -6955,14 +7452,14 @@
                         </a:spcBef>
                       </a:pPr>
                       <a:r>
-                        <a:rPr lang="de-de" sz="900" b="1" spc="0" dirty="0">
+                        <a:rPr sz="900" b="1" spc="0" dirty="0">
                           <a:solidFill>
                             <a:srgbClr val="020302"/>
                           </a:solidFill>
                           <a:latin typeface="Adobe Clean"/>
                           <a:cs typeface="Adobe Clean"/>
                         </a:rPr>
-                        <a:t>優先順序 1</a:t>
+                        <a:t>PRIORITY 1</a:t>
                       </a:r>
                       <a:endParaRPr sz="900" spc="0" dirty="0">
                         <a:latin typeface="Adobe Clean"/>
@@ -6979,14 +7476,14 @@
                         </a:spcBef>
                       </a:pPr>
                       <a:r>
-                        <a:rPr lang="de-de" sz="900" b="0" i="0" spc="0" dirty="0">
+                        <a:rPr lang="en-US" sz="900" b="0" i="0" spc="0" dirty="0">
                           <a:solidFill>
                             <a:srgbClr val="000000"/>
                           </a:solidFill>
                           <a:effectLst/>
                           <a:latin typeface="Adobe Clean Light" panose="020B0303020404020204" pitchFamily="34" charset="0"/>
                         </a:rPr>
-                        <a:t>客戶的生產業務功能已停止或發生重大資料遺失或服務降級狀況，需要立即關注以恢復功能與可用性。</a:t>
+                        <a:t>Customer's production business functions are down or have significant data loss or service degradation and immediate attention is required to restore functionality and usability. </a:t>
                       </a:r>
                       <a:endParaRPr sz="900" spc="0" dirty="0">
                         <a:latin typeface="AdobeClean-Light"/>
@@ -7001,11 +7498,14 @@
                       </a:solidFill>
                       <a:prstDash val="solid"/>
                     </a:lnL>
-                    <a:lnR w="3175">
+                    <a:lnR w="3175" cap="flat" cmpd="sng" algn="ctr">
                       <a:solidFill>
                         <a:srgbClr val="B7B8B8"/>
                       </a:solidFill>
                       <a:prstDash val="solid"/>
+                      <a:round/>
+                      <a:headEnd type="none" w="med" len="med"/>
+                      <a:tailEnd type="none" w="med" len="med"/>
                     </a:lnR>
                     <a:lnT w="3175">
                       <a:solidFill>
@@ -7026,31 +7526,20 @@
                     <a:bodyPr/>
                     <a:lstStyle/>
                     <a:p>
-                      <a:pPr marL="0" marR="325120" indent="-3810" algn="ctr">
-                        <a:lnSpc>
-                          <a:spcPct val="100000"/>
-                        </a:lnSpc>
-                        <a:spcBef>
-                          <a:spcPts val="670"/>
-                        </a:spcBef>
-                      </a:pPr>
+                      <a:pPr algn="ctr" fontAlgn="t"/>
                       <a:r>
-                        <a:rPr lang="de-de" sz="900" spc="0" dirty="0">
+                        <a:rPr lang="en-US" sz="900" b="0" i="0" u="none" strike="noStrike">
                           <a:solidFill>
                             <a:srgbClr val="020302"/>
                           </a:solidFill>
-                          <a:latin typeface="AdobeClean-Light"/>
-                          <a:cs typeface="AdobeClean-Light"/>
+                          <a:effectLst/>
+                          <a:latin typeface="AdobeClean-Light" panose="020B0503020404020204" pitchFamily="34" charset="0"/>
                         </a:rPr>
-                        <a:t>全年無休 /                1 小時</a:t>
+                        <a:t>24x7 / 1 hour</a:t>
                       </a:r>
-                      <a:endParaRPr sz="900" spc="0" dirty="0">
-                        <a:latin typeface="AdobeClean-Light"/>
-                        <a:cs typeface="AdobeClean-Light"/>
-                      </a:endParaRPr>
-                    </a:p>
-                  </a:txBody>
-                  <a:tcPr marL="0" marR="0" marT="0" marB="0" anchor="ctr">
+                    </a:p>
+                  </a:txBody>
+                  <a:tcPr marL="9525" marR="9525" marT="9525" marB="0" anchor="ctr">
                     <a:lnL w="3175">
                       <a:solidFill>
                         <a:srgbClr val="B7B8B8"/>
@@ -7082,31 +7571,20 @@
                     <a:bodyPr/>
                     <a:lstStyle/>
                     <a:p>
-                      <a:pPr marL="0" marR="325755" indent="-3810" algn="ctr">
-                        <a:lnSpc>
-                          <a:spcPct val="100000"/>
-                        </a:lnSpc>
-                        <a:spcBef>
-                          <a:spcPts val="670"/>
-                        </a:spcBef>
-                      </a:pPr>
+                      <a:pPr algn="ctr" fontAlgn="t"/>
                       <a:r>
-                        <a:rPr lang="de-de" sz="900" spc="0" dirty="0">
+                        <a:rPr lang="en-US" sz="900" b="0" i="0" u="none" strike="noStrike">
                           <a:solidFill>
                             <a:srgbClr val="020302"/>
                           </a:solidFill>
-                          <a:latin typeface="AdobeClean-Light"/>
-                          <a:cs typeface="AdobeClean-Light"/>
+                          <a:effectLst/>
+                          <a:latin typeface="AdobeClean-Light" panose="020B0503020404020204" pitchFamily="34" charset="0"/>
                         </a:rPr>
-                        <a:t>全年無休 /              1 小時</a:t>
+                        <a:t>24x7 / 1 hour</a:t>
                       </a:r>
-                      <a:endParaRPr sz="900" spc="0" dirty="0">
-                        <a:latin typeface="AdobeClean-Light"/>
-                        <a:cs typeface="AdobeClean-Light"/>
-                      </a:endParaRPr>
-                    </a:p>
-                  </a:txBody>
-                  <a:tcPr marL="0" marR="0" marT="0" marB="0" anchor="ctr">
+                    </a:p>
+                  </a:txBody>
+                  <a:tcPr marL="9525" marR="9525" marT="9525" marB="0" anchor="ctr">
                     <a:lnL w="3175">
                       <a:solidFill>
                         <a:srgbClr val="B7B8B8"/>
@@ -7138,31 +7616,20 @@
                     <a:bodyPr/>
                     <a:lstStyle/>
                     <a:p>
-                      <a:pPr marL="0" marR="258445" indent="115570" algn="ctr">
-                        <a:lnSpc>
-                          <a:spcPct val="100000"/>
-                        </a:lnSpc>
-                        <a:spcBef>
-                          <a:spcPts val="670"/>
-                        </a:spcBef>
-                      </a:pPr>
+                      <a:pPr algn="ctr" fontAlgn="t"/>
                       <a:r>
-                        <a:rPr lang="de-de" sz="900" spc="0" dirty="0">
+                        <a:rPr lang="en-US" sz="900" b="0" i="0" u="none" strike="noStrike">
                           <a:solidFill>
                             <a:srgbClr val="020302"/>
                           </a:solidFill>
-                          <a:latin typeface="AdobeClean-Light"/>
-                          <a:cs typeface="AdobeClean-Light"/>
+                          <a:effectLst/>
+                          <a:latin typeface="AdobeClean-Light" panose="020B0503020404020204" pitchFamily="34" charset="0"/>
                         </a:rPr>
-                        <a:t>全年無休 /           30 分鐘</a:t>
+                        <a:t>24x7 / 30 minutes</a:t>
                       </a:r>
-                      <a:endParaRPr sz="900" spc="0" dirty="0">
-                        <a:latin typeface="AdobeClean-Light"/>
-                        <a:cs typeface="AdobeClean-Light"/>
-                      </a:endParaRPr>
-                    </a:p>
-                  </a:txBody>
-                  <a:tcPr marL="0" marR="0" marT="0" marB="0" anchor="ctr">
+                    </a:p>
+                  </a:txBody>
+                  <a:tcPr marL="9525" marR="9525" marT="9525" marB="0" anchor="ctr">
                     <a:lnL w="3175">
                       <a:solidFill>
                         <a:srgbClr val="B7B8B8"/>
@@ -7194,31 +7661,20 @@
                     <a:bodyPr/>
                     <a:lstStyle/>
                     <a:p>
-                      <a:pPr marL="0" marR="271780" indent="103505" algn="ctr">
-                        <a:lnSpc>
-                          <a:spcPct val="100000"/>
-                        </a:lnSpc>
-                        <a:spcBef>
-                          <a:spcPts val="670"/>
-                        </a:spcBef>
-                      </a:pPr>
+                      <a:pPr algn="ctr" fontAlgn="t"/>
                       <a:r>
-                        <a:rPr lang="de-de" sz="900" spc="0" dirty="0">
+                        <a:rPr lang="en-US" sz="900" b="0" i="0" u="none" strike="noStrike">
                           <a:solidFill>
                             <a:srgbClr val="020302"/>
                           </a:solidFill>
-                          <a:latin typeface="AdobeClean-Light"/>
-                          <a:cs typeface="AdobeClean-Light"/>
+                          <a:effectLst/>
+                          <a:latin typeface="AdobeClean-Light" panose="020B0503020404020204" pitchFamily="34" charset="0"/>
                         </a:rPr>
-                        <a:t>全年無休 /         15 分鐘</a:t>
+                        <a:t>24x7 / 15 minutes</a:t>
                       </a:r>
-                      <a:endParaRPr sz="900" spc="0" dirty="0">
-                        <a:latin typeface="AdobeClean-Light"/>
-                        <a:cs typeface="AdobeClean-Light"/>
-                      </a:endParaRPr>
-                    </a:p>
-                  </a:txBody>
-                  <a:tcPr marL="0" marR="0" marT="0" marB="0" anchor="ctr">
+                    </a:p>
+                  </a:txBody>
+                  <a:tcPr marL="9525" marR="9525" marT="9525" marB="0" anchor="ctr">
                     <a:lnL w="3175">
                       <a:solidFill>
                         <a:srgbClr val="B7B8B8"/>
@@ -7266,14 +7722,14 @@
                         </a:spcBef>
                       </a:pPr>
                       <a:r>
-                        <a:rPr lang="de-de" sz="900" b="1" spc="0" dirty="0">
+                        <a:rPr sz="900" b="1" spc="0" dirty="0">
                           <a:solidFill>
                             <a:srgbClr val="020302"/>
                           </a:solidFill>
                           <a:latin typeface="Adobe Clean"/>
                           <a:cs typeface="Adobe Clean"/>
                         </a:rPr>
-                        <a:t>優先順序 2</a:t>
+                        <a:t>PRIORITY 2</a:t>
                       </a:r>
                       <a:endParaRPr sz="900" spc="0" dirty="0">
                         <a:latin typeface="Adobe Clean"/>
@@ -7299,14 +7755,14 @@
                         <a:defRPr/>
                       </a:pPr>
                       <a:r>
-                        <a:rPr lang="de-de" sz="900" b="0" i="0" spc="0" dirty="0">
+                        <a:rPr lang="en-US" sz="900" b="0" i="0" spc="0" dirty="0">
                           <a:solidFill>
                             <a:srgbClr val="000000"/>
                           </a:solidFill>
                           <a:effectLst/>
                           <a:latin typeface="Adobe Clean Light" panose="020B0303020404020204" pitchFamily="34" charset="0"/>
                         </a:rPr>
-                        <a:t>客戶的業務功能發生嚴重的服務降級狀況，或是可能發生資料遺失，或是主要功能受到了影響</a:t>
+                        <a:t>Customer's business functions have major service degradation or potential data loss, or a major feature is impacted </a:t>
                       </a:r>
                       <a:endParaRPr sz="900" b="0" i="0" spc="0" dirty="0">
                         <a:latin typeface="Adobe Clean Light" panose="020B0303020404020204" pitchFamily="34" charset="0"/>
@@ -7321,11 +7777,14 @@
                       </a:solidFill>
                       <a:prstDash val="solid"/>
                     </a:lnL>
-                    <a:lnR w="3175">
+                    <a:lnR w="3175" cap="flat" cmpd="sng" algn="ctr">
                       <a:solidFill>
                         <a:srgbClr val="B7B8B8"/>
                       </a:solidFill>
                       <a:prstDash val="solid"/>
+                      <a:round/>
+                      <a:headEnd type="none" w="med" len="med"/>
+                      <a:tailEnd type="none" w="med" len="med"/>
                     </a:lnR>
                     <a:lnT w="3175">
                       <a:solidFill>
@@ -7346,31 +7805,20 @@
                     <a:bodyPr/>
                     <a:lstStyle/>
                     <a:p>
-                      <a:pPr marL="0" marR="184785" indent="-193675" algn="ctr">
-                        <a:lnSpc>
-                          <a:spcPct val="100000"/>
-                        </a:lnSpc>
-                        <a:spcBef>
-                          <a:spcPts val="670"/>
-                        </a:spcBef>
-                      </a:pPr>
+                      <a:pPr algn="ctr" fontAlgn="t"/>
                       <a:r>
-                        <a:rPr lang="de-de" sz="900" spc="0" dirty="0">
+                        <a:rPr lang="en-US" sz="900" b="0" i="0" u="none" strike="noStrike">
                           <a:solidFill>
                             <a:srgbClr val="020302"/>
                           </a:solidFill>
-                          <a:latin typeface="AdobeClean-Light"/>
-                          <a:cs typeface="AdobeClean-Light"/>
+                          <a:effectLst/>
+                          <a:latin typeface="AdobeClean-Light" panose="020B0503020404020204" pitchFamily="34" charset="0"/>
                         </a:rPr>
-                        <a:t>營業時間 /           4 小時</a:t>
+                        <a:t>Business hours / 4 hours</a:t>
                       </a:r>
-                      <a:endParaRPr sz="900" spc="0" dirty="0">
-                        <a:latin typeface="AdobeClean-Light"/>
-                        <a:cs typeface="AdobeClean-Light"/>
-                      </a:endParaRPr>
-                    </a:p>
-                  </a:txBody>
-                  <a:tcPr marL="0" marR="0" marT="0" marB="0" anchor="ctr">
+                    </a:p>
+                  </a:txBody>
+                  <a:tcPr marL="9525" marR="9525" marT="9525" marB="0" anchor="ctr">
                     <a:lnL w="3175">
                       <a:solidFill>
                         <a:srgbClr val="B7B8B8"/>
@@ -7402,31 +7850,20 @@
                     <a:bodyPr/>
                     <a:lstStyle/>
                     <a:p>
-                      <a:pPr marL="0" marR="184785" indent="-194310" algn="ctr">
-                        <a:lnSpc>
-                          <a:spcPct val="100000"/>
-                        </a:lnSpc>
-                        <a:spcBef>
-                          <a:spcPts val="670"/>
-                        </a:spcBef>
-                      </a:pPr>
+                      <a:pPr algn="ctr" fontAlgn="t"/>
                       <a:r>
-                        <a:rPr lang="de-de" sz="900" spc="0" dirty="0">
+                        <a:rPr lang="en-US" sz="900" b="0" i="0" u="none" strike="noStrike">
                           <a:solidFill>
                             <a:srgbClr val="020302"/>
                           </a:solidFill>
-                          <a:latin typeface="AdobeClean-Light"/>
-                          <a:cs typeface="AdobeClean-Light"/>
+                          <a:effectLst/>
+                          <a:latin typeface="AdobeClean-Light" panose="020B0503020404020204" pitchFamily="34" charset="0"/>
                         </a:rPr>
-                        <a:t>營業時間 /          2 小時</a:t>
+                        <a:t>Business hours / 2 hours</a:t>
                       </a:r>
-                      <a:endParaRPr sz="900" spc="0" dirty="0">
-                        <a:latin typeface="AdobeClean-Light"/>
-                        <a:cs typeface="AdobeClean-Light"/>
-                      </a:endParaRPr>
-                    </a:p>
-                  </a:txBody>
-                  <a:tcPr marL="0" marR="0" marT="0" marB="0" anchor="ctr">
+                    </a:p>
+                  </a:txBody>
+                  <a:tcPr marL="9525" marR="9525" marT="9525" marB="0" anchor="ctr">
                     <a:lnL w="3175">
                       <a:solidFill>
                         <a:srgbClr val="B7B8B8"/>
@@ -7458,31 +7895,20 @@
                     <a:bodyPr/>
                     <a:lstStyle/>
                     <a:p>
-                      <a:pPr marL="0" marR="325755" indent="-5715" algn="ctr">
-                        <a:lnSpc>
-                          <a:spcPct val="100000"/>
-                        </a:lnSpc>
-                        <a:spcBef>
-                          <a:spcPts val="670"/>
-                        </a:spcBef>
-                      </a:pPr>
+                      <a:pPr algn="ctr" fontAlgn="t"/>
                       <a:r>
-                        <a:rPr lang="de-de" sz="900" spc="0" dirty="0">
+                        <a:rPr lang="en-US" sz="900" b="0" i="0" u="none" strike="noStrike">
                           <a:solidFill>
                             <a:srgbClr val="020302"/>
                           </a:solidFill>
-                          <a:latin typeface="AdobeClean-Light"/>
-                          <a:cs typeface="AdobeClean-Light"/>
+                          <a:effectLst/>
+                          <a:latin typeface="AdobeClean-Light" panose="020B0503020404020204" pitchFamily="34" charset="0"/>
                         </a:rPr>
-                        <a:t>24x5 /                1 小時</a:t>
+                        <a:t>24x5 / 1 hour</a:t>
                       </a:r>
-                      <a:endParaRPr sz="900" spc="0" dirty="0">
-                        <a:latin typeface="AdobeClean-Light"/>
-                        <a:cs typeface="AdobeClean-Light"/>
-                      </a:endParaRPr>
-                    </a:p>
-                  </a:txBody>
-                  <a:tcPr marL="0" marR="0" marT="0" marB="0" anchor="ctr">
+                    </a:p>
+                  </a:txBody>
+                  <a:tcPr marL="9525" marR="9525" marT="9525" marB="0" anchor="ctr">
                     <a:lnL w="3175">
                       <a:solidFill>
                         <a:srgbClr val="B7B8B8"/>
@@ -7514,31 +7940,20 @@
                     <a:bodyPr/>
                     <a:lstStyle/>
                     <a:p>
-                      <a:pPr marL="0" marR="259079" indent="111760" algn="ctr">
-                        <a:lnSpc>
-                          <a:spcPct val="100000"/>
-                        </a:lnSpc>
-                        <a:spcBef>
-                          <a:spcPts val="670"/>
-                        </a:spcBef>
-                      </a:pPr>
+                      <a:pPr algn="ctr" fontAlgn="t"/>
                       <a:r>
-                        <a:rPr lang="de-de" sz="900" spc="0" dirty="0">
+                        <a:rPr lang="en-US" sz="900" b="0" i="0" u="none" strike="noStrike">
                           <a:solidFill>
                             <a:srgbClr val="020302"/>
                           </a:solidFill>
-                          <a:latin typeface="AdobeClean-Light"/>
-                          <a:cs typeface="AdobeClean-Light"/>
+                          <a:effectLst/>
+                          <a:latin typeface="AdobeClean-Light" panose="020B0503020404020204" pitchFamily="34" charset="0"/>
                         </a:rPr>
-                        <a:t>24x5 /         30 分鐘</a:t>
+                        <a:t>24x5 / 30 minutes</a:t>
                       </a:r>
-                      <a:endParaRPr sz="900" spc="0" dirty="0">
-                        <a:latin typeface="AdobeClean-Light"/>
-                        <a:cs typeface="AdobeClean-Light"/>
-                      </a:endParaRPr>
-                    </a:p>
-                  </a:txBody>
-                  <a:tcPr marL="0" marR="0" marT="0" marB="0" anchor="ctr">
+                    </a:p>
+                  </a:txBody>
+                  <a:tcPr marL="9525" marR="9525" marT="9525" marB="0" anchor="ctr">
                     <a:lnL w="3175">
                       <a:solidFill>
                         <a:srgbClr val="B7B8B8"/>
@@ -7586,14 +8001,24 @@
                         </a:spcBef>
                       </a:pPr>
                       <a:r>
-                        <a:rPr lang="de-de" sz="900" b="1" spc="0" dirty="0">
+                        <a:rPr sz="900" b="1" spc="0" dirty="0">
                           <a:solidFill>
                             <a:srgbClr val="020302"/>
                           </a:solidFill>
                           <a:latin typeface="Adobe Clean"/>
                           <a:cs typeface="Adobe Clean"/>
                         </a:rPr>
-                        <a:t>優先順序 3</a:t>
+                        <a:t>PRIORITY</a:t>
+                      </a:r>
+                      <a:r>
+                        <a:rPr lang="en-US" sz="900" b="1" spc="0" dirty="0">
+                          <a:solidFill>
+                            <a:srgbClr val="020302"/>
+                          </a:solidFill>
+                          <a:latin typeface="Adobe Clean"/>
+                          <a:cs typeface="Adobe Clean"/>
+                        </a:rPr>
+                        <a:t> 3</a:t>
                       </a:r>
                       <a:endParaRPr lang="en-US" sz="900" spc="0" dirty="0">
                         <a:latin typeface="Adobe Clean"/>
@@ -7619,7 +8044,7 @@
                         <a:defRPr/>
                       </a:pPr>
                       <a:r>
-                        <a:rPr kumimoji="0" lang="de-de" sz="900" b="0" i="0" u="none" strike="noStrike" kern="1200" cap="none" spc="0" normalizeH="0" baseline="0" noProof="0" dirty="0">
+                        <a:rPr kumimoji="0" lang="en-US" sz="900" b="0" i="0" u="none" strike="noStrike" kern="1200" cap="none" spc="0" normalizeH="0" baseline="0" noProof="0" dirty="0">
                           <a:ln>
                             <a:noFill/>
                           </a:ln>
@@ -7633,7 +8058,7 @@
                           <a:ea typeface="+mn-ea"/>
                           <a:cs typeface="+mn-cs"/>
                         </a:rPr>
-                        <a:t>客戶的業務功能發生了輕微服務降級狀況，但有解決/變通方法讓業務功能得以繼續正常運作</a:t>
+                        <a:t>Customer's business functions have minor service degradation but there exists a solution/workaround allowing business functions to continue normally </a:t>
                       </a:r>
                       <a:endParaRPr lang="en-US" sz="900" b="0" i="0" spc="0" dirty="0">
                         <a:latin typeface="Adobe Clean Light" panose="020B0303020404020204" pitchFamily="34" charset="0"/>
@@ -7648,11 +8073,14 @@
                       </a:solidFill>
                       <a:prstDash val="solid"/>
                     </a:lnL>
-                    <a:lnR w="3175">
+                    <a:lnR w="3175" cap="flat" cmpd="sng" algn="ctr">
                       <a:solidFill>
                         <a:srgbClr val="B7B8B8"/>
                       </a:solidFill>
                       <a:prstDash val="solid"/>
+                      <a:round/>
+                      <a:headEnd type="none" w="med" len="med"/>
+                      <a:tailEnd type="none" w="med" len="med"/>
                     </a:lnR>
                     <a:lnT w="3175">
                       <a:solidFill>
@@ -7673,31 +8101,20 @@
                     <a:bodyPr/>
                     <a:lstStyle/>
                     <a:p>
-                      <a:pPr marL="0" marR="184150" indent="-189865" algn="ctr">
-                        <a:lnSpc>
-                          <a:spcPct val="100000"/>
-                        </a:lnSpc>
-                        <a:spcBef>
-                          <a:spcPts val="645"/>
-                        </a:spcBef>
-                      </a:pPr>
+                      <a:pPr algn="ctr" fontAlgn="t"/>
                       <a:r>
-                        <a:rPr lang="de-de" sz="900" spc="0" dirty="0">
+                        <a:rPr lang="en-US" sz="900" b="0" i="0" u="none" strike="noStrike">
                           <a:solidFill>
                             <a:srgbClr val="020302"/>
                           </a:solidFill>
-                          <a:latin typeface="AdobeClean-Light"/>
-                          <a:cs typeface="AdobeClean-Light"/>
+                          <a:effectLst/>
+                          <a:latin typeface="AdobeClean-Light" panose="020B0503020404020204" pitchFamily="34" charset="0"/>
                         </a:rPr>
-                        <a:t>營業時間 /            6 小時</a:t>
+                        <a:t>Business hours / 6 hours</a:t>
                       </a:r>
-                      <a:endParaRPr sz="900" spc="0" dirty="0">
-                        <a:latin typeface="AdobeClean-Light"/>
-                        <a:cs typeface="AdobeClean-Light"/>
-                      </a:endParaRPr>
-                    </a:p>
-                  </a:txBody>
-                  <a:tcPr marL="0" marR="0" marT="0" marB="0" anchor="ctr">
+                    </a:p>
+                  </a:txBody>
+                  <a:tcPr marL="9525" marR="9525" marT="9525" marB="0" anchor="ctr">
                     <a:lnL w="3175">
                       <a:solidFill>
                         <a:srgbClr val="B7B8B8"/>
@@ -7729,51 +8146,65 @@
                     <a:bodyPr/>
                     <a:lstStyle/>
                     <a:p>
-                      <a:pPr marL="0" marR="185420" indent="-193675" algn="ctr">
-                        <a:lnSpc>
-                          <a:spcPct val="100000"/>
-                        </a:lnSpc>
-                        <a:spcBef>
-                          <a:spcPts val="645"/>
-                        </a:spcBef>
-                      </a:pPr>
+                      <a:pPr algn="ctr" fontAlgn="t"/>
                       <a:r>
-                        <a:rPr lang="de-de" sz="900" spc="0" dirty="0">
+                        <a:rPr lang="en-US" sz="900" b="0" i="0" u="none" strike="noStrike">
                           <a:solidFill>
                             <a:srgbClr val="020302"/>
                           </a:solidFill>
-                          <a:latin typeface="AdobeClean-Light"/>
-                          <a:cs typeface="AdobeClean-Light"/>
+                          <a:effectLst/>
+                          <a:latin typeface="AdobeClean-Light" panose="020B0503020404020204" pitchFamily="34" charset="0"/>
                         </a:rPr>
-                        <a:t>營業時間 /  </a:t>
+                        <a:t>Business hours /  4 hours</a:t>
                       </a:r>
                     </a:p>
-                    <a:p>
-                      <a:pPr marL="0" marR="185420" indent="-193675" algn="ctr">
-                        <a:lnSpc>
-                          <a:spcPct val="100000"/>
-                        </a:lnSpc>
-                        <a:spcBef>
-                          <a:spcPts val="645"/>
-                        </a:spcBef>
-                      </a:pPr>
+                  </a:txBody>
+                  <a:tcPr marL="9525" marR="9525" marT="9525" marB="0" anchor="ctr">
+                    <a:lnL w="3175">
+                      <a:solidFill>
+                        <a:srgbClr val="B7B8B8"/>
+                      </a:solidFill>
+                      <a:prstDash val="solid"/>
+                    </a:lnL>
+                    <a:lnR w="3175">
+                      <a:solidFill>
+                        <a:srgbClr val="B7B8B8"/>
+                      </a:solidFill>
+                      <a:prstDash val="solid"/>
+                    </a:lnR>
+                    <a:lnT w="3175">
+                      <a:solidFill>
+                        <a:srgbClr val="B7B8B8"/>
+                      </a:solidFill>
+                      <a:prstDash val="solid"/>
+                    </a:lnT>
+                    <a:lnB w="3175">
+                      <a:solidFill>
+                        <a:srgbClr val="B7B8B8"/>
+                      </a:solidFill>
+                      <a:prstDash val="solid"/>
+                    </a:lnB>
+                  </a:tcPr>
+                </a:tc>
+                <a:tc>
+                  <a:txBody>
+                    <a:bodyPr/>
+                    <a:lstStyle/>
+                    <a:p>
+                      <a:pPr algn="ctr" fontAlgn="t"/>
                       <a:r>
-                        <a:rPr lang="de-de" sz="900" spc="0" dirty="0">
+                        <a:rPr lang="en-US" sz="900" b="0" i="0" u="none" strike="noStrike">
                           <a:solidFill>
                             <a:srgbClr val="020302"/>
                           </a:solidFill>
-                          <a:latin typeface="AdobeClean-Light"/>
-                          <a:cs typeface="AdobeClean-Light"/>
+                          <a:effectLst/>
+                          <a:latin typeface="AdobeClean-Light" panose="020B0503020404020204" pitchFamily="34" charset="0"/>
                         </a:rPr>
-                        <a:t>4 小時</a:t>
+                        <a:t>Business hours / 2 hours</a:t>
                       </a:r>
-                      <a:endParaRPr sz="900" spc="0" dirty="0">
-                        <a:latin typeface="AdobeClean-Light"/>
-                        <a:cs typeface="AdobeClean-Light"/>
-                      </a:endParaRPr>
-                    </a:p>
-                  </a:txBody>
-                  <a:tcPr marL="0" marR="0" marT="0" marB="0" anchor="ctr">
+                    </a:p>
+                  </a:txBody>
+                  <a:tcPr marL="9525" marR="9525" marT="9525" marB="0" anchor="ctr">
                     <a:lnL w="3175">
                       <a:solidFill>
                         <a:srgbClr val="B7B8B8"/>
@@ -7805,107 +8236,20 @@
                     <a:bodyPr/>
                     <a:lstStyle/>
                     <a:p>
-                      <a:pPr marL="0" marR="184785" indent="-194310" algn="ctr">
-                        <a:lnSpc>
-                          <a:spcPct val="100000"/>
-                        </a:lnSpc>
-                        <a:spcBef>
-                          <a:spcPts val="645"/>
-                        </a:spcBef>
-                      </a:pPr>
+                      <a:pPr algn="ctr" fontAlgn="t"/>
                       <a:r>
-                        <a:rPr lang="de-de" sz="900" spc="0" dirty="0">
+                        <a:rPr lang="en-US" sz="900" b="0" i="0" u="none" strike="noStrike">
                           <a:solidFill>
                             <a:srgbClr val="020302"/>
                           </a:solidFill>
-                          <a:latin typeface="AdobeClean-Light"/>
-                          <a:cs typeface="AdobeClean-Light"/>
+                          <a:effectLst/>
+                          <a:latin typeface="AdobeClean-Light" panose="020B0503020404020204" pitchFamily="34" charset="0"/>
                         </a:rPr>
-                        <a:t>營業時間 / </a:t>
+                        <a:t>24x5 / 1 hour</a:t>
                       </a:r>
                     </a:p>
-                    <a:p>
-                      <a:pPr marL="0" marR="184785" indent="-194310" algn="ctr">
-                        <a:lnSpc>
-                          <a:spcPct val="100000"/>
-                        </a:lnSpc>
-                        <a:spcBef>
-                          <a:spcPts val="645"/>
-                        </a:spcBef>
-                      </a:pPr>
-                      <a:r>
-                        <a:rPr lang="de-de" sz="900" spc="0" dirty="0">
-                          <a:solidFill>
-                            <a:srgbClr val="020302"/>
-                          </a:solidFill>
-                          <a:latin typeface="AdobeClean-Light"/>
-                          <a:cs typeface="AdobeClean-Light"/>
-                        </a:rPr>
-                        <a:t>2 小時</a:t>
-                      </a:r>
-                      <a:endParaRPr sz="900" spc="0" dirty="0">
-                        <a:latin typeface="AdobeClean-Light"/>
-                        <a:cs typeface="AdobeClean-Light"/>
-                      </a:endParaRPr>
-                    </a:p>
-                  </a:txBody>
-                  <a:tcPr marL="0" marR="0" marT="0" marB="0" anchor="ctr">
-                    <a:lnL w="3175">
-                      <a:solidFill>
-                        <a:srgbClr val="B7B8B8"/>
-                      </a:solidFill>
-                      <a:prstDash val="solid"/>
-                    </a:lnL>
-                    <a:lnR w="3175">
-                      <a:solidFill>
-                        <a:srgbClr val="B7B8B8"/>
-                      </a:solidFill>
-                      <a:prstDash val="solid"/>
-                    </a:lnR>
-                    <a:lnT w="3175">
-                      <a:solidFill>
-                        <a:srgbClr val="B7B8B8"/>
-                      </a:solidFill>
-                      <a:prstDash val="solid"/>
-                    </a:lnT>
-                    <a:lnB w="3175">
-                      <a:solidFill>
-                        <a:srgbClr val="B7B8B8"/>
-                      </a:solidFill>
-                      <a:prstDash val="solid"/>
-                    </a:lnB>
-                  </a:tcPr>
-                </a:tc>
-                <a:tc>
-                  <a:txBody>
-                    <a:bodyPr/>
-                    <a:lstStyle/>
-                    <a:p>
-                      <a:pPr marL="0" marR="326390" indent="-5715" algn="ctr">
-                        <a:lnSpc>
-                          <a:spcPct val="100000"/>
-                        </a:lnSpc>
-                        <a:spcBef>
-                          <a:spcPts val="645"/>
-                        </a:spcBef>
-                      </a:pPr>
-                      <a:r>
-                        <a:rPr lang="de-de" sz="900" spc="0" dirty="0">
-                          <a:solidFill>
-                            <a:srgbClr val="020302"/>
-                          </a:solidFill>
-                          <a:latin typeface="AdobeClean-Light"/>
-                          <a:cs typeface="AdobeClean-Light"/>
-                        </a:rPr>
-                        <a:t>24x5 /             1 小時</a:t>
-                      </a:r>
-                      <a:endParaRPr sz="900" spc="0" dirty="0">
-                        <a:latin typeface="AdobeClean-Light"/>
-                        <a:cs typeface="AdobeClean-Light"/>
-                      </a:endParaRPr>
-                    </a:p>
-                  </a:txBody>
-                  <a:tcPr marL="0" marR="0" marT="0" marB="0" anchor="ctr">
+                  </a:txBody>
+                  <a:tcPr marL="9525" marR="9525" marT="9525" marB="0" anchor="ctr">
                     <a:lnL w="3175">
                       <a:solidFill>
                         <a:srgbClr val="B7B8B8"/>
@@ -7953,14 +8297,14 @@
                         </a:spcBef>
                       </a:pPr>
                       <a:r>
-                        <a:rPr lang="de-de" sz="900" b="1" spc="0" dirty="0">
+                        <a:rPr sz="900" b="1" spc="0" dirty="0">
                           <a:solidFill>
                             <a:srgbClr val="020302"/>
                           </a:solidFill>
                           <a:latin typeface="Adobe Clean"/>
                           <a:cs typeface="Adobe Clean"/>
                         </a:rPr>
-                        <a:t>優先順序 4</a:t>
+                        <a:t>PRIORITY 4</a:t>
                       </a:r>
                       <a:endParaRPr sz="900" spc="0" dirty="0">
                         <a:latin typeface="Adobe Clean"/>
@@ -7986,14 +8330,14 @@
                         <a:defRPr/>
                       </a:pPr>
                       <a:r>
-                        <a:rPr lang="de-de" sz="900" b="0" i="0" spc="0" dirty="0">
+                        <a:rPr lang="en-US" sz="900" b="0" i="0" spc="0" dirty="0">
                           <a:solidFill>
                             <a:srgbClr val="000000"/>
                           </a:solidFill>
                           <a:effectLst/>
                           <a:latin typeface="Adobe Clean Light" panose="020B0303020404020204" pitchFamily="34" charset="0"/>
                         </a:rPr>
-                        <a:t>有關目前產品功能或增強要求的一般性問題</a:t>
+                        <a:t>General question regarding current product functionality or an enhancement request </a:t>
                       </a:r>
                       <a:endParaRPr sz="900" b="0" i="0" spc="0" dirty="0">
                         <a:latin typeface="Adobe Clean Light" panose="020B0303020404020204" pitchFamily="34" charset="0"/>
@@ -8008,11 +8352,14 @@
                       </a:solidFill>
                       <a:prstDash val="solid"/>
                     </a:lnL>
-                    <a:lnR w="3175">
+                    <a:lnR w="3175" cap="flat" cmpd="sng" algn="ctr">
                       <a:solidFill>
                         <a:srgbClr val="B7B8B8"/>
                       </a:solidFill>
                       <a:prstDash val="solid"/>
+                      <a:round/>
+                      <a:headEnd type="none" w="med" len="med"/>
+                      <a:tailEnd type="none" w="med" len="med"/>
                     </a:lnR>
                     <a:lnT w="3175">
                       <a:solidFill>
@@ -8033,31 +8380,20 @@
                     <a:bodyPr/>
                     <a:lstStyle/>
                     <a:p>
-                      <a:pPr marL="0" marR="203200" indent="-193040" algn="ctr">
-                        <a:lnSpc>
-                          <a:spcPct val="100000"/>
-                        </a:lnSpc>
-                        <a:spcBef>
-                          <a:spcPts val="155"/>
-                        </a:spcBef>
-                      </a:pPr>
+                      <a:pPr algn="ctr" fontAlgn="t"/>
                       <a:r>
-                        <a:rPr lang="de-de" sz="900" spc="0" dirty="0">
+                        <a:rPr lang="en-US" sz="900" b="0" i="0" u="none" strike="noStrike">
                           <a:solidFill>
                             <a:srgbClr val="020302"/>
                           </a:solidFill>
-                          <a:latin typeface="AdobeClean-Light"/>
-                          <a:cs typeface="AdobeClean-Light"/>
+                          <a:effectLst/>
+                          <a:latin typeface="AdobeClean-Light" panose="020B0503020404020204" pitchFamily="34" charset="0"/>
                         </a:rPr>
-                        <a:t>營業日 / 3 天</a:t>
+                        <a:t>Business days / 3 days</a:t>
                       </a:r>
-                      <a:endParaRPr sz="900" spc="0" dirty="0">
-                        <a:latin typeface="AdobeClean-Light"/>
-                        <a:cs typeface="AdobeClean-Light"/>
-                      </a:endParaRPr>
-                    </a:p>
-                  </a:txBody>
-                  <a:tcPr marL="0" marR="0" marT="0" marB="0" anchor="ctr">
+                    </a:p>
+                  </a:txBody>
+                  <a:tcPr marL="9525" marR="9525" marT="9525" marB="0" anchor="ctr">
                     <a:lnL w="3175">
                       <a:solidFill>
                         <a:srgbClr val="B7B8B8"/>
@@ -8089,31 +8425,20 @@
                     <a:bodyPr/>
                     <a:lstStyle/>
                     <a:p>
-                      <a:pPr marL="0" marR="223520" indent="-202565" algn="ctr">
-                        <a:lnSpc>
-                          <a:spcPct val="100000"/>
-                        </a:lnSpc>
-                        <a:spcBef>
-                          <a:spcPts val="155"/>
-                        </a:spcBef>
-                      </a:pPr>
+                      <a:pPr algn="ctr" fontAlgn="t"/>
                       <a:r>
-                        <a:rPr lang="de-de" sz="900" spc="0" dirty="0">
+                        <a:rPr lang="en-US" sz="900" b="0" i="0" u="none" strike="noStrike">
                           <a:solidFill>
                             <a:srgbClr val="020302"/>
                           </a:solidFill>
-                          <a:latin typeface="AdobeClean-Light"/>
-                          <a:cs typeface="AdobeClean-Light"/>
+                          <a:effectLst/>
+                          <a:latin typeface="AdobeClean-Light" panose="020B0503020404020204" pitchFamily="34" charset="0"/>
                         </a:rPr>
-                        <a:t>營業日 / 1 天</a:t>
+                        <a:t>Business day / 1 day</a:t>
                       </a:r>
-                      <a:endParaRPr sz="900" spc="0" dirty="0">
-                        <a:latin typeface="AdobeClean-Light"/>
-                        <a:cs typeface="AdobeClean-Light"/>
-                      </a:endParaRPr>
-                    </a:p>
-                  </a:txBody>
-                  <a:tcPr marL="0" marR="0" marT="0" marB="0" anchor="ctr">
+                    </a:p>
+                  </a:txBody>
+                  <a:tcPr marL="9525" marR="9525" marT="9525" marB="0" anchor="ctr">
                     <a:lnL w="3175">
                       <a:solidFill>
                         <a:srgbClr val="B7B8B8"/>
@@ -8145,31 +8470,20 @@
                     <a:bodyPr/>
                     <a:lstStyle/>
                     <a:p>
-                      <a:pPr marL="0" marR="223520" indent="-202565" algn="ctr">
-                        <a:lnSpc>
-                          <a:spcPct val="100000"/>
-                        </a:lnSpc>
-                        <a:spcBef>
-                          <a:spcPts val="155"/>
-                        </a:spcBef>
-                      </a:pPr>
+                      <a:pPr algn="ctr" fontAlgn="t"/>
                       <a:r>
-                        <a:rPr lang="de-de" sz="900" spc="0" dirty="0">
+                        <a:rPr lang="en-US" sz="900" b="0" i="0" u="none" strike="noStrike">
                           <a:solidFill>
                             <a:srgbClr val="020302"/>
                           </a:solidFill>
-                          <a:latin typeface="AdobeClean-Light"/>
-                          <a:cs typeface="AdobeClean-Light"/>
+                          <a:effectLst/>
+                          <a:latin typeface="AdobeClean-Light" panose="020B0503020404020204" pitchFamily="34" charset="0"/>
                         </a:rPr>
-                        <a:t>營業日 / 1 天</a:t>
+                        <a:t>Business day / 1 day</a:t>
                       </a:r>
-                      <a:endParaRPr sz="900" spc="0" dirty="0">
-                        <a:latin typeface="AdobeClean-Light"/>
-                        <a:cs typeface="AdobeClean-Light"/>
-                      </a:endParaRPr>
-                    </a:p>
-                  </a:txBody>
-                  <a:tcPr marL="0" marR="0" marT="0" marB="0" anchor="ctr">
+                    </a:p>
+                  </a:txBody>
+                  <a:tcPr marL="9525" marR="9525" marT="9525" marB="0" anchor="ctr">
                     <a:lnL w="3175">
                       <a:solidFill>
                         <a:srgbClr val="B7B8B8"/>
@@ -8201,31 +8515,20 @@
                     <a:bodyPr/>
                     <a:lstStyle/>
                     <a:p>
-                      <a:pPr marL="0" marR="223520" indent="-202565" algn="ctr">
-                        <a:lnSpc>
-                          <a:spcPct val="100000"/>
-                        </a:lnSpc>
-                        <a:spcBef>
-                          <a:spcPts val="155"/>
-                        </a:spcBef>
-                      </a:pPr>
+                      <a:pPr algn="ctr" fontAlgn="t"/>
                       <a:r>
-                        <a:rPr lang="de-de" sz="900" spc="0" dirty="0">
+                        <a:rPr lang="en-US" sz="900" b="0" i="0" u="none" strike="noStrike" dirty="0">
                           <a:solidFill>
                             <a:srgbClr val="020302"/>
                           </a:solidFill>
-                          <a:latin typeface="AdobeClean-Light"/>
-                          <a:cs typeface="AdobeClean-Light"/>
+                          <a:effectLst/>
+                          <a:latin typeface="AdobeClean-Light" panose="020B0503020404020204" pitchFamily="34" charset="0"/>
                         </a:rPr>
-                        <a:t>營業日 / 1 天</a:t>
+                        <a:t>Business day / 1 day</a:t>
                       </a:r>
-                      <a:endParaRPr sz="900" spc="0" dirty="0">
-                        <a:latin typeface="AdobeClean-Light"/>
-                        <a:cs typeface="AdobeClean-Light"/>
-                      </a:endParaRPr>
-                    </a:p>
-                  </a:txBody>
-                  <a:tcPr marL="0" marR="0" marT="0" marB="0" anchor="ctr">
+                    </a:p>
+                  </a:txBody>
+                  <a:tcPr marL="9525" marR="9525" marT="9525" marB="0" anchor="ctr">
                     <a:lnL w="3175">
                       <a:solidFill>
                         <a:srgbClr val="B7B8B8"/>
@@ -8288,7 +8591,7 @@
           </a:prstGeom>
         </p:spPr>
         <p:txBody>
-          <a:bodyPr vert="horz" wrap="square" lIns="0" tIns="12700" rIns="0" bIns="0" rtlCol="0">
+          <a:bodyPr vert="horz" wrap="square" lIns="0" tIns="12700" rIns="0" bIns="0" rtlCol="0" anchor="t">
             <a:spAutoFit/>
           </a:bodyPr>
           <a:lstStyle/>
@@ -8302,10 +8605,16 @@
               </a:spcBef>
             </a:pPr>
             <a:r>
-              <a:rPr lang="de-de" sz="2300" dirty="0">
-                <a:latin typeface="Adobe Clean" panose="020B0503020404020204" pitchFamily="34" charset="0"/>
-              </a:rPr>
-              <a:t>Adobe 支援方案</a:t>
+              <a:rPr sz="2300" dirty="0">
+                <a:latin typeface="Adobe Clean"/>
+              </a:rPr>
+              <a:t>ADOBE </a:t>
+            </a:r>
+            <a:r>
+              <a:rPr lang="en-US" sz="2300" dirty="0">
+                <a:latin typeface="Adobe Clean"/>
+              </a:rPr>
+              <a:t>SUPPORT PLANS</a:t>
             </a:r>
             <a:endParaRPr sz="2300" dirty="0">
               <a:latin typeface="Adobe Clean" panose="020B0503020404020204" pitchFamily="34" charset="0"/>
@@ -8342,7 +8651,7 @@
           <a:lstStyle/>
           <a:p>
             <a:r>
-              <a:rPr lang="de-de" sz="700" i="1" dirty="0">
+              <a:rPr lang="en-US" sz="700" i="1" dirty="0">
                 <a:solidFill>
                   <a:schemeClr val="bg1"/>
                 </a:solidFill>
@@ -8586,7 +8895,7 @@
           </a:prstGeom>
         </p:spPr>
         <p:txBody>
-          <a:bodyPr vert="horz" wrap="square" lIns="0" tIns="35560" rIns="0" bIns="0" rtlCol="0">
+          <a:bodyPr vert="horz" wrap="square" lIns="0" tIns="35560" rIns="0" bIns="0" rtlCol="0" anchor="t">
             <a:spAutoFit/>
           </a:bodyPr>
           <a:lstStyle/>
@@ -8600,27 +8909,27 @@
               </a:spcBef>
             </a:pPr>
             <a:r>
-              <a:rPr lang="de-de" sz="1000" spc="-20" dirty="0">
+              <a:rPr lang="en-US" sz="1000" spc="-20" dirty="0">
                 <a:solidFill>
                   <a:srgbClr val="020302"/>
                 </a:solidFill>
                 <a:latin typeface="AdobeClean-Light"/>
                 <a:cs typeface="AdobeClean-Light"/>
               </a:rPr>
-              <a:t>Adobe 客戶支援提供對線上資源的存取權</a:t>
-            </a:r>
-            <a:r>
-              <a:rPr lang="de-de" sz="1000" spc="-10" dirty="0">
+              <a:t>Adobe Customer Support offers a</a:t>
+            </a:r>
+            <a:r>
+              <a:rPr sz="1000" spc="-20" dirty="0">
                 <a:solidFill>
                   <a:srgbClr val="020302"/>
                 </a:solidFill>
                 <a:latin typeface="AdobeClean-Light"/>
                 <a:cs typeface="AdobeClean-Light"/>
               </a:rPr>
-              <a:t>以取得文件</a:t>
-            </a:r>
-            <a:r>
-              <a:rPr lang="de-de" sz="1000" spc="10" dirty="0">
+              <a:t>ccess</a:t>
+            </a:r>
+            <a:r>
+              <a:rPr sz="1000" spc="-90" dirty="0">
                 <a:solidFill>
                   <a:srgbClr val="020302"/>
                 </a:solidFill>
@@ -8630,17 +8939,17 @@
               <a:t> </a:t>
             </a:r>
             <a:r>
-              <a:rPr lang="de-de" sz="1000" spc="-20" dirty="0">
+              <a:rPr sz="1000" spc="-10" dirty="0">
                 <a:solidFill>
                   <a:srgbClr val="020302"/>
                 </a:solidFill>
                 <a:latin typeface="AdobeClean-Light"/>
                 <a:cs typeface="AdobeClean-Light"/>
               </a:rPr>
-              <a:t>、</a:t>
-            </a:r>
-            <a:r>
-              <a:rPr lang="de-de" sz="1000" spc="-125" dirty="0">
+              <a:t>to</a:t>
+            </a:r>
+            <a:r>
+              <a:rPr sz="1000" spc="10" dirty="0">
                 <a:solidFill>
                   <a:srgbClr val="020302"/>
                 </a:solidFill>
@@ -8650,44 +8959,351 @@
               <a:t> </a:t>
             </a:r>
             <a:r>
-              <a:rPr lang="de-de" sz="1000" spc="-15" dirty="0">
+              <a:rPr lang="en-US" sz="1000" spc="-20" dirty="0">
                 <a:solidFill>
                   <a:srgbClr val="020302"/>
                 </a:solidFill>
                 <a:latin typeface="AdobeClean-Light"/>
                 <a:cs typeface="AdobeClean-Light"/>
               </a:rPr>
-              <a:t>與其他專家和客戶互動的機會以獲得最佳實務，並提供網路研討會系列 (諮詢時間) 的存取權以獲得疑難排解的秘訣和技巧。</a:t>
-            </a:r>
-            <a:r>
-              <a:rPr lang="de-de" sz="1000" spc="-35" dirty="0">
+              <a:t>online resources </a:t>
+            </a:r>
+            <a:r>
+              <a:rPr sz="1000" spc="-15" dirty="0">
                 <a:solidFill>
                   <a:srgbClr val="020302"/>
                 </a:solidFill>
                 <a:latin typeface="AdobeClean-Light"/>
                 <a:cs typeface="AdobeClean-Light"/>
               </a:rPr>
-              <a:t> </a:t>
-            </a:r>
-            <a:r>
-              <a:rPr lang="de-de" sz="1000" spc="-20" dirty="0">
+              <a:t>for</a:t>
+            </a:r>
+            <a:r>
+              <a:rPr sz="1000" spc="-30" dirty="0">
                 <a:solidFill>
                   <a:srgbClr val="020302"/>
                 </a:solidFill>
                 <a:latin typeface="AdobeClean-Light"/>
                 <a:cs typeface="AdobeClean-Light"/>
               </a:rPr>
-              <a:t>我們也提供幾個管道來讓您提交問題和案件。</a:t>
-            </a:r>
-            <a:r>
-              <a:rPr lang="de-de" sz="1000" spc="-25" dirty="0">
+              <a:t> </a:t>
+            </a:r>
+            <a:r>
+              <a:rPr sz="1000" spc="-15" dirty="0">
                 <a:solidFill>
                   <a:srgbClr val="020302"/>
                 </a:solidFill>
                 <a:latin typeface="AdobeClean-Light"/>
                 <a:cs typeface="AdobeClean-Light"/>
               </a:rPr>
+              <a:t>documentation,</a:t>
+            </a:r>
+            <a:r>
+              <a:rPr lang="en-US" sz="1000" spc="-15" dirty="0">
+                <a:solidFill>
+                  <a:srgbClr val="020302"/>
+                </a:solidFill>
+                <a:latin typeface="AdobeClean-Light"/>
+                <a:cs typeface="AdobeClean-Light"/>
+              </a:rPr>
               <a:t> </a:t>
+            </a:r>
+            <a:r>
+              <a:rPr sz="1000" spc="-15" dirty="0">
+                <a:solidFill>
+                  <a:srgbClr val="020302"/>
+                </a:solidFill>
+                <a:latin typeface="AdobeClean-Light"/>
+                <a:cs typeface="AdobeClean-Light"/>
+              </a:rPr>
+              <a:t>engagement</a:t>
+            </a:r>
+            <a:r>
+              <a:rPr lang="en-US" sz="1000" spc="-15" dirty="0">
+                <a:solidFill>
+                  <a:srgbClr val="020302"/>
+                </a:solidFill>
+                <a:latin typeface="AdobeClean-Light"/>
+                <a:cs typeface="AdobeClean-Light"/>
+              </a:rPr>
+              <a:t> </a:t>
+            </a:r>
+            <a:r>
+              <a:rPr sz="1000" spc="-15" dirty="0">
+                <a:solidFill>
+                  <a:srgbClr val="020302"/>
+                </a:solidFill>
+                <a:latin typeface="AdobeClean-Light"/>
+                <a:cs typeface="AdobeClean-Light"/>
+              </a:rPr>
+              <a:t>with</a:t>
+            </a:r>
+            <a:r>
+              <a:rPr sz="1000" spc="-35" dirty="0">
+                <a:solidFill>
+                  <a:srgbClr val="020302"/>
+                </a:solidFill>
+                <a:latin typeface="AdobeClean-Light"/>
+                <a:cs typeface="AdobeClean-Light"/>
+              </a:rPr>
+              <a:t> </a:t>
+            </a:r>
+            <a:r>
+              <a:rPr sz="1000" spc="-20" dirty="0">
+                <a:solidFill>
+                  <a:srgbClr val="020302"/>
+                </a:solidFill>
+                <a:latin typeface="AdobeClean-Light"/>
+                <a:cs typeface="AdobeClean-Light"/>
+              </a:rPr>
+              <a:t>other experts </a:t>
+            </a:r>
+            <a:r>
+              <a:rPr sz="1000" spc="-15" dirty="0">
+                <a:solidFill>
+                  <a:srgbClr val="020302"/>
+                </a:solidFill>
+                <a:latin typeface="AdobeClean-Light"/>
+                <a:cs typeface="AdobeClean-Light"/>
+              </a:rPr>
+              <a:t>and </a:t>
+            </a:r>
+            <a:r>
+              <a:rPr sz="1000" spc="-20" dirty="0">
+                <a:solidFill>
+                  <a:srgbClr val="020302"/>
+                </a:solidFill>
+                <a:latin typeface="AdobeClean-Light"/>
+                <a:cs typeface="AdobeClean-Light"/>
+              </a:rPr>
+              <a:t>customers </a:t>
+            </a:r>
+            <a:r>
+              <a:rPr sz="1000" spc="-15" dirty="0">
+                <a:solidFill>
+                  <a:srgbClr val="020302"/>
+                </a:solidFill>
+                <a:latin typeface="AdobeClean-Light"/>
+                <a:cs typeface="AdobeClean-Light"/>
+              </a:rPr>
+              <a:t>for best </a:t>
+            </a:r>
+            <a:r>
+              <a:rPr sz="1000" spc="-20" dirty="0">
+                <a:solidFill>
+                  <a:srgbClr val="020302"/>
+                </a:solidFill>
+                <a:latin typeface="AdobeClean-Light"/>
+                <a:cs typeface="AdobeClean-Light"/>
+              </a:rPr>
+              <a:t>practices, </a:t>
+            </a:r>
+            <a:r>
+              <a:rPr sz="1000" spc="-15" dirty="0">
+                <a:solidFill>
+                  <a:srgbClr val="020302"/>
+                </a:solidFill>
+                <a:latin typeface="AdobeClean-Light"/>
+                <a:cs typeface="AdobeClean-Light"/>
+              </a:rPr>
+              <a:t>and </a:t>
+            </a:r>
+            <a:r>
+              <a:rPr sz="1000" spc="-20" dirty="0">
+                <a:solidFill>
+                  <a:srgbClr val="020302"/>
+                </a:solidFill>
+                <a:latin typeface="AdobeClean-Light"/>
+                <a:cs typeface="AdobeClean-Light"/>
+              </a:rPr>
+              <a:t>webinar series (Office </a:t>
+            </a:r>
+            <a:r>
+              <a:rPr sz="1000" spc="-15" dirty="0">
+                <a:solidFill>
+                  <a:srgbClr val="020302"/>
+                </a:solidFill>
+                <a:latin typeface="AdobeClean-Light"/>
+                <a:cs typeface="AdobeClean-Light"/>
+              </a:rPr>
+              <a:t>Hours) for </a:t>
+            </a:r>
+            <a:r>
+              <a:rPr sz="1000" spc="-20" dirty="0">
+                <a:solidFill>
+                  <a:srgbClr val="020302"/>
+                </a:solidFill>
+                <a:latin typeface="AdobeClean-Light"/>
+                <a:cs typeface="AdobeClean-Light"/>
+              </a:rPr>
+              <a:t>troubleshooting </a:t>
+            </a:r>
+            <a:r>
+              <a:rPr sz="1000" spc="-15" dirty="0">
+                <a:solidFill>
+                  <a:srgbClr val="020302"/>
+                </a:solidFill>
+                <a:latin typeface="AdobeClean-Light"/>
+                <a:cs typeface="AdobeClean-Light"/>
+              </a:rPr>
+              <a:t>tips and </a:t>
+            </a:r>
+            <a:r>
+              <a:rPr sz="1000" spc="-20" dirty="0">
+                <a:solidFill>
+                  <a:srgbClr val="020302"/>
+                </a:solidFill>
+                <a:latin typeface="AdobeClean-Light"/>
+                <a:cs typeface="AdobeClean-Light"/>
+              </a:rPr>
+              <a:t>tricks. Several channels </a:t>
+            </a:r>
+            <a:r>
+              <a:rPr lang="en-US" sz="1000" spc="-15" dirty="0">
+                <a:solidFill>
+                  <a:srgbClr val="020302"/>
+                </a:solidFill>
+                <a:latin typeface="AdobeClean-Light"/>
+                <a:cs typeface="AdobeClean-Light"/>
+              </a:rPr>
+              <a:t>are </a:t>
+            </a:r>
+            <a:r>
+              <a:rPr lang="en-US" sz="1000" spc="-20" dirty="0">
+                <a:solidFill>
+                  <a:srgbClr val="020302"/>
+                </a:solidFill>
+                <a:latin typeface="AdobeClean-Light"/>
+                <a:cs typeface="AdobeClean-Light"/>
+              </a:rPr>
+              <a:t>also</a:t>
+            </a:r>
+            <a:r>
+              <a:rPr lang="en-US" sz="1000" dirty="0">
+                <a:latin typeface="AdobeClean-Light"/>
+                <a:cs typeface="AdobeClean-Light"/>
+              </a:rPr>
+              <a:t> </a:t>
+            </a:r>
+            <a:r>
+              <a:rPr sz="1000" spc="-25" dirty="0">
+                <a:solidFill>
+                  <a:srgbClr val="020302"/>
+                </a:solidFill>
+                <a:latin typeface="AdobeClean-Light"/>
+                <a:cs typeface="AdobeClean-Light"/>
+              </a:rPr>
+              <a:t>available</a:t>
+            </a:r>
+            <a:r>
+              <a:rPr sz="1000" spc="-65" dirty="0">
+                <a:solidFill>
+                  <a:srgbClr val="020302"/>
+                </a:solidFill>
+                <a:latin typeface="AdobeClean-Light"/>
+                <a:cs typeface="AdobeClean-Light"/>
+              </a:rPr>
+              <a:t> </a:t>
+            </a:r>
+            <a:r>
+              <a:rPr sz="1000" spc="-15" dirty="0">
+                <a:solidFill>
+                  <a:srgbClr val="020302"/>
+                </a:solidFill>
+                <a:latin typeface="AdobeClean-Light"/>
+                <a:cs typeface="AdobeClean-Light"/>
+              </a:rPr>
+              <a:t>for</a:t>
+            </a:r>
+            <a:r>
+              <a:rPr sz="1000" spc="-25" dirty="0">
+                <a:solidFill>
+                  <a:srgbClr val="020302"/>
+                </a:solidFill>
+                <a:latin typeface="AdobeClean-Light"/>
+                <a:cs typeface="AdobeClean-Light"/>
+              </a:rPr>
+              <a:t> </a:t>
+            </a:r>
+            <a:r>
+              <a:rPr sz="1000" spc="-20" dirty="0">
+                <a:solidFill>
+                  <a:srgbClr val="020302"/>
+                </a:solidFill>
+                <a:latin typeface="AdobeClean-Light"/>
+                <a:cs typeface="AdobeClean-Light"/>
+              </a:rPr>
+              <a:t>questions</a:t>
+            </a:r>
+            <a:r>
+              <a:rPr sz="1000" spc="-114" dirty="0">
+                <a:solidFill>
+                  <a:srgbClr val="020302"/>
+                </a:solidFill>
+                <a:latin typeface="AdobeClean-Light"/>
+                <a:cs typeface="AdobeClean-Light"/>
+              </a:rPr>
+              <a:t> </a:t>
+            </a:r>
+            <a:r>
+              <a:rPr sz="1000" spc="-15" dirty="0">
+                <a:solidFill>
+                  <a:srgbClr val="020302"/>
+                </a:solidFill>
+                <a:latin typeface="AdobeClean-Light"/>
+                <a:cs typeface="AdobeClean-Light"/>
+              </a:rPr>
+              <a:t>and</a:t>
+            </a:r>
+            <a:r>
+              <a:rPr sz="1000" spc="-45" dirty="0">
+                <a:solidFill>
+                  <a:srgbClr val="020302"/>
+                </a:solidFill>
+                <a:latin typeface="AdobeClean-Light"/>
+                <a:cs typeface="AdobeClean-Light"/>
+              </a:rPr>
+              <a:t> </a:t>
+            </a:r>
+            <a:r>
+              <a:rPr sz="1000" spc="-20" dirty="0">
+                <a:solidFill>
+                  <a:srgbClr val="020302"/>
+                </a:solidFill>
+                <a:latin typeface="AdobeClean-Light"/>
+                <a:cs typeface="AdobeClean-Light"/>
+              </a:rPr>
+              <a:t>case</a:t>
+            </a:r>
+            <a:r>
+              <a:rPr sz="1000" spc="-35" dirty="0">
+                <a:solidFill>
+                  <a:srgbClr val="020302"/>
+                </a:solidFill>
+                <a:latin typeface="AdobeClean-Light"/>
+                <a:cs typeface="AdobeClean-Light"/>
+              </a:rPr>
+              <a:t> </a:t>
+            </a:r>
+            <a:r>
+              <a:rPr sz="1000" spc="-20" dirty="0">
+                <a:solidFill>
+                  <a:srgbClr val="020302"/>
+                </a:solidFill>
+                <a:latin typeface="AdobeClean-Light"/>
+                <a:cs typeface="AdobeClean-Light"/>
+              </a:rPr>
+              <a:t>submissions</a:t>
+            </a:r>
+            <a:r>
+              <a:rPr lang="en-US" sz="1000" spc="-20" dirty="0">
+                <a:solidFill>
+                  <a:srgbClr val="020302"/>
+                </a:solidFill>
+                <a:latin typeface="AdobeClean-Light"/>
+                <a:cs typeface="AdobeClean-Light"/>
+              </a:rPr>
+              <a:t>.</a:t>
             </a:r>
             <a:endParaRPr sz="1000" dirty="0">
               <a:latin typeface="AdobeClean-Light"/>
@@ -8712,15 +9328,12 @@
           </a:prstGeom>
         </p:spPr>
         <p:txBody>
-          <a:bodyPr vert="horz" wrap="square" lIns="0" tIns="12700" rIns="0" bIns="0" rtlCol="0">
+          <a:bodyPr vert="horz" wrap="square" lIns="0" tIns="12700" rIns="0" bIns="0" rtlCol="0" anchor="t">
             <a:spAutoFit/>
           </a:bodyPr>
           <a:lstStyle/>
           <a:p>
             <a:pPr marL="33020" marR="159385">
-              <a:lnSpc>
-                <a:spcPct val="100000"/>
-              </a:lnSpc>
               <a:spcBef>
                 <a:spcPts val="100"/>
               </a:spcBef>
@@ -8729,32 +9342,175 @@
               </a:tabLst>
             </a:pPr>
             <a:r>
-              <a:rPr lang="de-de" sz="900" spc="-20" dirty="0">
+              <a:rPr sz="900" spc="-20" dirty="0">
                 <a:solidFill>
                   <a:srgbClr val="020302"/>
                 </a:solidFill>
                 <a:latin typeface="AdobeClean-Light"/>
                 <a:cs typeface="AdobeClean-Light"/>
               </a:rPr>
-              <a:t>開始聊天式諮詢，以獲得案件提交的解答與協助</a:t>
-            </a:r>
-            <a:r>
-              <a:rPr lang="de-de" sz="900" spc="-45" dirty="0">
+              <a:t>Start </a:t>
+            </a:r>
+            <a:r>
+              <a:rPr sz="900" dirty="0">
                 <a:solidFill>
                   <a:srgbClr val="020302"/>
                 </a:solidFill>
                 <a:latin typeface="AdobeClean-Light"/>
                 <a:cs typeface="AdobeClean-Light"/>
               </a:rPr>
+              <a:t>a </a:t>
+            </a:r>
+            <a:r>
+              <a:rPr sz="900" spc="-15" dirty="0">
+                <a:solidFill>
+                  <a:srgbClr val="020302"/>
+                </a:solidFill>
+                <a:latin typeface="AdobeClean-Light"/>
+                <a:cs typeface="AdobeClean-Light"/>
+              </a:rPr>
+              <a:t>chat </a:t>
+            </a:r>
+            <a:r>
+              <a:rPr sz="900" spc="-10" dirty="0">
+                <a:solidFill>
+                  <a:srgbClr val="020302"/>
+                </a:solidFill>
+                <a:latin typeface="AdobeClean-Light"/>
+                <a:cs typeface="AdobeClean-Light"/>
+              </a:rPr>
+              <a:t>session </a:t>
+            </a:r>
+            <a:r>
+              <a:rPr sz="900" spc="-5" dirty="0">
+                <a:solidFill>
+                  <a:srgbClr val="020302"/>
+                </a:solidFill>
+                <a:latin typeface="AdobeClean-Light"/>
+                <a:cs typeface="AdobeClean-Light"/>
+              </a:rPr>
+              <a:t>to </a:t>
+            </a:r>
+            <a:r>
+              <a:rPr sz="900" spc="-10" dirty="0">
+                <a:solidFill>
+                  <a:srgbClr val="020302"/>
+                </a:solidFill>
+                <a:latin typeface="AdobeClean-Light"/>
+                <a:cs typeface="AdobeClean-Light"/>
+              </a:rPr>
+              <a:t>get</a:t>
+            </a:r>
+            <a:r>
+              <a:rPr lang="en-US" sz="900" spc="-10" dirty="0">
+                <a:solidFill>
+                  <a:srgbClr val="020302"/>
+                </a:solidFill>
+                <a:latin typeface="AdobeClean-Light"/>
+                <a:cs typeface="AdobeClean-Light"/>
+              </a:rPr>
+              <a:t> </a:t>
+            </a:r>
+            <a:r>
+              <a:rPr sz="900" spc="30" dirty="0">
+                <a:solidFill>
+                  <a:srgbClr val="020302"/>
+                </a:solidFill>
+                <a:latin typeface="AdobeClean-Light"/>
+                <a:cs typeface="AdobeClean-Light"/>
+              </a:rPr>
               <a:t> </a:t>
             </a:r>
-            <a:endParaRPr lang="en-US" sz="900" spc="-20" dirty="0">
-              <a:solidFill>
-                <a:srgbClr val="020302"/>
-              </a:solidFill>
-              <a:latin typeface="AdobeClean-Light"/>
-              <a:cs typeface="AdobeClean-Light"/>
-            </a:endParaRPr>
+            <a:r>
+              <a:rPr sz="900" spc="-20" dirty="0">
+                <a:solidFill>
+                  <a:srgbClr val="020302"/>
+                </a:solidFill>
+                <a:latin typeface="AdobeClean-Light"/>
+                <a:cs typeface="AdobeClean-Light"/>
+              </a:rPr>
+              <a:t>answers</a:t>
+            </a:r>
+            <a:r>
+              <a:rPr lang="en-US" sz="900" spc="-45" dirty="0">
+                <a:solidFill>
+                  <a:srgbClr val="020302"/>
+                </a:solidFill>
+                <a:latin typeface="AdobeClean-Light"/>
+                <a:cs typeface="AdobeClean-Light"/>
+              </a:rPr>
+              <a:t> </a:t>
+            </a:r>
+            <a:r>
+              <a:rPr lang="en-US" sz="900" dirty="0">
+                <a:solidFill>
+                  <a:srgbClr val="020302"/>
+                </a:solidFill>
+                <a:latin typeface="AdobeClean-Light"/>
+                <a:cs typeface="AdobeClean-Light"/>
+              </a:rPr>
+              <a:t>&amp; </a:t>
+            </a:r>
+            <a:r>
+              <a:rPr sz="900" spc="-15" dirty="0">
+                <a:solidFill>
+                  <a:srgbClr val="020302"/>
+                </a:solidFill>
+                <a:latin typeface="AdobeClean-Light"/>
+                <a:cs typeface="AdobeClean-Light"/>
+              </a:rPr>
+              <a:t>help </a:t>
+            </a:r>
+            <a:r>
+              <a:rPr sz="900" spc="-10" dirty="0">
+                <a:solidFill>
+                  <a:srgbClr val="020302"/>
+                </a:solidFill>
+                <a:latin typeface="AdobeClean-Light"/>
+                <a:cs typeface="AdobeClean-Light"/>
+              </a:rPr>
+              <a:t>with</a:t>
+            </a:r>
+            <a:r>
+              <a:rPr sz="900" spc="85" dirty="0">
+                <a:solidFill>
+                  <a:srgbClr val="020302"/>
+                </a:solidFill>
+                <a:latin typeface="AdobeClean-Light"/>
+                <a:cs typeface="AdobeClean-Light"/>
+              </a:rPr>
+              <a:t> </a:t>
+            </a:r>
+            <a:r>
+              <a:rPr sz="900" spc="-10" dirty="0">
+                <a:solidFill>
+                  <a:srgbClr val="020302"/>
+                </a:solidFill>
+                <a:latin typeface="AdobeClean-Light"/>
+                <a:cs typeface="AdobeClean-Light"/>
+              </a:rPr>
+              <a:t>case </a:t>
+            </a:r>
+            <a:r>
+              <a:rPr sz="900" spc="-20" dirty="0">
+                <a:solidFill>
+                  <a:srgbClr val="020302"/>
+                </a:solidFill>
+                <a:latin typeface="AdobeClean-Light"/>
+                <a:cs typeface="AdobeClean-Light"/>
+              </a:rPr>
+              <a:t>submission</a:t>
+            </a:r>
+            <a:r>
+              <a:rPr lang="en-US" sz="900" spc="-20" dirty="0">
+                <a:solidFill>
+                  <a:srgbClr val="020302"/>
+                </a:solidFill>
+                <a:latin typeface="AdobeClean-Light"/>
+                <a:cs typeface="AdobeClean-Light"/>
+              </a:rPr>
+              <a:t>.</a:t>
+            </a:r>
           </a:p>
           <a:p>
             <a:pPr marL="33020" marR="159385">
@@ -8769,14 +9525,24 @@
               </a:tabLst>
             </a:pPr>
             <a:r>
-              <a:rPr lang="de-de" sz="900" i="1" spc="-10" dirty="0">
+              <a:rPr sz="900" i="1" spc="-10" dirty="0">
                 <a:solidFill>
                   <a:srgbClr val="7A7A7A"/>
                 </a:solidFill>
                 <a:latin typeface="AdobeClean-LightIt"/>
                 <a:cs typeface="AdobeClean-LightIt"/>
               </a:rPr>
-              <a:t>*並非所有產品都有提供即時聊天支援。</a:t>
+              <a:t>*Not all </a:t>
+            </a:r>
+            <a:r>
+              <a:rPr sz="900" i="1" spc="-20" dirty="0">
+                <a:solidFill>
+                  <a:srgbClr val="7A7A7A"/>
+                </a:solidFill>
+                <a:latin typeface="AdobeClean-LightIt"/>
+                <a:cs typeface="AdobeClean-LightIt"/>
+              </a:rPr>
+              <a:t>products have live chat support.  </a:t>
             </a:r>
             <a:endParaRPr sz="900" dirty="0">
               <a:latin typeface="AdobeClean-Light"/>
@@ -8850,14 +9616,14 @@
               </a:spcBef>
             </a:pPr>
             <a:r>
-              <a:rPr lang="de-de" sz="1400" b="1" spc="-10" dirty="0">
+              <a:rPr lang="en-US" sz="1400" b="1" spc="-10" dirty="0">
                 <a:solidFill>
                   <a:srgbClr val="020302"/>
                 </a:solidFill>
                 <a:latin typeface="Adobe Clean"/>
                 <a:cs typeface="Adobe Clean"/>
               </a:rPr>
-              <a:t>線上支援</a:t>
+              <a:t>Online Support</a:t>
             </a:r>
             <a:endParaRPr lang="en-US" sz="1400" dirty="0">
               <a:latin typeface="Adobe Clean"/>
@@ -8909,12 +9675,12 @@
               <a:defRPr/>
             </a:pPr>
             <a:r>
-              <a:rPr lang="de-de" sz="1200" dirty="0">
+              <a:rPr lang="en-US" sz="1200" dirty="0">
                 <a:solidFill>
                   <a:srgbClr val="000000"/>
                 </a:solidFill>
               </a:rPr>
-              <a:t>社群論壇</a:t>
+              <a:t>Community Forums</a:t>
             </a:r>
           </a:p>
         </p:txBody>
@@ -8957,12 +9723,12 @@
               </a:spcAft>
             </a:pPr>
             <a:r>
-              <a:rPr lang="de-de" sz="1200" b="1" dirty="0">
+              <a:rPr lang="en-US" sz="1200" b="1" dirty="0">
                 <a:latin typeface="+mj-lt"/>
                 <a:ea typeface="Open Sans" pitchFamily="34" charset="0"/>
                 <a:cs typeface="Open Sans" pitchFamily="34" charset="0"/>
               </a:rPr>
-              <a:t>線上論壇</a:t>
+              <a:t>Online Forums</a:t>
             </a:r>
           </a:p>
         </p:txBody>
@@ -8995,13 +9761,13 @@
           <a:lstStyle/>
           <a:p>
             <a:r>
-              <a:rPr lang="de-de" sz="1000" dirty="0">
+              <a:rPr lang="en-US" sz="1000" dirty="0">
                 <a:solidFill>
                   <a:srgbClr val="000000"/>
                 </a:solidFill>
                 <a:latin typeface="Adobe Clean Light" panose="020B0303020404020204" pitchFamily="34" charset="0"/>
               </a:rPr>
-              <a:t>可持續在線上存取不斷增加的技術解決方案、產品文件、常見問答等內容的資料庫。與 Adobe 社群上的從業人員和其他客戶交流，彼此分享學到的最佳實務和經驗教訓。</a:t>
+              <a:t>Continuous online access to a growing database of technical solutions, product documentation, FAQs and more. Connect with practitioners and other customers on Adobe Community to share best practices and lessons learned.</a:t>
             </a:r>
           </a:p>
         </p:txBody>
@@ -9049,7 +9815,7 @@
               <a:defRPr/>
             </a:pPr>
             <a:r>
-              <a:rPr lang="de-de" sz="1200" dirty="0">
+              <a:rPr lang="en-US" sz="1200" dirty="0">
                 <a:solidFill>
                   <a:srgbClr val="000000"/>
                 </a:solidFill>
@@ -9097,12 +9863,12 @@
               </a:spcAft>
             </a:pPr>
             <a:r>
-              <a:rPr lang="de-de" sz="1200" b="1" dirty="0">
+              <a:rPr lang="en-US" sz="1200" b="1" dirty="0">
                 <a:latin typeface="+mj-lt"/>
                 <a:ea typeface="Open Sans" pitchFamily="34" charset="0"/>
                 <a:cs typeface="Open Sans" pitchFamily="34" charset="0"/>
               </a:rPr>
-              <a:t>自我引導式旅程</a:t>
+              <a:t>Self-guided Journeys</a:t>
             </a:r>
           </a:p>
         </p:txBody>
@@ -9135,13 +9901,13 @@
           <a:lstStyle/>
           <a:p>
             <a:r>
-              <a:rPr lang="de-de" sz="1000" dirty="0">
+              <a:rPr lang="en-US" sz="1000" dirty="0">
                 <a:solidFill>
                   <a:srgbClr val="000000"/>
                 </a:solidFill>
                 <a:latin typeface="Adobe Clean Light" panose="020B0303020404020204" pitchFamily="34" charset="0"/>
               </a:rPr>
-              <a:t>Experience League 賦予體驗製作者強大的功能。客戶可以透過個人化學習來開始培養自己的客戶體驗管理能力，以發展各項技能、與全球的同行社群互動，並獲得職業提升的認可。</a:t>
+              <a:t>Experience Makers are made with Experience League. Customers can kickstart their Customer Experience Management abilities with personalized learning to develop skills, engage with a global community of peers, and earn career advancing recognition. </a:t>
             </a:r>
           </a:p>
         </p:txBody>
@@ -9189,12 +9955,12 @@
               <a:defRPr/>
             </a:pPr>
             <a:r>
-              <a:rPr lang="de-de" sz="1200" dirty="0">
+              <a:rPr lang="en-US" sz="1200" dirty="0">
                 <a:solidFill>
                   <a:srgbClr val="000000"/>
                 </a:solidFill>
               </a:rPr>
-              <a:t>諮詢時間</a:t>
+              <a:t>Office Hours</a:t>
             </a:r>
           </a:p>
         </p:txBody>
@@ -9237,12 +10003,12 @@
               </a:spcAft>
             </a:pPr>
             <a:r>
-              <a:rPr lang="de-de" sz="1200" b="1" dirty="0">
+              <a:rPr lang="en-US" sz="1200" b="1" dirty="0">
                 <a:latin typeface="+mj-lt"/>
                 <a:ea typeface="Open Sans" pitchFamily="34" charset="0"/>
                 <a:cs typeface="Open Sans" pitchFamily="34" charset="0"/>
               </a:rPr>
-              <a:t>網路研討會</a:t>
+              <a:t>Webinars</a:t>
             </a:r>
           </a:p>
         </p:txBody>
@@ -9275,13 +10041,13 @@
           <a:lstStyle/>
           <a:p>
             <a:r>
-              <a:rPr lang="de-de" sz="1000" dirty="0">
+              <a:rPr lang="en-US" sz="1000" dirty="0">
                 <a:solidFill>
                   <a:srgbClr val="000000"/>
                 </a:solidFill>
                 <a:latin typeface="Adobe Clean Light" panose="020B0303020404020204" pitchFamily="34" charset="0"/>
               </a:rPr>
-              <a:t>「諮詢時間」是由 Adobe 客戶支援團隊主導的一項計劃，其中的研討會的設計目的是為了提供資訊以及協助參與者排除問題，並提供成功使用 Adobe 解決方案的秘訣與技巧。</a:t>
+              <a:t>Office  Hours  led  by  the  Adobe  Customer Support  team  includes  sessions  designed to  inform  as  well  as  help  participants troubleshoot  problems  and  provide  tips and  tricks  for  success  with  Adobe  solutions.</a:t>
             </a:r>
           </a:p>
         </p:txBody>
@@ -9329,12 +10095,12 @@
               <a:defRPr/>
             </a:pPr>
             <a:r>
-              <a:rPr lang="de-de" sz="1200" dirty="0">
+              <a:rPr lang="en-US" sz="1200" dirty="0">
                 <a:solidFill>
                   <a:srgbClr val="000000"/>
                 </a:solidFill>
               </a:rPr>
-              <a:t>自助式入口網站</a:t>
+              <a:t>Self-help Portals</a:t>
             </a:r>
           </a:p>
         </p:txBody>
@@ -9377,12 +10143,12 @@
               </a:spcAft>
             </a:pPr>
             <a:r>
-              <a:rPr lang="de-de" sz="1200" b="1" dirty="0">
+              <a:rPr lang="en-US" sz="1200" b="1" dirty="0">
                 <a:latin typeface="+mj-lt"/>
                 <a:ea typeface="Open Sans" pitchFamily="34" charset="0"/>
                 <a:cs typeface="Open Sans" pitchFamily="34" charset="0"/>
               </a:rPr>
-              <a:t>24/7 支援入口網站</a:t>
+              <a:t>24/7 Support Portal</a:t>
             </a:r>
           </a:p>
         </p:txBody>
@@ -9415,13 +10181,13 @@
           <a:lstStyle/>
           <a:p>
             <a:r>
-              <a:rPr lang="de-de" sz="1000" dirty="0">
+              <a:rPr lang="en-US" sz="1000" dirty="0">
                 <a:solidFill>
                   <a:srgbClr val="000000"/>
                 </a:solidFill>
                 <a:latin typeface="Adobe Clean Light" panose="020B0303020404020204" pitchFamily="34" charset="0"/>
               </a:rPr>
-              <a:t>隨需存取線上自助式支援入口網站，以提交支援請求、檢閱案件狀態，並瀏覽其他資源，像是我們的知識庫、新聞與提醒、特定的提示等。</a:t>
+              <a:t>On-demand access to the online Self-help Support Portal to submit support requests, review case status, and browse other resources, like our knowledgebase, news and alerts, featured tips, and more.</a:t>
             </a:r>
           </a:p>
         </p:txBody>
@@ -9469,12 +10235,12 @@
               <a:defRPr/>
             </a:pPr>
             <a:r>
-              <a:rPr lang="de-de" sz="1200" dirty="0">
+              <a:rPr lang="en-US" sz="1200" dirty="0">
                 <a:solidFill>
                   <a:srgbClr val="000000"/>
                 </a:solidFill>
               </a:rPr>
-              <a:t>即時聊天支援*</a:t>
+              <a:t>Live Chat  Support*</a:t>
             </a:r>
           </a:p>
         </p:txBody>
@@ -9517,12 +10283,12 @@
               </a:spcAft>
             </a:pPr>
             <a:r>
-              <a:rPr lang="de-de" sz="1200" b="1" dirty="0">
+              <a:rPr lang="en-US" sz="1200" b="1" dirty="0">
                 <a:latin typeface="+mj-lt"/>
                 <a:ea typeface="Open Sans" pitchFamily="34" charset="0"/>
                 <a:cs typeface="Open Sans" pitchFamily="34" charset="0"/>
               </a:rPr>
-              <a:t>聊天支援</a:t>
+              <a:t>Chat Support</a:t>
             </a:r>
           </a:p>
         </p:txBody>
@@ -9570,12 +10336,12 @@
               <a:defRPr/>
             </a:pPr>
             <a:r>
-              <a:rPr lang="de-de" sz="1200" dirty="0">
+              <a:rPr lang="en-US" sz="1200" dirty="0">
                 <a:solidFill>
                   <a:srgbClr val="000000"/>
                 </a:solidFill>
               </a:rPr>
-              <a:t>全年無休 P1 </a:t>
+              <a:t>24 X 7 X 365 P1 </a:t>
             </a:r>
           </a:p>
         </p:txBody>
@@ -9618,12 +10384,12 @@
               </a:spcAft>
             </a:pPr>
             <a:r>
-              <a:rPr lang="de-de" sz="1200" b="1" dirty="0">
+              <a:rPr lang="en-US" sz="1200" b="1" dirty="0">
                 <a:latin typeface="+mj-lt"/>
                 <a:ea typeface="Open Sans" pitchFamily="34" charset="0"/>
                 <a:cs typeface="Open Sans" pitchFamily="34" charset="0"/>
               </a:rPr>
-              <a:t>電話支援</a:t>
+              <a:t>Phone  Support</a:t>
             </a:r>
           </a:p>
         </p:txBody>
@@ -9656,19 +10422,19 @@
           <a:lstStyle/>
           <a:p>
             <a:r>
-              <a:rPr lang="de-de" sz="1000" dirty="0">
+              <a:rPr lang="en-US" sz="1000" dirty="0">
                 <a:solidFill>
                   <a:srgbClr val="020302"/>
                 </a:solidFill>
                 <a:latin typeface="AdobeClean-Light"/>
               </a:rPr>
-              <a:t>*授權的使用者或指定的支援聯絡人</a:t>
-            </a:r>
-            <a:r>
-              <a:rPr lang="de-de" sz="1000" dirty="0">
+              <a:t>Authorized users or Named Support Contacts </a:t>
+            </a:r>
+            <a:r>
+              <a:rPr lang="en-US" sz="1000" dirty="0">
                 <a:latin typeface="Adobe Clean Light" panose="020B0303020404020204" pitchFamily="34" charset="0"/>
               </a:rPr>
-              <a:t>可透過所有可用管道 (包括 P1 適用的電話) 來提交問題，並代表貴公司與我們的技術支援團隊互動。</a:t>
+              <a:t>can submit issues through all available  channels (including phone for P1) and interact with our technical support team on behalf of your company. </a:t>
             </a:r>
             <a:endParaRPr lang="en-US" sz="1000" dirty="0">
               <a:solidFill>
@@ -9698,7 +10464,7 @@
         <p:spPr>
           <a:xfrm>
             <a:off x="5253416" y="9862966"/>
-            <a:ext cx="2823784" cy="132729"/>
+            <a:ext cx="2270125" cy="132729"/>
           </a:xfrm>
           <a:prstGeom prst="rect">
             <a:avLst/>
@@ -9719,23 +10485,31 @@
               </a:spcBef>
             </a:pPr>
             <a:r>
-              <a:rPr lang="de-de" spc="-5" dirty="0"/>
-              <a:t>©2021 Adobe。All rights reserved.Adobe</a:t>
-            </a:r>
-            <a:r>
-              <a:rPr lang="de-de" spc="60" dirty="0"/>
+              <a:rPr spc="-5" dirty="0"/>
+              <a:t>©202</a:t>
+            </a:r>
+            <a:r>
+              <a:rPr lang="en-US" spc="-5" dirty="0"/>
+              <a:t>1</a:t>
+            </a:r>
+            <a:r>
+              <a:rPr spc="-5" dirty="0"/>
+              <a:t> Adobe. All Rights Reserved. Adobe</a:t>
+            </a:r>
+            <a:r>
+              <a:rPr spc="60" dirty="0"/>
               <a:t> </a:t>
             </a:r>
             <a:r>
-              <a:rPr lang="de-de" spc="-5" dirty="0"/>
-              <a:t>機密資訊。</a:t>
+              <a:rPr spc="-5" dirty="0"/>
+              <a:t>Confidential.</a:t>
             </a:r>
           </a:p>
         </p:txBody>
       </p:sp>
       <p:pic>
         <p:nvPicPr>
-          <p:cNvPr id="40" name="Graphic 39" descr="客戶審查大綱">
+          <p:cNvPr id="40" name="Graphic 39" descr="Customer review outline">
             <a:extLst>
               <a:ext uri="{FF2B5EF4-FFF2-40B4-BE49-F238E27FC236}">
                 <a16:creationId xmlns:a16="http://schemas.microsoft.com/office/drawing/2014/main" id="{4E262C55-4C32-2544-98DA-C02B8E971D1B}"/>
@@ -9774,7 +10548,7 @@
       </p:pic>
       <p:pic>
         <p:nvPicPr>
-          <p:cNvPr id="43" name="Graphic 42" descr="遠端學習語言大綱">
+          <p:cNvPr id="43" name="Graphic 42" descr="Remote learning language outline">
             <a:extLst>
               <a:ext uri="{FF2B5EF4-FFF2-40B4-BE49-F238E27FC236}">
                 <a16:creationId xmlns:a16="http://schemas.microsoft.com/office/drawing/2014/main" id="{E6296687-6BD9-6048-A379-6D8F8F04D10C}"/>
@@ -9813,7 +10587,7 @@
       </p:pic>
       <p:pic>
         <p:nvPicPr>
-          <p:cNvPr id="44" name="Graphic 43" descr="路標大綱">
+          <p:cNvPr id="44" name="Graphic 43" descr="Signpost outline">
             <a:extLst>
               <a:ext uri="{FF2B5EF4-FFF2-40B4-BE49-F238E27FC236}">
                 <a16:creationId xmlns:a16="http://schemas.microsoft.com/office/drawing/2014/main" id="{A7AEBE03-711D-0D45-9260-22F215047C1D}"/>
@@ -9852,7 +10626,7 @@
       </p:pic>
       <p:pic>
         <p:nvPicPr>
-          <p:cNvPr id="45" name="Graphic 44" descr="網際網路大綱">
+          <p:cNvPr id="45" name="Graphic 44" descr="Internet outline">
             <a:extLst>
               <a:ext uri="{FF2B5EF4-FFF2-40B4-BE49-F238E27FC236}">
                 <a16:creationId xmlns:a16="http://schemas.microsoft.com/office/drawing/2014/main" id="{53393DA1-2F49-204A-98D0-CC1953C765FE}"/>
@@ -9891,7 +10665,7 @@
       </p:pic>
       <p:pic>
         <p:nvPicPr>
-          <p:cNvPr id="47" name="Graphic 46" descr="聊天泡泡大綱">
+          <p:cNvPr id="47" name="Graphic 46" descr="Chat bubble outline">
             <a:extLst>
               <a:ext uri="{FF2B5EF4-FFF2-40B4-BE49-F238E27FC236}">
                 <a16:creationId xmlns:a16="http://schemas.microsoft.com/office/drawing/2014/main" id="{FE42C6EE-710B-DF4A-BC9E-4EF15D56E0B2}"/>
@@ -9930,7 +10704,7 @@
       </p:pic>
       <p:pic>
         <p:nvPicPr>
-          <p:cNvPr id="51" name="Graphic 50" descr="揚聲器大綱">
+          <p:cNvPr id="51" name="Graphic 50" descr="Speaker phone outline">
             <a:extLst>
               <a:ext uri="{FF2B5EF4-FFF2-40B4-BE49-F238E27FC236}">
                 <a16:creationId xmlns:a16="http://schemas.microsoft.com/office/drawing/2014/main" id="{38A761D0-3F50-2A48-8BEE-9A284E6142EE}"/>
@@ -10019,17 +10793,17 @@
               </a:lnSpc>
             </a:pPr>
             <a:r>
-              <a:rPr lang="de-de" sz="500" spc="-5" dirty="0">
+              <a:rPr sz="500" spc="-5" dirty="0">
                 <a:solidFill>
                   <a:srgbClr val="6C6C6C"/>
                 </a:solidFill>
                 <a:latin typeface="Adobe Clean"/>
                 <a:cs typeface="Adobe Clean"/>
               </a:rPr>
-              <a:t>© 2020 Adobe. All rights reserved.</a:t>
-            </a:r>
-            <a:r>
-              <a:rPr lang="de-de" sz="500" dirty="0">
+              <a:t>©2020 Adobe. All Rights Reserved. </a:t>
+            </a:r>
+            <a:r>
+              <a:rPr sz="500" dirty="0">
                 <a:solidFill>
                   <a:srgbClr val="6C6C6C"/>
                 </a:solidFill>
@@ -10039,7 +10813,7 @@
               <a:t>Adobe</a:t>
             </a:r>
             <a:r>
-              <a:rPr lang="de-de" sz="500" spc="5" dirty="0">
+              <a:rPr sz="500" spc="5" dirty="0">
                 <a:solidFill>
                   <a:srgbClr val="6C6C6C"/>
                 </a:solidFill>
@@ -10049,14 +10823,14 @@
               <a:t> </a:t>
             </a:r>
             <a:r>
-              <a:rPr lang="de-de" sz="500" spc="-5" dirty="0">
+              <a:rPr sz="500" spc="-5" dirty="0">
                 <a:solidFill>
                   <a:srgbClr val="6C6C6C"/>
                 </a:solidFill>
                 <a:latin typeface="Adobe Clean"/>
                 <a:cs typeface="Adobe Clean"/>
               </a:rPr>
-              <a:t> 機密資訊。</a:t>
+              <a:t>Confidential.</a:t>
             </a:r>
             <a:endParaRPr sz="500">
               <a:latin typeface="Adobe Clean"/>
@@ -10087,17 +10861,17 @@
               </a:spcBef>
             </a:pPr>
             <a:r>
-              <a:rPr lang="de-de" sz="800" spc="-5" dirty="0">
+              <a:rPr sz="800" spc="-5" dirty="0">
                 <a:solidFill>
                   <a:srgbClr val="6D6D6D"/>
                 </a:solidFill>
                 <a:latin typeface="Adobe Clean"/>
                 <a:cs typeface="Adobe Clean"/>
               </a:rPr>
-              <a:t>© 2020 Adobe. All rights reserved.Adobe</a:t>
-            </a:r>
-            <a:r>
-              <a:rPr lang="de-de" sz="800" spc="75" dirty="0">
+              <a:t>©2020 Adobe. All Rights Reserved. Adobe</a:t>
+            </a:r>
+            <a:r>
+              <a:rPr sz="800" spc="75" dirty="0">
                 <a:solidFill>
                   <a:srgbClr val="6D6D6D"/>
                 </a:solidFill>
@@ -10107,14 +10881,14 @@
               <a:t> </a:t>
             </a:r>
             <a:r>
-              <a:rPr lang="de-de" sz="800" spc="-5" dirty="0">
+              <a:rPr sz="800" spc="-5" dirty="0">
                 <a:solidFill>
                   <a:srgbClr val="6D6D6D"/>
                 </a:solidFill>
                 <a:latin typeface="Adobe Clean"/>
                 <a:cs typeface="Adobe Clean"/>
               </a:rPr>
-              <a:t>機密資訊。</a:t>
+              <a:t>Confidential.</a:t>
             </a:r>
             <a:endParaRPr sz="800">
               <a:latin typeface="Adobe Clean"/>
@@ -10203,14 +10977,14 @@
               </a:spcBef>
             </a:pPr>
             <a:r>
-              <a:rPr lang="de-de" sz="1400" b="1" spc="-15" dirty="0">
+              <a:rPr lang="en-US" sz="1400" b="1" spc="-15" dirty="0">
                 <a:solidFill>
                   <a:srgbClr val="020302"/>
                 </a:solidFill>
                 <a:latin typeface="Adobe Clean"/>
                 <a:cs typeface="Adobe Clean"/>
               </a:rPr>
-              <a:t>資源</a:t>
+              <a:t>Resources</a:t>
             </a:r>
             <a:endParaRPr sz="1400" dirty="0">
               <a:latin typeface="Adobe Clean"/>
@@ -10228,14 +11002,14 @@
         <p:spPr>
           <a:xfrm>
             <a:off x="6754821" y="9283729"/>
-            <a:ext cx="930275" cy="662305"/>
+            <a:ext cx="930275" cy="758541"/>
           </a:xfrm>
           <a:prstGeom prst="rect">
             <a:avLst/>
           </a:prstGeom>
         </p:spPr>
         <p:txBody>
-          <a:bodyPr vert="horz" wrap="square" lIns="0" tIns="12065" rIns="0" bIns="0" rtlCol="0">
+          <a:bodyPr vert="horz" wrap="square" lIns="0" tIns="12065" rIns="0" bIns="0" rtlCol="0" anchor="t">
             <a:spAutoFit/>
           </a:bodyPr>
           <a:lstStyle/>
@@ -10249,7 +11023,7 @@
               </a:spcBef>
             </a:pPr>
             <a:r>
-              <a:rPr lang="de-de" sz="800" spc="-15" dirty="0">
+              <a:rPr sz="800" spc="-15" dirty="0">
                 <a:solidFill>
                   <a:srgbClr val="777879"/>
                 </a:solidFill>
@@ -10270,36 +11044,26 @@
               </a:lnSpc>
             </a:pPr>
             <a:r>
-              <a:rPr lang="de-de" sz="800" spc="-15" dirty="0">
+              <a:rPr sz="800" spc="-15" dirty="0">
                 <a:solidFill>
                   <a:srgbClr val="777879"/>
                 </a:solidFill>
                 <a:latin typeface="Adobe Clean"/>
                 <a:cs typeface="Adobe Clean"/>
               </a:rPr>
-              <a:t>345 Park</a:t>
-            </a:r>
-            <a:r>
-              <a:rPr lang="de-de" sz="800" spc="-100" dirty="0">
+              <a:t>345 </a:t>
+            </a:r>
+            <a:r>
+              <a:rPr lang="en-US" sz="800" spc="-15" dirty="0">
                 <a:solidFill>
                   <a:srgbClr val="777879"/>
                 </a:solidFill>
                 <a:latin typeface="Adobe Clean"/>
                 <a:cs typeface="Adobe Clean"/>
               </a:rPr>
-              <a:t> </a:t>
-            </a:r>
-            <a:r>
-              <a:rPr lang="de-de" sz="800" spc="-15" dirty="0">
-                <a:solidFill>
-                  <a:srgbClr val="777879"/>
-                </a:solidFill>
-                <a:latin typeface="Adobe Clean"/>
-                <a:cs typeface="Adobe Clean"/>
-              </a:rPr>
-              <a:t>Avenue</a:t>
-            </a:r>
-            <a:endParaRPr sz="800">
+              <a:t>Park Avenue</a:t>
+            </a:r>
+            <a:endParaRPr sz="800" dirty="0">
               <a:latin typeface="Adobe Clean"/>
               <a:cs typeface="Adobe Clean"/>
             </a:endParaRPr>
@@ -10311,7 +11075,7 @@
               </a:lnSpc>
             </a:pPr>
             <a:r>
-              <a:rPr lang="de-de" sz="800" spc="-10" dirty="0">
+              <a:rPr sz="800" spc="-10" dirty="0">
                 <a:solidFill>
                   <a:srgbClr val="777879"/>
                 </a:solidFill>
@@ -10321,7 +11085,7 @@
               <a:t>San </a:t>
             </a:r>
             <a:r>
-              <a:rPr lang="de-de" sz="800" spc="-15" dirty="0">
+              <a:rPr sz="800" spc="-15" dirty="0">
                 <a:solidFill>
                   <a:srgbClr val="777879"/>
                 </a:solidFill>
@@ -10331,7 +11095,7 @@
               <a:t>Jose,</a:t>
             </a:r>
             <a:r>
-              <a:rPr lang="de-de" sz="800" spc="-140" dirty="0">
+              <a:rPr sz="800" spc="-140" dirty="0">
                 <a:solidFill>
                   <a:srgbClr val="777879"/>
                 </a:solidFill>
@@ -10341,7 +11105,7 @@
               <a:t> </a:t>
             </a:r>
             <a:r>
-              <a:rPr lang="de-de" sz="800" spc="-20" dirty="0">
+              <a:rPr sz="800" spc="-20" dirty="0">
                 <a:solidFill>
                   <a:srgbClr val="777879"/>
                 </a:solidFill>
@@ -10365,7 +11129,7 @@
               </a:spcBef>
             </a:pPr>
             <a:r>
-              <a:rPr lang="de-de" sz="800" spc="-10" dirty="0">
+              <a:rPr sz="800" spc="-10" dirty="0">
                 <a:solidFill>
                   <a:srgbClr val="777879"/>
                 </a:solidFill>
@@ -10389,7 +11153,7 @@
               </a:spcBef>
             </a:pPr>
             <a:r>
-              <a:rPr lang="de-de" sz="800" u="sng" spc="-25" dirty="0">
+              <a:rPr sz="800" u="sng" spc="-25" dirty="0">
                 <a:solidFill>
                   <a:srgbClr val="5F5F5F"/>
                 </a:solidFill>
@@ -10402,7 +11166,7 @@
                 <a:cs typeface="Adobe Clean"/>
                 <a:hlinkClick r:id="rId3"/>
               </a:rPr>
-              <a:t>www.adobe.com/tw/</a:t>
+              <a:t>www.adobe.com</a:t>
             </a:r>
             <a:endParaRPr sz="800">
               <a:latin typeface="Adobe Clean"/>
@@ -10568,7 +11332,7 @@
           </a:prstGeom>
         </p:spPr>
         <p:txBody>
-          <a:bodyPr vert="horz" wrap="square" lIns="0" tIns="29845" rIns="0" bIns="0" rtlCol="0">
+          <a:bodyPr vert="horz" wrap="square" lIns="0" tIns="29845" rIns="0" bIns="0" rtlCol="0" anchor="t">
             <a:spAutoFit/>
           </a:bodyPr>
           <a:lstStyle/>
@@ -10582,37 +11346,37 @@
               </a:spcBef>
             </a:pPr>
             <a:r>
-              <a:rPr lang="de-de" sz="1100" i="1" spc="-10" dirty="0">
+              <a:rPr sz="1100" i="1" spc="-10" dirty="0">
                 <a:solidFill>
                   <a:srgbClr val="777879"/>
                 </a:solidFill>
                 <a:latin typeface="AdobeClean-LightIt"/>
                 <a:cs typeface="AdobeClean-LightIt"/>
               </a:rPr>
-              <a:t>如需</a:t>
-            </a:r>
-            <a:r>
-              <a:rPr lang="de-de" sz="1100" i="1" spc="-15" dirty="0">
+              <a:t>To</a:t>
+            </a:r>
+            <a:r>
+              <a:rPr sz="1100" i="1" spc="-50" dirty="0">
                 <a:solidFill>
                   <a:srgbClr val="777879"/>
                 </a:solidFill>
                 <a:latin typeface="AdobeClean-LightIt"/>
                 <a:cs typeface="AdobeClean-LightIt"/>
               </a:rPr>
-              <a:t>了解</a:t>
-            </a:r>
-            <a:r>
-              <a:rPr lang="de-de" sz="1100" i="1" spc="-40" dirty="0">
+              <a:t> </a:t>
+            </a:r>
+            <a:r>
+              <a:rPr sz="1100" i="1" spc="-15" dirty="0">
                 <a:solidFill>
                   <a:srgbClr val="777879"/>
                 </a:solidFill>
                 <a:latin typeface="AdobeClean-LightIt"/>
                 <a:cs typeface="AdobeClean-LightIt"/>
               </a:rPr>
-              <a:t> </a:t>
-            </a:r>
-            <a:r>
-              <a:rPr lang="de-de" sz="1100" i="1" spc="-45" dirty="0">
+              <a:t>learn</a:t>
+            </a:r>
+            <a:r>
+              <a:rPr sz="1100" i="1" spc="-40" dirty="0">
                 <a:solidFill>
                   <a:srgbClr val="777879"/>
                 </a:solidFill>
@@ -10622,17 +11386,17 @@
               <a:t> </a:t>
             </a:r>
             <a:r>
-              <a:rPr lang="de-de" sz="1100" i="1" spc="-15">
+              <a:rPr sz="1100" i="1" spc="-15" dirty="0">
                 <a:solidFill>
                   <a:srgbClr val="777879"/>
                 </a:solidFill>
                 <a:latin typeface="AdobeClean-LightIt"/>
                 <a:cs typeface="AdobeClean-LightIt"/>
               </a:rPr>
-              <a:t>Adobe</a:t>
-            </a:r>
-            <a:r>
-              <a:rPr lang="de-de" sz="1100" i="1" spc="-60">
+              <a:t>more</a:t>
+            </a:r>
+            <a:r>
+              <a:rPr sz="1100" i="1" spc="-45" dirty="0">
                 <a:solidFill>
                   <a:srgbClr val="777879"/>
                 </a:solidFill>
@@ -10642,117 +11406,377 @@
               <a:t> </a:t>
             </a:r>
             <a:r>
-              <a:rPr lang="de-de" sz="1100" i="1" spc="-15">
+              <a:rPr sz="1100" i="1" spc="-15" dirty="0">
                 <a:solidFill>
                   <a:srgbClr val="777879"/>
                 </a:solidFill>
                 <a:latin typeface="AdobeClean-LightIt"/>
                 <a:cs typeface="AdobeClean-LightIt"/>
               </a:rPr>
-              <a:t>支援方案</a:t>
-            </a:r>
-            <a:r>
-              <a:rPr lang="de-de" sz="1100" i="1" spc="-75">
+              <a:t>about</a:t>
+            </a:r>
+            <a:r>
+              <a:rPr sz="1100" i="1" spc="-45" dirty="0">
                 <a:solidFill>
                   <a:srgbClr val="777879"/>
                 </a:solidFill>
                 <a:latin typeface="AdobeClean-LightIt"/>
                 <a:cs typeface="AdobeClean-LightIt"/>
               </a:rPr>
-              <a:t>的詳細資訊</a:t>
-            </a:r>
-            <a:r>
-              <a:rPr lang="de-de" sz="1100" i="1" spc="-15">
+              <a:t> </a:t>
+            </a:r>
+            <a:r>
+              <a:rPr sz="1100" i="1" spc="-15" dirty="0">
                 <a:solidFill>
                   <a:srgbClr val="777879"/>
                 </a:solidFill>
                 <a:latin typeface="AdobeClean-LightIt"/>
                 <a:cs typeface="AdobeClean-LightIt"/>
               </a:rPr>
-              <a:t>以及適合您的層級，請聯絡您指定的</a:t>
-            </a:r>
-            <a:r>
-              <a:rPr lang="de-de" sz="1100" i="1" spc="-25">
+              <a:t>Adobe</a:t>
+            </a:r>
+            <a:r>
+              <a:rPr sz="1100" i="1" spc="-60" dirty="0">
                 <a:solidFill>
                   <a:srgbClr val="777879"/>
                 </a:solidFill>
                 <a:latin typeface="AdobeClean-LightIt"/>
                 <a:cs typeface="AdobeClean-LightIt"/>
               </a:rPr>
-              <a:t>帳戶</a:t>
-            </a:r>
-            <a:r>
-              <a:rPr lang="de-de" sz="1100" i="1" spc="-20">
+              <a:t> </a:t>
+            </a:r>
+            <a:r>
+              <a:rPr sz="1100" i="1" spc="-15" dirty="0">
                 <a:solidFill>
                   <a:srgbClr val="777879"/>
                 </a:solidFill>
                 <a:latin typeface="AdobeClean-LightIt"/>
                 <a:cs typeface="AdobeClean-LightIt"/>
               </a:rPr>
-              <a:t>經理 </a:t>
-            </a:r>
-            <a:r>
-              <a:rPr lang="de-de" sz="1100" i="1" spc="-15" dirty="0">
+              <a:t>Support</a:t>
+            </a:r>
+            <a:r>
+              <a:rPr lang="en-US" sz="1100" i="1" spc="-15" dirty="0">
                 <a:solidFill>
                   <a:srgbClr val="777879"/>
                 </a:solidFill>
                 <a:latin typeface="AdobeClean-LightIt"/>
                 <a:cs typeface="AdobeClean-LightIt"/>
               </a:rPr>
-              <a:t>(NAM</a:t>
-            </a:r>
-            <a:r>
-              <a:rPr lang="de-de" sz="1100" i="1" spc="-15">
+              <a:t> Offerings</a:t>
+            </a:r>
+            <a:r>
+              <a:rPr sz="1100" i="1" spc="-75" dirty="0">
                 <a:solidFill>
                   <a:srgbClr val="777879"/>
                 </a:solidFill>
                 <a:latin typeface="AdobeClean-LightIt"/>
                 <a:cs typeface="AdobeClean-LightIt"/>
               </a:rPr>
-              <a:t>) </a:t>
-            </a:r>
-            <a:r>
-              <a:rPr lang="de-de" sz="1100" i="1" spc="-10">
+              <a:t> </a:t>
+            </a:r>
+            <a:r>
+              <a:rPr sz="1100" i="1" spc="-15" dirty="0">
                 <a:solidFill>
                   <a:srgbClr val="777879"/>
                 </a:solidFill>
                 <a:latin typeface="AdobeClean-LightIt"/>
                 <a:cs typeface="AdobeClean-LightIt"/>
               </a:rPr>
-              <a:t>或</a:t>
-            </a:r>
-            <a:r>
-              <a:rPr lang="de-de" sz="1100" i="1" spc="-15">
+              <a:t>and</a:t>
+            </a:r>
+            <a:r>
+              <a:rPr sz="1100" i="1" spc="-50" dirty="0">
                 <a:solidFill>
                   <a:srgbClr val="777879"/>
                 </a:solidFill>
                 <a:latin typeface="AdobeClean-LightIt"/>
                 <a:cs typeface="AdobeClean-LightIt"/>
               </a:rPr>
-              <a:t>客戶</a:t>
-            </a:r>
-            <a:r>
-              <a:rPr lang="de-de" sz="1100" i="1" spc="-20">
+              <a:t> </a:t>
+            </a:r>
+            <a:r>
+              <a:rPr sz="1100" i="1" spc="-15" dirty="0">
                 <a:solidFill>
                   <a:srgbClr val="777879"/>
                 </a:solidFill>
                 <a:latin typeface="AdobeClean-LightIt"/>
                 <a:cs typeface="AdobeClean-LightIt"/>
               </a:rPr>
-              <a:t>成功</a:t>
-            </a:r>
-            <a:r>
-              <a:rPr lang="de-de" sz="1100" i="1" spc="-15">
+              <a:t>the</a:t>
+            </a:r>
+            <a:r>
+              <a:rPr sz="1100" i="1" spc="-55" dirty="0">
                 <a:solidFill>
                   <a:srgbClr val="777879"/>
                 </a:solidFill>
                 <a:latin typeface="AdobeClean-LightIt"/>
                 <a:cs typeface="AdobeClean-LightIt"/>
               </a:rPr>
-              <a:t>經理 </a:t>
-            </a:r>
-            <a:r>
-              <a:rPr lang="de-de" sz="1100" i="1" spc="-15" dirty="0">
+              <a:t> </a:t>
+            </a:r>
+            <a:r>
+              <a:rPr sz="1100" i="1" spc="-15" dirty="0">
+                <a:solidFill>
+                  <a:srgbClr val="777879"/>
+                </a:solidFill>
+                <a:latin typeface="AdobeClean-LightIt"/>
+                <a:cs typeface="AdobeClean-LightIt"/>
+              </a:rPr>
+              <a:t>right</a:t>
+            </a:r>
+            <a:r>
+              <a:rPr sz="1100" i="1" spc="-95" dirty="0">
+                <a:solidFill>
+                  <a:srgbClr val="777879"/>
+                </a:solidFill>
+                <a:latin typeface="AdobeClean-LightIt"/>
+                <a:cs typeface="AdobeClean-LightIt"/>
+              </a:rPr>
+              <a:t> </a:t>
+            </a:r>
+            <a:r>
+              <a:rPr sz="1100" i="1" spc="-15" dirty="0">
+                <a:solidFill>
+                  <a:srgbClr val="777879"/>
+                </a:solidFill>
+                <a:latin typeface="AdobeClean-LightIt"/>
+                <a:cs typeface="AdobeClean-LightIt"/>
+              </a:rPr>
+              <a:t>level</a:t>
+            </a:r>
+            <a:r>
+              <a:rPr sz="1100" i="1" spc="-55" dirty="0">
+                <a:solidFill>
+                  <a:srgbClr val="777879"/>
+                </a:solidFill>
+                <a:latin typeface="AdobeClean-LightIt"/>
+                <a:cs typeface="AdobeClean-LightIt"/>
+              </a:rPr>
+              <a:t> </a:t>
+            </a:r>
+            <a:r>
+              <a:rPr sz="1100" i="1" spc="-15" dirty="0">
+                <a:solidFill>
+                  <a:srgbClr val="777879"/>
+                </a:solidFill>
+                <a:latin typeface="AdobeClean-LightIt"/>
+                <a:cs typeface="AdobeClean-LightIt"/>
+              </a:rPr>
+              <a:t>for</a:t>
+            </a:r>
+            <a:r>
+              <a:rPr sz="1100" i="1" spc="-85" dirty="0">
+                <a:solidFill>
+                  <a:srgbClr val="777879"/>
+                </a:solidFill>
+                <a:latin typeface="AdobeClean-LightIt"/>
+                <a:cs typeface="AdobeClean-LightIt"/>
+              </a:rPr>
+              <a:t> </a:t>
+            </a:r>
+            <a:r>
+              <a:rPr sz="1100" i="1" spc="-15" dirty="0">
+                <a:solidFill>
+                  <a:srgbClr val="777879"/>
+                </a:solidFill>
+                <a:latin typeface="AdobeClean-LightIt"/>
+                <a:cs typeface="AdobeClean-LightIt"/>
+              </a:rPr>
+              <a:t>you,</a:t>
+            </a:r>
+            <a:r>
+              <a:rPr sz="1100" i="1" spc="-65" dirty="0">
+                <a:solidFill>
+                  <a:srgbClr val="777879"/>
+                </a:solidFill>
+                <a:latin typeface="AdobeClean-LightIt"/>
+                <a:cs typeface="AdobeClean-LightIt"/>
+              </a:rPr>
+              <a:t> </a:t>
+            </a:r>
+            <a:r>
+              <a:rPr sz="1100" i="1" spc="-15" dirty="0">
+                <a:solidFill>
+                  <a:srgbClr val="777879"/>
+                </a:solidFill>
+                <a:latin typeface="AdobeClean-LightIt"/>
+                <a:cs typeface="AdobeClean-LightIt"/>
+              </a:rPr>
+              <a:t>contact</a:t>
+            </a:r>
+            <a:r>
+              <a:rPr sz="1100" i="1" spc="-85" dirty="0">
+                <a:solidFill>
+                  <a:srgbClr val="777879"/>
+                </a:solidFill>
+                <a:latin typeface="AdobeClean-LightIt"/>
+                <a:cs typeface="AdobeClean-LightIt"/>
+              </a:rPr>
+              <a:t> </a:t>
+            </a:r>
+            <a:r>
+              <a:rPr sz="1100" i="1" spc="-15" dirty="0">
+                <a:solidFill>
+                  <a:srgbClr val="777879"/>
+                </a:solidFill>
+                <a:latin typeface="AdobeClean-LightIt"/>
+                <a:cs typeface="AdobeClean-LightIt"/>
+              </a:rPr>
+              <a:t>your</a:t>
+            </a:r>
+            <a:r>
+              <a:rPr sz="1100" i="1" spc="-70" dirty="0">
+                <a:solidFill>
+                  <a:srgbClr val="777879"/>
+                </a:solidFill>
+                <a:latin typeface="AdobeClean-LightIt"/>
+                <a:cs typeface="AdobeClean-LightIt"/>
+              </a:rPr>
+              <a:t> </a:t>
+            </a:r>
+            <a:r>
+              <a:rPr sz="1100" i="1" spc="-15" dirty="0">
+                <a:solidFill>
+                  <a:srgbClr val="777879"/>
+                </a:solidFill>
+                <a:latin typeface="AdobeClean-LightIt"/>
+                <a:cs typeface="AdobeClean-LightIt"/>
+              </a:rPr>
+              <a:t>Named</a:t>
+            </a:r>
+            <a:r>
+              <a:rPr sz="1100" i="1" spc="-55" dirty="0">
+                <a:solidFill>
+                  <a:srgbClr val="777879"/>
+                </a:solidFill>
+                <a:latin typeface="AdobeClean-LightIt"/>
+                <a:cs typeface="AdobeClean-LightIt"/>
+              </a:rPr>
+              <a:t> </a:t>
+            </a:r>
+            <a:r>
+              <a:rPr sz="1100" i="1" spc="-25" dirty="0">
+                <a:solidFill>
+                  <a:srgbClr val="777879"/>
+                </a:solidFill>
+                <a:latin typeface="AdobeClean-LightIt"/>
+                <a:cs typeface="AdobeClean-LightIt"/>
+              </a:rPr>
+              <a:t>Account</a:t>
+            </a:r>
+            <a:r>
+              <a:rPr sz="1100" i="1" spc="-120" dirty="0">
+                <a:solidFill>
+                  <a:srgbClr val="777879"/>
+                </a:solidFill>
+                <a:latin typeface="AdobeClean-LightIt"/>
+                <a:cs typeface="AdobeClean-LightIt"/>
+              </a:rPr>
+              <a:t> </a:t>
+            </a:r>
+            <a:r>
+              <a:rPr sz="1100" i="1" spc="-20" dirty="0">
+                <a:solidFill>
+                  <a:srgbClr val="777879"/>
+                </a:solidFill>
+                <a:latin typeface="AdobeClean-LightIt"/>
+                <a:cs typeface="AdobeClean-LightIt"/>
+              </a:rPr>
+              <a:t>Manager</a:t>
+            </a:r>
+            <a:r>
+              <a:rPr lang="en-US" sz="1100" i="1" spc="-20" dirty="0">
+                <a:solidFill>
+                  <a:srgbClr val="777879"/>
+                </a:solidFill>
+                <a:latin typeface="AdobeClean-LightIt"/>
+                <a:cs typeface="AdobeClean-LightIt"/>
+              </a:rPr>
+              <a:t> </a:t>
+            </a:r>
+            <a:r>
+              <a:rPr sz="1100" i="1" spc="-20" dirty="0">
+                <a:solidFill>
+                  <a:srgbClr val="777879"/>
+                </a:solidFill>
+                <a:latin typeface="AdobeClean-LightIt"/>
+                <a:cs typeface="AdobeClean-LightIt"/>
+              </a:rPr>
+              <a:t> </a:t>
+            </a:r>
+            <a:r>
+              <a:rPr sz="1100" i="1" spc="-15" dirty="0">
+                <a:solidFill>
+                  <a:srgbClr val="777879"/>
+                </a:solidFill>
+                <a:latin typeface="AdobeClean-LightIt"/>
+                <a:cs typeface="AdobeClean-LightIt"/>
+              </a:rPr>
+              <a:t>(NAM) </a:t>
+            </a:r>
+            <a:r>
+              <a:rPr sz="1100" i="1" spc="-10" dirty="0">
+                <a:solidFill>
+                  <a:srgbClr val="777879"/>
+                </a:solidFill>
+                <a:latin typeface="AdobeClean-LightIt"/>
+                <a:cs typeface="AdobeClean-LightIt"/>
+              </a:rPr>
+              <a:t>or </a:t>
+            </a:r>
+            <a:r>
+              <a:rPr sz="1100" i="1" spc="-15" dirty="0">
+                <a:solidFill>
+                  <a:srgbClr val="777879"/>
+                </a:solidFill>
+                <a:latin typeface="AdobeClean-LightIt"/>
+                <a:cs typeface="AdobeClean-LightIt"/>
+              </a:rPr>
+              <a:t>Customer </a:t>
+            </a:r>
+            <a:r>
+              <a:rPr sz="1100" i="1" spc="-20" dirty="0">
+                <a:solidFill>
+                  <a:srgbClr val="777879"/>
+                </a:solidFill>
+                <a:latin typeface="AdobeClean-LightIt"/>
+                <a:cs typeface="AdobeClean-LightIt"/>
+              </a:rPr>
+              <a:t>Success</a:t>
+            </a:r>
+            <a:r>
+              <a:rPr lang="en-US" sz="1100" i="1" spc="-20" dirty="0">
+                <a:solidFill>
+                  <a:srgbClr val="777879"/>
+                </a:solidFill>
+                <a:latin typeface="AdobeClean-LightIt"/>
+                <a:cs typeface="AdobeClean-LightIt"/>
+              </a:rPr>
+              <a:t> </a:t>
+            </a:r>
+            <a:r>
+              <a:rPr sz="1100" i="1" spc="-15" dirty="0">
+                <a:solidFill>
+                  <a:srgbClr val="777879"/>
+                </a:solidFill>
+                <a:latin typeface="AdobeClean-LightIt"/>
+                <a:cs typeface="AdobeClean-LightIt"/>
+              </a:rPr>
+              <a:t>Manager</a:t>
+            </a:r>
+            <a:r>
+              <a:rPr lang="en-US" sz="1100" i="1" spc="-15" dirty="0">
+                <a:solidFill>
+                  <a:srgbClr val="777879"/>
+                </a:solidFill>
+                <a:latin typeface="AdobeClean-LightIt"/>
+                <a:cs typeface="AdobeClean-LightIt"/>
+              </a:rPr>
+              <a:t> </a:t>
+            </a:r>
+            <a:r>
+              <a:rPr sz="1100" i="1" spc="-15" dirty="0">
                 <a:solidFill>
                   <a:srgbClr val="777879"/>
                 </a:solidFill>
@@ -10776,34 +11800,54 @@
               </a:spcBef>
             </a:pPr>
             <a:r>
-              <a:rPr lang="de-de" sz="800" spc="-5" dirty="0">
+              <a:rPr sz="800" spc="-5" dirty="0">
                 <a:solidFill>
                   <a:srgbClr val="6D6D6D"/>
                 </a:solidFill>
                 <a:latin typeface="Adobe Clean"/>
                 <a:cs typeface="Adobe Clean"/>
               </a:rPr>
-              <a:t>©2021 Adobe。All rights reserved.Adobe</a:t>
-            </a:r>
-            <a:r>
-              <a:rPr lang="de-de" sz="800" spc="75" dirty="0">
+              <a:t>©202</a:t>
+            </a:r>
+            <a:r>
+              <a:rPr lang="en-US" sz="800" spc="-5" dirty="0">
                 <a:solidFill>
                   <a:srgbClr val="6D6D6D"/>
                 </a:solidFill>
                 <a:latin typeface="Adobe Clean"/>
                 <a:cs typeface="Adobe Clean"/>
               </a:rPr>
-              <a:t> </a:t>
-            </a:r>
-            <a:r>
-              <a:rPr lang="de-de" sz="800" spc="-5" dirty="0">
+              <a:t>1</a:t>
+            </a:r>
+            <a:r>
+              <a:rPr sz="800" spc="-5" dirty="0">
                 <a:solidFill>
                   <a:srgbClr val="6D6D6D"/>
                 </a:solidFill>
                 <a:latin typeface="Adobe Clean"/>
                 <a:cs typeface="Adobe Clean"/>
               </a:rPr>
-              <a:t>機密資訊。</a:t>
+              <a:t> Adobe. All Rights Reserved. Adobe</a:t>
+            </a:r>
+            <a:r>
+              <a:rPr sz="800" spc="75" dirty="0">
+                <a:solidFill>
+                  <a:srgbClr val="6D6D6D"/>
+                </a:solidFill>
+                <a:latin typeface="Adobe Clean"/>
+                <a:cs typeface="Adobe Clean"/>
+              </a:rPr>
+              <a:t> </a:t>
+            </a:r>
+            <a:r>
+              <a:rPr sz="800" spc="-5" dirty="0">
+                <a:solidFill>
+                  <a:srgbClr val="6D6D6D"/>
+                </a:solidFill>
+                <a:latin typeface="Adobe Clean"/>
+                <a:cs typeface="Adobe Clean"/>
+              </a:rPr>
+              <a:t>Confidential.</a:t>
             </a:r>
             <a:endParaRPr sz="800" dirty="0">
               <a:latin typeface="Adobe Clean"/>
@@ -10834,128 +11878,42 @@
           </a:prstGeom>
         </p:spPr>
         <p:txBody>
-          <a:bodyPr vert="horz" wrap="square" lIns="0" tIns="116205" rIns="0" bIns="0" rtlCol="0">
+          <a:bodyPr vert="horz" wrap="square" lIns="0" tIns="116205" rIns="0" bIns="0" rtlCol="0" anchor="t">
             <a:spAutoFit/>
           </a:bodyPr>
           <a:lstStyle/>
           <a:p>
-            <a:pPr lvl="0">
+            <a:pPr>
               <a:spcBef>
                 <a:spcPts val="915"/>
               </a:spcBef>
             </a:pPr>
             <a:r>
-              <a:rPr lang="en-US" altLang="zh-TW" sz="1400" b="1" spc="-15" dirty="0">
+              <a:rPr lang="en-US" sz="1400" b="1" spc="-15" dirty="0">
                 <a:solidFill>
                   <a:srgbClr val="020302"/>
                 </a:solidFill>
                 <a:latin typeface="Adobe Clean"/>
                 <a:cs typeface="Adobe Clean"/>
               </a:rPr>
-              <a:t>Adobe </a:t>
-            </a:r>
-            <a:r>
-              <a:rPr lang="zh-TW" altLang="en-US" sz="1400" b="1" spc="-15" dirty="0">
-                <a:solidFill>
-                  <a:srgbClr val="020302"/>
-                </a:solidFill>
-                <a:latin typeface="Adobe Clean"/>
-                <a:cs typeface="Adobe Clean"/>
-              </a:rPr>
-              <a:t>支援的區域範圍、當地營業時間和語言支援</a:t>
-            </a:r>
-            <a:endParaRPr lang="pl-PL" altLang="zh-TW" sz="1400" b="1" spc="-15" dirty="0">
-              <a:solidFill>
-                <a:srgbClr val="020302"/>
-              </a:solidFill>
-              <a:latin typeface="Adobe Clean"/>
-              <a:cs typeface="Adobe Clean"/>
-            </a:endParaRPr>
+              <a:t>Regional scope of Adobe Support, Local Hours Of Operation And Language Support</a:t>
+            </a:r>
           </a:p>
           <a:p>
-            <a:pPr lvl="0">
+            <a:pPr>
               <a:spcBef>
                 <a:spcPts val="915"/>
               </a:spcBef>
             </a:pPr>
             <a:r>
-              <a:rPr lang="en-US" altLang="zh-TW" sz="1000" spc="-15" dirty="0">
+              <a:rPr lang="en-US" sz="1000" spc="-15" dirty="0">
                 <a:solidFill>
                   <a:srgbClr val="1F1F1F"/>
                 </a:solidFill>
                 <a:latin typeface="AdobeClean-Light"/>
               </a:rPr>
-              <a:t>Adobe </a:t>
-            </a:r>
-            <a:r>
-              <a:rPr lang="zh-TW" altLang="en-US" sz="1000" spc="-15" dirty="0">
-                <a:solidFill>
-                  <a:srgbClr val="1F1F1F"/>
-                </a:solidFill>
-                <a:latin typeface="AdobeClean-Light"/>
-              </a:rPr>
-              <a:t>支援的區域範圍是透過將客戶的帳單地址 </a:t>
-            </a:r>
-            <a:r>
-              <a:rPr lang="en-US" altLang="zh-TW" sz="1000" spc="-15" dirty="0">
-                <a:solidFill>
-                  <a:srgbClr val="1F1F1F"/>
-                </a:solidFill>
-                <a:latin typeface="AdobeClean-Light"/>
-              </a:rPr>
-              <a:t>(</a:t>
-            </a:r>
-            <a:r>
-              <a:rPr lang="zh-TW" altLang="en-US" sz="1000" spc="-15" dirty="0">
-                <a:solidFill>
-                  <a:srgbClr val="1F1F1F"/>
-                </a:solidFill>
-                <a:latin typeface="AdobeClean-Light"/>
-              </a:rPr>
-              <a:t>通過銷售訂單或其他 </a:t>
-            </a:r>
-            <a:r>
-              <a:rPr lang="en-US" altLang="zh-TW" sz="1000" spc="-15" dirty="0">
-                <a:solidFill>
-                  <a:srgbClr val="1F1F1F"/>
-                </a:solidFill>
-                <a:latin typeface="AdobeClean-Light"/>
-              </a:rPr>
-              <a:t>Adobe </a:t>
-            </a:r>
-            <a:r>
-              <a:rPr lang="zh-TW" altLang="en-US" sz="1000" spc="-15" dirty="0">
-                <a:solidFill>
-                  <a:srgbClr val="1F1F1F"/>
-                </a:solidFill>
-                <a:latin typeface="AdobeClean-Light"/>
-              </a:rPr>
-              <a:t>支援採購文件</a:t>
-            </a:r>
-            <a:r>
-              <a:rPr lang="en-US" altLang="zh-TW" sz="1000" spc="-15" dirty="0">
-                <a:solidFill>
-                  <a:srgbClr val="1F1F1F"/>
-                </a:solidFill>
-                <a:latin typeface="AdobeClean-Light"/>
-              </a:rPr>
-              <a:t>) </a:t>
-            </a:r>
-            <a:r>
-              <a:rPr lang="zh-TW" altLang="en-US" sz="1000" spc="-15" dirty="0">
-                <a:solidFill>
-                  <a:srgbClr val="1F1F1F"/>
-                </a:solidFill>
-                <a:latin typeface="AdobeClean-Light"/>
-              </a:rPr>
-              <a:t>歸納於以下區域之一來建立的：</a:t>
-            </a:r>
-            <a:endParaRPr lang="de-de" sz="1000" spc="-15" dirty="0">
-              <a:solidFill>
-                <a:srgbClr val="1F1F1F"/>
-              </a:solidFill>
-              <a:latin typeface="AdobeClean-Light"/>
-            </a:endParaRPr>
+              <a:t>The Regional scope of Adobe Support is established by aligning the customer's billing address (via the Sales Order or other Adobe Support purchasing document) to one of the following regions:</a:t>
+            </a:r>
           </a:p>
         </p:txBody>
       </p:sp>
@@ -10974,14 +11932,14 @@
           <p:nvPr>
             <p:extLst>
               <p:ext uri="{D42A27DB-BD31-4B8C-83A1-F6EECF244321}">
-                <p14:modId xmlns:p14="http://schemas.microsoft.com/office/powerpoint/2010/main" val="3647865422"/>
+                <p14:modId xmlns:p14="http://schemas.microsoft.com/office/powerpoint/2010/main" val="2846210228"/>
               </p:ext>
             </p:extLst>
           </p:nvPr>
         </p:nvGraphicFramePr>
         <p:xfrm>
           <a:off x="171128" y="5907213"/>
-          <a:ext cx="7391400" cy="1447800"/>
+          <a:ext cx="7391400" cy="1671320"/>
         </p:xfrm>
         <a:graphic>
           <a:graphicData uri="http://schemas.openxmlformats.org/drawingml/2006/table">
@@ -11027,13 +11985,13 @@
                     <a:p>
                       <a:pPr algn="ctr"/>
                       <a:r>
-                        <a:rPr lang="de-de" sz="1100" dirty="0">
+                        <a:rPr lang="en-US" sz="1100" dirty="0">
                           <a:solidFill>
                             <a:schemeClr val="tx1"/>
                           </a:solidFill>
                           <a:latin typeface="Adobe Clean" panose="020B0503020404020204" pitchFamily="34" charset="0"/>
                         </a:rPr>
-                        <a:t>美洲</a:t>
+                        <a:t>Americas</a:t>
                       </a:r>
                     </a:p>
                   </a:txBody>
@@ -11092,13 +12050,13 @@
                     <a:p>
                       <a:pPr algn="ctr"/>
                       <a:r>
-                        <a:rPr lang="de-de" sz="1100" dirty="0">
+                        <a:rPr lang="en-US" sz="1100" dirty="0">
                           <a:solidFill>
                             <a:schemeClr val="tx1"/>
                           </a:solidFill>
                           <a:latin typeface="Adobe Clean" panose="020B0503020404020204" pitchFamily="34" charset="0"/>
                         </a:rPr>
-                        <a:t>歐洲、中東與非洲</a:t>
+                        <a:t>Europe, Middle East &amp; Africa</a:t>
                       </a:r>
                     </a:p>
                   </a:txBody>
@@ -11157,13 +12115,13 @@
                     <a:p>
                       <a:pPr algn="ctr"/>
                       <a:r>
-                        <a:rPr lang="de-de" sz="1100" dirty="0">
+                        <a:rPr lang="en-US" sz="1100" dirty="0">
                           <a:solidFill>
                             <a:schemeClr val="tx1"/>
                           </a:solidFill>
                           <a:latin typeface="Adobe Clean" panose="020B0503020404020204" pitchFamily="34" charset="0"/>
                         </a:rPr>
-                        <a:t>亞太地區</a:t>
+                        <a:t>Asia Pacific</a:t>
                       </a:r>
                     </a:p>
                   </a:txBody>
@@ -11222,22 +12180,22 @@
                     <a:p>
                       <a:pPr algn="ctr"/>
                       <a:r>
-                        <a:rPr lang="de-de" sz="1100" dirty="0">
+                        <a:rPr lang="en-US" sz="1100" dirty="0">
                           <a:solidFill>
                             <a:schemeClr val="tx1"/>
                           </a:solidFill>
-                          <a:latin typeface="Adobe Clean" panose="020B0503020404020204" pitchFamily="34" charset="0"/>
+                          <a:latin typeface="Adobe Clean"/>
                         </a:rPr>
-                        <a:t>日本 </a:t>
+                        <a:t>Japan </a:t>
                       </a:r>
                       <a:r>
-                        <a:rPr lang="de-de" sz="1100" baseline="30000">
+                        <a:rPr lang="en-US" sz="1100" baseline="30000" dirty="0">
                           <a:solidFill>
                             <a:schemeClr val="tx1"/>
                           </a:solidFill>
-                          <a:latin typeface="Adobe Clean" panose="020B0503020404020204" pitchFamily="34" charset="0"/>
+                          <a:latin typeface="Adobe Clean"/>
                         </a:rPr>
-                        <a:t>1</a:t>
+                        <a:t>1 </a:t>
                       </a:r>
                       <a:endParaRPr lang="en-US" sz="1100" dirty="0">
                         <a:solidFill>
@@ -11309,13 +12267,13 @@
                     <a:p>
                       <a:pPr algn="ctr"/>
                       <a:r>
-                        <a:rPr lang="de-de" sz="1100" dirty="0">
+                        <a:rPr lang="en-US" sz="1100" dirty="0">
                           <a:solidFill>
                             <a:schemeClr val="tx1"/>
                           </a:solidFill>
                           <a:latin typeface="Adobe Clean" panose="020B0503020404020204" pitchFamily="34" charset="0"/>
                         </a:rPr>
-                        <a:t>上午 6 點 – 下午 5:30</a:t>
+                        <a:t>6 am – 5:30 pm</a:t>
                       </a:r>
                     </a:p>
                   </a:txBody>
@@ -11374,13 +12332,13 @@
                     <a:p>
                       <a:pPr algn="ctr"/>
                       <a:r>
-                        <a:rPr lang="de-de" sz="1100" dirty="0">
+                        <a:rPr lang="en-US" sz="1100" dirty="0">
                           <a:solidFill>
                             <a:schemeClr val="tx1"/>
                           </a:solidFill>
                           <a:latin typeface="Adobe Clean" panose="020B0503020404020204" pitchFamily="34" charset="0"/>
                         </a:rPr>
-                        <a:t>上午 9 點 – 下午 5 點</a:t>
+                        <a:t>9 am – 5 pm</a:t>
                       </a:r>
                     </a:p>
                   </a:txBody>
@@ -11439,13 +12397,13 @@
                     <a:p>
                       <a:pPr algn="ctr"/>
                       <a:r>
-                        <a:rPr lang="de-de" sz="1100" dirty="0">
+                        <a:rPr lang="en-US" sz="1100" dirty="0">
                           <a:solidFill>
                             <a:schemeClr val="tx1"/>
                           </a:solidFill>
                           <a:latin typeface="Adobe Clean" panose="020B0503020404020204" pitchFamily="34" charset="0"/>
                         </a:rPr>
-                        <a:t>上午 9 點 – 下午 5 點</a:t>
+                        <a:t>9 am – 5 pm</a:t>
                       </a:r>
                     </a:p>
                   </a:txBody>
@@ -11504,13 +12462,13 @@
                     <a:p>
                       <a:pPr algn="ctr"/>
                       <a:r>
-                        <a:rPr lang="de-de" sz="1100" dirty="0">
+                        <a:rPr lang="en-US" sz="1100" dirty="0">
                           <a:solidFill>
                             <a:schemeClr val="tx1"/>
                           </a:solidFill>
                           <a:latin typeface="Adobe Clean" panose="020B0503020404020204" pitchFamily="34" charset="0"/>
                         </a:rPr>
-                        <a:t>上午 9 點 – 下午 5:30</a:t>
+                        <a:t>9 am – 5:30 pm</a:t>
                       </a:r>
                     </a:p>
                   </a:txBody>
@@ -11573,6 +12531,38 @@
                   <a:txBody>
                     <a:bodyPr/>
                     <a:lstStyle/>
+                    <a:p>
+                      <a:pPr marL="0" marR="0" lvl="0" indent="0" algn="ctr" eaLnBrk="1" fontAlgn="auto" latinLnBrk="0" hangingPunct="1">
+                        <a:lnSpc>
+                          <a:spcPct val="100000"/>
+                        </a:lnSpc>
+                        <a:spcBef>
+                          <a:spcPts val="0"/>
+                        </a:spcBef>
+                        <a:spcAft>
+                          <a:spcPts val="0"/>
+                        </a:spcAft>
+                        <a:buClrTx/>
+                        <a:buSzTx/>
+                        <a:buFontTx/>
+                        <a:buNone/>
+                      </a:pPr>
+                      <a:r>
+                        <a:rPr lang="en-US" sz="1100" dirty="0">
+                          <a:solidFill>
+                            <a:schemeClr val="tx1"/>
+                          </a:solidFill>
+                          <a:latin typeface="Adobe Clean"/>
+                        </a:rPr>
+                        <a:t>Language support is only available in English and Japanese.</a:t>
+                      </a:r>
+                      <a:endParaRPr lang="en-US" sz="1100" dirty="0">
+                        <a:solidFill>
+                          <a:schemeClr val="tx1"/>
+                        </a:solidFill>
+                        <a:latin typeface="Adobe Clean" panose="020B0503020404020204" pitchFamily="34" charset="0"/>
+                      </a:endParaRPr>
+                    </a:p>
                     <a:p>
                       <a:pPr marL="0" marR="0" lvl="0" indent="0" algn="ctr" defTabSz="914400" eaLnBrk="1" fontAlgn="auto" latinLnBrk="0" hangingPunct="1">
                         <a:lnSpc>
@@ -11592,41 +12582,13 @@
                         <a:defRPr/>
                       </a:pPr>
                       <a:r>
-                        <a:rPr lang="de-de" sz="1100" dirty="0">
+                        <a:rPr lang="en-US" sz="1100" i="1" dirty="0">
                           <a:solidFill>
                             <a:schemeClr val="tx1"/>
                           </a:solidFill>
-                          <a:latin typeface="Adobe Clean" panose="020B0503020404020204" pitchFamily="34" charset="0"/>
+                          <a:latin typeface="Adobe Clean"/>
                         </a:rPr>
-                        <a:t>僅提供英文和日文的語言支援</a:t>
-                      </a:r>
-                    </a:p>
-                    <a:p>
-                      <a:pPr marL="0" marR="0" lvl="0" indent="0" algn="ctr" defTabSz="914400" eaLnBrk="1" fontAlgn="auto" latinLnBrk="0" hangingPunct="1">
-                        <a:lnSpc>
-                          <a:spcPct val="100000"/>
-                        </a:lnSpc>
-                        <a:spcBef>
-                          <a:spcPts val="0"/>
-                        </a:spcBef>
-                        <a:spcAft>
-                          <a:spcPts val="0"/>
-                        </a:spcAft>
-                        <a:buClrTx/>
-                        <a:buSzTx/>
-                        <a:buFontTx/>
-                        <a:buNone/>
-                        <a:tabLst/>
-                        <a:defRPr/>
-                      </a:pPr>
-                      <a:r>
-                        <a:rPr lang="de-de" sz="1100" i="1" dirty="0">
-                          <a:solidFill>
-                            <a:schemeClr val="tx1"/>
-                          </a:solidFill>
-                          <a:latin typeface="Adobe Clean" panose="020B0503020404020204" pitchFamily="34" charset="0"/>
-                        </a:rPr>
-                        <a:t>*Adobe Commerce 不包含日文語言支援</a:t>
+                        <a:t>*Adobe Commerce excludes Japanese language support.</a:t>
                       </a:r>
                     </a:p>
                     <a:p>
@@ -11649,41 +12611,41 @@
                     <a:p>
                       <a:pPr algn="ctr"/>
                       <a:r>
-                        <a:rPr lang="de-de" sz="1100" i="0" dirty="0">
+                        <a:rPr lang="en-US" sz="1100" i="0" dirty="0">
                           <a:solidFill>
                             <a:schemeClr val="tx1"/>
                           </a:solidFill>
-                          <a:latin typeface="Adobe Clean" panose="020B0503020404020204" pitchFamily="34" charset="0"/>
+                          <a:latin typeface="Adobe Clean"/>
                         </a:rPr>
-                        <a:t> </a:t>
+                        <a:t> </a:t>
                       </a:r>
                       <a:r>
-                        <a:rPr lang="de-de" sz="1100" i="0" baseline="30000" dirty="0">
+                        <a:rPr lang="en-US" sz="1100" i="0" baseline="30000" dirty="0">
                           <a:solidFill>
                             <a:schemeClr val="tx1"/>
                           </a:solidFill>
-                          <a:latin typeface="Adobe Clean" panose="020B0503020404020204" pitchFamily="34" charset="0"/>
+                          <a:latin typeface="Adobe Clean"/>
                         </a:rPr>
                         <a:t>1 </a:t>
                       </a:r>
                       <a:r>
-                        <a:rPr lang="de-de" sz="1100" i="0" dirty="0">
+                        <a:rPr lang="en-US" sz="1100" i="0" dirty="0">
                           <a:solidFill>
                             <a:schemeClr val="tx1"/>
                           </a:solidFill>
-                          <a:latin typeface="Adobe Clean" panose="020B0503020404020204" pitchFamily="34" charset="0"/>
+                          <a:latin typeface="Adobe Clean"/>
                         </a:rPr>
-                        <a:t>P2、P3、P4 </a:t>
+                        <a:t>P2, P3, P4 cases are limited to business hours only in Japan.</a:t>
                       </a:r>
-                      <a:r>
-                        <a:rPr lang="zh-TW" altLang="en-US" sz="1100" i="0">
-                          <a:solidFill>
-                            <a:schemeClr val="tx1"/>
-                          </a:solidFill>
-                          <a:latin typeface="Adobe Clean" panose="020B0503020404020204" pitchFamily="34" charset="0"/>
-                        </a:rPr>
-                        <a:t> 案件僅限於在日本的營業時間提交。</a:t>
-                      </a:r>
+                      <a:endParaRPr lang="en-US" sz="1100" b="1" i="0" dirty="0">
+                        <a:solidFill>
+                          <a:schemeClr val="tx1"/>
+                        </a:solidFill>
+                        <a:latin typeface="Adobe Clean"/>
+                      </a:endParaRPr>
+                    </a:p>
+                    <a:p>
+                      <a:pPr algn="ctr"/>
                       <a:endParaRPr lang="en-US" sz="1100" dirty="0">
                         <a:solidFill>
                           <a:schemeClr val="tx1"/>
@@ -12053,34 +13015,124 @@
               </a:spcBef>
             </a:pPr>
             <a:r>
-              <a:rPr lang="de-de" sz="1200" b="1" spc="-15" dirty="0">
+              <a:rPr sz="1200" b="1" spc="-15" dirty="0">
                 <a:solidFill>
                   <a:srgbClr val="FFFFFF"/>
                 </a:solidFill>
                 <a:latin typeface="Adobe Clean"/>
                 <a:cs typeface="Adobe Clean"/>
               </a:rPr>
-              <a:t>無與倫比的</a:t>
-            </a:r>
-            <a:r>
-              <a:rPr lang="de-de" sz="1200" b="1" spc="-20" dirty="0">
+              <a:t>U</a:t>
+            </a:r>
+            <a:r>
+              <a:rPr sz="1200" b="1" spc="-20" dirty="0">
                 <a:solidFill>
                   <a:srgbClr val="FFFFFF"/>
                 </a:solidFill>
                 <a:latin typeface="Adobe Clean"/>
                 <a:cs typeface="Adobe Clean"/>
               </a:rPr>
-              <a:t>專業知識</a:t>
-            </a:r>
-            <a:r>
-              <a:rPr lang="de-de" sz="1200" b="1" dirty="0">
+              <a:t>n</a:t>
+            </a:r>
+            <a:r>
+              <a:rPr sz="1200" b="1" spc="-25" dirty="0">
                 <a:solidFill>
                   <a:srgbClr val="FFFFFF"/>
                 </a:solidFill>
                 <a:latin typeface="Adobe Clean"/>
                 <a:cs typeface="Adobe Clean"/>
               </a:rPr>
-              <a:t> </a:t>
+              <a:t>p</a:t>
+            </a:r>
+            <a:r>
+              <a:rPr sz="1200" b="1" spc="-15" dirty="0">
+                <a:solidFill>
+                  <a:srgbClr val="FFFFFF"/>
+                </a:solidFill>
+                <a:latin typeface="Adobe Clean"/>
+                <a:cs typeface="Adobe Clean"/>
+              </a:rPr>
+              <a:t>a</a:t>
+            </a:r>
+            <a:r>
+              <a:rPr sz="1200" b="1" spc="-25" dirty="0">
+                <a:solidFill>
+                  <a:srgbClr val="FFFFFF"/>
+                </a:solidFill>
+                <a:latin typeface="Adobe Clean"/>
+                <a:cs typeface="Adobe Clean"/>
+              </a:rPr>
+              <a:t>r</a:t>
+            </a:r>
+            <a:r>
+              <a:rPr sz="1200" b="1" spc="-15" dirty="0">
+                <a:solidFill>
+                  <a:srgbClr val="FFFFFF"/>
+                </a:solidFill>
+                <a:latin typeface="Adobe Clean"/>
+                <a:cs typeface="Adobe Clean"/>
+              </a:rPr>
+              <a:t>a</a:t>
+            </a:r>
+            <a:r>
+              <a:rPr sz="1200" b="1" spc="-30" dirty="0">
+                <a:solidFill>
+                  <a:srgbClr val="FFFFFF"/>
+                </a:solidFill>
+                <a:latin typeface="Adobe Clean"/>
+                <a:cs typeface="Adobe Clean"/>
+              </a:rPr>
+              <a:t>ll</a:t>
+            </a:r>
+            <a:r>
+              <a:rPr sz="1200" b="1" spc="-25" dirty="0">
+                <a:solidFill>
+                  <a:srgbClr val="FFFFFF"/>
+                </a:solidFill>
+                <a:latin typeface="Adobe Clean"/>
+                <a:cs typeface="Adobe Clean"/>
+              </a:rPr>
+              <a:t>e</a:t>
+            </a:r>
+            <a:r>
+              <a:rPr sz="1200" b="1" spc="-30" dirty="0">
+                <a:solidFill>
+                  <a:srgbClr val="FFFFFF"/>
+                </a:solidFill>
+                <a:latin typeface="Adobe Clean"/>
+                <a:cs typeface="Adobe Clean"/>
+              </a:rPr>
+              <a:t>l</a:t>
+            </a:r>
+            <a:r>
+              <a:rPr sz="1200" b="1" spc="-25" dirty="0">
+                <a:solidFill>
+                  <a:srgbClr val="FFFFFF"/>
+                </a:solidFill>
+                <a:latin typeface="Adobe Clean"/>
+                <a:cs typeface="Adobe Clean"/>
+              </a:rPr>
+              <a:t>e</a:t>
+            </a:r>
+            <a:r>
+              <a:rPr sz="1200" b="1" dirty="0">
+                <a:solidFill>
+                  <a:srgbClr val="FFFFFF"/>
+                </a:solidFill>
+                <a:latin typeface="Adobe Clean"/>
+                <a:cs typeface="Adobe Clean"/>
+              </a:rPr>
+              <a:t>d  </a:t>
+            </a:r>
+            <a:r>
+              <a:rPr sz="1200" b="1" spc="-25" dirty="0">
+                <a:solidFill>
+                  <a:srgbClr val="FFFFFF"/>
+                </a:solidFill>
+                <a:latin typeface="Adobe Clean"/>
+                <a:cs typeface="Adobe Clean"/>
+              </a:rPr>
+              <a:t>Expertise</a:t>
             </a:r>
             <a:endParaRPr sz="1200" dirty="0">
               <a:latin typeface="Adobe Clean"/>
@@ -12125,14 +13177,14 @@
               </a:spcBef>
             </a:pPr>
             <a:r>
-              <a:rPr lang="de-de" sz="1200" b="1" spc="-15" dirty="0">
+              <a:rPr lang="en-US" sz="1200" b="1" spc="-15" dirty="0">
                 <a:solidFill>
                   <a:srgbClr val="FFFFFF"/>
                 </a:solidFill>
                 <a:latin typeface="Adobe Clean"/>
                 <a:cs typeface="Adobe Clean"/>
               </a:rPr>
-              <a:t>加速支援</a:t>
+              <a:t>Accelerated Support</a:t>
             </a:r>
             <a:endParaRPr sz="1200" dirty="0">
               <a:latin typeface="Adobe Clean"/>
@@ -12177,44 +13229,104 @@
               </a:spcBef>
             </a:pPr>
             <a:r>
-              <a:rPr lang="de-de" sz="1200" b="1" spc="-50" dirty="0">
+              <a:rPr sz="1200" b="1" spc="-50" dirty="0">
                 <a:solidFill>
                   <a:srgbClr val="FFFFFF"/>
                 </a:solidFill>
                 <a:latin typeface="Adobe Clean"/>
                 <a:cs typeface="Adobe Clean"/>
               </a:rPr>
-              <a:t>策</a:t>
-            </a:r>
-            <a:r>
-              <a:rPr lang="de-de" sz="1200" b="1" spc="-20" dirty="0">
+              <a:t>S</a:t>
+            </a:r>
+            <a:r>
+              <a:rPr sz="1200" b="1" spc="-20" dirty="0">
                 <a:solidFill>
                   <a:srgbClr val="FFFFFF"/>
                 </a:solidFill>
                 <a:latin typeface="Adobe Clean"/>
                 <a:cs typeface="Adobe Clean"/>
               </a:rPr>
-              <a:t>略</a:t>
-            </a:r>
-            <a:r>
-              <a:rPr lang="de-de" sz="1200" b="1" spc="-75" dirty="0">
+              <a:t>t</a:t>
+            </a:r>
+            <a:r>
+              <a:rPr sz="1200" b="1" spc="-75" dirty="0">
                 <a:solidFill>
                   <a:srgbClr val="FFFFFF"/>
                 </a:solidFill>
                 <a:latin typeface="Adobe Clean"/>
                 <a:cs typeface="Adobe Clean"/>
               </a:rPr>
-              <a:t>性</a:t>
-            </a:r>
-            <a:r>
-              <a:rPr lang="de-de" sz="1200" b="1" spc="-45" dirty="0">
+              <a:t>r</a:t>
+            </a:r>
+            <a:r>
+              <a:rPr sz="1200" b="1" spc="-90" dirty="0">
                 <a:solidFill>
                   <a:srgbClr val="FFFFFF"/>
                 </a:solidFill>
                 <a:latin typeface="Adobe Clean"/>
                 <a:cs typeface="Adobe Clean"/>
               </a:rPr>
-              <a:t>建議</a:t>
+              <a:t>a</a:t>
+            </a:r>
+            <a:r>
+              <a:rPr sz="1200" b="1" spc="-55" dirty="0">
+                <a:solidFill>
+                  <a:srgbClr val="FFFFFF"/>
+                </a:solidFill>
+                <a:latin typeface="Adobe Clean"/>
+                <a:cs typeface="Adobe Clean"/>
+              </a:rPr>
+              <a:t>t</a:t>
+            </a:r>
+            <a:r>
+              <a:rPr sz="1200" b="1" spc="-100" dirty="0">
+                <a:solidFill>
+                  <a:srgbClr val="FFFFFF"/>
+                </a:solidFill>
+                <a:latin typeface="Adobe Clean"/>
+                <a:cs typeface="Adobe Clean"/>
+              </a:rPr>
+              <a:t>e</a:t>
+            </a:r>
+            <a:r>
+              <a:rPr sz="1200" b="1" spc="-80" dirty="0">
+                <a:solidFill>
+                  <a:srgbClr val="FFFFFF"/>
+                </a:solidFill>
+                <a:latin typeface="Adobe Clean"/>
+                <a:cs typeface="Adobe Clean"/>
+              </a:rPr>
+              <a:t>g</a:t>
+            </a:r>
+            <a:r>
+              <a:rPr sz="1200" b="1" spc="-35" dirty="0">
+                <a:solidFill>
+                  <a:srgbClr val="FFFFFF"/>
+                </a:solidFill>
+                <a:latin typeface="Adobe Clean"/>
+                <a:cs typeface="Adobe Clean"/>
+              </a:rPr>
+              <a:t>i</a:t>
+            </a:r>
+            <a:r>
+              <a:rPr sz="1200" b="1" dirty="0">
+                <a:solidFill>
+                  <a:srgbClr val="FFFFFF"/>
+                </a:solidFill>
+                <a:latin typeface="Adobe Clean"/>
+                <a:cs typeface="Adobe Clean"/>
+              </a:rPr>
+              <a:t>c  </a:t>
+            </a:r>
+            <a:r>
+              <a:rPr sz="1200" b="1" spc="-45" dirty="0">
+                <a:solidFill>
+                  <a:srgbClr val="FFFFFF"/>
+                </a:solidFill>
+                <a:latin typeface="Adobe Clean"/>
+                <a:cs typeface="Adobe Clean"/>
+              </a:rPr>
+              <a:t>Advice</a:t>
             </a:r>
             <a:endParaRPr sz="1200" dirty="0">
               <a:latin typeface="Adobe Clean"/>
@@ -12238,14 +13350,14 @@
           <p:nvPr>
             <p:extLst>
               <p:ext uri="{D42A27DB-BD31-4B8C-83A1-F6EECF244321}">
-                <p14:modId xmlns:p14="http://schemas.microsoft.com/office/powerpoint/2010/main" val="375036756"/>
+                <p14:modId xmlns:p14="http://schemas.microsoft.com/office/powerpoint/2010/main" val="1366573891"/>
               </p:ext>
             </p:extLst>
           </p:nvPr>
         </p:nvGraphicFramePr>
         <p:xfrm>
           <a:off x="194236" y="1059345"/>
-          <a:ext cx="7368291" cy="2473960"/>
+          <a:ext cx="7368291" cy="2931160"/>
         </p:xfrm>
         <a:graphic>
           <a:graphicData uri="http://schemas.openxmlformats.org/drawingml/2006/table">
@@ -12276,7 +13388,7 @@
                     <a:lstStyle/>
                     <a:p>
                       <a:r>
-                        <a:rPr lang="de-de" sz="1100" b="0" dirty="0">
+                        <a:rPr lang="en-US" sz="1100" b="0" dirty="0">
                           <a:solidFill>
                             <a:schemeClr val="tx1"/>
                           </a:solidFill>
@@ -12368,7 +13480,7 @@
                         <a:defRPr/>
                       </a:pPr>
                       <a:r>
-                        <a:rPr lang="de-de" sz="1000" b="0" kern="1200" dirty="0">
+                        <a:rPr lang="en-US" sz="1000" b="0" kern="1200" dirty="0">
                           <a:solidFill>
                             <a:srgbClr val="000000"/>
                           </a:solidFill>
@@ -12376,7 +13488,7 @@
                           <a:ea typeface="+mn-ea"/>
                           <a:cs typeface="+mn-cs"/>
                         </a:rPr>
-                        <a:t>Experience League 是 Adobe 幫助企業經由其所做的 Adobe 投資來實現預期價值的方式。這是一個統一的位置，客戶可以在這裡學習、交流並沿著個人化的成功路徑而成長，這裡有提供自助式教學課程、產品文件、由講師授課的培訓課程、社群及技術支援。</a:t>
+                        <a:t>Experience League is how Adobe helps businesses achieve the value they expect from their Adobe investment. It’s the unified place where customers can learn, connect, and grow along a personalized path to success that includes self-help tutorials, product documentation, instructor-led training, community and technical support. </a:t>
                       </a:r>
                     </a:p>
                   </a:txBody>
@@ -12458,7 +13570,7 @@
                         <a:defRPr/>
                       </a:pPr>
                       <a:r>
-                        <a:rPr lang="de-de" sz="1100" dirty="0">
+                        <a:rPr lang="en-US" sz="1100" dirty="0">
                           <a:solidFill>
                             <a:schemeClr val="dk1"/>
                           </a:solidFill>
@@ -12468,7 +13580,19 @@
                           <a:cs typeface="+mn-cs"/>
                           <a:hlinkClick r:id="rId8"/>
                         </a:rPr>
-                        <a:t>培訓</a:t>
+                        <a:t>Training</a:t>
+                      </a:r>
+                      <a:r>
+                        <a:rPr lang="en-US" sz="1100" dirty="0">
+                          <a:solidFill>
+                            <a:schemeClr val="dk1"/>
+                          </a:solidFill>
+                          <a:effectLst/>
+                          <a:latin typeface="Adobe Clean" panose="020B0503020404020204" pitchFamily="34" charset="0"/>
+                          <a:ea typeface="+mn-ea"/>
+                          <a:cs typeface="+mn-cs"/>
+                        </a:rPr>
+                        <a:t> </a:t>
                       </a:r>
                       <a:endParaRPr lang="en-US" sz="1100" dirty="0">
                         <a:solidFill>
@@ -12552,7 +13676,7 @@
                         <a:defRPr/>
                       </a:pPr>
                       <a:r>
-                        <a:rPr lang="de-de" sz="1000" kern="1200" dirty="0">
+                        <a:rPr lang="en-US" sz="1000" kern="1200" dirty="0">
                           <a:solidFill>
                             <a:srgbClr val="000000"/>
                           </a:solidFill>
@@ -12560,7 +13684,7 @@
                           <a:ea typeface="+mn-ea"/>
                           <a:cs typeface="+mn-cs"/>
                         </a:rPr>
-                        <a:t>您可以從 Experience League 存取 Adobe 數位學習服務課程。學習課程整合了隨需和教師指導的課程。在這裡，您可以習取市場公認價值的技能，並將其定位以促進貴組織獲致成功。</a:t>
+                        <a:t>Adobe Digital Learning Services courses are accessible from Experience League. Learning courses integrate both on-demand and instructor-led lessons.  Here you can accrue skills that have recognized market value and position them to drive success in your organizations.</a:t>
                       </a:r>
                     </a:p>
                   </a:txBody>
@@ -12642,7 +13766,7 @@
                         <a:defRPr/>
                       </a:pPr>
                       <a:r>
-                        <a:rPr lang="de-de" sz="1100" dirty="0">
+                        <a:rPr lang="en-US" sz="1100" dirty="0">
                           <a:solidFill>
                             <a:schemeClr val="tx1"/>
                           </a:solidFill>
@@ -12652,7 +13776,7 @@
                           <a:cs typeface="+mn-cs"/>
                           <a:hlinkClick r:id="rId9"/>
                         </a:rPr>
-                        <a:t>生產問題與系統中斷</a:t>
+                        <a:t>Production Issues &amp; System Outages</a:t>
                       </a:r>
                       <a:endParaRPr lang="en-US" sz="1100" dirty="0">
                         <a:solidFill>
@@ -12736,7 +13860,7 @@
                         <a:defRPr/>
                       </a:pPr>
                       <a:r>
-                        <a:rPr lang="de-de" sz="1000" kern="1200" dirty="0">
+                        <a:rPr lang="en-US" sz="1000" kern="1200" dirty="0">
                           <a:solidFill>
                             <a:srgbClr val="000000"/>
                           </a:solidFill>
@@ -12744,7 +13868,7 @@
                           <a:ea typeface="+mn-ea"/>
                           <a:cs typeface="+mn-cs"/>
                         </a:rPr>
-                        <a:t>Status.adobe.com 會傳達所有在多租用戶環境中部署的 Adobe 產品與服務的健康資訊。客戶可以選擇其訂閱偏好設定，以便在 Adobe 建立、更新或解決產品事件時收到電子郵件通知。這可以包括預定的維護或是不同嚴重性等級的服務問題。</a:t>
+                        <a:t>Status.adobe.com conveys the health information of all Adobe products and services that are deployed in multi-tenant environments. Customers can choose their subscription preferences to get email notifications whenever Adobe creates, updates or resolves a product event. This can include scheduled maintenance or service issues of varying levels of severity. </a:t>
                       </a:r>
                     </a:p>
                   </a:txBody>
@@ -12826,7 +13950,7 @@
                         <a:defRPr/>
                       </a:pPr>
                       <a:r>
-                        <a:rPr lang="de-de" sz="1100" dirty="0">
+                        <a:rPr lang="en-US" sz="1100" dirty="0">
                           <a:solidFill>
                             <a:schemeClr val="tx1"/>
                           </a:solidFill>
@@ -12836,7 +13960,7 @@
                           <a:cs typeface="+mn-cs"/>
                           <a:hlinkClick r:id="rId10"/>
                         </a:rPr>
-                        <a:t>條款與條件</a:t>
+                        <a:t>Terms and Conditions</a:t>
                       </a:r>
                       <a:endParaRPr lang="en-US" sz="1100" dirty="0">
                         <a:solidFill>
@@ -12903,7 +14027,7 @@
                     <a:lstStyle/>
                     <a:p>
                       <a:r>
-                        <a:rPr lang="de-de" sz="1000" kern="1200" dirty="0">
+                        <a:rPr lang="en-US" sz="1000" kern="1200" dirty="0">
                           <a:solidFill>
                             <a:srgbClr val="000000"/>
                           </a:solidFill>
@@ -12911,7 +14035,7 @@
                           <a:ea typeface="+mn-ea"/>
                           <a:cs typeface="+mn-cs"/>
                         </a:rPr>
-                        <a:t>詳述支援服務方案的條款與條件</a:t>
+                        <a:t>Terms and conditions detailing Support Services offerings.</a:t>
                       </a:r>
                     </a:p>
                   </a:txBody>
@@ -12975,7 +14099,7 @@
       </p:graphicFrame>
       <p:pic>
         <p:nvPicPr>
-          <p:cNvPr id="8" name="Graphic 7" descr="目標大綱">
+          <p:cNvPr id="8" name="Graphic 7" descr="Target outline">
             <a:extLst>
               <a:ext uri="{FF2B5EF4-FFF2-40B4-BE49-F238E27FC236}">
                 <a16:creationId xmlns:a16="http://schemas.microsoft.com/office/drawing/2014/main" id="{1EAA263E-04A7-0D46-952E-EA3033B45116}"/>
@@ -13014,7 +14138,7 @@
       </p:pic>
       <p:pic>
         <p:nvPicPr>
-          <p:cNvPr id="10" name="Graphic 9" descr="火箭大綱">
+          <p:cNvPr id="10" name="Graphic 9" descr="Rocket outline">
             <a:extLst>
               <a:ext uri="{FF2B5EF4-FFF2-40B4-BE49-F238E27FC236}">
                 <a16:creationId xmlns:a16="http://schemas.microsoft.com/office/drawing/2014/main" id="{A068EBC3-B418-4E4A-A520-101CA4B39F23}"/>
@@ -13053,7 +14177,7 @@
       </p:pic>
       <p:pic>
         <p:nvPicPr>
-          <p:cNvPr id="12" name="Graphic 11" descr="獎章概述">
+          <p:cNvPr id="12" name="Graphic 11" descr="Medal outline">
             <a:extLst>
               <a:ext uri="{FF2B5EF4-FFF2-40B4-BE49-F238E27FC236}">
                 <a16:creationId xmlns:a16="http://schemas.microsoft.com/office/drawing/2014/main" id="{C7BEFC2D-0CA6-0448-B9FA-6E1581CA6D36}"/>
@@ -13691,6 +14815,12 @@
 </file>
 
 <file path=customXml/item2.xml><?xml version="1.0" encoding="utf-8"?>
+<p:properties xmlns:p="http://schemas.microsoft.com/office/2006/metadata/properties" xmlns:xsi="http://www.w3.org/2001/XMLSchema-instance" xmlns:pc="http://schemas.microsoft.com/office/infopath/2007/PartnerControls">
+  <documentManagement/>
+</p:properties>
+</file>
+
+<file path=customXml/item3.xml><?xml version="1.0" encoding="utf-8"?>
 <ct:contentTypeSchema xmlns:ct="http://schemas.microsoft.com/office/2006/metadata/contentType" xmlns:ma="http://schemas.microsoft.com/office/2006/metadata/properties/metaAttributes" ct:_="" ma:_="" ma:contentTypeName="Document" ma:contentTypeID="0x010100E783BF6876BCC646A459363AF21A7736" ma:contentTypeVersion="10" ma:contentTypeDescription="Create a new document." ma:contentTypeScope="" ma:versionID="c4ffda7f4f415767600769e454c2ea87">
   <xsd:schema xmlns:xsd="http://www.w3.org/2001/XMLSchema" xmlns:xs="http://www.w3.org/2001/XMLSchema" xmlns:p="http://schemas.microsoft.com/office/2006/metadata/properties" xmlns:ns2="8a053bff-88be-49e4-9a87-e748e18b8b62" xmlns:ns3="6c8368ec-3776-49b5-a5bb-90648cf9530f" targetNamespace="http://schemas.microsoft.com/office/2006/metadata/properties" ma:root="true" ma:fieldsID="df3ec33bccc23e23bce7bc897fad43d1" ns2:_="" ns3:_="">
     <xsd:import namespace="8a053bff-88be-49e4-9a87-e748e18b8b62"/>
@@ -13895,12 +15025,6 @@
 </ct:contentTypeSchema>
 </file>
 
-<file path=customXml/item3.xml><?xml version="1.0" encoding="utf-8"?>
-<p:properties xmlns:p="http://schemas.microsoft.com/office/2006/metadata/properties" xmlns:xsi="http://www.w3.org/2001/XMLSchema-instance" xmlns:pc="http://schemas.microsoft.com/office/infopath/2007/PartnerControls">
-  <documentManagement/>
-</p:properties>
-</file>
-
 <file path=customXml/itemProps1.xml><?xml version="1.0" encoding="utf-8"?>
 <ds:datastoreItem xmlns:ds="http://schemas.openxmlformats.org/officeDocument/2006/customXml" ds:itemID="{AC92E7FA-19A2-4675-9C77-2C92D8A268D1}">
   <ds:schemaRefs>
@@ -13910,6 +15034,23 @@
 </file>
 
 <file path=customXml/itemProps2.xml><?xml version="1.0" encoding="utf-8"?>
+<ds:datastoreItem xmlns:ds="http://schemas.openxmlformats.org/officeDocument/2006/customXml" ds:itemID="{8D12BD98-169B-4BEE-86DF-4C9641DF23C4}">
+  <ds:schemaRefs>
+    <ds:schemaRef ds:uri="http://schemas.microsoft.com/office/2006/documentManagement/types"/>
+    <ds:schemaRef ds:uri="http://schemas.microsoft.com/office/2006/metadata/properties"/>
+    <ds:schemaRef ds:uri="http://www.w3.org/XML/1998/namespace"/>
+    <ds:schemaRef ds:uri="http://purl.org/dc/terms/"/>
+    <ds:schemaRef ds:uri="http://purl.org/dc/elements/1.1/"/>
+    <ds:schemaRef ds:uri="http://schemas.microsoft.com/office/infopath/2007/PartnerControls"/>
+    <ds:schemaRef ds:uri="http://schemas.openxmlformats.org/package/2006/metadata/core-properties"/>
+    <ds:schemaRef ds:uri="8a053bff-88be-49e4-9a87-e748e18b8b62"/>
+    <ds:schemaRef ds:uri="6c8368ec-3776-49b5-a5bb-90648cf9530f"/>
+    <ds:schemaRef ds:uri="http://purl.org/dc/dcmitype/"/>
+  </ds:schemaRefs>
+</ds:datastoreItem>
+</file>
+
+<file path=customXml/itemProps3.xml><?xml version="1.0" encoding="utf-8"?>
 <ds:datastoreItem xmlns:ds="http://schemas.openxmlformats.org/officeDocument/2006/customXml" ds:itemID="{34863498-7BB7-4F09-9F4A-B99E97FDB0EB}">
   <ds:schemaRefs>
     <ds:schemaRef ds:uri="http://schemas.microsoft.com/office/2006/metadata/contentType"/>
@@ -13926,13 +15067,4 @@
     <ds:schemaRef ds:uri="http://schemas.microsoft.com/internal/obd"/>
   </ds:schemaRefs>
 </ds:datastoreItem>
-</file>
-
-<file path=customXml/itemProps3.xml><?xml version="1.0" encoding="utf-8"?>
-<ds:datastoreItem xmlns:ds="http://schemas.openxmlformats.org/officeDocument/2006/customXml" ds:itemID="{8D12BD98-169B-4BEE-86DF-4C9641DF23C4}">
-  <ds:schemaRefs>
-    <ds:schemaRef ds:uri="http://schemas.microsoft.com/office/2006/metadata/properties"/>
-    <ds:schemaRef ds:uri="http://schemas.microsoft.com/office/infopath/2007/PartnerControls"/>
-  </ds:schemaRefs>
-</ds:datastoreItem>
 </file>
--- a/help/data-sheets/assets/OnlineSupportDatasheet.pptx
+++ b/help/data-sheets/assets/OnlineSupportDatasheet.pptx
@@ -128,231 +128,6 @@
 </p:presentation>
 </file>
 
-<file path=ppt/revisionInfo.xml><?xml version="1.0" encoding="utf-8"?>
-<p1510:revInfo xmlns:a="http://schemas.openxmlformats.org/drawingml/2006/main" xmlns:r="http://schemas.openxmlformats.org/officeDocument/2006/relationships" xmlns:p1510="http://schemas.microsoft.com/office/powerpoint/2015/10/main">
-  <p1510:revLst>
-    <p1510:client id="{096F7488-A26A-D845-83B0-BE2FC48D1AFD}" v="1" dt="2021-10-13T19:37:08.512"/>
-  </p1510:revLst>
-</p1510:revInfo>
-</file>
-
-<file path=ppt/changesInfos/changesInfo1.xml><?xml version="1.0" encoding="utf-8"?>
-<pc:chgInfo xmlns:a="http://schemas.openxmlformats.org/drawingml/2006/main" xmlns:r="http://schemas.openxmlformats.org/officeDocument/2006/relationships" xmlns:ac="http://schemas.microsoft.com/office/drawing/2013/main/command" xmlns:pc="http://schemas.microsoft.com/office/powerpoint/2013/main/command">
-  <pc:docChgLst>
-    <pc:chgData name="Akilah Johnson" userId="S::akjohnso@adobe.com::2fa3aa60-0c9c-4d06-bae2-795983241227" providerId="AD" clId="Web-{5343DD59-8FB2-7AAD-1875-255EDB54B98D}"/>
-    <pc:docChg chg="modSld">
-      <pc:chgData name="Akilah Johnson" userId="S::akjohnso@adobe.com::2fa3aa60-0c9c-4d06-bae2-795983241227" providerId="AD" clId="Web-{5343DD59-8FB2-7AAD-1875-255EDB54B98D}" dt="2021-09-22T18:47:16.489" v="185"/>
-      <pc:docMkLst>
-        <pc:docMk/>
-      </pc:docMkLst>
-      <pc:sldChg chg="modSp">
-        <pc:chgData name="Akilah Johnson" userId="S::akjohnso@adobe.com::2fa3aa60-0c9c-4d06-bae2-795983241227" providerId="AD" clId="Web-{5343DD59-8FB2-7AAD-1875-255EDB54B98D}" dt="2021-09-22T18:47:16.489" v="185"/>
-        <pc:sldMkLst>
-          <pc:docMk/>
-          <pc:sldMk cId="799510854" sldId="260"/>
-        </pc:sldMkLst>
-        <pc:spChg chg="mod">
-          <ac:chgData name="Akilah Johnson" userId="S::akjohnso@adobe.com::2fa3aa60-0c9c-4d06-bae2-795983241227" providerId="AD" clId="Web-{5343DD59-8FB2-7AAD-1875-255EDB54B98D}" dt="2021-09-22T18:45:44.427" v="153" actId="20577"/>
-          <ac:spMkLst>
-            <pc:docMk/>
-            <pc:sldMk cId="799510854" sldId="260"/>
-            <ac:spMk id="64" creationId="{41467BDC-3D83-D844-B922-CD07E94E5AAB}"/>
-          </ac:spMkLst>
-        </pc:spChg>
-        <pc:graphicFrameChg chg="mod modGraphic">
-          <ac:chgData name="Akilah Johnson" userId="S::akjohnso@adobe.com::2fa3aa60-0c9c-4d06-bae2-795983241227" providerId="AD" clId="Web-{5343DD59-8FB2-7AAD-1875-255EDB54B98D}" dt="2021-09-22T18:47:16.489" v="185"/>
-          <ac:graphicFrameMkLst>
-            <pc:docMk/>
-            <pc:sldMk cId="799510854" sldId="260"/>
-            <ac:graphicFrameMk id="25" creationId="{3A91F5B0-3974-A14D-A146-FB590F2AAD18}"/>
-          </ac:graphicFrameMkLst>
-        </pc:graphicFrameChg>
-      </pc:sldChg>
-    </pc:docChg>
-  </pc:docChgLst>
-  <pc:docChgLst>
-    <pc:chgData name="Akilah Johnson" userId="S::akjohnso@adobe.com::2fa3aa60-0c9c-4d06-bae2-795983241227" providerId="AD" clId="Web-{57A486D7-8267-4044-450E-B1D42691F1A4}"/>
-    <pc:docChg chg="modSld">
-      <pc:chgData name="Akilah Johnson" userId="S::akjohnso@adobe.com::2fa3aa60-0c9c-4d06-bae2-795983241227" providerId="AD" clId="Web-{57A486D7-8267-4044-450E-B1D42691F1A4}" dt="2021-10-12T15:47:55.091" v="2" actId="20577"/>
-      <pc:docMkLst>
-        <pc:docMk/>
-      </pc:docMkLst>
-      <pc:sldChg chg="modSp">
-        <pc:chgData name="Akilah Johnson" userId="S::akjohnso@adobe.com::2fa3aa60-0c9c-4d06-bae2-795983241227" providerId="AD" clId="Web-{57A486D7-8267-4044-450E-B1D42691F1A4}" dt="2021-10-12T15:47:55.091" v="2" actId="20577"/>
-        <pc:sldMkLst>
-          <pc:docMk/>
-          <pc:sldMk cId="0" sldId="256"/>
-        </pc:sldMkLst>
-        <pc:spChg chg="mod">
-          <ac:chgData name="Akilah Johnson" userId="S::akjohnso@adobe.com::2fa3aa60-0c9c-4d06-bae2-795983241227" providerId="AD" clId="Web-{57A486D7-8267-4044-450E-B1D42691F1A4}" dt="2021-10-12T15:47:55.091" v="2" actId="20577"/>
-          <ac:spMkLst>
-            <pc:docMk/>
-            <pc:sldMk cId="0" sldId="256"/>
-            <ac:spMk id="5" creationId="{00000000-0000-0000-0000-000000000000}"/>
-          </ac:spMkLst>
-        </pc:spChg>
-      </pc:sldChg>
-    </pc:docChg>
-  </pc:docChgLst>
-  <pc:docChgLst>
-    <pc:chgData name="Lauren Schutte" userId="6e08b2d3-447a-4d66-86be-444d50df187f" providerId="ADAL" clId="{096F7488-A26A-D845-83B0-BE2FC48D1AFD}"/>
-    <pc:docChg chg="modSld">
-      <pc:chgData name="Lauren Schutte" userId="6e08b2d3-447a-4d66-86be-444d50df187f" providerId="ADAL" clId="{096F7488-A26A-D845-83B0-BE2FC48D1AFD}" dt="2021-10-13T19:38:26.139" v="4" actId="20577"/>
-      <pc:docMkLst>
-        <pc:docMk/>
-      </pc:docMkLst>
-      <pc:sldChg chg="modSp mod">
-        <pc:chgData name="Lauren Schutte" userId="6e08b2d3-447a-4d66-86be-444d50df187f" providerId="ADAL" clId="{096F7488-A26A-D845-83B0-BE2FC48D1AFD}" dt="2021-10-13T19:37:16.686" v="2" actId="242"/>
-        <pc:sldMkLst>
-          <pc:docMk/>
-          <pc:sldMk cId="0" sldId="256"/>
-        </pc:sldMkLst>
-        <pc:graphicFrameChg chg="mod modGraphic">
-          <ac:chgData name="Lauren Schutte" userId="6e08b2d3-447a-4d66-86be-444d50df187f" providerId="ADAL" clId="{096F7488-A26A-D845-83B0-BE2FC48D1AFD}" dt="2021-10-13T19:37:16.686" v="2" actId="242"/>
-          <ac:graphicFrameMkLst>
-            <pc:docMk/>
-            <pc:sldMk cId="0" sldId="256"/>
-            <ac:graphicFrameMk id="9" creationId="{00000000-0000-0000-0000-000000000000}"/>
-          </ac:graphicFrameMkLst>
-        </pc:graphicFrameChg>
-      </pc:sldChg>
-      <pc:sldChg chg="modSp mod">
-        <pc:chgData name="Lauren Schutte" userId="6e08b2d3-447a-4d66-86be-444d50df187f" providerId="ADAL" clId="{096F7488-A26A-D845-83B0-BE2FC48D1AFD}" dt="2021-10-13T19:38:11.810" v="3" actId="20577"/>
-        <pc:sldMkLst>
-          <pc:docMk/>
-          <pc:sldMk cId="0" sldId="257"/>
-        </pc:sldMkLst>
-        <pc:spChg chg="mod">
-          <ac:chgData name="Lauren Schutte" userId="6e08b2d3-447a-4d66-86be-444d50df187f" providerId="ADAL" clId="{096F7488-A26A-D845-83B0-BE2FC48D1AFD}" dt="2021-10-13T19:38:11.810" v="3" actId="20577"/>
-          <ac:spMkLst>
-            <pc:docMk/>
-            <pc:sldMk cId="0" sldId="257"/>
-            <ac:spMk id="39" creationId="{00000000-0000-0000-0000-000000000000}"/>
-          </ac:spMkLst>
-        </pc:spChg>
-      </pc:sldChg>
-      <pc:sldChg chg="modSp mod">
-        <pc:chgData name="Lauren Schutte" userId="6e08b2d3-447a-4d66-86be-444d50df187f" providerId="ADAL" clId="{096F7488-A26A-D845-83B0-BE2FC48D1AFD}" dt="2021-10-13T19:38:26.139" v="4" actId="20577"/>
-        <pc:sldMkLst>
-          <pc:docMk/>
-          <pc:sldMk cId="799510854" sldId="260"/>
-        </pc:sldMkLst>
-        <pc:graphicFrameChg chg="modGraphic">
-          <ac:chgData name="Lauren Schutte" userId="6e08b2d3-447a-4d66-86be-444d50df187f" providerId="ADAL" clId="{096F7488-A26A-D845-83B0-BE2FC48D1AFD}" dt="2021-10-13T19:38:26.139" v="4" actId="20577"/>
-          <ac:graphicFrameMkLst>
-            <pc:docMk/>
-            <pc:sldMk cId="799510854" sldId="260"/>
-            <ac:graphicFrameMk id="111" creationId="{D8653CEC-4213-DE40-9BAF-D1E3318FF89C}"/>
-          </ac:graphicFrameMkLst>
-        </pc:graphicFrameChg>
-      </pc:sldChg>
-    </pc:docChg>
-  </pc:docChgLst>
-  <pc:docChgLst>
-    <pc:chgData name="Akilah Johnson" userId="S::akjohnso@adobe.com::2fa3aa60-0c9c-4d06-bae2-795983241227" providerId="AD" clId="Web-{CF46E89E-48FC-BA32-13C5-654DDA452FDC}"/>
-    <pc:docChg chg="modSld">
-      <pc:chgData name="Akilah Johnson" userId="S::akjohnso@adobe.com::2fa3aa60-0c9c-4d06-bae2-795983241227" providerId="AD" clId="Web-{CF46E89E-48FC-BA32-13C5-654DDA452FDC}" dt="2021-10-12T17:00:50.675" v="21" actId="20577"/>
-      <pc:docMkLst>
-        <pc:docMk/>
-      </pc:docMkLst>
-      <pc:sldChg chg="modSp">
-        <pc:chgData name="Akilah Johnson" userId="S::akjohnso@adobe.com::2fa3aa60-0c9c-4d06-bae2-795983241227" providerId="AD" clId="Web-{CF46E89E-48FC-BA32-13C5-654DDA452FDC}" dt="2021-10-12T16:58:10.550" v="6" actId="20577"/>
-        <pc:sldMkLst>
-          <pc:docMk/>
-          <pc:sldMk cId="0" sldId="256"/>
-        </pc:sldMkLst>
-        <pc:spChg chg="mod">
-          <ac:chgData name="Akilah Johnson" userId="S::akjohnso@adobe.com::2fa3aa60-0c9c-4d06-bae2-795983241227" providerId="AD" clId="Web-{CF46E89E-48FC-BA32-13C5-654DDA452FDC}" dt="2021-10-12T16:58:10.550" v="6" actId="20577"/>
-          <ac:spMkLst>
-            <pc:docMk/>
-            <pc:sldMk cId="0" sldId="256"/>
-            <ac:spMk id="2" creationId="{00000000-0000-0000-0000-000000000000}"/>
-          </ac:spMkLst>
-        </pc:spChg>
-        <pc:graphicFrameChg chg="mod modGraphic">
-          <ac:chgData name="Akilah Johnson" userId="S::akjohnso@adobe.com::2fa3aa60-0c9c-4d06-bae2-795983241227" providerId="AD" clId="Web-{CF46E89E-48FC-BA32-13C5-654DDA452FDC}" dt="2021-10-12T16:57:07.113" v="1"/>
-          <ac:graphicFrameMkLst>
-            <pc:docMk/>
-            <pc:sldMk cId="0" sldId="256"/>
-            <ac:graphicFrameMk id="8" creationId="{00000000-0000-0000-0000-000000000000}"/>
-          </ac:graphicFrameMkLst>
-        </pc:graphicFrameChg>
-      </pc:sldChg>
-      <pc:sldChg chg="modSp">
-        <pc:chgData name="Akilah Johnson" userId="S::akjohnso@adobe.com::2fa3aa60-0c9c-4d06-bae2-795983241227" providerId="AD" clId="Web-{CF46E89E-48FC-BA32-13C5-654DDA452FDC}" dt="2021-10-12T16:59:59.628" v="14" actId="20577"/>
-        <pc:sldMkLst>
-          <pc:docMk/>
-          <pc:sldMk cId="0" sldId="257"/>
-        </pc:sldMkLst>
-        <pc:spChg chg="mod">
-          <ac:chgData name="Akilah Johnson" userId="S::akjohnso@adobe.com::2fa3aa60-0c9c-4d06-bae2-795983241227" providerId="AD" clId="Web-{CF46E89E-48FC-BA32-13C5-654DDA452FDC}" dt="2021-10-12T16:59:21.300" v="12" actId="20577"/>
-          <ac:spMkLst>
-            <pc:docMk/>
-            <pc:sldMk cId="0" sldId="257"/>
-            <ac:spMk id="39" creationId="{00000000-0000-0000-0000-000000000000}"/>
-          </ac:spMkLst>
-        </pc:spChg>
-        <pc:spChg chg="mod">
-          <ac:chgData name="Akilah Johnson" userId="S::akjohnso@adobe.com::2fa3aa60-0c9c-4d06-bae2-795983241227" providerId="AD" clId="Web-{CF46E89E-48FC-BA32-13C5-654DDA452FDC}" dt="2021-10-12T16:59:59.628" v="14" actId="20577"/>
-          <ac:spMkLst>
-            <pc:docMk/>
-            <pc:sldMk cId="0" sldId="257"/>
-            <ac:spMk id="46" creationId="{00000000-0000-0000-0000-000000000000}"/>
-          </ac:spMkLst>
-        </pc:spChg>
-      </pc:sldChg>
-      <pc:sldChg chg="modSp">
-        <pc:chgData name="Akilah Johnson" userId="S::akjohnso@adobe.com::2fa3aa60-0c9c-4d06-bae2-795983241227" providerId="AD" clId="Web-{CF46E89E-48FC-BA32-13C5-654DDA452FDC}" dt="2021-10-12T17:00:50.675" v="21" actId="20577"/>
-        <pc:sldMkLst>
-          <pc:docMk/>
-          <pc:sldMk cId="799510854" sldId="260"/>
-        </pc:sldMkLst>
-        <pc:spChg chg="mod">
-          <ac:chgData name="Akilah Johnson" userId="S::akjohnso@adobe.com::2fa3aa60-0c9c-4d06-bae2-795983241227" providerId="AD" clId="Web-{CF46E89E-48FC-BA32-13C5-654DDA452FDC}" dt="2021-10-12T17:00:50.675" v="21" actId="20577"/>
-          <ac:spMkLst>
-            <pc:docMk/>
-            <pc:sldMk cId="799510854" sldId="260"/>
-            <ac:spMk id="24" creationId="{00000000-0000-0000-0000-000000000000}"/>
-          </ac:spMkLst>
-        </pc:spChg>
-        <pc:spChg chg="mod">
-          <ac:chgData name="Akilah Johnson" userId="S::akjohnso@adobe.com::2fa3aa60-0c9c-4d06-bae2-795983241227" providerId="AD" clId="Web-{CF46E89E-48FC-BA32-13C5-654DDA452FDC}" dt="2021-10-12T17:00:45.784" v="19" actId="20577"/>
-          <ac:spMkLst>
-            <pc:docMk/>
-            <pc:sldMk cId="799510854" sldId="260"/>
-            <ac:spMk id="56" creationId="{00000000-0000-0000-0000-000000000000}"/>
-          </ac:spMkLst>
-        </pc:spChg>
-      </pc:sldChg>
-    </pc:docChg>
-  </pc:docChgLst>
-  <pc:docChgLst>
-    <pc:chgData name="Akilah Johnson" userId="S::akjohnso@adobe.com::2fa3aa60-0c9c-4d06-bae2-795983241227" providerId="AD" clId="Web-{19E88417-C612-7196-8214-73025F75FA84}"/>
-    <pc:docChg chg="modSld">
-      <pc:chgData name="Akilah Johnson" userId="S::akjohnso@adobe.com::2fa3aa60-0c9c-4d06-bae2-795983241227" providerId="AD" clId="Web-{19E88417-C612-7196-8214-73025F75FA84}" dt="2021-10-12T19:15:42.562" v="5" actId="20577"/>
-      <pc:docMkLst>
-        <pc:docMk/>
-      </pc:docMkLst>
-      <pc:sldChg chg="modSp">
-        <pc:chgData name="Akilah Johnson" userId="S::akjohnso@adobe.com::2fa3aa60-0c9c-4d06-bae2-795983241227" providerId="AD" clId="Web-{19E88417-C612-7196-8214-73025F75FA84}" dt="2021-10-12T19:15:42.562" v="5" actId="20577"/>
-        <pc:sldMkLst>
-          <pc:docMk/>
-          <pc:sldMk cId="0" sldId="256"/>
-        </pc:sldMkLst>
-        <pc:spChg chg="mod">
-          <ac:chgData name="Akilah Johnson" userId="S::akjohnso@adobe.com::2fa3aa60-0c9c-4d06-bae2-795983241227" providerId="AD" clId="Web-{19E88417-C612-7196-8214-73025F75FA84}" dt="2021-10-12T19:15:42.562" v="5" actId="20577"/>
-          <ac:spMkLst>
-            <pc:docMk/>
-            <pc:sldMk cId="0" sldId="256"/>
-            <ac:spMk id="13" creationId="{7979C0CC-523E-844A-96DC-75FC662E01AB}"/>
-          </ac:spMkLst>
-        </pc:spChg>
-      </pc:sldChg>
-    </pc:docChg>
-  </pc:docChgLst>
-</pc:chgInfo>
-</file>
-
 <file path=ppt/notesMasters/notesMaster1.xml><?xml version="1.0" encoding="utf-8"?>
 <p:notesMaster xmlns:a="http://schemas.openxmlformats.org/drawingml/2006/main" xmlns:r="http://schemas.openxmlformats.org/officeDocument/2006/relationships" xmlns:p="http://schemas.openxmlformats.org/presentationml/2006/main">
   <p:cSld>
@@ -435,7 +210,7 @@
           <a:p>
             <a:fld id="{A438815C-EDE5-F947-A55F-7634403F36C4}" type="datetimeFigureOut">
               <a:rPr lang="en-US" smtClean="0"/>
-              <a:t>10/13/21</a:t>
+              <a:t>10/11/21</a:t>
             </a:fld>
             <a:endParaRPr lang="en-US"/>
           </a:p>
@@ -1058,7 +833,7 @@
           <a:p>
             <a:fld id="{1D8BD707-D9CF-40AE-B4C6-C98DA3205C09}" type="datetimeFigureOut">
               <a:rPr lang="en-US"/>
-              <a:t>10/13/21</a:t>
+              <a:t>10/11/21</a:t>
             </a:fld>
             <a:endParaRPr lang="en-US"/>
           </a:p>
@@ -1242,7 +1017,7 @@
           <a:p>
             <a:fld id="{1D8BD707-D9CF-40AE-B4C6-C98DA3205C09}" type="datetimeFigureOut">
               <a:rPr lang="en-US"/>
-              <a:t>10/13/21</a:t>
+              <a:t>10/11/21</a:t>
             </a:fld>
             <a:endParaRPr lang="en-US"/>
           </a:p>
@@ -1544,7 +1319,7 @@
           <a:p>
             <a:fld id="{1D8BD707-D9CF-40AE-B4C6-C98DA3205C09}" type="datetimeFigureOut">
               <a:rPr lang="en-US"/>
-              <a:t>10/13/21</a:t>
+              <a:t>10/11/21</a:t>
             </a:fld>
             <a:endParaRPr lang="en-US"/>
           </a:p>
@@ -1799,25 +1574,28 @@
         <p:spPr>
           <a:xfrm>
             <a:off x="95250" y="7228840"/>
-            <a:ext cx="2884717" cy="227626"/>
+            <a:ext cx="2800350" cy="238760"/>
           </a:xfrm>
           <a:prstGeom prst="rect">
             <a:avLst/>
           </a:prstGeom>
         </p:spPr>
         <p:txBody>
-          <a:bodyPr vert="horz" wrap="square" lIns="0" tIns="12065" rIns="0" bIns="0" rtlCol="0" anchor="t">
+          <a:bodyPr vert="horz" wrap="square" lIns="0" tIns="12065" rIns="0" bIns="0" rtlCol="0">
             <a:spAutoFit/>
           </a:bodyPr>
           <a:lstStyle/>
           <a:p>
             <a:pPr marL="12700">
+              <a:lnSpc>
+                <a:spcPct val="100000"/>
+              </a:lnSpc>
               <a:spcBef>
                 <a:spcPts val="95"/>
               </a:spcBef>
             </a:pPr>
             <a:r>
-              <a:rPr sz="1400" b="1" u="heavy" spc="10" dirty="0">
+              <a:rPr lang="de-de" sz="1400" b="1" u="heavy" spc="10" dirty="0">
                 <a:solidFill>
                   <a:srgbClr val="020302"/>
                 </a:solidFill>
@@ -1829,10 +1607,10 @@
                 <a:latin typeface="Adobe Clean"/>
                 <a:cs typeface="Adobe Clean"/>
               </a:rPr>
-              <a:t>Service </a:t>
+              <a:t>服務</a:t>
             </a:r>
             <a:r>
-              <a:rPr sz="1400" b="1" u="heavy" spc="-10" dirty="0">
+              <a:rPr lang="de-de" sz="1400" b="1" u="heavy" spc="-10" dirty="0">
                 <a:solidFill>
                   <a:srgbClr val="020302"/>
                 </a:solidFill>
@@ -1844,10 +1622,10 @@
                 <a:latin typeface="Adobe Clean"/>
                 <a:cs typeface="Adobe Clean"/>
               </a:rPr>
-              <a:t>Level </a:t>
+              <a:t>層級</a:t>
             </a:r>
             <a:r>
-              <a:rPr sz="1400" b="1" u="heavy" spc="-45" dirty="0">
+              <a:rPr lang="de-de" sz="1400" b="1" u="heavy" spc="-45" dirty="0">
                 <a:solidFill>
                   <a:srgbClr val="020302"/>
                 </a:solidFill>
@@ -1859,10 +1637,10 @@
                 <a:latin typeface="Adobe Clean"/>
                 <a:cs typeface="Adobe Clean"/>
               </a:rPr>
-              <a:t>Targets: </a:t>
+              <a:t>目標：</a:t>
             </a:r>
             <a:r>
-              <a:rPr sz="1400" b="1" u="heavy" spc="-10" dirty="0">
+              <a:rPr lang="de-de" sz="1400" b="1" u="heavy" spc="-10" dirty="0">
                 <a:solidFill>
                   <a:srgbClr val="020302"/>
                 </a:solidFill>
@@ -1874,10 +1652,10 @@
                 <a:latin typeface="Adobe Clean"/>
                 <a:cs typeface="Adobe Clean"/>
               </a:rPr>
-              <a:t>Initial</a:t>
+              <a:t>最初</a:t>
             </a:r>
             <a:r>
-              <a:rPr lang="en-US" sz="1400" b="1" u="heavy" spc="-10" dirty="0">
+              <a:rPr lang="de-de" sz="1400" b="1" u="heavy" spc="-15" dirty="0">
                 <a:solidFill>
                   <a:srgbClr val="020302"/>
                 </a:solidFill>
@@ -1889,22 +1667,7 @@
                 <a:latin typeface="Adobe Clean"/>
                 <a:cs typeface="Adobe Clean"/>
               </a:rPr>
-              <a:t> </a:t>
-            </a:r>
-            <a:r>
-              <a:rPr sz="1400" b="1" u="heavy" spc="-15" dirty="0">
-                <a:solidFill>
-                  <a:srgbClr val="020302"/>
-                </a:solidFill>
-                <a:uFill>
-                  <a:solidFill>
-                    <a:srgbClr val="020302"/>
-                  </a:solidFill>
-                </a:uFill>
-                <a:latin typeface="Adobe Clean"/>
-                <a:cs typeface="Adobe Clean"/>
-              </a:rPr>
-              <a:t>Response</a:t>
+              <a:t>回應</a:t>
             </a:r>
             <a:endParaRPr sz="1400" dirty="0">
               <a:latin typeface="Adobe Clean"/>
@@ -1958,7 +1721,7 @@
           </a:prstGeom>
         </p:spPr>
         <p:txBody>
-          <a:bodyPr vert="horz" wrap="square" lIns="0" tIns="24130" rIns="0" bIns="0" rtlCol="0" anchor="t">
+          <a:bodyPr vert="horz" wrap="square" lIns="0" tIns="24130" rIns="0" bIns="0" rtlCol="0">
             <a:spAutoFit/>
           </a:bodyPr>
           <a:lstStyle/>
@@ -1972,42 +1735,38 @@
               </a:spcBef>
             </a:pPr>
             <a:r>
-              <a:rPr lang="en-US" sz="1200" b="1" dirty="0">
+              <a:rPr lang="de-de" sz="1200" b="1" dirty="0">
                 <a:solidFill>
                   <a:schemeClr val="bg1"/>
                 </a:solidFill>
               </a:rPr>
-              <a:t>Online</a:t>
+              <a:t>線上</a:t>
             </a:r>
             <a:r>
-              <a:rPr lang="en-US" sz="1200" dirty="0">
+              <a:rPr lang="de-de" sz="1200" dirty="0">
                 <a:solidFill>
                   <a:schemeClr val="bg1"/>
                 </a:solidFill>
-                <a:latin typeface="Adobe Clean Light"/>
-              </a:rPr>
-              <a:t> | Business | Enterprise | Elite</a:t>
-            </a:r>
-            <a:br>
-              <a:rPr lang="en-US" sz="900" dirty="0">
                 <a:latin typeface="Adobe Clean Light" panose="020B0303020404020204" pitchFamily="34" charset="0"/>
               </a:rPr>
-            </a:br>
+              <a:t> | 商務 | 企業 | 菁英</a:t>
+            </a:r>
+            <a:br/>
             <a:r>
-              <a:rPr lang="en-US" sz="900" dirty="0">
+              <a:rPr lang="de-de" sz="900" dirty="0">
                 <a:solidFill>
                   <a:schemeClr val="bg1"/>
                 </a:solidFill>
-                <a:latin typeface="Adobe Clean SemiLight"/>
+                <a:latin typeface="Adobe Clean SemiLight" panose="020B0403020404020204" pitchFamily="34" charset="0"/>
               </a:rPr>
-              <a:t>Adobe provides a comprehensive range of technical resources to help support your business included as part of your Experience Cloud license subscription. Online support includes access to personalized learning paths and monitored community forums via the Adobe Experience League. You can take advantage of our detailed and in-depth technical product documentation and current release notes published on </a:t>
+              <a:t>Adobe 提供全方位的技術資源來支援您的業務，這些資源包括在您的 Experience Cloud 授權訂閱中，並在 BUSINESS 支援套件中加以強化。線上支援包括透過 Adobe Experience League 存取個人化學習路徑和監控的社群論壇。您可以利用我們在 </a:t>
             </a:r>
             <a:r>
-              <a:rPr lang="en-US" sz="900" u="sng" dirty="0">
+              <a:rPr lang="de-de" sz="900" u="sng" dirty="0">
                 <a:solidFill>
                   <a:schemeClr val="bg1"/>
                 </a:solidFill>
-                <a:latin typeface="Adobe Clean SemiLight"/>
+                <a:latin typeface="Adobe Clean SemiLight" panose="020B0403020404020204" pitchFamily="34" charset="0"/>
                 <a:hlinkClick r:id="rId4">
                   <a:extLst>
                     <a:ext uri="{A12FA001-AC4F-418D-AE19-62706E023703}">
@@ -2016,22 +1775,22 @@
                   </a:extLst>
                 </a:hlinkClick>
               </a:rPr>
-              <a:t>http://www.adobe.com. </a:t>
+              <a:t>http://www.adobe.com/tw/</a:t>
             </a:r>
             <a:r>
-              <a:rPr lang="en-US" sz="900" dirty="0">
+              <a:rPr lang="de-de" sz="900" dirty="0">
                 <a:solidFill>
                   <a:schemeClr val="bg1"/>
                 </a:solidFill>
-                <a:latin typeface="Adobe Clean SemiLight"/>
+                <a:latin typeface="Adobe Clean SemiLight" panose="020B0403020404020204" pitchFamily="34" charset="0"/>
               </a:rPr>
-              <a:t>Our Online package also includes access to our technical support teams for any critical P1 product issues via telephone to help protect your business at the most critical times as well as providing the ability to log lower priority requests for assistance via support web portal.</a:t>
+              <a:t> 上發佈的詳細且深入的技術產品文件和目前的版本注意事項。我們的線上套件還包括透過電話與我們的技術支援團隊聯絡，以解決任何關鍵的 P1 產品問題，協助在最關鍵的時刻保護您的業務，並提供透過支援入口網站記錄低優先順序的援助請求的能力。</a:t>
             </a:r>
             <a:endParaRPr lang="en-US" sz="900" dirty="0">
               <a:solidFill>
                 <a:schemeClr val="bg1"/>
               </a:solidFill>
-              <a:latin typeface="Adobe Clean SemiLight"/>
+              <a:latin typeface="Adobe Clean Light" panose="020B0303020404020204" pitchFamily="34" charset="0"/>
               <a:cs typeface="AdobeClean-Light"/>
             </a:endParaRPr>
           </a:p>
@@ -2075,7 +1834,7 @@
           <p:nvPr>
             <p:extLst>
               <p:ext uri="{D42A27DB-BD31-4B8C-83A1-F6EECF244321}">
-                <p14:modId xmlns:p14="http://schemas.microsoft.com/office/powerpoint/2010/main" val="1047125657"/>
+                <p14:modId xmlns:p14="http://schemas.microsoft.com/office/powerpoint/2010/main" val="1019627915"/>
               </p:ext>
             </p:extLst>
           </p:nvPr>
@@ -2176,34 +1935,14 @@
                         </a:spcBef>
                       </a:pPr>
                       <a:r>
-                        <a:rPr sz="900" spc="0" dirty="0">
+                        <a:rPr lang="de-de" sz="900" spc="0" dirty="0">
                           <a:solidFill>
                             <a:srgbClr val="404040"/>
                           </a:solidFill>
                           <a:latin typeface="Adobe Clean"/>
                           <a:cs typeface="Adobe Clean"/>
                         </a:rPr>
-                        <a:t>Online</a:t>
-                      </a:r>
-                      <a:r>
-                        <a:rPr lang="en-US" sz="900" spc="0" dirty="0">
-                          <a:solidFill>
-                            <a:srgbClr val="404040"/>
-                          </a:solidFill>
-                          <a:latin typeface="Adobe Clean"/>
-                          <a:cs typeface="Adobe Clean"/>
-                        </a:rPr>
-                        <a:t> </a:t>
-                      </a:r>
-                      <a:r>
-                        <a:rPr sz="900" spc="0" dirty="0">
-                          <a:solidFill>
-                            <a:srgbClr val="404040"/>
-                          </a:solidFill>
-                          <a:latin typeface="Adobe Clean"/>
-                          <a:cs typeface="Adobe Clean"/>
-                        </a:rPr>
-                        <a:t>Support</a:t>
+                        <a:t>線上支援</a:t>
                       </a:r>
                       <a:endParaRPr sz="900" spc="0" dirty="0">
                         <a:latin typeface="Adobe Clean"/>
@@ -2243,36 +1982,122 @@
                         </a:spcBef>
                       </a:pPr>
                       <a:r>
-                        <a:rPr sz="900" spc="0" dirty="0">
+                        <a:rPr lang="de-de" sz="900" spc="0" dirty="0">
                           <a:solidFill>
                             <a:srgbClr val="FFFFFF"/>
                           </a:solidFill>
                           <a:latin typeface="Adobe Clean"/>
                           <a:cs typeface="Adobe Clean"/>
                         </a:rPr>
-                        <a:t>Business</a:t>
+                        <a:t>商務支援</a:t>
                       </a:r>
+                      <a:endParaRPr sz="900" spc="0" dirty="0">
+                        <a:latin typeface="Adobe Clean"/>
+                        <a:cs typeface="Adobe Clean"/>
+                      </a:endParaRPr>
+                    </a:p>
+                  </a:txBody>
+                  <a:tcPr marL="0" marR="0" marT="7620" marB="0" anchor="ctr">
+                    <a:lnL w="3175">
+                      <a:solidFill>
+                        <a:srgbClr val="B7B8B8"/>
+                      </a:solidFill>
+                      <a:prstDash val="solid"/>
+                    </a:lnL>
+                    <a:lnR w="3175">
+                      <a:solidFill>
+                        <a:srgbClr val="B7B8B8"/>
+                      </a:solidFill>
+                      <a:prstDash val="solid"/>
+                    </a:lnR>
+                    <a:lnB w="76200">
+                      <a:solidFill>
+                        <a:srgbClr val="ACD2FF"/>
+                      </a:solidFill>
+                      <a:prstDash val="solid"/>
+                    </a:lnB>
+                    <a:solidFill>
+                      <a:srgbClr val="7D7D7D"/>
+                    </a:solidFill>
+                  </a:tcPr>
+                </a:tc>
+                <a:tc gridSpan="2">
+                  <a:txBody>
+                    <a:bodyPr/>
+                    <a:lstStyle/>
+                    <a:p>
+                      <a:pPr marL="2540" algn="ctr">
+                        <a:lnSpc>
+                          <a:spcPct val="100000"/>
+                        </a:lnSpc>
+                        <a:spcBef>
+                          <a:spcPts val="60"/>
+                        </a:spcBef>
+                      </a:pPr>
                       <a:r>
-                        <a:rPr lang="en-US" sz="900" spc="0" dirty="0">
+                        <a:rPr lang="de-de" sz="900" spc="0" dirty="0">
                           <a:solidFill>
                             <a:srgbClr val="FFFFFF"/>
                           </a:solidFill>
                           <a:latin typeface="Adobe Clean"/>
                           <a:cs typeface="Adobe Clean"/>
                         </a:rPr>
-                        <a:t> </a:t>
+                        <a:t>企業支援</a:t>
                       </a:r>
+                      <a:endParaRPr sz="900" spc="0" dirty="0">
+                        <a:latin typeface="Adobe Clean"/>
+                        <a:cs typeface="Adobe Clean"/>
+                      </a:endParaRPr>
+                    </a:p>
+                  </a:txBody>
+                  <a:tcPr marL="0" marR="0" marT="7620" marB="0" anchor="ctr">
+                    <a:lnL w="3175">
+                      <a:solidFill>
+                        <a:srgbClr val="B7B8B8"/>
+                      </a:solidFill>
+                      <a:prstDash val="solid"/>
+                    </a:lnL>
+                    <a:lnR w="3175">
+                      <a:solidFill>
+                        <a:srgbClr val="B7B8B8"/>
+                      </a:solidFill>
+                      <a:prstDash val="solid"/>
+                    </a:lnR>
+                    <a:lnB w="76200">
+                      <a:solidFill>
+                        <a:srgbClr val="2E8FFF"/>
+                      </a:solidFill>
+                      <a:prstDash val="solid"/>
+                    </a:lnB>
+                    <a:solidFill>
+                      <a:srgbClr val="404040"/>
+                    </a:solidFill>
+                  </a:tcPr>
+                </a:tc>
+                <a:tc hMerge="1">
+                  <a:txBody>
+                    <a:bodyPr/>
+                    <a:lstStyle/>
+                    <a:p>
+                      <a:pPr marL="635" algn="ctr">
+                        <a:lnSpc>
+                          <a:spcPct val="100000"/>
+                        </a:lnSpc>
+                        <a:spcBef>
+                          <a:spcPts val="60"/>
+                        </a:spcBef>
+                      </a:pPr>
                       <a:r>
-                        <a:rPr sz="900" spc="0" dirty="0">
+                        <a:rPr lang="de-de" sz="900" spc="-20" dirty="0">
                           <a:solidFill>
                             <a:srgbClr val="FFFFFF"/>
                           </a:solidFill>
                           <a:latin typeface="Adobe Clean"/>
                           <a:cs typeface="Adobe Clean"/>
                         </a:rPr>
-                        <a:t>Support</a:t>
+                        <a:t>企業支援</a:t>
                       </a:r>
-                      <a:endParaRPr sz="900" spc="0" dirty="0">
+                      <a:endParaRPr sz="900" dirty="0">
                         <a:latin typeface="Adobe Clean"/>
                         <a:cs typeface="Adobe Clean"/>
                       </a:endParaRPr>
@@ -2293,21 +2118,21 @@
                     </a:lnR>
                     <a:lnB w="76200">
                       <a:solidFill>
-                        <a:srgbClr val="ACD2FF"/>
+                        <a:srgbClr val="2E8FFF"/>
                       </a:solidFill>
                       <a:prstDash val="solid"/>
                     </a:lnB>
                     <a:solidFill>
-                      <a:srgbClr val="7D7D7D"/>
+                      <a:srgbClr val="404040"/>
                     </a:solidFill>
                   </a:tcPr>
                 </a:tc>
-                <a:tc gridSpan="2">
-                  <a:txBody>
-                    <a:bodyPr/>
-                    <a:lstStyle/>
-                    <a:p>
-                      <a:pPr marL="2540" algn="ctr">
+                <a:tc>
+                  <a:txBody>
+                    <a:bodyPr/>
+                    <a:lstStyle/>
+                    <a:p>
+                      <a:pPr marL="635" algn="ctr">
                         <a:lnSpc>
                           <a:spcPct val="100000"/>
                         </a:lnSpc>
@@ -2316,160 +2141,14 @@
                         </a:spcBef>
                       </a:pPr>
                       <a:r>
-                        <a:rPr lang="en-US" sz="900" spc="0" dirty="0">
+                        <a:rPr lang="de-de" sz="900" spc="0" dirty="0">
                           <a:solidFill>
                             <a:srgbClr val="FFFFFF"/>
                           </a:solidFill>
                           <a:latin typeface="Adobe Clean"/>
                           <a:cs typeface="Adobe Clean"/>
                         </a:rPr>
-                        <a:t>Enterprise Support</a:t>
-                      </a:r>
-                      <a:endParaRPr sz="900" spc="0" dirty="0">
-                        <a:latin typeface="Adobe Clean"/>
-                        <a:cs typeface="Adobe Clean"/>
-                      </a:endParaRPr>
-                    </a:p>
-                  </a:txBody>
-                  <a:tcPr marL="0" marR="0" marT="7620" marB="0" anchor="ctr">
-                    <a:lnL w="3175">
-                      <a:solidFill>
-                        <a:srgbClr val="B7B8B8"/>
-                      </a:solidFill>
-                      <a:prstDash val="solid"/>
-                    </a:lnL>
-                    <a:lnR w="3175">
-                      <a:solidFill>
-                        <a:srgbClr val="B7B8B8"/>
-                      </a:solidFill>
-                      <a:prstDash val="solid"/>
-                    </a:lnR>
-                    <a:lnB w="76200">
-                      <a:solidFill>
-                        <a:srgbClr val="2E8FFF"/>
-                      </a:solidFill>
-                      <a:prstDash val="solid"/>
-                    </a:lnB>
-                    <a:solidFill>
-                      <a:srgbClr val="404040"/>
-                    </a:solidFill>
-                  </a:tcPr>
-                </a:tc>
-                <a:tc hMerge="1">
-                  <a:txBody>
-                    <a:bodyPr/>
-                    <a:lstStyle/>
-                    <a:p>
-                      <a:pPr marL="635" algn="ctr">
-                        <a:lnSpc>
-                          <a:spcPct val="100000"/>
-                        </a:lnSpc>
-                        <a:spcBef>
-                          <a:spcPts val="60"/>
-                        </a:spcBef>
-                      </a:pPr>
-                      <a:r>
-                        <a:rPr sz="900" spc="-20" dirty="0">
-                          <a:solidFill>
-                            <a:srgbClr val="FFFFFF"/>
-                          </a:solidFill>
-                          <a:latin typeface="Adobe Clean"/>
-                          <a:cs typeface="Adobe Clean"/>
-                        </a:rPr>
-                        <a:t>Enterprise</a:t>
-                      </a:r>
-                      <a:r>
-                        <a:rPr lang="en-US" sz="900" spc="-20" dirty="0">
-                          <a:solidFill>
-                            <a:srgbClr val="FFFFFF"/>
-                          </a:solidFill>
-                          <a:latin typeface="Adobe Clean"/>
-                          <a:cs typeface="Adobe Clean"/>
-                        </a:rPr>
-                        <a:t> </a:t>
-                      </a:r>
-                      <a:r>
-                        <a:rPr sz="900" spc="-20" dirty="0">
-                          <a:solidFill>
-                            <a:srgbClr val="FFFFFF"/>
-                          </a:solidFill>
-                          <a:latin typeface="Adobe Clean"/>
-                          <a:cs typeface="Adobe Clean"/>
-                        </a:rPr>
-                        <a:t>Support</a:t>
-                      </a:r>
-                      <a:endParaRPr sz="900" dirty="0">
-                        <a:latin typeface="Adobe Clean"/>
-                        <a:cs typeface="Adobe Clean"/>
-                      </a:endParaRPr>
-                    </a:p>
-                  </a:txBody>
-                  <a:tcPr marL="0" marR="0" marT="7620" marB="0" anchor="ctr">
-                    <a:lnL w="3175">
-                      <a:solidFill>
-                        <a:srgbClr val="B7B8B8"/>
-                      </a:solidFill>
-                      <a:prstDash val="solid"/>
-                    </a:lnL>
-                    <a:lnR w="3175">
-                      <a:solidFill>
-                        <a:srgbClr val="B7B8B8"/>
-                      </a:solidFill>
-                      <a:prstDash val="solid"/>
-                    </a:lnR>
-                    <a:lnB w="76200">
-                      <a:solidFill>
-                        <a:srgbClr val="2E8FFF"/>
-                      </a:solidFill>
-                      <a:prstDash val="solid"/>
-                    </a:lnB>
-                    <a:solidFill>
-                      <a:srgbClr val="404040"/>
-                    </a:solidFill>
-                  </a:tcPr>
-                </a:tc>
-                <a:tc>
-                  <a:txBody>
-                    <a:bodyPr/>
-                    <a:lstStyle/>
-                    <a:p>
-                      <a:pPr marL="635" algn="ctr">
-                        <a:lnSpc>
-                          <a:spcPct val="100000"/>
-                        </a:lnSpc>
-                        <a:spcBef>
-                          <a:spcPts val="60"/>
-                        </a:spcBef>
-                      </a:pPr>
-                      <a:r>
-                        <a:rPr sz="900" spc="0" dirty="0">
-                          <a:solidFill>
-                            <a:srgbClr val="FFFFFF"/>
-                          </a:solidFill>
-                          <a:latin typeface="Adobe Clean"/>
-                          <a:cs typeface="Adobe Clean"/>
-                        </a:rPr>
-                        <a:t>Elite</a:t>
-                      </a:r>
-                      <a:r>
-                        <a:rPr lang="en-US" sz="900" spc="0" dirty="0">
-                          <a:solidFill>
-                            <a:srgbClr val="FFFFFF"/>
-                          </a:solidFill>
-                          <a:latin typeface="Adobe Clean"/>
-                          <a:cs typeface="Adobe Clean"/>
-                        </a:rPr>
-                        <a:t> </a:t>
-                      </a:r>
-                      <a:r>
-                        <a:rPr sz="900" spc="0" dirty="0">
-                          <a:solidFill>
-                            <a:srgbClr val="FFFFFF"/>
-                          </a:solidFill>
-                          <a:latin typeface="Adobe Clean"/>
-                          <a:cs typeface="Adobe Clean"/>
-                        </a:rPr>
-                        <a:t>Support</a:t>
+                        <a:t>菁英支援</a:t>
                       </a:r>
                       <a:endParaRPr sz="900" spc="0" dirty="0">
                         <a:latin typeface="Adobe Clean"/>
@@ -2581,24 +2260,14 @@
                         </a:spcBef>
                       </a:pPr>
                       <a:r>
-                        <a:rPr lang="en-US" sz="800" i="1" spc="0" dirty="0">
+                        <a:rPr lang="de-de" sz="800" i="1" spc="0" dirty="0">
                           <a:solidFill>
                             <a:srgbClr val="FFFFFF"/>
                           </a:solidFill>
                           <a:latin typeface="Adobe Clean"/>
                           <a:cs typeface="Adobe Clean"/>
                         </a:rPr>
-                        <a:t>Paid</a:t>
-                      </a:r>
-                      <a:r>
-                        <a:rPr sz="800" i="1" spc="0" dirty="0">
-                          <a:solidFill>
-                            <a:srgbClr val="FFFFFF"/>
-                          </a:solidFill>
-                          <a:latin typeface="Adobe Clean"/>
-                          <a:cs typeface="Adobe Clean"/>
-                        </a:rPr>
-                        <a:t> Support Levels($)</a:t>
+                        <a:t>支付的支援層級 ($)</a:t>
                       </a:r>
                       <a:endParaRPr sz="800" spc="0" dirty="0">
                         <a:latin typeface="Adobe Clean"/>
@@ -2690,14 +2359,14 @@
                         </a:spcBef>
                       </a:pPr>
                       <a:r>
-                        <a:rPr lang="en-US" sz="1000" b="1" i="0" spc="0" dirty="0">
+                        <a:rPr lang="de-de" sz="1000" b="1" i="0" spc="0" dirty="0">
                           <a:solidFill>
                             <a:schemeClr val="bg1"/>
                           </a:solidFill>
                           <a:latin typeface="Adobe Clean" panose="020B0503020404020204" pitchFamily="34" charset="0"/>
                           <a:cs typeface="AdobeClean-Light"/>
                         </a:rPr>
-                        <a:t>Assigned Experts</a:t>
+                        <a:t>指派的專家</a:t>
                       </a:r>
                       <a:endParaRPr sz="1000" b="1" i="0" spc="0" dirty="0">
                         <a:solidFill>
@@ -2752,14 +2421,14 @@
                         </a:spcBef>
                       </a:pPr>
                       <a:r>
-                        <a:rPr sz="900" spc="0" dirty="0">
+                        <a:rPr lang="de-de" sz="900" spc="0" dirty="0">
                           <a:solidFill>
                             <a:srgbClr val="020302"/>
                           </a:solidFill>
                           <a:latin typeface="AdobeClean-Light"/>
                           <a:cs typeface="AdobeClean-Light"/>
                         </a:rPr>
-                        <a:t>Account Support Lead</a:t>
+                        <a:t>帳戶支援負責人</a:t>
                       </a:r>
                       <a:endParaRPr sz="900" spc="0" dirty="0">
                         <a:latin typeface="AdobeClean-Light"/>
@@ -2838,7 +2507,7 @@
                         </a:spcBef>
                       </a:pPr>
                       <a:r>
-                        <a:rPr sz="900" spc="0" dirty="0">
+                        <a:rPr lang="de-de" sz="900" spc="0" dirty="0">
                           <a:solidFill>
                             <a:srgbClr val="020302"/>
                           </a:solidFill>
@@ -3007,14 +2676,14 @@
                         </a:spcBef>
                       </a:pPr>
                       <a:r>
-                        <a:rPr sz="900" spc="0" dirty="0">
+                        <a:rPr lang="de-de" sz="900" spc="0" dirty="0">
                           <a:solidFill>
                             <a:srgbClr val="020302"/>
                           </a:solidFill>
                           <a:latin typeface="AdobeClean-Light"/>
                           <a:cs typeface="AdobeClean-Light"/>
                         </a:rPr>
-                        <a:t>Named Support Engineer</a:t>
+                        <a:t>指定的支援工程師</a:t>
                       </a:r>
                       <a:endParaRPr sz="900" spc="0" dirty="0">
                         <a:latin typeface="AdobeClean-Light"/>
@@ -3117,7 +2786,7 @@
                         </a:spcBef>
                       </a:pPr>
                       <a:r>
-                        <a:rPr sz="900" spc="0" dirty="0">
+                        <a:rPr lang="de-de" sz="900" spc="0" dirty="0">
                           <a:solidFill>
                             <a:srgbClr val="020302"/>
                           </a:solidFill>
@@ -3148,7 +2817,7 @@
                         </a:spcBef>
                       </a:pPr>
                       <a:r>
-                        <a:rPr sz="900" spc="0" dirty="0">
+                        <a:rPr lang="de-de" sz="900" spc="0" dirty="0">
                           <a:solidFill>
                             <a:srgbClr val="020302"/>
                           </a:solidFill>
@@ -3242,14 +2911,14 @@
                         </a:spcBef>
                       </a:pPr>
                       <a:r>
-                        <a:rPr sz="900" spc="0" dirty="0">
+                        <a:rPr lang="de-de" sz="900" spc="0" dirty="0">
                           <a:solidFill>
                             <a:srgbClr val="020302"/>
                           </a:solidFill>
                           <a:latin typeface="AdobeClean-Light"/>
                           <a:cs typeface="AdobeClean-Light"/>
                         </a:rPr>
-                        <a:t>Technical Account Manager</a:t>
+                        <a:t>技術客戶經理</a:t>
                       </a:r>
                       <a:endParaRPr sz="900" spc="0" dirty="0">
                         <a:latin typeface="AdobeClean-Light"/>
@@ -3406,7 +3075,7 @@
                         </a:spcBef>
                       </a:pPr>
                       <a:r>
-                        <a:rPr sz="900" spc="0" dirty="0">
+                        <a:rPr lang="de-de" sz="900" spc="0" dirty="0">
                           <a:solidFill>
                             <a:srgbClr val="020302"/>
                           </a:solidFill>
@@ -3457,14 +3126,14 @@
                         </a:spcBef>
                       </a:pPr>
                       <a:r>
-                        <a:rPr lang="en-US" sz="1000" b="1" i="0" spc="0" dirty="0">
+                        <a:rPr lang="de-de" sz="1000" b="1" i="0" spc="0" dirty="0">
                           <a:solidFill>
                             <a:schemeClr val="bg1"/>
                           </a:solidFill>
                           <a:latin typeface="Adobe Clean" panose="020B0503020404020204" pitchFamily="34" charset="0"/>
                           <a:cs typeface="AdobeClean-Light"/>
                         </a:rPr>
-                        <a:t>Support Services</a:t>
+                        <a:t>支援服務</a:t>
                       </a:r>
                       <a:endParaRPr sz="1000" b="1" i="0" spc="0" dirty="0">
                         <a:solidFill>
@@ -3528,74 +3197,64 @@
                         </a:spcBef>
                       </a:pPr>
                       <a:r>
-                        <a:rPr lang="en-US" sz="900" spc="0" dirty="0">
+                        <a:rPr lang="de-de" sz="900" spc="0" dirty="0">
                           <a:solidFill>
                             <a:srgbClr val="020302"/>
                           </a:solidFill>
                           <a:latin typeface="AdobeClean-Light"/>
                           <a:cs typeface="AdobeClean-Light"/>
                         </a:rPr>
-                        <a:t>Online </a:t>
+                        <a:t>線上支援</a:t>
                       </a:r>
+                      <a:endParaRPr sz="900" spc="0" dirty="0">
+                        <a:latin typeface="AdobeClean-Light"/>
+                        <a:cs typeface="AdobeClean-Light"/>
+                      </a:endParaRPr>
+                    </a:p>
+                  </a:txBody>
+                  <a:tcPr marL="0" marR="0" marT="57150" marB="0">
+                    <a:lnL w="12700">
+                      <a:solidFill>
+                        <a:srgbClr val="F0F0F0"/>
+                      </a:solidFill>
+                      <a:prstDash val="solid"/>
+                    </a:lnL>
+                    <a:lnR w="12700">
+                      <a:solidFill>
+                        <a:srgbClr val="F0F0F0"/>
+                      </a:solidFill>
+                      <a:prstDash val="solid"/>
+                    </a:lnR>
+                    <a:lnT w="12700">
+                      <a:solidFill>
+                        <a:srgbClr val="F0F0F0"/>
+                      </a:solidFill>
+                      <a:prstDash val="solid"/>
+                    </a:lnT>
+                  </a:tcPr>
+                </a:tc>
+                <a:tc>
+                  <a:txBody>
+                    <a:bodyPr/>
+                    <a:lstStyle/>
+                    <a:p>
+                      <a:pPr algn="ctr">
+                        <a:lnSpc>
+                          <a:spcPct val="100000"/>
+                        </a:lnSpc>
+                        <a:spcBef>
+                          <a:spcPts val="535"/>
+                        </a:spcBef>
+                      </a:pPr>
                       <a:r>
-                        <a:rPr sz="900" spc="0" dirty="0">
+                        <a:rPr lang="de-de" sz="800" spc="0" dirty="0">
                           <a:solidFill>
                             <a:srgbClr val="020302"/>
                           </a:solidFill>
                           <a:latin typeface="AdobeClean-Light"/>
                           <a:cs typeface="AdobeClean-Light"/>
                         </a:rPr>
-                        <a:t> Support</a:t>
-                      </a:r>
-                      <a:endParaRPr sz="900" spc="0" dirty="0">
-                        <a:latin typeface="AdobeClean-Light"/>
-                        <a:cs typeface="AdobeClean-Light"/>
-                      </a:endParaRPr>
-                    </a:p>
-                  </a:txBody>
-                  <a:tcPr marL="0" marR="0" marT="57150" marB="0">
-                    <a:lnL w="12700">
-                      <a:solidFill>
-                        <a:srgbClr val="F0F0F0"/>
-                      </a:solidFill>
-                      <a:prstDash val="solid"/>
-                    </a:lnL>
-                    <a:lnR w="12700">
-                      <a:solidFill>
-                        <a:srgbClr val="F0F0F0"/>
-                      </a:solidFill>
-                      <a:prstDash val="solid"/>
-                    </a:lnR>
-                    <a:lnT w="12700">
-                      <a:solidFill>
-                        <a:srgbClr val="F0F0F0"/>
-                      </a:solidFill>
-                      <a:prstDash val="solid"/>
-                    </a:lnT>
-                  </a:tcPr>
-                </a:tc>
-                <a:tc>
-                  <a:txBody>
-                    <a:bodyPr/>
-                    <a:lstStyle/>
-                    <a:p>
-                      <a:pPr algn="ctr">
-                        <a:lnSpc>
-                          <a:spcPct val="100000"/>
-                        </a:lnSpc>
-                        <a:spcBef>
-                          <a:spcPts val="535"/>
-                        </a:spcBef>
-                      </a:pPr>
-                      <a:r>
-                        <a:rPr sz="800" spc="0" dirty="0">
-                          <a:solidFill>
-                            <a:srgbClr val="020302"/>
-                          </a:solidFill>
-                          <a:latin typeface="AdobeClean-Light"/>
-                          <a:cs typeface="AdobeClean-Light"/>
-                        </a:rPr>
-                        <a:t>Business hours</a:t>
+                        <a:t>營業時間</a:t>
                       </a:r>
                       <a:endParaRPr sz="800" spc="0" dirty="0">
                         <a:latin typeface="AdobeClean-Light"/>
@@ -3637,14 +3296,14 @@
                         </a:spcBef>
                       </a:pPr>
                       <a:r>
-                        <a:rPr sz="800" spc="0" dirty="0">
+                        <a:rPr lang="de-de" sz="800" spc="0" dirty="0">
                           <a:solidFill>
                             <a:srgbClr val="020302"/>
                           </a:solidFill>
                           <a:latin typeface="AdobeClean-Light"/>
                           <a:cs typeface="AdobeClean-Light"/>
                         </a:rPr>
-                        <a:t>Business hours</a:t>
+                        <a:t>營業時間</a:t>
                       </a:r>
                       <a:endParaRPr sz="800" spc="0" dirty="0">
                         <a:latin typeface="AdobeClean-Light"/>
@@ -3706,7 +3365,7 @@
                         </a:spcBef>
                       </a:pPr>
                       <a:r>
-                        <a:rPr sz="800" spc="0" dirty="0">
+                        <a:rPr lang="de-de" sz="800" spc="0" dirty="0">
                           <a:solidFill>
                             <a:srgbClr val="020302"/>
                           </a:solidFill>
@@ -3744,7 +3403,7 @@
                         </a:spcBef>
                       </a:pPr>
                       <a:r>
-                        <a:rPr sz="800" spc="0" dirty="0">
+                        <a:rPr lang="de-de" sz="800" spc="0" dirty="0">
                           <a:solidFill>
                             <a:srgbClr val="020302"/>
                           </a:solidFill>
@@ -3835,34 +3494,14 @@
                         </a:spcBef>
                       </a:pPr>
                       <a:r>
-                        <a:rPr sz="900" spc="0" dirty="0">
+                        <a:rPr lang="de-de" sz="900" spc="0" dirty="0">
                           <a:solidFill>
                             <a:srgbClr val="020302"/>
                           </a:solidFill>
                           <a:latin typeface="AdobeClean-Light"/>
                           <a:cs typeface="AdobeClean-Light"/>
                         </a:rPr>
-                        <a:t>24x7</a:t>
-                      </a:r>
-                      <a:r>
-                        <a:rPr lang="en-US" sz="900" spc="0" dirty="0">
-                          <a:solidFill>
-                            <a:srgbClr val="020302"/>
-                          </a:solidFill>
-                          <a:latin typeface="AdobeClean-Light"/>
-                          <a:cs typeface="AdobeClean-Light"/>
-                        </a:rPr>
-                        <a:t>x365</a:t>
-                      </a:r>
-                      <a:r>
-                        <a:rPr sz="900" spc="0" dirty="0">
-                          <a:solidFill>
-                            <a:srgbClr val="020302"/>
-                          </a:solidFill>
-                          <a:latin typeface="AdobeClean-Light"/>
-                          <a:cs typeface="AdobeClean-Light"/>
-                        </a:rPr>
-                        <a:t> P1 Issue Support</a:t>
+                        <a:t>全年無休 P1 問題支援</a:t>
                       </a:r>
                       <a:endParaRPr sz="900" spc="0" dirty="0">
                         <a:latin typeface="AdobeClean-Light"/>
@@ -3899,7 +3538,7 @@
                         </a:spcBef>
                       </a:pPr>
                       <a:r>
-                        <a:rPr sz="900" spc="0" dirty="0">
+                        <a:rPr lang="de-de" sz="900" spc="0" dirty="0">
                           <a:solidFill>
                             <a:srgbClr val="020302"/>
                           </a:solidFill>
@@ -3942,7 +3581,7 @@
                         </a:spcBef>
                       </a:pPr>
                       <a:r>
-                        <a:rPr sz="900" spc="0" dirty="0">
+                        <a:rPr lang="de-de" sz="900" spc="0" dirty="0">
                           <a:solidFill>
                             <a:srgbClr val="020302"/>
                           </a:solidFill>
@@ -3994,7 +3633,7 @@
                         </a:spcBef>
                       </a:pPr>
                       <a:r>
-                        <a:rPr sz="900" spc="0" dirty="0">
+                        <a:rPr lang="de-de" sz="900" spc="0" dirty="0">
                           <a:solidFill>
                             <a:srgbClr val="020302"/>
                           </a:solidFill>
@@ -4025,7 +3664,7 @@
                         </a:spcBef>
                       </a:pPr>
                       <a:r>
-                        <a:rPr sz="900" spc="0" dirty="0">
+                        <a:rPr lang="de-de" sz="900" spc="0" dirty="0">
                           <a:solidFill>
                             <a:srgbClr val="020302"/>
                           </a:solidFill>
@@ -4110,14 +3749,14 @@
                         </a:spcBef>
                       </a:pPr>
                       <a:r>
-                        <a:rPr lang="en-US" sz="900" spc="0" dirty="0">
+                        <a:rPr lang="de-de" sz="900" spc="0" dirty="0">
                           <a:solidFill>
                             <a:srgbClr val="020302"/>
                           </a:solidFill>
                           <a:latin typeface="AdobeClean-Light"/>
                           <a:cs typeface="AdobeClean-Light"/>
                         </a:rPr>
-                        <a:t>Named Support Contacts (per product)</a:t>
+                        <a:t>指定的支援聯絡人 (依據產品)</a:t>
                       </a:r>
                       <a:endParaRPr sz="900" spc="0" dirty="0">
                         <a:latin typeface="AdobeClean-Light"/>
@@ -4154,7 +3793,7 @@
                         </a:spcBef>
                       </a:pPr>
                       <a:r>
-                        <a:rPr sz="900" spc="0" dirty="0">
+                        <a:rPr lang="de-de" sz="900" spc="0" dirty="0">
                           <a:solidFill>
                             <a:srgbClr val="020302"/>
                           </a:solidFill>
@@ -4197,7 +3836,7 @@
                         </a:spcBef>
                       </a:pPr>
                       <a:r>
-                        <a:rPr sz="900" spc="0" dirty="0">
+                        <a:rPr lang="de-de" sz="900" spc="0" dirty="0">
                           <a:solidFill>
                             <a:srgbClr val="020302"/>
                           </a:solidFill>
@@ -4249,7 +3888,7 @@
                         </a:spcBef>
                       </a:pPr>
                       <a:r>
-                        <a:rPr sz="900" spc="0" dirty="0">
+                        <a:rPr lang="de-de" sz="900" spc="0" dirty="0">
                           <a:solidFill>
                             <a:srgbClr val="020302"/>
                           </a:solidFill>
@@ -4280,7 +3919,7 @@
                         </a:spcBef>
                       </a:pPr>
                       <a:r>
-                        <a:rPr sz="900" spc="0" dirty="0">
+                        <a:rPr lang="de-de" sz="900" spc="0" dirty="0">
                           <a:solidFill>
                             <a:srgbClr val="020302"/>
                           </a:solidFill>
@@ -4365,14 +4004,14 @@
                         </a:spcBef>
                       </a:pPr>
                       <a:r>
-                        <a:rPr lang="en-US" sz="900" spc="0" dirty="0">
+                        <a:rPr lang="de-de" sz="900" spc="0" dirty="0">
                           <a:solidFill>
                             <a:srgbClr val="020302"/>
                           </a:solidFill>
                           <a:latin typeface="AdobeClean-Light"/>
                           <a:cs typeface="AdobeClean-Light"/>
                         </a:rPr>
-                        <a:t>Live Telephone Support</a:t>
+                        <a:t>即時電話支援</a:t>
                       </a:r>
                       <a:endParaRPr sz="900" spc="0" dirty="0">
                         <a:latin typeface="AdobeClean-Light"/>
@@ -4439,7 +4078,7 @@
                         </a:spcBef>
                       </a:pPr>
                       <a:r>
-                        <a:rPr sz="900" spc="0" dirty="0">
+                        <a:rPr lang="de-de" sz="900" spc="0" dirty="0">
                           <a:solidFill>
                             <a:srgbClr val="020302"/>
                           </a:solidFill>
@@ -4491,7 +4130,7 @@
                         </a:spcBef>
                       </a:pPr>
                       <a:r>
-                        <a:rPr sz="900" spc="0" dirty="0">
+                        <a:rPr lang="de-de" sz="900" spc="0" dirty="0">
                           <a:solidFill>
                             <a:srgbClr val="020302"/>
                           </a:solidFill>
@@ -4522,7 +4161,7 @@
                         </a:spcBef>
                       </a:pPr>
                       <a:r>
-                        <a:rPr sz="900" spc="0" dirty="0">
+                        <a:rPr lang="de-de" sz="900" spc="0" dirty="0">
                           <a:solidFill>
                             <a:srgbClr val="020302"/>
                           </a:solidFill>
@@ -4607,14 +4246,14 @@
                         </a:spcBef>
                       </a:pPr>
                       <a:r>
-                        <a:rPr sz="900" spc="0" dirty="0">
+                        <a:rPr lang="de-de" sz="900" spc="0" dirty="0">
                           <a:solidFill>
                             <a:srgbClr val="020302"/>
                           </a:solidFill>
                           <a:latin typeface="AdobeClean-Light"/>
                           <a:cs typeface="AdobeClean-Light"/>
                         </a:rPr>
-                        <a:t>Escalation Management</a:t>
+                        <a:t>向上呈報管理</a:t>
                       </a:r>
                       <a:endParaRPr sz="900" spc="0" dirty="0">
                         <a:latin typeface="AdobeClean-Light"/>
@@ -4681,7 +4320,7 @@
                         </a:spcBef>
                       </a:pPr>
                       <a:r>
-                        <a:rPr sz="900" spc="0" dirty="0">
+                        <a:rPr lang="de-de" sz="900" spc="0" dirty="0">
                           <a:solidFill>
                             <a:srgbClr val="020302"/>
                           </a:solidFill>
@@ -4733,7 +4372,7 @@
                         </a:spcBef>
                       </a:pPr>
                       <a:r>
-                        <a:rPr sz="900" spc="0" dirty="0">
+                        <a:rPr lang="de-de" sz="900" spc="0" dirty="0">
                           <a:solidFill>
                             <a:srgbClr val="020302"/>
                           </a:solidFill>
@@ -4764,7 +4403,7 @@
                         </a:spcBef>
                       </a:pPr>
                       <a:r>
-                        <a:rPr sz="900" spc="0" dirty="0">
+                        <a:rPr lang="de-de" sz="900" spc="0" dirty="0">
                           <a:solidFill>
                             <a:srgbClr val="020302"/>
                           </a:solidFill>
@@ -4849,14 +4488,14 @@
                         </a:spcBef>
                       </a:pPr>
                       <a:r>
-                        <a:rPr sz="900" spc="0" dirty="0">
+                        <a:rPr lang="de-de" sz="900" spc="0" dirty="0">
                           <a:solidFill>
                             <a:srgbClr val="020302"/>
                           </a:solidFill>
                           <a:latin typeface="AdobeClean-Light"/>
                           <a:cs typeface="AdobeClean-Light"/>
                         </a:rPr>
-                        <a:t>Service Reviews  per Year</a:t>
+                        <a:t>每年的服務審查</a:t>
                       </a:r>
                       <a:endParaRPr sz="900" spc="0" dirty="0">
                         <a:latin typeface="AdobeClean-Light"/>
@@ -4959,7 +4598,7 @@
                         </a:spcBef>
                       </a:pPr>
                       <a:r>
-                        <a:rPr sz="900" spc="0" dirty="0">
+                        <a:rPr lang="de-de" sz="900" spc="0" dirty="0">
                           <a:solidFill>
                             <a:srgbClr val="020302"/>
                           </a:solidFill>
@@ -4990,7 +4629,7 @@
                         </a:spcBef>
                       </a:pPr>
                       <a:r>
-                        <a:rPr sz="900" spc="0" dirty="0">
+                        <a:rPr lang="de-de" sz="900" spc="0" dirty="0">
                           <a:solidFill>
                             <a:srgbClr val="020302"/>
                           </a:solidFill>
@@ -5045,11 +4684,11 @@
                         </a:spcBef>
                       </a:pPr>
                       <a:r>
-                        <a:rPr lang="en-US" sz="900" spc="0" dirty="0">
+                        <a:rPr lang="de-de" sz="900" spc="0" dirty="0">
                           <a:latin typeface="AdobeClean-Light"/>
                           <a:cs typeface="AdobeClean-Light"/>
                         </a:rPr>
-                        <a:t>Expert Sessions per Year</a:t>
+                        <a:t>每年的專家諮詢</a:t>
                       </a:r>
                       <a:endParaRPr sz="900" spc="0" dirty="0">
                         <a:latin typeface="AdobeClean-Light"/>
@@ -5153,7 +4792,7 @@
                         </a:spcBef>
                       </a:pPr>
                       <a:r>
-                        <a:rPr lang="en-US" sz="900" spc="0" dirty="0">
+                        <a:rPr lang="de-de" sz="900" spc="0" dirty="0">
                           <a:latin typeface="AdobeClean-Light"/>
                           <a:cs typeface="AdobeClean-Light"/>
                         </a:rPr>
@@ -5181,7 +4820,7 @@
                         </a:spcBef>
                       </a:pPr>
                       <a:r>
-                        <a:rPr lang="en-US" sz="900" spc="0" dirty="0">
+                        <a:rPr lang="de-de" sz="900" spc="0" dirty="0">
                           <a:latin typeface="AdobeClean-Light"/>
                           <a:cs typeface="AdobeClean-Light"/>
                         </a:rPr>
@@ -5233,11 +4872,11 @@
                         </a:spcBef>
                       </a:pPr>
                       <a:r>
-                        <a:rPr lang="en-US" sz="900" spc="0" dirty="0">
+                        <a:rPr lang="de-de" sz="900" spc="0" dirty="0">
                           <a:latin typeface="AdobeClean-Light"/>
                           <a:cs typeface="AdobeClean-Light"/>
                         </a:rPr>
-                        <a:t>Case Reviews</a:t>
+                        <a:t>案件審查</a:t>
                       </a:r>
                       <a:endParaRPr sz="900" spc="0" dirty="0">
                         <a:latin typeface="AdobeClean-Light"/>
@@ -5350,7 +4989,7 @@
                         <a:defRPr/>
                       </a:pPr>
                       <a:r>
-                        <a:rPr lang="en-US" sz="900" spc="0" dirty="0">
+                        <a:rPr lang="de-de" sz="900" spc="0" dirty="0">
                           <a:solidFill>
                             <a:srgbClr val="020302"/>
                           </a:solidFill>
@@ -5390,7 +5029,7 @@
                         <a:defRPr/>
                       </a:pPr>
                       <a:r>
-                        <a:rPr lang="en-US" sz="900" spc="0" dirty="0">
+                        <a:rPr lang="de-de" sz="900" spc="0">
                           <a:solidFill>
                             <a:srgbClr val="020302"/>
                           </a:solidFill>
@@ -5475,14 +5114,14 @@
                         </a:spcBef>
                       </a:pPr>
                       <a:r>
-                        <a:rPr sz="900" spc="0" dirty="0">
+                        <a:rPr lang="de-de" sz="900" spc="0" dirty="0">
                           <a:solidFill>
                             <a:srgbClr val="020302"/>
                           </a:solidFill>
                           <a:latin typeface="AdobeClean-Light"/>
                           <a:cs typeface="AdobeClean-Light"/>
                         </a:rPr>
-                        <a:t>Event Management</a:t>
+                        <a:t>事件管理</a:t>
                       </a:r>
                       <a:endParaRPr sz="900" spc="0" dirty="0">
                         <a:latin typeface="AdobeClean-Light"/>
@@ -5603,7 +5242,7 @@
                         </a:spcBef>
                       </a:pPr>
                       <a:r>
-                        <a:rPr sz="900" spc="0" dirty="0">
+                        <a:rPr lang="de-de" sz="900" spc="0" dirty="0">
                           <a:solidFill>
                             <a:srgbClr val="020302"/>
                           </a:solidFill>
@@ -5697,35 +5336,19 @@
                         </a:spcBef>
                       </a:pPr>
                       <a:r>
-                        <a:rPr sz="900" spc="0" dirty="0">
+                        <a:rPr lang="de-de" sz="900" spc="0" dirty="0">
                           <a:solidFill>
                             <a:srgbClr val="020302"/>
                           </a:solidFill>
                           <a:latin typeface="AdobeClean-Light"/>
                           <a:cs typeface="AdobeClean-Light"/>
                         </a:rPr>
-                        <a:t>Environment</a:t>
+                        <a:t>環境審查、維護與監控，</a:t>
                       </a:r>
-                      <a:r>
-                        <a:rPr lang="en-US" sz="900" spc="0" dirty="0">
-                          <a:solidFill>
-                            <a:srgbClr val="020302"/>
-                          </a:solidFill>
-                          <a:latin typeface="AdobeClean-Light"/>
-                          <a:cs typeface="AdobeClean-Light"/>
-                        </a:rPr>
-                        <a:t> </a:t>
-                      </a:r>
-                      <a:r>
-                        <a:rPr sz="900" spc="0" dirty="0">
-                          <a:solidFill>
-                            <a:srgbClr val="020302"/>
-                          </a:solidFill>
-                          <a:latin typeface="AdobeClean-Light"/>
-                          <a:cs typeface="AdobeClean-Light"/>
-                        </a:rPr>
-                        <a:t>Review, Maintenance &amp; Monitoring</a:t>
-                      </a:r>
+                      <a:endParaRPr sz="900" spc="0" dirty="0">
+                        <a:latin typeface="AdobeClean-Light"/>
+                        <a:cs typeface="AdobeClean-Light"/>
+                      </a:endParaRPr>
                     </a:p>
                   </a:txBody>
                   <a:tcPr marL="0" marR="0" marT="59055" marB="0">
@@ -5850,7 +5473,7 @@
                         </a:spcBef>
                       </a:pPr>
                       <a:r>
-                        <a:rPr sz="900" spc="0" dirty="0">
+                        <a:rPr lang="de-de" sz="900" spc="0" dirty="0">
                           <a:solidFill>
                             <a:srgbClr val="020302"/>
                           </a:solidFill>
@@ -5935,14 +5558,14 @@
                         </a:spcBef>
                       </a:pPr>
                       <a:r>
-                        <a:rPr sz="900" spc="0" dirty="0">
+                        <a:rPr lang="de-de" sz="900" spc="0" dirty="0">
                           <a:solidFill>
                             <a:srgbClr val="020302"/>
                           </a:solidFill>
                           <a:latin typeface="AdobeClean-Light"/>
                           <a:cs typeface="AdobeClean-Light"/>
                         </a:rPr>
-                        <a:t>Release, Migration, Upgrade &amp; Product Roadmap Review</a:t>
+                        <a:t>發行、遷移、升級及產品藍圖審查</a:t>
                       </a:r>
                       <a:endParaRPr sz="900" spc="0" dirty="0">
                         <a:latin typeface="AdobeClean-Light"/>
@@ -6063,7 +5686,7 @@
                         </a:spcBef>
                       </a:pPr>
                       <a:r>
-                        <a:rPr sz="900" spc="0" dirty="0">
+                        <a:rPr lang="de-de" sz="900" spc="0" dirty="0">
                           <a:solidFill>
                             <a:srgbClr val="020302"/>
                           </a:solidFill>
@@ -6157,11 +5780,11 @@
                         </a:spcBef>
                       </a:pPr>
                       <a:r>
-                        <a:rPr sz="900" spc="0" dirty="0">
+                        <a:rPr lang="de-de" sz="900" spc="0" dirty="0">
                           <a:latin typeface="AdobeClean-Light"/>
                           <a:cs typeface="AdobeClean-Light"/>
                         </a:rPr>
-                        <a:t>Cloud Support Activities – Experience Manager as Cloud</a:t>
+                        <a:t>雲端支援活動 – 雲端形式的 Experience Manager</a:t>
                       </a:r>
                     </a:p>
                   </a:txBody>
@@ -6289,7 +5912,7 @@
                         </a:spcBef>
                       </a:pPr>
                       <a:r>
-                        <a:rPr sz="900" spc="0" dirty="0">
+                        <a:rPr lang="de-de" sz="900" spc="0" dirty="0">
                           <a:solidFill>
                             <a:srgbClr val="020302"/>
                           </a:solidFill>
@@ -6327,7 +5950,7 @@
                         </a:spcBef>
                       </a:pPr>
                       <a:r>
-                        <a:rPr sz="900" spc="0" dirty="0">
+                        <a:rPr lang="de-de" sz="900" spc="0" dirty="0">
                           <a:solidFill>
                             <a:srgbClr val="020302"/>
                           </a:solidFill>
@@ -6378,14 +6001,14 @@
                         </a:spcBef>
                       </a:pPr>
                       <a:r>
-                        <a:rPr lang="en-US" sz="1000" b="1" i="0" spc="0" dirty="0">
+                        <a:rPr lang="de-de" sz="1000" b="1" i="0" spc="0" dirty="0">
                           <a:solidFill>
                             <a:schemeClr val="bg1"/>
                           </a:solidFill>
                           <a:latin typeface="Adobe Clean" panose="020B0503020404020204" pitchFamily="34" charset="0"/>
                           <a:cs typeface="AdobeClean-Light"/>
                         </a:rPr>
-                        <a:t>Field Services</a:t>
+                        <a:t>現場服務</a:t>
                       </a:r>
                       <a:endParaRPr sz="1000" b="1" i="0" spc="0" dirty="0">
                         <a:solidFill>
@@ -6446,34 +6069,14 @@
                         </a:spcBef>
                       </a:pPr>
                       <a:r>
-                        <a:rPr sz="900" spc="0" dirty="0">
+                        <a:rPr lang="de-de" sz="900" spc="0" dirty="0">
                           <a:solidFill>
                             <a:srgbClr val="020302"/>
                           </a:solidFill>
                           <a:latin typeface="AdobeClean-Light"/>
                           <a:cs typeface="AdobeClean-Light"/>
                         </a:rPr>
-                        <a:t>Launch Advisory Services – First Year of </a:t>
-                      </a:r>
-                      <a:r>
-                        <a:rPr lang="en-US" sz="900" spc="0" dirty="0">
-                          <a:solidFill>
-                            <a:srgbClr val="020302"/>
-                          </a:solidFill>
-                          <a:latin typeface="AdobeClean-Light"/>
-                          <a:cs typeface="AdobeClean-Light"/>
-                        </a:rPr>
-                        <a:t>a </a:t>
-                      </a:r>
-                      <a:r>
-                        <a:rPr sz="900" spc="0" dirty="0">
-                          <a:solidFill>
-                            <a:srgbClr val="020302"/>
-                          </a:solidFill>
-                          <a:latin typeface="AdobeClean-Light"/>
-                          <a:cs typeface="AdobeClean-Light"/>
-                        </a:rPr>
-                        <a:t>new solution</a:t>
+                        <a:t>上市諮詢服務 – 新解決方案的第一年</a:t>
                       </a:r>
                       <a:endParaRPr sz="900" spc="0" dirty="0">
                         <a:latin typeface="AdobeClean-Light"/>
@@ -6490,11 +6093,11 @@
                         </a:spcBef>
                       </a:pPr>
                       <a:r>
-                        <a:rPr sz="900" spc="0" dirty="0">
+                        <a:rPr lang="de-de" sz="900" spc="0" dirty="0">
                           <a:latin typeface="AdobeClean-Light"/>
                           <a:cs typeface="AdobeClean-Light"/>
                         </a:rPr>
-                        <a:t>Field Service Activities</a:t>
+                        <a:t>現場服務活動</a:t>
                       </a:r>
                     </a:p>
                   </a:txBody>
@@ -6628,7 +6231,7 @@
                         </a:spcBef>
                       </a:pPr>
                       <a:r>
-                        <a:rPr sz="900" spc="0" dirty="0">
+                        <a:rPr lang="de-de" sz="900" spc="0" dirty="0">
                           <a:solidFill>
                             <a:srgbClr val="020302"/>
                           </a:solidFill>
@@ -6666,7 +6269,7 @@
                         </a:spcBef>
                       </a:pPr>
                       <a:r>
-                        <a:rPr sz="900" spc="0" dirty="0">
+                        <a:rPr lang="de-de" sz="900" spc="0" dirty="0">
                           <a:solidFill>
                             <a:srgbClr val="020302"/>
                           </a:solidFill>
@@ -6848,7 +6451,7 @@
                         </a:spcBef>
                       </a:pPr>
                       <a:r>
-                        <a:rPr sz="900" spc="0" dirty="0">
+                        <a:rPr lang="de-de" sz="900" spc="0" dirty="0">
                           <a:solidFill>
                             <a:srgbClr val="020302"/>
                           </a:solidFill>
@@ -6886,7 +6489,7 @@
                         </a:spcBef>
                       </a:pPr>
                       <a:r>
-                        <a:rPr sz="900" spc="0" dirty="0">
+                        <a:rPr lang="de-de" sz="900" spc="0" dirty="0">
                           <a:solidFill>
                             <a:srgbClr val="020302"/>
                           </a:solidFill>
@@ -6939,7 +6542,7 @@
         <p:spPr>
           <a:xfrm>
             <a:off x="5307201" y="9862966"/>
-            <a:ext cx="2270125" cy="132729"/>
+            <a:ext cx="2693799" cy="132729"/>
           </a:xfrm>
           <a:prstGeom prst="rect">
             <a:avLst/>
@@ -6960,24 +6563,16 @@
               </a:spcBef>
             </a:pPr>
             <a:r>
-              <a:rPr spc="-5" dirty="0"/>
-              <a:t>©202</a:t>
+              <a:rPr lang="de-de" spc="-5" dirty="0"/>
+              <a:t>©2021 Adobe。All rights reserved.Adobe</a:t>
             </a:r>
             <a:r>
-              <a:rPr lang="en-US" spc="-5" dirty="0"/>
-              <a:t>1</a:t>
-            </a:r>
-            <a:r>
-              <a:rPr spc="-5" dirty="0"/>
-              <a:t> Adobe. All Rights Reserved. Adobe</a:t>
-            </a:r>
-            <a:r>
-              <a:rPr spc="60" dirty="0"/>
+              <a:rPr lang="de-de" spc="60" dirty="0"/>
               <a:t> </a:t>
             </a:r>
             <a:r>
-              <a:rPr spc="-5" dirty="0"/>
-              <a:t>Confidential.</a:t>
+              <a:rPr lang="de-de" spc="-5" dirty="0"/>
+              <a:t>機密資訊。</a:t>
             </a:r>
           </a:p>
         </p:txBody>
@@ -6991,14 +6586,14 @@
           <p:nvPr>
             <p:extLst>
               <p:ext uri="{D42A27DB-BD31-4B8C-83A1-F6EECF244321}">
-                <p14:modId xmlns:p14="http://schemas.microsoft.com/office/powerpoint/2010/main" val="4081524108"/>
+                <p14:modId xmlns:p14="http://schemas.microsoft.com/office/powerpoint/2010/main" val="2504301729"/>
               </p:ext>
             </p:extLst>
           </p:nvPr>
         </p:nvGraphicFramePr>
         <p:xfrm>
           <a:off x="33527" y="7483227"/>
-          <a:ext cx="7705343" cy="2172787"/>
+          <a:ext cx="7705343" cy="2088582"/>
         </p:xfrm>
         <a:graphic>
           <a:graphicData uri="http://schemas.openxmlformats.org/drawingml/2006/table">
@@ -7058,14 +6653,14 @@
                         </a:spcBef>
                       </a:pPr>
                       <a:r>
-                        <a:rPr sz="900" spc="0" dirty="0">
+                        <a:rPr lang="de-de" sz="900" spc="0" dirty="0">
                           <a:solidFill>
                             <a:srgbClr val="020302"/>
                           </a:solidFill>
                           <a:latin typeface="Adobe Clean"/>
                           <a:cs typeface="Adobe Clean"/>
                         </a:rPr>
-                        <a:t>Priority</a:t>
+                        <a:t>優先順序</a:t>
                       </a:r>
                       <a:endParaRPr sz="900" spc="0" dirty="0">
                         <a:latin typeface="Adobe Clean"/>
@@ -7117,34 +6712,14 @@
                         </a:spcBef>
                       </a:pPr>
                       <a:r>
-                        <a:rPr sz="900" spc="0" dirty="0">
+                        <a:rPr lang="de-de" sz="900" spc="0" dirty="0">
                           <a:solidFill>
                             <a:srgbClr val="020302"/>
                           </a:solidFill>
                           <a:latin typeface="Adobe Clean"/>
                           <a:cs typeface="Adobe Clean"/>
                         </a:rPr>
-                        <a:t>Online </a:t>
-                      </a:r>
-                      <a:r>
-                        <a:rPr lang="en-US" sz="900" spc="0" dirty="0">
-                          <a:solidFill>
-                            <a:srgbClr val="020302"/>
-                          </a:solidFill>
-                          <a:latin typeface="Adobe Clean"/>
-                          <a:cs typeface="Adobe Clean"/>
-                        </a:rPr>
-                        <a:t> </a:t>
-                      </a:r>
-                      <a:r>
-                        <a:rPr sz="900" spc="0" dirty="0">
-                          <a:solidFill>
-                            <a:srgbClr val="020302"/>
-                          </a:solidFill>
-                          <a:latin typeface="Adobe Clean"/>
-                          <a:cs typeface="Adobe Clean"/>
-                        </a:rPr>
-                        <a:t>Support</a:t>
+                        <a:t>線上支援</a:t>
                       </a:r>
                       <a:endParaRPr sz="900" spc="0" dirty="0">
                         <a:latin typeface="Adobe Clean"/>
@@ -7171,14 +6746,11 @@
                       </a:solidFill>
                       <a:prstDash val="solid"/>
                     </a:lnT>
-                    <a:lnB w="76200" cap="flat" cmpd="sng" algn="ctr">
+                    <a:lnB w="76200">
                       <a:solidFill>
                         <a:srgbClr val="858585"/>
                       </a:solidFill>
                       <a:prstDash val="solid"/>
-                      <a:round/>
-                      <a:headEnd type="none" w="med" len="med"/>
-                      <a:tailEnd type="none" w="med" len="med"/>
                     </a:lnB>
                     <a:solidFill>
                       <a:srgbClr val="D9D9D9"/>
@@ -7199,34 +6771,132 @@
                         </a:spcBef>
                       </a:pPr>
                       <a:r>
-                        <a:rPr sz="900" spc="0" dirty="0">
+                        <a:rPr lang="de-de" sz="900" spc="0" dirty="0">
                           <a:solidFill>
                             <a:srgbClr val="FFFFFF"/>
                           </a:solidFill>
                           <a:latin typeface="Adobe Clean"/>
                           <a:cs typeface="Adobe Clean"/>
                         </a:rPr>
-                        <a:t>Business</a:t>
+                        <a:t>商務支援</a:t>
                       </a:r>
+                      <a:endParaRPr sz="900" spc="0" dirty="0">
+                        <a:latin typeface="Adobe Clean"/>
+                        <a:cs typeface="Adobe Clean"/>
+                      </a:endParaRPr>
+                    </a:p>
+                  </a:txBody>
+                  <a:tcPr marL="0" marR="0" marT="0" marB="0" anchor="ctr">
+                    <a:lnL w="3175">
+                      <a:solidFill>
+                        <a:srgbClr val="B7B8B8"/>
+                      </a:solidFill>
+                      <a:prstDash val="solid"/>
+                    </a:lnL>
+                    <a:lnR w="3175">
+                      <a:solidFill>
+                        <a:srgbClr val="B7B8B8"/>
+                      </a:solidFill>
+                      <a:prstDash val="solid"/>
+                    </a:lnR>
+                    <a:lnT w="3175">
+                      <a:solidFill>
+                        <a:srgbClr val="B7B8B8"/>
+                      </a:solidFill>
+                      <a:prstDash val="solid"/>
+                    </a:lnT>
+                    <a:lnB w="76200">
+                      <a:solidFill>
+                        <a:srgbClr val="ACD2FF"/>
+                      </a:solidFill>
+                      <a:prstDash val="solid"/>
+                    </a:lnB>
+                    <a:solidFill>
+                      <a:srgbClr val="7D7D7D"/>
+                    </a:solidFill>
+                  </a:tcPr>
+                </a:tc>
+                <a:tc>
+                  <a:txBody>
+                    <a:bodyPr/>
+                    <a:lstStyle/>
+                    <a:p>
+                      <a:pPr marL="0" algn="ctr">
+                        <a:lnSpc>
+                          <a:spcPct val="100000"/>
+                        </a:lnSpc>
+                        <a:spcBef>
+                          <a:spcPts val="60"/>
+                        </a:spcBef>
+                      </a:pPr>
                       <a:r>
-                        <a:rPr lang="en-US" sz="900" spc="0" dirty="0">
+                        <a:rPr lang="de-de" sz="900" spc="0" dirty="0">
                           <a:solidFill>
                             <a:srgbClr val="FFFFFF"/>
                           </a:solidFill>
                           <a:latin typeface="Adobe Clean"/>
                           <a:cs typeface="Adobe Clean"/>
                         </a:rPr>
-                        <a:t> </a:t>
+                        <a:t>企業支援</a:t>
                       </a:r>
+                      <a:endParaRPr sz="900" spc="0" dirty="0">
+                        <a:latin typeface="Adobe Clean"/>
+                        <a:cs typeface="Adobe Clean"/>
+                      </a:endParaRPr>
+                    </a:p>
+                  </a:txBody>
+                  <a:tcPr marL="0" marR="0" marT="0" marB="0" anchor="ctr">
+                    <a:lnL w="3175">
+                      <a:solidFill>
+                        <a:srgbClr val="B7B8B8"/>
+                      </a:solidFill>
+                      <a:prstDash val="solid"/>
+                    </a:lnL>
+                    <a:lnR w="3175">
+                      <a:solidFill>
+                        <a:srgbClr val="B7B8B8"/>
+                      </a:solidFill>
+                      <a:prstDash val="solid"/>
+                    </a:lnR>
+                    <a:lnT w="3175">
+                      <a:solidFill>
+                        <a:srgbClr val="B7B8B8"/>
+                      </a:solidFill>
+                      <a:prstDash val="solid"/>
+                    </a:lnT>
+                    <a:lnB w="76200">
+                      <a:solidFill>
+                        <a:srgbClr val="2E8FFF"/>
+                      </a:solidFill>
+                      <a:prstDash val="solid"/>
+                    </a:lnB>
+                    <a:solidFill>
+                      <a:srgbClr val="404040"/>
+                    </a:solidFill>
+                  </a:tcPr>
+                </a:tc>
+                <a:tc>
+                  <a:txBody>
+                    <a:bodyPr/>
+                    <a:lstStyle/>
+                    <a:p>
+                      <a:pPr marL="0" algn="ctr">
+                        <a:lnSpc>
+                          <a:spcPct val="100000"/>
+                        </a:lnSpc>
+                        <a:spcBef>
+                          <a:spcPts val="60"/>
+                        </a:spcBef>
+                      </a:pPr>
                       <a:r>
-                        <a:rPr sz="900" spc="0" dirty="0">
+                        <a:rPr lang="de-de" sz="900" spc="0" dirty="0">
                           <a:solidFill>
                             <a:srgbClr val="FFFFFF"/>
                           </a:solidFill>
                           <a:latin typeface="Adobe Clean"/>
                           <a:cs typeface="Adobe Clean"/>
                         </a:rPr>
-                        <a:t>Support</a:t>
+                        <a:t>菁英支援</a:t>
                       </a:r>
                       <a:endParaRPr sz="900" spc="0" dirty="0">
                         <a:latin typeface="Adobe Clean"/>
@@ -7253,178 +6923,11 @@
                       </a:solidFill>
                       <a:prstDash val="solid"/>
                     </a:lnT>
-                    <a:lnB w="76200" cap="flat" cmpd="sng" algn="ctr">
-                      <a:solidFill>
-                        <a:srgbClr val="ACD2FF"/>
-                      </a:solidFill>
-                      <a:prstDash val="solid"/>
-                      <a:round/>
-                      <a:headEnd type="none" w="med" len="med"/>
-                      <a:tailEnd type="none" w="med" len="med"/>
-                    </a:lnB>
-                    <a:solidFill>
-                      <a:srgbClr val="7D7D7D"/>
-                    </a:solidFill>
-                  </a:tcPr>
-                </a:tc>
-                <a:tc>
-                  <a:txBody>
-                    <a:bodyPr/>
-                    <a:lstStyle/>
-                    <a:p>
-                      <a:pPr marL="0" algn="ctr">
-                        <a:lnSpc>
-                          <a:spcPct val="100000"/>
-                        </a:lnSpc>
-                        <a:spcBef>
-                          <a:spcPts val="60"/>
-                        </a:spcBef>
-                      </a:pPr>
-                      <a:r>
-                        <a:rPr sz="900" spc="0" dirty="0">
-                          <a:solidFill>
-                            <a:srgbClr val="FFFFFF"/>
-                          </a:solidFill>
-                          <a:latin typeface="Adobe Clean"/>
-                          <a:cs typeface="Adobe Clean"/>
-                        </a:rPr>
-                        <a:t>Enterprise </a:t>
-                      </a:r>
-                      <a:r>
-                        <a:rPr lang="en-US" sz="900" spc="0" dirty="0">
-                          <a:solidFill>
-                            <a:srgbClr val="FFFFFF"/>
-                          </a:solidFill>
-                          <a:latin typeface="Adobe Clean"/>
-                          <a:cs typeface="Adobe Clean"/>
-                        </a:rPr>
-                        <a:t> </a:t>
-                      </a:r>
-                      <a:r>
-                        <a:rPr sz="900" spc="0" dirty="0">
-                          <a:solidFill>
-                            <a:srgbClr val="FFFFFF"/>
-                          </a:solidFill>
-                          <a:latin typeface="Adobe Clean"/>
-                          <a:cs typeface="Adobe Clean"/>
-                        </a:rPr>
-                        <a:t>Support</a:t>
-                      </a:r>
-                      <a:endParaRPr sz="900" spc="0" dirty="0">
-                        <a:latin typeface="Adobe Clean"/>
-                        <a:cs typeface="Adobe Clean"/>
-                      </a:endParaRPr>
-                    </a:p>
-                  </a:txBody>
-                  <a:tcPr marL="0" marR="0" marT="0" marB="0" anchor="ctr">
-                    <a:lnL w="3175">
-                      <a:solidFill>
-                        <a:srgbClr val="B7B8B8"/>
-                      </a:solidFill>
-                      <a:prstDash val="solid"/>
-                    </a:lnL>
-                    <a:lnR w="3175">
-                      <a:solidFill>
-                        <a:srgbClr val="B7B8B8"/>
-                      </a:solidFill>
-                      <a:prstDash val="solid"/>
-                    </a:lnR>
-                    <a:lnT w="3175">
-                      <a:solidFill>
-                        <a:srgbClr val="B7B8B8"/>
-                      </a:solidFill>
-                      <a:prstDash val="solid"/>
-                    </a:lnT>
-                    <a:lnB w="76200" cap="flat" cmpd="sng" algn="ctr">
-                      <a:solidFill>
-                        <a:srgbClr val="2E8FFF"/>
-                      </a:solidFill>
-                      <a:prstDash val="solid"/>
-                      <a:round/>
-                      <a:headEnd type="none" w="med" len="med"/>
-                      <a:tailEnd type="none" w="med" len="med"/>
-                    </a:lnB>
-                    <a:solidFill>
-                      <a:srgbClr val="404040"/>
-                    </a:solidFill>
-                  </a:tcPr>
-                </a:tc>
-                <a:tc>
-                  <a:txBody>
-                    <a:bodyPr/>
-                    <a:lstStyle/>
-                    <a:p>
-                      <a:pPr marL="0" algn="ctr">
-                        <a:lnSpc>
-                          <a:spcPct val="100000"/>
-                        </a:lnSpc>
-                        <a:spcBef>
-                          <a:spcPts val="60"/>
-                        </a:spcBef>
-                      </a:pPr>
-                      <a:r>
-                        <a:rPr sz="900" spc="0" dirty="0">
-                          <a:solidFill>
-                            <a:srgbClr val="FFFFFF"/>
-                          </a:solidFill>
-                          <a:latin typeface="Adobe Clean"/>
-                          <a:cs typeface="Adobe Clean"/>
-                        </a:rPr>
-                        <a:t>Elite</a:t>
-                      </a:r>
-                      <a:r>
-                        <a:rPr lang="en-US" sz="900" spc="0" dirty="0">
-                          <a:solidFill>
-                            <a:srgbClr val="FFFFFF"/>
-                          </a:solidFill>
-                          <a:latin typeface="Adobe Clean"/>
-                          <a:cs typeface="Adobe Clean"/>
-                        </a:rPr>
-                        <a:t> </a:t>
-                      </a:r>
-                      <a:r>
-                        <a:rPr sz="900" spc="0" dirty="0">
-                          <a:solidFill>
-                            <a:srgbClr val="FFFFFF"/>
-                          </a:solidFill>
-                          <a:latin typeface="Adobe Clean"/>
-                          <a:cs typeface="Adobe Clean"/>
-                        </a:rPr>
-                        <a:t>Support</a:t>
-                      </a:r>
-                      <a:endParaRPr sz="900" spc="0" dirty="0">
-                        <a:latin typeface="Adobe Clean"/>
-                        <a:cs typeface="Adobe Clean"/>
-                      </a:endParaRPr>
-                    </a:p>
-                  </a:txBody>
-                  <a:tcPr marL="0" marR="0" marT="0" marB="0" anchor="ctr">
-                    <a:lnL w="3175">
-                      <a:solidFill>
-                        <a:srgbClr val="B7B8B8"/>
-                      </a:solidFill>
-                      <a:prstDash val="solid"/>
-                    </a:lnL>
-                    <a:lnR w="3175">
-                      <a:solidFill>
-                        <a:srgbClr val="B7B8B8"/>
-                      </a:solidFill>
-                      <a:prstDash val="solid"/>
-                    </a:lnR>
-                    <a:lnT w="3175">
-                      <a:solidFill>
-                        <a:srgbClr val="B7B8B8"/>
-                      </a:solidFill>
-                      <a:prstDash val="solid"/>
-                    </a:lnT>
-                    <a:lnB w="76200" cap="flat" cmpd="sng" algn="ctr">
+                    <a:lnB w="76200">
                       <a:solidFill>
                         <a:srgbClr val="0068E1"/>
                       </a:solidFill>
                       <a:prstDash val="solid"/>
-                      <a:round/>
-                      <a:headEnd type="none" w="med" len="med"/>
-                      <a:tailEnd type="none" w="med" len="med"/>
                     </a:lnB>
                     <a:solidFill>
                       <a:srgbClr val="000000"/>
@@ -7452,14 +6955,14 @@
                         </a:spcBef>
                       </a:pPr>
                       <a:r>
-                        <a:rPr sz="900" b="1" spc="0" dirty="0">
+                        <a:rPr lang="de-de" sz="900" b="1" spc="0" dirty="0">
                           <a:solidFill>
                             <a:srgbClr val="020302"/>
                           </a:solidFill>
                           <a:latin typeface="Adobe Clean"/>
                           <a:cs typeface="Adobe Clean"/>
                         </a:rPr>
-                        <a:t>PRIORITY 1</a:t>
+                        <a:t>優先順序 1</a:t>
                       </a:r>
                       <a:endParaRPr sz="900" spc="0" dirty="0">
                         <a:latin typeface="Adobe Clean"/>
@@ -7476,14 +6979,14 @@
                         </a:spcBef>
                       </a:pPr>
                       <a:r>
-                        <a:rPr lang="en-US" sz="900" b="0" i="0" spc="0" dirty="0">
+                        <a:rPr lang="de-de" sz="900" b="0" i="0" spc="0" dirty="0">
                           <a:solidFill>
                             <a:srgbClr val="000000"/>
                           </a:solidFill>
                           <a:effectLst/>
                           <a:latin typeface="Adobe Clean Light" panose="020B0303020404020204" pitchFamily="34" charset="0"/>
                         </a:rPr>
-                        <a:t>Customer's production business functions are down or have significant data loss or service degradation and immediate attention is required to restore functionality and usability. </a:t>
+                        <a:t>客戶的生產業務功能已停止或發生重大資料遺失或服務降級狀況，需要立即關注以恢復功能與可用性。</a:t>
                       </a:r>
                       <a:endParaRPr sz="900" spc="0" dirty="0">
                         <a:latin typeface="AdobeClean-Light"/>
@@ -7498,14 +7001,11 @@
                       </a:solidFill>
                       <a:prstDash val="solid"/>
                     </a:lnL>
-                    <a:lnR w="3175" cap="flat" cmpd="sng" algn="ctr">
+                    <a:lnR w="3175">
                       <a:solidFill>
                         <a:srgbClr val="B7B8B8"/>
                       </a:solidFill>
                       <a:prstDash val="solid"/>
-                      <a:round/>
-                      <a:headEnd type="none" w="med" len="med"/>
-                      <a:tailEnd type="none" w="med" len="med"/>
                     </a:lnR>
                     <a:lnT w="3175">
                       <a:solidFill>
@@ -7526,20 +7026,31 @@
                     <a:bodyPr/>
                     <a:lstStyle/>
                     <a:p>
-                      <a:pPr algn="ctr" fontAlgn="t"/>
+                      <a:pPr marL="0" marR="325120" indent="-3810" algn="ctr">
+                        <a:lnSpc>
+                          <a:spcPct val="100000"/>
+                        </a:lnSpc>
+                        <a:spcBef>
+                          <a:spcPts val="670"/>
+                        </a:spcBef>
+                      </a:pPr>
                       <a:r>
-                        <a:rPr lang="en-US" sz="900" b="0" i="0" u="none" strike="noStrike">
+                        <a:rPr lang="de-de" sz="900" spc="0" dirty="0">
                           <a:solidFill>
                             <a:srgbClr val="020302"/>
                           </a:solidFill>
-                          <a:effectLst/>
-                          <a:latin typeface="AdobeClean-Light" panose="020B0503020404020204" pitchFamily="34" charset="0"/>
+                          <a:latin typeface="AdobeClean-Light"/>
+                          <a:cs typeface="AdobeClean-Light"/>
                         </a:rPr>
-                        <a:t>24x7 / 1 hour</a:t>
+                        <a:t>全年無休 /                1 小時</a:t>
                       </a:r>
-                    </a:p>
-                  </a:txBody>
-                  <a:tcPr marL="9525" marR="9525" marT="9525" marB="0" anchor="ctr">
+                      <a:endParaRPr sz="900" spc="0" dirty="0">
+                        <a:latin typeface="AdobeClean-Light"/>
+                        <a:cs typeface="AdobeClean-Light"/>
+                      </a:endParaRPr>
+                    </a:p>
+                  </a:txBody>
+                  <a:tcPr marL="0" marR="0" marT="0" marB="0" anchor="ctr">
                     <a:lnL w="3175">
                       <a:solidFill>
                         <a:srgbClr val="B7B8B8"/>
@@ -7571,20 +7082,31 @@
                     <a:bodyPr/>
                     <a:lstStyle/>
                     <a:p>
-                      <a:pPr algn="ctr" fontAlgn="t"/>
+                      <a:pPr marL="0" marR="325755" indent="-3810" algn="ctr">
+                        <a:lnSpc>
+                          <a:spcPct val="100000"/>
+                        </a:lnSpc>
+                        <a:spcBef>
+                          <a:spcPts val="670"/>
+                        </a:spcBef>
+                      </a:pPr>
                       <a:r>
-                        <a:rPr lang="en-US" sz="900" b="0" i="0" u="none" strike="noStrike">
+                        <a:rPr lang="de-de" sz="900" spc="0" dirty="0">
                           <a:solidFill>
                             <a:srgbClr val="020302"/>
                           </a:solidFill>
-                          <a:effectLst/>
-                          <a:latin typeface="AdobeClean-Light" panose="020B0503020404020204" pitchFamily="34" charset="0"/>
+                          <a:latin typeface="AdobeClean-Light"/>
+                          <a:cs typeface="AdobeClean-Light"/>
                         </a:rPr>
-                        <a:t>24x7 / 1 hour</a:t>
+                        <a:t>全年無休 /              1 小時</a:t>
                       </a:r>
-                    </a:p>
-                  </a:txBody>
-                  <a:tcPr marL="9525" marR="9525" marT="9525" marB="0" anchor="ctr">
+                      <a:endParaRPr sz="900" spc="0" dirty="0">
+                        <a:latin typeface="AdobeClean-Light"/>
+                        <a:cs typeface="AdobeClean-Light"/>
+                      </a:endParaRPr>
+                    </a:p>
+                  </a:txBody>
+                  <a:tcPr marL="0" marR="0" marT="0" marB="0" anchor="ctr">
                     <a:lnL w="3175">
                       <a:solidFill>
                         <a:srgbClr val="B7B8B8"/>
@@ -7616,20 +7138,31 @@
                     <a:bodyPr/>
                     <a:lstStyle/>
                     <a:p>
-                      <a:pPr algn="ctr" fontAlgn="t"/>
+                      <a:pPr marL="0" marR="258445" indent="115570" algn="ctr">
+                        <a:lnSpc>
+                          <a:spcPct val="100000"/>
+                        </a:lnSpc>
+                        <a:spcBef>
+                          <a:spcPts val="670"/>
+                        </a:spcBef>
+                      </a:pPr>
                       <a:r>
-                        <a:rPr lang="en-US" sz="900" b="0" i="0" u="none" strike="noStrike">
+                        <a:rPr lang="de-de" sz="900" spc="0" dirty="0">
                           <a:solidFill>
                             <a:srgbClr val="020302"/>
                           </a:solidFill>
-                          <a:effectLst/>
-                          <a:latin typeface="AdobeClean-Light" panose="020B0503020404020204" pitchFamily="34" charset="0"/>
+                          <a:latin typeface="AdobeClean-Light"/>
+                          <a:cs typeface="AdobeClean-Light"/>
                         </a:rPr>
-                        <a:t>24x7 / 30 minutes</a:t>
+                        <a:t>全年無休 /           30 分鐘</a:t>
                       </a:r>
-                    </a:p>
-                  </a:txBody>
-                  <a:tcPr marL="9525" marR="9525" marT="9525" marB="0" anchor="ctr">
+                      <a:endParaRPr sz="900" spc="0" dirty="0">
+                        <a:latin typeface="AdobeClean-Light"/>
+                        <a:cs typeface="AdobeClean-Light"/>
+                      </a:endParaRPr>
+                    </a:p>
+                  </a:txBody>
+                  <a:tcPr marL="0" marR="0" marT="0" marB="0" anchor="ctr">
                     <a:lnL w="3175">
                       <a:solidFill>
                         <a:srgbClr val="B7B8B8"/>
@@ -7661,20 +7194,31 @@
                     <a:bodyPr/>
                     <a:lstStyle/>
                     <a:p>
-                      <a:pPr algn="ctr" fontAlgn="t"/>
+                      <a:pPr marL="0" marR="271780" indent="103505" algn="ctr">
+                        <a:lnSpc>
+                          <a:spcPct val="100000"/>
+                        </a:lnSpc>
+                        <a:spcBef>
+                          <a:spcPts val="670"/>
+                        </a:spcBef>
+                      </a:pPr>
                       <a:r>
-                        <a:rPr lang="en-US" sz="900" b="0" i="0" u="none" strike="noStrike">
+                        <a:rPr lang="de-de" sz="900" spc="0" dirty="0">
                           <a:solidFill>
                             <a:srgbClr val="020302"/>
                           </a:solidFill>
-                          <a:effectLst/>
-                          <a:latin typeface="AdobeClean-Light" panose="020B0503020404020204" pitchFamily="34" charset="0"/>
+                          <a:latin typeface="AdobeClean-Light"/>
+                          <a:cs typeface="AdobeClean-Light"/>
                         </a:rPr>
-                        <a:t>24x7 / 15 minutes</a:t>
+                        <a:t>全年無休 /         15 分鐘</a:t>
                       </a:r>
-                    </a:p>
-                  </a:txBody>
-                  <a:tcPr marL="9525" marR="9525" marT="9525" marB="0" anchor="ctr">
+                      <a:endParaRPr sz="900" spc="0" dirty="0">
+                        <a:latin typeface="AdobeClean-Light"/>
+                        <a:cs typeface="AdobeClean-Light"/>
+                      </a:endParaRPr>
+                    </a:p>
+                  </a:txBody>
+                  <a:tcPr marL="0" marR="0" marT="0" marB="0" anchor="ctr">
                     <a:lnL w="3175">
                       <a:solidFill>
                         <a:srgbClr val="B7B8B8"/>
@@ -7722,14 +7266,14 @@
                         </a:spcBef>
                       </a:pPr>
                       <a:r>
-                        <a:rPr sz="900" b="1" spc="0" dirty="0">
+                        <a:rPr lang="de-de" sz="900" b="1" spc="0" dirty="0">
                           <a:solidFill>
                             <a:srgbClr val="020302"/>
                           </a:solidFill>
                           <a:latin typeface="Adobe Clean"/>
                           <a:cs typeface="Adobe Clean"/>
                         </a:rPr>
-                        <a:t>PRIORITY 2</a:t>
+                        <a:t>優先順序 2</a:t>
                       </a:r>
                       <a:endParaRPr sz="900" spc="0" dirty="0">
                         <a:latin typeface="Adobe Clean"/>
@@ -7755,14 +7299,14 @@
                         <a:defRPr/>
                       </a:pPr>
                       <a:r>
-                        <a:rPr lang="en-US" sz="900" b="0" i="0" spc="0" dirty="0">
+                        <a:rPr lang="de-de" sz="900" b="0" i="0" spc="0" dirty="0">
                           <a:solidFill>
                             <a:srgbClr val="000000"/>
                           </a:solidFill>
                           <a:effectLst/>
                           <a:latin typeface="Adobe Clean Light" panose="020B0303020404020204" pitchFamily="34" charset="0"/>
                         </a:rPr>
-                        <a:t>Customer's business functions have major service degradation or potential data loss, or a major feature is impacted </a:t>
+                        <a:t>客戶的業務功能發生嚴重的服務降級狀況，或是可能發生資料遺失，或是主要功能受到了影響</a:t>
                       </a:r>
                       <a:endParaRPr sz="900" b="0" i="0" spc="0" dirty="0">
                         <a:latin typeface="Adobe Clean Light" panose="020B0303020404020204" pitchFamily="34" charset="0"/>
@@ -7777,14 +7321,11 @@
                       </a:solidFill>
                       <a:prstDash val="solid"/>
                     </a:lnL>
-                    <a:lnR w="3175" cap="flat" cmpd="sng" algn="ctr">
+                    <a:lnR w="3175">
                       <a:solidFill>
                         <a:srgbClr val="B7B8B8"/>
                       </a:solidFill>
                       <a:prstDash val="solid"/>
-                      <a:round/>
-                      <a:headEnd type="none" w="med" len="med"/>
-                      <a:tailEnd type="none" w="med" len="med"/>
                     </a:lnR>
                     <a:lnT w="3175">
                       <a:solidFill>
@@ -7805,20 +7346,31 @@
                     <a:bodyPr/>
                     <a:lstStyle/>
                     <a:p>
-                      <a:pPr algn="ctr" fontAlgn="t"/>
+                      <a:pPr marL="0" marR="184785" indent="-193675" algn="ctr">
+                        <a:lnSpc>
+                          <a:spcPct val="100000"/>
+                        </a:lnSpc>
+                        <a:spcBef>
+                          <a:spcPts val="670"/>
+                        </a:spcBef>
+                      </a:pPr>
                       <a:r>
-                        <a:rPr lang="en-US" sz="900" b="0" i="0" u="none" strike="noStrike">
+                        <a:rPr lang="de-de" sz="900" spc="0" dirty="0">
                           <a:solidFill>
                             <a:srgbClr val="020302"/>
                           </a:solidFill>
-                          <a:effectLst/>
-                          <a:latin typeface="AdobeClean-Light" panose="020B0503020404020204" pitchFamily="34" charset="0"/>
+                          <a:latin typeface="AdobeClean-Light"/>
+                          <a:cs typeface="AdobeClean-Light"/>
                         </a:rPr>
-                        <a:t>Business hours / 4 hours</a:t>
+                        <a:t>營業時間 /           4 小時</a:t>
                       </a:r>
-                    </a:p>
-                  </a:txBody>
-                  <a:tcPr marL="9525" marR="9525" marT="9525" marB="0" anchor="ctr">
+                      <a:endParaRPr sz="900" spc="0" dirty="0">
+                        <a:latin typeface="AdobeClean-Light"/>
+                        <a:cs typeface="AdobeClean-Light"/>
+                      </a:endParaRPr>
+                    </a:p>
+                  </a:txBody>
+                  <a:tcPr marL="0" marR="0" marT="0" marB="0" anchor="ctr">
                     <a:lnL w="3175">
                       <a:solidFill>
                         <a:srgbClr val="B7B8B8"/>
@@ -7850,20 +7402,31 @@
                     <a:bodyPr/>
                     <a:lstStyle/>
                     <a:p>
-                      <a:pPr algn="ctr" fontAlgn="t"/>
+                      <a:pPr marL="0" marR="184785" indent="-194310" algn="ctr">
+                        <a:lnSpc>
+                          <a:spcPct val="100000"/>
+                        </a:lnSpc>
+                        <a:spcBef>
+                          <a:spcPts val="670"/>
+                        </a:spcBef>
+                      </a:pPr>
                       <a:r>
-                        <a:rPr lang="en-US" sz="900" b="0" i="0" u="none" strike="noStrike">
+                        <a:rPr lang="de-de" sz="900" spc="0" dirty="0">
                           <a:solidFill>
                             <a:srgbClr val="020302"/>
                           </a:solidFill>
-                          <a:effectLst/>
-                          <a:latin typeface="AdobeClean-Light" panose="020B0503020404020204" pitchFamily="34" charset="0"/>
+                          <a:latin typeface="AdobeClean-Light"/>
+                          <a:cs typeface="AdobeClean-Light"/>
                         </a:rPr>
-                        <a:t>Business hours / 2 hours</a:t>
+                        <a:t>營業時間 /          2 小時</a:t>
                       </a:r>
-                    </a:p>
-                  </a:txBody>
-                  <a:tcPr marL="9525" marR="9525" marT="9525" marB="0" anchor="ctr">
+                      <a:endParaRPr sz="900" spc="0" dirty="0">
+                        <a:latin typeface="AdobeClean-Light"/>
+                        <a:cs typeface="AdobeClean-Light"/>
+                      </a:endParaRPr>
+                    </a:p>
+                  </a:txBody>
+                  <a:tcPr marL="0" marR="0" marT="0" marB="0" anchor="ctr">
                     <a:lnL w="3175">
                       <a:solidFill>
                         <a:srgbClr val="B7B8B8"/>
@@ -7895,20 +7458,31 @@
                     <a:bodyPr/>
                     <a:lstStyle/>
                     <a:p>
-                      <a:pPr algn="ctr" fontAlgn="t"/>
+                      <a:pPr marL="0" marR="325755" indent="-5715" algn="ctr">
+                        <a:lnSpc>
+                          <a:spcPct val="100000"/>
+                        </a:lnSpc>
+                        <a:spcBef>
+                          <a:spcPts val="670"/>
+                        </a:spcBef>
+                      </a:pPr>
                       <a:r>
-                        <a:rPr lang="en-US" sz="900" b="0" i="0" u="none" strike="noStrike">
+                        <a:rPr lang="de-de" sz="900" spc="0" dirty="0">
                           <a:solidFill>
                             <a:srgbClr val="020302"/>
                           </a:solidFill>
-                          <a:effectLst/>
-                          <a:latin typeface="AdobeClean-Light" panose="020B0503020404020204" pitchFamily="34" charset="0"/>
+                          <a:latin typeface="AdobeClean-Light"/>
+                          <a:cs typeface="AdobeClean-Light"/>
                         </a:rPr>
-                        <a:t>24x5 / 1 hour</a:t>
+                        <a:t>24x5 /                1 小時</a:t>
                       </a:r>
-                    </a:p>
-                  </a:txBody>
-                  <a:tcPr marL="9525" marR="9525" marT="9525" marB="0" anchor="ctr">
+                      <a:endParaRPr sz="900" spc="0" dirty="0">
+                        <a:latin typeface="AdobeClean-Light"/>
+                        <a:cs typeface="AdobeClean-Light"/>
+                      </a:endParaRPr>
+                    </a:p>
+                  </a:txBody>
+                  <a:tcPr marL="0" marR="0" marT="0" marB="0" anchor="ctr">
                     <a:lnL w="3175">
                       <a:solidFill>
                         <a:srgbClr val="B7B8B8"/>
@@ -7940,20 +7514,31 @@
                     <a:bodyPr/>
                     <a:lstStyle/>
                     <a:p>
-                      <a:pPr algn="ctr" fontAlgn="t"/>
+                      <a:pPr marL="0" marR="259079" indent="111760" algn="ctr">
+                        <a:lnSpc>
+                          <a:spcPct val="100000"/>
+                        </a:lnSpc>
+                        <a:spcBef>
+                          <a:spcPts val="670"/>
+                        </a:spcBef>
+                      </a:pPr>
                       <a:r>
-                        <a:rPr lang="en-US" sz="900" b="0" i="0" u="none" strike="noStrike">
+                        <a:rPr lang="de-de" sz="900" spc="0" dirty="0">
                           <a:solidFill>
                             <a:srgbClr val="020302"/>
                           </a:solidFill>
-                          <a:effectLst/>
-                          <a:latin typeface="AdobeClean-Light" panose="020B0503020404020204" pitchFamily="34" charset="0"/>
+                          <a:latin typeface="AdobeClean-Light"/>
+                          <a:cs typeface="AdobeClean-Light"/>
                         </a:rPr>
-                        <a:t>24x5 / 30 minutes</a:t>
+                        <a:t>24x5 /         30 分鐘</a:t>
                       </a:r>
-                    </a:p>
-                  </a:txBody>
-                  <a:tcPr marL="9525" marR="9525" marT="9525" marB="0" anchor="ctr">
+                      <a:endParaRPr sz="900" spc="0" dirty="0">
+                        <a:latin typeface="AdobeClean-Light"/>
+                        <a:cs typeface="AdobeClean-Light"/>
+                      </a:endParaRPr>
+                    </a:p>
+                  </a:txBody>
+                  <a:tcPr marL="0" marR="0" marT="0" marB="0" anchor="ctr">
                     <a:lnL w="3175">
                       <a:solidFill>
                         <a:srgbClr val="B7B8B8"/>
@@ -8001,24 +7586,14 @@
                         </a:spcBef>
                       </a:pPr>
                       <a:r>
-                        <a:rPr sz="900" b="1" spc="0" dirty="0">
+                        <a:rPr lang="de-de" sz="900" b="1" spc="0" dirty="0">
                           <a:solidFill>
                             <a:srgbClr val="020302"/>
                           </a:solidFill>
                           <a:latin typeface="Adobe Clean"/>
                           <a:cs typeface="Adobe Clean"/>
                         </a:rPr>
-                        <a:t>PRIORITY</a:t>
-                      </a:r>
-                      <a:r>
-                        <a:rPr lang="en-US" sz="900" b="1" spc="0" dirty="0">
-                          <a:solidFill>
-                            <a:srgbClr val="020302"/>
-                          </a:solidFill>
-                          <a:latin typeface="Adobe Clean"/>
-                          <a:cs typeface="Adobe Clean"/>
-                        </a:rPr>
-                        <a:t> 3</a:t>
+                        <a:t>優先順序 3</a:t>
                       </a:r>
                       <a:endParaRPr lang="en-US" sz="900" spc="0" dirty="0">
                         <a:latin typeface="Adobe Clean"/>
@@ -8044,7 +7619,7 @@
                         <a:defRPr/>
                       </a:pPr>
                       <a:r>
-                        <a:rPr kumimoji="0" lang="en-US" sz="900" b="0" i="0" u="none" strike="noStrike" kern="1200" cap="none" spc="0" normalizeH="0" baseline="0" noProof="0" dirty="0">
+                        <a:rPr kumimoji="0" lang="de-de" sz="900" b="0" i="0" u="none" strike="noStrike" kern="1200" cap="none" spc="0" normalizeH="0" baseline="0" noProof="0" dirty="0">
                           <a:ln>
                             <a:noFill/>
                           </a:ln>
@@ -8058,7 +7633,7 @@
                           <a:ea typeface="+mn-ea"/>
                           <a:cs typeface="+mn-cs"/>
                         </a:rPr>
-                        <a:t>Customer's business functions have minor service degradation but there exists a solution/workaround allowing business functions to continue normally </a:t>
+                        <a:t>客戶的業務功能發生了輕微服務降級狀況，但有解決/變通方法讓業務功能得以繼續正常運作</a:t>
                       </a:r>
                       <a:endParaRPr lang="en-US" sz="900" b="0" i="0" spc="0" dirty="0">
                         <a:latin typeface="Adobe Clean Light" panose="020B0303020404020204" pitchFamily="34" charset="0"/>
@@ -8073,14 +7648,11 @@
                       </a:solidFill>
                       <a:prstDash val="solid"/>
                     </a:lnL>
-                    <a:lnR w="3175" cap="flat" cmpd="sng" algn="ctr">
+                    <a:lnR w="3175">
                       <a:solidFill>
                         <a:srgbClr val="B7B8B8"/>
                       </a:solidFill>
                       <a:prstDash val="solid"/>
-                      <a:round/>
-                      <a:headEnd type="none" w="med" len="med"/>
-                      <a:tailEnd type="none" w="med" len="med"/>
                     </a:lnR>
                     <a:lnT w="3175">
                       <a:solidFill>
@@ -8101,20 +7673,31 @@
                     <a:bodyPr/>
                     <a:lstStyle/>
                     <a:p>
-                      <a:pPr algn="ctr" fontAlgn="t"/>
+                      <a:pPr marL="0" marR="184150" indent="-189865" algn="ctr">
+                        <a:lnSpc>
+                          <a:spcPct val="100000"/>
+                        </a:lnSpc>
+                        <a:spcBef>
+                          <a:spcPts val="645"/>
+                        </a:spcBef>
+                      </a:pPr>
                       <a:r>
-                        <a:rPr lang="en-US" sz="900" b="0" i="0" u="none" strike="noStrike">
+                        <a:rPr lang="de-de" sz="900" spc="0" dirty="0">
                           <a:solidFill>
                             <a:srgbClr val="020302"/>
                           </a:solidFill>
-                          <a:effectLst/>
-                          <a:latin typeface="AdobeClean-Light" panose="020B0503020404020204" pitchFamily="34" charset="0"/>
+                          <a:latin typeface="AdobeClean-Light"/>
+                          <a:cs typeface="AdobeClean-Light"/>
                         </a:rPr>
-                        <a:t>Business hours / 6 hours</a:t>
+                        <a:t>營業時間 /            6 小時</a:t>
                       </a:r>
-                    </a:p>
-                  </a:txBody>
-                  <a:tcPr marL="9525" marR="9525" marT="9525" marB="0" anchor="ctr">
+                      <a:endParaRPr sz="900" spc="0" dirty="0">
+                        <a:latin typeface="AdobeClean-Light"/>
+                        <a:cs typeface="AdobeClean-Light"/>
+                      </a:endParaRPr>
+                    </a:p>
+                  </a:txBody>
+                  <a:tcPr marL="0" marR="0" marT="0" marB="0" anchor="ctr">
                     <a:lnL w="3175">
                       <a:solidFill>
                         <a:srgbClr val="B7B8B8"/>
@@ -8146,65 +7729,51 @@
                     <a:bodyPr/>
                     <a:lstStyle/>
                     <a:p>
-                      <a:pPr algn="ctr" fontAlgn="t"/>
+                      <a:pPr marL="0" marR="185420" indent="-193675" algn="ctr">
+                        <a:lnSpc>
+                          <a:spcPct val="100000"/>
+                        </a:lnSpc>
+                        <a:spcBef>
+                          <a:spcPts val="645"/>
+                        </a:spcBef>
+                      </a:pPr>
                       <a:r>
-                        <a:rPr lang="en-US" sz="900" b="0" i="0" u="none" strike="noStrike">
+                        <a:rPr lang="de-de" sz="900" spc="0" dirty="0">
                           <a:solidFill>
                             <a:srgbClr val="020302"/>
                           </a:solidFill>
-                          <a:effectLst/>
-                          <a:latin typeface="AdobeClean-Light" panose="020B0503020404020204" pitchFamily="34" charset="0"/>
+                          <a:latin typeface="AdobeClean-Light"/>
+                          <a:cs typeface="AdobeClean-Light"/>
                         </a:rPr>
-                        <a:t>Business hours /  4 hours</a:t>
+                        <a:t>營業時間 /  </a:t>
                       </a:r>
                     </a:p>
-                  </a:txBody>
-                  <a:tcPr marL="9525" marR="9525" marT="9525" marB="0" anchor="ctr">
-                    <a:lnL w="3175">
-                      <a:solidFill>
-                        <a:srgbClr val="B7B8B8"/>
-                      </a:solidFill>
-                      <a:prstDash val="solid"/>
-                    </a:lnL>
-                    <a:lnR w="3175">
-                      <a:solidFill>
-                        <a:srgbClr val="B7B8B8"/>
-                      </a:solidFill>
-                      <a:prstDash val="solid"/>
-                    </a:lnR>
-                    <a:lnT w="3175">
-                      <a:solidFill>
-                        <a:srgbClr val="B7B8B8"/>
-                      </a:solidFill>
-                      <a:prstDash val="solid"/>
-                    </a:lnT>
-                    <a:lnB w="3175">
-                      <a:solidFill>
-                        <a:srgbClr val="B7B8B8"/>
-                      </a:solidFill>
-                      <a:prstDash val="solid"/>
-                    </a:lnB>
-                  </a:tcPr>
-                </a:tc>
-                <a:tc>
-                  <a:txBody>
-                    <a:bodyPr/>
-                    <a:lstStyle/>
-                    <a:p>
-                      <a:pPr algn="ctr" fontAlgn="t"/>
+                    <a:p>
+                      <a:pPr marL="0" marR="185420" indent="-193675" algn="ctr">
+                        <a:lnSpc>
+                          <a:spcPct val="100000"/>
+                        </a:lnSpc>
+                        <a:spcBef>
+                          <a:spcPts val="645"/>
+                        </a:spcBef>
+                      </a:pPr>
                       <a:r>
-                        <a:rPr lang="en-US" sz="900" b="0" i="0" u="none" strike="noStrike">
+                        <a:rPr lang="de-de" sz="900" spc="0" dirty="0">
                           <a:solidFill>
                             <a:srgbClr val="020302"/>
                           </a:solidFill>
-                          <a:effectLst/>
-                          <a:latin typeface="AdobeClean-Light" panose="020B0503020404020204" pitchFamily="34" charset="0"/>
+                          <a:latin typeface="AdobeClean-Light"/>
+                          <a:cs typeface="AdobeClean-Light"/>
                         </a:rPr>
-                        <a:t>Business hours / 2 hours</a:t>
+                        <a:t>4 小時</a:t>
                       </a:r>
-                    </a:p>
-                  </a:txBody>
-                  <a:tcPr marL="9525" marR="9525" marT="9525" marB="0" anchor="ctr">
+                      <a:endParaRPr sz="900" spc="0" dirty="0">
+                        <a:latin typeface="AdobeClean-Light"/>
+                        <a:cs typeface="AdobeClean-Light"/>
+                      </a:endParaRPr>
+                    </a:p>
+                  </a:txBody>
+                  <a:tcPr marL="0" marR="0" marT="0" marB="0" anchor="ctr">
                     <a:lnL w="3175">
                       <a:solidFill>
                         <a:srgbClr val="B7B8B8"/>
@@ -8236,20 +7805,107 @@
                     <a:bodyPr/>
                     <a:lstStyle/>
                     <a:p>
-                      <a:pPr algn="ctr" fontAlgn="t"/>
+                      <a:pPr marL="0" marR="184785" indent="-194310" algn="ctr">
+                        <a:lnSpc>
+                          <a:spcPct val="100000"/>
+                        </a:lnSpc>
+                        <a:spcBef>
+                          <a:spcPts val="645"/>
+                        </a:spcBef>
+                      </a:pPr>
                       <a:r>
-                        <a:rPr lang="en-US" sz="900" b="0" i="0" u="none" strike="noStrike">
+                        <a:rPr lang="de-de" sz="900" spc="0" dirty="0">
                           <a:solidFill>
                             <a:srgbClr val="020302"/>
                           </a:solidFill>
-                          <a:effectLst/>
-                          <a:latin typeface="AdobeClean-Light" panose="020B0503020404020204" pitchFamily="34" charset="0"/>
+                          <a:latin typeface="AdobeClean-Light"/>
+                          <a:cs typeface="AdobeClean-Light"/>
                         </a:rPr>
-                        <a:t>24x5 / 1 hour</a:t>
+                        <a:t>營業時間 / </a:t>
                       </a:r>
                     </a:p>
-                  </a:txBody>
-                  <a:tcPr marL="9525" marR="9525" marT="9525" marB="0" anchor="ctr">
+                    <a:p>
+                      <a:pPr marL="0" marR="184785" indent="-194310" algn="ctr">
+                        <a:lnSpc>
+                          <a:spcPct val="100000"/>
+                        </a:lnSpc>
+                        <a:spcBef>
+                          <a:spcPts val="645"/>
+                        </a:spcBef>
+                      </a:pPr>
+                      <a:r>
+                        <a:rPr lang="de-de" sz="900" spc="0" dirty="0">
+                          <a:solidFill>
+                            <a:srgbClr val="020302"/>
+                          </a:solidFill>
+                          <a:latin typeface="AdobeClean-Light"/>
+                          <a:cs typeface="AdobeClean-Light"/>
+                        </a:rPr>
+                        <a:t>2 小時</a:t>
+                      </a:r>
+                      <a:endParaRPr sz="900" spc="0" dirty="0">
+                        <a:latin typeface="AdobeClean-Light"/>
+                        <a:cs typeface="AdobeClean-Light"/>
+                      </a:endParaRPr>
+                    </a:p>
+                  </a:txBody>
+                  <a:tcPr marL="0" marR="0" marT="0" marB="0" anchor="ctr">
+                    <a:lnL w="3175">
+                      <a:solidFill>
+                        <a:srgbClr val="B7B8B8"/>
+                      </a:solidFill>
+                      <a:prstDash val="solid"/>
+                    </a:lnL>
+                    <a:lnR w="3175">
+                      <a:solidFill>
+                        <a:srgbClr val="B7B8B8"/>
+                      </a:solidFill>
+                      <a:prstDash val="solid"/>
+                    </a:lnR>
+                    <a:lnT w="3175">
+                      <a:solidFill>
+                        <a:srgbClr val="B7B8B8"/>
+                      </a:solidFill>
+                      <a:prstDash val="solid"/>
+                    </a:lnT>
+                    <a:lnB w="3175">
+                      <a:solidFill>
+                        <a:srgbClr val="B7B8B8"/>
+                      </a:solidFill>
+                      <a:prstDash val="solid"/>
+                    </a:lnB>
+                  </a:tcPr>
+                </a:tc>
+                <a:tc>
+                  <a:txBody>
+                    <a:bodyPr/>
+                    <a:lstStyle/>
+                    <a:p>
+                      <a:pPr marL="0" marR="326390" indent="-5715" algn="ctr">
+                        <a:lnSpc>
+                          <a:spcPct val="100000"/>
+                        </a:lnSpc>
+                        <a:spcBef>
+                          <a:spcPts val="645"/>
+                        </a:spcBef>
+                      </a:pPr>
+                      <a:r>
+                        <a:rPr lang="de-de" sz="900" spc="0" dirty="0">
+                          <a:solidFill>
+                            <a:srgbClr val="020302"/>
+                          </a:solidFill>
+                          <a:latin typeface="AdobeClean-Light"/>
+                          <a:cs typeface="AdobeClean-Light"/>
+                        </a:rPr>
+                        <a:t>24x5 /             1 小時</a:t>
+                      </a:r>
+                      <a:endParaRPr sz="900" spc="0" dirty="0">
+                        <a:latin typeface="AdobeClean-Light"/>
+                        <a:cs typeface="AdobeClean-Light"/>
+                      </a:endParaRPr>
+                    </a:p>
+                  </a:txBody>
+                  <a:tcPr marL="0" marR="0" marT="0" marB="0" anchor="ctr">
                     <a:lnL w="3175">
                       <a:solidFill>
                         <a:srgbClr val="B7B8B8"/>
@@ -8297,14 +7953,14 @@
                         </a:spcBef>
                       </a:pPr>
                       <a:r>
-                        <a:rPr sz="900" b="1" spc="0" dirty="0">
+                        <a:rPr lang="de-de" sz="900" b="1" spc="0" dirty="0">
                           <a:solidFill>
                             <a:srgbClr val="020302"/>
                           </a:solidFill>
                           <a:latin typeface="Adobe Clean"/>
                           <a:cs typeface="Adobe Clean"/>
                         </a:rPr>
-                        <a:t>PRIORITY 4</a:t>
+                        <a:t>優先順序 4</a:t>
                       </a:r>
                       <a:endParaRPr sz="900" spc="0" dirty="0">
                         <a:latin typeface="Adobe Clean"/>
@@ -8330,14 +7986,14 @@
                         <a:defRPr/>
                       </a:pPr>
                       <a:r>
-                        <a:rPr lang="en-US" sz="900" b="0" i="0" spc="0" dirty="0">
+                        <a:rPr lang="de-de" sz="900" b="0" i="0" spc="0" dirty="0">
                           <a:solidFill>
                             <a:srgbClr val="000000"/>
                           </a:solidFill>
                           <a:effectLst/>
                           <a:latin typeface="Adobe Clean Light" panose="020B0303020404020204" pitchFamily="34" charset="0"/>
                         </a:rPr>
-                        <a:t>General question regarding current product functionality or an enhancement request </a:t>
+                        <a:t>有關目前產品功能或增強要求的一般性問題</a:t>
                       </a:r>
                       <a:endParaRPr sz="900" b="0" i="0" spc="0" dirty="0">
                         <a:latin typeface="Adobe Clean Light" panose="020B0303020404020204" pitchFamily="34" charset="0"/>
@@ -8352,14 +8008,11 @@
                       </a:solidFill>
                       <a:prstDash val="solid"/>
                     </a:lnL>
-                    <a:lnR w="3175" cap="flat" cmpd="sng" algn="ctr">
+                    <a:lnR w="3175">
                       <a:solidFill>
                         <a:srgbClr val="B7B8B8"/>
                       </a:solidFill>
                       <a:prstDash val="solid"/>
-                      <a:round/>
-                      <a:headEnd type="none" w="med" len="med"/>
-                      <a:tailEnd type="none" w="med" len="med"/>
                     </a:lnR>
                     <a:lnT w="3175">
                       <a:solidFill>
@@ -8380,20 +8033,31 @@
                     <a:bodyPr/>
                     <a:lstStyle/>
                     <a:p>
-                      <a:pPr algn="ctr" fontAlgn="t"/>
+                      <a:pPr marL="0" marR="203200" indent="-193040" algn="ctr">
+                        <a:lnSpc>
+                          <a:spcPct val="100000"/>
+                        </a:lnSpc>
+                        <a:spcBef>
+                          <a:spcPts val="155"/>
+                        </a:spcBef>
+                      </a:pPr>
                       <a:r>
-                        <a:rPr lang="en-US" sz="900" b="0" i="0" u="none" strike="noStrike">
+                        <a:rPr lang="de-de" sz="900" spc="0" dirty="0">
                           <a:solidFill>
                             <a:srgbClr val="020302"/>
                           </a:solidFill>
-                          <a:effectLst/>
-                          <a:latin typeface="AdobeClean-Light" panose="020B0503020404020204" pitchFamily="34" charset="0"/>
+                          <a:latin typeface="AdobeClean-Light"/>
+                          <a:cs typeface="AdobeClean-Light"/>
                         </a:rPr>
-                        <a:t>Business days / 3 days</a:t>
+                        <a:t>營業日 / 3 天</a:t>
                       </a:r>
-                    </a:p>
-                  </a:txBody>
-                  <a:tcPr marL="9525" marR="9525" marT="9525" marB="0" anchor="ctr">
+                      <a:endParaRPr sz="900" spc="0" dirty="0">
+                        <a:latin typeface="AdobeClean-Light"/>
+                        <a:cs typeface="AdobeClean-Light"/>
+                      </a:endParaRPr>
+                    </a:p>
+                  </a:txBody>
+                  <a:tcPr marL="0" marR="0" marT="0" marB="0" anchor="ctr">
                     <a:lnL w="3175">
                       <a:solidFill>
                         <a:srgbClr val="B7B8B8"/>
@@ -8425,20 +8089,31 @@
                     <a:bodyPr/>
                     <a:lstStyle/>
                     <a:p>
-                      <a:pPr algn="ctr" fontAlgn="t"/>
+                      <a:pPr marL="0" marR="223520" indent="-202565" algn="ctr">
+                        <a:lnSpc>
+                          <a:spcPct val="100000"/>
+                        </a:lnSpc>
+                        <a:spcBef>
+                          <a:spcPts val="155"/>
+                        </a:spcBef>
+                      </a:pPr>
                       <a:r>
-                        <a:rPr lang="en-US" sz="900" b="0" i="0" u="none" strike="noStrike">
+                        <a:rPr lang="de-de" sz="900" spc="0" dirty="0">
                           <a:solidFill>
                             <a:srgbClr val="020302"/>
                           </a:solidFill>
-                          <a:effectLst/>
-                          <a:latin typeface="AdobeClean-Light" panose="020B0503020404020204" pitchFamily="34" charset="0"/>
+                          <a:latin typeface="AdobeClean-Light"/>
+                          <a:cs typeface="AdobeClean-Light"/>
                         </a:rPr>
-                        <a:t>Business day / 1 day</a:t>
+                        <a:t>營業日 / 1 天</a:t>
                       </a:r>
-                    </a:p>
-                  </a:txBody>
-                  <a:tcPr marL="9525" marR="9525" marT="9525" marB="0" anchor="ctr">
+                      <a:endParaRPr sz="900" spc="0" dirty="0">
+                        <a:latin typeface="AdobeClean-Light"/>
+                        <a:cs typeface="AdobeClean-Light"/>
+                      </a:endParaRPr>
+                    </a:p>
+                  </a:txBody>
+                  <a:tcPr marL="0" marR="0" marT="0" marB="0" anchor="ctr">
                     <a:lnL w="3175">
                       <a:solidFill>
                         <a:srgbClr val="B7B8B8"/>
@@ -8470,20 +8145,31 @@
                     <a:bodyPr/>
                     <a:lstStyle/>
                     <a:p>
-                      <a:pPr algn="ctr" fontAlgn="t"/>
+                      <a:pPr marL="0" marR="223520" indent="-202565" algn="ctr">
+                        <a:lnSpc>
+                          <a:spcPct val="100000"/>
+                        </a:lnSpc>
+                        <a:spcBef>
+                          <a:spcPts val="155"/>
+                        </a:spcBef>
+                      </a:pPr>
                       <a:r>
-                        <a:rPr lang="en-US" sz="900" b="0" i="0" u="none" strike="noStrike">
+                        <a:rPr lang="de-de" sz="900" spc="0" dirty="0">
                           <a:solidFill>
                             <a:srgbClr val="020302"/>
                           </a:solidFill>
-                          <a:effectLst/>
-                          <a:latin typeface="AdobeClean-Light" panose="020B0503020404020204" pitchFamily="34" charset="0"/>
+                          <a:latin typeface="AdobeClean-Light"/>
+                          <a:cs typeface="AdobeClean-Light"/>
                         </a:rPr>
-                        <a:t>Business day / 1 day</a:t>
+                        <a:t>營業日 / 1 天</a:t>
                       </a:r>
-                    </a:p>
-                  </a:txBody>
-                  <a:tcPr marL="9525" marR="9525" marT="9525" marB="0" anchor="ctr">
+                      <a:endParaRPr sz="900" spc="0" dirty="0">
+                        <a:latin typeface="AdobeClean-Light"/>
+                        <a:cs typeface="AdobeClean-Light"/>
+                      </a:endParaRPr>
+                    </a:p>
+                  </a:txBody>
+                  <a:tcPr marL="0" marR="0" marT="0" marB="0" anchor="ctr">
                     <a:lnL w="3175">
                       <a:solidFill>
                         <a:srgbClr val="B7B8B8"/>
@@ -8515,20 +8201,31 @@
                     <a:bodyPr/>
                     <a:lstStyle/>
                     <a:p>
-                      <a:pPr algn="ctr" fontAlgn="t"/>
+                      <a:pPr marL="0" marR="223520" indent="-202565" algn="ctr">
+                        <a:lnSpc>
+                          <a:spcPct val="100000"/>
+                        </a:lnSpc>
+                        <a:spcBef>
+                          <a:spcPts val="155"/>
+                        </a:spcBef>
+                      </a:pPr>
                       <a:r>
-                        <a:rPr lang="en-US" sz="900" b="0" i="0" u="none" strike="noStrike" dirty="0">
+                        <a:rPr lang="de-de" sz="900" spc="0" dirty="0">
                           <a:solidFill>
                             <a:srgbClr val="020302"/>
                           </a:solidFill>
-                          <a:effectLst/>
-                          <a:latin typeface="AdobeClean-Light" panose="020B0503020404020204" pitchFamily="34" charset="0"/>
+                          <a:latin typeface="AdobeClean-Light"/>
+                          <a:cs typeface="AdobeClean-Light"/>
                         </a:rPr>
-                        <a:t>Business day / 1 day</a:t>
+                        <a:t>營業日 / 1 天</a:t>
                       </a:r>
-                    </a:p>
-                  </a:txBody>
-                  <a:tcPr marL="9525" marR="9525" marT="9525" marB="0" anchor="ctr">
+                      <a:endParaRPr sz="900" spc="0" dirty="0">
+                        <a:latin typeface="AdobeClean-Light"/>
+                        <a:cs typeface="AdobeClean-Light"/>
+                      </a:endParaRPr>
+                    </a:p>
+                  </a:txBody>
+                  <a:tcPr marL="0" marR="0" marT="0" marB="0" anchor="ctr">
                     <a:lnL w="3175">
                       <a:solidFill>
                         <a:srgbClr val="B7B8B8"/>
@@ -8591,7 +8288,7 @@
           </a:prstGeom>
         </p:spPr>
         <p:txBody>
-          <a:bodyPr vert="horz" wrap="square" lIns="0" tIns="12700" rIns="0" bIns="0" rtlCol="0" anchor="t">
+          <a:bodyPr vert="horz" wrap="square" lIns="0" tIns="12700" rIns="0" bIns="0" rtlCol="0">
             <a:spAutoFit/>
           </a:bodyPr>
           <a:lstStyle/>
@@ -8605,16 +8302,10 @@
               </a:spcBef>
             </a:pPr>
             <a:r>
-              <a:rPr sz="2300" dirty="0">
-                <a:latin typeface="Adobe Clean"/>
+              <a:rPr lang="de-de" sz="2300" dirty="0">
+                <a:latin typeface="Adobe Clean" panose="020B0503020404020204" pitchFamily="34" charset="0"/>
               </a:rPr>
-              <a:t>ADOBE </a:t>
-            </a:r>
-            <a:r>
-              <a:rPr lang="en-US" sz="2300" dirty="0">
-                <a:latin typeface="Adobe Clean"/>
-              </a:rPr>
-              <a:t>SUPPORT PLANS</a:t>
+              <a:t>Adobe 支援方案</a:t>
             </a:r>
             <a:endParaRPr sz="2300" dirty="0">
               <a:latin typeface="Adobe Clean" panose="020B0503020404020204" pitchFamily="34" charset="0"/>
@@ -8651,7 +8342,7 @@
           <a:lstStyle/>
           <a:p>
             <a:r>
-              <a:rPr lang="en-US" sz="700" i="1" dirty="0">
+              <a:rPr lang="de-de" sz="700" i="1" dirty="0">
                 <a:solidFill>
                   <a:schemeClr val="bg1"/>
                 </a:solidFill>
@@ -8895,7 +8586,7 @@
           </a:prstGeom>
         </p:spPr>
         <p:txBody>
-          <a:bodyPr vert="horz" wrap="square" lIns="0" tIns="35560" rIns="0" bIns="0" rtlCol="0" anchor="t">
+          <a:bodyPr vert="horz" wrap="square" lIns="0" tIns="35560" rIns="0" bIns="0" rtlCol="0">
             <a:spAutoFit/>
           </a:bodyPr>
           <a:lstStyle/>
@@ -8909,27 +8600,27 @@
               </a:spcBef>
             </a:pPr>
             <a:r>
-              <a:rPr lang="en-US" sz="1000" spc="-20" dirty="0">
+              <a:rPr lang="de-de" sz="1000" spc="-20" dirty="0">
                 <a:solidFill>
                   <a:srgbClr val="020302"/>
                 </a:solidFill>
                 <a:latin typeface="AdobeClean-Light"/>
                 <a:cs typeface="AdobeClean-Light"/>
               </a:rPr>
-              <a:t>Adobe Customer Support offers a</a:t>
+              <a:t>Adobe 客戶支援提供對線上資源的存取權</a:t>
             </a:r>
             <a:r>
-              <a:rPr sz="1000" spc="-20" dirty="0">
+              <a:rPr lang="de-de" sz="1000" spc="-10" dirty="0">
                 <a:solidFill>
                   <a:srgbClr val="020302"/>
                 </a:solidFill>
                 <a:latin typeface="AdobeClean-Light"/>
                 <a:cs typeface="AdobeClean-Light"/>
               </a:rPr>
-              <a:t>ccess</a:t>
+              <a:t>以取得文件</a:t>
             </a:r>
             <a:r>
-              <a:rPr sz="1000" spc="-90" dirty="0">
+              <a:rPr lang="de-de" sz="1000" spc="10" dirty="0">
                 <a:solidFill>
                   <a:srgbClr val="020302"/>
                 </a:solidFill>
@@ -8939,17 +8630,17 @@
               <a:t> </a:t>
             </a:r>
             <a:r>
-              <a:rPr sz="1000" spc="-10" dirty="0">
+              <a:rPr lang="de-de" sz="1000" spc="-20" dirty="0">
                 <a:solidFill>
                   <a:srgbClr val="020302"/>
                 </a:solidFill>
                 <a:latin typeface="AdobeClean-Light"/>
                 <a:cs typeface="AdobeClean-Light"/>
               </a:rPr>
-              <a:t>to</a:t>
+              <a:t>、</a:t>
             </a:r>
             <a:r>
-              <a:rPr sz="1000" spc="10" dirty="0">
+              <a:rPr lang="de-de" sz="1000" spc="-125" dirty="0">
                 <a:solidFill>
                   <a:srgbClr val="020302"/>
                 </a:solidFill>
@@ -8959,27 +8650,17 @@
               <a:t> </a:t>
             </a:r>
             <a:r>
-              <a:rPr lang="en-US" sz="1000" spc="-20" dirty="0">
+              <a:rPr lang="de-de" sz="1000" spc="-15" dirty="0">
                 <a:solidFill>
                   <a:srgbClr val="020302"/>
                 </a:solidFill>
                 <a:latin typeface="AdobeClean-Light"/>
                 <a:cs typeface="AdobeClean-Light"/>
               </a:rPr>
-              <a:t>online resources </a:t>
+              <a:t>與其他專家和客戶互動的機會以獲得最佳實務，並提供網路研討會系列 (諮詢時間) 的存取權以獲得疑難排解的秘訣和技巧。</a:t>
             </a:r>
             <a:r>
-              <a:rPr sz="1000" spc="-15" dirty="0">
-                <a:solidFill>
-                  <a:srgbClr val="020302"/>
-                </a:solidFill>
-                <a:latin typeface="AdobeClean-Light"/>
-                <a:cs typeface="AdobeClean-Light"/>
-              </a:rPr>
-              <a:t>for</a:t>
-            </a:r>
-            <a:r>
-              <a:rPr sz="1000" spc="-30" dirty="0">
+              <a:rPr lang="de-de" sz="1000" spc="-35" dirty="0">
                 <a:solidFill>
                   <a:srgbClr val="020302"/>
                 </a:solidFill>
@@ -8989,17 +8670,17 @@
               <a:t> </a:t>
             </a:r>
             <a:r>
-              <a:rPr sz="1000" spc="-15" dirty="0">
+              <a:rPr lang="de-de" sz="1000" spc="-20" dirty="0">
                 <a:solidFill>
                   <a:srgbClr val="020302"/>
                 </a:solidFill>
                 <a:latin typeface="AdobeClean-Light"/>
                 <a:cs typeface="AdobeClean-Light"/>
               </a:rPr>
-              <a:t>documentation,</a:t>
+              <a:t>我們也提供幾個管道來讓您提交問題和案件。</a:t>
             </a:r>
             <a:r>
-              <a:rPr lang="en-US" sz="1000" spc="-15" dirty="0">
+              <a:rPr lang="de-de" sz="1000" spc="-25" dirty="0">
                 <a:solidFill>
                   <a:srgbClr val="020302"/>
                 </a:solidFill>
@@ -9007,303 +8688,6 @@
                 <a:cs typeface="AdobeClean-Light"/>
               </a:rPr>
               <a:t> </a:t>
-            </a:r>
-            <a:r>
-              <a:rPr sz="1000" spc="-15" dirty="0">
-                <a:solidFill>
-                  <a:srgbClr val="020302"/>
-                </a:solidFill>
-                <a:latin typeface="AdobeClean-Light"/>
-                <a:cs typeface="AdobeClean-Light"/>
-              </a:rPr>
-              <a:t>engagement</a:t>
-            </a:r>
-            <a:r>
-              <a:rPr lang="en-US" sz="1000" spc="-15" dirty="0">
-                <a:solidFill>
-                  <a:srgbClr val="020302"/>
-                </a:solidFill>
-                <a:latin typeface="AdobeClean-Light"/>
-                <a:cs typeface="AdobeClean-Light"/>
-              </a:rPr>
-              <a:t> </a:t>
-            </a:r>
-            <a:r>
-              <a:rPr sz="1000" spc="-15" dirty="0">
-                <a:solidFill>
-                  <a:srgbClr val="020302"/>
-                </a:solidFill>
-                <a:latin typeface="AdobeClean-Light"/>
-                <a:cs typeface="AdobeClean-Light"/>
-              </a:rPr>
-              <a:t>with</a:t>
-            </a:r>
-            <a:r>
-              <a:rPr sz="1000" spc="-35" dirty="0">
-                <a:solidFill>
-                  <a:srgbClr val="020302"/>
-                </a:solidFill>
-                <a:latin typeface="AdobeClean-Light"/>
-                <a:cs typeface="AdobeClean-Light"/>
-              </a:rPr>
-              <a:t> </a:t>
-            </a:r>
-            <a:r>
-              <a:rPr sz="1000" spc="-20" dirty="0">
-                <a:solidFill>
-                  <a:srgbClr val="020302"/>
-                </a:solidFill>
-                <a:latin typeface="AdobeClean-Light"/>
-                <a:cs typeface="AdobeClean-Light"/>
-              </a:rPr>
-              <a:t>other experts </a:t>
-            </a:r>
-            <a:r>
-              <a:rPr sz="1000" spc="-15" dirty="0">
-                <a:solidFill>
-                  <a:srgbClr val="020302"/>
-                </a:solidFill>
-                <a:latin typeface="AdobeClean-Light"/>
-                <a:cs typeface="AdobeClean-Light"/>
-              </a:rPr>
-              <a:t>and </a:t>
-            </a:r>
-            <a:r>
-              <a:rPr sz="1000" spc="-20" dirty="0">
-                <a:solidFill>
-                  <a:srgbClr val="020302"/>
-                </a:solidFill>
-                <a:latin typeface="AdobeClean-Light"/>
-                <a:cs typeface="AdobeClean-Light"/>
-              </a:rPr>
-              <a:t>customers </a:t>
-            </a:r>
-            <a:r>
-              <a:rPr sz="1000" spc="-15" dirty="0">
-                <a:solidFill>
-                  <a:srgbClr val="020302"/>
-                </a:solidFill>
-                <a:latin typeface="AdobeClean-Light"/>
-                <a:cs typeface="AdobeClean-Light"/>
-              </a:rPr>
-              <a:t>for best </a:t>
-            </a:r>
-            <a:r>
-              <a:rPr sz="1000" spc="-20" dirty="0">
-                <a:solidFill>
-                  <a:srgbClr val="020302"/>
-                </a:solidFill>
-                <a:latin typeface="AdobeClean-Light"/>
-                <a:cs typeface="AdobeClean-Light"/>
-              </a:rPr>
-              <a:t>practices, </a:t>
-            </a:r>
-            <a:r>
-              <a:rPr sz="1000" spc="-15" dirty="0">
-                <a:solidFill>
-                  <a:srgbClr val="020302"/>
-                </a:solidFill>
-                <a:latin typeface="AdobeClean-Light"/>
-                <a:cs typeface="AdobeClean-Light"/>
-              </a:rPr>
-              <a:t>and </a:t>
-            </a:r>
-            <a:r>
-              <a:rPr sz="1000" spc="-20" dirty="0">
-                <a:solidFill>
-                  <a:srgbClr val="020302"/>
-                </a:solidFill>
-                <a:latin typeface="AdobeClean-Light"/>
-                <a:cs typeface="AdobeClean-Light"/>
-              </a:rPr>
-              <a:t>webinar series (Office </a:t>
-            </a:r>
-            <a:r>
-              <a:rPr sz="1000" spc="-15" dirty="0">
-                <a:solidFill>
-                  <a:srgbClr val="020302"/>
-                </a:solidFill>
-                <a:latin typeface="AdobeClean-Light"/>
-                <a:cs typeface="AdobeClean-Light"/>
-              </a:rPr>
-              <a:t>Hours) for </a:t>
-            </a:r>
-            <a:r>
-              <a:rPr sz="1000" spc="-20" dirty="0">
-                <a:solidFill>
-                  <a:srgbClr val="020302"/>
-                </a:solidFill>
-                <a:latin typeface="AdobeClean-Light"/>
-                <a:cs typeface="AdobeClean-Light"/>
-              </a:rPr>
-              <a:t>troubleshooting </a:t>
-            </a:r>
-            <a:r>
-              <a:rPr sz="1000" spc="-15" dirty="0">
-                <a:solidFill>
-                  <a:srgbClr val="020302"/>
-                </a:solidFill>
-                <a:latin typeface="AdobeClean-Light"/>
-                <a:cs typeface="AdobeClean-Light"/>
-              </a:rPr>
-              <a:t>tips and </a:t>
-            </a:r>
-            <a:r>
-              <a:rPr sz="1000" spc="-20" dirty="0">
-                <a:solidFill>
-                  <a:srgbClr val="020302"/>
-                </a:solidFill>
-                <a:latin typeface="AdobeClean-Light"/>
-                <a:cs typeface="AdobeClean-Light"/>
-              </a:rPr>
-              <a:t>tricks. Several channels </a:t>
-            </a:r>
-            <a:r>
-              <a:rPr lang="en-US" sz="1000" spc="-15" dirty="0">
-                <a:solidFill>
-                  <a:srgbClr val="020302"/>
-                </a:solidFill>
-                <a:latin typeface="AdobeClean-Light"/>
-                <a:cs typeface="AdobeClean-Light"/>
-              </a:rPr>
-              <a:t>are </a:t>
-            </a:r>
-            <a:r>
-              <a:rPr lang="en-US" sz="1000" spc="-20" dirty="0">
-                <a:solidFill>
-                  <a:srgbClr val="020302"/>
-                </a:solidFill>
-                <a:latin typeface="AdobeClean-Light"/>
-                <a:cs typeface="AdobeClean-Light"/>
-              </a:rPr>
-              <a:t>also</a:t>
-            </a:r>
-            <a:r>
-              <a:rPr lang="en-US" sz="1000" dirty="0">
-                <a:latin typeface="AdobeClean-Light"/>
-                <a:cs typeface="AdobeClean-Light"/>
-              </a:rPr>
-              <a:t> </a:t>
-            </a:r>
-            <a:r>
-              <a:rPr sz="1000" spc="-25" dirty="0">
-                <a:solidFill>
-                  <a:srgbClr val="020302"/>
-                </a:solidFill>
-                <a:latin typeface="AdobeClean-Light"/>
-                <a:cs typeface="AdobeClean-Light"/>
-              </a:rPr>
-              <a:t>available</a:t>
-            </a:r>
-            <a:r>
-              <a:rPr sz="1000" spc="-65" dirty="0">
-                <a:solidFill>
-                  <a:srgbClr val="020302"/>
-                </a:solidFill>
-                <a:latin typeface="AdobeClean-Light"/>
-                <a:cs typeface="AdobeClean-Light"/>
-              </a:rPr>
-              <a:t> </a:t>
-            </a:r>
-            <a:r>
-              <a:rPr sz="1000" spc="-15" dirty="0">
-                <a:solidFill>
-                  <a:srgbClr val="020302"/>
-                </a:solidFill>
-                <a:latin typeface="AdobeClean-Light"/>
-                <a:cs typeface="AdobeClean-Light"/>
-              </a:rPr>
-              <a:t>for</a:t>
-            </a:r>
-            <a:r>
-              <a:rPr sz="1000" spc="-25" dirty="0">
-                <a:solidFill>
-                  <a:srgbClr val="020302"/>
-                </a:solidFill>
-                <a:latin typeface="AdobeClean-Light"/>
-                <a:cs typeface="AdobeClean-Light"/>
-              </a:rPr>
-              <a:t> </a:t>
-            </a:r>
-            <a:r>
-              <a:rPr sz="1000" spc="-20" dirty="0">
-                <a:solidFill>
-                  <a:srgbClr val="020302"/>
-                </a:solidFill>
-                <a:latin typeface="AdobeClean-Light"/>
-                <a:cs typeface="AdobeClean-Light"/>
-              </a:rPr>
-              <a:t>questions</a:t>
-            </a:r>
-            <a:r>
-              <a:rPr sz="1000" spc="-114" dirty="0">
-                <a:solidFill>
-                  <a:srgbClr val="020302"/>
-                </a:solidFill>
-                <a:latin typeface="AdobeClean-Light"/>
-                <a:cs typeface="AdobeClean-Light"/>
-              </a:rPr>
-              <a:t> </a:t>
-            </a:r>
-            <a:r>
-              <a:rPr sz="1000" spc="-15" dirty="0">
-                <a:solidFill>
-                  <a:srgbClr val="020302"/>
-                </a:solidFill>
-                <a:latin typeface="AdobeClean-Light"/>
-                <a:cs typeface="AdobeClean-Light"/>
-              </a:rPr>
-              <a:t>and</a:t>
-            </a:r>
-            <a:r>
-              <a:rPr sz="1000" spc="-45" dirty="0">
-                <a:solidFill>
-                  <a:srgbClr val="020302"/>
-                </a:solidFill>
-                <a:latin typeface="AdobeClean-Light"/>
-                <a:cs typeface="AdobeClean-Light"/>
-              </a:rPr>
-              <a:t> </a:t>
-            </a:r>
-            <a:r>
-              <a:rPr sz="1000" spc="-20" dirty="0">
-                <a:solidFill>
-                  <a:srgbClr val="020302"/>
-                </a:solidFill>
-                <a:latin typeface="AdobeClean-Light"/>
-                <a:cs typeface="AdobeClean-Light"/>
-              </a:rPr>
-              <a:t>case</a:t>
-            </a:r>
-            <a:r>
-              <a:rPr sz="1000" spc="-35" dirty="0">
-                <a:solidFill>
-                  <a:srgbClr val="020302"/>
-                </a:solidFill>
-                <a:latin typeface="AdobeClean-Light"/>
-                <a:cs typeface="AdobeClean-Light"/>
-              </a:rPr>
-              <a:t> </a:t>
-            </a:r>
-            <a:r>
-              <a:rPr sz="1000" spc="-20" dirty="0">
-                <a:solidFill>
-                  <a:srgbClr val="020302"/>
-                </a:solidFill>
-                <a:latin typeface="AdobeClean-Light"/>
-                <a:cs typeface="AdobeClean-Light"/>
-              </a:rPr>
-              <a:t>submissions</a:t>
-            </a:r>
-            <a:r>
-              <a:rPr lang="en-US" sz="1000" spc="-20" dirty="0">
-                <a:solidFill>
-                  <a:srgbClr val="020302"/>
-                </a:solidFill>
-                <a:latin typeface="AdobeClean-Light"/>
-                <a:cs typeface="AdobeClean-Light"/>
-              </a:rPr>
-              <a:t>.</a:t>
             </a:r>
             <a:endParaRPr sz="1000" dirty="0">
               <a:latin typeface="AdobeClean-Light"/>
@@ -9328,12 +8712,15 @@
           </a:prstGeom>
         </p:spPr>
         <p:txBody>
-          <a:bodyPr vert="horz" wrap="square" lIns="0" tIns="12700" rIns="0" bIns="0" rtlCol="0" anchor="t">
+          <a:bodyPr vert="horz" wrap="square" lIns="0" tIns="12700" rIns="0" bIns="0" rtlCol="0">
             <a:spAutoFit/>
           </a:bodyPr>
           <a:lstStyle/>
           <a:p>
             <a:pPr marL="33020" marR="159385">
+              <a:lnSpc>
+                <a:spcPct val="100000"/>
+              </a:lnSpc>
               <a:spcBef>
                 <a:spcPts val="100"/>
               </a:spcBef>
@@ -9342,77 +8729,17 @@
               </a:tabLst>
             </a:pPr>
             <a:r>
-              <a:rPr sz="900" spc="-20" dirty="0">
+              <a:rPr lang="de-de" sz="900" spc="-20" dirty="0">
                 <a:solidFill>
                   <a:srgbClr val="020302"/>
                 </a:solidFill>
                 <a:latin typeface="AdobeClean-Light"/>
                 <a:cs typeface="AdobeClean-Light"/>
               </a:rPr>
-              <a:t>Start </a:t>
+              <a:t>開始聊天式諮詢，以獲得案件提交的解答與協助</a:t>
             </a:r>
             <a:r>
-              <a:rPr sz="900" dirty="0">
-                <a:solidFill>
-                  <a:srgbClr val="020302"/>
-                </a:solidFill>
-                <a:latin typeface="AdobeClean-Light"/>
-                <a:cs typeface="AdobeClean-Light"/>
-              </a:rPr>
-              <a:t>a </a:t>
-            </a:r>
-            <a:r>
-              <a:rPr sz="900" spc="-15" dirty="0">
-                <a:solidFill>
-                  <a:srgbClr val="020302"/>
-                </a:solidFill>
-                <a:latin typeface="AdobeClean-Light"/>
-                <a:cs typeface="AdobeClean-Light"/>
-              </a:rPr>
-              <a:t>chat </a:t>
-            </a:r>
-            <a:r>
-              <a:rPr sz="900" spc="-10" dirty="0">
-                <a:solidFill>
-                  <a:srgbClr val="020302"/>
-                </a:solidFill>
-                <a:latin typeface="AdobeClean-Light"/>
-                <a:cs typeface="AdobeClean-Light"/>
-              </a:rPr>
-              <a:t>session </a:t>
-            </a:r>
-            <a:r>
-              <a:rPr sz="900" spc="-5" dirty="0">
-                <a:solidFill>
-                  <a:srgbClr val="020302"/>
-                </a:solidFill>
-                <a:latin typeface="AdobeClean-Light"/>
-                <a:cs typeface="AdobeClean-Light"/>
-              </a:rPr>
-              <a:t>to </a:t>
-            </a:r>
-            <a:r>
-              <a:rPr sz="900" spc="-10" dirty="0">
-                <a:solidFill>
-                  <a:srgbClr val="020302"/>
-                </a:solidFill>
-                <a:latin typeface="AdobeClean-Light"/>
-                <a:cs typeface="AdobeClean-Light"/>
-              </a:rPr>
-              <a:t>get</a:t>
-            </a:r>
-            <a:r>
-              <a:rPr lang="en-US" sz="900" spc="-10" dirty="0">
-                <a:solidFill>
-                  <a:srgbClr val="020302"/>
-                </a:solidFill>
-                <a:latin typeface="AdobeClean-Light"/>
-                <a:cs typeface="AdobeClean-Light"/>
-              </a:rPr>
-              <a:t> </a:t>
-            </a:r>
-            <a:r>
-              <a:rPr sz="900" spc="30" dirty="0">
+              <a:rPr lang="de-de" sz="900" spc="-45" dirty="0">
                 <a:solidFill>
                   <a:srgbClr val="020302"/>
                 </a:solidFill>
@@ -9421,96 +8748,13 @@
               </a:rPr>
               <a:t> </a:t>
             </a:r>
-            <a:r>
-              <a:rPr sz="900" spc="-20" dirty="0">
-                <a:solidFill>
-                  <a:srgbClr val="020302"/>
-                </a:solidFill>
-                <a:latin typeface="AdobeClean-Light"/>
-                <a:cs typeface="AdobeClean-Light"/>
-              </a:rPr>
-              <a:t>answers</a:t>
-            </a:r>
-            <a:r>
-              <a:rPr lang="en-US" sz="900" spc="-45" dirty="0">
-                <a:solidFill>
-                  <a:srgbClr val="020302"/>
-                </a:solidFill>
-                <a:latin typeface="AdobeClean-Light"/>
-                <a:cs typeface="AdobeClean-Light"/>
-              </a:rPr>
-              <a:t> </a:t>
-            </a:r>
-            <a:r>
-              <a:rPr lang="en-US" sz="900" dirty="0">
-                <a:solidFill>
-                  <a:srgbClr val="020302"/>
-                </a:solidFill>
-                <a:latin typeface="AdobeClean-Light"/>
-                <a:cs typeface="AdobeClean-Light"/>
-              </a:rPr>
-              <a:t>&amp; </a:t>
-            </a:r>
-            <a:r>
-              <a:rPr sz="900" spc="-15" dirty="0">
-                <a:solidFill>
-                  <a:srgbClr val="020302"/>
-                </a:solidFill>
-                <a:latin typeface="AdobeClean-Light"/>
-                <a:cs typeface="AdobeClean-Light"/>
-              </a:rPr>
-              <a:t>help </a:t>
-            </a:r>
-            <a:r>
-              <a:rPr sz="900" spc="-10" dirty="0">
-                <a:solidFill>
-                  <a:srgbClr val="020302"/>
-                </a:solidFill>
-                <a:latin typeface="AdobeClean-Light"/>
-                <a:cs typeface="AdobeClean-Light"/>
-              </a:rPr>
-              <a:t>with</a:t>
-            </a:r>
-            <a:r>
-              <a:rPr sz="900" spc="85" dirty="0">
-                <a:solidFill>
-                  <a:srgbClr val="020302"/>
-                </a:solidFill>
-                <a:latin typeface="AdobeClean-Light"/>
-                <a:cs typeface="AdobeClean-Light"/>
-              </a:rPr>
-              <a:t> </a:t>
-            </a:r>
-            <a:r>
-              <a:rPr sz="900" spc="-10" dirty="0">
-                <a:solidFill>
-                  <a:srgbClr val="020302"/>
-                </a:solidFill>
-                <a:latin typeface="AdobeClean-Light"/>
-                <a:cs typeface="AdobeClean-Light"/>
-              </a:rPr>
-              <a:t>case </a:t>
-            </a:r>
-            <a:r>
-              <a:rPr sz="900" spc="-20" dirty="0">
-                <a:solidFill>
-                  <a:srgbClr val="020302"/>
-                </a:solidFill>
-                <a:latin typeface="AdobeClean-Light"/>
-                <a:cs typeface="AdobeClean-Light"/>
-              </a:rPr>
-              <a:t>submission</a:t>
-            </a:r>
-            <a:r>
-              <a:rPr lang="en-US" sz="900" spc="-20" dirty="0">
-                <a:solidFill>
-                  <a:srgbClr val="020302"/>
-                </a:solidFill>
-                <a:latin typeface="AdobeClean-Light"/>
-                <a:cs typeface="AdobeClean-Light"/>
-              </a:rPr>
-              <a:t>.</a:t>
-            </a:r>
+            <a:endParaRPr lang="en-US" sz="900" spc="-20" dirty="0">
+              <a:solidFill>
+                <a:srgbClr val="020302"/>
+              </a:solidFill>
+              <a:latin typeface="AdobeClean-Light"/>
+              <a:cs typeface="AdobeClean-Light"/>
+            </a:endParaRPr>
           </a:p>
           <a:p>
             <a:pPr marL="33020" marR="159385">
@@ -9525,24 +8769,14 @@
               </a:tabLst>
             </a:pPr>
             <a:r>
-              <a:rPr sz="900" i="1" spc="-10" dirty="0">
+              <a:rPr lang="de-de" sz="900" i="1" spc="-10" dirty="0">
                 <a:solidFill>
                   <a:srgbClr val="7A7A7A"/>
                 </a:solidFill>
                 <a:latin typeface="AdobeClean-LightIt"/>
                 <a:cs typeface="AdobeClean-LightIt"/>
               </a:rPr>
-              <a:t>*Not all </a:t>
-            </a:r>
-            <a:r>
-              <a:rPr sz="900" i="1" spc="-20" dirty="0">
-                <a:solidFill>
-                  <a:srgbClr val="7A7A7A"/>
-                </a:solidFill>
-                <a:latin typeface="AdobeClean-LightIt"/>
-                <a:cs typeface="AdobeClean-LightIt"/>
-              </a:rPr>
-              <a:t>products have live chat support.  </a:t>
+              <a:t>*並非所有產品都有提供即時聊天支援。</a:t>
             </a:r>
             <a:endParaRPr sz="900" dirty="0">
               <a:latin typeface="AdobeClean-Light"/>
@@ -9616,14 +8850,14 @@
               </a:spcBef>
             </a:pPr>
             <a:r>
-              <a:rPr lang="en-US" sz="1400" b="1" spc="-10" dirty="0">
+              <a:rPr lang="de-de" sz="1400" b="1" spc="-10" dirty="0">
                 <a:solidFill>
                   <a:srgbClr val="020302"/>
                 </a:solidFill>
                 <a:latin typeface="Adobe Clean"/>
                 <a:cs typeface="Adobe Clean"/>
               </a:rPr>
-              <a:t>Online Support</a:t>
+              <a:t>線上支援</a:t>
             </a:r>
             <a:endParaRPr lang="en-US" sz="1400" dirty="0">
               <a:latin typeface="Adobe Clean"/>
@@ -9675,12 +8909,12 @@
               <a:defRPr/>
             </a:pPr>
             <a:r>
-              <a:rPr lang="en-US" sz="1200" dirty="0">
+              <a:rPr lang="de-de" sz="1200" dirty="0">
                 <a:solidFill>
                   <a:srgbClr val="000000"/>
                 </a:solidFill>
               </a:rPr>
-              <a:t>Community Forums</a:t>
+              <a:t>社群論壇</a:t>
             </a:r>
           </a:p>
         </p:txBody>
@@ -9723,12 +8957,12 @@
               </a:spcAft>
             </a:pPr>
             <a:r>
-              <a:rPr lang="en-US" sz="1200" b="1" dirty="0">
+              <a:rPr lang="de-de" sz="1200" b="1" dirty="0">
                 <a:latin typeface="+mj-lt"/>
                 <a:ea typeface="Open Sans" pitchFamily="34" charset="0"/>
                 <a:cs typeface="Open Sans" pitchFamily="34" charset="0"/>
               </a:rPr>
-              <a:t>Online Forums</a:t>
+              <a:t>線上論壇</a:t>
             </a:r>
           </a:p>
         </p:txBody>
@@ -9761,13 +8995,13 @@
           <a:lstStyle/>
           <a:p>
             <a:r>
-              <a:rPr lang="en-US" sz="1000" dirty="0">
+              <a:rPr lang="de-de" sz="1000" dirty="0">
                 <a:solidFill>
                   <a:srgbClr val="000000"/>
                 </a:solidFill>
                 <a:latin typeface="Adobe Clean Light" panose="020B0303020404020204" pitchFamily="34" charset="0"/>
               </a:rPr>
-              <a:t>Continuous online access to a growing database of technical solutions, product documentation, FAQs and more. Connect with practitioners and other customers on Adobe Community to share best practices and lessons learned.</a:t>
+              <a:t>可持續在線上存取不斷增加的技術解決方案、產品文件、常見問答等內容的資料庫。與 Adobe 社群上的從業人員和其他客戶交流，彼此分享學到的最佳實務和經驗教訓。</a:t>
             </a:r>
           </a:p>
         </p:txBody>
@@ -9815,7 +9049,7 @@
               <a:defRPr/>
             </a:pPr>
             <a:r>
-              <a:rPr lang="en-US" sz="1200" dirty="0">
+              <a:rPr lang="de-de" sz="1200" dirty="0">
                 <a:solidFill>
                   <a:srgbClr val="000000"/>
                 </a:solidFill>
@@ -9863,12 +9097,12 @@
               </a:spcAft>
             </a:pPr>
             <a:r>
-              <a:rPr lang="en-US" sz="1200" b="1" dirty="0">
+              <a:rPr lang="de-de" sz="1200" b="1" dirty="0">
                 <a:latin typeface="+mj-lt"/>
                 <a:ea typeface="Open Sans" pitchFamily="34" charset="0"/>
                 <a:cs typeface="Open Sans" pitchFamily="34" charset="0"/>
               </a:rPr>
-              <a:t>Self-guided Journeys</a:t>
+              <a:t>自我引導式旅程</a:t>
             </a:r>
           </a:p>
         </p:txBody>
@@ -9901,13 +9135,13 @@
           <a:lstStyle/>
           <a:p>
             <a:r>
-              <a:rPr lang="en-US" sz="1000" dirty="0">
+              <a:rPr lang="de-de" sz="1000" dirty="0">
                 <a:solidFill>
                   <a:srgbClr val="000000"/>
                 </a:solidFill>
                 <a:latin typeface="Adobe Clean Light" panose="020B0303020404020204" pitchFamily="34" charset="0"/>
               </a:rPr>
-              <a:t>Experience Makers are made with Experience League. Customers can kickstart their Customer Experience Management abilities with personalized learning to develop skills, engage with a global community of peers, and earn career advancing recognition. </a:t>
+              <a:t>Experience League 賦予體驗製作者強大的功能。客戶可以透過個人化學習來開始培養自己的客戶體驗管理能力，以發展各項技能、與全球的同行社群互動，並獲得職業提升的認可。</a:t>
             </a:r>
           </a:p>
         </p:txBody>
@@ -9955,12 +9189,12 @@
               <a:defRPr/>
             </a:pPr>
             <a:r>
-              <a:rPr lang="en-US" sz="1200" dirty="0">
+              <a:rPr lang="de-de" sz="1200" dirty="0">
                 <a:solidFill>
                   <a:srgbClr val="000000"/>
                 </a:solidFill>
               </a:rPr>
-              <a:t>Office Hours</a:t>
+              <a:t>諮詢時間</a:t>
             </a:r>
           </a:p>
         </p:txBody>
@@ -10003,12 +9237,12 @@
               </a:spcAft>
             </a:pPr>
             <a:r>
-              <a:rPr lang="en-US" sz="1200" b="1" dirty="0">
+              <a:rPr lang="de-de" sz="1200" b="1" dirty="0">
                 <a:latin typeface="+mj-lt"/>
                 <a:ea typeface="Open Sans" pitchFamily="34" charset="0"/>
                 <a:cs typeface="Open Sans" pitchFamily="34" charset="0"/>
               </a:rPr>
-              <a:t>Webinars</a:t>
+              <a:t>網路研討會</a:t>
             </a:r>
           </a:p>
         </p:txBody>
@@ -10041,13 +9275,13 @@
           <a:lstStyle/>
           <a:p>
             <a:r>
-              <a:rPr lang="en-US" sz="1000" dirty="0">
+              <a:rPr lang="de-de" sz="1000" dirty="0">
                 <a:solidFill>
                   <a:srgbClr val="000000"/>
                 </a:solidFill>
                 <a:latin typeface="Adobe Clean Light" panose="020B0303020404020204" pitchFamily="34" charset="0"/>
               </a:rPr>
-              <a:t>Office  Hours  led  by  the  Adobe  Customer Support  team  includes  sessions  designed to  inform  as  well  as  help  participants troubleshoot  problems  and  provide  tips and  tricks  for  success  with  Adobe  solutions.</a:t>
+              <a:t>「諮詢時間」是由 Adobe 客戶支援團隊主導的一項計劃，其中的研討會的設計目的是為了提供資訊以及協助參與者排除問題，並提供成功使用 Adobe 解決方案的秘訣與技巧。</a:t>
             </a:r>
           </a:p>
         </p:txBody>
@@ -10095,12 +9329,12 @@
               <a:defRPr/>
             </a:pPr>
             <a:r>
-              <a:rPr lang="en-US" sz="1200" dirty="0">
+              <a:rPr lang="de-de" sz="1200" dirty="0">
                 <a:solidFill>
                   <a:srgbClr val="000000"/>
                 </a:solidFill>
               </a:rPr>
-              <a:t>Self-help Portals</a:t>
+              <a:t>自助式入口網站</a:t>
             </a:r>
           </a:p>
         </p:txBody>
@@ -10143,12 +9377,12 @@
               </a:spcAft>
             </a:pPr>
             <a:r>
-              <a:rPr lang="en-US" sz="1200" b="1" dirty="0">
+              <a:rPr lang="de-de" sz="1200" b="1" dirty="0">
                 <a:latin typeface="+mj-lt"/>
                 <a:ea typeface="Open Sans" pitchFamily="34" charset="0"/>
                 <a:cs typeface="Open Sans" pitchFamily="34" charset="0"/>
               </a:rPr>
-              <a:t>24/7 Support Portal</a:t>
+              <a:t>24/7 支援入口網站</a:t>
             </a:r>
           </a:p>
         </p:txBody>
@@ -10181,13 +9415,13 @@
           <a:lstStyle/>
           <a:p>
             <a:r>
-              <a:rPr lang="en-US" sz="1000" dirty="0">
+              <a:rPr lang="de-de" sz="1000" dirty="0">
                 <a:solidFill>
                   <a:srgbClr val="000000"/>
                 </a:solidFill>
                 <a:latin typeface="Adobe Clean Light" panose="020B0303020404020204" pitchFamily="34" charset="0"/>
               </a:rPr>
-              <a:t>On-demand access to the online Self-help Support Portal to submit support requests, review case status, and browse other resources, like our knowledgebase, news and alerts, featured tips, and more.</a:t>
+              <a:t>隨需存取線上自助式支援入口網站，以提交支援請求、檢閱案件狀態，並瀏覽其他資源，像是我們的知識庫、新聞與提醒、特定的提示等。</a:t>
             </a:r>
           </a:p>
         </p:txBody>
@@ -10235,12 +9469,12 @@
               <a:defRPr/>
             </a:pPr>
             <a:r>
-              <a:rPr lang="en-US" sz="1200" dirty="0">
+              <a:rPr lang="de-de" sz="1200" dirty="0">
                 <a:solidFill>
                   <a:srgbClr val="000000"/>
                 </a:solidFill>
               </a:rPr>
-              <a:t>Live Chat  Support*</a:t>
+              <a:t>即時聊天支援*</a:t>
             </a:r>
           </a:p>
         </p:txBody>
@@ -10283,12 +9517,12 @@
               </a:spcAft>
             </a:pPr>
             <a:r>
-              <a:rPr lang="en-US" sz="1200" b="1" dirty="0">
+              <a:rPr lang="de-de" sz="1200" b="1" dirty="0">
                 <a:latin typeface="+mj-lt"/>
                 <a:ea typeface="Open Sans" pitchFamily="34" charset="0"/>
                 <a:cs typeface="Open Sans" pitchFamily="34" charset="0"/>
               </a:rPr>
-              <a:t>Chat Support</a:t>
+              <a:t>聊天支援</a:t>
             </a:r>
           </a:p>
         </p:txBody>
@@ -10336,12 +9570,12 @@
               <a:defRPr/>
             </a:pPr>
             <a:r>
-              <a:rPr lang="en-US" sz="1200" dirty="0">
+              <a:rPr lang="de-de" sz="1200" dirty="0">
                 <a:solidFill>
                   <a:srgbClr val="000000"/>
                 </a:solidFill>
               </a:rPr>
-              <a:t>24 X 7 X 365 P1 </a:t>
+              <a:t>全年無休 P1 </a:t>
             </a:r>
           </a:p>
         </p:txBody>
@@ -10384,12 +9618,12 @@
               </a:spcAft>
             </a:pPr>
             <a:r>
-              <a:rPr lang="en-US" sz="1200" b="1" dirty="0">
+              <a:rPr lang="de-de" sz="1200" b="1" dirty="0">
                 <a:latin typeface="+mj-lt"/>
                 <a:ea typeface="Open Sans" pitchFamily="34" charset="0"/>
                 <a:cs typeface="Open Sans" pitchFamily="34" charset="0"/>
               </a:rPr>
-              <a:t>Phone  Support</a:t>
+              <a:t>電話支援</a:t>
             </a:r>
           </a:p>
         </p:txBody>
@@ -10422,19 +9656,19 @@
           <a:lstStyle/>
           <a:p>
             <a:r>
-              <a:rPr lang="en-US" sz="1000" dirty="0">
+              <a:rPr lang="de-de" sz="1000" dirty="0">
                 <a:solidFill>
                   <a:srgbClr val="020302"/>
                 </a:solidFill>
                 <a:latin typeface="AdobeClean-Light"/>
               </a:rPr>
-              <a:t>Authorized users or Named Support Contacts </a:t>
+              <a:t>*授權的使用者或指定的支援聯絡人</a:t>
             </a:r>
             <a:r>
-              <a:rPr lang="en-US" sz="1000" dirty="0">
+              <a:rPr lang="de-de" sz="1000" dirty="0">
                 <a:latin typeface="Adobe Clean Light" panose="020B0303020404020204" pitchFamily="34" charset="0"/>
               </a:rPr>
-              <a:t>can submit issues through all available  channels (including phone for P1) and interact with our technical support team on behalf of your company. </a:t>
+              <a:t>可透過所有可用管道 (包括 P1 適用的電話) 來提交問題，並代表貴公司與我們的技術支援團隊互動。</a:t>
             </a:r>
             <a:endParaRPr lang="en-US" sz="1000" dirty="0">
               <a:solidFill>
@@ -10464,7 +9698,7 @@
         <p:spPr>
           <a:xfrm>
             <a:off x="5253416" y="9862966"/>
-            <a:ext cx="2270125" cy="132729"/>
+            <a:ext cx="2823784" cy="132729"/>
           </a:xfrm>
           <a:prstGeom prst="rect">
             <a:avLst/>
@@ -10485,31 +9719,23 @@
               </a:spcBef>
             </a:pPr>
             <a:r>
-              <a:rPr spc="-5" dirty="0"/>
-              <a:t>©202</a:t>
+              <a:rPr lang="de-de" spc="-5" dirty="0"/>
+              <a:t>©2021 Adobe。All rights reserved.Adobe</a:t>
             </a:r>
             <a:r>
-              <a:rPr lang="en-US" spc="-5" dirty="0"/>
-              <a:t>1</a:t>
-            </a:r>
-            <a:r>
-              <a:rPr spc="-5" dirty="0"/>
-              <a:t> Adobe. All Rights Reserved. Adobe</a:t>
-            </a:r>
-            <a:r>
-              <a:rPr spc="60" dirty="0"/>
+              <a:rPr lang="de-de" spc="60" dirty="0"/>
               <a:t> </a:t>
             </a:r>
             <a:r>
-              <a:rPr spc="-5" dirty="0"/>
-              <a:t>Confidential.</a:t>
+              <a:rPr lang="de-de" spc="-5" dirty="0"/>
+              <a:t>機密資訊。</a:t>
             </a:r>
           </a:p>
         </p:txBody>
       </p:sp>
       <p:pic>
         <p:nvPicPr>
-          <p:cNvPr id="40" name="Graphic 39" descr="Customer review outline">
+          <p:cNvPr id="40" name="Graphic 39" descr="客戶審查大綱">
             <a:extLst>
               <a:ext uri="{FF2B5EF4-FFF2-40B4-BE49-F238E27FC236}">
                 <a16:creationId xmlns:a16="http://schemas.microsoft.com/office/drawing/2014/main" id="{4E262C55-4C32-2544-98DA-C02B8E971D1B}"/>
@@ -10548,7 +9774,7 @@
       </p:pic>
       <p:pic>
         <p:nvPicPr>
-          <p:cNvPr id="43" name="Graphic 42" descr="Remote learning language outline">
+          <p:cNvPr id="43" name="Graphic 42" descr="遠端學習語言大綱">
             <a:extLst>
               <a:ext uri="{FF2B5EF4-FFF2-40B4-BE49-F238E27FC236}">
                 <a16:creationId xmlns:a16="http://schemas.microsoft.com/office/drawing/2014/main" id="{E6296687-6BD9-6048-A379-6D8F8F04D10C}"/>
@@ -10587,7 +9813,7 @@
       </p:pic>
       <p:pic>
         <p:nvPicPr>
-          <p:cNvPr id="44" name="Graphic 43" descr="Signpost outline">
+          <p:cNvPr id="44" name="Graphic 43" descr="路標大綱">
             <a:extLst>
               <a:ext uri="{FF2B5EF4-FFF2-40B4-BE49-F238E27FC236}">
                 <a16:creationId xmlns:a16="http://schemas.microsoft.com/office/drawing/2014/main" id="{A7AEBE03-711D-0D45-9260-22F215047C1D}"/>
@@ -10626,7 +9852,7 @@
       </p:pic>
       <p:pic>
         <p:nvPicPr>
-          <p:cNvPr id="45" name="Graphic 44" descr="Internet outline">
+          <p:cNvPr id="45" name="Graphic 44" descr="網際網路大綱">
             <a:extLst>
               <a:ext uri="{FF2B5EF4-FFF2-40B4-BE49-F238E27FC236}">
                 <a16:creationId xmlns:a16="http://schemas.microsoft.com/office/drawing/2014/main" id="{53393DA1-2F49-204A-98D0-CC1953C765FE}"/>
@@ -10665,7 +9891,7 @@
       </p:pic>
       <p:pic>
         <p:nvPicPr>
-          <p:cNvPr id="47" name="Graphic 46" descr="Chat bubble outline">
+          <p:cNvPr id="47" name="Graphic 46" descr="聊天泡泡大綱">
             <a:extLst>
               <a:ext uri="{FF2B5EF4-FFF2-40B4-BE49-F238E27FC236}">
                 <a16:creationId xmlns:a16="http://schemas.microsoft.com/office/drawing/2014/main" id="{FE42C6EE-710B-DF4A-BC9E-4EF15D56E0B2}"/>
@@ -10704,7 +9930,7 @@
       </p:pic>
       <p:pic>
         <p:nvPicPr>
-          <p:cNvPr id="51" name="Graphic 50" descr="Speaker phone outline">
+          <p:cNvPr id="51" name="Graphic 50" descr="揚聲器大綱">
             <a:extLst>
               <a:ext uri="{FF2B5EF4-FFF2-40B4-BE49-F238E27FC236}">
                 <a16:creationId xmlns:a16="http://schemas.microsoft.com/office/drawing/2014/main" id="{38A761D0-3F50-2A48-8BEE-9A284E6142EE}"/>
@@ -10793,17 +10019,17 @@
               </a:lnSpc>
             </a:pPr>
             <a:r>
-              <a:rPr sz="500" spc="-5" dirty="0">
+              <a:rPr lang="de-de" sz="500" spc="-5" dirty="0">
                 <a:solidFill>
                   <a:srgbClr val="6C6C6C"/>
                 </a:solidFill>
                 <a:latin typeface="Adobe Clean"/>
                 <a:cs typeface="Adobe Clean"/>
               </a:rPr>
-              <a:t>©2020 Adobe. All Rights Reserved. </a:t>
+              <a:t>© 2020 Adobe. All rights reserved.</a:t>
             </a:r>
             <a:r>
-              <a:rPr sz="500" dirty="0">
+              <a:rPr lang="de-de" sz="500" dirty="0">
                 <a:solidFill>
                   <a:srgbClr val="6C6C6C"/>
                 </a:solidFill>
@@ -10813,7 +10039,7 @@
               <a:t>Adobe</a:t>
             </a:r>
             <a:r>
-              <a:rPr sz="500" spc="5" dirty="0">
+              <a:rPr lang="de-de" sz="500" spc="5" dirty="0">
                 <a:solidFill>
                   <a:srgbClr val="6C6C6C"/>
                 </a:solidFill>
@@ -10823,14 +10049,14 @@
               <a:t> </a:t>
             </a:r>
             <a:r>
-              <a:rPr sz="500" spc="-5" dirty="0">
+              <a:rPr lang="de-de" sz="500" spc="-5" dirty="0">
                 <a:solidFill>
                   <a:srgbClr val="6C6C6C"/>
                 </a:solidFill>
                 <a:latin typeface="Adobe Clean"/>
                 <a:cs typeface="Adobe Clean"/>
               </a:rPr>
-              <a:t>Confidential.</a:t>
+              <a:t> 機密資訊。</a:t>
             </a:r>
             <a:endParaRPr sz="500">
               <a:latin typeface="Adobe Clean"/>
@@ -10861,17 +10087,17 @@
               </a:spcBef>
             </a:pPr>
             <a:r>
-              <a:rPr sz="800" spc="-5" dirty="0">
+              <a:rPr lang="de-de" sz="800" spc="-5" dirty="0">
                 <a:solidFill>
                   <a:srgbClr val="6D6D6D"/>
                 </a:solidFill>
                 <a:latin typeface="Adobe Clean"/>
                 <a:cs typeface="Adobe Clean"/>
               </a:rPr>
-              <a:t>©2020 Adobe. All Rights Reserved. Adobe</a:t>
+              <a:t>© 2020 Adobe. All rights reserved.Adobe</a:t>
             </a:r>
             <a:r>
-              <a:rPr sz="800" spc="75" dirty="0">
+              <a:rPr lang="de-de" sz="800" spc="75" dirty="0">
                 <a:solidFill>
                   <a:srgbClr val="6D6D6D"/>
                 </a:solidFill>
@@ -10881,14 +10107,14 @@
               <a:t> </a:t>
             </a:r>
             <a:r>
-              <a:rPr sz="800" spc="-5" dirty="0">
+              <a:rPr lang="de-de" sz="800" spc="-5" dirty="0">
                 <a:solidFill>
                   <a:srgbClr val="6D6D6D"/>
                 </a:solidFill>
                 <a:latin typeface="Adobe Clean"/>
                 <a:cs typeface="Adobe Clean"/>
               </a:rPr>
-              <a:t>Confidential.</a:t>
+              <a:t>機密資訊。</a:t>
             </a:r>
             <a:endParaRPr sz="800">
               <a:latin typeface="Adobe Clean"/>
@@ -10977,14 +10203,14 @@
               </a:spcBef>
             </a:pPr>
             <a:r>
-              <a:rPr lang="en-US" sz="1400" b="1" spc="-15" dirty="0">
+              <a:rPr lang="de-de" sz="1400" b="1" spc="-15" dirty="0">
                 <a:solidFill>
                   <a:srgbClr val="020302"/>
                 </a:solidFill>
                 <a:latin typeface="Adobe Clean"/>
                 <a:cs typeface="Adobe Clean"/>
               </a:rPr>
-              <a:t>Resources</a:t>
+              <a:t>資源</a:t>
             </a:r>
             <a:endParaRPr sz="1400" dirty="0">
               <a:latin typeface="Adobe Clean"/>
@@ -11002,14 +10228,14 @@
         <p:spPr>
           <a:xfrm>
             <a:off x="6754821" y="9283729"/>
-            <a:ext cx="930275" cy="758541"/>
+            <a:ext cx="930275" cy="662305"/>
           </a:xfrm>
           <a:prstGeom prst="rect">
             <a:avLst/>
           </a:prstGeom>
         </p:spPr>
         <p:txBody>
-          <a:bodyPr vert="horz" wrap="square" lIns="0" tIns="12065" rIns="0" bIns="0" rtlCol="0" anchor="t">
+          <a:bodyPr vert="horz" wrap="square" lIns="0" tIns="12065" rIns="0" bIns="0" rtlCol="0">
             <a:spAutoFit/>
           </a:bodyPr>
           <a:lstStyle/>
@@ -11023,7 +10249,7 @@
               </a:spcBef>
             </a:pPr>
             <a:r>
-              <a:rPr sz="800" spc="-15" dirty="0">
+              <a:rPr lang="de-de" sz="800" spc="-15" dirty="0">
                 <a:solidFill>
                   <a:srgbClr val="777879"/>
                 </a:solidFill>
@@ -11044,26 +10270,36 @@
               </a:lnSpc>
             </a:pPr>
             <a:r>
-              <a:rPr sz="800" spc="-15" dirty="0">
+              <a:rPr lang="de-de" sz="800" spc="-15" dirty="0">
                 <a:solidFill>
                   <a:srgbClr val="777879"/>
                 </a:solidFill>
                 <a:latin typeface="Adobe Clean"/>
                 <a:cs typeface="Adobe Clean"/>
               </a:rPr>
-              <a:t>345 </a:t>
+              <a:t>345 Park</a:t>
             </a:r>
             <a:r>
-              <a:rPr lang="en-US" sz="800" spc="-15" dirty="0">
+              <a:rPr lang="de-de" sz="800" spc="-100" dirty="0">
                 <a:solidFill>
                   <a:srgbClr val="777879"/>
                 </a:solidFill>
                 <a:latin typeface="Adobe Clean"/>
                 <a:cs typeface="Adobe Clean"/>
               </a:rPr>
-              <a:t>Park Avenue</a:t>
+              <a:t> </a:t>
             </a:r>
-            <a:endParaRPr sz="800" dirty="0">
+            <a:r>
+              <a:rPr lang="de-de" sz="800" spc="-15" dirty="0">
+                <a:solidFill>
+                  <a:srgbClr val="777879"/>
+                </a:solidFill>
+                <a:latin typeface="Adobe Clean"/>
+                <a:cs typeface="Adobe Clean"/>
+              </a:rPr>
+              <a:t>Avenue</a:t>
+            </a:r>
+            <a:endParaRPr sz="800">
               <a:latin typeface="Adobe Clean"/>
               <a:cs typeface="Adobe Clean"/>
             </a:endParaRPr>
@@ -11075,7 +10311,7 @@
               </a:lnSpc>
             </a:pPr>
             <a:r>
-              <a:rPr sz="800" spc="-10" dirty="0">
+              <a:rPr lang="de-de" sz="800" spc="-10" dirty="0">
                 <a:solidFill>
                   <a:srgbClr val="777879"/>
                 </a:solidFill>
@@ -11085,7 +10321,7 @@
               <a:t>San </a:t>
             </a:r>
             <a:r>
-              <a:rPr sz="800" spc="-15" dirty="0">
+              <a:rPr lang="de-de" sz="800" spc="-15" dirty="0">
                 <a:solidFill>
                   <a:srgbClr val="777879"/>
                 </a:solidFill>
@@ -11095,7 +10331,7 @@
               <a:t>Jose,</a:t>
             </a:r>
             <a:r>
-              <a:rPr sz="800" spc="-140" dirty="0">
+              <a:rPr lang="de-de" sz="800" spc="-140" dirty="0">
                 <a:solidFill>
                   <a:srgbClr val="777879"/>
                 </a:solidFill>
@@ -11105,7 +10341,7 @@
               <a:t> </a:t>
             </a:r>
             <a:r>
-              <a:rPr sz="800" spc="-20" dirty="0">
+              <a:rPr lang="de-de" sz="800" spc="-20" dirty="0">
                 <a:solidFill>
                   <a:srgbClr val="777879"/>
                 </a:solidFill>
@@ -11129,7 +10365,7 @@
               </a:spcBef>
             </a:pPr>
             <a:r>
-              <a:rPr sz="800" spc="-10" dirty="0">
+              <a:rPr lang="de-de" sz="800" spc="-10" dirty="0">
                 <a:solidFill>
                   <a:srgbClr val="777879"/>
                 </a:solidFill>
@@ -11153,7 +10389,7 @@
               </a:spcBef>
             </a:pPr>
             <a:r>
-              <a:rPr sz="800" u="sng" spc="-25" dirty="0">
+              <a:rPr lang="de-de" sz="800" u="sng" spc="-25" dirty="0">
                 <a:solidFill>
                   <a:srgbClr val="5F5F5F"/>
                 </a:solidFill>
@@ -11166,7 +10402,7 @@
                 <a:cs typeface="Adobe Clean"/>
                 <a:hlinkClick r:id="rId3"/>
               </a:rPr>
-              <a:t>www.adobe.com</a:t>
+              <a:t>www.adobe.com/tw/</a:t>
             </a:r>
             <a:endParaRPr sz="800">
               <a:latin typeface="Adobe Clean"/>
@@ -11332,7 +10568,7 @@
           </a:prstGeom>
         </p:spPr>
         <p:txBody>
-          <a:bodyPr vert="horz" wrap="square" lIns="0" tIns="29845" rIns="0" bIns="0" rtlCol="0" anchor="t">
+          <a:bodyPr vert="horz" wrap="square" lIns="0" tIns="29845" rIns="0" bIns="0" rtlCol="0">
             <a:spAutoFit/>
           </a:bodyPr>
           <a:lstStyle/>
@@ -11346,17 +10582,27 @@
               </a:spcBef>
             </a:pPr>
             <a:r>
-              <a:rPr sz="1100" i="1" spc="-10" dirty="0">
+              <a:rPr lang="de-de" sz="1100" i="1" spc="-10" dirty="0">
                 <a:solidFill>
                   <a:srgbClr val="777879"/>
                 </a:solidFill>
                 <a:latin typeface="AdobeClean-LightIt"/>
                 <a:cs typeface="AdobeClean-LightIt"/>
               </a:rPr>
-              <a:t>To</a:t>
+              <a:t>如需</a:t>
             </a:r>
             <a:r>
-              <a:rPr sz="1100" i="1" spc="-50" dirty="0">
+              <a:rPr lang="de-de" sz="1100" i="1" spc="-15" dirty="0">
+                <a:solidFill>
+                  <a:srgbClr val="777879"/>
+                </a:solidFill>
+                <a:latin typeface="AdobeClean-LightIt"/>
+                <a:cs typeface="AdobeClean-LightIt"/>
+              </a:rPr>
+              <a:t>了解</a:t>
+            </a:r>
+            <a:r>
+              <a:rPr lang="de-de" sz="1100" i="1" spc="-40" dirty="0">
                 <a:solidFill>
                   <a:srgbClr val="777879"/>
                 </a:solidFill>
@@ -11366,17 +10612,7 @@
               <a:t> </a:t>
             </a:r>
             <a:r>
-              <a:rPr sz="1100" i="1" spc="-15" dirty="0">
-                <a:solidFill>
-                  <a:srgbClr val="777879"/>
-                </a:solidFill>
-                <a:latin typeface="AdobeClean-LightIt"/>
-                <a:cs typeface="AdobeClean-LightIt"/>
-              </a:rPr>
-              <a:t>learn</a:t>
-            </a:r>
-            <a:r>
-              <a:rPr sz="1100" i="1" spc="-40" dirty="0">
+              <a:rPr lang="de-de" sz="1100" i="1" spc="-45" dirty="0">
                 <a:solidFill>
                   <a:srgbClr val="777879"/>
                 </a:solidFill>
@@ -11386,17 +10622,17 @@
               <a:t> </a:t>
             </a:r>
             <a:r>
-              <a:rPr sz="1100" i="1" spc="-15" dirty="0">
+              <a:rPr lang="de-de" sz="1100" i="1" spc="-15">
                 <a:solidFill>
                   <a:srgbClr val="777879"/>
                 </a:solidFill>
                 <a:latin typeface="AdobeClean-LightIt"/>
                 <a:cs typeface="AdobeClean-LightIt"/>
               </a:rPr>
-              <a:t>more</a:t>
+              <a:t>Adobe</a:t>
             </a:r>
             <a:r>
-              <a:rPr sz="1100" i="1" spc="-45" dirty="0">
+              <a:rPr lang="de-de" sz="1100" i="1" spc="-60">
                 <a:solidFill>
                   <a:srgbClr val="777879"/>
                 </a:solidFill>
@@ -11406,377 +10642,117 @@
               <a:t> </a:t>
             </a:r>
             <a:r>
-              <a:rPr sz="1100" i="1" spc="-15" dirty="0">
+              <a:rPr lang="de-de" sz="1100" i="1" spc="-15">
                 <a:solidFill>
                   <a:srgbClr val="777879"/>
                 </a:solidFill>
                 <a:latin typeface="AdobeClean-LightIt"/>
                 <a:cs typeface="AdobeClean-LightIt"/>
               </a:rPr>
-              <a:t>about</a:t>
+              <a:t>支援方案</a:t>
             </a:r>
             <a:r>
-              <a:rPr sz="1100" i="1" spc="-45" dirty="0">
+              <a:rPr lang="de-de" sz="1100" i="1" spc="-75">
                 <a:solidFill>
                   <a:srgbClr val="777879"/>
                 </a:solidFill>
                 <a:latin typeface="AdobeClean-LightIt"/>
                 <a:cs typeface="AdobeClean-LightIt"/>
               </a:rPr>
-              <a:t> </a:t>
+              <a:t>的詳細資訊</a:t>
             </a:r>
             <a:r>
-              <a:rPr sz="1100" i="1" spc="-15" dirty="0">
+              <a:rPr lang="de-de" sz="1100" i="1" spc="-15">
                 <a:solidFill>
                   <a:srgbClr val="777879"/>
                 </a:solidFill>
                 <a:latin typeface="AdobeClean-LightIt"/>
                 <a:cs typeface="AdobeClean-LightIt"/>
               </a:rPr>
-              <a:t>Adobe</a:t>
+              <a:t>以及適合您的層級，請聯絡您指定的</a:t>
             </a:r>
             <a:r>
-              <a:rPr sz="1100" i="1" spc="-60" dirty="0">
+              <a:rPr lang="de-de" sz="1100" i="1" spc="-25">
                 <a:solidFill>
                   <a:srgbClr val="777879"/>
                 </a:solidFill>
                 <a:latin typeface="AdobeClean-LightIt"/>
                 <a:cs typeface="AdobeClean-LightIt"/>
               </a:rPr>
-              <a:t> </a:t>
+              <a:t>帳戶</a:t>
             </a:r>
             <a:r>
-              <a:rPr sz="1100" i="1" spc="-15" dirty="0">
+              <a:rPr lang="de-de" sz="1100" i="1" spc="-20">
                 <a:solidFill>
                   <a:srgbClr val="777879"/>
                 </a:solidFill>
                 <a:latin typeface="AdobeClean-LightIt"/>
                 <a:cs typeface="AdobeClean-LightIt"/>
               </a:rPr>
-              <a:t>Support</a:t>
+              <a:t>經理 </a:t>
             </a:r>
             <a:r>
-              <a:rPr lang="en-US" sz="1100" i="1" spc="-15" dirty="0">
+              <a:rPr lang="de-de" sz="1100" i="1" spc="-15" dirty="0">
                 <a:solidFill>
                   <a:srgbClr val="777879"/>
                 </a:solidFill>
                 <a:latin typeface="AdobeClean-LightIt"/>
                 <a:cs typeface="AdobeClean-LightIt"/>
               </a:rPr>
-              <a:t> Offerings</a:t>
+              <a:t>(NAM</a:t>
             </a:r>
             <a:r>
-              <a:rPr sz="1100" i="1" spc="-75" dirty="0">
+              <a:rPr lang="de-de" sz="1100" i="1" spc="-15">
                 <a:solidFill>
                   <a:srgbClr val="777879"/>
                 </a:solidFill>
                 <a:latin typeface="AdobeClean-LightIt"/>
                 <a:cs typeface="AdobeClean-LightIt"/>
               </a:rPr>
-              <a:t> </a:t>
+              <a:t>) </a:t>
             </a:r>
             <a:r>
-              <a:rPr sz="1100" i="1" spc="-15" dirty="0">
+              <a:rPr lang="de-de" sz="1100" i="1" spc="-10">
                 <a:solidFill>
                   <a:srgbClr val="777879"/>
                 </a:solidFill>
                 <a:latin typeface="AdobeClean-LightIt"/>
                 <a:cs typeface="AdobeClean-LightIt"/>
               </a:rPr>
-              <a:t>and</a:t>
+              <a:t>或</a:t>
             </a:r>
             <a:r>
-              <a:rPr sz="1100" i="1" spc="-50" dirty="0">
+              <a:rPr lang="de-de" sz="1100" i="1" spc="-15">
                 <a:solidFill>
                   <a:srgbClr val="777879"/>
                 </a:solidFill>
                 <a:latin typeface="AdobeClean-LightIt"/>
                 <a:cs typeface="AdobeClean-LightIt"/>
               </a:rPr>
-              <a:t> </a:t>
+              <a:t>客戶</a:t>
             </a:r>
             <a:r>
-              <a:rPr sz="1100" i="1" spc="-15" dirty="0">
+              <a:rPr lang="de-de" sz="1100" i="1" spc="-20">
                 <a:solidFill>
                   <a:srgbClr val="777879"/>
                 </a:solidFill>
                 <a:latin typeface="AdobeClean-LightIt"/>
                 <a:cs typeface="AdobeClean-LightIt"/>
               </a:rPr>
-              <a:t>the</a:t>
+              <a:t>成功</a:t>
             </a:r>
             <a:r>
-              <a:rPr sz="1100" i="1" spc="-55" dirty="0">
+              <a:rPr lang="de-de" sz="1100" i="1" spc="-15">
                 <a:solidFill>
                   <a:srgbClr val="777879"/>
                 </a:solidFill>
                 <a:latin typeface="AdobeClean-LightIt"/>
                 <a:cs typeface="AdobeClean-LightIt"/>
               </a:rPr>
-              <a:t> </a:t>
+              <a:t>經理 </a:t>
             </a:r>
             <a:r>
-              <a:rPr sz="1100" i="1" spc="-15" dirty="0">
-                <a:solidFill>
-                  <a:srgbClr val="777879"/>
-                </a:solidFill>
-                <a:latin typeface="AdobeClean-LightIt"/>
-                <a:cs typeface="AdobeClean-LightIt"/>
-              </a:rPr>
-              <a:t>right</a:t>
-            </a:r>
-            <a:r>
-              <a:rPr sz="1100" i="1" spc="-95" dirty="0">
-                <a:solidFill>
-                  <a:srgbClr val="777879"/>
-                </a:solidFill>
-                <a:latin typeface="AdobeClean-LightIt"/>
-                <a:cs typeface="AdobeClean-LightIt"/>
-              </a:rPr>
-              <a:t> </a:t>
-            </a:r>
-            <a:r>
-              <a:rPr sz="1100" i="1" spc="-15" dirty="0">
-                <a:solidFill>
-                  <a:srgbClr val="777879"/>
-                </a:solidFill>
-                <a:latin typeface="AdobeClean-LightIt"/>
-                <a:cs typeface="AdobeClean-LightIt"/>
-              </a:rPr>
-              <a:t>level</a:t>
-            </a:r>
-            <a:r>
-              <a:rPr sz="1100" i="1" spc="-55" dirty="0">
-                <a:solidFill>
-                  <a:srgbClr val="777879"/>
-                </a:solidFill>
-                <a:latin typeface="AdobeClean-LightIt"/>
-                <a:cs typeface="AdobeClean-LightIt"/>
-              </a:rPr>
-              <a:t> </a:t>
-            </a:r>
-            <a:r>
-              <a:rPr sz="1100" i="1" spc="-15" dirty="0">
-                <a:solidFill>
-                  <a:srgbClr val="777879"/>
-                </a:solidFill>
-                <a:latin typeface="AdobeClean-LightIt"/>
-                <a:cs typeface="AdobeClean-LightIt"/>
-              </a:rPr>
-              <a:t>for</a:t>
-            </a:r>
-            <a:r>
-              <a:rPr sz="1100" i="1" spc="-85" dirty="0">
-                <a:solidFill>
-                  <a:srgbClr val="777879"/>
-                </a:solidFill>
-                <a:latin typeface="AdobeClean-LightIt"/>
-                <a:cs typeface="AdobeClean-LightIt"/>
-              </a:rPr>
-              <a:t> </a:t>
-            </a:r>
-            <a:r>
-              <a:rPr sz="1100" i="1" spc="-15" dirty="0">
-                <a:solidFill>
-                  <a:srgbClr val="777879"/>
-                </a:solidFill>
-                <a:latin typeface="AdobeClean-LightIt"/>
-                <a:cs typeface="AdobeClean-LightIt"/>
-              </a:rPr>
-              <a:t>you,</a:t>
-            </a:r>
-            <a:r>
-              <a:rPr sz="1100" i="1" spc="-65" dirty="0">
-                <a:solidFill>
-                  <a:srgbClr val="777879"/>
-                </a:solidFill>
-                <a:latin typeface="AdobeClean-LightIt"/>
-                <a:cs typeface="AdobeClean-LightIt"/>
-              </a:rPr>
-              <a:t> </a:t>
-            </a:r>
-            <a:r>
-              <a:rPr sz="1100" i="1" spc="-15" dirty="0">
-                <a:solidFill>
-                  <a:srgbClr val="777879"/>
-                </a:solidFill>
-                <a:latin typeface="AdobeClean-LightIt"/>
-                <a:cs typeface="AdobeClean-LightIt"/>
-              </a:rPr>
-              <a:t>contact</a:t>
-            </a:r>
-            <a:r>
-              <a:rPr sz="1100" i="1" spc="-85" dirty="0">
-                <a:solidFill>
-                  <a:srgbClr val="777879"/>
-                </a:solidFill>
-                <a:latin typeface="AdobeClean-LightIt"/>
-                <a:cs typeface="AdobeClean-LightIt"/>
-              </a:rPr>
-              <a:t> </a:t>
-            </a:r>
-            <a:r>
-              <a:rPr sz="1100" i="1" spc="-15" dirty="0">
-                <a:solidFill>
-                  <a:srgbClr val="777879"/>
-                </a:solidFill>
-                <a:latin typeface="AdobeClean-LightIt"/>
-                <a:cs typeface="AdobeClean-LightIt"/>
-              </a:rPr>
-              <a:t>your</a:t>
-            </a:r>
-            <a:r>
-              <a:rPr sz="1100" i="1" spc="-70" dirty="0">
-                <a:solidFill>
-                  <a:srgbClr val="777879"/>
-                </a:solidFill>
-                <a:latin typeface="AdobeClean-LightIt"/>
-                <a:cs typeface="AdobeClean-LightIt"/>
-              </a:rPr>
-              <a:t> </a:t>
-            </a:r>
-            <a:r>
-              <a:rPr sz="1100" i="1" spc="-15" dirty="0">
-                <a:solidFill>
-                  <a:srgbClr val="777879"/>
-                </a:solidFill>
-                <a:latin typeface="AdobeClean-LightIt"/>
-                <a:cs typeface="AdobeClean-LightIt"/>
-              </a:rPr>
-              <a:t>Named</a:t>
-            </a:r>
-            <a:r>
-              <a:rPr sz="1100" i="1" spc="-55" dirty="0">
-                <a:solidFill>
-                  <a:srgbClr val="777879"/>
-                </a:solidFill>
-                <a:latin typeface="AdobeClean-LightIt"/>
-                <a:cs typeface="AdobeClean-LightIt"/>
-              </a:rPr>
-              <a:t> </a:t>
-            </a:r>
-            <a:r>
-              <a:rPr sz="1100" i="1" spc="-25" dirty="0">
-                <a:solidFill>
-                  <a:srgbClr val="777879"/>
-                </a:solidFill>
-                <a:latin typeface="AdobeClean-LightIt"/>
-                <a:cs typeface="AdobeClean-LightIt"/>
-              </a:rPr>
-              <a:t>Account</a:t>
-            </a:r>
-            <a:r>
-              <a:rPr sz="1100" i="1" spc="-120" dirty="0">
-                <a:solidFill>
-                  <a:srgbClr val="777879"/>
-                </a:solidFill>
-                <a:latin typeface="AdobeClean-LightIt"/>
-                <a:cs typeface="AdobeClean-LightIt"/>
-              </a:rPr>
-              <a:t> </a:t>
-            </a:r>
-            <a:r>
-              <a:rPr sz="1100" i="1" spc="-20" dirty="0">
-                <a:solidFill>
-                  <a:srgbClr val="777879"/>
-                </a:solidFill>
-                <a:latin typeface="AdobeClean-LightIt"/>
-                <a:cs typeface="AdobeClean-LightIt"/>
-              </a:rPr>
-              <a:t>Manager</a:t>
-            </a:r>
-            <a:r>
-              <a:rPr lang="en-US" sz="1100" i="1" spc="-20" dirty="0">
-                <a:solidFill>
-                  <a:srgbClr val="777879"/>
-                </a:solidFill>
-                <a:latin typeface="AdobeClean-LightIt"/>
-                <a:cs typeface="AdobeClean-LightIt"/>
-              </a:rPr>
-              <a:t> </a:t>
-            </a:r>
-            <a:r>
-              <a:rPr sz="1100" i="1" spc="-20" dirty="0">
-                <a:solidFill>
-                  <a:srgbClr val="777879"/>
-                </a:solidFill>
-                <a:latin typeface="AdobeClean-LightIt"/>
-                <a:cs typeface="AdobeClean-LightIt"/>
-              </a:rPr>
-              <a:t> </a:t>
-            </a:r>
-            <a:r>
-              <a:rPr sz="1100" i="1" spc="-15" dirty="0">
-                <a:solidFill>
-                  <a:srgbClr val="777879"/>
-                </a:solidFill>
-                <a:latin typeface="AdobeClean-LightIt"/>
-                <a:cs typeface="AdobeClean-LightIt"/>
-              </a:rPr>
-              <a:t>(NAM) </a:t>
-            </a:r>
-            <a:r>
-              <a:rPr sz="1100" i="1" spc="-10" dirty="0">
-                <a:solidFill>
-                  <a:srgbClr val="777879"/>
-                </a:solidFill>
-                <a:latin typeface="AdobeClean-LightIt"/>
-                <a:cs typeface="AdobeClean-LightIt"/>
-              </a:rPr>
-              <a:t>or </a:t>
-            </a:r>
-            <a:r>
-              <a:rPr sz="1100" i="1" spc="-15" dirty="0">
-                <a:solidFill>
-                  <a:srgbClr val="777879"/>
-                </a:solidFill>
-                <a:latin typeface="AdobeClean-LightIt"/>
-                <a:cs typeface="AdobeClean-LightIt"/>
-              </a:rPr>
-              <a:t>Customer </a:t>
-            </a:r>
-            <a:r>
-              <a:rPr sz="1100" i="1" spc="-20" dirty="0">
-                <a:solidFill>
-                  <a:srgbClr val="777879"/>
-                </a:solidFill>
-                <a:latin typeface="AdobeClean-LightIt"/>
-                <a:cs typeface="AdobeClean-LightIt"/>
-              </a:rPr>
-              <a:t>Success</a:t>
-            </a:r>
-            <a:r>
-              <a:rPr lang="en-US" sz="1100" i="1" spc="-20" dirty="0">
-                <a:solidFill>
-                  <a:srgbClr val="777879"/>
-                </a:solidFill>
-                <a:latin typeface="AdobeClean-LightIt"/>
-                <a:cs typeface="AdobeClean-LightIt"/>
-              </a:rPr>
-              <a:t> </a:t>
-            </a:r>
-            <a:r>
-              <a:rPr sz="1100" i="1" spc="-15" dirty="0">
-                <a:solidFill>
-                  <a:srgbClr val="777879"/>
-                </a:solidFill>
-                <a:latin typeface="AdobeClean-LightIt"/>
-                <a:cs typeface="AdobeClean-LightIt"/>
-              </a:rPr>
-              <a:t>Manager</a:t>
-            </a:r>
-            <a:r>
-              <a:rPr lang="en-US" sz="1100" i="1" spc="-15" dirty="0">
-                <a:solidFill>
-                  <a:srgbClr val="777879"/>
-                </a:solidFill>
-                <a:latin typeface="AdobeClean-LightIt"/>
-                <a:cs typeface="AdobeClean-LightIt"/>
-              </a:rPr>
-              <a:t> </a:t>
-            </a:r>
-            <a:r>
-              <a:rPr sz="1100" i="1" spc="-15" dirty="0">
+              <a:rPr lang="de-de" sz="1100" i="1" spc="-15" dirty="0">
                 <a:solidFill>
                   <a:srgbClr val="777879"/>
                 </a:solidFill>
@@ -11800,37 +10776,17 @@
               </a:spcBef>
             </a:pPr>
             <a:r>
-              <a:rPr sz="800" spc="-5" dirty="0">
+              <a:rPr lang="de-de" sz="800" spc="-5" dirty="0">
                 <a:solidFill>
                   <a:srgbClr val="6D6D6D"/>
                 </a:solidFill>
                 <a:latin typeface="Adobe Clean"/>
                 <a:cs typeface="Adobe Clean"/>
               </a:rPr>
-              <a:t>©202</a:t>
+              <a:t>©2021 Adobe。All rights reserved.Adobe</a:t>
             </a:r>
             <a:r>
-              <a:rPr lang="en-US" sz="800" spc="-5" dirty="0">
-                <a:solidFill>
-                  <a:srgbClr val="6D6D6D"/>
-                </a:solidFill>
-                <a:latin typeface="Adobe Clean"/>
-                <a:cs typeface="Adobe Clean"/>
-              </a:rPr>
-              <a:t>1</a:t>
-            </a:r>
-            <a:r>
-              <a:rPr sz="800" spc="-5" dirty="0">
-                <a:solidFill>
-                  <a:srgbClr val="6D6D6D"/>
-                </a:solidFill>
-                <a:latin typeface="Adobe Clean"/>
-                <a:cs typeface="Adobe Clean"/>
-              </a:rPr>
-              <a:t> Adobe. All Rights Reserved. Adobe</a:t>
-            </a:r>
-            <a:r>
-              <a:rPr sz="800" spc="75" dirty="0">
+              <a:rPr lang="de-de" sz="800" spc="75" dirty="0">
                 <a:solidFill>
                   <a:srgbClr val="6D6D6D"/>
                 </a:solidFill>
@@ -11840,14 +10796,14 @@
               <a:t> </a:t>
             </a:r>
             <a:r>
-              <a:rPr sz="800" spc="-5" dirty="0">
+              <a:rPr lang="de-de" sz="800" spc="-5" dirty="0">
                 <a:solidFill>
                   <a:srgbClr val="6D6D6D"/>
                 </a:solidFill>
                 <a:latin typeface="Adobe Clean"/>
                 <a:cs typeface="Adobe Clean"/>
               </a:rPr>
-              <a:t>Confidential.</a:t>
+              <a:t>機密資訊。</a:t>
             </a:r>
             <a:endParaRPr sz="800" dirty="0">
               <a:latin typeface="Adobe Clean"/>
@@ -11878,42 +10834,128 @@
           </a:prstGeom>
         </p:spPr>
         <p:txBody>
-          <a:bodyPr vert="horz" wrap="square" lIns="0" tIns="116205" rIns="0" bIns="0" rtlCol="0" anchor="t">
+          <a:bodyPr vert="horz" wrap="square" lIns="0" tIns="116205" rIns="0" bIns="0" rtlCol="0">
             <a:spAutoFit/>
           </a:bodyPr>
           <a:lstStyle/>
           <a:p>
-            <a:pPr>
+            <a:pPr lvl="0">
               <a:spcBef>
                 <a:spcPts val="915"/>
               </a:spcBef>
             </a:pPr>
             <a:r>
-              <a:rPr lang="en-US" sz="1400" b="1" spc="-15" dirty="0">
+              <a:rPr lang="en-US" altLang="zh-TW" sz="1400" b="1" spc="-15" dirty="0">
                 <a:solidFill>
                   <a:srgbClr val="020302"/>
                 </a:solidFill>
                 <a:latin typeface="Adobe Clean"/>
                 <a:cs typeface="Adobe Clean"/>
               </a:rPr>
-              <a:t>Regional scope of Adobe Support, Local Hours Of Operation And Language Support</a:t>
+              <a:t>Adobe </a:t>
             </a:r>
+            <a:r>
+              <a:rPr lang="zh-TW" altLang="en-US" sz="1400" b="1" spc="-15" dirty="0">
+                <a:solidFill>
+                  <a:srgbClr val="020302"/>
+                </a:solidFill>
+                <a:latin typeface="Adobe Clean"/>
+                <a:cs typeface="Adobe Clean"/>
+              </a:rPr>
+              <a:t>支援的區域範圍、當地營業時間和語言支援</a:t>
+            </a:r>
+            <a:endParaRPr lang="pl-PL" altLang="zh-TW" sz="1400" b="1" spc="-15" dirty="0">
+              <a:solidFill>
+                <a:srgbClr val="020302"/>
+              </a:solidFill>
+              <a:latin typeface="Adobe Clean"/>
+              <a:cs typeface="Adobe Clean"/>
+            </a:endParaRPr>
           </a:p>
           <a:p>
-            <a:pPr>
+            <a:pPr lvl="0">
               <a:spcBef>
                 <a:spcPts val="915"/>
               </a:spcBef>
             </a:pPr>
             <a:r>
-              <a:rPr lang="en-US" sz="1000" spc="-15" dirty="0">
+              <a:rPr lang="en-US" altLang="zh-TW" sz="1000" spc="-15" dirty="0">
                 <a:solidFill>
                   <a:srgbClr val="1F1F1F"/>
                 </a:solidFill>
                 <a:latin typeface="AdobeClean-Light"/>
               </a:rPr>
-              <a:t>The Regional scope of Adobe Support is established by aligning the customer's billing address (via the Sales Order or other Adobe Support purchasing document) to one of the following regions:</a:t>
+              <a:t>Adobe </a:t>
             </a:r>
+            <a:r>
+              <a:rPr lang="zh-TW" altLang="en-US" sz="1000" spc="-15" dirty="0">
+                <a:solidFill>
+                  <a:srgbClr val="1F1F1F"/>
+                </a:solidFill>
+                <a:latin typeface="AdobeClean-Light"/>
+              </a:rPr>
+              <a:t>支援的區域範圍是透過將客戶的帳單地址 </a:t>
+            </a:r>
+            <a:r>
+              <a:rPr lang="en-US" altLang="zh-TW" sz="1000" spc="-15" dirty="0">
+                <a:solidFill>
+                  <a:srgbClr val="1F1F1F"/>
+                </a:solidFill>
+                <a:latin typeface="AdobeClean-Light"/>
+              </a:rPr>
+              <a:t>(</a:t>
+            </a:r>
+            <a:r>
+              <a:rPr lang="zh-TW" altLang="en-US" sz="1000" spc="-15" dirty="0">
+                <a:solidFill>
+                  <a:srgbClr val="1F1F1F"/>
+                </a:solidFill>
+                <a:latin typeface="AdobeClean-Light"/>
+              </a:rPr>
+              <a:t>通過銷售訂單或其他 </a:t>
+            </a:r>
+            <a:r>
+              <a:rPr lang="en-US" altLang="zh-TW" sz="1000" spc="-15" dirty="0">
+                <a:solidFill>
+                  <a:srgbClr val="1F1F1F"/>
+                </a:solidFill>
+                <a:latin typeface="AdobeClean-Light"/>
+              </a:rPr>
+              <a:t>Adobe </a:t>
+            </a:r>
+            <a:r>
+              <a:rPr lang="zh-TW" altLang="en-US" sz="1000" spc="-15" dirty="0">
+                <a:solidFill>
+                  <a:srgbClr val="1F1F1F"/>
+                </a:solidFill>
+                <a:latin typeface="AdobeClean-Light"/>
+              </a:rPr>
+              <a:t>支援採購文件</a:t>
+            </a:r>
+            <a:r>
+              <a:rPr lang="en-US" altLang="zh-TW" sz="1000" spc="-15" dirty="0">
+                <a:solidFill>
+                  <a:srgbClr val="1F1F1F"/>
+                </a:solidFill>
+                <a:latin typeface="AdobeClean-Light"/>
+              </a:rPr>
+              <a:t>) </a:t>
+            </a:r>
+            <a:r>
+              <a:rPr lang="zh-TW" altLang="en-US" sz="1000" spc="-15" dirty="0">
+                <a:solidFill>
+                  <a:srgbClr val="1F1F1F"/>
+                </a:solidFill>
+                <a:latin typeface="AdobeClean-Light"/>
+              </a:rPr>
+              <a:t>歸納於以下區域之一來建立的：</a:t>
+            </a:r>
+            <a:endParaRPr lang="de-de" sz="1000" spc="-15" dirty="0">
+              <a:solidFill>
+                <a:srgbClr val="1F1F1F"/>
+              </a:solidFill>
+              <a:latin typeface="AdobeClean-Light"/>
+            </a:endParaRPr>
           </a:p>
         </p:txBody>
       </p:sp>
@@ -11932,14 +10974,14 @@
           <p:nvPr>
             <p:extLst>
               <p:ext uri="{D42A27DB-BD31-4B8C-83A1-F6EECF244321}">
-                <p14:modId xmlns:p14="http://schemas.microsoft.com/office/powerpoint/2010/main" val="2846210228"/>
+                <p14:modId xmlns:p14="http://schemas.microsoft.com/office/powerpoint/2010/main" val="3647865422"/>
               </p:ext>
             </p:extLst>
           </p:nvPr>
         </p:nvGraphicFramePr>
         <p:xfrm>
           <a:off x="171128" y="5907213"/>
-          <a:ext cx="7391400" cy="1671320"/>
+          <a:ext cx="7391400" cy="1447800"/>
         </p:xfrm>
         <a:graphic>
           <a:graphicData uri="http://schemas.openxmlformats.org/drawingml/2006/table">
@@ -11985,13 +11027,13 @@
                     <a:p>
                       <a:pPr algn="ctr"/>
                       <a:r>
-                        <a:rPr lang="en-US" sz="1100" dirty="0">
+                        <a:rPr lang="de-de" sz="1100" dirty="0">
                           <a:solidFill>
                             <a:schemeClr val="tx1"/>
                           </a:solidFill>
                           <a:latin typeface="Adobe Clean" panose="020B0503020404020204" pitchFamily="34" charset="0"/>
                         </a:rPr>
-                        <a:t>Americas</a:t>
+                        <a:t>美洲</a:t>
                       </a:r>
                     </a:p>
                   </a:txBody>
@@ -12050,13 +11092,13 @@
                     <a:p>
                       <a:pPr algn="ctr"/>
                       <a:r>
-                        <a:rPr lang="en-US" sz="1100" dirty="0">
+                        <a:rPr lang="de-de" sz="1100" dirty="0">
                           <a:solidFill>
                             <a:schemeClr val="tx1"/>
                           </a:solidFill>
                           <a:latin typeface="Adobe Clean" panose="020B0503020404020204" pitchFamily="34" charset="0"/>
                         </a:rPr>
-                        <a:t>Europe, Middle East &amp; Africa</a:t>
+                        <a:t>歐洲、中東與非洲</a:t>
                       </a:r>
                     </a:p>
                   </a:txBody>
@@ -12115,13 +11157,13 @@
                     <a:p>
                       <a:pPr algn="ctr"/>
                       <a:r>
-                        <a:rPr lang="en-US" sz="1100" dirty="0">
+                        <a:rPr lang="de-de" sz="1100" dirty="0">
                           <a:solidFill>
                             <a:schemeClr val="tx1"/>
                           </a:solidFill>
                           <a:latin typeface="Adobe Clean" panose="020B0503020404020204" pitchFamily="34" charset="0"/>
                         </a:rPr>
-                        <a:t>Asia Pacific</a:t>
+                        <a:t>亞太地區</a:t>
                       </a:r>
                     </a:p>
                   </a:txBody>
@@ -12180,22 +11222,22 @@
                     <a:p>
                       <a:pPr algn="ctr"/>
                       <a:r>
-                        <a:rPr lang="en-US" sz="1100" dirty="0">
+                        <a:rPr lang="de-de" sz="1100" dirty="0">
                           <a:solidFill>
                             <a:schemeClr val="tx1"/>
                           </a:solidFill>
-                          <a:latin typeface="Adobe Clean"/>
+                          <a:latin typeface="Adobe Clean" panose="020B0503020404020204" pitchFamily="34" charset="0"/>
                         </a:rPr>
-                        <a:t>Japan </a:t>
+                        <a:t>日本 </a:t>
                       </a:r>
                       <a:r>
-                        <a:rPr lang="en-US" sz="1100" baseline="30000" dirty="0">
+                        <a:rPr lang="de-de" sz="1100" baseline="30000">
                           <a:solidFill>
                             <a:schemeClr val="tx1"/>
                           </a:solidFill>
-                          <a:latin typeface="Adobe Clean"/>
+                          <a:latin typeface="Adobe Clean" panose="020B0503020404020204" pitchFamily="34" charset="0"/>
                         </a:rPr>
-                        <a:t>1 </a:t>
+                        <a:t>1</a:t>
                       </a:r>
                       <a:endParaRPr lang="en-US" sz="1100" dirty="0">
                         <a:solidFill>
@@ -12267,13 +11309,13 @@
                     <a:p>
                       <a:pPr algn="ctr"/>
                       <a:r>
-                        <a:rPr lang="en-US" sz="1100" dirty="0">
+                        <a:rPr lang="de-de" sz="1100" dirty="0">
                           <a:solidFill>
                             <a:schemeClr val="tx1"/>
                           </a:solidFill>
                           <a:latin typeface="Adobe Clean" panose="020B0503020404020204" pitchFamily="34" charset="0"/>
                         </a:rPr>
-                        <a:t>6 am – 5:30 pm</a:t>
+                        <a:t>上午 6 點 – 下午 5:30</a:t>
                       </a:r>
                     </a:p>
                   </a:txBody>
@@ -12332,13 +11374,13 @@
                     <a:p>
                       <a:pPr algn="ctr"/>
                       <a:r>
-                        <a:rPr lang="en-US" sz="1100" dirty="0">
+                        <a:rPr lang="de-de" sz="1100" dirty="0">
                           <a:solidFill>
                             <a:schemeClr val="tx1"/>
                           </a:solidFill>
                           <a:latin typeface="Adobe Clean" panose="020B0503020404020204" pitchFamily="34" charset="0"/>
                         </a:rPr>
-                        <a:t>9 am – 5 pm</a:t>
+                        <a:t>上午 9 點 – 下午 5 點</a:t>
                       </a:r>
                     </a:p>
                   </a:txBody>
@@ -12397,13 +11439,13 @@
                     <a:p>
                       <a:pPr algn="ctr"/>
                       <a:r>
-                        <a:rPr lang="en-US" sz="1100" dirty="0">
+                        <a:rPr lang="de-de" sz="1100" dirty="0">
                           <a:solidFill>
                             <a:schemeClr val="tx1"/>
                           </a:solidFill>
                           <a:latin typeface="Adobe Clean" panose="020B0503020404020204" pitchFamily="34" charset="0"/>
                         </a:rPr>
-                        <a:t>9 am – 5 pm</a:t>
+                        <a:t>上午 9 點 – 下午 5 點</a:t>
                       </a:r>
                     </a:p>
                   </a:txBody>
@@ -12462,13 +11504,13 @@
                     <a:p>
                       <a:pPr algn="ctr"/>
                       <a:r>
-                        <a:rPr lang="en-US" sz="1100" dirty="0">
+                        <a:rPr lang="de-de" sz="1100" dirty="0">
                           <a:solidFill>
                             <a:schemeClr val="tx1"/>
                           </a:solidFill>
                           <a:latin typeface="Adobe Clean" panose="020B0503020404020204" pitchFamily="34" charset="0"/>
                         </a:rPr>
-                        <a:t>9 am – 5:30 pm</a:t>
+                        <a:t>上午 9 點 – 下午 5:30</a:t>
                       </a:r>
                     </a:p>
                   </a:txBody>
@@ -12531,38 +11573,6 @@
                   <a:txBody>
                     <a:bodyPr/>
                     <a:lstStyle/>
-                    <a:p>
-                      <a:pPr marL="0" marR="0" lvl="0" indent="0" algn="ctr" eaLnBrk="1" fontAlgn="auto" latinLnBrk="0" hangingPunct="1">
-                        <a:lnSpc>
-                          <a:spcPct val="100000"/>
-                        </a:lnSpc>
-                        <a:spcBef>
-                          <a:spcPts val="0"/>
-                        </a:spcBef>
-                        <a:spcAft>
-                          <a:spcPts val="0"/>
-                        </a:spcAft>
-                        <a:buClrTx/>
-                        <a:buSzTx/>
-                        <a:buFontTx/>
-                        <a:buNone/>
-                      </a:pPr>
-                      <a:r>
-                        <a:rPr lang="en-US" sz="1100" dirty="0">
-                          <a:solidFill>
-                            <a:schemeClr val="tx1"/>
-                          </a:solidFill>
-                          <a:latin typeface="Adobe Clean"/>
-                        </a:rPr>
-                        <a:t>Language support is only available in English and Japanese.</a:t>
-                      </a:r>
-                      <a:endParaRPr lang="en-US" sz="1100" dirty="0">
-                        <a:solidFill>
-                          <a:schemeClr val="tx1"/>
-                        </a:solidFill>
-                        <a:latin typeface="Adobe Clean" panose="020B0503020404020204" pitchFamily="34" charset="0"/>
-                      </a:endParaRPr>
-                    </a:p>
                     <a:p>
                       <a:pPr marL="0" marR="0" lvl="0" indent="0" algn="ctr" defTabSz="914400" eaLnBrk="1" fontAlgn="auto" latinLnBrk="0" hangingPunct="1">
                         <a:lnSpc>
@@ -12582,13 +11592,41 @@
                         <a:defRPr/>
                       </a:pPr>
                       <a:r>
-                        <a:rPr lang="en-US" sz="1100" i="1" dirty="0">
+                        <a:rPr lang="de-de" sz="1100" dirty="0">
                           <a:solidFill>
                             <a:schemeClr val="tx1"/>
                           </a:solidFill>
-                          <a:latin typeface="Adobe Clean"/>
+                          <a:latin typeface="Adobe Clean" panose="020B0503020404020204" pitchFamily="34" charset="0"/>
                         </a:rPr>
-                        <a:t>*Adobe Commerce excludes Japanese language support.</a:t>
+                        <a:t>僅提供英文和日文的語言支援</a:t>
+                      </a:r>
+                    </a:p>
+                    <a:p>
+                      <a:pPr marL="0" marR="0" lvl="0" indent="0" algn="ctr" defTabSz="914400" eaLnBrk="1" fontAlgn="auto" latinLnBrk="0" hangingPunct="1">
+                        <a:lnSpc>
+                          <a:spcPct val="100000"/>
+                        </a:lnSpc>
+                        <a:spcBef>
+                          <a:spcPts val="0"/>
+                        </a:spcBef>
+                        <a:spcAft>
+                          <a:spcPts val="0"/>
+                        </a:spcAft>
+                        <a:buClrTx/>
+                        <a:buSzTx/>
+                        <a:buFontTx/>
+                        <a:buNone/>
+                        <a:tabLst/>
+                        <a:defRPr/>
+                      </a:pPr>
+                      <a:r>
+                        <a:rPr lang="de-de" sz="1100" i="1" dirty="0">
+                          <a:solidFill>
+                            <a:schemeClr val="tx1"/>
+                          </a:solidFill>
+                          <a:latin typeface="Adobe Clean" panose="020B0503020404020204" pitchFamily="34" charset="0"/>
+                        </a:rPr>
+                        <a:t>*Adobe Commerce 不包含日文語言支援</a:t>
                       </a:r>
                     </a:p>
                     <a:p>
@@ -12611,41 +11649,41 @@
                     <a:p>
                       <a:pPr algn="ctr"/>
                       <a:r>
-                        <a:rPr lang="en-US" sz="1100" i="0" dirty="0">
+                        <a:rPr lang="de-de" sz="1100" i="0" dirty="0">
                           <a:solidFill>
                             <a:schemeClr val="tx1"/>
                           </a:solidFill>
-                          <a:latin typeface="Adobe Clean"/>
+                          <a:latin typeface="Adobe Clean" panose="020B0503020404020204" pitchFamily="34" charset="0"/>
                         </a:rPr>
-                        <a:t> </a:t>
+                        <a:t> </a:t>
                       </a:r>
                       <a:r>
-                        <a:rPr lang="en-US" sz="1100" i="0" baseline="30000" dirty="0">
+                        <a:rPr lang="de-de" sz="1100" i="0" baseline="30000" dirty="0">
                           <a:solidFill>
                             <a:schemeClr val="tx1"/>
                           </a:solidFill>
-                          <a:latin typeface="Adobe Clean"/>
+                          <a:latin typeface="Adobe Clean" panose="020B0503020404020204" pitchFamily="34" charset="0"/>
                         </a:rPr>
                         <a:t>1 </a:t>
                       </a:r>
                       <a:r>
-                        <a:rPr lang="en-US" sz="1100" i="0" dirty="0">
+                        <a:rPr lang="de-de" sz="1100" i="0" dirty="0">
                           <a:solidFill>
                             <a:schemeClr val="tx1"/>
                           </a:solidFill>
-                          <a:latin typeface="Adobe Clean"/>
+                          <a:latin typeface="Adobe Clean" panose="020B0503020404020204" pitchFamily="34" charset="0"/>
                         </a:rPr>
-                        <a:t>P2, P3, P4 cases are limited to business hours only in Japan.</a:t>
+                        <a:t>P2、P3、P4 </a:t>
                       </a:r>
-                      <a:endParaRPr lang="en-US" sz="1100" b="1" i="0" dirty="0">
-                        <a:solidFill>
-                          <a:schemeClr val="tx1"/>
-                        </a:solidFill>
-                        <a:latin typeface="Adobe Clean"/>
-                      </a:endParaRPr>
-                    </a:p>
-                    <a:p>
-                      <a:pPr algn="ctr"/>
+                      <a:r>
+                        <a:rPr lang="zh-TW" altLang="en-US" sz="1100" i="0">
+                          <a:solidFill>
+                            <a:schemeClr val="tx1"/>
+                          </a:solidFill>
+                          <a:latin typeface="Adobe Clean" panose="020B0503020404020204" pitchFamily="34" charset="0"/>
+                        </a:rPr>
+                        <a:t> 案件僅限於在日本的營業時間提交。</a:t>
+                      </a:r>
                       <a:endParaRPr lang="en-US" sz="1100" dirty="0">
                         <a:solidFill>
                           <a:schemeClr val="tx1"/>
@@ -13015,124 +12053,34 @@
               </a:spcBef>
             </a:pPr>
             <a:r>
-              <a:rPr sz="1200" b="1" spc="-15" dirty="0">
+              <a:rPr lang="de-de" sz="1200" b="1" spc="-15" dirty="0">
                 <a:solidFill>
                   <a:srgbClr val="FFFFFF"/>
                 </a:solidFill>
                 <a:latin typeface="Adobe Clean"/>
                 <a:cs typeface="Adobe Clean"/>
               </a:rPr>
-              <a:t>U</a:t>
+              <a:t>無與倫比的</a:t>
             </a:r>
             <a:r>
-              <a:rPr sz="1200" b="1" spc="-20" dirty="0">
+              <a:rPr lang="de-de" sz="1200" b="1" spc="-20" dirty="0">
                 <a:solidFill>
                   <a:srgbClr val="FFFFFF"/>
                 </a:solidFill>
                 <a:latin typeface="Adobe Clean"/>
                 <a:cs typeface="Adobe Clean"/>
               </a:rPr>
-              <a:t>n</a:t>
+              <a:t>專業知識</a:t>
             </a:r>
             <a:r>
-              <a:rPr sz="1200" b="1" spc="-25" dirty="0">
+              <a:rPr lang="de-de" sz="1200" b="1" dirty="0">
                 <a:solidFill>
                   <a:srgbClr val="FFFFFF"/>
                 </a:solidFill>
                 <a:latin typeface="Adobe Clean"/>
                 <a:cs typeface="Adobe Clean"/>
               </a:rPr>
-              <a:t>p</a:t>
-            </a:r>
-            <a:r>
-              <a:rPr sz="1200" b="1" spc="-15" dirty="0">
-                <a:solidFill>
-                  <a:srgbClr val="FFFFFF"/>
-                </a:solidFill>
-                <a:latin typeface="Adobe Clean"/>
-                <a:cs typeface="Adobe Clean"/>
-              </a:rPr>
-              <a:t>a</a:t>
-            </a:r>
-            <a:r>
-              <a:rPr sz="1200" b="1" spc="-25" dirty="0">
-                <a:solidFill>
-                  <a:srgbClr val="FFFFFF"/>
-                </a:solidFill>
-                <a:latin typeface="Adobe Clean"/>
-                <a:cs typeface="Adobe Clean"/>
-              </a:rPr>
-              <a:t>r</a:t>
-            </a:r>
-            <a:r>
-              <a:rPr sz="1200" b="1" spc="-15" dirty="0">
-                <a:solidFill>
-                  <a:srgbClr val="FFFFFF"/>
-                </a:solidFill>
-                <a:latin typeface="Adobe Clean"/>
-                <a:cs typeface="Adobe Clean"/>
-              </a:rPr>
-              <a:t>a</a:t>
-            </a:r>
-            <a:r>
-              <a:rPr sz="1200" b="1" spc="-30" dirty="0">
-                <a:solidFill>
-                  <a:srgbClr val="FFFFFF"/>
-                </a:solidFill>
-                <a:latin typeface="Adobe Clean"/>
-                <a:cs typeface="Adobe Clean"/>
-              </a:rPr>
-              <a:t>ll</a:t>
-            </a:r>
-            <a:r>
-              <a:rPr sz="1200" b="1" spc="-25" dirty="0">
-                <a:solidFill>
-                  <a:srgbClr val="FFFFFF"/>
-                </a:solidFill>
-                <a:latin typeface="Adobe Clean"/>
-                <a:cs typeface="Adobe Clean"/>
-              </a:rPr>
-              <a:t>e</a:t>
-            </a:r>
-            <a:r>
-              <a:rPr sz="1200" b="1" spc="-30" dirty="0">
-                <a:solidFill>
-                  <a:srgbClr val="FFFFFF"/>
-                </a:solidFill>
-                <a:latin typeface="Adobe Clean"/>
-                <a:cs typeface="Adobe Clean"/>
-              </a:rPr>
-              <a:t>l</a:t>
-            </a:r>
-            <a:r>
-              <a:rPr sz="1200" b="1" spc="-25" dirty="0">
-                <a:solidFill>
-                  <a:srgbClr val="FFFFFF"/>
-                </a:solidFill>
-                <a:latin typeface="Adobe Clean"/>
-                <a:cs typeface="Adobe Clean"/>
-              </a:rPr>
-              <a:t>e</a:t>
-            </a:r>
-            <a:r>
-              <a:rPr sz="1200" b="1" dirty="0">
-                <a:solidFill>
-                  <a:srgbClr val="FFFFFF"/>
-                </a:solidFill>
-                <a:latin typeface="Adobe Clean"/>
-                <a:cs typeface="Adobe Clean"/>
-              </a:rPr>
-              <a:t>d  </a:t>
-            </a:r>
-            <a:r>
-              <a:rPr sz="1200" b="1" spc="-25" dirty="0">
-                <a:solidFill>
-                  <a:srgbClr val="FFFFFF"/>
-                </a:solidFill>
-                <a:latin typeface="Adobe Clean"/>
-                <a:cs typeface="Adobe Clean"/>
-              </a:rPr>
-              <a:t>Expertise</a:t>
+              <a:t> </a:t>
             </a:r>
             <a:endParaRPr sz="1200" dirty="0">
               <a:latin typeface="Adobe Clean"/>
@@ -13177,14 +12125,14 @@
               </a:spcBef>
             </a:pPr>
             <a:r>
-              <a:rPr lang="en-US" sz="1200" b="1" spc="-15" dirty="0">
+              <a:rPr lang="de-de" sz="1200" b="1" spc="-15" dirty="0">
                 <a:solidFill>
                   <a:srgbClr val="FFFFFF"/>
                 </a:solidFill>
                 <a:latin typeface="Adobe Clean"/>
                 <a:cs typeface="Adobe Clean"/>
               </a:rPr>
-              <a:t>Accelerated Support</a:t>
+              <a:t>加速支援</a:t>
             </a:r>
             <a:endParaRPr sz="1200" dirty="0">
               <a:latin typeface="Adobe Clean"/>
@@ -13229,104 +12177,44 @@
               </a:spcBef>
             </a:pPr>
             <a:r>
-              <a:rPr sz="1200" b="1" spc="-50" dirty="0">
+              <a:rPr lang="de-de" sz="1200" b="1" spc="-50" dirty="0">
                 <a:solidFill>
                   <a:srgbClr val="FFFFFF"/>
                 </a:solidFill>
                 <a:latin typeface="Adobe Clean"/>
                 <a:cs typeface="Adobe Clean"/>
               </a:rPr>
-              <a:t>S</a:t>
+              <a:t>策</a:t>
             </a:r>
             <a:r>
-              <a:rPr sz="1200" b="1" spc="-20" dirty="0">
+              <a:rPr lang="de-de" sz="1200" b="1" spc="-20" dirty="0">
                 <a:solidFill>
                   <a:srgbClr val="FFFFFF"/>
                 </a:solidFill>
                 <a:latin typeface="Adobe Clean"/>
                 <a:cs typeface="Adobe Clean"/>
               </a:rPr>
-              <a:t>t</a:t>
+              <a:t>略</a:t>
             </a:r>
             <a:r>
-              <a:rPr sz="1200" b="1" spc="-75" dirty="0">
+              <a:rPr lang="de-de" sz="1200" b="1" spc="-75" dirty="0">
                 <a:solidFill>
                   <a:srgbClr val="FFFFFF"/>
                 </a:solidFill>
                 <a:latin typeface="Adobe Clean"/>
                 <a:cs typeface="Adobe Clean"/>
               </a:rPr>
-              <a:t>r</a:t>
+              <a:t>性</a:t>
             </a:r>
             <a:r>
-              <a:rPr sz="1200" b="1" spc="-90" dirty="0">
+              <a:rPr lang="de-de" sz="1200" b="1" spc="-45" dirty="0">
                 <a:solidFill>
                   <a:srgbClr val="FFFFFF"/>
                 </a:solidFill>
                 <a:latin typeface="Adobe Clean"/>
                 <a:cs typeface="Adobe Clean"/>
               </a:rPr>
-              <a:t>a</a:t>
-            </a:r>
-            <a:r>
-              <a:rPr sz="1200" b="1" spc="-55" dirty="0">
-                <a:solidFill>
-                  <a:srgbClr val="FFFFFF"/>
-                </a:solidFill>
-                <a:latin typeface="Adobe Clean"/>
-                <a:cs typeface="Adobe Clean"/>
-              </a:rPr>
-              <a:t>t</a:t>
-            </a:r>
-            <a:r>
-              <a:rPr sz="1200" b="1" spc="-100" dirty="0">
-                <a:solidFill>
-                  <a:srgbClr val="FFFFFF"/>
-                </a:solidFill>
-                <a:latin typeface="Adobe Clean"/>
-                <a:cs typeface="Adobe Clean"/>
-              </a:rPr>
-              <a:t>e</a:t>
-            </a:r>
-            <a:r>
-              <a:rPr sz="1200" b="1" spc="-80" dirty="0">
-                <a:solidFill>
-                  <a:srgbClr val="FFFFFF"/>
-                </a:solidFill>
-                <a:latin typeface="Adobe Clean"/>
-                <a:cs typeface="Adobe Clean"/>
-              </a:rPr>
-              <a:t>g</a:t>
-            </a:r>
-            <a:r>
-              <a:rPr sz="1200" b="1" spc="-35" dirty="0">
-                <a:solidFill>
-                  <a:srgbClr val="FFFFFF"/>
-                </a:solidFill>
-                <a:latin typeface="Adobe Clean"/>
-                <a:cs typeface="Adobe Clean"/>
-              </a:rPr>
-              <a:t>i</a:t>
-            </a:r>
-            <a:r>
-              <a:rPr sz="1200" b="1" dirty="0">
-                <a:solidFill>
-                  <a:srgbClr val="FFFFFF"/>
-                </a:solidFill>
-                <a:latin typeface="Adobe Clean"/>
-                <a:cs typeface="Adobe Clean"/>
-              </a:rPr>
-              <a:t>c  </a:t>
-            </a:r>
-            <a:r>
-              <a:rPr sz="1200" b="1" spc="-45" dirty="0">
-                <a:solidFill>
-                  <a:srgbClr val="FFFFFF"/>
-                </a:solidFill>
-                <a:latin typeface="Adobe Clean"/>
-                <a:cs typeface="Adobe Clean"/>
-              </a:rPr>
-              <a:t>Advice</a:t>
+              <a:t>建議</a:t>
             </a:r>
             <a:endParaRPr sz="1200" dirty="0">
               <a:latin typeface="Adobe Clean"/>
@@ -13350,14 +12238,14 @@
           <p:nvPr>
             <p:extLst>
               <p:ext uri="{D42A27DB-BD31-4B8C-83A1-F6EECF244321}">
-                <p14:modId xmlns:p14="http://schemas.microsoft.com/office/powerpoint/2010/main" val="1366573891"/>
+                <p14:modId xmlns:p14="http://schemas.microsoft.com/office/powerpoint/2010/main" val="375036756"/>
               </p:ext>
             </p:extLst>
           </p:nvPr>
         </p:nvGraphicFramePr>
         <p:xfrm>
           <a:off x="194236" y="1059345"/>
-          <a:ext cx="7368291" cy="2931160"/>
+          <a:ext cx="7368291" cy="2473960"/>
         </p:xfrm>
         <a:graphic>
           <a:graphicData uri="http://schemas.openxmlformats.org/drawingml/2006/table">
@@ -13388,7 +12276,7 @@
                     <a:lstStyle/>
                     <a:p>
                       <a:r>
-                        <a:rPr lang="en-US" sz="1100" b="0" dirty="0">
+                        <a:rPr lang="de-de" sz="1100" b="0" dirty="0">
                           <a:solidFill>
                             <a:schemeClr val="tx1"/>
                           </a:solidFill>
@@ -13480,7 +12368,7 @@
                         <a:defRPr/>
                       </a:pPr>
                       <a:r>
-                        <a:rPr lang="en-US" sz="1000" b="0" kern="1200" dirty="0">
+                        <a:rPr lang="de-de" sz="1000" b="0" kern="1200" dirty="0">
                           <a:solidFill>
                             <a:srgbClr val="000000"/>
                           </a:solidFill>
@@ -13488,7 +12376,7 @@
                           <a:ea typeface="+mn-ea"/>
                           <a:cs typeface="+mn-cs"/>
                         </a:rPr>
-                        <a:t>Experience League is how Adobe helps businesses achieve the value they expect from their Adobe investment. It’s the unified place where customers can learn, connect, and grow along a personalized path to success that includes self-help tutorials, product documentation, instructor-led training, community and technical support. </a:t>
+                        <a:t>Experience League 是 Adobe 幫助企業經由其所做的 Adobe 投資來實現預期價值的方式。這是一個統一的位置，客戶可以在這裡學習、交流並沿著個人化的成功路徑而成長，這裡有提供自助式教學課程、產品文件、由講師授課的培訓課程、社群及技術支援。</a:t>
                       </a:r>
                     </a:p>
                   </a:txBody>
@@ -13570,7 +12458,7 @@
                         <a:defRPr/>
                       </a:pPr>
                       <a:r>
-                        <a:rPr lang="en-US" sz="1100" dirty="0">
+                        <a:rPr lang="de-de" sz="1100" dirty="0">
                           <a:solidFill>
                             <a:schemeClr val="dk1"/>
                           </a:solidFill>
@@ -13580,19 +12468,7 @@
                           <a:cs typeface="+mn-cs"/>
                           <a:hlinkClick r:id="rId8"/>
                         </a:rPr>
-                        <a:t>Training</a:t>
-                      </a:r>
-                      <a:r>
-                        <a:rPr lang="en-US" sz="1100" dirty="0">
-                          <a:solidFill>
-                            <a:schemeClr val="dk1"/>
-                          </a:solidFill>
-                          <a:effectLst/>
-                          <a:latin typeface="Adobe Clean" panose="020B0503020404020204" pitchFamily="34" charset="0"/>
-                          <a:ea typeface="+mn-ea"/>
-                          <a:cs typeface="+mn-cs"/>
-                        </a:rPr>
-                        <a:t> </a:t>
+                        <a:t>培訓</a:t>
                       </a:r>
                       <a:endParaRPr lang="en-US" sz="1100" dirty="0">
                         <a:solidFill>
@@ -13676,7 +12552,7 @@
                         <a:defRPr/>
                       </a:pPr>
                       <a:r>
-                        <a:rPr lang="en-US" sz="1000" kern="1200" dirty="0">
+                        <a:rPr lang="de-de" sz="1000" kern="1200" dirty="0">
                           <a:solidFill>
                             <a:srgbClr val="000000"/>
                           </a:solidFill>
@@ -13684,7 +12560,7 @@
                           <a:ea typeface="+mn-ea"/>
                           <a:cs typeface="+mn-cs"/>
                         </a:rPr>
-                        <a:t>Adobe Digital Learning Services courses are accessible from Experience League. Learning courses integrate both on-demand and instructor-led lessons.  Here you can accrue skills that have recognized market value and position them to drive success in your organizations.</a:t>
+                        <a:t>您可以從 Experience League 存取 Adobe 數位學習服務課程。學習課程整合了隨需和教師指導的課程。在這裡，您可以習取市場公認價值的技能，並將其定位以促進貴組織獲致成功。</a:t>
                       </a:r>
                     </a:p>
                   </a:txBody>
@@ -13766,7 +12642,7 @@
                         <a:defRPr/>
                       </a:pPr>
                       <a:r>
-                        <a:rPr lang="en-US" sz="1100" dirty="0">
+                        <a:rPr lang="de-de" sz="1100" dirty="0">
                           <a:solidFill>
                             <a:schemeClr val="tx1"/>
                           </a:solidFill>
@@ -13776,7 +12652,7 @@
                           <a:cs typeface="+mn-cs"/>
                           <a:hlinkClick r:id="rId9"/>
                         </a:rPr>
-                        <a:t>Production Issues &amp; System Outages</a:t>
+                        <a:t>生產問題與系統中斷</a:t>
                       </a:r>
                       <a:endParaRPr lang="en-US" sz="1100" dirty="0">
                         <a:solidFill>
@@ -13860,7 +12736,7 @@
                         <a:defRPr/>
                       </a:pPr>
                       <a:r>
-                        <a:rPr lang="en-US" sz="1000" kern="1200" dirty="0">
+                        <a:rPr lang="de-de" sz="1000" kern="1200" dirty="0">
                           <a:solidFill>
                             <a:srgbClr val="000000"/>
                           </a:solidFill>
@@ -13868,7 +12744,7 @@
                           <a:ea typeface="+mn-ea"/>
                           <a:cs typeface="+mn-cs"/>
                         </a:rPr>
-                        <a:t>Status.adobe.com conveys the health information of all Adobe products and services that are deployed in multi-tenant environments. Customers can choose their subscription preferences to get email notifications whenever Adobe creates, updates or resolves a product event. This can include scheduled maintenance or service issues of varying levels of severity. </a:t>
+                        <a:t>Status.adobe.com 會傳達所有在多租用戶環境中部署的 Adobe 產品與服務的健康資訊。客戶可以選擇其訂閱偏好設定，以便在 Adobe 建立、更新或解決產品事件時收到電子郵件通知。這可以包括預定的維護或是不同嚴重性等級的服務問題。</a:t>
                       </a:r>
                     </a:p>
                   </a:txBody>
@@ -13950,7 +12826,7 @@
                         <a:defRPr/>
                       </a:pPr>
                       <a:r>
-                        <a:rPr lang="en-US" sz="1100" dirty="0">
+                        <a:rPr lang="de-de" sz="1100" dirty="0">
                           <a:solidFill>
                             <a:schemeClr val="tx1"/>
                           </a:solidFill>
@@ -13960,7 +12836,7 @@
                           <a:cs typeface="+mn-cs"/>
                           <a:hlinkClick r:id="rId10"/>
                         </a:rPr>
-                        <a:t>Terms and Conditions</a:t>
+                        <a:t>條款與條件</a:t>
                       </a:r>
                       <a:endParaRPr lang="en-US" sz="1100" dirty="0">
                         <a:solidFill>
@@ -14027,7 +12903,7 @@
                     <a:lstStyle/>
                     <a:p>
                       <a:r>
-                        <a:rPr lang="en-US" sz="1000" kern="1200" dirty="0">
+                        <a:rPr lang="de-de" sz="1000" kern="1200" dirty="0">
                           <a:solidFill>
                             <a:srgbClr val="000000"/>
                           </a:solidFill>
@@ -14035,7 +12911,7 @@
                           <a:ea typeface="+mn-ea"/>
                           <a:cs typeface="+mn-cs"/>
                         </a:rPr>
-                        <a:t>Terms and conditions detailing Support Services offerings.</a:t>
+                        <a:t>詳述支援服務方案的條款與條件</a:t>
                       </a:r>
                     </a:p>
                   </a:txBody>
@@ -14099,7 +12975,7 @@
       </p:graphicFrame>
       <p:pic>
         <p:nvPicPr>
-          <p:cNvPr id="8" name="Graphic 7" descr="Target outline">
+          <p:cNvPr id="8" name="Graphic 7" descr="目標大綱">
             <a:extLst>
               <a:ext uri="{FF2B5EF4-FFF2-40B4-BE49-F238E27FC236}">
                 <a16:creationId xmlns:a16="http://schemas.microsoft.com/office/drawing/2014/main" id="{1EAA263E-04A7-0D46-952E-EA3033B45116}"/>
@@ -14138,7 +13014,7 @@
       </p:pic>
       <p:pic>
         <p:nvPicPr>
-          <p:cNvPr id="10" name="Graphic 9" descr="Rocket outline">
+          <p:cNvPr id="10" name="Graphic 9" descr="火箭大綱">
             <a:extLst>
               <a:ext uri="{FF2B5EF4-FFF2-40B4-BE49-F238E27FC236}">
                 <a16:creationId xmlns:a16="http://schemas.microsoft.com/office/drawing/2014/main" id="{A068EBC3-B418-4E4A-A520-101CA4B39F23}"/>
@@ -14177,7 +13053,7 @@
       </p:pic>
       <p:pic>
         <p:nvPicPr>
-          <p:cNvPr id="12" name="Graphic 11" descr="Medal outline">
+          <p:cNvPr id="12" name="Graphic 11" descr="獎章概述">
             <a:extLst>
               <a:ext uri="{FF2B5EF4-FFF2-40B4-BE49-F238E27FC236}">
                 <a16:creationId xmlns:a16="http://schemas.microsoft.com/office/drawing/2014/main" id="{C7BEFC2D-0CA6-0448-B9FA-6E1581CA6D36}"/>
@@ -14815,12 +13691,6 @@
 </file>
 
 <file path=customXml/item2.xml><?xml version="1.0" encoding="utf-8"?>
-<p:properties xmlns:p="http://schemas.microsoft.com/office/2006/metadata/properties" xmlns:xsi="http://www.w3.org/2001/XMLSchema-instance" xmlns:pc="http://schemas.microsoft.com/office/infopath/2007/PartnerControls">
-  <documentManagement/>
-</p:properties>
-</file>
-
-<file path=customXml/item3.xml><?xml version="1.0" encoding="utf-8"?>
 <ct:contentTypeSchema xmlns:ct="http://schemas.microsoft.com/office/2006/metadata/contentType" xmlns:ma="http://schemas.microsoft.com/office/2006/metadata/properties/metaAttributes" ct:_="" ma:_="" ma:contentTypeName="Document" ma:contentTypeID="0x010100E783BF6876BCC646A459363AF21A7736" ma:contentTypeVersion="10" ma:contentTypeDescription="Create a new document." ma:contentTypeScope="" ma:versionID="c4ffda7f4f415767600769e454c2ea87">
   <xsd:schema xmlns:xsd="http://www.w3.org/2001/XMLSchema" xmlns:xs="http://www.w3.org/2001/XMLSchema" xmlns:p="http://schemas.microsoft.com/office/2006/metadata/properties" xmlns:ns2="8a053bff-88be-49e4-9a87-e748e18b8b62" xmlns:ns3="6c8368ec-3776-49b5-a5bb-90648cf9530f" targetNamespace="http://schemas.microsoft.com/office/2006/metadata/properties" ma:root="true" ma:fieldsID="df3ec33bccc23e23bce7bc897fad43d1" ns2:_="" ns3:_="">
     <xsd:import namespace="8a053bff-88be-49e4-9a87-e748e18b8b62"/>
@@ -15025,6 +13895,12 @@
 </ct:contentTypeSchema>
 </file>
 
+<file path=customXml/item3.xml><?xml version="1.0" encoding="utf-8"?>
+<p:properties xmlns:p="http://schemas.microsoft.com/office/2006/metadata/properties" xmlns:xsi="http://www.w3.org/2001/XMLSchema-instance" xmlns:pc="http://schemas.microsoft.com/office/infopath/2007/PartnerControls">
+  <documentManagement/>
+</p:properties>
+</file>
+
 <file path=customXml/itemProps1.xml><?xml version="1.0" encoding="utf-8"?>
 <ds:datastoreItem xmlns:ds="http://schemas.openxmlformats.org/officeDocument/2006/customXml" ds:itemID="{AC92E7FA-19A2-4675-9C77-2C92D8A268D1}">
   <ds:schemaRefs>
@@ -15034,23 +13910,6 @@
 </file>
 
 <file path=customXml/itemProps2.xml><?xml version="1.0" encoding="utf-8"?>
-<ds:datastoreItem xmlns:ds="http://schemas.openxmlformats.org/officeDocument/2006/customXml" ds:itemID="{8D12BD98-169B-4BEE-86DF-4C9641DF23C4}">
-  <ds:schemaRefs>
-    <ds:schemaRef ds:uri="http://schemas.microsoft.com/office/2006/documentManagement/types"/>
-    <ds:schemaRef ds:uri="http://schemas.microsoft.com/office/2006/metadata/properties"/>
-    <ds:schemaRef ds:uri="http://www.w3.org/XML/1998/namespace"/>
-    <ds:schemaRef ds:uri="http://purl.org/dc/terms/"/>
-    <ds:schemaRef ds:uri="http://purl.org/dc/elements/1.1/"/>
-    <ds:schemaRef ds:uri="http://schemas.microsoft.com/office/infopath/2007/PartnerControls"/>
-    <ds:schemaRef ds:uri="http://schemas.openxmlformats.org/package/2006/metadata/core-properties"/>
-    <ds:schemaRef ds:uri="8a053bff-88be-49e4-9a87-e748e18b8b62"/>
-    <ds:schemaRef ds:uri="6c8368ec-3776-49b5-a5bb-90648cf9530f"/>
-    <ds:schemaRef ds:uri="http://purl.org/dc/dcmitype/"/>
-  </ds:schemaRefs>
-</ds:datastoreItem>
-</file>
-
-<file path=customXml/itemProps3.xml><?xml version="1.0" encoding="utf-8"?>
 <ds:datastoreItem xmlns:ds="http://schemas.openxmlformats.org/officeDocument/2006/customXml" ds:itemID="{34863498-7BB7-4F09-9F4A-B99E97FDB0EB}">
   <ds:schemaRefs>
     <ds:schemaRef ds:uri="http://schemas.microsoft.com/office/2006/metadata/contentType"/>
@@ -15067,4 +13926,13 @@
     <ds:schemaRef ds:uri="http://schemas.microsoft.com/internal/obd"/>
   </ds:schemaRefs>
 </ds:datastoreItem>
+</file>
+
+<file path=customXml/itemProps3.xml><?xml version="1.0" encoding="utf-8"?>
+<ds:datastoreItem xmlns:ds="http://schemas.openxmlformats.org/officeDocument/2006/customXml" ds:itemID="{8D12BD98-169B-4BEE-86DF-4C9641DF23C4}">
+  <ds:schemaRefs>
+    <ds:schemaRef ds:uri="http://schemas.microsoft.com/office/2006/metadata/properties"/>
+    <ds:schemaRef ds:uri="http://schemas.microsoft.com/office/infopath/2007/PartnerControls"/>
+  </ds:schemaRefs>
+</ds:datastoreItem>
 </file>
--- a/help/data-sheets/assets/OnlineSupportDatasheet.pptx
+++ b/help/data-sheets/assets/OnlineSupportDatasheet.pptx
@@ -210,7 +210,7 @@
           <a:p>
             <a:fld id="{A438815C-EDE5-F947-A55F-7634403F36C4}" type="datetimeFigureOut">
               <a:rPr lang="en-US" smtClean="0"/>
-              <a:t>10/11/21</a:t>
+              <a:t>11/18/21</a:t>
             </a:fld>
             <a:endParaRPr lang="en-US"/>
           </a:p>
@@ -833,7 +833,7 @@
           <a:p>
             <a:fld id="{1D8BD707-D9CF-40AE-B4C6-C98DA3205C09}" type="datetimeFigureOut">
               <a:rPr lang="en-US"/>
-              <a:t>10/11/21</a:t>
+              <a:t>11/18/21</a:t>
             </a:fld>
             <a:endParaRPr lang="en-US"/>
           </a:p>
@@ -1017,7 +1017,7 @@
           <a:p>
             <a:fld id="{1D8BD707-D9CF-40AE-B4C6-C98DA3205C09}" type="datetimeFigureOut">
               <a:rPr lang="en-US"/>
-              <a:t>10/11/21</a:t>
+              <a:t>11/18/21</a:t>
             </a:fld>
             <a:endParaRPr lang="en-US"/>
           </a:p>
@@ -1319,7 +1319,7 @@
           <a:p>
             <a:fld id="{1D8BD707-D9CF-40AE-B4C6-C98DA3205C09}" type="datetimeFigureOut">
               <a:rPr lang="en-US"/>
-              <a:t>10/11/21</a:t>
+              <a:t>11/18/21</a:t>
             </a:fld>
             <a:endParaRPr lang="en-US"/>
           </a:p>
@@ -1834,7 +1834,7 @@
           <p:nvPr>
             <p:extLst>
               <p:ext uri="{D42A27DB-BD31-4B8C-83A1-F6EECF244321}">
-                <p14:modId xmlns:p14="http://schemas.microsoft.com/office/powerpoint/2010/main" val="1019627915"/>
+                <p14:modId xmlns:p14="http://schemas.microsoft.com/office/powerpoint/2010/main" val="1738680603"/>
               </p:ext>
             </p:extLst>
           </p:nvPr>
@@ -6586,7 +6586,7 @@
           <p:nvPr>
             <p:extLst>
               <p:ext uri="{D42A27DB-BD31-4B8C-83A1-F6EECF244321}">
-                <p14:modId xmlns:p14="http://schemas.microsoft.com/office/powerpoint/2010/main" val="2504301729"/>
+                <p14:modId xmlns:p14="http://schemas.microsoft.com/office/powerpoint/2010/main" val="1506883784"/>
               </p:ext>
             </p:extLst>
           </p:nvPr>
@@ -7026,13 +7026,14 @@
                     <a:bodyPr/>
                     <a:lstStyle/>
                     <a:p>
-                      <a:pPr marL="0" marR="325120" indent="-3810" algn="ctr">
+                      <a:pPr marL="223838" marR="325120" indent="0" algn="ctr">
                         <a:lnSpc>
                           <a:spcPct val="100000"/>
                         </a:lnSpc>
                         <a:spcBef>
                           <a:spcPts val="670"/>
                         </a:spcBef>
+                        <a:tabLst/>
                       </a:pPr>
                       <a:r>
                         <a:rPr lang="de-de" sz="900" spc="0" dirty="0">
@@ -7082,14 +7083,25 @@
                     <a:bodyPr/>
                     <a:lstStyle/>
                     <a:p>
-                      <a:pPr marL="0" marR="325755" indent="-3810" algn="ctr">
+                      <a:pPr marL="182563" marR="325755" indent="0" algn="ctr">
                         <a:lnSpc>
                           <a:spcPct val="100000"/>
                         </a:lnSpc>
                         <a:spcBef>
                           <a:spcPts val="670"/>
                         </a:spcBef>
-                      </a:pPr>
+                        <a:tabLst/>
+                      </a:pPr>
+                      <a:r>
+                        <a:rPr lang="de-de" sz="900" spc="0" dirty="0" err="1">
+                          <a:solidFill>
+                            <a:srgbClr val="020302"/>
+                          </a:solidFill>
+                          <a:latin typeface="AdobeClean-Light"/>
+                          <a:cs typeface="AdobeClean-Light"/>
+                        </a:rPr>
+                        <a:t>全年無休</a:t>
+                      </a:r>
                       <a:r>
                         <a:rPr lang="de-de" sz="900" spc="0" dirty="0">
                           <a:solidFill>
@@ -7098,54 +7110,18 @@
                           <a:latin typeface="AdobeClean-Light"/>
                           <a:cs typeface="AdobeClean-Light"/>
                         </a:rPr>
-                        <a:t>全年無休 /              1 小時</a:t>
+                        <a:t> /</a:t>
                       </a:r>
-                      <a:endParaRPr sz="900" spc="0" dirty="0">
-                        <a:latin typeface="AdobeClean-Light"/>
-                        <a:cs typeface="AdobeClean-Light"/>
-                      </a:endParaRPr>
-                    </a:p>
-                  </a:txBody>
-                  <a:tcPr marL="0" marR="0" marT="0" marB="0" anchor="ctr">
-                    <a:lnL w="3175">
-                      <a:solidFill>
-                        <a:srgbClr val="B7B8B8"/>
-                      </a:solidFill>
-                      <a:prstDash val="solid"/>
-                    </a:lnL>
-                    <a:lnR w="3175">
-                      <a:solidFill>
-                        <a:srgbClr val="B7B8B8"/>
-                      </a:solidFill>
-                      <a:prstDash val="solid"/>
-                    </a:lnR>
-                    <a:lnT w="76200">
-                      <a:solidFill>
-                        <a:srgbClr val="ACD2FF"/>
-                      </a:solidFill>
-                      <a:prstDash val="solid"/>
-                    </a:lnT>
-                    <a:lnB w="3175">
-                      <a:solidFill>
-                        <a:srgbClr val="B7B8B8"/>
-                      </a:solidFill>
-                      <a:prstDash val="solid"/>
-                    </a:lnB>
-                  </a:tcPr>
-                </a:tc>
-                <a:tc>
-                  <a:txBody>
-                    <a:bodyPr/>
-                    <a:lstStyle/>
-                    <a:p>
-                      <a:pPr marL="0" marR="258445" indent="115570" algn="ctr">
-                        <a:lnSpc>
-                          <a:spcPct val="100000"/>
-                        </a:lnSpc>
-                        <a:spcBef>
-                          <a:spcPts val="670"/>
-                        </a:spcBef>
-                      </a:pPr>
+                      <a:r>
+                        <a:rPr lang="de-DE" sz="900" spc="0" dirty="0">
+                          <a:solidFill>
+                            <a:srgbClr val="020302"/>
+                          </a:solidFill>
+                          <a:latin typeface="AdobeClean-Light"/>
+                          <a:cs typeface="AdobeClean-Light"/>
+                        </a:rPr>
+                        <a:t> </a:t>
+                      </a:r>
                       <a:r>
                         <a:rPr lang="de-de" sz="900" spc="0" dirty="0">
                           <a:solidFill>
@@ -7154,7 +7130,93 @@
                           <a:latin typeface="AdobeClean-Light"/>
                           <a:cs typeface="AdobeClean-Light"/>
                         </a:rPr>
-                        <a:t>全年無休 /           30 分鐘</a:t>
+                        <a:t>1 小時</a:t>
+                      </a:r>
+                      <a:endParaRPr sz="900" spc="0" dirty="0">
+                        <a:latin typeface="AdobeClean-Light"/>
+                        <a:cs typeface="AdobeClean-Light"/>
+                      </a:endParaRPr>
+                    </a:p>
+                  </a:txBody>
+                  <a:tcPr marL="0" marR="0" marT="0" marB="0" anchor="ctr">
+                    <a:lnL w="3175">
+                      <a:solidFill>
+                        <a:srgbClr val="B7B8B8"/>
+                      </a:solidFill>
+                      <a:prstDash val="solid"/>
+                    </a:lnL>
+                    <a:lnR w="3175">
+                      <a:solidFill>
+                        <a:srgbClr val="B7B8B8"/>
+                      </a:solidFill>
+                      <a:prstDash val="solid"/>
+                    </a:lnR>
+                    <a:lnT w="76200">
+                      <a:solidFill>
+                        <a:srgbClr val="ACD2FF"/>
+                      </a:solidFill>
+                      <a:prstDash val="solid"/>
+                    </a:lnT>
+                    <a:lnB w="3175">
+                      <a:solidFill>
+                        <a:srgbClr val="B7B8B8"/>
+                      </a:solidFill>
+                      <a:prstDash val="solid"/>
+                    </a:lnB>
+                  </a:tcPr>
+                </a:tc>
+                <a:tc>
+                  <a:txBody>
+                    <a:bodyPr/>
+                    <a:lstStyle/>
+                    <a:p>
+                      <a:pPr marL="0" marR="258445" indent="115570" algn="ctr">
+                        <a:lnSpc>
+                          <a:spcPct val="100000"/>
+                        </a:lnSpc>
+                        <a:spcBef>
+                          <a:spcPts val="670"/>
+                        </a:spcBef>
+                      </a:pPr>
+                      <a:r>
+                        <a:rPr lang="de-de" sz="900" spc="0" dirty="0" err="1">
+                          <a:solidFill>
+                            <a:srgbClr val="020302"/>
+                          </a:solidFill>
+                          <a:latin typeface="AdobeClean-Light"/>
+                          <a:cs typeface="AdobeClean-Light"/>
+                        </a:rPr>
+                        <a:t>全年無休</a:t>
+                      </a:r>
+                      <a:r>
+                        <a:rPr lang="de-de" sz="900" spc="0" dirty="0">
+                          <a:solidFill>
+                            <a:srgbClr val="020302"/>
+                          </a:solidFill>
+                          <a:latin typeface="AdobeClean-Light"/>
+                          <a:cs typeface="AdobeClean-Light"/>
+                        </a:rPr>
+                        <a:t> /</a:t>
+                      </a:r>
+                      <a:r>
+                        <a:rPr lang="de-DE" sz="900" spc="0" dirty="0">
+                          <a:solidFill>
+                            <a:srgbClr val="020302"/>
+                          </a:solidFill>
+                          <a:latin typeface="AdobeClean-Light"/>
+                          <a:cs typeface="AdobeClean-Light"/>
+                        </a:rPr>
+                        <a:t> </a:t>
+                      </a:r>
+                      <a:r>
+                        <a:rPr lang="de-de" sz="900" spc="0" dirty="0">
+                          <a:solidFill>
+                            <a:srgbClr val="020302"/>
+                          </a:solidFill>
+                          <a:latin typeface="AdobeClean-Light"/>
+                          <a:cs typeface="AdobeClean-Light"/>
+                        </a:rPr>
+                        <a:t>30 分鐘</a:t>
                       </a:r>
                       <a:endParaRPr sz="900" spc="0" dirty="0">
                         <a:latin typeface="AdobeClean-Light"/>
@@ -7346,13 +7408,14 @@
                     <a:bodyPr/>
                     <a:lstStyle/>
                     <a:p>
-                      <a:pPr marL="0" marR="184785" indent="-193675" algn="ctr">
+                      <a:pPr marL="134938" marR="184785" indent="0" algn="ctr">
                         <a:lnSpc>
                           <a:spcPct val="100000"/>
                         </a:lnSpc>
                         <a:spcBef>
                           <a:spcPts val="670"/>
                         </a:spcBef>
+                        <a:tabLst/>
                       </a:pPr>
                       <a:r>
                         <a:rPr lang="de-de" sz="900" spc="0" dirty="0">
@@ -7402,13 +7465,14 @@
                     <a:bodyPr/>
                     <a:lstStyle/>
                     <a:p>
-                      <a:pPr marL="0" marR="184785" indent="-194310" algn="ctr">
+                      <a:pPr marL="93663" marR="184785" indent="0" algn="ctr">
                         <a:lnSpc>
                           <a:spcPct val="100000"/>
                         </a:lnSpc>
                         <a:spcBef>
                           <a:spcPts val="670"/>
                         </a:spcBef>
+                        <a:tabLst/>
                       </a:pPr>
                       <a:r>
                         <a:rPr lang="de-de" sz="900" spc="0" dirty="0">
@@ -7729,14 +7793,25 @@
                     <a:bodyPr/>
                     <a:lstStyle/>
                     <a:p>
-                      <a:pPr marL="0" marR="185420" indent="-193675" algn="ctr">
+                      <a:pPr marL="93663" marR="185420" indent="0" algn="ctr">
                         <a:lnSpc>
                           <a:spcPct val="100000"/>
                         </a:lnSpc>
                         <a:spcBef>
                           <a:spcPts val="645"/>
                         </a:spcBef>
-                      </a:pPr>
+                        <a:tabLst/>
+                      </a:pPr>
+                      <a:r>
+                        <a:rPr lang="de-de" sz="900" spc="0" dirty="0" err="1">
+                          <a:solidFill>
+                            <a:srgbClr val="020302"/>
+                          </a:solidFill>
+                          <a:latin typeface="AdobeClean-Light"/>
+                          <a:cs typeface="AdobeClean-Light"/>
+                        </a:rPr>
+                        <a:t>營業時間</a:t>
+                      </a:r>
                       <a:r>
                         <a:rPr lang="de-de" sz="900" spc="0" dirty="0">
                           <a:solidFill>
@@ -7745,18 +7820,27 @@
                           <a:latin typeface="AdobeClean-Light"/>
                           <a:cs typeface="AdobeClean-Light"/>
                         </a:rPr>
-                        <a:t>營業時間 /  </a:t>
+                        <a:t> /</a:t>
                       </a:r>
-                    </a:p>
-                    <a:p>
-                      <a:pPr marL="0" marR="185420" indent="-193675" algn="ctr">
-                        <a:lnSpc>
-                          <a:spcPct val="100000"/>
-                        </a:lnSpc>
-                        <a:spcBef>
-                          <a:spcPts val="645"/>
-                        </a:spcBef>
-                      </a:pPr>
+                      <a:r>
+                        <a:rPr lang="de-DE" sz="900" spc="0" dirty="0">
+                          <a:solidFill>
+                            <a:srgbClr val="020302"/>
+                          </a:solidFill>
+                          <a:latin typeface="AdobeClean-Light"/>
+                          <a:cs typeface="AdobeClean-Light"/>
+                        </a:rPr>
+                        <a:t> </a:t>
+                      </a:r>
+                      <a:br>
+                        <a:rPr lang="de-DE" sz="900" spc="0" dirty="0">
+                          <a:solidFill>
+                            <a:srgbClr val="020302"/>
+                          </a:solidFill>
+                          <a:latin typeface="AdobeClean-Light"/>
+                          <a:cs typeface="AdobeClean-Light"/>
+                        </a:rPr>
+                      </a:br>
                       <a:r>
                         <a:rPr lang="de-de" sz="900" spc="0" dirty="0">
                           <a:solidFill>
@@ -8033,13 +8117,14 @@
                     <a:bodyPr/>
                     <a:lstStyle/>
                     <a:p>
-                      <a:pPr marL="0" marR="203200" indent="-193040" algn="ctr">
+                      <a:pPr marL="93663" marR="203200" indent="-12700" algn="ctr">
                         <a:lnSpc>
                           <a:spcPct val="100000"/>
                         </a:lnSpc>
                         <a:spcBef>
                           <a:spcPts val="155"/>
                         </a:spcBef>
+                        <a:tabLst/>
                       </a:pPr>
                       <a:r>
                         <a:rPr lang="de-de" sz="900" spc="0" dirty="0">
@@ -8049,7 +8134,46 @@
                           <a:latin typeface="AdobeClean-Light"/>
                           <a:cs typeface="AdobeClean-Light"/>
                         </a:rPr>
-                        <a:t>營業日 / 3 天</a:t>
+                        <a:t>營業日 </a:t>
+                      </a:r>
+                      <a:r>
+                        <a:rPr lang="de-de" sz="900" spc="0">
+                          <a:solidFill>
+                            <a:srgbClr val="020302"/>
+                          </a:solidFill>
+                          <a:latin typeface="AdobeClean-Light"/>
+                          <a:cs typeface="AdobeClean-Light"/>
+                        </a:rPr>
+                        <a:t>/ </a:t>
+                      </a:r>
+                      <a:br>
+                        <a:rPr lang="de-DE" sz="900" spc="0">
+                          <a:solidFill>
+                            <a:srgbClr val="020302"/>
+                          </a:solidFill>
+                          <a:latin typeface="AdobeClean-Light"/>
+                          <a:cs typeface="AdobeClean-Light"/>
+                        </a:rPr>
+                      </a:br>
+                      <a:r>
+                        <a:rPr lang="de-de" sz="900" spc="0">
+                          <a:solidFill>
+                            <a:srgbClr val="020302"/>
+                          </a:solidFill>
+                          <a:latin typeface="AdobeClean-Light"/>
+                          <a:cs typeface="AdobeClean-Light"/>
+                        </a:rPr>
+                        <a:t>3 </a:t>
+                      </a:r>
+                      <a:r>
+                        <a:rPr lang="de-de" sz="900" spc="0" dirty="0">
+                          <a:solidFill>
+                            <a:srgbClr val="020302"/>
+                          </a:solidFill>
+                          <a:latin typeface="AdobeClean-Light"/>
+                          <a:cs typeface="AdobeClean-Light"/>
+                        </a:rPr>
+                        <a:t>天</a:t>
                       </a:r>
                       <a:endParaRPr sz="900" spc="0" dirty="0">
                         <a:latin typeface="AdobeClean-Light"/>
@@ -8089,13 +8213,14 @@
                     <a:bodyPr/>
                     <a:lstStyle/>
                     <a:p>
-                      <a:pPr marL="0" marR="223520" indent="-202565" algn="ctr">
+                      <a:pPr marL="46038" marR="223520" indent="0" algn="ctr">
                         <a:lnSpc>
                           <a:spcPct val="100000"/>
                         </a:lnSpc>
                         <a:spcBef>
                           <a:spcPts val="155"/>
                         </a:spcBef>
+                        <a:tabLst/>
                       </a:pPr>
                       <a:r>
                         <a:rPr lang="de-de" sz="900" spc="0" dirty="0">
@@ -8305,7 +8430,13 @@
               <a:rPr lang="de-de" sz="2300" dirty="0">
                 <a:latin typeface="Adobe Clean" panose="020B0503020404020204" pitchFamily="34" charset="0"/>
               </a:rPr>
-              <a:t>Adobe 支援方案</a:t>
+              <a:t>Adobe </a:t>
+            </a:r>
+            <a:r>
+              <a:rPr lang="ja-JP" altLang="en-US" sz="2300">
+                <a:latin typeface="Adobe Clean" panose="020B0503020404020204" pitchFamily="34" charset="0"/>
+              </a:rPr>
+              <a:t>支援計劃</a:t>
             </a:r>
             <a:endParaRPr sz="2300" dirty="0">
               <a:latin typeface="Adobe Clean" panose="020B0503020404020204" pitchFamily="34" charset="0"/>
@@ -13682,6 +13813,12 @@
 </file>
 
 <file path=customXml/item1.xml><?xml version="1.0" encoding="utf-8"?>
+<p:properties xmlns:p="http://schemas.microsoft.com/office/2006/metadata/properties" xmlns:xsi="http://www.w3.org/2001/XMLSchema-instance" xmlns:pc="http://schemas.microsoft.com/office/infopath/2007/PartnerControls">
+  <documentManagement/>
+</p:properties>
+</file>
+
+<file path=customXml/item2.xml><?xml version="1.0" encoding="utf-8"?>
 <?mso-contentType ?>
 <FormTemplates xmlns="http://schemas.microsoft.com/sharepoint/v3/contenttype/forms">
   <Display>DocumentLibraryForm</Display>
@@ -13690,7 +13827,7 @@
 </FormTemplates>
 </file>
 
-<file path=customXml/item2.xml><?xml version="1.0" encoding="utf-8"?>
+<file path=customXml/item3.xml><?xml version="1.0" encoding="utf-8"?>
 <ct:contentTypeSchema xmlns:ct="http://schemas.microsoft.com/office/2006/metadata/contentType" xmlns:ma="http://schemas.microsoft.com/office/2006/metadata/properties/metaAttributes" ct:_="" ma:_="" ma:contentTypeName="Document" ma:contentTypeID="0x010100E783BF6876BCC646A459363AF21A7736" ma:contentTypeVersion="10" ma:contentTypeDescription="Create a new document." ma:contentTypeScope="" ma:versionID="c4ffda7f4f415767600769e454c2ea87">
   <xsd:schema xmlns:xsd="http://www.w3.org/2001/XMLSchema" xmlns:xs="http://www.w3.org/2001/XMLSchema" xmlns:p="http://schemas.microsoft.com/office/2006/metadata/properties" xmlns:ns2="8a053bff-88be-49e4-9a87-e748e18b8b62" xmlns:ns3="6c8368ec-3776-49b5-a5bb-90648cf9530f" targetNamespace="http://schemas.microsoft.com/office/2006/metadata/properties" ma:root="true" ma:fieldsID="df3ec33bccc23e23bce7bc897fad43d1" ns2:_="" ns3:_="">
     <xsd:import namespace="8a053bff-88be-49e4-9a87-e748e18b8b62"/>
@@ -13895,13 +14032,16 @@
 </ct:contentTypeSchema>
 </file>
 
-<file path=customXml/item3.xml><?xml version="1.0" encoding="utf-8"?>
-<p:properties xmlns:p="http://schemas.microsoft.com/office/2006/metadata/properties" xmlns:xsi="http://www.w3.org/2001/XMLSchema-instance" xmlns:pc="http://schemas.microsoft.com/office/infopath/2007/PartnerControls">
-  <documentManagement/>
-</p:properties>
+<file path=customXml/itemProps1.xml><?xml version="1.0" encoding="utf-8"?>
+<ds:datastoreItem xmlns:ds="http://schemas.openxmlformats.org/officeDocument/2006/customXml" ds:itemID="{8D12BD98-169B-4BEE-86DF-4C9641DF23C4}">
+  <ds:schemaRefs>
+    <ds:schemaRef ds:uri="http://schemas.microsoft.com/office/2006/metadata/properties"/>
+    <ds:schemaRef ds:uri="http://schemas.microsoft.com/office/infopath/2007/PartnerControls"/>
+  </ds:schemaRefs>
+</ds:datastoreItem>
 </file>
 
-<file path=customXml/itemProps1.xml><?xml version="1.0" encoding="utf-8"?>
+<file path=customXml/itemProps2.xml><?xml version="1.0" encoding="utf-8"?>
 <ds:datastoreItem xmlns:ds="http://schemas.openxmlformats.org/officeDocument/2006/customXml" ds:itemID="{AC92E7FA-19A2-4675-9C77-2C92D8A268D1}">
   <ds:schemaRefs>
     <ds:schemaRef ds:uri="http://schemas.microsoft.com/sharepoint/v3/contenttype/forms"/>
@@ -13909,7 +14049,7 @@
 </ds:datastoreItem>
 </file>
 
-<file path=customXml/itemProps2.xml><?xml version="1.0" encoding="utf-8"?>
+<file path=customXml/itemProps3.xml><?xml version="1.0" encoding="utf-8"?>
 <ds:datastoreItem xmlns:ds="http://schemas.openxmlformats.org/officeDocument/2006/customXml" ds:itemID="{34863498-7BB7-4F09-9F4A-B99E97FDB0EB}">
   <ds:schemaRefs>
     <ds:schemaRef ds:uri="http://schemas.microsoft.com/office/2006/metadata/contentType"/>
@@ -13926,13 +14066,4 @@
     <ds:schemaRef ds:uri="http://schemas.microsoft.com/internal/obd"/>
   </ds:schemaRefs>
 </ds:datastoreItem>
-</file>
-
-<file path=customXml/itemProps3.xml><?xml version="1.0" encoding="utf-8"?>
-<ds:datastoreItem xmlns:ds="http://schemas.openxmlformats.org/officeDocument/2006/customXml" ds:itemID="{8D12BD98-169B-4BEE-86DF-4C9641DF23C4}">
-  <ds:schemaRefs>
-    <ds:schemaRef ds:uri="http://schemas.microsoft.com/office/2006/metadata/properties"/>
-    <ds:schemaRef ds:uri="http://schemas.microsoft.com/office/infopath/2007/PartnerControls"/>
-  </ds:schemaRefs>
-</ds:datastoreItem>
 </file>